--- a/chapter-intro/diagrams/diagrams.pptx
+++ b/chapter-intro/diagrams/diagrams.pptx
@@ -6,6 +6,7 @@
   </p:sldMasterIdLst>
   <p:sldIdLst>
     <p:sldId id="256" r:id="rId2"/>
+    <p:sldId id="257" r:id="rId3"/>
   </p:sldIdLst>
   <p:sldSz cx="5486400" cy="3657600"/>
   <p:notesSz cx="6858000" cy="9144000"/>
@@ -104,171 +105,94 @@
       </a:defRPr>
     </a:lvl9pPr>
   </p:defaultTextStyle>
+  <p:extLst>
+    <p:ext uri="{EFAFB233-063F-42B5-8137-9DF3F51BA10A}">
+      <p15:sldGuideLst xmlns:p15="http://schemas.microsoft.com/office/powerpoint/2012/main"/>
+    </p:ext>
+  </p:extLst>
 </p:presentation>
 </file>
 
 <file path=ppt/diagrams/colors1.xml><?xml version="1.0" encoding="utf-8"?>
-<dgm:colorsDef xmlns:dgm="http://schemas.openxmlformats.org/drawingml/2006/diagram" xmlns:a="http://schemas.openxmlformats.org/drawingml/2006/main" uniqueId="urn:microsoft.com/office/officeart/2005/8/colors/accent1_2">
+<dgm:colorsDef xmlns:dgm="http://schemas.openxmlformats.org/drawingml/2006/diagram" xmlns:a="http://schemas.openxmlformats.org/drawingml/2006/main" uniqueId="urn:microsoft.com/office/officeart/2005/8/colors/accent0_1">
   <dgm:title val=""/>
   <dgm:desc val=""/>
   <dgm:catLst>
-    <dgm:cat type="accent1" pri="11200"/>
+    <dgm:cat type="mainScheme" pri="10100"/>
   </dgm:catLst>
   <dgm:styleLbl name="node0">
     <dgm:fillClrLst meth="repeat">
-      <a:schemeClr val="accent1"/>
+      <a:schemeClr val="lt1"/>
     </dgm:fillClrLst>
     <dgm:linClrLst meth="repeat">
-      <a:schemeClr val="lt1"/>
+      <a:schemeClr val="dk1">
+        <a:shade val="80000"/>
+      </a:schemeClr>
     </dgm:linClrLst>
     <dgm:effectClrLst/>
     <dgm:txLinClrLst/>
-    <dgm:txFillClrLst/>
+    <dgm:txFillClrLst meth="repeat">
+      <a:schemeClr val="dk1"/>
+    </dgm:txFillClrLst>
     <dgm:txEffectClrLst/>
   </dgm:styleLbl>
-  <dgm:styleLbl name="alignNode1">
+  <dgm:styleLbl name="node1">
     <dgm:fillClrLst meth="repeat">
-      <a:schemeClr val="accent1"/>
+      <a:schemeClr val="lt1"/>
     </dgm:fillClrLst>
     <dgm:linClrLst meth="repeat">
-      <a:schemeClr val="accent1"/>
+      <a:schemeClr val="dk1">
+        <a:shade val="80000"/>
+      </a:schemeClr>
     </dgm:linClrLst>
     <dgm:effectClrLst/>
     <dgm:txLinClrLst/>
-    <dgm:txFillClrLst/>
+    <dgm:txFillClrLst meth="repeat">
+      <a:schemeClr val="dk1"/>
+    </dgm:txFillClrLst>
     <dgm:txEffectClrLst/>
   </dgm:styleLbl>
-  <dgm:styleLbl name="node1">
+  <dgm:styleLbl name="alignNode1">
     <dgm:fillClrLst meth="repeat">
-      <a:schemeClr val="accent1"/>
+      <a:schemeClr val="lt1"/>
     </dgm:fillClrLst>
     <dgm:linClrLst meth="repeat">
-      <a:schemeClr val="lt1"/>
+      <a:schemeClr val="dk1">
+        <a:shade val="80000"/>
+      </a:schemeClr>
     </dgm:linClrLst>
     <dgm:effectClrLst/>
     <dgm:txLinClrLst/>
-    <dgm:txFillClrLst/>
+    <dgm:txFillClrLst meth="repeat">
+      <a:schemeClr val="dk1"/>
+    </dgm:txFillClrLst>
     <dgm:txEffectClrLst/>
   </dgm:styleLbl>
   <dgm:styleLbl name="lnNode1">
     <dgm:fillClrLst meth="repeat">
-      <a:schemeClr val="accent1"/>
+      <a:schemeClr val="lt1"/>
     </dgm:fillClrLst>
     <dgm:linClrLst meth="repeat">
-      <a:schemeClr val="lt1"/>
+      <a:schemeClr val="dk1">
+        <a:shade val="80000"/>
+      </a:schemeClr>
     </dgm:linClrLst>
     <dgm:effectClrLst/>
     <dgm:txLinClrLst/>
-    <dgm:txFillClrLst/>
+    <dgm:txFillClrLst meth="repeat">
+      <a:schemeClr val="dk1"/>
+    </dgm:txFillClrLst>
     <dgm:txEffectClrLst/>
   </dgm:styleLbl>
   <dgm:styleLbl name="vennNode1">
     <dgm:fillClrLst meth="repeat">
-      <a:schemeClr val="accent1">
+      <a:schemeClr val="lt1">
         <a:alpha val="50000"/>
       </a:schemeClr>
     </dgm:fillClrLst>
     <dgm:linClrLst meth="repeat">
-      <a:schemeClr val="lt1"/>
-    </dgm:linClrLst>
-    <dgm:effectClrLst/>
-    <dgm:txLinClrLst/>
-    <dgm:txFillClrLst/>
-    <dgm:txEffectClrLst/>
-  </dgm:styleLbl>
-  <dgm:styleLbl name="node2">
-    <dgm:fillClrLst meth="repeat">
-      <a:schemeClr val="accent1"/>
-    </dgm:fillClrLst>
-    <dgm:linClrLst meth="repeat">
-      <a:schemeClr val="lt1"/>
-    </dgm:linClrLst>
-    <dgm:effectClrLst/>
-    <dgm:txLinClrLst/>
-    <dgm:txFillClrLst/>
-    <dgm:txEffectClrLst/>
-  </dgm:styleLbl>
-  <dgm:styleLbl name="node3">
-    <dgm:fillClrLst meth="repeat">
-      <a:schemeClr val="accent1"/>
-    </dgm:fillClrLst>
-    <dgm:linClrLst meth="repeat">
-      <a:schemeClr val="lt1"/>
-    </dgm:linClrLst>
-    <dgm:effectClrLst/>
-    <dgm:txLinClrLst/>
-    <dgm:txFillClrLst/>
-    <dgm:txEffectClrLst/>
-  </dgm:styleLbl>
-  <dgm:styleLbl name="node4">
-    <dgm:fillClrLst meth="repeat">
-      <a:schemeClr val="accent1"/>
-    </dgm:fillClrLst>
-    <dgm:linClrLst meth="repeat">
-      <a:schemeClr val="lt1"/>
-    </dgm:linClrLst>
-    <dgm:effectClrLst/>
-    <dgm:txLinClrLst/>
-    <dgm:txFillClrLst/>
-    <dgm:txEffectClrLst/>
-  </dgm:styleLbl>
-  <dgm:styleLbl name="fgImgPlace1">
-    <dgm:fillClrLst meth="repeat">
-      <a:schemeClr val="accent1">
-        <a:tint val="50000"/>
-      </a:schemeClr>
-    </dgm:fillClrLst>
-    <dgm:linClrLst meth="repeat">
-      <a:schemeClr val="lt1"/>
-    </dgm:linClrLst>
-    <dgm:effectClrLst/>
-    <dgm:txLinClrLst/>
-    <dgm:txFillClrLst meth="repeat">
-      <a:schemeClr val="lt1"/>
-    </dgm:txFillClrLst>
-    <dgm:txEffectClrLst/>
-  </dgm:styleLbl>
-  <dgm:styleLbl name="alignImgPlace1">
-    <dgm:fillClrLst meth="repeat">
-      <a:schemeClr val="accent1">
-        <a:tint val="50000"/>
-      </a:schemeClr>
-    </dgm:fillClrLst>
-    <dgm:linClrLst meth="repeat">
-      <a:schemeClr val="lt1"/>
-    </dgm:linClrLst>
-    <dgm:effectClrLst/>
-    <dgm:txLinClrLst/>
-    <dgm:txFillClrLst meth="repeat">
-      <a:schemeClr val="lt1"/>
-    </dgm:txFillClrLst>
-    <dgm:txEffectClrLst/>
-  </dgm:styleLbl>
-  <dgm:styleLbl name="bgImgPlace1">
-    <dgm:fillClrLst meth="repeat">
-      <a:schemeClr val="accent1">
-        <a:tint val="50000"/>
-      </a:schemeClr>
-    </dgm:fillClrLst>
-    <dgm:linClrLst meth="repeat">
-      <a:schemeClr val="lt1"/>
-    </dgm:linClrLst>
-    <dgm:effectClrLst/>
-    <dgm:txLinClrLst/>
-    <dgm:txFillClrLst meth="repeat">
-      <a:schemeClr val="lt1"/>
-    </dgm:txFillClrLst>
-    <dgm:txEffectClrLst/>
-  </dgm:styleLbl>
-  <dgm:styleLbl name="sibTrans2D1">
-    <dgm:fillClrLst meth="repeat">
-      <a:schemeClr val="accent1">
-        <a:tint val="60000"/>
-      </a:schemeClr>
-    </dgm:fillClrLst>
-    <dgm:linClrLst meth="repeat">
-      <a:schemeClr val="accent1">
-        <a:tint val="60000"/>
+      <a:schemeClr val="dk1">
+        <a:shade val="80000"/>
       </a:schemeClr>
     </dgm:linClrLst>
     <dgm:effectClrLst/>
@@ -276,137 +200,63 @@
     <dgm:txFillClrLst/>
     <dgm:txEffectClrLst/>
   </dgm:styleLbl>
-  <dgm:styleLbl name="fgSibTrans2D1">
+  <dgm:styleLbl name="node2">
     <dgm:fillClrLst meth="repeat">
-      <a:schemeClr val="accent1">
-        <a:tint val="60000"/>
-      </a:schemeClr>
+      <a:schemeClr val="lt1"/>
     </dgm:fillClrLst>
     <dgm:linClrLst meth="repeat">
-      <a:schemeClr val="accent1">
-        <a:tint val="60000"/>
-      </a:schemeClr>
-    </dgm:linClrLst>
-    <dgm:effectClrLst/>
-    <dgm:txLinClrLst/>
-    <dgm:txFillClrLst/>
-    <dgm:txEffectClrLst/>
-  </dgm:styleLbl>
-  <dgm:styleLbl name="bgSibTrans2D1">
-    <dgm:fillClrLst meth="repeat">
-      <a:schemeClr val="accent1">
-        <a:tint val="60000"/>
-      </a:schemeClr>
-    </dgm:fillClrLst>
-    <dgm:linClrLst meth="repeat">
-      <a:schemeClr val="accent1">
-        <a:tint val="60000"/>
-      </a:schemeClr>
-    </dgm:linClrLst>
-    <dgm:effectClrLst/>
-    <dgm:txLinClrLst/>
-    <dgm:txFillClrLst/>
-    <dgm:txEffectClrLst/>
-  </dgm:styleLbl>
-  <dgm:styleLbl name="sibTrans1D1">
-    <dgm:fillClrLst meth="repeat">
-      <a:schemeClr val="accent1"/>
-    </dgm:fillClrLst>
-    <dgm:linClrLst meth="repeat">
-      <a:schemeClr val="accent1"/>
-    </dgm:linClrLst>
-    <dgm:effectClrLst/>
-    <dgm:txLinClrLst/>
-    <dgm:txFillClrLst meth="repeat">
-      <a:schemeClr val="tx1"/>
-    </dgm:txFillClrLst>
-    <dgm:txEffectClrLst/>
-  </dgm:styleLbl>
-  <dgm:styleLbl name="callout">
-    <dgm:fillClrLst meth="repeat">
-      <a:schemeClr val="accent1"/>
-    </dgm:fillClrLst>
-    <dgm:linClrLst meth="repeat">
-      <a:schemeClr val="accent1">
-        <a:tint val="50000"/>
+      <a:schemeClr val="dk1">
+        <a:shade val="80000"/>
       </a:schemeClr>
     </dgm:linClrLst>
     <dgm:effectClrLst/>
     <dgm:txLinClrLst/>
     <dgm:txFillClrLst meth="repeat">
-      <a:schemeClr val="tx1"/>
+      <a:schemeClr val="dk1"/>
     </dgm:txFillClrLst>
     <dgm:txEffectClrLst/>
   </dgm:styleLbl>
-  <dgm:styleLbl name="asst0">
+  <dgm:styleLbl name="node3">
     <dgm:fillClrLst meth="repeat">
-      <a:schemeClr val="accent1"/>
+      <a:schemeClr val="lt1"/>
     </dgm:fillClrLst>
     <dgm:linClrLst meth="repeat">
-      <a:schemeClr val="lt1"/>
+      <a:schemeClr val="dk1">
+        <a:shade val="80000"/>
+      </a:schemeClr>
     </dgm:linClrLst>
     <dgm:effectClrLst/>
     <dgm:txLinClrLst/>
-    <dgm:txFillClrLst/>
+    <dgm:txFillClrLst meth="repeat">
+      <a:schemeClr val="dk1"/>
+    </dgm:txFillClrLst>
     <dgm:txEffectClrLst/>
   </dgm:styleLbl>
-  <dgm:styleLbl name="asst1">
+  <dgm:styleLbl name="node4">
     <dgm:fillClrLst meth="repeat">
-      <a:schemeClr val="accent1"/>
+      <a:schemeClr val="lt1"/>
     </dgm:fillClrLst>
     <dgm:linClrLst meth="repeat">
-      <a:schemeClr val="lt1"/>
+      <a:schemeClr val="dk1">
+        <a:shade val="80000"/>
+      </a:schemeClr>
     </dgm:linClrLst>
     <dgm:effectClrLst/>
     <dgm:txLinClrLst/>
-    <dgm:txFillClrLst/>
+    <dgm:txFillClrLst meth="repeat">
+      <a:schemeClr val="dk1"/>
+    </dgm:txFillClrLst>
     <dgm:txEffectClrLst/>
   </dgm:styleLbl>
-  <dgm:styleLbl name="asst2">
+  <dgm:styleLbl name="fgImgPlace1">
     <dgm:fillClrLst meth="repeat">
-      <a:schemeClr val="accent1"/>
-    </dgm:fillClrLst>
-    <dgm:linClrLst meth="repeat">
-      <a:schemeClr val="lt1"/>
-    </dgm:linClrLst>
-    <dgm:effectClrLst/>
-    <dgm:txLinClrLst/>
-    <dgm:txFillClrLst/>
-    <dgm:txEffectClrLst/>
-  </dgm:styleLbl>
-  <dgm:styleLbl name="asst3">
-    <dgm:fillClrLst meth="repeat">
-      <a:schemeClr val="accent1"/>
-    </dgm:fillClrLst>
-    <dgm:linClrLst meth="repeat">
-      <a:schemeClr val="lt1"/>
-    </dgm:linClrLst>
-    <dgm:effectClrLst/>
-    <dgm:txLinClrLst/>
-    <dgm:txFillClrLst/>
-    <dgm:txEffectClrLst/>
-  </dgm:styleLbl>
-  <dgm:styleLbl name="asst4">
-    <dgm:fillClrLst meth="repeat">
-      <a:schemeClr val="accent1"/>
-    </dgm:fillClrLst>
-    <dgm:linClrLst meth="repeat">
-      <a:schemeClr val="lt1"/>
-    </dgm:linClrLst>
-    <dgm:effectClrLst/>
-    <dgm:txLinClrLst/>
-    <dgm:txFillClrLst/>
-    <dgm:txEffectClrLst/>
-  </dgm:styleLbl>
-  <dgm:styleLbl name="parChTrans2D1">
-    <dgm:fillClrLst meth="repeat">
-      <a:schemeClr val="accent1">
-        <a:tint val="60000"/>
+      <a:schemeClr val="dk1">
+        <a:tint val="40000"/>
       </a:schemeClr>
     </dgm:fillClrLst>
     <dgm:linClrLst meth="repeat">
-      <a:schemeClr val="accent1">
-        <a:tint val="60000"/>
+      <a:schemeClr val="dk1">
+        <a:shade val="80000"/>
       </a:schemeClr>
     </dgm:linClrLst>
     <dgm:effectClrLst/>
@@ -416,12 +266,16 @@
     </dgm:txFillClrLst>
     <dgm:txEffectClrLst/>
   </dgm:styleLbl>
-  <dgm:styleLbl name="parChTrans2D2">
+  <dgm:styleLbl name="alignImgPlace1">
     <dgm:fillClrLst meth="repeat">
-      <a:schemeClr val="accent1"/>
+      <a:schemeClr val="dk1">
+        <a:tint val="40000"/>
+      </a:schemeClr>
     </dgm:fillClrLst>
     <dgm:linClrLst meth="repeat">
-      <a:schemeClr val="accent1"/>
+      <a:schemeClr val="dk1">
+        <a:shade val="80000"/>
+      </a:schemeClr>
     </dgm:linClrLst>
     <dgm:effectClrLst/>
     <dgm:txLinClrLst/>
@@ -430,12 +284,16 @@
     </dgm:txFillClrLst>
     <dgm:txEffectClrLst/>
   </dgm:styleLbl>
-  <dgm:styleLbl name="parChTrans2D3">
+  <dgm:styleLbl name="bgImgPlace1">
     <dgm:fillClrLst meth="repeat">
-      <a:schemeClr val="accent1"/>
+      <a:schemeClr val="dk1">
+        <a:tint val="40000"/>
+      </a:schemeClr>
     </dgm:fillClrLst>
     <dgm:linClrLst meth="repeat">
-      <a:schemeClr val="accent1"/>
+      <a:schemeClr val="dk1">
+        <a:shade val="80000"/>
+      </a:schemeClr>
     </dgm:linClrLst>
     <dgm:effectClrLst/>
     <dgm:txLinClrLst/>
@@ -444,12 +302,214 @@
     </dgm:txFillClrLst>
     <dgm:txEffectClrLst/>
   </dgm:styleLbl>
+  <dgm:styleLbl name="sibTrans2D1">
+    <dgm:fillClrLst meth="repeat">
+      <a:schemeClr val="dk1">
+        <a:tint val="60000"/>
+      </a:schemeClr>
+    </dgm:fillClrLst>
+    <dgm:linClrLst meth="repeat">
+      <a:schemeClr val="dk1">
+        <a:tint val="60000"/>
+      </a:schemeClr>
+    </dgm:linClrLst>
+    <dgm:effectClrLst/>
+    <dgm:txLinClrLst/>
+    <dgm:txFillClrLst meth="repeat">
+      <a:schemeClr val="dk1"/>
+    </dgm:txFillClrLst>
+    <dgm:txEffectClrLst/>
+  </dgm:styleLbl>
+  <dgm:styleLbl name="fgSibTrans2D1">
+    <dgm:fillClrLst meth="repeat">
+      <a:schemeClr val="dk1">
+        <a:tint val="60000"/>
+      </a:schemeClr>
+    </dgm:fillClrLst>
+    <dgm:linClrLst meth="repeat">
+      <a:schemeClr val="dk1">
+        <a:tint val="60000"/>
+      </a:schemeClr>
+    </dgm:linClrLst>
+    <dgm:effectClrLst/>
+    <dgm:txLinClrLst/>
+    <dgm:txFillClrLst meth="repeat">
+      <a:schemeClr val="dk1"/>
+    </dgm:txFillClrLst>
+    <dgm:txEffectClrLst/>
+  </dgm:styleLbl>
+  <dgm:styleLbl name="bgSibTrans2D1">
+    <dgm:fillClrLst meth="repeat">
+      <a:schemeClr val="dk1">
+        <a:tint val="60000"/>
+      </a:schemeClr>
+    </dgm:fillClrLst>
+    <dgm:linClrLst meth="repeat">
+      <a:schemeClr val="dk1">
+        <a:tint val="60000"/>
+      </a:schemeClr>
+    </dgm:linClrLst>
+    <dgm:effectClrLst/>
+    <dgm:txLinClrLst/>
+    <dgm:txFillClrLst meth="repeat">
+      <a:schemeClr val="dk1"/>
+    </dgm:txFillClrLst>
+    <dgm:txEffectClrLst/>
+  </dgm:styleLbl>
+  <dgm:styleLbl name="sibTrans1D1">
+    <dgm:fillClrLst meth="repeat">
+      <a:schemeClr val="dk1"/>
+    </dgm:fillClrLst>
+    <dgm:linClrLst meth="repeat">
+      <a:schemeClr val="dk1"/>
+    </dgm:linClrLst>
+    <dgm:effectClrLst/>
+    <dgm:txLinClrLst/>
+    <dgm:txFillClrLst meth="repeat">
+      <a:schemeClr val="tx1"/>
+    </dgm:txFillClrLst>
+    <dgm:txEffectClrLst/>
+  </dgm:styleLbl>
+  <dgm:styleLbl name="callout">
+    <dgm:fillClrLst meth="repeat">
+      <a:schemeClr val="dk1"/>
+    </dgm:fillClrLst>
+    <dgm:linClrLst meth="repeat">
+      <a:schemeClr val="dk1"/>
+    </dgm:linClrLst>
+    <dgm:effectClrLst/>
+    <dgm:txLinClrLst/>
+    <dgm:txFillClrLst meth="repeat">
+      <a:schemeClr val="tx1"/>
+    </dgm:txFillClrLst>
+    <dgm:txEffectClrLst/>
+  </dgm:styleLbl>
+  <dgm:styleLbl name="asst0">
+    <dgm:fillClrLst meth="repeat">
+      <a:schemeClr val="lt1"/>
+    </dgm:fillClrLst>
+    <dgm:linClrLst meth="repeat">
+      <a:schemeClr val="dk1">
+        <a:shade val="80000"/>
+      </a:schemeClr>
+    </dgm:linClrLst>
+    <dgm:effectClrLst/>
+    <dgm:txLinClrLst/>
+    <dgm:txFillClrLst meth="repeat">
+      <a:schemeClr val="dk1"/>
+    </dgm:txFillClrLst>
+    <dgm:txEffectClrLst/>
+  </dgm:styleLbl>
+  <dgm:styleLbl name="asst1">
+    <dgm:fillClrLst meth="repeat">
+      <a:schemeClr val="lt1"/>
+    </dgm:fillClrLst>
+    <dgm:linClrLst meth="repeat">
+      <a:schemeClr val="dk1">
+        <a:shade val="80000"/>
+      </a:schemeClr>
+    </dgm:linClrLst>
+    <dgm:effectClrLst/>
+    <dgm:txLinClrLst/>
+    <dgm:txFillClrLst meth="repeat">
+      <a:schemeClr val="dk1"/>
+    </dgm:txFillClrLst>
+    <dgm:txEffectClrLst/>
+  </dgm:styleLbl>
+  <dgm:styleLbl name="asst2">
+    <dgm:fillClrLst meth="repeat">
+      <a:schemeClr val="lt1"/>
+    </dgm:fillClrLst>
+    <dgm:linClrLst meth="repeat">
+      <a:schemeClr val="dk1">
+        <a:shade val="80000"/>
+      </a:schemeClr>
+    </dgm:linClrLst>
+    <dgm:effectClrLst/>
+    <dgm:txLinClrLst/>
+    <dgm:txFillClrLst meth="repeat">
+      <a:schemeClr val="dk1"/>
+    </dgm:txFillClrLst>
+    <dgm:txEffectClrLst/>
+  </dgm:styleLbl>
+  <dgm:styleLbl name="asst3">
+    <dgm:fillClrLst meth="repeat">
+      <a:schemeClr val="lt1"/>
+    </dgm:fillClrLst>
+    <dgm:linClrLst meth="repeat">
+      <a:schemeClr val="dk1">
+        <a:shade val="80000"/>
+      </a:schemeClr>
+    </dgm:linClrLst>
+    <dgm:effectClrLst/>
+    <dgm:txLinClrLst/>
+    <dgm:txFillClrLst meth="repeat">
+      <a:schemeClr val="dk1"/>
+    </dgm:txFillClrLst>
+    <dgm:txEffectClrLst/>
+  </dgm:styleLbl>
+  <dgm:styleLbl name="asst4">
+    <dgm:fillClrLst meth="repeat">
+      <a:schemeClr val="lt1"/>
+    </dgm:fillClrLst>
+    <dgm:linClrLst meth="repeat">
+      <a:schemeClr val="dk1">
+        <a:shade val="80000"/>
+      </a:schemeClr>
+    </dgm:linClrLst>
+    <dgm:effectClrLst/>
+    <dgm:txLinClrLst/>
+    <dgm:txFillClrLst meth="repeat">
+      <a:schemeClr val="dk1"/>
+    </dgm:txFillClrLst>
+    <dgm:txEffectClrLst/>
+  </dgm:styleLbl>
+  <dgm:styleLbl name="parChTrans2D1">
+    <dgm:fillClrLst meth="repeat">
+      <a:schemeClr val="dk1">
+        <a:tint val="60000"/>
+      </a:schemeClr>
+    </dgm:fillClrLst>
+    <dgm:linClrLst meth="repeat">
+      <a:schemeClr val="dk1">
+        <a:tint val="60000"/>
+      </a:schemeClr>
+    </dgm:linClrLst>
+    <dgm:effectClrLst/>
+    <dgm:txLinClrLst/>
+    <dgm:txFillClrLst/>
+    <dgm:txEffectClrLst/>
+  </dgm:styleLbl>
+  <dgm:styleLbl name="parChTrans2D2">
+    <dgm:fillClrLst meth="repeat">
+      <a:schemeClr val="dk1"/>
+    </dgm:fillClrLst>
+    <dgm:linClrLst meth="repeat">
+      <a:schemeClr val="dk1"/>
+    </dgm:linClrLst>
+    <dgm:effectClrLst/>
+    <dgm:txLinClrLst/>
+    <dgm:txFillClrLst/>
+    <dgm:txEffectClrLst/>
+  </dgm:styleLbl>
+  <dgm:styleLbl name="parChTrans2D3">
+    <dgm:fillClrLst meth="repeat">
+      <a:schemeClr val="dk1"/>
+    </dgm:fillClrLst>
+    <dgm:linClrLst meth="repeat">
+      <a:schemeClr val="dk1"/>
+    </dgm:linClrLst>
+    <dgm:effectClrLst/>
+    <dgm:txLinClrLst/>
+    <dgm:txFillClrLst/>
+    <dgm:txEffectClrLst/>
+  </dgm:styleLbl>
   <dgm:styleLbl name="parChTrans2D4">
     <dgm:fillClrLst meth="repeat">
-      <a:schemeClr val="accent1"/>
+      <a:schemeClr val="dk1"/>
     </dgm:fillClrLst>
     <dgm:linClrLst meth="repeat">
-      <a:schemeClr val="accent1"/>
+      <a:schemeClr val="dk1"/>
     </dgm:linClrLst>
     <dgm:effectClrLst/>
     <dgm:txLinClrLst/>
@@ -460,10 +520,10 @@
   </dgm:styleLbl>
   <dgm:styleLbl name="parChTrans1D1">
     <dgm:fillClrLst meth="repeat">
-      <a:schemeClr val="accent1"/>
+      <a:schemeClr val="dk1"/>
     </dgm:fillClrLst>
     <dgm:linClrLst meth="repeat">
-      <a:schemeClr val="accent1">
+      <a:schemeClr val="dk1">
         <a:shade val="60000"/>
       </a:schemeClr>
     </dgm:linClrLst>
@@ -476,10 +536,10 @@
   </dgm:styleLbl>
   <dgm:styleLbl name="parChTrans1D2">
     <dgm:fillClrLst meth="repeat">
-      <a:schemeClr val="accent1"/>
+      <a:schemeClr val="dk1"/>
     </dgm:fillClrLst>
     <dgm:linClrLst meth="repeat">
-      <a:schemeClr val="accent1">
+      <a:schemeClr val="dk1">
         <a:shade val="60000"/>
       </a:schemeClr>
     </dgm:linClrLst>
@@ -492,10 +552,10 @@
   </dgm:styleLbl>
   <dgm:styleLbl name="parChTrans1D3">
     <dgm:fillClrLst meth="repeat">
-      <a:schemeClr val="accent1"/>
+      <a:schemeClr val="dk1"/>
     </dgm:fillClrLst>
     <dgm:linClrLst meth="repeat">
-      <a:schemeClr val="accent1">
+      <a:schemeClr val="dk1">
         <a:shade val="80000"/>
       </a:schemeClr>
     </dgm:linClrLst>
@@ -508,10 +568,10 @@
   </dgm:styleLbl>
   <dgm:styleLbl name="parChTrans1D4">
     <dgm:fillClrLst meth="repeat">
-      <a:schemeClr val="accent1"/>
+      <a:schemeClr val="dk1"/>
     </dgm:fillClrLst>
     <dgm:linClrLst meth="repeat">
-      <a:schemeClr val="accent1">
+      <a:schemeClr val="dk1">
         <a:shade val="80000"/>
       </a:schemeClr>
     </dgm:linClrLst>
@@ -524,12 +584,13 @@
   </dgm:styleLbl>
   <dgm:styleLbl name="fgAcc1">
     <dgm:fillClrLst meth="repeat">
-      <a:schemeClr val="lt1">
+      <a:schemeClr val="dk1">
         <a:alpha val="90000"/>
+        <a:tint val="40000"/>
       </a:schemeClr>
     </dgm:fillClrLst>
     <dgm:linClrLst meth="repeat">
-      <a:schemeClr val="accent1"/>
+      <a:schemeClr val="dk1"/>
     </dgm:linClrLst>
     <dgm:effectClrLst/>
     <dgm:txLinClrLst/>
@@ -540,12 +601,13 @@
   </dgm:styleLbl>
   <dgm:styleLbl name="conFgAcc1">
     <dgm:fillClrLst meth="repeat">
-      <a:schemeClr val="lt1">
+      <a:schemeClr val="dk1">
         <a:alpha val="90000"/>
+        <a:tint val="40000"/>
       </a:schemeClr>
     </dgm:fillClrLst>
     <dgm:linClrLst meth="repeat">
-      <a:schemeClr val="accent1"/>
+      <a:schemeClr val="dk1"/>
     </dgm:linClrLst>
     <dgm:effectClrLst/>
     <dgm:txLinClrLst/>
@@ -556,12 +618,13 @@
   </dgm:styleLbl>
   <dgm:styleLbl name="alignAcc1">
     <dgm:fillClrLst meth="repeat">
-      <a:schemeClr val="lt1">
+      <a:schemeClr val="dk1">
         <a:alpha val="90000"/>
+        <a:tint val="40000"/>
       </a:schemeClr>
     </dgm:fillClrLst>
     <dgm:linClrLst meth="repeat">
-      <a:schemeClr val="accent1"/>
+      <a:schemeClr val="dk1"/>
     </dgm:linClrLst>
     <dgm:effectClrLst/>
     <dgm:txLinClrLst/>
@@ -572,12 +635,13 @@
   </dgm:styleLbl>
   <dgm:styleLbl name="trAlignAcc1">
     <dgm:fillClrLst meth="repeat">
-      <a:schemeClr val="lt1">
+      <a:schemeClr val="dk1">
         <a:alpha val="40000"/>
+        <a:tint val="40000"/>
       </a:schemeClr>
     </dgm:fillClrLst>
     <dgm:linClrLst meth="repeat">
-      <a:schemeClr val="accent1"/>
+      <a:schemeClr val="dk1"/>
     </dgm:linClrLst>
     <dgm:effectClrLst/>
     <dgm:txLinClrLst/>
@@ -588,12 +652,13 @@
   </dgm:styleLbl>
   <dgm:styleLbl name="bgAcc1">
     <dgm:fillClrLst meth="repeat">
-      <a:schemeClr val="lt1">
+      <a:schemeClr val="dk1">
         <a:alpha val="90000"/>
+        <a:tint val="40000"/>
       </a:schemeClr>
     </dgm:fillClrLst>
     <dgm:linClrLst meth="repeat">
-      <a:schemeClr val="accent1"/>
+      <a:schemeClr val="dk1"/>
     </dgm:linClrLst>
     <dgm:effectClrLst/>
     <dgm:txLinClrLst/>
@@ -607,7 +672,7 @@
       <a:schemeClr val="lt1"/>
     </dgm:fillClrLst>
     <dgm:linClrLst meth="repeat">
-      <a:schemeClr val="accent1"/>
+      <a:schemeClr val="dk1"/>
     </dgm:linClrLst>
     <dgm:effectClrLst/>
     <dgm:txLinClrLst/>
@@ -621,7 +686,7 @@
       <a:schemeClr val="lt1"/>
     </dgm:fillClrLst>
     <dgm:linClrLst meth="repeat">
-      <a:schemeClr val="accent1"/>
+      <a:schemeClr val="dk1"/>
     </dgm:linClrLst>
     <dgm:effectClrLst/>
     <dgm:txLinClrLst/>
@@ -635,7 +700,7 @@
       <a:schemeClr val="lt1"/>
     </dgm:fillClrLst>
     <dgm:linClrLst meth="repeat">
-      <a:schemeClr val="accent1"/>
+      <a:schemeClr val="dk1"/>
     </dgm:linClrLst>
     <dgm:effectClrLst/>
     <dgm:txLinClrLst/>
@@ -646,15 +711,14 @@
   </dgm:styleLbl>
   <dgm:styleLbl name="fgAccFollowNode1">
     <dgm:fillClrLst meth="repeat">
-      <a:schemeClr val="accent1">
+      <a:schemeClr val="lt1">
         <a:alpha val="90000"/>
         <a:tint val="40000"/>
       </a:schemeClr>
     </dgm:fillClrLst>
     <dgm:linClrLst meth="repeat">
-      <a:schemeClr val="accent1">
+      <a:schemeClr val="dk1">
         <a:alpha val="90000"/>
-        <a:tint val="40000"/>
       </a:schemeClr>
     </dgm:linClrLst>
     <dgm:effectClrLst/>
@@ -666,15 +730,14 @@
   </dgm:styleLbl>
   <dgm:styleLbl name="alignAccFollowNode1">
     <dgm:fillClrLst meth="repeat">
-      <a:schemeClr val="accent1">
+      <a:schemeClr val="lt1">
         <a:alpha val="90000"/>
         <a:tint val="40000"/>
       </a:schemeClr>
     </dgm:fillClrLst>
     <dgm:linClrLst meth="repeat">
-      <a:schemeClr val="accent1">
+      <a:schemeClr val="dk1">
         <a:alpha val="90000"/>
-        <a:tint val="40000"/>
       </a:schemeClr>
     </dgm:linClrLst>
     <dgm:effectClrLst/>
@@ -686,15 +749,14 @@
   </dgm:styleLbl>
   <dgm:styleLbl name="bgAccFollowNode1">
     <dgm:fillClrLst meth="repeat">
-      <a:schemeClr val="accent1">
+      <a:schemeClr val="lt1">
         <a:alpha val="90000"/>
         <a:tint val="40000"/>
       </a:schemeClr>
     </dgm:fillClrLst>
     <dgm:linClrLst meth="repeat">
-      <a:schemeClr val="accent1">
+      <a:schemeClr val="dk1">
         <a:alpha val="90000"/>
-        <a:tint val="40000"/>
       </a:schemeClr>
     </dgm:linClrLst>
     <dgm:effectClrLst/>
@@ -706,12 +768,13 @@
   </dgm:styleLbl>
   <dgm:styleLbl name="fgAcc0">
     <dgm:fillClrLst meth="repeat">
-      <a:schemeClr val="lt1">
+      <a:schemeClr val="dk1">
         <a:alpha val="90000"/>
+        <a:tint val="40000"/>
       </a:schemeClr>
     </dgm:fillClrLst>
     <dgm:linClrLst meth="repeat">
-      <a:schemeClr val="accent1"/>
+      <a:schemeClr val="dk1"/>
     </dgm:linClrLst>
     <dgm:effectClrLst/>
     <dgm:txLinClrLst/>
@@ -722,12 +785,13 @@
   </dgm:styleLbl>
   <dgm:styleLbl name="fgAcc2">
     <dgm:fillClrLst meth="repeat">
-      <a:schemeClr val="lt1">
+      <a:schemeClr val="dk1">
         <a:alpha val="90000"/>
+        <a:tint val="40000"/>
       </a:schemeClr>
     </dgm:fillClrLst>
     <dgm:linClrLst meth="repeat">
-      <a:schemeClr val="accent1"/>
+      <a:schemeClr val="dk1"/>
     </dgm:linClrLst>
     <dgm:effectClrLst/>
     <dgm:txLinClrLst/>
@@ -738,12 +802,13 @@
   </dgm:styleLbl>
   <dgm:styleLbl name="fgAcc3">
     <dgm:fillClrLst meth="repeat">
-      <a:schemeClr val="lt1">
+      <a:schemeClr val="dk1">
         <a:alpha val="90000"/>
+        <a:tint val="40000"/>
       </a:schemeClr>
     </dgm:fillClrLst>
     <dgm:linClrLst meth="repeat">
-      <a:schemeClr val="accent1"/>
+      <a:schemeClr val="dk1"/>
     </dgm:linClrLst>
     <dgm:effectClrLst/>
     <dgm:txLinClrLst/>
@@ -754,12 +819,13 @@
   </dgm:styleLbl>
   <dgm:styleLbl name="fgAcc4">
     <dgm:fillClrLst meth="repeat">
-      <a:schemeClr val="lt1">
+      <a:schemeClr val="dk1">
         <a:alpha val="90000"/>
+        <a:tint val="40000"/>
       </a:schemeClr>
     </dgm:fillClrLst>
     <dgm:linClrLst meth="repeat">
-      <a:schemeClr val="accent1"/>
+      <a:schemeClr val="dk1"/>
     </dgm:linClrLst>
     <dgm:effectClrLst/>
     <dgm:txLinClrLst/>
@@ -770,12 +836,12 @@
   </dgm:styleLbl>
   <dgm:styleLbl name="bgShp">
     <dgm:fillClrLst meth="repeat">
-      <a:schemeClr val="accent1">
+      <a:schemeClr val="dk1">
         <a:tint val="40000"/>
       </a:schemeClr>
     </dgm:fillClrLst>
     <dgm:linClrLst meth="repeat">
-      <a:schemeClr val="accent1"/>
+      <a:schemeClr val="dk1"/>
     </dgm:linClrLst>
     <dgm:effectClrLst/>
     <dgm:txLinClrLst/>
@@ -786,12 +852,12 @@
   </dgm:styleLbl>
   <dgm:styleLbl name="dkBgShp">
     <dgm:fillClrLst meth="repeat">
-      <a:schemeClr val="accent1">
+      <a:schemeClr val="dk1">
         <a:shade val="80000"/>
       </a:schemeClr>
     </dgm:fillClrLst>
     <dgm:linClrLst meth="repeat">
-      <a:schemeClr val="accent1"/>
+      <a:schemeClr val="dk1"/>
     </dgm:linClrLst>
     <dgm:effectClrLst/>
     <dgm:txLinClrLst/>
@@ -802,13 +868,13 @@
   </dgm:styleLbl>
   <dgm:styleLbl name="trBgShp">
     <dgm:fillClrLst meth="repeat">
-      <a:schemeClr val="accent1">
+      <a:schemeClr val="dk1">
         <a:tint val="50000"/>
         <a:alpha val="40000"/>
       </a:schemeClr>
     </dgm:fillClrLst>
     <dgm:linClrLst meth="repeat">
-      <a:schemeClr val="accent1"/>
+      <a:schemeClr val="dk1"/>
     </dgm:linClrLst>
     <dgm:effectClrLst/>
     <dgm:txLinClrLst/>
@@ -819,7 +885,7 @@
   </dgm:styleLbl>
   <dgm:styleLbl name="fgShp">
     <dgm:fillClrLst meth="repeat">
-      <a:schemeClr val="accent1">
+      <a:schemeClr val="dk1">
         <a:tint val="60000"/>
       </a:schemeClr>
     </dgm:fillClrLst>
@@ -854,11 +920,818 @@
 </dgm:colorsDef>
 </file>
 
+<file path=ppt/diagrams/colors2.xml><?xml version="1.0" encoding="utf-8"?>
+<dgm:colorsDef xmlns:dgm="http://schemas.openxmlformats.org/drawingml/2006/diagram" xmlns:a="http://schemas.openxmlformats.org/drawingml/2006/main" uniqueId="urn:microsoft.com/office/officeart/2005/8/colors/accent0_1">
+  <dgm:title val=""/>
+  <dgm:desc val=""/>
+  <dgm:catLst>
+    <dgm:cat type="mainScheme" pri="10100"/>
+  </dgm:catLst>
+  <dgm:styleLbl name="node0">
+    <dgm:fillClrLst meth="repeat">
+      <a:schemeClr val="lt1"/>
+    </dgm:fillClrLst>
+    <dgm:linClrLst meth="repeat">
+      <a:schemeClr val="dk1">
+        <a:shade val="80000"/>
+      </a:schemeClr>
+    </dgm:linClrLst>
+    <dgm:effectClrLst/>
+    <dgm:txLinClrLst/>
+    <dgm:txFillClrLst meth="repeat">
+      <a:schemeClr val="dk1"/>
+    </dgm:txFillClrLst>
+    <dgm:txEffectClrLst/>
+  </dgm:styleLbl>
+  <dgm:styleLbl name="node1">
+    <dgm:fillClrLst meth="repeat">
+      <a:schemeClr val="lt1"/>
+    </dgm:fillClrLst>
+    <dgm:linClrLst meth="repeat">
+      <a:schemeClr val="dk1">
+        <a:shade val="80000"/>
+      </a:schemeClr>
+    </dgm:linClrLst>
+    <dgm:effectClrLst/>
+    <dgm:txLinClrLst/>
+    <dgm:txFillClrLst meth="repeat">
+      <a:schemeClr val="dk1"/>
+    </dgm:txFillClrLst>
+    <dgm:txEffectClrLst/>
+  </dgm:styleLbl>
+  <dgm:styleLbl name="alignNode1">
+    <dgm:fillClrLst meth="repeat">
+      <a:schemeClr val="lt1"/>
+    </dgm:fillClrLst>
+    <dgm:linClrLst meth="repeat">
+      <a:schemeClr val="dk1">
+        <a:shade val="80000"/>
+      </a:schemeClr>
+    </dgm:linClrLst>
+    <dgm:effectClrLst/>
+    <dgm:txLinClrLst/>
+    <dgm:txFillClrLst meth="repeat">
+      <a:schemeClr val="dk1"/>
+    </dgm:txFillClrLst>
+    <dgm:txEffectClrLst/>
+  </dgm:styleLbl>
+  <dgm:styleLbl name="lnNode1">
+    <dgm:fillClrLst meth="repeat">
+      <a:schemeClr val="lt1"/>
+    </dgm:fillClrLst>
+    <dgm:linClrLst meth="repeat">
+      <a:schemeClr val="dk1">
+        <a:shade val="80000"/>
+      </a:schemeClr>
+    </dgm:linClrLst>
+    <dgm:effectClrLst/>
+    <dgm:txLinClrLst/>
+    <dgm:txFillClrLst meth="repeat">
+      <a:schemeClr val="dk1"/>
+    </dgm:txFillClrLst>
+    <dgm:txEffectClrLst/>
+  </dgm:styleLbl>
+  <dgm:styleLbl name="vennNode1">
+    <dgm:fillClrLst meth="repeat">
+      <a:schemeClr val="lt1">
+        <a:alpha val="50000"/>
+      </a:schemeClr>
+    </dgm:fillClrLst>
+    <dgm:linClrLst meth="repeat">
+      <a:schemeClr val="dk1">
+        <a:shade val="80000"/>
+      </a:schemeClr>
+    </dgm:linClrLst>
+    <dgm:effectClrLst/>
+    <dgm:txLinClrLst/>
+    <dgm:txFillClrLst/>
+    <dgm:txEffectClrLst/>
+  </dgm:styleLbl>
+  <dgm:styleLbl name="node2">
+    <dgm:fillClrLst meth="repeat">
+      <a:schemeClr val="lt1"/>
+    </dgm:fillClrLst>
+    <dgm:linClrLst meth="repeat">
+      <a:schemeClr val="dk1">
+        <a:shade val="80000"/>
+      </a:schemeClr>
+    </dgm:linClrLst>
+    <dgm:effectClrLst/>
+    <dgm:txLinClrLst/>
+    <dgm:txFillClrLst meth="repeat">
+      <a:schemeClr val="dk1"/>
+    </dgm:txFillClrLst>
+    <dgm:txEffectClrLst/>
+  </dgm:styleLbl>
+  <dgm:styleLbl name="node3">
+    <dgm:fillClrLst meth="repeat">
+      <a:schemeClr val="lt1"/>
+    </dgm:fillClrLst>
+    <dgm:linClrLst meth="repeat">
+      <a:schemeClr val="dk1">
+        <a:shade val="80000"/>
+      </a:schemeClr>
+    </dgm:linClrLst>
+    <dgm:effectClrLst/>
+    <dgm:txLinClrLst/>
+    <dgm:txFillClrLst meth="repeat">
+      <a:schemeClr val="dk1"/>
+    </dgm:txFillClrLst>
+    <dgm:txEffectClrLst/>
+  </dgm:styleLbl>
+  <dgm:styleLbl name="node4">
+    <dgm:fillClrLst meth="repeat">
+      <a:schemeClr val="lt1"/>
+    </dgm:fillClrLst>
+    <dgm:linClrLst meth="repeat">
+      <a:schemeClr val="dk1">
+        <a:shade val="80000"/>
+      </a:schemeClr>
+    </dgm:linClrLst>
+    <dgm:effectClrLst/>
+    <dgm:txLinClrLst/>
+    <dgm:txFillClrLst meth="repeat">
+      <a:schemeClr val="dk1"/>
+    </dgm:txFillClrLst>
+    <dgm:txEffectClrLst/>
+  </dgm:styleLbl>
+  <dgm:styleLbl name="fgImgPlace1">
+    <dgm:fillClrLst meth="repeat">
+      <a:schemeClr val="dk1">
+        <a:tint val="40000"/>
+      </a:schemeClr>
+    </dgm:fillClrLst>
+    <dgm:linClrLst meth="repeat">
+      <a:schemeClr val="dk1">
+        <a:shade val="80000"/>
+      </a:schemeClr>
+    </dgm:linClrLst>
+    <dgm:effectClrLst/>
+    <dgm:txLinClrLst/>
+    <dgm:txFillClrLst meth="repeat">
+      <a:schemeClr val="lt1"/>
+    </dgm:txFillClrLst>
+    <dgm:txEffectClrLst/>
+  </dgm:styleLbl>
+  <dgm:styleLbl name="alignImgPlace1">
+    <dgm:fillClrLst meth="repeat">
+      <a:schemeClr val="dk1">
+        <a:tint val="40000"/>
+      </a:schemeClr>
+    </dgm:fillClrLst>
+    <dgm:linClrLst meth="repeat">
+      <a:schemeClr val="dk1">
+        <a:shade val="80000"/>
+      </a:schemeClr>
+    </dgm:linClrLst>
+    <dgm:effectClrLst/>
+    <dgm:txLinClrLst/>
+    <dgm:txFillClrLst meth="repeat">
+      <a:schemeClr val="lt1"/>
+    </dgm:txFillClrLst>
+    <dgm:txEffectClrLst/>
+  </dgm:styleLbl>
+  <dgm:styleLbl name="bgImgPlace1">
+    <dgm:fillClrLst meth="repeat">
+      <a:schemeClr val="dk1">
+        <a:tint val="40000"/>
+      </a:schemeClr>
+    </dgm:fillClrLst>
+    <dgm:linClrLst meth="repeat">
+      <a:schemeClr val="dk1">
+        <a:shade val="80000"/>
+      </a:schemeClr>
+    </dgm:linClrLst>
+    <dgm:effectClrLst/>
+    <dgm:txLinClrLst/>
+    <dgm:txFillClrLst meth="repeat">
+      <a:schemeClr val="lt1"/>
+    </dgm:txFillClrLst>
+    <dgm:txEffectClrLst/>
+  </dgm:styleLbl>
+  <dgm:styleLbl name="sibTrans2D1">
+    <dgm:fillClrLst meth="repeat">
+      <a:schemeClr val="dk1">
+        <a:tint val="60000"/>
+      </a:schemeClr>
+    </dgm:fillClrLst>
+    <dgm:linClrLst meth="repeat">
+      <a:schemeClr val="dk1">
+        <a:tint val="60000"/>
+      </a:schemeClr>
+    </dgm:linClrLst>
+    <dgm:effectClrLst/>
+    <dgm:txLinClrLst/>
+    <dgm:txFillClrLst meth="repeat">
+      <a:schemeClr val="dk1"/>
+    </dgm:txFillClrLst>
+    <dgm:txEffectClrLst/>
+  </dgm:styleLbl>
+  <dgm:styleLbl name="fgSibTrans2D1">
+    <dgm:fillClrLst meth="repeat">
+      <a:schemeClr val="dk1">
+        <a:tint val="60000"/>
+      </a:schemeClr>
+    </dgm:fillClrLst>
+    <dgm:linClrLst meth="repeat">
+      <a:schemeClr val="dk1">
+        <a:tint val="60000"/>
+      </a:schemeClr>
+    </dgm:linClrLst>
+    <dgm:effectClrLst/>
+    <dgm:txLinClrLst/>
+    <dgm:txFillClrLst meth="repeat">
+      <a:schemeClr val="dk1"/>
+    </dgm:txFillClrLst>
+    <dgm:txEffectClrLst/>
+  </dgm:styleLbl>
+  <dgm:styleLbl name="bgSibTrans2D1">
+    <dgm:fillClrLst meth="repeat">
+      <a:schemeClr val="dk1">
+        <a:tint val="60000"/>
+      </a:schemeClr>
+    </dgm:fillClrLst>
+    <dgm:linClrLst meth="repeat">
+      <a:schemeClr val="dk1">
+        <a:tint val="60000"/>
+      </a:schemeClr>
+    </dgm:linClrLst>
+    <dgm:effectClrLst/>
+    <dgm:txLinClrLst/>
+    <dgm:txFillClrLst meth="repeat">
+      <a:schemeClr val="dk1"/>
+    </dgm:txFillClrLst>
+    <dgm:txEffectClrLst/>
+  </dgm:styleLbl>
+  <dgm:styleLbl name="sibTrans1D1">
+    <dgm:fillClrLst meth="repeat">
+      <a:schemeClr val="dk1"/>
+    </dgm:fillClrLst>
+    <dgm:linClrLst meth="repeat">
+      <a:schemeClr val="dk1"/>
+    </dgm:linClrLst>
+    <dgm:effectClrLst/>
+    <dgm:txLinClrLst/>
+    <dgm:txFillClrLst meth="repeat">
+      <a:schemeClr val="tx1"/>
+    </dgm:txFillClrLst>
+    <dgm:txEffectClrLst/>
+  </dgm:styleLbl>
+  <dgm:styleLbl name="callout">
+    <dgm:fillClrLst meth="repeat">
+      <a:schemeClr val="dk1"/>
+    </dgm:fillClrLst>
+    <dgm:linClrLst meth="repeat">
+      <a:schemeClr val="dk1"/>
+    </dgm:linClrLst>
+    <dgm:effectClrLst/>
+    <dgm:txLinClrLst/>
+    <dgm:txFillClrLst meth="repeat">
+      <a:schemeClr val="tx1"/>
+    </dgm:txFillClrLst>
+    <dgm:txEffectClrLst/>
+  </dgm:styleLbl>
+  <dgm:styleLbl name="asst0">
+    <dgm:fillClrLst meth="repeat">
+      <a:schemeClr val="lt1"/>
+    </dgm:fillClrLst>
+    <dgm:linClrLst meth="repeat">
+      <a:schemeClr val="dk1">
+        <a:shade val="80000"/>
+      </a:schemeClr>
+    </dgm:linClrLst>
+    <dgm:effectClrLst/>
+    <dgm:txLinClrLst/>
+    <dgm:txFillClrLst meth="repeat">
+      <a:schemeClr val="dk1"/>
+    </dgm:txFillClrLst>
+    <dgm:txEffectClrLst/>
+  </dgm:styleLbl>
+  <dgm:styleLbl name="asst1">
+    <dgm:fillClrLst meth="repeat">
+      <a:schemeClr val="lt1"/>
+    </dgm:fillClrLst>
+    <dgm:linClrLst meth="repeat">
+      <a:schemeClr val="dk1">
+        <a:shade val="80000"/>
+      </a:schemeClr>
+    </dgm:linClrLst>
+    <dgm:effectClrLst/>
+    <dgm:txLinClrLst/>
+    <dgm:txFillClrLst meth="repeat">
+      <a:schemeClr val="dk1"/>
+    </dgm:txFillClrLst>
+    <dgm:txEffectClrLst/>
+  </dgm:styleLbl>
+  <dgm:styleLbl name="asst2">
+    <dgm:fillClrLst meth="repeat">
+      <a:schemeClr val="lt1"/>
+    </dgm:fillClrLst>
+    <dgm:linClrLst meth="repeat">
+      <a:schemeClr val="dk1">
+        <a:shade val="80000"/>
+      </a:schemeClr>
+    </dgm:linClrLst>
+    <dgm:effectClrLst/>
+    <dgm:txLinClrLst/>
+    <dgm:txFillClrLst meth="repeat">
+      <a:schemeClr val="dk1"/>
+    </dgm:txFillClrLst>
+    <dgm:txEffectClrLst/>
+  </dgm:styleLbl>
+  <dgm:styleLbl name="asst3">
+    <dgm:fillClrLst meth="repeat">
+      <a:schemeClr val="lt1"/>
+    </dgm:fillClrLst>
+    <dgm:linClrLst meth="repeat">
+      <a:schemeClr val="dk1">
+        <a:shade val="80000"/>
+      </a:schemeClr>
+    </dgm:linClrLst>
+    <dgm:effectClrLst/>
+    <dgm:txLinClrLst/>
+    <dgm:txFillClrLst meth="repeat">
+      <a:schemeClr val="dk1"/>
+    </dgm:txFillClrLst>
+    <dgm:txEffectClrLst/>
+  </dgm:styleLbl>
+  <dgm:styleLbl name="asst4">
+    <dgm:fillClrLst meth="repeat">
+      <a:schemeClr val="lt1"/>
+    </dgm:fillClrLst>
+    <dgm:linClrLst meth="repeat">
+      <a:schemeClr val="dk1">
+        <a:shade val="80000"/>
+      </a:schemeClr>
+    </dgm:linClrLst>
+    <dgm:effectClrLst/>
+    <dgm:txLinClrLst/>
+    <dgm:txFillClrLst meth="repeat">
+      <a:schemeClr val="dk1"/>
+    </dgm:txFillClrLst>
+    <dgm:txEffectClrLst/>
+  </dgm:styleLbl>
+  <dgm:styleLbl name="parChTrans2D1">
+    <dgm:fillClrLst meth="repeat">
+      <a:schemeClr val="dk1">
+        <a:tint val="60000"/>
+      </a:schemeClr>
+    </dgm:fillClrLst>
+    <dgm:linClrLst meth="repeat">
+      <a:schemeClr val="dk1">
+        <a:tint val="60000"/>
+      </a:schemeClr>
+    </dgm:linClrLst>
+    <dgm:effectClrLst/>
+    <dgm:txLinClrLst/>
+    <dgm:txFillClrLst/>
+    <dgm:txEffectClrLst/>
+  </dgm:styleLbl>
+  <dgm:styleLbl name="parChTrans2D2">
+    <dgm:fillClrLst meth="repeat">
+      <a:schemeClr val="dk1"/>
+    </dgm:fillClrLst>
+    <dgm:linClrLst meth="repeat">
+      <a:schemeClr val="dk1"/>
+    </dgm:linClrLst>
+    <dgm:effectClrLst/>
+    <dgm:txLinClrLst/>
+    <dgm:txFillClrLst/>
+    <dgm:txEffectClrLst/>
+  </dgm:styleLbl>
+  <dgm:styleLbl name="parChTrans2D3">
+    <dgm:fillClrLst meth="repeat">
+      <a:schemeClr val="dk1"/>
+    </dgm:fillClrLst>
+    <dgm:linClrLst meth="repeat">
+      <a:schemeClr val="dk1"/>
+    </dgm:linClrLst>
+    <dgm:effectClrLst/>
+    <dgm:txLinClrLst/>
+    <dgm:txFillClrLst/>
+    <dgm:txEffectClrLst/>
+  </dgm:styleLbl>
+  <dgm:styleLbl name="parChTrans2D4">
+    <dgm:fillClrLst meth="repeat">
+      <a:schemeClr val="dk1"/>
+    </dgm:fillClrLst>
+    <dgm:linClrLst meth="repeat">
+      <a:schemeClr val="dk1"/>
+    </dgm:linClrLst>
+    <dgm:effectClrLst/>
+    <dgm:txLinClrLst/>
+    <dgm:txFillClrLst meth="repeat">
+      <a:schemeClr val="lt1"/>
+    </dgm:txFillClrLst>
+    <dgm:txEffectClrLst/>
+  </dgm:styleLbl>
+  <dgm:styleLbl name="parChTrans1D1">
+    <dgm:fillClrLst meth="repeat">
+      <a:schemeClr val="dk1"/>
+    </dgm:fillClrLst>
+    <dgm:linClrLst meth="repeat">
+      <a:schemeClr val="dk1">
+        <a:shade val="60000"/>
+      </a:schemeClr>
+    </dgm:linClrLst>
+    <dgm:effectClrLst/>
+    <dgm:txLinClrLst/>
+    <dgm:txFillClrLst meth="repeat">
+      <a:schemeClr val="tx1"/>
+    </dgm:txFillClrLst>
+    <dgm:txEffectClrLst/>
+  </dgm:styleLbl>
+  <dgm:styleLbl name="parChTrans1D2">
+    <dgm:fillClrLst meth="repeat">
+      <a:schemeClr val="dk1"/>
+    </dgm:fillClrLst>
+    <dgm:linClrLst meth="repeat">
+      <a:schemeClr val="dk1">
+        <a:shade val="60000"/>
+      </a:schemeClr>
+    </dgm:linClrLst>
+    <dgm:effectClrLst/>
+    <dgm:txLinClrLst/>
+    <dgm:txFillClrLst meth="repeat">
+      <a:schemeClr val="tx1"/>
+    </dgm:txFillClrLst>
+    <dgm:txEffectClrLst/>
+  </dgm:styleLbl>
+  <dgm:styleLbl name="parChTrans1D3">
+    <dgm:fillClrLst meth="repeat">
+      <a:schemeClr val="dk1"/>
+    </dgm:fillClrLst>
+    <dgm:linClrLst meth="repeat">
+      <a:schemeClr val="dk1">
+        <a:shade val="80000"/>
+      </a:schemeClr>
+    </dgm:linClrLst>
+    <dgm:effectClrLst/>
+    <dgm:txLinClrLst/>
+    <dgm:txFillClrLst meth="repeat">
+      <a:schemeClr val="tx1"/>
+    </dgm:txFillClrLst>
+    <dgm:txEffectClrLst/>
+  </dgm:styleLbl>
+  <dgm:styleLbl name="parChTrans1D4">
+    <dgm:fillClrLst meth="repeat">
+      <a:schemeClr val="dk1"/>
+    </dgm:fillClrLst>
+    <dgm:linClrLst meth="repeat">
+      <a:schemeClr val="dk1">
+        <a:shade val="80000"/>
+      </a:schemeClr>
+    </dgm:linClrLst>
+    <dgm:effectClrLst/>
+    <dgm:txLinClrLst/>
+    <dgm:txFillClrLst meth="repeat">
+      <a:schemeClr val="tx1"/>
+    </dgm:txFillClrLst>
+    <dgm:txEffectClrLst/>
+  </dgm:styleLbl>
+  <dgm:styleLbl name="fgAcc1">
+    <dgm:fillClrLst meth="repeat">
+      <a:schemeClr val="dk1">
+        <a:alpha val="90000"/>
+        <a:tint val="40000"/>
+      </a:schemeClr>
+    </dgm:fillClrLst>
+    <dgm:linClrLst meth="repeat">
+      <a:schemeClr val="dk1"/>
+    </dgm:linClrLst>
+    <dgm:effectClrLst/>
+    <dgm:txLinClrLst/>
+    <dgm:txFillClrLst meth="repeat">
+      <a:schemeClr val="dk1"/>
+    </dgm:txFillClrLst>
+    <dgm:txEffectClrLst/>
+  </dgm:styleLbl>
+  <dgm:styleLbl name="conFgAcc1">
+    <dgm:fillClrLst meth="repeat">
+      <a:schemeClr val="dk1">
+        <a:alpha val="90000"/>
+        <a:tint val="40000"/>
+      </a:schemeClr>
+    </dgm:fillClrLst>
+    <dgm:linClrLst meth="repeat">
+      <a:schemeClr val="dk1"/>
+    </dgm:linClrLst>
+    <dgm:effectClrLst/>
+    <dgm:txLinClrLst/>
+    <dgm:txFillClrLst meth="repeat">
+      <a:schemeClr val="dk1"/>
+    </dgm:txFillClrLst>
+    <dgm:txEffectClrLst/>
+  </dgm:styleLbl>
+  <dgm:styleLbl name="alignAcc1">
+    <dgm:fillClrLst meth="repeat">
+      <a:schemeClr val="dk1">
+        <a:alpha val="90000"/>
+        <a:tint val="40000"/>
+      </a:schemeClr>
+    </dgm:fillClrLst>
+    <dgm:linClrLst meth="repeat">
+      <a:schemeClr val="dk1"/>
+    </dgm:linClrLst>
+    <dgm:effectClrLst/>
+    <dgm:txLinClrLst/>
+    <dgm:txFillClrLst meth="repeat">
+      <a:schemeClr val="dk1"/>
+    </dgm:txFillClrLst>
+    <dgm:txEffectClrLst/>
+  </dgm:styleLbl>
+  <dgm:styleLbl name="trAlignAcc1">
+    <dgm:fillClrLst meth="repeat">
+      <a:schemeClr val="dk1">
+        <a:alpha val="40000"/>
+        <a:tint val="40000"/>
+      </a:schemeClr>
+    </dgm:fillClrLst>
+    <dgm:linClrLst meth="repeat">
+      <a:schemeClr val="dk1"/>
+    </dgm:linClrLst>
+    <dgm:effectClrLst/>
+    <dgm:txLinClrLst/>
+    <dgm:txFillClrLst meth="repeat">
+      <a:schemeClr val="dk1"/>
+    </dgm:txFillClrLst>
+    <dgm:txEffectClrLst/>
+  </dgm:styleLbl>
+  <dgm:styleLbl name="bgAcc1">
+    <dgm:fillClrLst meth="repeat">
+      <a:schemeClr val="dk1">
+        <a:alpha val="90000"/>
+        <a:tint val="40000"/>
+      </a:schemeClr>
+    </dgm:fillClrLst>
+    <dgm:linClrLst meth="repeat">
+      <a:schemeClr val="dk1"/>
+    </dgm:linClrLst>
+    <dgm:effectClrLst/>
+    <dgm:txLinClrLst/>
+    <dgm:txFillClrLst meth="repeat">
+      <a:schemeClr val="dk1"/>
+    </dgm:txFillClrLst>
+    <dgm:txEffectClrLst/>
+  </dgm:styleLbl>
+  <dgm:styleLbl name="solidFgAcc1">
+    <dgm:fillClrLst meth="repeat">
+      <a:schemeClr val="lt1"/>
+    </dgm:fillClrLst>
+    <dgm:linClrLst meth="repeat">
+      <a:schemeClr val="dk1"/>
+    </dgm:linClrLst>
+    <dgm:effectClrLst/>
+    <dgm:txLinClrLst/>
+    <dgm:txFillClrLst meth="repeat">
+      <a:schemeClr val="dk1"/>
+    </dgm:txFillClrLst>
+    <dgm:txEffectClrLst/>
+  </dgm:styleLbl>
+  <dgm:styleLbl name="solidAlignAcc1">
+    <dgm:fillClrLst meth="repeat">
+      <a:schemeClr val="lt1"/>
+    </dgm:fillClrLst>
+    <dgm:linClrLst meth="repeat">
+      <a:schemeClr val="dk1"/>
+    </dgm:linClrLst>
+    <dgm:effectClrLst/>
+    <dgm:txLinClrLst/>
+    <dgm:txFillClrLst meth="repeat">
+      <a:schemeClr val="dk1"/>
+    </dgm:txFillClrLst>
+    <dgm:txEffectClrLst/>
+  </dgm:styleLbl>
+  <dgm:styleLbl name="solidBgAcc1">
+    <dgm:fillClrLst meth="repeat">
+      <a:schemeClr val="lt1"/>
+    </dgm:fillClrLst>
+    <dgm:linClrLst meth="repeat">
+      <a:schemeClr val="dk1"/>
+    </dgm:linClrLst>
+    <dgm:effectClrLst/>
+    <dgm:txLinClrLst/>
+    <dgm:txFillClrLst meth="repeat">
+      <a:schemeClr val="dk1"/>
+    </dgm:txFillClrLst>
+    <dgm:txEffectClrLst/>
+  </dgm:styleLbl>
+  <dgm:styleLbl name="fgAccFollowNode1">
+    <dgm:fillClrLst meth="repeat">
+      <a:schemeClr val="lt1">
+        <a:alpha val="90000"/>
+        <a:tint val="40000"/>
+      </a:schemeClr>
+    </dgm:fillClrLst>
+    <dgm:linClrLst meth="repeat">
+      <a:schemeClr val="dk1">
+        <a:alpha val="90000"/>
+      </a:schemeClr>
+    </dgm:linClrLst>
+    <dgm:effectClrLst/>
+    <dgm:txLinClrLst/>
+    <dgm:txFillClrLst meth="repeat">
+      <a:schemeClr val="dk1"/>
+    </dgm:txFillClrLst>
+    <dgm:txEffectClrLst/>
+  </dgm:styleLbl>
+  <dgm:styleLbl name="alignAccFollowNode1">
+    <dgm:fillClrLst meth="repeat">
+      <a:schemeClr val="lt1">
+        <a:alpha val="90000"/>
+        <a:tint val="40000"/>
+      </a:schemeClr>
+    </dgm:fillClrLst>
+    <dgm:linClrLst meth="repeat">
+      <a:schemeClr val="dk1">
+        <a:alpha val="90000"/>
+      </a:schemeClr>
+    </dgm:linClrLst>
+    <dgm:effectClrLst/>
+    <dgm:txLinClrLst/>
+    <dgm:txFillClrLst meth="repeat">
+      <a:schemeClr val="dk1"/>
+    </dgm:txFillClrLst>
+    <dgm:txEffectClrLst/>
+  </dgm:styleLbl>
+  <dgm:styleLbl name="bgAccFollowNode1">
+    <dgm:fillClrLst meth="repeat">
+      <a:schemeClr val="lt1">
+        <a:alpha val="90000"/>
+        <a:tint val="40000"/>
+      </a:schemeClr>
+    </dgm:fillClrLst>
+    <dgm:linClrLst meth="repeat">
+      <a:schemeClr val="dk1">
+        <a:alpha val="90000"/>
+      </a:schemeClr>
+    </dgm:linClrLst>
+    <dgm:effectClrLst/>
+    <dgm:txLinClrLst/>
+    <dgm:txFillClrLst meth="repeat">
+      <a:schemeClr val="dk1"/>
+    </dgm:txFillClrLst>
+    <dgm:txEffectClrLst/>
+  </dgm:styleLbl>
+  <dgm:styleLbl name="fgAcc0">
+    <dgm:fillClrLst meth="repeat">
+      <a:schemeClr val="dk1">
+        <a:alpha val="90000"/>
+        <a:tint val="40000"/>
+      </a:schemeClr>
+    </dgm:fillClrLst>
+    <dgm:linClrLst meth="repeat">
+      <a:schemeClr val="dk1"/>
+    </dgm:linClrLst>
+    <dgm:effectClrLst/>
+    <dgm:txLinClrLst/>
+    <dgm:txFillClrLst meth="repeat">
+      <a:schemeClr val="dk1"/>
+    </dgm:txFillClrLst>
+    <dgm:txEffectClrLst/>
+  </dgm:styleLbl>
+  <dgm:styleLbl name="fgAcc2">
+    <dgm:fillClrLst meth="repeat">
+      <a:schemeClr val="dk1">
+        <a:alpha val="90000"/>
+        <a:tint val="40000"/>
+      </a:schemeClr>
+    </dgm:fillClrLst>
+    <dgm:linClrLst meth="repeat">
+      <a:schemeClr val="dk1"/>
+    </dgm:linClrLst>
+    <dgm:effectClrLst/>
+    <dgm:txLinClrLst/>
+    <dgm:txFillClrLst meth="repeat">
+      <a:schemeClr val="dk1"/>
+    </dgm:txFillClrLst>
+    <dgm:txEffectClrLst/>
+  </dgm:styleLbl>
+  <dgm:styleLbl name="fgAcc3">
+    <dgm:fillClrLst meth="repeat">
+      <a:schemeClr val="dk1">
+        <a:alpha val="90000"/>
+        <a:tint val="40000"/>
+      </a:schemeClr>
+    </dgm:fillClrLst>
+    <dgm:linClrLst meth="repeat">
+      <a:schemeClr val="dk1"/>
+    </dgm:linClrLst>
+    <dgm:effectClrLst/>
+    <dgm:txLinClrLst/>
+    <dgm:txFillClrLst meth="repeat">
+      <a:schemeClr val="dk1"/>
+    </dgm:txFillClrLst>
+    <dgm:txEffectClrLst/>
+  </dgm:styleLbl>
+  <dgm:styleLbl name="fgAcc4">
+    <dgm:fillClrLst meth="repeat">
+      <a:schemeClr val="dk1">
+        <a:alpha val="90000"/>
+        <a:tint val="40000"/>
+      </a:schemeClr>
+    </dgm:fillClrLst>
+    <dgm:linClrLst meth="repeat">
+      <a:schemeClr val="dk1"/>
+    </dgm:linClrLst>
+    <dgm:effectClrLst/>
+    <dgm:txLinClrLst/>
+    <dgm:txFillClrLst meth="repeat">
+      <a:schemeClr val="dk1"/>
+    </dgm:txFillClrLst>
+    <dgm:txEffectClrLst/>
+  </dgm:styleLbl>
+  <dgm:styleLbl name="bgShp">
+    <dgm:fillClrLst meth="repeat">
+      <a:schemeClr val="dk1">
+        <a:tint val="40000"/>
+      </a:schemeClr>
+    </dgm:fillClrLst>
+    <dgm:linClrLst meth="repeat">
+      <a:schemeClr val="dk1"/>
+    </dgm:linClrLst>
+    <dgm:effectClrLst/>
+    <dgm:txLinClrLst/>
+    <dgm:txFillClrLst meth="repeat">
+      <a:schemeClr val="dk1"/>
+    </dgm:txFillClrLst>
+    <dgm:txEffectClrLst/>
+  </dgm:styleLbl>
+  <dgm:styleLbl name="dkBgShp">
+    <dgm:fillClrLst meth="repeat">
+      <a:schemeClr val="dk1">
+        <a:shade val="80000"/>
+      </a:schemeClr>
+    </dgm:fillClrLst>
+    <dgm:linClrLst meth="repeat">
+      <a:schemeClr val="dk1"/>
+    </dgm:linClrLst>
+    <dgm:effectClrLst/>
+    <dgm:txLinClrLst/>
+    <dgm:txFillClrLst meth="repeat">
+      <a:schemeClr val="lt1"/>
+    </dgm:txFillClrLst>
+    <dgm:txEffectClrLst/>
+  </dgm:styleLbl>
+  <dgm:styleLbl name="trBgShp">
+    <dgm:fillClrLst meth="repeat">
+      <a:schemeClr val="dk1">
+        <a:tint val="50000"/>
+        <a:alpha val="40000"/>
+      </a:schemeClr>
+    </dgm:fillClrLst>
+    <dgm:linClrLst meth="repeat">
+      <a:schemeClr val="dk1"/>
+    </dgm:linClrLst>
+    <dgm:effectClrLst/>
+    <dgm:txLinClrLst/>
+    <dgm:txFillClrLst meth="repeat">
+      <a:schemeClr val="lt1"/>
+    </dgm:txFillClrLst>
+    <dgm:txEffectClrLst/>
+  </dgm:styleLbl>
+  <dgm:styleLbl name="fgShp">
+    <dgm:fillClrLst meth="repeat">
+      <a:schemeClr val="dk1">
+        <a:tint val="60000"/>
+      </a:schemeClr>
+    </dgm:fillClrLst>
+    <dgm:linClrLst meth="repeat">
+      <a:schemeClr val="lt1"/>
+    </dgm:linClrLst>
+    <dgm:effectClrLst/>
+    <dgm:txLinClrLst/>
+    <dgm:txFillClrLst meth="repeat">
+      <a:schemeClr val="dk1"/>
+    </dgm:txFillClrLst>
+    <dgm:txEffectClrLst/>
+  </dgm:styleLbl>
+  <dgm:styleLbl name="revTx">
+    <dgm:fillClrLst meth="repeat">
+      <a:schemeClr val="lt1">
+        <a:alpha val="0"/>
+      </a:schemeClr>
+    </dgm:fillClrLst>
+    <dgm:linClrLst meth="repeat">
+      <a:schemeClr val="dk1">
+        <a:alpha val="0"/>
+      </a:schemeClr>
+    </dgm:linClrLst>
+    <dgm:effectClrLst/>
+    <dgm:txLinClrLst/>
+    <dgm:txFillClrLst meth="repeat">
+      <a:schemeClr val="tx1"/>
+    </dgm:txFillClrLst>
+    <dgm:txEffectClrLst/>
+  </dgm:styleLbl>
+</dgm:colorsDef>
+</file>
+
 <file path=ppt/diagrams/data1.xml><?xml version="1.0" encoding="utf-8"?>
 <dgm:dataModel xmlns:dgm="http://schemas.openxmlformats.org/drawingml/2006/diagram" xmlns:a="http://schemas.openxmlformats.org/drawingml/2006/main">
   <dgm:ptLst>
     <dgm:pt modelId="{86BAFBF2-36AA-41D2-90DA-8C75879C23E2}" type="doc">
-      <dgm:prSet loTypeId="urn:microsoft.com/office/officeart/2011/layout/HexagonRadial" loCatId="cycle" qsTypeId="urn:microsoft.com/office/officeart/2005/8/quickstyle/simple1" qsCatId="simple" csTypeId="urn:microsoft.com/office/officeart/2005/8/colors/accent1_2" csCatId="accent1" phldr="0"/>
+      <dgm:prSet loTypeId="urn:microsoft.com/office/officeart/2005/8/layout/target2" loCatId="relationship" qsTypeId="urn:microsoft.com/office/officeart/2005/8/quickstyle/simple1" qsCatId="simple" csTypeId="urn:microsoft.com/office/officeart/2005/8/colors/accent0_1" csCatId="mainScheme" phldr="1"/>
       <dgm:spPr/>
       <dgm:t>
         <a:bodyPr/>
@@ -869,7 +1742,21 @@
       </dgm:t>
     </dgm:pt>
     <dgm:pt modelId="{46C7ECE5-9C05-4844-8701-735A0719D12D}">
-      <dgm:prSet phldrT="[Text]" phldr="1"/>
+      <dgm:prSet phldrT="[Text]"/>
+      <dgm:spPr/>
+      <dgm:t>
+        <a:bodyPr/>
+        <a:lstStyle/>
+        <a:p>
+          <a:r>
+            <a:rPr lang="en-US" dirty="0"/>
+            <a:t>Thesis</a:t>
+          </a:r>
+        </a:p>
+      </dgm:t>
+    </dgm:pt>
+    <dgm:pt modelId="{9449ADDC-A58A-4DA5-9EAC-80BA4228BD11}" type="parTrans" cxnId="{C7BAE0C8-EDFC-43A1-B4CD-28DFB9A7B090}">
+      <dgm:prSet/>
       <dgm:spPr/>
       <dgm:t>
         <a:bodyPr/>
@@ -879,7 +1766,7 @@
         </a:p>
       </dgm:t>
     </dgm:pt>
-    <dgm:pt modelId="{9449ADDC-A58A-4DA5-9EAC-80BA4228BD11}" type="parTrans" cxnId="{C7BAE0C8-EDFC-43A1-B4CD-28DFB9A7B090}">
+    <dgm:pt modelId="{7DC0F9D2-B888-4706-8838-80BF8388749E}" type="sibTrans" cxnId="{C7BAE0C8-EDFC-43A1-B4CD-28DFB9A7B090}">
       <dgm:prSet/>
       <dgm:spPr/>
       <dgm:t>
@@ -890,7 +1777,21 @@
         </a:p>
       </dgm:t>
     </dgm:pt>
-    <dgm:pt modelId="{7DC0F9D2-B888-4706-8838-80BF8388749E}" type="sibTrans" cxnId="{C7BAE0C8-EDFC-43A1-B4CD-28DFB9A7B090}">
+    <dgm:pt modelId="{3D010A4F-5429-4F14-8E85-954F168731C8}">
+      <dgm:prSet phldrT="[Text]"/>
+      <dgm:spPr/>
+      <dgm:t>
+        <a:bodyPr/>
+        <a:lstStyle/>
+        <a:p>
+          <a:r>
+            <a:rPr lang="en-US" dirty="0"/>
+            <a:t>Wireless Requirements</a:t>
+          </a:r>
+        </a:p>
+      </dgm:t>
+    </dgm:pt>
+    <dgm:pt modelId="{6F16C0F6-D823-4C3B-9B85-CCA2BEB2AFB8}" type="parTrans" cxnId="{096684C5-C3A6-4192-9D0B-87B2BBE32293}">
       <dgm:prSet/>
       <dgm:spPr/>
       <dgm:t>
@@ -901,8 +1802,8 @@
         </a:p>
       </dgm:t>
     </dgm:pt>
-    <dgm:pt modelId="{3D010A4F-5429-4F14-8E85-954F168731C8}">
-      <dgm:prSet phldrT="[Text]" phldr="1"/>
+    <dgm:pt modelId="{932F1A27-884F-48EE-897D-9CF79C7FA33E}" type="sibTrans" cxnId="{096684C5-C3A6-4192-9D0B-87B2BBE32293}">
+      <dgm:prSet/>
       <dgm:spPr/>
       <dgm:t>
         <a:bodyPr/>
@@ -912,7 +1813,21 @@
         </a:p>
       </dgm:t>
     </dgm:pt>
-    <dgm:pt modelId="{6F16C0F6-D823-4C3B-9B85-CCA2BEB2AFB8}" type="parTrans" cxnId="{096684C5-C3A6-4192-9D0B-87B2BBE32293}">
+    <dgm:pt modelId="{B9DAE7F8-054F-4B6C-B658-191498EE557D}">
+      <dgm:prSet phldrT="[Text]"/>
+      <dgm:spPr/>
+      <dgm:t>
+        <a:bodyPr/>
+        <a:lstStyle/>
+        <a:p>
+          <a:r>
+            <a:rPr lang="en-US" dirty="0"/>
+            <a:t>Architectural Modeling</a:t>
+          </a:r>
+        </a:p>
+      </dgm:t>
+    </dgm:pt>
+    <dgm:pt modelId="{6336CB53-7027-4A4E-A942-D3FF22A8C56A}" type="parTrans" cxnId="{0C874503-FA17-4F36-9DB2-42CAB404546A}">
       <dgm:prSet/>
       <dgm:spPr/>
       <dgm:t>
@@ -923,7 +1838,7 @@
         </a:p>
       </dgm:t>
     </dgm:pt>
-    <dgm:pt modelId="{932F1A27-884F-48EE-897D-9CF79C7FA33E}" type="sibTrans" cxnId="{096684C5-C3A6-4192-9D0B-87B2BBE32293}">
+    <dgm:pt modelId="{8E36131A-21B8-493D-A4C0-228BD3B5B116}" type="sibTrans" cxnId="{0C874503-FA17-4F36-9DB2-42CAB404546A}">
       <dgm:prSet/>
       <dgm:spPr/>
       <dgm:t>
@@ -934,8 +1849,22 @@
         </a:p>
       </dgm:t>
     </dgm:pt>
-    <dgm:pt modelId="{B9DAE7F8-054F-4B6C-B658-191498EE557D}">
-      <dgm:prSet phldrT="[Text]" phldr="1"/>
+    <dgm:pt modelId="{CA427819-FB33-4E0F-8D10-BED2E9B5FE90}">
+      <dgm:prSet phldrT="[Text]"/>
+      <dgm:spPr/>
+      <dgm:t>
+        <a:bodyPr/>
+        <a:lstStyle/>
+        <a:p>
+          <a:r>
+            <a:rPr lang="en-US" dirty="0"/>
+            <a:t>Testbed Development</a:t>
+          </a:r>
+        </a:p>
+      </dgm:t>
+    </dgm:pt>
+    <dgm:pt modelId="{AAB2577F-C803-4CDB-8419-2412BAFDF9BE}" type="parTrans" cxnId="{A534FC55-1BA7-43D9-A552-1744F1A4508C}">
+      <dgm:prSet/>
       <dgm:spPr/>
       <dgm:t>
         <a:bodyPr/>
@@ -945,7 +1874,7 @@
         </a:p>
       </dgm:t>
     </dgm:pt>
-    <dgm:pt modelId="{6336CB53-7027-4A4E-A942-D3FF22A8C56A}" type="parTrans" cxnId="{0C874503-FA17-4F36-9DB2-42CAB404546A}">
+    <dgm:pt modelId="{CA98C05D-49E1-4192-9BAE-955674EDC2E7}" type="sibTrans" cxnId="{A534FC55-1BA7-43D9-A552-1744F1A4508C}">
       <dgm:prSet/>
       <dgm:spPr/>
       <dgm:t>
@@ -956,7 +1885,21 @@
         </a:p>
       </dgm:t>
     </dgm:pt>
-    <dgm:pt modelId="{8E36131A-21B8-493D-A4C0-228BD3B5B116}" type="sibTrans" cxnId="{0C874503-FA17-4F36-9DB2-42CAB404546A}">
+    <dgm:pt modelId="{B212E583-7E31-4465-AA3E-0AE51071378D}">
+      <dgm:prSet phldrT="[Text]"/>
+      <dgm:spPr/>
+      <dgm:t>
+        <a:bodyPr/>
+        <a:lstStyle/>
+        <a:p>
+          <a:r>
+            <a:rPr lang="en-US" dirty="0"/>
+            <a:t>Data Collection and Organization</a:t>
+          </a:r>
+        </a:p>
+      </dgm:t>
+    </dgm:pt>
+    <dgm:pt modelId="{04944895-FFD6-40E9-9B11-BF53E8E391DC}" type="parTrans" cxnId="{C9A2F6A2-7FA6-4F58-AD43-42F403B31A27}">
       <dgm:prSet/>
       <dgm:spPr/>
       <dgm:t>
@@ -967,8 +1910,8 @@
         </a:p>
       </dgm:t>
     </dgm:pt>
-    <dgm:pt modelId="{CA427819-FB33-4E0F-8D10-BED2E9B5FE90}">
-      <dgm:prSet phldrT="[Text]" phldr="1"/>
+    <dgm:pt modelId="{4FAAA736-7B35-4ED3-809D-0D2BA3B760EB}" type="sibTrans" cxnId="{C9A2F6A2-7FA6-4F58-AD43-42F403B31A27}">
+      <dgm:prSet/>
       <dgm:spPr/>
       <dgm:t>
         <a:bodyPr/>
@@ -978,7 +1921,21 @@
         </a:p>
       </dgm:t>
     </dgm:pt>
-    <dgm:pt modelId="{AAB2577F-C803-4CDB-8419-2412BAFDF9BE}" type="parTrans" cxnId="{A534FC55-1BA7-43D9-A552-1744F1A4508C}">
+    <dgm:pt modelId="{A546B4D7-37EA-4DEB-BC69-3DD634097985}">
+      <dgm:prSet phldrT="[Text]"/>
+      <dgm:spPr/>
+      <dgm:t>
+        <a:bodyPr/>
+        <a:lstStyle/>
+        <a:p>
+          <a:r>
+            <a:rPr lang="en-US" dirty="0"/>
+            <a:t>Machine Learning</a:t>
+          </a:r>
+        </a:p>
+      </dgm:t>
+    </dgm:pt>
+    <dgm:pt modelId="{4ED433DB-5B58-4FC6-8B87-2A3C545B51E8}" type="parTrans" cxnId="{34F6BCA6-5BB5-43AB-9B04-4DD1ED1A0B0D}">
       <dgm:prSet/>
       <dgm:spPr/>
       <dgm:t>
@@ -989,7 +1946,7 @@
         </a:p>
       </dgm:t>
     </dgm:pt>
-    <dgm:pt modelId="{CA98C05D-49E1-4192-9BAE-955674EDC2E7}" type="sibTrans" cxnId="{A534FC55-1BA7-43D9-A552-1744F1A4508C}">
+    <dgm:pt modelId="{4B270560-A5A6-40A5-A039-26C06B432C62}" type="sibTrans" cxnId="{34F6BCA6-5BB5-43AB-9B04-4DD1ED1A0B0D}">
       <dgm:prSet/>
       <dgm:spPr/>
       <dgm:t>
@@ -1000,8 +1957,22 @@
         </a:p>
       </dgm:t>
     </dgm:pt>
-    <dgm:pt modelId="{B212E583-7E31-4465-AA3E-0AE51071378D}">
-      <dgm:prSet phldrT="[Text]" phldr="1"/>
+    <dgm:pt modelId="{FC8C49D8-B1F8-4F8C-8E4B-C885AD85D8DB}">
+      <dgm:prSet phldrT="[Text]"/>
+      <dgm:spPr/>
+      <dgm:t>
+        <a:bodyPr/>
+        <a:lstStyle/>
+        <a:p>
+          <a:r>
+            <a:rPr lang="en-US" dirty="0"/>
+            <a:t>Future Research</a:t>
+          </a:r>
+        </a:p>
+      </dgm:t>
+    </dgm:pt>
+    <dgm:pt modelId="{11AAAB46-644F-40C1-A097-DD0ADFA140B3}" type="parTrans" cxnId="{AD5837D4-D45A-43B9-BD91-909B8968F18F}">
+      <dgm:prSet/>
       <dgm:spPr/>
       <dgm:t>
         <a:bodyPr/>
@@ -1011,7 +1982,7 @@
         </a:p>
       </dgm:t>
     </dgm:pt>
-    <dgm:pt modelId="{04944895-FFD6-40E9-9B11-BF53E8E391DC}" type="parTrans" cxnId="{C9A2F6A2-7FA6-4F58-AD43-42F403B31A27}">
+    <dgm:pt modelId="{E6279BF8-5F4C-4DBD-A5B3-F8105CC8E1E7}" type="sibTrans" cxnId="{AD5837D4-D45A-43B9-BD91-909B8968F18F}">
       <dgm:prSet/>
       <dgm:spPr/>
       <dgm:t>
@@ -1022,8 +1993,145 @@
         </a:p>
       </dgm:t>
     </dgm:pt>
-    <dgm:pt modelId="{4FAAA736-7B35-4ED3-809D-0D2BA3B760EB}" type="sibTrans" cxnId="{C9A2F6A2-7FA6-4F58-AD43-42F403B31A27}">
-      <dgm:prSet/>
+    <dgm:pt modelId="{0D918C27-B8BE-469E-B69C-54B7A732E0A6}" type="pres">
+      <dgm:prSet presAssocID="{86BAFBF2-36AA-41D2-90DA-8C75879C23E2}" presName="Name0" presStyleCnt="0">
+        <dgm:presLayoutVars>
+          <dgm:chMax val="3"/>
+          <dgm:chPref val="1"/>
+          <dgm:dir/>
+          <dgm:animLvl val="lvl"/>
+          <dgm:resizeHandles/>
+        </dgm:presLayoutVars>
+      </dgm:prSet>
+      <dgm:spPr/>
+    </dgm:pt>
+    <dgm:pt modelId="{95589480-0D0D-41C2-8617-044841E56D4E}" type="pres">
+      <dgm:prSet presAssocID="{86BAFBF2-36AA-41D2-90DA-8C75879C23E2}" presName="outerBox" presStyleCnt="0"/>
+      <dgm:spPr/>
+    </dgm:pt>
+    <dgm:pt modelId="{AAE40553-F7AD-465E-BE68-E44F52EBA75A}" type="pres">
+      <dgm:prSet presAssocID="{86BAFBF2-36AA-41D2-90DA-8C75879C23E2}" presName="outerBoxParent" presStyleLbl="node1" presStyleIdx="0" presStyleCnt="1"/>
+      <dgm:spPr/>
+    </dgm:pt>
+    <dgm:pt modelId="{44EFEACD-BBCF-471F-B460-8A494E7D7354}" type="pres">
+      <dgm:prSet presAssocID="{86BAFBF2-36AA-41D2-90DA-8C75879C23E2}" presName="outerBoxChildren" presStyleCnt="0"/>
+      <dgm:spPr/>
+    </dgm:pt>
+    <dgm:pt modelId="{1C1FE47E-6332-497B-AE27-AA2B02B2B0A4}" type="pres">
+      <dgm:prSet presAssocID="{3D010A4F-5429-4F14-8E85-954F168731C8}" presName="oChild" presStyleLbl="fgAcc1" presStyleIdx="0" presStyleCnt="6">
+        <dgm:presLayoutVars>
+          <dgm:bulletEnabled val="1"/>
+        </dgm:presLayoutVars>
+      </dgm:prSet>
+      <dgm:spPr/>
+    </dgm:pt>
+    <dgm:pt modelId="{90EE1E71-5690-4BD1-8000-95F8DA307A24}" type="pres">
+      <dgm:prSet presAssocID="{932F1A27-884F-48EE-897D-9CF79C7FA33E}" presName="outerSibTrans" presStyleCnt="0"/>
+      <dgm:spPr/>
+    </dgm:pt>
+    <dgm:pt modelId="{0BDC1031-AD1A-4D79-AB74-C17488B0F667}" type="pres">
+      <dgm:prSet presAssocID="{B9DAE7F8-054F-4B6C-B658-191498EE557D}" presName="oChild" presStyleLbl="fgAcc1" presStyleIdx="1" presStyleCnt="6">
+        <dgm:presLayoutVars>
+          <dgm:bulletEnabled val="1"/>
+        </dgm:presLayoutVars>
+      </dgm:prSet>
+      <dgm:spPr/>
+    </dgm:pt>
+    <dgm:pt modelId="{A426B992-7A69-4C69-A94C-BAEDF41CFD71}" type="pres">
+      <dgm:prSet presAssocID="{8E36131A-21B8-493D-A4C0-228BD3B5B116}" presName="outerSibTrans" presStyleCnt="0"/>
+      <dgm:spPr/>
+    </dgm:pt>
+    <dgm:pt modelId="{B2EB2BAD-E656-4C56-AF49-D0FA9B44C748}" type="pres">
+      <dgm:prSet presAssocID="{CA427819-FB33-4E0F-8D10-BED2E9B5FE90}" presName="oChild" presStyleLbl="fgAcc1" presStyleIdx="2" presStyleCnt="6">
+        <dgm:presLayoutVars>
+          <dgm:bulletEnabled val="1"/>
+        </dgm:presLayoutVars>
+      </dgm:prSet>
+      <dgm:spPr/>
+    </dgm:pt>
+    <dgm:pt modelId="{479FC97A-58D4-44A9-B477-4DCC947AC674}" type="pres">
+      <dgm:prSet presAssocID="{CA98C05D-49E1-4192-9BAE-955674EDC2E7}" presName="outerSibTrans" presStyleCnt="0"/>
+      <dgm:spPr/>
+    </dgm:pt>
+    <dgm:pt modelId="{D6B94978-CBF6-49A3-87AD-9F6B2E28C34A}" type="pres">
+      <dgm:prSet presAssocID="{B212E583-7E31-4465-AA3E-0AE51071378D}" presName="oChild" presStyleLbl="fgAcc1" presStyleIdx="3" presStyleCnt="6">
+        <dgm:presLayoutVars>
+          <dgm:bulletEnabled val="1"/>
+        </dgm:presLayoutVars>
+      </dgm:prSet>
+      <dgm:spPr/>
+    </dgm:pt>
+    <dgm:pt modelId="{B9C38041-F5D2-4C9A-B6C0-6A4E63B676CE}" type="pres">
+      <dgm:prSet presAssocID="{4FAAA736-7B35-4ED3-809D-0D2BA3B760EB}" presName="outerSibTrans" presStyleCnt="0"/>
+      <dgm:spPr/>
+    </dgm:pt>
+    <dgm:pt modelId="{1C99F551-3349-4CE9-BF6E-415336B8882E}" type="pres">
+      <dgm:prSet presAssocID="{A546B4D7-37EA-4DEB-BC69-3DD634097985}" presName="oChild" presStyleLbl="fgAcc1" presStyleIdx="4" presStyleCnt="6">
+        <dgm:presLayoutVars>
+          <dgm:bulletEnabled val="1"/>
+        </dgm:presLayoutVars>
+      </dgm:prSet>
+      <dgm:spPr/>
+    </dgm:pt>
+    <dgm:pt modelId="{842BC400-830C-4668-9DDC-8BB6F7C0E0F7}" type="pres">
+      <dgm:prSet presAssocID="{4B270560-A5A6-40A5-A039-26C06B432C62}" presName="outerSibTrans" presStyleCnt="0"/>
+      <dgm:spPr/>
+    </dgm:pt>
+    <dgm:pt modelId="{BD4107E8-4318-4BEC-AE3A-17A2882B7ADA}" type="pres">
+      <dgm:prSet presAssocID="{FC8C49D8-B1F8-4F8C-8E4B-C885AD85D8DB}" presName="oChild" presStyleLbl="fgAcc1" presStyleIdx="5" presStyleCnt="6">
+        <dgm:presLayoutVars>
+          <dgm:bulletEnabled val="1"/>
+        </dgm:presLayoutVars>
+      </dgm:prSet>
+      <dgm:spPr/>
+    </dgm:pt>
+  </dgm:ptLst>
+  <dgm:cxnLst>
+    <dgm:cxn modelId="{0C874503-FA17-4F36-9DB2-42CAB404546A}" srcId="{46C7ECE5-9C05-4844-8701-735A0719D12D}" destId="{B9DAE7F8-054F-4B6C-B658-191498EE557D}" srcOrd="1" destOrd="0" parTransId="{6336CB53-7027-4A4E-A942-D3FF22A8C56A}" sibTransId="{8E36131A-21B8-493D-A4C0-228BD3B5B116}"/>
+    <dgm:cxn modelId="{11823A22-D3E8-45F8-8CBB-7C83C071CB20}" type="presOf" srcId="{FC8C49D8-B1F8-4F8C-8E4B-C885AD85D8DB}" destId="{BD4107E8-4318-4BEC-AE3A-17A2882B7ADA}" srcOrd="0" destOrd="0" presId="urn:microsoft.com/office/officeart/2005/8/layout/target2"/>
+    <dgm:cxn modelId="{42301025-3622-4F16-86EA-5D1A9AC2A530}" type="presOf" srcId="{B212E583-7E31-4465-AA3E-0AE51071378D}" destId="{D6B94978-CBF6-49A3-87AD-9F6B2E28C34A}" srcOrd="0" destOrd="0" presId="urn:microsoft.com/office/officeart/2005/8/layout/target2"/>
+    <dgm:cxn modelId="{8825A93C-39B9-4C78-8280-9C6CE61D1416}" type="presOf" srcId="{CA427819-FB33-4E0F-8D10-BED2E9B5FE90}" destId="{B2EB2BAD-E656-4C56-AF49-D0FA9B44C748}" srcOrd="0" destOrd="0" presId="urn:microsoft.com/office/officeart/2005/8/layout/target2"/>
+    <dgm:cxn modelId="{6855D43C-0529-4D25-8937-7D286EBF47FA}" type="presOf" srcId="{A546B4D7-37EA-4DEB-BC69-3DD634097985}" destId="{1C99F551-3349-4CE9-BF6E-415336B8882E}" srcOrd="0" destOrd="0" presId="urn:microsoft.com/office/officeart/2005/8/layout/target2"/>
+    <dgm:cxn modelId="{A5E2083E-0C14-4B85-B7F0-1524E3EFB229}" type="presOf" srcId="{B9DAE7F8-054F-4B6C-B658-191498EE557D}" destId="{0BDC1031-AD1A-4D79-AB74-C17488B0F667}" srcOrd="0" destOrd="0" presId="urn:microsoft.com/office/officeart/2005/8/layout/target2"/>
+    <dgm:cxn modelId="{FD6D784F-1181-46FB-9E1C-3D390CC0F8B6}" type="presOf" srcId="{46C7ECE5-9C05-4844-8701-735A0719D12D}" destId="{AAE40553-F7AD-465E-BE68-E44F52EBA75A}" srcOrd="0" destOrd="0" presId="urn:microsoft.com/office/officeart/2005/8/layout/target2"/>
+    <dgm:cxn modelId="{A534FC55-1BA7-43D9-A552-1744F1A4508C}" srcId="{46C7ECE5-9C05-4844-8701-735A0719D12D}" destId="{CA427819-FB33-4E0F-8D10-BED2E9B5FE90}" srcOrd="2" destOrd="0" parTransId="{AAB2577F-C803-4CDB-8419-2412BAFDF9BE}" sibTransId="{CA98C05D-49E1-4192-9BAE-955674EDC2E7}"/>
+    <dgm:cxn modelId="{6E46CA56-373F-45C4-8829-6452ED8228F3}" type="presOf" srcId="{3D010A4F-5429-4F14-8E85-954F168731C8}" destId="{1C1FE47E-6332-497B-AE27-AA2B02B2B0A4}" srcOrd="0" destOrd="0" presId="urn:microsoft.com/office/officeart/2005/8/layout/target2"/>
+    <dgm:cxn modelId="{C9A2F6A2-7FA6-4F58-AD43-42F403B31A27}" srcId="{46C7ECE5-9C05-4844-8701-735A0719D12D}" destId="{B212E583-7E31-4465-AA3E-0AE51071378D}" srcOrd="3" destOrd="0" parTransId="{04944895-FFD6-40E9-9B11-BF53E8E391DC}" sibTransId="{4FAAA736-7B35-4ED3-809D-0D2BA3B760EB}"/>
+    <dgm:cxn modelId="{34F6BCA6-5BB5-43AB-9B04-4DD1ED1A0B0D}" srcId="{46C7ECE5-9C05-4844-8701-735A0719D12D}" destId="{A546B4D7-37EA-4DEB-BC69-3DD634097985}" srcOrd="4" destOrd="0" parTransId="{4ED433DB-5B58-4FC6-8B87-2A3C545B51E8}" sibTransId="{4B270560-A5A6-40A5-A039-26C06B432C62}"/>
+    <dgm:cxn modelId="{096684C5-C3A6-4192-9D0B-87B2BBE32293}" srcId="{46C7ECE5-9C05-4844-8701-735A0719D12D}" destId="{3D010A4F-5429-4F14-8E85-954F168731C8}" srcOrd="0" destOrd="0" parTransId="{6F16C0F6-D823-4C3B-9B85-CCA2BEB2AFB8}" sibTransId="{932F1A27-884F-48EE-897D-9CF79C7FA33E}"/>
+    <dgm:cxn modelId="{C7BAE0C8-EDFC-43A1-B4CD-28DFB9A7B090}" srcId="{86BAFBF2-36AA-41D2-90DA-8C75879C23E2}" destId="{46C7ECE5-9C05-4844-8701-735A0719D12D}" srcOrd="0" destOrd="0" parTransId="{9449ADDC-A58A-4DA5-9EAC-80BA4228BD11}" sibTransId="{7DC0F9D2-B888-4706-8838-80BF8388749E}"/>
+    <dgm:cxn modelId="{AD5837D4-D45A-43B9-BD91-909B8968F18F}" srcId="{46C7ECE5-9C05-4844-8701-735A0719D12D}" destId="{FC8C49D8-B1F8-4F8C-8E4B-C885AD85D8DB}" srcOrd="5" destOrd="0" parTransId="{11AAAB46-644F-40C1-A097-DD0ADFA140B3}" sibTransId="{E6279BF8-5F4C-4DBD-A5B3-F8105CC8E1E7}"/>
+    <dgm:cxn modelId="{9B06ACF9-305B-436B-ABE2-09E35A0F3E3A}" type="presOf" srcId="{86BAFBF2-36AA-41D2-90DA-8C75879C23E2}" destId="{0D918C27-B8BE-469E-B69C-54B7A732E0A6}" srcOrd="0" destOrd="0" presId="urn:microsoft.com/office/officeart/2005/8/layout/target2"/>
+    <dgm:cxn modelId="{8B703946-56FF-4469-B599-69817DD0788F}" type="presParOf" srcId="{0D918C27-B8BE-469E-B69C-54B7A732E0A6}" destId="{95589480-0D0D-41C2-8617-044841E56D4E}" srcOrd="0" destOrd="0" presId="urn:microsoft.com/office/officeart/2005/8/layout/target2"/>
+    <dgm:cxn modelId="{E7BEDB10-DD26-4070-9369-1D480E8B227B}" type="presParOf" srcId="{95589480-0D0D-41C2-8617-044841E56D4E}" destId="{AAE40553-F7AD-465E-BE68-E44F52EBA75A}" srcOrd="0" destOrd="0" presId="urn:microsoft.com/office/officeart/2005/8/layout/target2"/>
+    <dgm:cxn modelId="{692E606F-BA28-4827-8FE6-F8A66D1E5FB1}" type="presParOf" srcId="{95589480-0D0D-41C2-8617-044841E56D4E}" destId="{44EFEACD-BBCF-471F-B460-8A494E7D7354}" srcOrd="1" destOrd="0" presId="urn:microsoft.com/office/officeart/2005/8/layout/target2"/>
+    <dgm:cxn modelId="{5ABAB20D-0B34-4A54-A45F-446E9DF4E15D}" type="presParOf" srcId="{44EFEACD-BBCF-471F-B460-8A494E7D7354}" destId="{1C1FE47E-6332-497B-AE27-AA2B02B2B0A4}" srcOrd="0" destOrd="0" presId="urn:microsoft.com/office/officeart/2005/8/layout/target2"/>
+    <dgm:cxn modelId="{08B2E0EA-4E81-4B83-A8A5-251250A32AD7}" type="presParOf" srcId="{44EFEACD-BBCF-471F-B460-8A494E7D7354}" destId="{90EE1E71-5690-4BD1-8000-95F8DA307A24}" srcOrd="1" destOrd="0" presId="urn:microsoft.com/office/officeart/2005/8/layout/target2"/>
+    <dgm:cxn modelId="{E19067E5-66DD-4584-8005-67D8E2C1109C}" type="presParOf" srcId="{44EFEACD-BBCF-471F-B460-8A494E7D7354}" destId="{0BDC1031-AD1A-4D79-AB74-C17488B0F667}" srcOrd="2" destOrd="0" presId="urn:microsoft.com/office/officeart/2005/8/layout/target2"/>
+    <dgm:cxn modelId="{C2D2CDFA-EC5E-40B8-BCC7-DDC2145B1433}" type="presParOf" srcId="{44EFEACD-BBCF-471F-B460-8A494E7D7354}" destId="{A426B992-7A69-4C69-A94C-BAEDF41CFD71}" srcOrd="3" destOrd="0" presId="urn:microsoft.com/office/officeart/2005/8/layout/target2"/>
+    <dgm:cxn modelId="{2FB8CADE-9BDA-4C7A-A700-016543F13AFE}" type="presParOf" srcId="{44EFEACD-BBCF-471F-B460-8A494E7D7354}" destId="{B2EB2BAD-E656-4C56-AF49-D0FA9B44C748}" srcOrd="4" destOrd="0" presId="urn:microsoft.com/office/officeart/2005/8/layout/target2"/>
+    <dgm:cxn modelId="{FDBAB46D-CBAB-44DF-9993-D2EE3EA72B92}" type="presParOf" srcId="{44EFEACD-BBCF-471F-B460-8A494E7D7354}" destId="{479FC97A-58D4-44A9-B477-4DCC947AC674}" srcOrd="5" destOrd="0" presId="urn:microsoft.com/office/officeart/2005/8/layout/target2"/>
+    <dgm:cxn modelId="{31A59A86-A6C4-4019-B3AE-FB4AE5C8C47A}" type="presParOf" srcId="{44EFEACD-BBCF-471F-B460-8A494E7D7354}" destId="{D6B94978-CBF6-49A3-87AD-9F6B2E28C34A}" srcOrd="6" destOrd="0" presId="urn:microsoft.com/office/officeart/2005/8/layout/target2"/>
+    <dgm:cxn modelId="{27E3A909-B401-48BD-8F64-F404A3DAC078}" type="presParOf" srcId="{44EFEACD-BBCF-471F-B460-8A494E7D7354}" destId="{B9C38041-F5D2-4C9A-B6C0-6A4E63B676CE}" srcOrd="7" destOrd="0" presId="urn:microsoft.com/office/officeart/2005/8/layout/target2"/>
+    <dgm:cxn modelId="{DE3F4980-18DE-4D45-B69D-8B9B2D607255}" type="presParOf" srcId="{44EFEACD-BBCF-471F-B460-8A494E7D7354}" destId="{1C99F551-3349-4CE9-BF6E-415336B8882E}" srcOrd="8" destOrd="0" presId="urn:microsoft.com/office/officeart/2005/8/layout/target2"/>
+    <dgm:cxn modelId="{DF62FC31-2F6A-4F37-835D-FEB1C04BE338}" type="presParOf" srcId="{44EFEACD-BBCF-471F-B460-8A494E7D7354}" destId="{842BC400-830C-4668-9DDC-8BB6F7C0E0F7}" srcOrd="9" destOrd="0" presId="urn:microsoft.com/office/officeart/2005/8/layout/target2"/>
+    <dgm:cxn modelId="{7AA278A4-D773-4089-B2C0-D3980C57B896}" type="presParOf" srcId="{44EFEACD-BBCF-471F-B460-8A494E7D7354}" destId="{BD4107E8-4318-4BEC-AE3A-17A2882B7ADA}" srcOrd="10" destOrd="0" presId="urn:microsoft.com/office/officeart/2005/8/layout/target2"/>
+  </dgm:cxnLst>
+  <dgm:bg/>
+  <dgm:whole/>
+  <dgm:extLst>
+    <a:ext uri="http://schemas.microsoft.com/office/drawing/2008/diagram">
+      <dsp:dataModelExt xmlns:dsp="http://schemas.microsoft.com/office/drawing/2008/diagram" relId="rId6" minVer="http://schemas.openxmlformats.org/drawingml/2006/diagram"/>
+    </a:ext>
+  </dgm:extLst>
+</dgm:dataModel>
+</file>
+
+<file path=ppt/diagrams/data2.xml><?xml version="1.0" encoding="utf-8"?>
+<dgm:dataModel xmlns:dgm="http://schemas.openxmlformats.org/drawingml/2006/diagram" xmlns:a="http://schemas.openxmlformats.org/drawingml/2006/main">
+  <dgm:ptLst>
+    <dgm:pt modelId="{50B92FBA-127C-44FC-88A2-7BA2660E0644}" type="doc">
+      <dgm:prSet loTypeId="urn:microsoft.com/office/officeart/2005/8/layout/vList6" loCatId="process" qsTypeId="urn:microsoft.com/office/officeart/2005/8/quickstyle/simple1" qsCatId="simple" csTypeId="urn:microsoft.com/office/officeart/2005/8/colors/accent0_1" csCatId="mainScheme" phldr="1"/>
       <dgm:spPr/>
       <dgm:t>
         <a:bodyPr/>
@@ -1033,8 +2141,22 @@
         </a:p>
       </dgm:t>
     </dgm:pt>
-    <dgm:pt modelId="{FDE214D9-EC38-4977-97E2-F3F22F0FDB8D}">
-      <dgm:prSet phldrT="[Text]" phldr="1"/>
+    <dgm:pt modelId="{DDCF2613-C516-4143-BBE4-56BF56BA08B5}">
+      <dgm:prSet phldrT="[Text]"/>
+      <dgm:spPr/>
+      <dgm:t>
+        <a:bodyPr/>
+        <a:lstStyle/>
+        <a:p>
+          <a:r>
+            <a:rPr lang="en-US" dirty="0"/>
+            <a:t>Wireless Requirements</a:t>
+          </a:r>
+        </a:p>
+      </dgm:t>
+    </dgm:pt>
+    <dgm:pt modelId="{39C5A059-87B1-42C2-8208-E55FC4A7C0E7}" type="parTrans" cxnId="{F81BDD5F-36D7-49A0-B863-1109A5EE5BE4}">
+      <dgm:prSet/>
       <dgm:spPr/>
       <dgm:t>
         <a:bodyPr/>
@@ -1044,7 +2166,7 @@
         </a:p>
       </dgm:t>
     </dgm:pt>
-    <dgm:pt modelId="{845FD123-EE35-44E8-90E6-F5DEFF07399D}" type="parTrans" cxnId="{1B392580-A138-45D1-A26C-DB488A842C80}">
+    <dgm:pt modelId="{F8B64696-A973-4B7C-A460-EDDA2D8891FA}" type="sibTrans" cxnId="{F81BDD5F-36D7-49A0-B863-1109A5EE5BE4}">
       <dgm:prSet/>
       <dgm:spPr/>
       <dgm:t>
@@ -1055,7 +2177,21 @@
         </a:p>
       </dgm:t>
     </dgm:pt>
-    <dgm:pt modelId="{9F72C2A6-FE78-49C6-BBAC-8239AC9A1D41}" type="sibTrans" cxnId="{1B392580-A138-45D1-A26C-DB488A842C80}">
+    <dgm:pt modelId="{0C249CC0-0471-4C02-A835-954D9A66DBE6}">
+      <dgm:prSet phldrT="[Text]"/>
+      <dgm:spPr/>
+      <dgm:t>
+        <a:bodyPr/>
+        <a:lstStyle/>
+        <a:p>
+          <a:r>
+            <a:rPr lang="en-US" dirty="0"/>
+            <a:t>Architectural Modeling</a:t>
+          </a:r>
+        </a:p>
+      </dgm:t>
+    </dgm:pt>
+    <dgm:pt modelId="{594CE964-0E3B-44BA-9946-53EBB9D150C8}" type="parTrans" cxnId="{740C2906-3AEC-4486-B89F-E85B48F1D110}">
       <dgm:prSet/>
       <dgm:spPr/>
       <dgm:t>
@@ -1066,8 +2202,8 @@
         </a:p>
       </dgm:t>
     </dgm:pt>
-    <dgm:pt modelId="{A546B4D7-37EA-4DEB-BC69-3DD634097985}">
-      <dgm:prSet phldrT="[Text]" phldr="1"/>
+    <dgm:pt modelId="{A9943199-CE83-4556-8B5A-B4DE679A329D}" type="sibTrans" cxnId="{740C2906-3AEC-4486-B89F-E85B48F1D110}">
+      <dgm:prSet/>
       <dgm:spPr/>
       <dgm:t>
         <a:bodyPr/>
@@ -1077,7 +2213,21 @@
         </a:p>
       </dgm:t>
     </dgm:pt>
-    <dgm:pt modelId="{4ED433DB-5B58-4FC6-8B87-2A3C545B51E8}" type="parTrans" cxnId="{34F6BCA6-5BB5-43AB-9B04-4DD1ED1A0B0D}">
+    <dgm:pt modelId="{256F6727-6B02-48D3-8B83-6D3D77D983D1}">
+      <dgm:prSet phldrT="[Text]"/>
+      <dgm:spPr/>
+      <dgm:t>
+        <a:bodyPr/>
+        <a:lstStyle/>
+        <a:p>
+          <a:r>
+            <a:rPr lang="en-US" dirty="0"/>
+            <a:t>Testbed Development</a:t>
+          </a:r>
+        </a:p>
+      </dgm:t>
+    </dgm:pt>
+    <dgm:pt modelId="{9E6FEDB7-87AB-4738-942B-EDD482BF9DB5}" type="parTrans" cxnId="{1793A55C-17BC-4DA3-90B0-75327C3069A1}">
       <dgm:prSet/>
       <dgm:spPr/>
       <dgm:t>
@@ -1088,7 +2238,7 @@
         </a:p>
       </dgm:t>
     </dgm:pt>
-    <dgm:pt modelId="{4B270560-A5A6-40A5-A039-26C06B432C62}" type="sibTrans" cxnId="{34F6BCA6-5BB5-43AB-9B04-4DD1ED1A0B0D}">
+    <dgm:pt modelId="{7C6B9650-B7EA-4940-951E-5DD62764B2A1}" type="sibTrans" cxnId="{1793A55C-17BC-4DA3-90B0-75327C3069A1}">
       <dgm:prSet/>
       <dgm:spPr/>
       <dgm:t>
@@ -1099,171 +2249,770 @@
         </a:p>
       </dgm:t>
     </dgm:pt>
-    <dgm:pt modelId="{3946BDCC-CCB9-43F7-B67C-38EE8A30F440}" type="pres">
-      <dgm:prSet presAssocID="{86BAFBF2-36AA-41D2-90DA-8C75879C23E2}" presName="Name0" presStyleCnt="0">
+    <dgm:pt modelId="{CF6A3CD5-1FD6-4E54-93EF-95CAFEF626E6}">
+      <dgm:prSet phldrT="[Text]"/>
+      <dgm:spPr/>
+      <dgm:t>
+        <a:bodyPr/>
+        <a:lstStyle/>
+        <a:p>
+          <a:r>
+            <a:rPr lang="en-US" dirty="0"/>
+            <a:t>Data Collection and Organization</a:t>
+          </a:r>
+        </a:p>
+      </dgm:t>
+    </dgm:pt>
+    <dgm:pt modelId="{C7ED55AC-527B-41E4-9AEC-FE6D05B7FEF6}" type="parTrans" cxnId="{1698427E-4033-43CE-A993-1C4219028E3C}">
+      <dgm:prSet/>
+      <dgm:spPr/>
+      <dgm:t>
+        <a:bodyPr/>
+        <a:lstStyle/>
+        <a:p>
+          <a:endParaRPr lang="en-US"/>
+        </a:p>
+      </dgm:t>
+    </dgm:pt>
+    <dgm:pt modelId="{FBDE67F6-4524-4E1D-97E2-8864D9E14433}" type="sibTrans" cxnId="{1698427E-4033-43CE-A993-1C4219028E3C}">
+      <dgm:prSet/>
+      <dgm:spPr/>
+      <dgm:t>
+        <a:bodyPr/>
+        <a:lstStyle/>
+        <a:p>
+          <a:endParaRPr lang="en-US"/>
+        </a:p>
+      </dgm:t>
+    </dgm:pt>
+    <dgm:pt modelId="{22D0BF9C-9098-43FB-9E1C-83B51CA53B8B}">
+      <dgm:prSet phldrT="[Text]"/>
+      <dgm:spPr/>
+      <dgm:t>
+        <a:bodyPr/>
+        <a:lstStyle/>
+        <a:p>
+          <a:r>
+            <a:rPr lang="en-US" dirty="0"/>
+            <a:t>Machine Learning</a:t>
+          </a:r>
+        </a:p>
+      </dgm:t>
+    </dgm:pt>
+    <dgm:pt modelId="{77C56DF0-B846-44A3-8124-4F91C1C0AE35}" type="parTrans" cxnId="{11F97AEE-3357-4550-A19D-545B989F89CE}">
+      <dgm:prSet/>
+      <dgm:spPr/>
+      <dgm:t>
+        <a:bodyPr/>
+        <a:lstStyle/>
+        <a:p>
+          <a:endParaRPr lang="en-US"/>
+        </a:p>
+      </dgm:t>
+    </dgm:pt>
+    <dgm:pt modelId="{28545E06-75FB-4E43-B84D-55D351AE4231}" type="sibTrans" cxnId="{11F97AEE-3357-4550-A19D-545B989F89CE}">
+      <dgm:prSet/>
+      <dgm:spPr/>
+      <dgm:t>
+        <a:bodyPr/>
+        <a:lstStyle/>
+        <a:p>
+          <a:endParaRPr lang="en-US"/>
+        </a:p>
+      </dgm:t>
+    </dgm:pt>
+    <dgm:pt modelId="{27CBE004-D863-43AA-A93E-D9814DEFDD73}">
+      <dgm:prSet phldrT="[Text]"/>
+      <dgm:spPr/>
+      <dgm:t>
+        <a:bodyPr/>
+        <a:lstStyle/>
+        <a:p>
+          <a:r>
+            <a:rPr lang="en-US" dirty="0"/>
+            <a:t>Future Research</a:t>
+          </a:r>
+        </a:p>
+      </dgm:t>
+    </dgm:pt>
+    <dgm:pt modelId="{825EB3F2-B98D-490A-9314-CB1AC2909F42}" type="parTrans" cxnId="{5D6E6A78-A939-41BA-9E26-A5162174FA13}">
+      <dgm:prSet/>
+      <dgm:spPr/>
+      <dgm:t>
+        <a:bodyPr/>
+        <a:lstStyle/>
+        <a:p>
+          <a:endParaRPr lang="en-US"/>
+        </a:p>
+      </dgm:t>
+    </dgm:pt>
+    <dgm:pt modelId="{34AA0EFD-AF51-4B94-B26F-874017BE5D83}" type="sibTrans" cxnId="{5D6E6A78-A939-41BA-9E26-A5162174FA13}">
+      <dgm:prSet/>
+      <dgm:spPr/>
+      <dgm:t>
+        <a:bodyPr/>
+        <a:lstStyle/>
+        <a:p>
+          <a:endParaRPr lang="en-US"/>
+        </a:p>
+      </dgm:t>
+    </dgm:pt>
+    <dgm:pt modelId="{07FC20FA-B0B5-4FB9-925D-3F49A843FFFD}">
+      <dgm:prSet phldrT="[Text]"/>
+      <dgm:spPr/>
+      <dgm:t>
+        <a:bodyPr/>
+        <a:lstStyle/>
+        <a:p>
+          <a:r>
+            <a:rPr lang="en-US" dirty="0"/>
+            <a:t>Investigation of online learning for RF situational awareness</a:t>
+          </a:r>
+        </a:p>
+      </dgm:t>
+    </dgm:pt>
+    <dgm:pt modelId="{5C7078D4-5FC6-400B-B8B7-B59A5EB447B7}" type="parTrans" cxnId="{11AEC676-441F-4CB2-B627-E2CF7F39C2A2}">
+      <dgm:prSet/>
+      <dgm:spPr/>
+      <dgm:t>
+        <a:bodyPr/>
+        <a:lstStyle/>
+        <a:p>
+          <a:endParaRPr lang="en-US"/>
+        </a:p>
+      </dgm:t>
+    </dgm:pt>
+    <dgm:pt modelId="{F6A9A4B1-63AC-4262-BA0F-497710E7908A}" type="sibTrans" cxnId="{11AEC676-441F-4CB2-B627-E2CF7F39C2A2}">
+      <dgm:prSet/>
+      <dgm:spPr/>
+      <dgm:t>
+        <a:bodyPr/>
+        <a:lstStyle/>
+        <a:p>
+          <a:endParaRPr lang="en-US"/>
+        </a:p>
+      </dgm:t>
+    </dgm:pt>
+    <dgm:pt modelId="{4D46962D-983D-4EA3-BAC2-67CAC0181DFF}">
+      <dgm:prSet phldrT="[Text]"/>
+      <dgm:spPr/>
+      <dgm:t>
+        <a:bodyPr/>
+        <a:lstStyle/>
+        <a:p>
+          <a:r>
+            <a:rPr lang="en-US" dirty="0"/>
+            <a:t>Landscape of the Use Cases for </a:t>
+          </a:r>
+          <a:r>
+            <a:rPr lang="en-US" dirty="0" err="1"/>
+            <a:t>WirelessUnderstand</a:t>
+          </a:r>
+          <a:r>
+            <a:rPr lang="en-US" dirty="0"/>
+            <a:t> the Radio Environment</a:t>
+          </a:r>
+        </a:p>
+      </dgm:t>
+    </dgm:pt>
+    <dgm:pt modelId="{F38F892E-1D3E-4047-863B-578A915A64EF}" type="parTrans" cxnId="{44F05744-6676-4ACD-8534-88100ECDC710}">
+      <dgm:prSet/>
+      <dgm:spPr/>
+      <dgm:t>
+        <a:bodyPr/>
+        <a:lstStyle/>
+        <a:p>
+          <a:endParaRPr lang="en-US"/>
+        </a:p>
+      </dgm:t>
+    </dgm:pt>
+    <dgm:pt modelId="{DAAF4B93-2B99-4752-B9C3-EEFE7E95CC46}" type="sibTrans" cxnId="{44F05744-6676-4ACD-8534-88100ECDC710}">
+      <dgm:prSet/>
+      <dgm:spPr/>
+      <dgm:t>
+        <a:bodyPr/>
+        <a:lstStyle/>
+        <a:p>
+          <a:endParaRPr lang="en-US"/>
+        </a:p>
+      </dgm:t>
+    </dgm:pt>
+    <dgm:pt modelId="{C7B548B2-EF26-4F05-A14A-6D502303FCDA}">
+      <dgm:prSet phldrT="[Text]"/>
+      <dgm:spPr/>
+      <dgm:t>
+        <a:bodyPr/>
+        <a:lstStyle/>
+        <a:p>
+          <a:r>
+            <a:rPr lang="en-US"/>
+            <a:t>Understand </a:t>
+          </a:r>
+          <a:r>
+            <a:rPr lang="en-US" dirty="0"/>
+            <a:t>the Radio Environment</a:t>
+          </a:r>
+        </a:p>
+      </dgm:t>
+    </dgm:pt>
+    <dgm:pt modelId="{DFC404A3-81DE-4394-B14E-29DF56CC06EF}" type="parTrans" cxnId="{BF33898D-C0ED-452D-A5DF-0FD2BC8FF24E}">
+      <dgm:prSet/>
+      <dgm:spPr/>
+      <dgm:t>
+        <a:bodyPr/>
+        <a:lstStyle/>
+        <a:p>
+          <a:endParaRPr lang="en-US"/>
+        </a:p>
+      </dgm:t>
+    </dgm:pt>
+    <dgm:pt modelId="{2C5CA477-8965-4371-A3DE-CA1D593DCB30}" type="sibTrans" cxnId="{BF33898D-C0ED-452D-A5DF-0FD2BC8FF24E}">
+      <dgm:prSet/>
+      <dgm:spPr/>
+      <dgm:t>
+        <a:bodyPr/>
+        <a:lstStyle/>
+        <a:p>
+          <a:endParaRPr lang="en-US"/>
+        </a:p>
+      </dgm:t>
+    </dgm:pt>
+    <dgm:pt modelId="{5DCB02DD-9D7D-46F8-8F63-85DEB227E96C}">
+      <dgm:prSet phldrT="[Text]"/>
+      <dgm:spPr/>
+      <dgm:t>
+        <a:bodyPr/>
+        <a:lstStyle/>
+        <a:p>
+          <a:r>
+            <a:rPr lang="en-US" dirty="0"/>
+            <a:t>Functional Decomposition of Network and Physical System</a:t>
+          </a:r>
+        </a:p>
+      </dgm:t>
+    </dgm:pt>
+    <dgm:pt modelId="{24BB9982-26D6-4928-84E4-6BC6F690A997}" type="parTrans" cxnId="{9A89D448-91FF-4E0D-9AE1-A90DE7AADF2A}">
+      <dgm:prSet/>
+      <dgm:spPr/>
+      <dgm:t>
+        <a:bodyPr/>
+        <a:lstStyle/>
+        <a:p>
+          <a:endParaRPr lang="en-US"/>
+        </a:p>
+      </dgm:t>
+    </dgm:pt>
+    <dgm:pt modelId="{C9A6FD2D-AA31-42F0-82AA-D5BE161E4F21}" type="sibTrans" cxnId="{9A89D448-91FF-4E0D-9AE1-A90DE7AADF2A}">
+      <dgm:prSet/>
+      <dgm:spPr/>
+      <dgm:t>
+        <a:bodyPr/>
+        <a:lstStyle/>
+        <a:p>
+          <a:endParaRPr lang="en-US"/>
+        </a:p>
+      </dgm:t>
+    </dgm:pt>
+    <dgm:pt modelId="{5ACBA04F-70EA-423A-8EEF-8BA4D4EE86BB}">
+      <dgm:prSet phldrT="[Text]"/>
+      <dgm:spPr/>
+      <dgm:t>
+        <a:bodyPr/>
+        <a:lstStyle/>
+        <a:p>
+          <a:r>
+            <a:rPr lang="en-US" dirty="0"/>
+            <a:t>Indication of Physical Constraints in the Model</a:t>
+          </a:r>
+        </a:p>
+      </dgm:t>
+    </dgm:pt>
+    <dgm:pt modelId="{4B63AD80-605A-4EEB-9284-55198EDF21DD}" type="parTrans" cxnId="{59C23117-0E63-4858-997B-4BFC6BCC5763}">
+      <dgm:prSet/>
+      <dgm:spPr/>
+      <dgm:t>
+        <a:bodyPr/>
+        <a:lstStyle/>
+        <a:p>
+          <a:endParaRPr lang="en-US"/>
+        </a:p>
+      </dgm:t>
+    </dgm:pt>
+    <dgm:pt modelId="{1A170114-F54B-4F53-9F41-5631CAEB2F44}" type="sibTrans" cxnId="{59C23117-0E63-4858-997B-4BFC6BCC5763}">
+      <dgm:prSet/>
+      <dgm:spPr/>
+      <dgm:t>
+        <a:bodyPr/>
+        <a:lstStyle/>
+        <a:p>
+          <a:endParaRPr lang="en-US"/>
+        </a:p>
+      </dgm:t>
+    </dgm:pt>
+    <dgm:pt modelId="{32D168FC-66B2-430B-8243-781F6D59AE1C}">
+      <dgm:prSet phldrT="[Text]"/>
+      <dgm:spPr/>
+      <dgm:t>
+        <a:bodyPr/>
+        <a:lstStyle/>
+        <a:p>
+          <a:r>
+            <a:rPr lang="en-US" dirty="0"/>
+            <a:t>Integrate ML with control system</a:t>
+          </a:r>
+        </a:p>
+      </dgm:t>
+    </dgm:pt>
+    <dgm:pt modelId="{C7D0C220-6D88-4286-9327-AB6CBEBD681C}" type="parTrans" cxnId="{4BC71B74-CEAC-4F5D-899D-C348965C7463}">
+      <dgm:prSet/>
+      <dgm:spPr/>
+      <dgm:t>
+        <a:bodyPr/>
+        <a:lstStyle/>
+        <a:p>
+          <a:endParaRPr lang="en-US"/>
+        </a:p>
+      </dgm:t>
+    </dgm:pt>
+    <dgm:pt modelId="{96EBF514-CA74-4C5B-9612-33F90C9E9FC0}" type="sibTrans" cxnId="{4BC71B74-CEAC-4F5D-899D-C348965C7463}">
+      <dgm:prSet/>
+      <dgm:spPr/>
+      <dgm:t>
+        <a:bodyPr/>
+        <a:lstStyle/>
+        <a:p>
+          <a:endParaRPr lang="en-US"/>
+        </a:p>
+      </dgm:t>
+    </dgm:pt>
+    <dgm:pt modelId="{07987B6E-2767-4A76-A041-B16E8179447B}">
+      <dgm:prSet phldrT="[Text]"/>
+      <dgm:spPr/>
+      <dgm:t>
+        <a:bodyPr/>
+        <a:lstStyle/>
+        <a:p>
+          <a:r>
+            <a:rPr lang="en-US" dirty="0"/>
+            <a:t>Extension of model to larger systems and inclusion into standards</a:t>
+          </a:r>
+        </a:p>
+      </dgm:t>
+    </dgm:pt>
+    <dgm:pt modelId="{D08A5DA7-B450-4E31-8367-8E124E7D89B7}" type="parTrans" cxnId="{269E7317-A860-4926-A531-DFCEF556AF8A}">
+      <dgm:prSet/>
+      <dgm:spPr/>
+      <dgm:t>
+        <a:bodyPr/>
+        <a:lstStyle/>
+        <a:p>
+          <a:endParaRPr lang="en-US"/>
+        </a:p>
+      </dgm:t>
+    </dgm:pt>
+    <dgm:pt modelId="{7C7D8E91-4C8E-4C27-B793-98897E1BA62B}" type="sibTrans" cxnId="{269E7317-A860-4926-A531-DFCEF556AF8A}">
+      <dgm:prSet/>
+      <dgm:spPr/>
+      <dgm:t>
+        <a:bodyPr/>
+        <a:lstStyle/>
+        <a:p>
+          <a:endParaRPr lang="en-US"/>
+        </a:p>
+      </dgm:t>
+    </dgm:pt>
+    <dgm:pt modelId="{1C95B944-5DDB-4DAC-8C52-4F4702BD69C7}">
+      <dgm:prSet phldrT="[Text]"/>
+      <dgm:spPr/>
+      <dgm:t>
+        <a:bodyPr/>
+        <a:lstStyle/>
+        <a:p>
+          <a:r>
+            <a:rPr lang="en-US" dirty="0"/>
+            <a:t>Force torque sensing apparatus</a:t>
+          </a:r>
+        </a:p>
+      </dgm:t>
+    </dgm:pt>
+    <dgm:pt modelId="{C98925C6-30FB-4404-BADD-134E13D49324}" type="parTrans" cxnId="{23D040C4-4FF5-40A4-A330-A3E6EC04F6A9}">
+      <dgm:prSet/>
+      <dgm:spPr/>
+      <dgm:t>
+        <a:bodyPr/>
+        <a:lstStyle/>
+        <a:p>
+          <a:endParaRPr lang="en-US"/>
+        </a:p>
+      </dgm:t>
+    </dgm:pt>
+    <dgm:pt modelId="{99D897FB-CC5A-4F3F-8A6E-4017E70AD44E}" type="sibTrans" cxnId="{23D040C4-4FF5-40A4-A330-A3E6EC04F6A9}">
+      <dgm:prSet/>
+      <dgm:spPr/>
+      <dgm:t>
+        <a:bodyPr/>
+        <a:lstStyle/>
+        <a:p>
+          <a:endParaRPr lang="en-US"/>
+        </a:p>
+      </dgm:t>
+    </dgm:pt>
+    <dgm:pt modelId="{AF9CF5EB-11E5-418B-A6F8-82C6F40B0545}">
+      <dgm:prSet phldrT="[Text]"/>
+      <dgm:spPr/>
+      <dgm:t>
+        <a:bodyPr/>
+        <a:lstStyle/>
+        <a:p>
+          <a:r>
+            <a:rPr lang="en-US" dirty="0"/>
+            <a:t>Robot-based machine tending system</a:t>
+          </a:r>
+        </a:p>
+      </dgm:t>
+    </dgm:pt>
+    <dgm:pt modelId="{FB552753-5E54-4B41-98B6-DE6FD86314C7}" type="parTrans" cxnId="{B1AC7AB3-EB68-4025-BBDA-C25F5CE3F132}">
+      <dgm:prSet/>
+      <dgm:spPr/>
+      <dgm:t>
+        <a:bodyPr/>
+        <a:lstStyle/>
+        <a:p>
+          <a:endParaRPr lang="en-US"/>
+        </a:p>
+      </dgm:t>
+    </dgm:pt>
+    <dgm:pt modelId="{0D100111-036F-4455-89FF-9EBB79A55A9E}" type="sibTrans" cxnId="{B1AC7AB3-EB68-4025-BBDA-C25F5CE3F132}">
+      <dgm:prSet/>
+      <dgm:spPr/>
+      <dgm:t>
+        <a:bodyPr/>
+        <a:lstStyle/>
+        <a:p>
+          <a:endParaRPr lang="en-US"/>
+        </a:p>
+      </dgm:t>
+    </dgm:pt>
+    <dgm:pt modelId="{9096C7DC-9C9D-443C-B017-9D7787E4D6C4}">
+      <dgm:prSet phldrT="[Text]"/>
+      <dgm:spPr/>
+      <dgm:t>
+        <a:bodyPr/>
+        <a:lstStyle/>
+        <a:p>
+          <a:r>
+            <a:rPr lang="en-US" dirty="0"/>
+            <a:t>Instrumentation of testbed with network and physical systems probes</a:t>
+          </a:r>
+        </a:p>
+      </dgm:t>
+    </dgm:pt>
+    <dgm:pt modelId="{54105DB6-960E-4CBD-A696-C27E4865B041}" type="parTrans" cxnId="{FCC4E6E9-747B-4A08-A3EE-D01BF187B0B2}">
+      <dgm:prSet/>
+      <dgm:spPr/>
+      <dgm:t>
+        <a:bodyPr/>
+        <a:lstStyle/>
+        <a:p>
+          <a:endParaRPr lang="en-US"/>
+        </a:p>
+      </dgm:t>
+    </dgm:pt>
+    <dgm:pt modelId="{ED2A0F18-4987-4E7B-A654-C92DF6443069}" type="sibTrans" cxnId="{FCC4E6E9-747B-4A08-A3EE-D01BF187B0B2}">
+      <dgm:prSet/>
+      <dgm:spPr/>
+      <dgm:t>
+        <a:bodyPr/>
+        <a:lstStyle/>
+        <a:p>
+          <a:endParaRPr lang="en-US"/>
+        </a:p>
+      </dgm:t>
+    </dgm:pt>
+    <dgm:pt modelId="{4CC8A812-363D-4775-BEB3-F4B9D35D974F}">
+      <dgm:prSet phldrT="[Text]"/>
+      <dgm:spPr/>
+      <dgm:t>
+        <a:bodyPr/>
+        <a:lstStyle/>
+        <a:p>
+          <a:r>
+            <a:rPr lang="en-US" dirty="0"/>
+            <a:t>Big data problem of the organization/cleaning/curation of data for analysis</a:t>
+          </a:r>
+        </a:p>
+      </dgm:t>
+    </dgm:pt>
+    <dgm:pt modelId="{6F528631-3F62-4EB8-B86E-20E5661B1AC7}" type="parTrans" cxnId="{3392A830-F00F-4E08-8442-5B7D7DB27D91}">
+      <dgm:prSet/>
+      <dgm:spPr/>
+      <dgm:t>
+        <a:bodyPr/>
+        <a:lstStyle/>
+        <a:p>
+          <a:endParaRPr lang="en-US"/>
+        </a:p>
+      </dgm:t>
+    </dgm:pt>
+    <dgm:pt modelId="{E5EE6DC8-8B04-46D6-B63C-0352F9842303}" type="sibTrans" cxnId="{3392A830-F00F-4E08-8442-5B7D7DB27D91}">
+      <dgm:prSet/>
+      <dgm:spPr/>
+      <dgm:t>
+        <a:bodyPr/>
+        <a:lstStyle/>
+        <a:p>
+          <a:endParaRPr lang="en-US"/>
+        </a:p>
+      </dgm:t>
+    </dgm:pt>
+    <dgm:pt modelId="{D46FBB7F-279D-417C-9B92-7E1F69958267}">
+      <dgm:prSet phldrT="[Text]"/>
+      <dgm:spPr/>
+      <dgm:t>
+        <a:bodyPr/>
+        <a:lstStyle/>
+        <a:p>
+          <a:r>
+            <a:rPr lang="en-US" dirty="0"/>
+            <a:t>Application of graph database for organization, query, and visualization</a:t>
+          </a:r>
+        </a:p>
+      </dgm:t>
+    </dgm:pt>
+    <dgm:pt modelId="{29CA05D0-788D-499E-8CC5-FC5DD06D190E}" type="parTrans" cxnId="{D3C4A0E2-874E-4299-9AD9-F06D677CC6CA}">
+      <dgm:prSet/>
+      <dgm:spPr/>
+      <dgm:t>
+        <a:bodyPr/>
+        <a:lstStyle/>
+        <a:p>
+          <a:endParaRPr lang="en-US"/>
+        </a:p>
+      </dgm:t>
+    </dgm:pt>
+    <dgm:pt modelId="{8A03864F-AB95-46C9-9AFD-463E62EBE0EA}" type="sibTrans" cxnId="{D3C4A0E2-874E-4299-9AD9-F06D677CC6CA}">
+      <dgm:prSet/>
+      <dgm:spPr/>
+      <dgm:t>
+        <a:bodyPr/>
+        <a:lstStyle/>
+        <a:p>
+          <a:endParaRPr lang="en-US"/>
+        </a:p>
+      </dgm:t>
+    </dgm:pt>
+    <dgm:pt modelId="{DD061A4E-2437-4525-AAE9-5559CECDE7F7}" type="pres">
+      <dgm:prSet presAssocID="{50B92FBA-127C-44FC-88A2-7BA2660E0644}" presName="Name0" presStyleCnt="0">
         <dgm:presLayoutVars>
-          <dgm:chMax val="1"/>
-          <dgm:chPref val="1"/>
           <dgm:dir/>
-          <dgm:animOne val="branch"/>
           <dgm:animLvl val="lvl"/>
+          <dgm:resizeHandles/>
         </dgm:presLayoutVars>
       </dgm:prSet>
       <dgm:spPr/>
     </dgm:pt>
-    <dgm:pt modelId="{1C0B707A-A127-47C7-875B-B4DBEB697405}" type="pres">
-      <dgm:prSet presAssocID="{46C7ECE5-9C05-4844-8701-735A0719D12D}" presName="Parent" presStyleLbl="node0" presStyleIdx="0" presStyleCnt="1">
+    <dgm:pt modelId="{15036A84-C233-40F2-83E6-A0BA32BFA82E}" type="pres">
+      <dgm:prSet presAssocID="{DDCF2613-C516-4143-BBE4-56BF56BA08B5}" presName="linNode" presStyleCnt="0"/>
+      <dgm:spPr/>
+    </dgm:pt>
+    <dgm:pt modelId="{89CF1BE7-1A15-41DB-859F-1448AE88E786}" type="pres">
+      <dgm:prSet presAssocID="{DDCF2613-C516-4143-BBE4-56BF56BA08B5}" presName="parentShp" presStyleLbl="node1" presStyleIdx="0" presStyleCnt="6">
         <dgm:presLayoutVars>
-          <dgm:chMax val="6"/>
-          <dgm:chPref val="6"/>
-        </dgm:presLayoutVars>
-      </dgm:prSet>
-      <dgm:spPr/>
-    </dgm:pt>
-    <dgm:pt modelId="{EFF58B54-6753-4A36-9637-E042EE111476}" type="pres">
-      <dgm:prSet presAssocID="{3D010A4F-5429-4F14-8E85-954F168731C8}" presName="Accent1" presStyleCnt="0"/>
-      <dgm:spPr/>
-    </dgm:pt>
-    <dgm:pt modelId="{27A58FDA-ACCF-4FE5-AB85-E6375E9195BB}" type="pres">
-      <dgm:prSet presAssocID="{3D010A4F-5429-4F14-8E85-954F168731C8}" presName="Accent" presStyleLbl="bgShp" presStyleIdx="0" presStyleCnt="6"/>
-      <dgm:spPr/>
-    </dgm:pt>
-    <dgm:pt modelId="{457BFB62-18B9-458D-BC71-C1ADCD4381BC}" type="pres">
-      <dgm:prSet presAssocID="{3D010A4F-5429-4F14-8E85-954F168731C8}" presName="Child1" presStyleLbl="node1" presStyleIdx="0" presStyleCnt="6">
-        <dgm:presLayoutVars>
-          <dgm:chMax val="0"/>
-          <dgm:chPref val="0"/>
           <dgm:bulletEnabled val="1"/>
         </dgm:presLayoutVars>
       </dgm:prSet>
       <dgm:spPr/>
     </dgm:pt>
-    <dgm:pt modelId="{A07FF66A-C6C5-4A9F-81A6-AC5BCF96FF16}" type="pres">
-      <dgm:prSet presAssocID="{B9DAE7F8-054F-4B6C-B658-191498EE557D}" presName="Accent2" presStyleCnt="0"/>
-      <dgm:spPr/>
-    </dgm:pt>
-    <dgm:pt modelId="{EFC20733-962F-41CE-9545-F0ADF83D8828}" type="pres">
-      <dgm:prSet presAssocID="{B9DAE7F8-054F-4B6C-B658-191498EE557D}" presName="Accent" presStyleLbl="bgShp" presStyleIdx="1" presStyleCnt="6"/>
-      <dgm:spPr/>
-    </dgm:pt>
-    <dgm:pt modelId="{9947193F-0591-4DDF-9077-A55753377D20}" type="pres">
-      <dgm:prSet presAssocID="{B9DAE7F8-054F-4B6C-B658-191498EE557D}" presName="Child2" presStyleLbl="node1" presStyleIdx="1" presStyleCnt="6">
+    <dgm:pt modelId="{DEB7B193-DD98-434C-B89B-69A63A889850}" type="pres">
+      <dgm:prSet presAssocID="{DDCF2613-C516-4143-BBE4-56BF56BA08B5}" presName="childShp" presStyleLbl="bgAccFollowNode1" presStyleIdx="0" presStyleCnt="6">
         <dgm:presLayoutVars>
-          <dgm:chMax val="0"/>
-          <dgm:chPref val="0"/>
           <dgm:bulletEnabled val="1"/>
         </dgm:presLayoutVars>
       </dgm:prSet>
       <dgm:spPr/>
     </dgm:pt>
-    <dgm:pt modelId="{EF3277FF-4D4B-4679-9840-64A8E6A0C566}" type="pres">
-      <dgm:prSet presAssocID="{CA427819-FB33-4E0F-8D10-BED2E9B5FE90}" presName="Accent3" presStyleCnt="0"/>
-      <dgm:spPr/>
-    </dgm:pt>
-    <dgm:pt modelId="{4BF132AC-686B-45E6-A9BD-8BB1F2B6805B}" type="pres">
-      <dgm:prSet presAssocID="{CA427819-FB33-4E0F-8D10-BED2E9B5FE90}" presName="Accent" presStyleLbl="bgShp" presStyleIdx="2" presStyleCnt="6"/>
-      <dgm:spPr/>
-    </dgm:pt>
-    <dgm:pt modelId="{D4F82ED4-97C7-472E-BA68-A5C8A73A2D1A}" type="pres">
-      <dgm:prSet presAssocID="{CA427819-FB33-4E0F-8D10-BED2E9B5FE90}" presName="Child3" presStyleLbl="node1" presStyleIdx="2" presStyleCnt="6">
+    <dgm:pt modelId="{7BC33EF8-4E96-4BE4-9ED7-9AB1F623C4E4}" type="pres">
+      <dgm:prSet presAssocID="{F8B64696-A973-4B7C-A460-EDDA2D8891FA}" presName="spacing" presStyleCnt="0"/>
+      <dgm:spPr/>
+    </dgm:pt>
+    <dgm:pt modelId="{063FA17A-F04D-4517-A025-6F4498456682}" type="pres">
+      <dgm:prSet presAssocID="{0C249CC0-0471-4C02-A835-954D9A66DBE6}" presName="linNode" presStyleCnt="0"/>
+      <dgm:spPr/>
+    </dgm:pt>
+    <dgm:pt modelId="{6ACDBCDC-5D6F-4597-8BAA-81474A0F26B3}" type="pres">
+      <dgm:prSet presAssocID="{0C249CC0-0471-4C02-A835-954D9A66DBE6}" presName="parentShp" presStyleLbl="node1" presStyleIdx="1" presStyleCnt="6">
         <dgm:presLayoutVars>
-          <dgm:chMax val="0"/>
-          <dgm:chPref val="0"/>
           <dgm:bulletEnabled val="1"/>
         </dgm:presLayoutVars>
       </dgm:prSet>
       <dgm:spPr/>
     </dgm:pt>
-    <dgm:pt modelId="{E956C498-70FD-4BB7-B508-80D7BFFEED02}" type="pres">
-      <dgm:prSet presAssocID="{B212E583-7E31-4465-AA3E-0AE51071378D}" presName="Accent4" presStyleCnt="0"/>
-      <dgm:spPr/>
-    </dgm:pt>
-    <dgm:pt modelId="{AECC1C19-D1E5-4AFE-984F-2F1D96EC22C0}" type="pres">
-      <dgm:prSet presAssocID="{B212E583-7E31-4465-AA3E-0AE51071378D}" presName="Accent" presStyleLbl="bgShp" presStyleIdx="3" presStyleCnt="6"/>
-      <dgm:spPr/>
-    </dgm:pt>
-    <dgm:pt modelId="{8203B041-F848-4E16-8295-0872BF47F88C}" type="pres">
-      <dgm:prSet presAssocID="{B212E583-7E31-4465-AA3E-0AE51071378D}" presName="Child4" presStyleLbl="node1" presStyleIdx="3" presStyleCnt="6">
+    <dgm:pt modelId="{23C425BE-BD6B-4835-91F8-D26D8BF6C478}" type="pres">
+      <dgm:prSet presAssocID="{0C249CC0-0471-4C02-A835-954D9A66DBE6}" presName="childShp" presStyleLbl="bgAccFollowNode1" presStyleIdx="1" presStyleCnt="6">
         <dgm:presLayoutVars>
-          <dgm:chMax val="0"/>
-          <dgm:chPref val="0"/>
           <dgm:bulletEnabled val="1"/>
         </dgm:presLayoutVars>
       </dgm:prSet>
       <dgm:spPr/>
     </dgm:pt>
-    <dgm:pt modelId="{83537665-54F8-4093-9548-B430F1CD384D}" type="pres">
-      <dgm:prSet presAssocID="{FDE214D9-EC38-4977-97E2-F3F22F0FDB8D}" presName="Accent5" presStyleCnt="0"/>
-      <dgm:spPr/>
-    </dgm:pt>
-    <dgm:pt modelId="{D1281AFA-1CFE-41CB-AB4C-394482D4B9BB}" type="pres">
-      <dgm:prSet presAssocID="{FDE214D9-EC38-4977-97E2-F3F22F0FDB8D}" presName="Accent" presStyleLbl="bgShp" presStyleIdx="4" presStyleCnt="6"/>
-      <dgm:spPr/>
-    </dgm:pt>
-    <dgm:pt modelId="{035E6F23-627E-40C1-85FC-FE2ED6B8B800}" type="pres">
-      <dgm:prSet presAssocID="{FDE214D9-EC38-4977-97E2-F3F22F0FDB8D}" presName="Child5" presStyleLbl="node1" presStyleIdx="4" presStyleCnt="6">
+    <dgm:pt modelId="{BA75D6F6-8E67-4906-84A3-617A6DEAF0CA}" type="pres">
+      <dgm:prSet presAssocID="{A9943199-CE83-4556-8B5A-B4DE679A329D}" presName="spacing" presStyleCnt="0"/>
+      <dgm:spPr/>
+    </dgm:pt>
+    <dgm:pt modelId="{D7E7A71E-7C7B-40CB-9635-8472CDEE1C34}" type="pres">
+      <dgm:prSet presAssocID="{256F6727-6B02-48D3-8B83-6D3D77D983D1}" presName="linNode" presStyleCnt="0"/>
+      <dgm:spPr/>
+    </dgm:pt>
+    <dgm:pt modelId="{4E917679-BA5B-4A5A-9BCD-BE98362CD945}" type="pres">
+      <dgm:prSet presAssocID="{256F6727-6B02-48D3-8B83-6D3D77D983D1}" presName="parentShp" presStyleLbl="node1" presStyleIdx="2" presStyleCnt="6">
         <dgm:presLayoutVars>
-          <dgm:chMax val="0"/>
-          <dgm:chPref val="0"/>
           <dgm:bulletEnabled val="1"/>
         </dgm:presLayoutVars>
       </dgm:prSet>
       <dgm:spPr/>
     </dgm:pt>
-    <dgm:pt modelId="{5DBAF793-E517-4793-AC18-D010FA24917F}" type="pres">
-      <dgm:prSet presAssocID="{A546B4D7-37EA-4DEB-BC69-3DD634097985}" presName="Accent6" presStyleCnt="0"/>
-      <dgm:spPr/>
-    </dgm:pt>
-    <dgm:pt modelId="{AE9657D9-0DC7-43C2-930B-16412EB58B2B}" type="pres">
-      <dgm:prSet presAssocID="{A546B4D7-37EA-4DEB-BC69-3DD634097985}" presName="Accent" presStyleLbl="bgShp" presStyleIdx="5" presStyleCnt="6"/>
-      <dgm:spPr/>
-    </dgm:pt>
-    <dgm:pt modelId="{09CE9667-A6A5-4C72-BB2D-2F2DFF3A4634}" type="pres">
-      <dgm:prSet presAssocID="{A546B4D7-37EA-4DEB-BC69-3DD634097985}" presName="Child6" presStyleLbl="node1" presStyleIdx="5" presStyleCnt="6">
+    <dgm:pt modelId="{6173E569-3518-41F0-A1A3-65D5F49844B4}" type="pres">
+      <dgm:prSet presAssocID="{256F6727-6B02-48D3-8B83-6D3D77D983D1}" presName="childShp" presStyleLbl="bgAccFollowNode1" presStyleIdx="2" presStyleCnt="6">
         <dgm:presLayoutVars>
-          <dgm:chMax val="0"/>
-          <dgm:chPref val="0"/>
           <dgm:bulletEnabled val="1"/>
         </dgm:presLayoutVars>
       </dgm:prSet>
       <dgm:spPr/>
     </dgm:pt>
+    <dgm:pt modelId="{BC051E93-0CF7-47F8-AB9A-EACF4165E0BE}" type="pres">
+      <dgm:prSet presAssocID="{7C6B9650-B7EA-4940-951E-5DD62764B2A1}" presName="spacing" presStyleCnt="0"/>
+      <dgm:spPr/>
+    </dgm:pt>
+    <dgm:pt modelId="{24F5FD2A-CBB6-46B3-9545-FE84F9DD8CCF}" type="pres">
+      <dgm:prSet presAssocID="{CF6A3CD5-1FD6-4E54-93EF-95CAFEF626E6}" presName="linNode" presStyleCnt="0"/>
+      <dgm:spPr/>
+    </dgm:pt>
+    <dgm:pt modelId="{E0DE0902-2FA5-4B52-9F39-B50C9F828F81}" type="pres">
+      <dgm:prSet presAssocID="{CF6A3CD5-1FD6-4E54-93EF-95CAFEF626E6}" presName="parentShp" presStyleLbl="node1" presStyleIdx="3" presStyleCnt="6">
+        <dgm:presLayoutVars>
+          <dgm:bulletEnabled val="1"/>
+        </dgm:presLayoutVars>
+      </dgm:prSet>
+      <dgm:spPr/>
+    </dgm:pt>
+    <dgm:pt modelId="{FEB48737-3D5D-48AC-AD8D-90A057D20090}" type="pres">
+      <dgm:prSet presAssocID="{CF6A3CD5-1FD6-4E54-93EF-95CAFEF626E6}" presName="childShp" presStyleLbl="bgAccFollowNode1" presStyleIdx="3" presStyleCnt="6">
+        <dgm:presLayoutVars>
+          <dgm:bulletEnabled val="1"/>
+        </dgm:presLayoutVars>
+      </dgm:prSet>
+      <dgm:spPr/>
+    </dgm:pt>
+    <dgm:pt modelId="{E0153278-D7F5-46AF-AC48-F2358A0FF4EF}" type="pres">
+      <dgm:prSet presAssocID="{FBDE67F6-4524-4E1D-97E2-8864D9E14433}" presName="spacing" presStyleCnt="0"/>
+      <dgm:spPr/>
+    </dgm:pt>
+    <dgm:pt modelId="{3DBB2DA4-B501-4C67-9D62-727F0CC76225}" type="pres">
+      <dgm:prSet presAssocID="{22D0BF9C-9098-43FB-9E1C-83B51CA53B8B}" presName="linNode" presStyleCnt="0"/>
+      <dgm:spPr/>
+    </dgm:pt>
+    <dgm:pt modelId="{541B05B9-6A3C-40AC-99EF-ECC47178FDB9}" type="pres">
+      <dgm:prSet presAssocID="{22D0BF9C-9098-43FB-9E1C-83B51CA53B8B}" presName="parentShp" presStyleLbl="node1" presStyleIdx="4" presStyleCnt="6">
+        <dgm:presLayoutVars>
+          <dgm:bulletEnabled val="1"/>
+        </dgm:presLayoutVars>
+      </dgm:prSet>
+      <dgm:spPr/>
+    </dgm:pt>
+    <dgm:pt modelId="{130C5A2D-B09E-4769-8441-12F45767D7B2}" type="pres">
+      <dgm:prSet presAssocID="{22D0BF9C-9098-43FB-9E1C-83B51CA53B8B}" presName="childShp" presStyleLbl="bgAccFollowNode1" presStyleIdx="4" presStyleCnt="6">
+        <dgm:presLayoutVars>
+          <dgm:bulletEnabled val="1"/>
+        </dgm:presLayoutVars>
+      </dgm:prSet>
+      <dgm:spPr/>
+    </dgm:pt>
+    <dgm:pt modelId="{634DF5B7-10B6-4B97-89A1-DB36E13AEFF6}" type="pres">
+      <dgm:prSet presAssocID="{28545E06-75FB-4E43-B84D-55D351AE4231}" presName="spacing" presStyleCnt="0"/>
+      <dgm:spPr/>
+    </dgm:pt>
+    <dgm:pt modelId="{5B66DF4D-A73E-4BFF-8693-A5B5757144E2}" type="pres">
+      <dgm:prSet presAssocID="{27CBE004-D863-43AA-A93E-D9814DEFDD73}" presName="linNode" presStyleCnt="0"/>
+      <dgm:spPr/>
+    </dgm:pt>
+    <dgm:pt modelId="{787939A4-8FAD-4FAC-BDAB-0BBC0E61431A}" type="pres">
+      <dgm:prSet presAssocID="{27CBE004-D863-43AA-A93E-D9814DEFDD73}" presName="parentShp" presStyleLbl="node1" presStyleIdx="5" presStyleCnt="6">
+        <dgm:presLayoutVars>
+          <dgm:bulletEnabled val="1"/>
+        </dgm:presLayoutVars>
+      </dgm:prSet>
+      <dgm:spPr/>
+    </dgm:pt>
+    <dgm:pt modelId="{371564FC-0030-4661-ADDF-9B517961EE16}" type="pres">
+      <dgm:prSet presAssocID="{27CBE004-D863-43AA-A93E-D9814DEFDD73}" presName="childShp" presStyleLbl="bgAccFollowNode1" presStyleIdx="5" presStyleCnt="6">
+        <dgm:presLayoutVars>
+          <dgm:bulletEnabled val="1"/>
+        </dgm:presLayoutVars>
+      </dgm:prSet>
+      <dgm:spPr/>
+    </dgm:pt>
   </dgm:ptLst>
   <dgm:cxnLst>
-    <dgm:cxn modelId="{0C874503-FA17-4F36-9DB2-42CAB404546A}" srcId="{46C7ECE5-9C05-4844-8701-735A0719D12D}" destId="{B9DAE7F8-054F-4B6C-B658-191498EE557D}" srcOrd="1" destOrd="0" parTransId="{6336CB53-7027-4A4E-A942-D3FF22A8C56A}" sibTransId="{8E36131A-21B8-493D-A4C0-228BD3B5B116}"/>
-    <dgm:cxn modelId="{63318A2B-C1DB-4478-A715-5A1CD022A842}" type="presOf" srcId="{A546B4D7-37EA-4DEB-BC69-3DD634097985}" destId="{09CE9667-A6A5-4C72-BB2D-2F2DFF3A4634}" srcOrd="0" destOrd="0" presId="urn:microsoft.com/office/officeart/2011/layout/HexagonRadial"/>
-    <dgm:cxn modelId="{60A1FF3F-6009-4966-B36B-DC4E1A4A6293}" type="presOf" srcId="{86BAFBF2-36AA-41D2-90DA-8C75879C23E2}" destId="{3946BDCC-CCB9-43F7-B67C-38EE8A30F440}" srcOrd="0" destOrd="0" presId="urn:microsoft.com/office/officeart/2011/layout/HexagonRadial"/>
-    <dgm:cxn modelId="{A534FC55-1BA7-43D9-A552-1744F1A4508C}" srcId="{46C7ECE5-9C05-4844-8701-735A0719D12D}" destId="{CA427819-FB33-4E0F-8D10-BED2E9B5FE90}" srcOrd="2" destOrd="0" parTransId="{AAB2577F-C803-4CDB-8419-2412BAFDF9BE}" sibTransId="{CA98C05D-49E1-4192-9BAE-955674EDC2E7}"/>
-    <dgm:cxn modelId="{1B392580-A138-45D1-A26C-DB488A842C80}" srcId="{46C7ECE5-9C05-4844-8701-735A0719D12D}" destId="{FDE214D9-EC38-4977-97E2-F3F22F0FDB8D}" srcOrd="4" destOrd="0" parTransId="{845FD123-EE35-44E8-90E6-F5DEFF07399D}" sibTransId="{9F72C2A6-FE78-49C6-BBAC-8239AC9A1D41}"/>
-    <dgm:cxn modelId="{5559FE84-EABC-4C7E-B461-E0FB1713B7B3}" type="presOf" srcId="{B212E583-7E31-4465-AA3E-0AE51071378D}" destId="{8203B041-F848-4E16-8295-0872BF47F88C}" srcOrd="0" destOrd="0" presId="urn:microsoft.com/office/officeart/2011/layout/HexagonRadial"/>
-    <dgm:cxn modelId="{B3459793-387D-42B2-AB87-BE4D2270A1B9}" type="presOf" srcId="{FDE214D9-EC38-4977-97E2-F3F22F0FDB8D}" destId="{035E6F23-627E-40C1-85FC-FE2ED6B8B800}" srcOrd="0" destOrd="0" presId="urn:microsoft.com/office/officeart/2011/layout/HexagonRadial"/>
-    <dgm:cxn modelId="{C9A2F6A2-7FA6-4F58-AD43-42F403B31A27}" srcId="{46C7ECE5-9C05-4844-8701-735A0719D12D}" destId="{B212E583-7E31-4465-AA3E-0AE51071378D}" srcOrd="3" destOrd="0" parTransId="{04944895-FFD6-40E9-9B11-BF53E8E391DC}" sibTransId="{4FAAA736-7B35-4ED3-809D-0D2BA3B760EB}"/>
-    <dgm:cxn modelId="{34F6BCA6-5BB5-43AB-9B04-4DD1ED1A0B0D}" srcId="{46C7ECE5-9C05-4844-8701-735A0719D12D}" destId="{A546B4D7-37EA-4DEB-BC69-3DD634097985}" srcOrd="5" destOrd="0" parTransId="{4ED433DB-5B58-4FC6-8B87-2A3C545B51E8}" sibTransId="{4B270560-A5A6-40A5-A039-26C06B432C62}"/>
-    <dgm:cxn modelId="{096684C5-C3A6-4192-9D0B-87B2BBE32293}" srcId="{46C7ECE5-9C05-4844-8701-735A0719D12D}" destId="{3D010A4F-5429-4F14-8E85-954F168731C8}" srcOrd="0" destOrd="0" parTransId="{6F16C0F6-D823-4C3B-9B85-CCA2BEB2AFB8}" sibTransId="{932F1A27-884F-48EE-897D-9CF79C7FA33E}"/>
-    <dgm:cxn modelId="{C7BAE0C8-EDFC-43A1-B4CD-28DFB9A7B090}" srcId="{86BAFBF2-36AA-41D2-90DA-8C75879C23E2}" destId="{46C7ECE5-9C05-4844-8701-735A0719D12D}" srcOrd="0" destOrd="0" parTransId="{9449ADDC-A58A-4DA5-9EAC-80BA4228BD11}" sibTransId="{7DC0F9D2-B888-4706-8838-80BF8388749E}"/>
-    <dgm:cxn modelId="{B194A4D0-18E5-4042-89DE-2C7A631DF263}" type="presOf" srcId="{3D010A4F-5429-4F14-8E85-954F168731C8}" destId="{457BFB62-18B9-458D-BC71-C1ADCD4381BC}" srcOrd="0" destOrd="0" presId="urn:microsoft.com/office/officeart/2011/layout/HexagonRadial"/>
-    <dgm:cxn modelId="{DF5881D7-4E4F-48AB-A8F7-C276F60BBEC0}" type="presOf" srcId="{CA427819-FB33-4E0F-8D10-BED2E9B5FE90}" destId="{D4F82ED4-97C7-472E-BA68-A5C8A73A2D1A}" srcOrd="0" destOrd="0" presId="urn:microsoft.com/office/officeart/2011/layout/HexagonRadial"/>
-    <dgm:cxn modelId="{ACBC99E8-3146-4D31-8688-067477D0E7EB}" type="presOf" srcId="{B9DAE7F8-054F-4B6C-B658-191498EE557D}" destId="{9947193F-0591-4DDF-9077-A55753377D20}" srcOrd="0" destOrd="0" presId="urn:microsoft.com/office/officeart/2011/layout/HexagonRadial"/>
-    <dgm:cxn modelId="{405495EF-D96C-459F-A8C4-2D9A4D95F6F1}" type="presOf" srcId="{46C7ECE5-9C05-4844-8701-735A0719D12D}" destId="{1C0B707A-A127-47C7-875B-B4DBEB697405}" srcOrd="0" destOrd="0" presId="urn:microsoft.com/office/officeart/2011/layout/HexagonRadial"/>
-    <dgm:cxn modelId="{E1D66B3F-E9B0-40CD-8794-6D0213A20278}" type="presParOf" srcId="{3946BDCC-CCB9-43F7-B67C-38EE8A30F440}" destId="{1C0B707A-A127-47C7-875B-B4DBEB697405}" srcOrd="0" destOrd="0" presId="urn:microsoft.com/office/officeart/2011/layout/HexagonRadial"/>
-    <dgm:cxn modelId="{E0FEA12D-1679-41A8-8013-B06D1035A454}" type="presParOf" srcId="{3946BDCC-CCB9-43F7-B67C-38EE8A30F440}" destId="{EFF58B54-6753-4A36-9637-E042EE111476}" srcOrd="1" destOrd="0" presId="urn:microsoft.com/office/officeart/2011/layout/HexagonRadial"/>
-    <dgm:cxn modelId="{6B2F1054-677D-4BF7-AAA7-C12E0582529C}" type="presParOf" srcId="{EFF58B54-6753-4A36-9637-E042EE111476}" destId="{27A58FDA-ACCF-4FE5-AB85-E6375E9195BB}" srcOrd="0" destOrd="0" presId="urn:microsoft.com/office/officeart/2011/layout/HexagonRadial"/>
-    <dgm:cxn modelId="{547393F7-D880-4B27-A7CE-FF764036574F}" type="presParOf" srcId="{3946BDCC-CCB9-43F7-B67C-38EE8A30F440}" destId="{457BFB62-18B9-458D-BC71-C1ADCD4381BC}" srcOrd="2" destOrd="0" presId="urn:microsoft.com/office/officeart/2011/layout/HexagonRadial"/>
-    <dgm:cxn modelId="{285AFF32-D81E-48C4-A506-09DC25BDE0B0}" type="presParOf" srcId="{3946BDCC-CCB9-43F7-B67C-38EE8A30F440}" destId="{A07FF66A-C6C5-4A9F-81A6-AC5BCF96FF16}" srcOrd="3" destOrd="0" presId="urn:microsoft.com/office/officeart/2011/layout/HexagonRadial"/>
-    <dgm:cxn modelId="{F7322CAE-2358-4119-8402-1E5BFA8B5A7C}" type="presParOf" srcId="{A07FF66A-C6C5-4A9F-81A6-AC5BCF96FF16}" destId="{EFC20733-962F-41CE-9545-F0ADF83D8828}" srcOrd="0" destOrd="0" presId="urn:microsoft.com/office/officeart/2011/layout/HexagonRadial"/>
-    <dgm:cxn modelId="{3AAA4751-F8AE-48B9-B6CA-2E914634A054}" type="presParOf" srcId="{3946BDCC-CCB9-43F7-B67C-38EE8A30F440}" destId="{9947193F-0591-4DDF-9077-A55753377D20}" srcOrd="4" destOrd="0" presId="urn:microsoft.com/office/officeart/2011/layout/HexagonRadial"/>
-    <dgm:cxn modelId="{DFF712D8-AEC2-42CE-8A57-CB14194FCE69}" type="presParOf" srcId="{3946BDCC-CCB9-43F7-B67C-38EE8A30F440}" destId="{EF3277FF-4D4B-4679-9840-64A8E6A0C566}" srcOrd="5" destOrd="0" presId="urn:microsoft.com/office/officeart/2011/layout/HexagonRadial"/>
-    <dgm:cxn modelId="{F86EC3B5-8816-43A1-9A6C-05CDDAF41E97}" type="presParOf" srcId="{EF3277FF-4D4B-4679-9840-64A8E6A0C566}" destId="{4BF132AC-686B-45E6-A9BD-8BB1F2B6805B}" srcOrd="0" destOrd="0" presId="urn:microsoft.com/office/officeart/2011/layout/HexagonRadial"/>
-    <dgm:cxn modelId="{32B0812A-0DE4-4DF4-901E-75D510550A28}" type="presParOf" srcId="{3946BDCC-CCB9-43F7-B67C-38EE8A30F440}" destId="{D4F82ED4-97C7-472E-BA68-A5C8A73A2D1A}" srcOrd="6" destOrd="0" presId="urn:microsoft.com/office/officeart/2011/layout/HexagonRadial"/>
-    <dgm:cxn modelId="{87DD184B-0E3E-4CFA-821B-336D0B54469E}" type="presParOf" srcId="{3946BDCC-CCB9-43F7-B67C-38EE8A30F440}" destId="{E956C498-70FD-4BB7-B508-80D7BFFEED02}" srcOrd="7" destOrd="0" presId="urn:microsoft.com/office/officeart/2011/layout/HexagonRadial"/>
-    <dgm:cxn modelId="{183ECFF6-DB18-4D3C-AD1C-A973371251E5}" type="presParOf" srcId="{E956C498-70FD-4BB7-B508-80D7BFFEED02}" destId="{AECC1C19-D1E5-4AFE-984F-2F1D96EC22C0}" srcOrd="0" destOrd="0" presId="urn:microsoft.com/office/officeart/2011/layout/HexagonRadial"/>
-    <dgm:cxn modelId="{39758B4C-D40F-47CA-A214-D11923EDE479}" type="presParOf" srcId="{3946BDCC-CCB9-43F7-B67C-38EE8A30F440}" destId="{8203B041-F848-4E16-8295-0872BF47F88C}" srcOrd="8" destOrd="0" presId="urn:microsoft.com/office/officeart/2011/layout/HexagonRadial"/>
-    <dgm:cxn modelId="{F3922DA9-D11E-4A2B-9027-C77C123967DF}" type="presParOf" srcId="{3946BDCC-CCB9-43F7-B67C-38EE8A30F440}" destId="{83537665-54F8-4093-9548-B430F1CD384D}" srcOrd="9" destOrd="0" presId="urn:microsoft.com/office/officeart/2011/layout/HexagonRadial"/>
-    <dgm:cxn modelId="{95224F37-8399-46A6-85FC-CF1E52E5318F}" type="presParOf" srcId="{83537665-54F8-4093-9548-B430F1CD384D}" destId="{D1281AFA-1CFE-41CB-AB4C-394482D4B9BB}" srcOrd="0" destOrd="0" presId="urn:microsoft.com/office/officeart/2011/layout/HexagonRadial"/>
-    <dgm:cxn modelId="{B53E8115-A001-4BEB-B47D-FACF1D914E81}" type="presParOf" srcId="{3946BDCC-CCB9-43F7-B67C-38EE8A30F440}" destId="{035E6F23-627E-40C1-85FC-FE2ED6B8B800}" srcOrd="10" destOrd="0" presId="urn:microsoft.com/office/officeart/2011/layout/HexagonRadial"/>
-    <dgm:cxn modelId="{A6019ED6-BBB3-4161-ABCF-462D05C57CC9}" type="presParOf" srcId="{3946BDCC-CCB9-43F7-B67C-38EE8A30F440}" destId="{5DBAF793-E517-4793-AC18-D010FA24917F}" srcOrd="11" destOrd="0" presId="urn:microsoft.com/office/officeart/2011/layout/HexagonRadial"/>
-    <dgm:cxn modelId="{68C01536-E22F-405C-8BF4-A611F253F795}" type="presParOf" srcId="{5DBAF793-E517-4793-AC18-D010FA24917F}" destId="{AE9657D9-0DC7-43C2-930B-16412EB58B2B}" srcOrd="0" destOrd="0" presId="urn:microsoft.com/office/officeart/2011/layout/HexagonRadial"/>
-    <dgm:cxn modelId="{CD3A1CF9-AC6A-4B95-874E-43289867D5AD}" type="presParOf" srcId="{3946BDCC-CCB9-43F7-B67C-38EE8A30F440}" destId="{09CE9667-A6A5-4C72-BB2D-2F2DFF3A4634}" srcOrd="12" destOrd="0" presId="urn:microsoft.com/office/officeart/2011/layout/HexagonRadial"/>
+    <dgm:cxn modelId="{F0C3B504-AB9E-40FB-8EA4-84C3EB3AC13E}" type="presOf" srcId="{0C249CC0-0471-4C02-A835-954D9A66DBE6}" destId="{6ACDBCDC-5D6F-4597-8BAA-81474A0F26B3}" srcOrd="0" destOrd="0" presId="urn:microsoft.com/office/officeart/2005/8/layout/vList6"/>
+    <dgm:cxn modelId="{740C2906-3AEC-4486-B89F-E85B48F1D110}" srcId="{50B92FBA-127C-44FC-88A2-7BA2660E0644}" destId="{0C249CC0-0471-4C02-A835-954D9A66DBE6}" srcOrd="1" destOrd="0" parTransId="{594CE964-0E3B-44BA-9946-53EBB9D150C8}" sibTransId="{A9943199-CE83-4556-8B5A-B4DE679A329D}"/>
+    <dgm:cxn modelId="{11366110-24F7-4B7D-8E03-C6ABDA801599}" type="presOf" srcId="{C7B548B2-EF26-4F05-A14A-6D502303FCDA}" destId="{DEB7B193-DD98-434C-B89B-69A63A889850}" srcOrd="0" destOrd="1" presId="urn:microsoft.com/office/officeart/2005/8/layout/vList6"/>
+    <dgm:cxn modelId="{B942D311-60A7-47C6-B869-17E914C56400}" type="presOf" srcId="{4D46962D-983D-4EA3-BAC2-67CAC0181DFF}" destId="{DEB7B193-DD98-434C-B89B-69A63A889850}" srcOrd="0" destOrd="0" presId="urn:microsoft.com/office/officeart/2005/8/layout/vList6"/>
+    <dgm:cxn modelId="{59C23117-0E63-4858-997B-4BFC6BCC5763}" srcId="{0C249CC0-0471-4C02-A835-954D9A66DBE6}" destId="{5ACBA04F-70EA-423A-8EEF-8BA4D4EE86BB}" srcOrd="1" destOrd="0" parTransId="{4B63AD80-605A-4EEB-9284-55198EDF21DD}" sibTransId="{1A170114-F54B-4F53-9F41-5631CAEB2F44}"/>
+    <dgm:cxn modelId="{269E7317-A860-4926-A531-DFCEF556AF8A}" srcId="{27CBE004-D863-43AA-A93E-D9814DEFDD73}" destId="{07987B6E-2767-4A76-A041-B16E8179447B}" srcOrd="2" destOrd="0" parTransId="{D08A5DA7-B450-4E31-8367-8E124E7D89B7}" sibTransId="{7C7D8E91-4C8E-4C27-B793-98897E1BA62B}"/>
+    <dgm:cxn modelId="{67914C27-4AF3-4757-B06B-FE93BFF4F3C5}" type="presOf" srcId="{256F6727-6B02-48D3-8B83-6D3D77D983D1}" destId="{4E917679-BA5B-4A5A-9BCD-BE98362CD945}" srcOrd="0" destOrd="0" presId="urn:microsoft.com/office/officeart/2005/8/layout/vList6"/>
+    <dgm:cxn modelId="{3392A830-F00F-4E08-8442-5B7D7DB27D91}" srcId="{CF6A3CD5-1FD6-4E54-93EF-95CAFEF626E6}" destId="{4CC8A812-363D-4775-BEB3-F4B9D35D974F}" srcOrd="1" destOrd="0" parTransId="{6F528631-3F62-4EB8-B86E-20E5661B1AC7}" sibTransId="{E5EE6DC8-8B04-46D6-B63C-0352F9842303}"/>
+    <dgm:cxn modelId="{1793A55C-17BC-4DA3-90B0-75327C3069A1}" srcId="{50B92FBA-127C-44FC-88A2-7BA2660E0644}" destId="{256F6727-6B02-48D3-8B83-6D3D77D983D1}" srcOrd="2" destOrd="0" parTransId="{9E6FEDB7-87AB-4738-942B-EDD482BF9DB5}" sibTransId="{7C6B9650-B7EA-4940-951E-5DD62764B2A1}"/>
+    <dgm:cxn modelId="{21E6625F-2821-472B-A89B-44DE1CFC6FC0}" type="presOf" srcId="{32D168FC-66B2-430B-8243-781F6D59AE1C}" destId="{371564FC-0030-4661-ADDF-9B517961EE16}" srcOrd="0" destOrd="1" presId="urn:microsoft.com/office/officeart/2005/8/layout/vList6"/>
+    <dgm:cxn modelId="{F81BDD5F-36D7-49A0-B863-1109A5EE5BE4}" srcId="{50B92FBA-127C-44FC-88A2-7BA2660E0644}" destId="{DDCF2613-C516-4143-BBE4-56BF56BA08B5}" srcOrd="0" destOrd="0" parTransId="{39C5A059-87B1-42C2-8208-E55FC4A7C0E7}" sibTransId="{F8B64696-A973-4B7C-A460-EDDA2D8891FA}"/>
+    <dgm:cxn modelId="{B135D060-DD13-4C3C-8289-4F66AD0C7062}" type="presOf" srcId="{27CBE004-D863-43AA-A93E-D9814DEFDD73}" destId="{787939A4-8FAD-4FAC-BDAB-0BBC0E61431A}" srcOrd="0" destOrd="0" presId="urn:microsoft.com/office/officeart/2005/8/layout/vList6"/>
+    <dgm:cxn modelId="{44F05744-6676-4ACD-8534-88100ECDC710}" srcId="{DDCF2613-C516-4143-BBE4-56BF56BA08B5}" destId="{4D46962D-983D-4EA3-BAC2-67CAC0181DFF}" srcOrd="0" destOrd="0" parTransId="{F38F892E-1D3E-4047-863B-578A915A64EF}" sibTransId="{DAAF4B93-2B99-4752-B9C3-EEFE7E95CC46}"/>
+    <dgm:cxn modelId="{79C10D45-09F1-4013-957F-22997F194C5C}" type="presOf" srcId="{22D0BF9C-9098-43FB-9E1C-83B51CA53B8B}" destId="{541B05B9-6A3C-40AC-99EF-ECC47178FDB9}" srcOrd="0" destOrd="0" presId="urn:microsoft.com/office/officeart/2005/8/layout/vList6"/>
+    <dgm:cxn modelId="{9A89D448-91FF-4E0D-9AE1-A90DE7AADF2A}" srcId="{0C249CC0-0471-4C02-A835-954D9A66DBE6}" destId="{5DCB02DD-9D7D-46F8-8F63-85DEB227E96C}" srcOrd="0" destOrd="0" parTransId="{24BB9982-26D6-4928-84E4-6BC6F690A997}" sibTransId="{C9A6FD2D-AA31-42F0-82AA-D5BE161E4F21}"/>
+    <dgm:cxn modelId="{C0E3D76B-E157-46AF-9CC9-344FE5F0EC6B}" type="presOf" srcId="{AF9CF5EB-11E5-418B-A6F8-82C6F40B0545}" destId="{6173E569-3518-41F0-A1A3-65D5F49844B4}" srcOrd="0" destOrd="1" presId="urn:microsoft.com/office/officeart/2005/8/layout/vList6"/>
+    <dgm:cxn modelId="{30865F6C-014F-4ADE-B0CC-86584A755AD0}" type="presOf" srcId="{07987B6E-2767-4A76-A041-B16E8179447B}" destId="{371564FC-0030-4661-ADDF-9B517961EE16}" srcOrd="0" destOrd="2" presId="urn:microsoft.com/office/officeart/2005/8/layout/vList6"/>
+    <dgm:cxn modelId="{AD66E04F-FBDC-4317-8121-44FF87E2C7A0}" type="presOf" srcId="{07FC20FA-B0B5-4FB9-925D-3F49A843FFFD}" destId="{371564FC-0030-4661-ADDF-9B517961EE16}" srcOrd="0" destOrd="0" presId="urn:microsoft.com/office/officeart/2005/8/layout/vList6"/>
+    <dgm:cxn modelId="{04105950-098A-4920-86F3-49F3CD7859A5}" type="presOf" srcId="{4CC8A812-363D-4775-BEB3-F4B9D35D974F}" destId="{FEB48737-3D5D-48AC-AD8D-90A057D20090}" srcOrd="0" destOrd="1" presId="urn:microsoft.com/office/officeart/2005/8/layout/vList6"/>
+    <dgm:cxn modelId="{4BC71B74-CEAC-4F5D-899D-C348965C7463}" srcId="{27CBE004-D863-43AA-A93E-D9814DEFDD73}" destId="{32D168FC-66B2-430B-8243-781F6D59AE1C}" srcOrd="1" destOrd="0" parTransId="{C7D0C220-6D88-4286-9327-AB6CBEBD681C}" sibTransId="{96EBF514-CA74-4C5B-9612-33F90C9E9FC0}"/>
+    <dgm:cxn modelId="{11AEC676-441F-4CB2-B627-E2CF7F39C2A2}" srcId="{27CBE004-D863-43AA-A93E-D9814DEFDD73}" destId="{07FC20FA-B0B5-4FB9-925D-3F49A843FFFD}" srcOrd="0" destOrd="0" parTransId="{5C7078D4-5FC6-400B-B8B7-B59A5EB447B7}" sibTransId="{F6A9A4B1-63AC-4262-BA0F-497710E7908A}"/>
+    <dgm:cxn modelId="{5D6E6A78-A939-41BA-9E26-A5162174FA13}" srcId="{50B92FBA-127C-44FC-88A2-7BA2660E0644}" destId="{27CBE004-D863-43AA-A93E-D9814DEFDD73}" srcOrd="5" destOrd="0" parTransId="{825EB3F2-B98D-490A-9314-CB1AC2909F42}" sibTransId="{34AA0EFD-AF51-4B94-B26F-874017BE5D83}"/>
+    <dgm:cxn modelId="{A1C64659-8EA2-40A9-8703-BCD2B9F2A11C}" type="presOf" srcId="{5ACBA04F-70EA-423A-8EEF-8BA4D4EE86BB}" destId="{23C425BE-BD6B-4835-91F8-D26D8BF6C478}" srcOrd="0" destOrd="1" presId="urn:microsoft.com/office/officeart/2005/8/layout/vList6"/>
+    <dgm:cxn modelId="{8169007D-6649-4F71-9D7F-8233F82B52B9}" type="presOf" srcId="{DDCF2613-C516-4143-BBE4-56BF56BA08B5}" destId="{89CF1BE7-1A15-41DB-859F-1448AE88E786}" srcOrd="0" destOrd="0" presId="urn:microsoft.com/office/officeart/2005/8/layout/vList6"/>
+    <dgm:cxn modelId="{1698427E-4033-43CE-A993-1C4219028E3C}" srcId="{50B92FBA-127C-44FC-88A2-7BA2660E0644}" destId="{CF6A3CD5-1FD6-4E54-93EF-95CAFEF626E6}" srcOrd="3" destOrd="0" parTransId="{C7ED55AC-527B-41E4-9AEC-FE6D05B7FEF6}" sibTransId="{FBDE67F6-4524-4E1D-97E2-8864D9E14433}"/>
+    <dgm:cxn modelId="{A1073582-BB61-4A9E-A782-5BF0E2D45B7D}" type="presOf" srcId="{CF6A3CD5-1FD6-4E54-93EF-95CAFEF626E6}" destId="{E0DE0902-2FA5-4B52-9F39-B50C9F828F81}" srcOrd="0" destOrd="0" presId="urn:microsoft.com/office/officeart/2005/8/layout/vList6"/>
+    <dgm:cxn modelId="{BF33898D-C0ED-452D-A5DF-0FD2BC8FF24E}" srcId="{DDCF2613-C516-4143-BBE4-56BF56BA08B5}" destId="{C7B548B2-EF26-4F05-A14A-6D502303FCDA}" srcOrd="1" destOrd="0" parTransId="{DFC404A3-81DE-4394-B14E-29DF56CC06EF}" sibTransId="{2C5CA477-8965-4371-A3DE-CA1D593DCB30}"/>
+    <dgm:cxn modelId="{4D28B2A6-928F-4EFB-AEBB-82998CD176A4}" type="presOf" srcId="{9096C7DC-9C9D-443C-B017-9D7787E4D6C4}" destId="{FEB48737-3D5D-48AC-AD8D-90A057D20090}" srcOrd="0" destOrd="0" presId="urn:microsoft.com/office/officeart/2005/8/layout/vList6"/>
+    <dgm:cxn modelId="{B1AC7AB3-EB68-4025-BBDA-C25F5CE3F132}" srcId="{256F6727-6B02-48D3-8B83-6D3D77D983D1}" destId="{AF9CF5EB-11E5-418B-A6F8-82C6F40B0545}" srcOrd="1" destOrd="0" parTransId="{FB552753-5E54-4B41-98B6-DE6FD86314C7}" sibTransId="{0D100111-036F-4455-89FF-9EBB79A55A9E}"/>
+    <dgm:cxn modelId="{23D040C4-4FF5-40A4-A330-A3E6EC04F6A9}" srcId="{256F6727-6B02-48D3-8B83-6D3D77D983D1}" destId="{1C95B944-5DDB-4DAC-8C52-4F4702BD69C7}" srcOrd="0" destOrd="0" parTransId="{C98925C6-30FB-4404-BADD-134E13D49324}" sibTransId="{99D897FB-CC5A-4F3F-8A6E-4017E70AD44E}"/>
+    <dgm:cxn modelId="{9294D7DC-287A-4CD5-BB1E-34D372F153E4}" type="presOf" srcId="{5DCB02DD-9D7D-46F8-8F63-85DEB227E96C}" destId="{23C425BE-BD6B-4835-91F8-D26D8BF6C478}" srcOrd="0" destOrd="0" presId="urn:microsoft.com/office/officeart/2005/8/layout/vList6"/>
+    <dgm:cxn modelId="{BE0127E1-1A7D-4351-A141-7E23980E12D4}" type="presOf" srcId="{1C95B944-5DDB-4DAC-8C52-4F4702BD69C7}" destId="{6173E569-3518-41F0-A1A3-65D5F49844B4}" srcOrd="0" destOrd="0" presId="urn:microsoft.com/office/officeart/2005/8/layout/vList6"/>
+    <dgm:cxn modelId="{D3C4A0E2-874E-4299-9AD9-F06D677CC6CA}" srcId="{CF6A3CD5-1FD6-4E54-93EF-95CAFEF626E6}" destId="{D46FBB7F-279D-417C-9B92-7E1F69958267}" srcOrd="2" destOrd="0" parTransId="{29CA05D0-788D-499E-8CC5-FC5DD06D190E}" sibTransId="{8A03864F-AB95-46C9-9AFD-463E62EBE0EA}"/>
+    <dgm:cxn modelId="{FCC4E6E9-747B-4A08-A3EE-D01BF187B0B2}" srcId="{CF6A3CD5-1FD6-4E54-93EF-95CAFEF626E6}" destId="{9096C7DC-9C9D-443C-B017-9D7787E4D6C4}" srcOrd="0" destOrd="0" parTransId="{54105DB6-960E-4CBD-A696-C27E4865B041}" sibTransId="{ED2A0F18-4987-4E7B-A654-C92DF6443069}"/>
+    <dgm:cxn modelId="{87490EEB-10E1-47EB-9429-CC6D5BC248CC}" type="presOf" srcId="{50B92FBA-127C-44FC-88A2-7BA2660E0644}" destId="{DD061A4E-2437-4525-AAE9-5559CECDE7F7}" srcOrd="0" destOrd="0" presId="urn:microsoft.com/office/officeart/2005/8/layout/vList6"/>
+    <dgm:cxn modelId="{11F97AEE-3357-4550-A19D-545B989F89CE}" srcId="{50B92FBA-127C-44FC-88A2-7BA2660E0644}" destId="{22D0BF9C-9098-43FB-9E1C-83B51CA53B8B}" srcOrd="4" destOrd="0" parTransId="{77C56DF0-B846-44A3-8124-4F91C1C0AE35}" sibTransId="{28545E06-75FB-4E43-B84D-55D351AE4231}"/>
+    <dgm:cxn modelId="{4A19E1F5-068F-4FC2-A040-E6D96D6671B2}" type="presOf" srcId="{D46FBB7F-279D-417C-9B92-7E1F69958267}" destId="{FEB48737-3D5D-48AC-AD8D-90A057D20090}" srcOrd="0" destOrd="2" presId="urn:microsoft.com/office/officeart/2005/8/layout/vList6"/>
+    <dgm:cxn modelId="{0E5182A4-ACB9-4D90-9501-B433F6DADD63}" type="presParOf" srcId="{DD061A4E-2437-4525-AAE9-5559CECDE7F7}" destId="{15036A84-C233-40F2-83E6-A0BA32BFA82E}" srcOrd="0" destOrd="0" presId="urn:microsoft.com/office/officeart/2005/8/layout/vList6"/>
+    <dgm:cxn modelId="{2408C58D-462E-487B-92B3-0CDBEFC09010}" type="presParOf" srcId="{15036A84-C233-40F2-83E6-A0BA32BFA82E}" destId="{89CF1BE7-1A15-41DB-859F-1448AE88E786}" srcOrd="0" destOrd="0" presId="urn:microsoft.com/office/officeart/2005/8/layout/vList6"/>
+    <dgm:cxn modelId="{AD0899AB-9213-4477-882D-1318060A5123}" type="presParOf" srcId="{15036A84-C233-40F2-83E6-A0BA32BFA82E}" destId="{DEB7B193-DD98-434C-B89B-69A63A889850}" srcOrd="1" destOrd="0" presId="urn:microsoft.com/office/officeart/2005/8/layout/vList6"/>
+    <dgm:cxn modelId="{C6732F12-E51A-4958-AB67-4E36DBD89AC1}" type="presParOf" srcId="{DD061A4E-2437-4525-AAE9-5559CECDE7F7}" destId="{7BC33EF8-4E96-4BE4-9ED7-9AB1F623C4E4}" srcOrd="1" destOrd="0" presId="urn:microsoft.com/office/officeart/2005/8/layout/vList6"/>
+    <dgm:cxn modelId="{250C1C37-D488-4FBF-A79B-20C13D3B6BC8}" type="presParOf" srcId="{DD061A4E-2437-4525-AAE9-5559CECDE7F7}" destId="{063FA17A-F04D-4517-A025-6F4498456682}" srcOrd="2" destOrd="0" presId="urn:microsoft.com/office/officeart/2005/8/layout/vList6"/>
+    <dgm:cxn modelId="{565F1458-F542-4B21-8DA5-0F7B3653E62B}" type="presParOf" srcId="{063FA17A-F04D-4517-A025-6F4498456682}" destId="{6ACDBCDC-5D6F-4597-8BAA-81474A0F26B3}" srcOrd="0" destOrd="0" presId="urn:microsoft.com/office/officeart/2005/8/layout/vList6"/>
+    <dgm:cxn modelId="{5B2E53CF-BF85-4AC6-A0C8-9E7E32A5D58E}" type="presParOf" srcId="{063FA17A-F04D-4517-A025-6F4498456682}" destId="{23C425BE-BD6B-4835-91F8-D26D8BF6C478}" srcOrd="1" destOrd="0" presId="urn:microsoft.com/office/officeart/2005/8/layout/vList6"/>
+    <dgm:cxn modelId="{85C9206F-355F-447F-86B1-2029BF49471E}" type="presParOf" srcId="{DD061A4E-2437-4525-AAE9-5559CECDE7F7}" destId="{BA75D6F6-8E67-4906-84A3-617A6DEAF0CA}" srcOrd="3" destOrd="0" presId="urn:microsoft.com/office/officeart/2005/8/layout/vList6"/>
+    <dgm:cxn modelId="{DE7073EF-B61D-4367-A825-A00D0A36A3A5}" type="presParOf" srcId="{DD061A4E-2437-4525-AAE9-5559CECDE7F7}" destId="{D7E7A71E-7C7B-40CB-9635-8472CDEE1C34}" srcOrd="4" destOrd="0" presId="urn:microsoft.com/office/officeart/2005/8/layout/vList6"/>
+    <dgm:cxn modelId="{94B68698-10BC-4BDD-8329-03A56A5BBEB3}" type="presParOf" srcId="{D7E7A71E-7C7B-40CB-9635-8472CDEE1C34}" destId="{4E917679-BA5B-4A5A-9BCD-BE98362CD945}" srcOrd="0" destOrd="0" presId="urn:microsoft.com/office/officeart/2005/8/layout/vList6"/>
+    <dgm:cxn modelId="{1DB9739C-2FF4-4C8D-B6F7-B867109E3ECA}" type="presParOf" srcId="{D7E7A71E-7C7B-40CB-9635-8472CDEE1C34}" destId="{6173E569-3518-41F0-A1A3-65D5F49844B4}" srcOrd="1" destOrd="0" presId="urn:microsoft.com/office/officeart/2005/8/layout/vList6"/>
+    <dgm:cxn modelId="{1B5CCE12-5103-4087-9115-5EA5F97B391A}" type="presParOf" srcId="{DD061A4E-2437-4525-AAE9-5559CECDE7F7}" destId="{BC051E93-0CF7-47F8-AB9A-EACF4165E0BE}" srcOrd="5" destOrd="0" presId="urn:microsoft.com/office/officeart/2005/8/layout/vList6"/>
+    <dgm:cxn modelId="{16FA806C-176C-4DAB-8D14-26504606E619}" type="presParOf" srcId="{DD061A4E-2437-4525-AAE9-5559CECDE7F7}" destId="{24F5FD2A-CBB6-46B3-9545-FE84F9DD8CCF}" srcOrd="6" destOrd="0" presId="urn:microsoft.com/office/officeart/2005/8/layout/vList6"/>
+    <dgm:cxn modelId="{9BCDC8A8-895E-4A62-8EFA-D120FDA3E92A}" type="presParOf" srcId="{24F5FD2A-CBB6-46B3-9545-FE84F9DD8CCF}" destId="{E0DE0902-2FA5-4B52-9F39-B50C9F828F81}" srcOrd="0" destOrd="0" presId="urn:microsoft.com/office/officeart/2005/8/layout/vList6"/>
+    <dgm:cxn modelId="{D5534EEE-72F8-41FE-BF9B-C62789766008}" type="presParOf" srcId="{24F5FD2A-CBB6-46B3-9545-FE84F9DD8CCF}" destId="{FEB48737-3D5D-48AC-AD8D-90A057D20090}" srcOrd="1" destOrd="0" presId="urn:microsoft.com/office/officeart/2005/8/layout/vList6"/>
+    <dgm:cxn modelId="{7AAED16E-2BF4-418F-A546-38A457057DA2}" type="presParOf" srcId="{DD061A4E-2437-4525-AAE9-5559CECDE7F7}" destId="{E0153278-D7F5-46AF-AC48-F2358A0FF4EF}" srcOrd="7" destOrd="0" presId="urn:microsoft.com/office/officeart/2005/8/layout/vList6"/>
+    <dgm:cxn modelId="{632C4E4C-534B-44AD-9D5D-BFC94A7C82CB}" type="presParOf" srcId="{DD061A4E-2437-4525-AAE9-5559CECDE7F7}" destId="{3DBB2DA4-B501-4C67-9D62-727F0CC76225}" srcOrd="8" destOrd="0" presId="urn:microsoft.com/office/officeart/2005/8/layout/vList6"/>
+    <dgm:cxn modelId="{EF141BD4-8312-4166-B9E6-AAC3D0E948CE}" type="presParOf" srcId="{3DBB2DA4-B501-4C67-9D62-727F0CC76225}" destId="{541B05B9-6A3C-40AC-99EF-ECC47178FDB9}" srcOrd="0" destOrd="0" presId="urn:microsoft.com/office/officeart/2005/8/layout/vList6"/>
+    <dgm:cxn modelId="{61DF5D31-CCAF-4DF6-8670-DA36638965AD}" type="presParOf" srcId="{3DBB2DA4-B501-4C67-9D62-727F0CC76225}" destId="{130C5A2D-B09E-4769-8441-12F45767D7B2}" srcOrd="1" destOrd="0" presId="urn:microsoft.com/office/officeart/2005/8/layout/vList6"/>
+    <dgm:cxn modelId="{D4A7D68A-CBA8-43A4-BC1D-967F1B5B91F1}" type="presParOf" srcId="{DD061A4E-2437-4525-AAE9-5559CECDE7F7}" destId="{634DF5B7-10B6-4B97-89A1-DB36E13AEFF6}" srcOrd="9" destOrd="0" presId="urn:microsoft.com/office/officeart/2005/8/layout/vList6"/>
+    <dgm:cxn modelId="{975F5F15-0670-4911-A96C-DC091F3805D0}" type="presParOf" srcId="{DD061A4E-2437-4525-AAE9-5559CECDE7F7}" destId="{5B66DF4D-A73E-4BFF-8693-A5B5757144E2}" srcOrd="10" destOrd="0" presId="urn:microsoft.com/office/officeart/2005/8/layout/vList6"/>
+    <dgm:cxn modelId="{E780633A-1B0B-4051-9AE6-92C621380A03}" type="presParOf" srcId="{5B66DF4D-A73E-4BFF-8693-A5B5757144E2}" destId="{787939A4-8FAD-4FAC-BDAB-0BBC0E61431A}" srcOrd="0" destOrd="0" presId="urn:microsoft.com/office/officeart/2005/8/layout/vList6"/>
+    <dgm:cxn modelId="{DEC3EBDB-B7B9-4FA2-B73E-04535E186123}" type="presParOf" srcId="{5B66DF4D-A73E-4BFF-8693-A5B5757144E2}" destId="{371564FC-0030-4661-ADDF-9B517961EE16}" srcOrd="1" destOrd="0" presId="urn:microsoft.com/office/officeart/2005/8/layout/vList6"/>
   </dgm:cxnLst>
   <dgm:bg/>
   <dgm:whole/>
@@ -1283,24 +3032,23 @@
       <dsp:cNvGrpSpPr/>
     </dsp:nvGrpSpPr>
     <dsp:grpSpPr/>
-    <dsp:sp modelId="{1C0B707A-A127-47C7-875B-B4DBEB697405}">
+    <dsp:sp modelId="{AAE40553-F7AD-465E-BE68-E44F52EBA75A}">
       <dsp:nvSpPr>
         <dsp:cNvPr id="0" name=""/>
         <dsp:cNvSpPr/>
       </dsp:nvSpPr>
       <dsp:spPr>
         <a:xfrm>
-          <a:off x="1328764" y="786627"/>
-          <a:ext cx="999838" cy="864900"/>
+          <a:off x="0" y="0"/>
+          <a:ext cx="3657600" cy="2438400"/>
         </a:xfrm>
-        <a:prstGeom prst="hexagon">
+        <a:prstGeom prst="roundRect">
           <a:avLst>
-            <a:gd name="adj" fmla="val 28570"/>
-            <a:gd name="vf" fmla="val 115470"/>
+            <a:gd name="adj" fmla="val 8500"/>
           </a:avLst>
         </a:prstGeom>
         <a:solidFill>
-          <a:schemeClr val="accent1">
+          <a:schemeClr val="lt1">
             <a:hueOff val="0"/>
             <a:satOff val="0"/>
             <a:lumOff val="0"/>
@@ -1309,7 +3057,8 @@
         </a:solidFill>
         <a:ln w="12700" cap="flat" cmpd="sng" algn="ctr">
           <a:solidFill>
-            <a:schemeClr val="lt1">
+            <a:schemeClr val="dk1">
+              <a:shade val="80000"/>
               <a:hueOff val="0"/>
               <a:satOff val="0"/>
               <a:lumOff val="0"/>
@@ -1336,12 +3085,12 @@
         </a:fontRef>
       </dsp:style>
       <dsp:txBody>
-        <a:bodyPr spcFirstLastPara="0" vert="horz" wrap="square" lIns="26670" tIns="26670" rIns="26670" bIns="26670" numCol="1" spcCol="1270" anchor="ctr" anchorCtr="0">
+        <a:bodyPr spcFirstLastPara="0" vert="horz" wrap="square" lIns="171450" tIns="171450" rIns="171450" bIns="1505373" numCol="1" spcCol="1270" anchor="t" anchorCtr="0">
           <a:noAutofit/>
         </a:bodyPr>
         <a:lstStyle/>
         <a:p>
-          <a:pPr marL="0" lvl="0" indent="0" algn="ctr" defTabSz="933450">
+          <a:pPr marL="0" lvl="0" indent="0" algn="l" defTabSz="2000250">
             <a:lnSpc>
               <a:spcPct val="90000"/>
             </a:lnSpc>
@@ -1353,32 +3102,35 @@
             </a:spcAft>
             <a:buNone/>
           </a:pPr>
-          <a:endParaRPr lang="en-US" sz="2100" kern="1200"/>
+          <a:r>
+            <a:rPr lang="en-US" sz="4500" kern="1200" dirty="0"/>
+            <a:t>Thesis</a:t>
+          </a:r>
         </a:p>
       </dsp:txBody>
       <dsp:txXfrm>
-        <a:off x="1494451" y="929953"/>
-        <a:ext cx="668464" cy="578248"/>
+        <a:off x="60706" y="60706"/>
+        <a:ext cx="3536188" cy="2316988"/>
       </dsp:txXfrm>
     </dsp:sp>
-    <dsp:sp modelId="{EFC20733-962F-41CE-9545-F0ADF83D8828}">
+    <dsp:sp modelId="{1C1FE47E-6332-497B-AE27-AA2B02B2B0A4}">
       <dsp:nvSpPr>
         <dsp:cNvPr id="0" name=""/>
         <dsp:cNvSpPr/>
       </dsp:nvSpPr>
       <dsp:spPr>
         <a:xfrm>
-          <a:off x="1954855" y="372831"/>
-          <a:ext cx="377235" cy="325038"/>
+          <a:off x="91440" y="1097280"/>
+          <a:ext cx="570919" cy="1097280"/>
         </a:xfrm>
-        <a:prstGeom prst="hexagon">
+        <a:prstGeom prst="roundRect">
           <a:avLst>
-            <a:gd name="adj" fmla="val 28900"/>
-            <a:gd name="vf" fmla="val 115470"/>
+            <a:gd name="adj" fmla="val 10500"/>
           </a:avLst>
         </a:prstGeom>
         <a:solidFill>
-          <a:schemeClr val="accent1">
+          <a:schemeClr val="dk1">
+            <a:alpha val="90000"/>
             <a:tint val="40000"/>
             <a:hueOff val="0"/>
             <a:satOff val="0"/>
@@ -1386,13 +3138,22 @@
             <a:alphaOff val="0"/>
           </a:schemeClr>
         </a:solidFill>
-        <a:ln>
-          <a:noFill/>
+        <a:ln w="12700" cap="flat" cmpd="sng" algn="ctr">
+          <a:solidFill>
+            <a:schemeClr val="dk1">
+              <a:hueOff val="0"/>
+              <a:satOff val="0"/>
+              <a:lumOff val="0"/>
+              <a:alphaOff val="0"/>
+            </a:schemeClr>
+          </a:solidFill>
+          <a:prstDash val="solid"/>
+          <a:miter lim="800000"/>
         </a:ln>
         <a:effectLst/>
       </dsp:spPr>
       <dsp:style>
-        <a:lnRef idx="0">
+        <a:lnRef idx="2">
           <a:scrgbClr r="0" g="0" b="0"/>
         </a:lnRef>
         <a:fillRef idx="1">
@@ -1403,25 +3164,54 @@
         </a:effectRef>
         <a:fontRef idx="minor"/>
       </dsp:style>
+      <dsp:txBody>
+        <a:bodyPr spcFirstLastPara="0" vert="horz" wrap="square" lIns="22860" tIns="22860" rIns="22860" bIns="22860" numCol="1" spcCol="1270" anchor="ctr" anchorCtr="0">
+          <a:noAutofit/>
+        </a:bodyPr>
+        <a:lstStyle/>
+        <a:p>
+          <a:pPr marL="0" lvl="0" indent="0" algn="ctr" defTabSz="266700">
+            <a:lnSpc>
+              <a:spcPct val="90000"/>
+            </a:lnSpc>
+            <a:spcBef>
+              <a:spcPct val="0"/>
+            </a:spcBef>
+            <a:spcAft>
+              <a:spcPct val="35000"/>
+            </a:spcAft>
+            <a:buNone/>
+          </a:pPr>
+          <a:r>
+            <a:rPr lang="en-US" sz="600" kern="1200" dirty="0"/>
+            <a:t>Wireless Requirements</a:t>
+          </a:r>
+        </a:p>
+      </dsp:txBody>
+      <dsp:txXfrm>
+        <a:off x="108998" y="1114838"/>
+        <a:ext cx="535803" cy="1062164"/>
+      </dsp:txXfrm>
     </dsp:sp>
-    <dsp:sp modelId="{457BFB62-18B9-458D-BC71-C1ADCD4381BC}">
+    <dsp:sp modelId="{0BDC1031-AD1A-4D79-AB74-C17488B0F667}">
       <dsp:nvSpPr>
         <dsp:cNvPr id="0" name=""/>
         <dsp:cNvSpPr/>
       </dsp:nvSpPr>
       <dsp:spPr>
         <a:xfrm>
-          <a:off x="1420864" y="0"/>
-          <a:ext cx="819360" cy="708842"/>
+          <a:off x="671374" y="1097280"/>
+          <a:ext cx="570919" cy="1097280"/>
         </a:xfrm>
-        <a:prstGeom prst="hexagon">
+        <a:prstGeom prst="roundRect">
           <a:avLst>
-            <a:gd name="adj" fmla="val 28570"/>
-            <a:gd name="vf" fmla="val 115470"/>
+            <a:gd name="adj" fmla="val 10500"/>
           </a:avLst>
         </a:prstGeom>
         <a:solidFill>
-          <a:schemeClr val="accent1">
+          <a:schemeClr val="dk1">
+            <a:alpha val="90000"/>
+            <a:tint val="40000"/>
             <a:hueOff val="0"/>
             <a:satOff val="0"/>
             <a:lumOff val="0"/>
@@ -1430,7 +3220,528 @@
         </a:solidFill>
         <a:ln w="12700" cap="flat" cmpd="sng" algn="ctr">
           <a:solidFill>
-            <a:schemeClr val="lt1">
+            <a:schemeClr val="dk1">
+              <a:hueOff val="0"/>
+              <a:satOff val="0"/>
+              <a:lumOff val="0"/>
+              <a:alphaOff val="0"/>
+            </a:schemeClr>
+          </a:solidFill>
+          <a:prstDash val="solid"/>
+          <a:miter lim="800000"/>
+        </a:ln>
+        <a:effectLst/>
+      </dsp:spPr>
+      <dsp:style>
+        <a:lnRef idx="2">
+          <a:scrgbClr r="0" g="0" b="0"/>
+        </a:lnRef>
+        <a:fillRef idx="1">
+          <a:scrgbClr r="0" g="0" b="0"/>
+        </a:fillRef>
+        <a:effectRef idx="0">
+          <a:scrgbClr r="0" g="0" b="0"/>
+        </a:effectRef>
+        <a:fontRef idx="minor"/>
+      </dsp:style>
+      <dsp:txBody>
+        <a:bodyPr spcFirstLastPara="0" vert="horz" wrap="square" lIns="22860" tIns="22860" rIns="22860" bIns="22860" numCol="1" spcCol="1270" anchor="ctr" anchorCtr="0">
+          <a:noAutofit/>
+        </a:bodyPr>
+        <a:lstStyle/>
+        <a:p>
+          <a:pPr marL="0" lvl="0" indent="0" algn="ctr" defTabSz="266700">
+            <a:lnSpc>
+              <a:spcPct val="90000"/>
+            </a:lnSpc>
+            <a:spcBef>
+              <a:spcPct val="0"/>
+            </a:spcBef>
+            <a:spcAft>
+              <a:spcPct val="35000"/>
+            </a:spcAft>
+            <a:buNone/>
+          </a:pPr>
+          <a:r>
+            <a:rPr lang="en-US" sz="600" kern="1200" dirty="0"/>
+            <a:t>Architectural Modeling</a:t>
+          </a:r>
+        </a:p>
+      </dsp:txBody>
+      <dsp:txXfrm>
+        <a:off x="688932" y="1114838"/>
+        <a:ext cx="535803" cy="1062164"/>
+      </dsp:txXfrm>
+    </dsp:sp>
+    <dsp:sp modelId="{B2EB2BAD-E656-4C56-AF49-D0FA9B44C748}">
+      <dsp:nvSpPr>
+        <dsp:cNvPr id="0" name=""/>
+        <dsp:cNvSpPr/>
+      </dsp:nvSpPr>
+      <dsp:spPr>
+        <a:xfrm>
+          <a:off x="1251308" y="1097280"/>
+          <a:ext cx="570919" cy="1097280"/>
+        </a:xfrm>
+        <a:prstGeom prst="roundRect">
+          <a:avLst>
+            <a:gd name="adj" fmla="val 10500"/>
+          </a:avLst>
+        </a:prstGeom>
+        <a:solidFill>
+          <a:schemeClr val="dk1">
+            <a:alpha val="90000"/>
+            <a:tint val="40000"/>
+            <a:hueOff val="0"/>
+            <a:satOff val="0"/>
+            <a:lumOff val="0"/>
+            <a:alphaOff val="0"/>
+          </a:schemeClr>
+        </a:solidFill>
+        <a:ln w="12700" cap="flat" cmpd="sng" algn="ctr">
+          <a:solidFill>
+            <a:schemeClr val="dk1">
+              <a:hueOff val="0"/>
+              <a:satOff val="0"/>
+              <a:lumOff val="0"/>
+              <a:alphaOff val="0"/>
+            </a:schemeClr>
+          </a:solidFill>
+          <a:prstDash val="solid"/>
+          <a:miter lim="800000"/>
+        </a:ln>
+        <a:effectLst/>
+      </dsp:spPr>
+      <dsp:style>
+        <a:lnRef idx="2">
+          <a:scrgbClr r="0" g="0" b="0"/>
+        </a:lnRef>
+        <a:fillRef idx="1">
+          <a:scrgbClr r="0" g="0" b="0"/>
+        </a:fillRef>
+        <a:effectRef idx="0">
+          <a:scrgbClr r="0" g="0" b="0"/>
+        </a:effectRef>
+        <a:fontRef idx="minor"/>
+      </dsp:style>
+      <dsp:txBody>
+        <a:bodyPr spcFirstLastPara="0" vert="horz" wrap="square" lIns="22860" tIns="22860" rIns="22860" bIns="22860" numCol="1" spcCol="1270" anchor="ctr" anchorCtr="0">
+          <a:noAutofit/>
+        </a:bodyPr>
+        <a:lstStyle/>
+        <a:p>
+          <a:pPr marL="0" lvl="0" indent="0" algn="ctr" defTabSz="266700">
+            <a:lnSpc>
+              <a:spcPct val="90000"/>
+            </a:lnSpc>
+            <a:spcBef>
+              <a:spcPct val="0"/>
+            </a:spcBef>
+            <a:spcAft>
+              <a:spcPct val="35000"/>
+            </a:spcAft>
+            <a:buNone/>
+          </a:pPr>
+          <a:r>
+            <a:rPr lang="en-US" sz="600" kern="1200" dirty="0"/>
+            <a:t>Testbed Development</a:t>
+          </a:r>
+        </a:p>
+      </dsp:txBody>
+      <dsp:txXfrm>
+        <a:off x="1268866" y="1114838"/>
+        <a:ext cx="535803" cy="1062164"/>
+      </dsp:txXfrm>
+    </dsp:sp>
+    <dsp:sp modelId="{D6B94978-CBF6-49A3-87AD-9F6B2E28C34A}">
+      <dsp:nvSpPr>
+        <dsp:cNvPr id="0" name=""/>
+        <dsp:cNvSpPr/>
+      </dsp:nvSpPr>
+      <dsp:spPr>
+        <a:xfrm>
+          <a:off x="1831242" y="1097280"/>
+          <a:ext cx="570919" cy="1097280"/>
+        </a:xfrm>
+        <a:prstGeom prst="roundRect">
+          <a:avLst>
+            <a:gd name="adj" fmla="val 10500"/>
+          </a:avLst>
+        </a:prstGeom>
+        <a:solidFill>
+          <a:schemeClr val="dk1">
+            <a:alpha val="90000"/>
+            <a:tint val="40000"/>
+            <a:hueOff val="0"/>
+            <a:satOff val="0"/>
+            <a:lumOff val="0"/>
+            <a:alphaOff val="0"/>
+          </a:schemeClr>
+        </a:solidFill>
+        <a:ln w="12700" cap="flat" cmpd="sng" algn="ctr">
+          <a:solidFill>
+            <a:schemeClr val="dk1">
+              <a:hueOff val="0"/>
+              <a:satOff val="0"/>
+              <a:lumOff val="0"/>
+              <a:alphaOff val="0"/>
+            </a:schemeClr>
+          </a:solidFill>
+          <a:prstDash val="solid"/>
+          <a:miter lim="800000"/>
+        </a:ln>
+        <a:effectLst/>
+      </dsp:spPr>
+      <dsp:style>
+        <a:lnRef idx="2">
+          <a:scrgbClr r="0" g="0" b="0"/>
+        </a:lnRef>
+        <a:fillRef idx="1">
+          <a:scrgbClr r="0" g="0" b="0"/>
+        </a:fillRef>
+        <a:effectRef idx="0">
+          <a:scrgbClr r="0" g="0" b="0"/>
+        </a:effectRef>
+        <a:fontRef idx="minor"/>
+      </dsp:style>
+      <dsp:txBody>
+        <a:bodyPr spcFirstLastPara="0" vert="horz" wrap="square" lIns="22860" tIns="22860" rIns="22860" bIns="22860" numCol="1" spcCol="1270" anchor="ctr" anchorCtr="0">
+          <a:noAutofit/>
+        </a:bodyPr>
+        <a:lstStyle/>
+        <a:p>
+          <a:pPr marL="0" lvl="0" indent="0" algn="ctr" defTabSz="266700">
+            <a:lnSpc>
+              <a:spcPct val="90000"/>
+            </a:lnSpc>
+            <a:spcBef>
+              <a:spcPct val="0"/>
+            </a:spcBef>
+            <a:spcAft>
+              <a:spcPct val="35000"/>
+            </a:spcAft>
+            <a:buNone/>
+          </a:pPr>
+          <a:r>
+            <a:rPr lang="en-US" sz="600" kern="1200" dirty="0"/>
+            <a:t>Data Collection and Organization</a:t>
+          </a:r>
+        </a:p>
+      </dsp:txBody>
+      <dsp:txXfrm>
+        <a:off x="1848800" y="1114838"/>
+        <a:ext cx="535803" cy="1062164"/>
+      </dsp:txXfrm>
+    </dsp:sp>
+    <dsp:sp modelId="{1C99F551-3349-4CE9-BF6E-415336B8882E}">
+      <dsp:nvSpPr>
+        <dsp:cNvPr id="0" name=""/>
+        <dsp:cNvSpPr/>
+      </dsp:nvSpPr>
+      <dsp:spPr>
+        <a:xfrm>
+          <a:off x="2411176" y="1097280"/>
+          <a:ext cx="570919" cy="1097280"/>
+        </a:xfrm>
+        <a:prstGeom prst="roundRect">
+          <a:avLst>
+            <a:gd name="adj" fmla="val 10500"/>
+          </a:avLst>
+        </a:prstGeom>
+        <a:solidFill>
+          <a:schemeClr val="dk1">
+            <a:alpha val="90000"/>
+            <a:tint val="40000"/>
+            <a:hueOff val="0"/>
+            <a:satOff val="0"/>
+            <a:lumOff val="0"/>
+            <a:alphaOff val="0"/>
+          </a:schemeClr>
+        </a:solidFill>
+        <a:ln w="12700" cap="flat" cmpd="sng" algn="ctr">
+          <a:solidFill>
+            <a:schemeClr val="dk1">
+              <a:hueOff val="0"/>
+              <a:satOff val="0"/>
+              <a:lumOff val="0"/>
+              <a:alphaOff val="0"/>
+            </a:schemeClr>
+          </a:solidFill>
+          <a:prstDash val="solid"/>
+          <a:miter lim="800000"/>
+        </a:ln>
+        <a:effectLst/>
+      </dsp:spPr>
+      <dsp:style>
+        <a:lnRef idx="2">
+          <a:scrgbClr r="0" g="0" b="0"/>
+        </a:lnRef>
+        <a:fillRef idx="1">
+          <a:scrgbClr r="0" g="0" b="0"/>
+        </a:fillRef>
+        <a:effectRef idx="0">
+          <a:scrgbClr r="0" g="0" b="0"/>
+        </a:effectRef>
+        <a:fontRef idx="minor"/>
+      </dsp:style>
+      <dsp:txBody>
+        <a:bodyPr spcFirstLastPara="0" vert="horz" wrap="square" lIns="22860" tIns="22860" rIns="22860" bIns="22860" numCol="1" spcCol="1270" anchor="ctr" anchorCtr="0">
+          <a:noAutofit/>
+        </a:bodyPr>
+        <a:lstStyle/>
+        <a:p>
+          <a:pPr marL="0" lvl="0" indent="0" algn="ctr" defTabSz="266700">
+            <a:lnSpc>
+              <a:spcPct val="90000"/>
+            </a:lnSpc>
+            <a:spcBef>
+              <a:spcPct val="0"/>
+            </a:spcBef>
+            <a:spcAft>
+              <a:spcPct val="35000"/>
+            </a:spcAft>
+            <a:buNone/>
+          </a:pPr>
+          <a:r>
+            <a:rPr lang="en-US" sz="600" kern="1200" dirty="0"/>
+            <a:t>Machine Learning</a:t>
+          </a:r>
+        </a:p>
+      </dsp:txBody>
+      <dsp:txXfrm>
+        <a:off x="2428734" y="1114838"/>
+        <a:ext cx="535803" cy="1062164"/>
+      </dsp:txXfrm>
+    </dsp:sp>
+    <dsp:sp modelId="{BD4107E8-4318-4BEC-AE3A-17A2882B7ADA}">
+      <dsp:nvSpPr>
+        <dsp:cNvPr id="0" name=""/>
+        <dsp:cNvSpPr/>
+      </dsp:nvSpPr>
+      <dsp:spPr>
+        <a:xfrm>
+          <a:off x="2991110" y="1097280"/>
+          <a:ext cx="570919" cy="1097280"/>
+        </a:xfrm>
+        <a:prstGeom prst="roundRect">
+          <a:avLst>
+            <a:gd name="adj" fmla="val 10500"/>
+          </a:avLst>
+        </a:prstGeom>
+        <a:solidFill>
+          <a:schemeClr val="dk1">
+            <a:alpha val="90000"/>
+            <a:tint val="40000"/>
+            <a:hueOff val="0"/>
+            <a:satOff val="0"/>
+            <a:lumOff val="0"/>
+            <a:alphaOff val="0"/>
+          </a:schemeClr>
+        </a:solidFill>
+        <a:ln w="12700" cap="flat" cmpd="sng" algn="ctr">
+          <a:solidFill>
+            <a:schemeClr val="dk1">
+              <a:hueOff val="0"/>
+              <a:satOff val="0"/>
+              <a:lumOff val="0"/>
+              <a:alphaOff val="0"/>
+            </a:schemeClr>
+          </a:solidFill>
+          <a:prstDash val="solid"/>
+          <a:miter lim="800000"/>
+        </a:ln>
+        <a:effectLst/>
+      </dsp:spPr>
+      <dsp:style>
+        <a:lnRef idx="2">
+          <a:scrgbClr r="0" g="0" b="0"/>
+        </a:lnRef>
+        <a:fillRef idx="1">
+          <a:scrgbClr r="0" g="0" b="0"/>
+        </a:fillRef>
+        <a:effectRef idx="0">
+          <a:scrgbClr r="0" g="0" b="0"/>
+        </a:effectRef>
+        <a:fontRef idx="minor"/>
+      </dsp:style>
+      <dsp:txBody>
+        <a:bodyPr spcFirstLastPara="0" vert="horz" wrap="square" lIns="22860" tIns="22860" rIns="22860" bIns="22860" numCol="1" spcCol="1270" anchor="ctr" anchorCtr="0">
+          <a:noAutofit/>
+        </a:bodyPr>
+        <a:lstStyle/>
+        <a:p>
+          <a:pPr marL="0" lvl="0" indent="0" algn="ctr" defTabSz="266700">
+            <a:lnSpc>
+              <a:spcPct val="90000"/>
+            </a:lnSpc>
+            <a:spcBef>
+              <a:spcPct val="0"/>
+            </a:spcBef>
+            <a:spcAft>
+              <a:spcPct val="35000"/>
+            </a:spcAft>
+            <a:buNone/>
+          </a:pPr>
+          <a:r>
+            <a:rPr lang="en-US" sz="600" kern="1200" dirty="0"/>
+            <a:t>Future Research</a:t>
+          </a:r>
+        </a:p>
+      </dsp:txBody>
+      <dsp:txXfrm>
+        <a:off x="3008668" y="1114838"/>
+        <a:ext cx="535803" cy="1062164"/>
+      </dsp:txXfrm>
+    </dsp:sp>
+  </dsp:spTree>
+</dsp:drawing>
+</file>
+
+<file path=ppt/diagrams/drawing2.xml><?xml version="1.0" encoding="utf-8"?>
+<dsp:drawing xmlns:dgm="http://schemas.openxmlformats.org/drawingml/2006/diagram" xmlns:dsp="http://schemas.microsoft.com/office/drawing/2008/diagram" xmlns:a="http://schemas.openxmlformats.org/drawingml/2006/main">
+  <dsp:spTree>
+    <dsp:nvGrpSpPr>
+      <dsp:cNvPr id="0" name=""/>
+      <dsp:cNvGrpSpPr/>
+    </dsp:nvGrpSpPr>
+    <dsp:grpSpPr/>
+    <dsp:sp modelId="{DEB7B193-DD98-434C-B89B-69A63A889850}">
+      <dsp:nvSpPr>
+        <dsp:cNvPr id="0" name=""/>
+        <dsp:cNvSpPr/>
+      </dsp:nvSpPr>
+      <dsp:spPr>
+        <a:xfrm>
+          <a:off x="1463039" y="297"/>
+          <a:ext cx="2194560" cy="375046"/>
+        </a:xfrm>
+        <a:prstGeom prst="rightArrow">
+          <a:avLst>
+            <a:gd name="adj1" fmla="val 75000"/>
+            <a:gd name="adj2" fmla="val 50000"/>
+          </a:avLst>
+        </a:prstGeom>
+        <a:solidFill>
+          <a:schemeClr val="lt1">
+            <a:alpha val="90000"/>
+            <a:tint val="40000"/>
+            <a:hueOff val="0"/>
+            <a:satOff val="0"/>
+            <a:lumOff val="0"/>
+            <a:alphaOff val="0"/>
+          </a:schemeClr>
+        </a:solidFill>
+        <a:ln w="12700" cap="flat" cmpd="sng" algn="ctr">
+          <a:solidFill>
+            <a:schemeClr val="dk1">
+              <a:alpha val="90000"/>
+              <a:hueOff val="0"/>
+              <a:satOff val="0"/>
+              <a:lumOff val="0"/>
+              <a:alphaOff val="0"/>
+            </a:schemeClr>
+          </a:solidFill>
+          <a:prstDash val="solid"/>
+          <a:miter lim="800000"/>
+        </a:ln>
+        <a:effectLst/>
+      </dsp:spPr>
+      <dsp:style>
+        <a:lnRef idx="2">
+          <a:scrgbClr r="0" g="0" b="0"/>
+        </a:lnRef>
+        <a:fillRef idx="1">
+          <a:scrgbClr r="0" g="0" b="0"/>
+        </a:fillRef>
+        <a:effectRef idx="0">
+          <a:scrgbClr r="0" g="0" b="0"/>
+        </a:effectRef>
+        <a:fontRef idx="minor"/>
+      </dsp:style>
+      <dsp:txBody>
+        <a:bodyPr spcFirstLastPara="0" vert="horz" wrap="square" lIns="3175" tIns="3175" rIns="3175" bIns="3175" numCol="1" spcCol="1270" anchor="t" anchorCtr="0">
+          <a:noAutofit/>
+        </a:bodyPr>
+        <a:lstStyle/>
+        <a:p>
+          <a:pPr marL="57150" lvl="1" indent="-57150" algn="l" defTabSz="222250">
+            <a:lnSpc>
+              <a:spcPct val="90000"/>
+            </a:lnSpc>
+            <a:spcBef>
+              <a:spcPct val="0"/>
+            </a:spcBef>
+            <a:spcAft>
+              <a:spcPct val="15000"/>
+            </a:spcAft>
+            <a:buChar char="•"/>
+          </a:pPr>
+          <a:r>
+            <a:rPr lang="en-US" sz="500" kern="1200" dirty="0"/>
+            <a:t>Landscape of the Use Cases for </a:t>
+          </a:r>
+          <a:r>
+            <a:rPr lang="en-US" sz="500" kern="1200" dirty="0" err="1"/>
+            <a:t>WirelessUnderstand</a:t>
+          </a:r>
+          <a:r>
+            <a:rPr lang="en-US" sz="500" kern="1200" dirty="0"/>
+            <a:t> the Radio Environment</a:t>
+          </a:r>
+        </a:p>
+        <a:p>
+          <a:pPr marL="57150" lvl="1" indent="-57150" algn="l" defTabSz="222250">
+            <a:lnSpc>
+              <a:spcPct val="90000"/>
+            </a:lnSpc>
+            <a:spcBef>
+              <a:spcPct val="0"/>
+            </a:spcBef>
+            <a:spcAft>
+              <a:spcPct val="15000"/>
+            </a:spcAft>
+            <a:buChar char="•"/>
+          </a:pPr>
+          <a:r>
+            <a:rPr lang="en-US" sz="500" kern="1200"/>
+            <a:t>Understand </a:t>
+          </a:r>
+          <a:r>
+            <a:rPr lang="en-US" sz="500" kern="1200" dirty="0"/>
+            <a:t>the Radio Environment</a:t>
+          </a:r>
+        </a:p>
+      </dsp:txBody>
+      <dsp:txXfrm>
+        <a:off x="1463039" y="47178"/>
+        <a:ext cx="2053918" cy="281284"/>
+      </dsp:txXfrm>
+    </dsp:sp>
+    <dsp:sp modelId="{89CF1BE7-1A15-41DB-859F-1448AE88E786}">
+      <dsp:nvSpPr>
+        <dsp:cNvPr id="0" name=""/>
+        <dsp:cNvSpPr/>
+      </dsp:nvSpPr>
+      <dsp:spPr>
+        <a:xfrm>
+          <a:off x="0" y="297"/>
+          <a:ext cx="1463040" cy="375046"/>
+        </a:xfrm>
+        <a:prstGeom prst="roundRect">
+          <a:avLst/>
+        </a:prstGeom>
+        <a:solidFill>
+          <a:schemeClr val="lt1">
+            <a:hueOff val="0"/>
+            <a:satOff val="0"/>
+            <a:lumOff val="0"/>
+            <a:alphaOff val="0"/>
+          </a:schemeClr>
+        </a:solidFill>
+        <a:ln w="12700" cap="flat" cmpd="sng" algn="ctr">
+          <a:solidFill>
+            <a:schemeClr val="dk1">
+              <a:shade val="80000"/>
               <a:hueOff val="0"/>
               <a:satOff val="0"/>
               <a:lumOff val="0"/>
@@ -1457,12 +3768,12 @@
         </a:fontRef>
       </dsp:style>
       <dsp:txBody>
-        <a:bodyPr spcFirstLastPara="0" vert="horz" wrap="square" lIns="21590" tIns="21590" rIns="21590" bIns="21590" numCol="1" spcCol="1270" anchor="ctr" anchorCtr="0">
+        <a:bodyPr spcFirstLastPara="0" vert="horz" wrap="square" lIns="38100" tIns="19050" rIns="38100" bIns="19050" numCol="1" spcCol="1270" anchor="ctr" anchorCtr="0">
           <a:noAutofit/>
         </a:bodyPr>
         <a:lstStyle/>
         <a:p>
-          <a:pPr marL="0" lvl="0" indent="0" algn="ctr" defTabSz="755650">
+          <a:pPr marL="0" lvl="0" indent="0" algn="ctr" defTabSz="444500">
             <a:lnSpc>
               <a:spcPct val="90000"/>
             </a:lnSpc>
@@ -1474,32 +3785,36 @@
             </a:spcAft>
             <a:buNone/>
           </a:pPr>
-          <a:endParaRPr lang="en-US" sz="1700" kern="1200"/>
+          <a:r>
+            <a:rPr lang="en-US" sz="1000" kern="1200" dirty="0"/>
+            <a:t>Wireless Requirements</a:t>
+          </a:r>
         </a:p>
       </dsp:txBody>
       <dsp:txXfrm>
-        <a:off x="1556649" y="117470"/>
-        <a:ext cx="547790" cy="473902"/>
+        <a:off x="18308" y="18605"/>
+        <a:ext cx="1426424" cy="338430"/>
       </dsp:txXfrm>
     </dsp:sp>
-    <dsp:sp modelId="{4BF132AC-686B-45E6-A9BD-8BB1F2B6805B}">
+    <dsp:sp modelId="{23C425BE-BD6B-4835-91F8-D26D8BF6C478}">
       <dsp:nvSpPr>
         <dsp:cNvPr id="0" name=""/>
         <dsp:cNvSpPr/>
       </dsp:nvSpPr>
       <dsp:spPr>
         <a:xfrm>
-          <a:off x="2395119" y="980480"/>
-          <a:ext cx="377235" cy="325038"/>
+          <a:off x="1463039" y="412849"/>
+          <a:ext cx="2194560" cy="375046"/>
         </a:xfrm>
-        <a:prstGeom prst="hexagon">
+        <a:prstGeom prst="rightArrow">
           <a:avLst>
-            <a:gd name="adj" fmla="val 28900"/>
-            <a:gd name="vf" fmla="val 115470"/>
+            <a:gd name="adj1" fmla="val 75000"/>
+            <a:gd name="adj2" fmla="val 50000"/>
           </a:avLst>
         </a:prstGeom>
         <a:solidFill>
-          <a:schemeClr val="accent1">
+          <a:schemeClr val="lt1">
+            <a:alpha val="90000"/>
             <a:tint val="40000"/>
             <a:hueOff val="0"/>
             <a:satOff val="0"/>
@@ -1507,13 +3822,23 @@
             <a:alphaOff val="0"/>
           </a:schemeClr>
         </a:solidFill>
-        <a:ln>
-          <a:noFill/>
+        <a:ln w="12700" cap="flat" cmpd="sng" algn="ctr">
+          <a:solidFill>
+            <a:schemeClr val="dk1">
+              <a:alpha val="90000"/>
+              <a:hueOff val="0"/>
+              <a:satOff val="0"/>
+              <a:lumOff val="0"/>
+              <a:alphaOff val="0"/>
+            </a:schemeClr>
+          </a:solidFill>
+          <a:prstDash val="solid"/>
+          <a:miter lim="800000"/>
         </a:ln>
         <a:effectLst/>
       </dsp:spPr>
       <dsp:style>
-        <a:lnRef idx="0">
+        <a:lnRef idx="2">
           <a:scrgbClr r="0" g="0" b="0"/>
         </a:lnRef>
         <a:fillRef idx="1">
@@ -1524,25 +3849,68 @@
         </a:effectRef>
         <a:fontRef idx="minor"/>
       </dsp:style>
+      <dsp:txBody>
+        <a:bodyPr spcFirstLastPara="0" vert="horz" wrap="square" lIns="3175" tIns="3175" rIns="3175" bIns="3175" numCol="1" spcCol="1270" anchor="t" anchorCtr="0">
+          <a:noAutofit/>
+        </a:bodyPr>
+        <a:lstStyle/>
+        <a:p>
+          <a:pPr marL="57150" lvl="1" indent="-57150" algn="l" defTabSz="222250">
+            <a:lnSpc>
+              <a:spcPct val="90000"/>
+            </a:lnSpc>
+            <a:spcBef>
+              <a:spcPct val="0"/>
+            </a:spcBef>
+            <a:spcAft>
+              <a:spcPct val="15000"/>
+            </a:spcAft>
+            <a:buChar char="•"/>
+          </a:pPr>
+          <a:r>
+            <a:rPr lang="en-US" sz="500" kern="1200" dirty="0"/>
+            <a:t>Functional Decomposition of Network and Physical System</a:t>
+          </a:r>
+        </a:p>
+        <a:p>
+          <a:pPr marL="57150" lvl="1" indent="-57150" algn="l" defTabSz="222250">
+            <a:lnSpc>
+              <a:spcPct val="90000"/>
+            </a:lnSpc>
+            <a:spcBef>
+              <a:spcPct val="0"/>
+            </a:spcBef>
+            <a:spcAft>
+              <a:spcPct val="15000"/>
+            </a:spcAft>
+            <a:buChar char="•"/>
+          </a:pPr>
+          <a:r>
+            <a:rPr lang="en-US" sz="500" kern="1200" dirty="0"/>
+            <a:t>Indication of Physical Constraints in the Model</a:t>
+          </a:r>
+        </a:p>
+      </dsp:txBody>
+      <dsp:txXfrm>
+        <a:off x="1463039" y="459730"/>
+        <a:ext cx="2053918" cy="281284"/>
+      </dsp:txXfrm>
     </dsp:sp>
-    <dsp:sp modelId="{9947193F-0591-4DDF-9077-A55753377D20}">
+    <dsp:sp modelId="{6ACDBCDC-5D6F-4597-8BAA-81474A0F26B3}">
       <dsp:nvSpPr>
         <dsp:cNvPr id="0" name=""/>
         <dsp:cNvSpPr/>
       </dsp:nvSpPr>
       <dsp:spPr>
         <a:xfrm>
-          <a:off x="2172312" y="435985"/>
-          <a:ext cx="819360" cy="708842"/>
+          <a:off x="0" y="412849"/>
+          <a:ext cx="1463040" cy="375046"/>
         </a:xfrm>
-        <a:prstGeom prst="hexagon">
-          <a:avLst>
-            <a:gd name="adj" fmla="val 28570"/>
-            <a:gd name="vf" fmla="val 115470"/>
-          </a:avLst>
+        <a:prstGeom prst="roundRect">
+          <a:avLst/>
         </a:prstGeom>
         <a:solidFill>
-          <a:schemeClr val="accent1">
+          <a:schemeClr val="lt1">
             <a:hueOff val="0"/>
             <a:satOff val="0"/>
             <a:lumOff val="0"/>
@@ -1551,7 +3919,8 @@
         </a:solidFill>
         <a:ln w="12700" cap="flat" cmpd="sng" algn="ctr">
           <a:solidFill>
-            <a:schemeClr val="lt1">
+            <a:schemeClr val="dk1">
+              <a:shade val="80000"/>
               <a:hueOff val="0"/>
               <a:satOff val="0"/>
               <a:lumOff val="0"/>
@@ -1578,12 +3947,12 @@
         </a:fontRef>
       </dsp:style>
       <dsp:txBody>
-        <a:bodyPr spcFirstLastPara="0" vert="horz" wrap="square" lIns="21590" tIns="21590" rIns="21590" bIns="21590" numCol="1" spcCol="1270" anchor="ctr" anchorCtr="0">
+        <a:bodyPr spcFirstLastPara="0" vert="horz" wrap="square" lIns="38100" tIns="19050" rIns="38100" bIns="19050" numCol="1" spcCol="1270" anchor="ctr" anchorCtr="0">
           <a:noAutofit/>
         </a:bodyPr>
         <a:lstStyle/>
         <a:p>
-          <a:pPr marL="0" lvl="0" indent="0" algn="ctr" defTabSz="755650">
+          <a:pPr marL="0" lvl="0" indent="0" algn="ctr" defTabSz="444500">
             <a:lnSpc>
               <a:spcPct val="90000"/>
             </a:lnSpc>
@@ -1595,32 +3964,36 @@
             </a:spcAft>
             <a:buNone/>
           </a:pPr>
-          <a:endParaRPr lang="en-US" sz="1700" kern="1200"/>
+          <a:r>
+            <a:rPr lang="en-US" sz="1000" kern="1200" dirty="0"/>
+            <a:t>Architectural Modeling</a:t>
+          </a:r>
         </a:p>
       </dsp:txBody>
       <dsp:txXfrm>
-        <a:off x="2308097" y="553455"/>
-        <a:ext cx="547790" cy="473902"/>
+        <a:off x="18308" y="431157"/>
+        <a:ext cx="1426424" cy="338430"/>
       </dsp:txXfrm>
     </dsp:sp>
-    <dsp:sp modelId="{AECC1C19-D1E5-4AFE-984F-2F1D96EC22C0}">
+    <dsp:sp modelId="{6173E569-3518-41F0-A1A3-65D5F49844B4}">
       <dsp:nvSpPr>
         <dsp:cNvPr id="0" name=""/>
         <dsp:cNvSpPr/>
       </dsp:nvSpPr>
       <dsp:spPr>
         <a:xfrm>
-          <a:off x="2089283" y="1666402"/>
-          <a:ext cx="377235" cy="325038"/>
+          <a:off x="1463039" y="825400"/>
+          <a:ext cx="2194560" cy="375046"/>
         </a:xfrm>
-        <a:prstGeom prst="hexagon">
+        <a:prstGeom prst="rightArrow">
           <a:avLst>
-            <a:gd name="adj" fmla="val 28900"/>
-            <a:gd name="vf" fmla="val 115470"/>
+            <a:gd name="adj1" fmla="val 75000"/>
+            <a:gd name="adj2" fmla="val 50000"/>
           </a:avLst>
         </a:prstGeom>
         <a:solidFill>
-          <a:schemeClr val="accent1">
+          <a:schemeClr val="lt1">
+            <a:alpha val="90000"/>
             <a:tint val="40000"/>
             <a:hueOff val="0"/>
             <a:satOff val="0"/>
@@ -1628,13 +4001,23 @@
             <a:alphaOff val="0"/>
           </a:schemeClr>
         </a:solidFill>
-        <a:ln>
-          <a:noFill/>
+        <a:ln w="12700" cap="flat" cmpd="sng" algn="ctr">
+          <a:solidFill>
+            <a:schemeClr val="dk1">
+              <a:alpha val="90000"/>
+              <a:hueOff val="0"/>
+              <a:satOff val="0"/>
+              <a:lumOff val="0"/>
+              <a:alphaOff val="0"/>
+            </a:schemeClr>
+          </a:solidFill>
+          <a:prstDash val="solid"/>
+          <a:miter lim="800000"/>
         </a:ln>
         <a:effectLst/>
       </dsp:spPr>
       <dsp:style>
-        <a:lnRef idx="0">
+        <a:lnRef idx="2">
           <a:scrgbClr r="0" g="0" b="0"/>
         </a:lnRef>
         <a:fillRef idx="1">
@@ -1645,25 +4028,68 @@
         </a:effectRef>
         <a:fontRef idx="minor"/>
       </dsp:style>
+      <dsp:txBody>
+        <a:bodyPr spcFirstLastPara="0" vert="horz" wrap="square" lIns="3175" tIns="3175" rIns="3175" bIns="3175" numCol="1" spcCol="1270" anchor="t" anchorCtr="0">
+          <a:noAutofit/>
+        </a:bodyPr>
+        <a:lstStyle/>
+        <a:p>
+          <a:pPr marL="57150" lvl="1" indent="-57150" algn="l" defTabSz="222250">
+            <a:lnSpc>
+              <a:spcPct val="90000"/>
+            </a:lnSpc>
+            <a:spcBef>
+              <a:spcPct val="0"/>
+            </a:spcBef>
+            <a:spcAft>
+              <a:spcPct val="15000"/>
+            </a:spcAft>
+            <a:buChar char="•"/>
+          </a:pPr>
+          <a:r>
+            <a:rPr lang="en-US" sz="500" kern="1200" dirty="0"/>
+            <a:t>Force torque sensing apparatus</a:t>
+          </a:r>
+        </a:p>
+        <a:p>
+          <a:pPr marL="57150" lvl="1" indent="-57150" algn="l" defTabSz="222250">
+            <a:lnSpc>
+              <a:spcPct val="90000"/>
+            </a:lnSpc>
+            <a:spcBef>
+              <a:spcPct val="0"/>
+            </a:spcBef>
+            <a:spcAft>
+              <a:spcPct val="15000"/>
+            </a:spcAft>
+            <a:buChar char="•"/>
+          </a:pPr>
+          <a:r>
+            <a:rPr lang="en-US" sz="500" kern="1200" dirty="0"/>
+            <a:t>Robot-based machine tending system</a:t>
+          </a:r>
+        </a:p>
+      </dsp:txBody>
+      <dsp:txXfrm>
+        <a:off x="1463039" y="872281"/>
+        <a:ext cx="2053918" cy="281284"/>
+      </dsp:txXfrm>
     </dsp:sp>
-    <dsp:sp modelId="{D4F82ED4-97C7-472E-BA68-A5C8A73A2D1A}">
+    <dsp:sp modelId="{4E917679-BA5B-4A5A-9BCD-BE98362CD945}">
       <dsp:nvSpPr>
         <dsp:cNvPr id="0" name=""/>
         <dsp:cNvSpPr/>
       </dsp:nvSpPr>
       <dsp:spPr>
         <a:xfrm>
-          <a:off x="2172312" y="1293083"/>
-          <a:ext cx="819360" cy="708842"/>
+          <a:off x="0" y="825400"/>
+          <a:ext cx="1463040" cy="375046"/>
         </a:xfrm>
-        <a:prstGeom prst="hexagon">
-          <a:avLst>
-            <a:gd name="adj" fmla="val 28570"/>
-            <a:gd name="vf" fmla="val 115470"/>
-          </a:avLst>
+        <a:prstGeom prst="roundRect">
+          <a:avLst/>
         </a:prstGeom>
         <a:solidFill>
-          <a:schemeClr val="accent1">
+          <a:schemeClr val="lt1">
             <a:hueOff val="0"/>
             <a:satOff val="0"/>
             <a:lumOff val="0"/>
@@ -1672,7 +4098,8 @@
         </a:solidFill>
         <a:ln w="12700" cap="flat" cmpd="sng" algn="ctr">
           <a:solidFill>
-            <a:schemeClr val="lt1">
+            <a:schemeClr val="dk1">
+              <a:shade val="80000"/>
               <a:hueOff val="0"/>
               <a:satOff val="0"/>
               <a:lumOff val="0"/>
@@ -1699,12 +4126,12 @@
         </a:fontRef>
       </dsp:style>
       <dsp:txBody>
-        <a:bodyPr spcFirstLastPara="0" vert="horz" wrap="square" lIns="21590" tIns="21590" rIns="21590" bIns="21590" numCol="1" spcCol="1270" anchor="ctr" anchorCtr="0">
+        <a:bodyPr spcFirstLastPara="0" vert="horz" wrap="square" lIns="38100" tIns="19050" rIns="38100" bIns="19050" numCol="1" spcCol="1270" anchor="ctr" anchorCtr="0">
           <a:noAutofit/>
         </a:bodyPr>
         <a:lstStyle/>
         <a:p>
-          <a:pPr marL="0" lvl="0" indent="0" algn="ctr" defTabSz="755650">
+          <a:pPr marL="0" lvl="0" indent="0" algn="ctr" defTabSz="444500">
             <a:lnSpc>
               <a:spcPct val="90000"/>
             </a:lnSpc>
@@ -1716,32 +4143,36 @@
             </a:spcAft>
             <a:buNone/>
           </a:pPr>
-          <a:endParaRPr lang="en-US" sz="1700" kern="1200"/>
+          <a:r>
+            <a:rPr lang="en-US" sz="1000" kern="1200" dirty="0"/>
+            <a:t>Testbed Development</a:t>
+          </a:r>
         </a:p>
       </dsp:txBody>
       <dsp:txXfrm>
-        <a:off x="2308097" y="1410553"/>
-        <a:ext cx="547790" cy="473902"/>
+        <a:off x="18308" y="843708"/>
+        <a:ext cx="1426424" cy="338430"/>
       </dsp:txXfrm>
     </dsp:sp>
-    <dsp:sp modelId="{D1281AFA-1CFE-41CB-AB4C-394482D4B9BB}">
+    <dsp:sp modelId="{FEB48737-3D5D-48AC-AD8D-90A057D20090}">
       <dsp:nvSpPr>
         <dsp:cNvPr id="0" name=""/>
         <dsp:cNvSpPr/>
       </dsp:nvSpPr>
       <dsp:spPr>
         <a:xfrm>
-          <a:off x="1330625" y="1737603"/>
-          <a:ext cx="377235" cy="325038"/>
+          <a:off x="1463039" y="1237952"/>
+          <a:ext cx="2194560" cy="375046"/>
         </a:xfrm>
-        <a:prstGeom prst="hexagon">
+        <a:prstGeom prst="rightArrow">
           <a:avLst>
-            <a:gd name="adj" fmla="val 28900"/>
-            <a:gd name="vf" fmla="val 115470"/>
+            <a:gd name="adj1" fmla="val 75000"/>
+            <a:gd name="adj2" fmla="val 50000"/>
           </a:avLst>
         </a:prstGeom>
         <a:solidFill>
-          <a:schemeClr val="accent1">
+          <a:schemeClr val="lt1">
+            <a:alpha val="90000"/>
             <a:tint val="40000"/>
             <a:hueOff val="0"/>
             <a:satOff val="0"/>
@@ -1749,13 +4180,23 @@
             <a:alphaOff val="0"/>
           </a:schemeClr>
         </a:solidFill>
-        <a:ln>
-          <a:noFill/>
+        <a:ln w="12700" cap="flat" cmpd="sng" algn="ctr">
+          <a:solidFill>
+            <a:schemeClr val="dk1">
+              <a:alpha val="90000"/>
+              <a:hueOff val="0"/>
+              <a:satOff val="0"/>
+              <a:lumOff val="0"/>
+              <a:alphaOff val="0"/>
+            </a:schemeClr>
+          </a:solidFill>
+          <a:prstDash val="solid"/>
+          <a:miter lim="800000"/>
         </a:ln>
         <a:effectLst/>
       </dsp:spPr>
       <dsp:style>
-        <a:lnRef idx="0">
+        <a:lnRef idx="2">
           <a:scrgbClr r="0" g="0" b="0"/>
         </a:lnRef>
         <a:fillRef idx="1">
@@ -1766,25 +4207,86 @@
         </a:effectRef>
         <a:fontRef idx="minor"/>
       </dsp:style>
+      <dsp:txBody>
+        <a:bodyPr spcFirstLastPara="0" vert="horz" wrap="square" lIns="3175" tIns="3175" rIns="3175" bIns="3175" numCol="1" spcCol="1270" anchor="t" anchorCtr="0">
+          <a:noAutofit/>
+        </a:bodyPr>
+        <a:lstStyle/>
+        <a:p>
+          <a:pPr marL="57150" lvl="1" indent="-57150" algn="l" defTabSz="222250">
+            <a:lnSpc>
+              <a:spcPct val="90000"/>
+            </a:lnSpc>
+            <a:spcBef>
+              <a:spcPct val="0"/>
+            </a:spcBef>
+            <a:spcAft>
+              <a:spcPct val="15000"/>
+            </a:spcAft>
+            <a:buChar char="•"/>
+          </a:pPr>
+          <a:r>
+            <a:rPr lang="en-US" sz="500" kern="1200" dirty="0"/>
+            <a:t>Instrumentation of testbed with network and physical systems probes</a:t>
+          </a:r>
+        </a:p>
+        <a:p>
+          <a:pPr marL="57150" lvl="1" indent="-57150" algn="l" defTabSz="222250">
+            <a:lnSpc>
+              <a:spcPct val="90000"/>
+            </a:lnSpc>
+            <a:spcBef>
+              <a:spcPct val="0"/>
+            </a:spcBef>
+            <a:spcAft>
+              <a:spcPct val="15000"/>
+            </a:spcAft>
+            <a:buChar char="•"/>
+          </a:pPr>
+          <a:r>
+            <a:rPr lang="en-US" sz="500" kern="1200" dirty="0"/>
+            <a:t>Big data problem of the organization/cleaning/curation of data for analysis</a:t>
+          </a:r>
+        </a:p>
+        <a:p>
+          <a:pPr marL="57150" lvl="1" indent="-57150" algn="l" defTabSz="222250">
+            <a:lnSpc>
+              <a:spcPct val="90000"/>
+            </a:lnSpc>
+            <a:spcBef>
+              <a:spcPct val="0"/>
+            </a:spcBef>
+            <a:spcAft>
+              <a:spcPct val="15000"/>
+            </a:spcAft>
+            <a:buChar char="•"/>
+          </a:pPr>
+          <a:r>
+            <a:rPr lang="en-US" sz="500" kern="1200" dirty="0"/>
+            <a:t>Application of graph database for organization, query, and visualization</a:t>
+          </a:r>
+        </a:p>
+      </dsp:txBody>
+      <dsp:txXfrm>
+        <a:off x="1463039" y="1284833"/>
+        <a:ext cx="2053918" cy="281284"/>
+      </dsp:txXfrm>
     </dsp:sp>
-    <dsp:sp modelId="{8203B041-F848-4E16-8295-0872BF47F88C}">
+    <dsp:sp modelId="{E0DE0902-2FA5-4B52-9F39-B50C9F828F81}">
       <dsp:nvSpPr>
         <dsp:cNvPr id="0" name=""/>
         <dsp:cNvSpPr/>
       </dsp:nvSpPr>
       <dsp:spPr>
         <a:xfrm>
-          <a:off x="1420864" y="1729557"/>
-          <a:ext cx="819360" cy="708842"/>
+          <a:off x="0" y="1237952"/>
+          <a:ext cx="1463040" cy="375046"/>
         </a:xfrm>
-        <a:prstGeom prst="hexagon">
-          <a:avLst>
-            <a:gd name="adj" fmla="val 28570"/>
-            <a:gd name="vf" fmla="val 115470"/>
-          </a:avLst>
+        <a:prstGeom prst="roundRect">
+          <a:avLst/>
         </a:prstGeom>
         <a:solidFill>
-          <a:schemeClr val="accent1">
+          <a:schemeClr val="lt1">
             <a:hueOff val="0"/>
             <a:satOff val="0"/>
             <a:lumOff val="0"/>
@@ -1793,7 +4295,8 @@
         </a:solidFill>
         <a:ln w="12700" cap="flat" cmpd="sng" algn="ctr">
           <a:solidFill>
-            <a:schemeClr val="lt1">
+            <a:schemeClr val="dk1">
+              <a:shade val="80000"/>
               <a:hueOff val="0"/>
               <a:satOff val="0"/>
               <a:lumOff val="0"/>
@@ -1820,12 +4323,12 @@
         </a:fontRef>
       </dsp:style>
       <dsp:txBody>
-        <a:bodyPr spcFirstLastPara="0" vert="horz" wrap="square" lIns="21590" tIns="21590" rIns="21590" bIns="21590" numCol="1" spcCol="1270" anchor="ctr" anchorCtr="0">
+        <a:bodyPr spcFirstLastPara="0" vert="horz" wrap="square" lIns="38100" tIns="19050" rIns="38100" bIns="19050" numCol="1" spcCol="1270" anchor="ctr" anchorCtr="0">
           <a:noAutofit/>
         </a:bodyPr>
         <a:lstStyle/>
         <a:p>
-          <a:pPr marL="0" lvl="0" indent="0" algn="ctr" defTabSz="755650">
+          <a:pPr marL="0" lvl="0" indent="0" algn="ctr" defTabSz="444500">
             <a:lnSpc>
               <a:spcPct val="90000"/>
             </a:lnSpc>
@@ -1837,32 +4340,36 @@
             </a:spcAft>
             <a:buNone/>
           </a:pPr>
-          <a:endParaRPr lang="en-US" sz="1700" kern="1200"/>
+          <a:r>
+            <a:rPr lang="en-US" sz="1000" kern="1200" dirty="0"/>
+            <a:t>Data Collection and Organization</a:t>
+          </a:r>
         </a:p>
       </dsp:txBody>
       <dsp:txXfrm>
-        <a:off x="1556649" y="1847027"/>
-        <a:ext cx="547790" cy="473902"/>
+        <a:off x="18308" y="1256260"/>
+        <a:ext cx="1426424" cy="338430"/>
       </dsp:txXfrm>
     </dsp:sp>
-    <dsp:sp modelId="{AE9657D9-0DC7-43C2-930B-16412EB58B2B}">
+    <dsp:sp modelId="{130C5A2D-B09E-4769-8441-12F45767D7B2}">
       <dsp:nvSpPr>
         <dsp:cNvPr id="0" name=""/>
         <dsp:cNvSpPr/>
       </dsp:nvSpPr>
       <dsp:spPr>
         <a:xfrm>
-          <a:off x="883151" y="1130198"/>
-          <a:ext cx="377235" cy="325038"/>
+          <a:off x="1463039" y="1650503"/>
+          <a:ext cx="2194560" cy="375046"/>
         </a:xfrm>
-        <a:prstGeom prst="hexagon">
+        <a:prstGeom prst="rightArrow">
           <a:avLst>
-            <a:gd name="adj" fmla="val 28900"/>
-            <a:gd name="vf" fmla="val 115470"/>
+            <a:gd name="adj1" fmla="val 75000"/>
+            <a:gd name="adj2" fmla="val 50000"/>
           </a:avLst>
         </a:prstGeom>
         <a:solidFill>
-          <a:schemeClr val="accent1">
+          <a:schemeClr val="lt1">
+            <a:alpha val="90000"/>
             <a:tint val="40000"/>
             <a:hueOff val="0"/>
             <a:satOff val="0"/>
@@ -1870,13 +4377,23 @@
             <a:alphaOff val="0"/>
           </a:schemeClr>
         </a:solidFill>
-        <a:ln>
-          <a:noFill/>
+        <a:ln w="12700" cap="flat" cmpd="sng" algn="ctr">
+          <a:solidFill>
+            <a:schemeClr val="dk1">
+              <a:alpha val="90000"/>
+              <a:hueOff val="0"/>
+              <a:satOff val="0"/>
+              <a:lumOff val="0"/>
+              <a:alphaOff val="0"/>
+            </a:schemeClr>
+          </a:solidFill>
+          <a:prstDash val="solid"/>
+          <a:miter lim="800000"/>
         </a:ln>
         <a:effectLst/>
       </dsp:spPr>
       <dsp:style>
-        <a:lnRef idx="0">
+        <a:lnRef idx="2">
           <a:scrgbClr r="0" g="0" b="0"/>
         </a:lnRef>
         <a:fillRef idx="1">
@@ -1888,24 +4405,21 @@
         <a:fontRef idx="minor"/>
       </dsp:style>
     </dsp:sp>
-    <dsp:sp modelId="{035E6F23-627E-40C1-85FC-FE2ED6B8B800}">
+    <dsp:sp modelId="{541B05B9-6A3C-40AC-99EF-ECC47178FDB9}">
       <dsp:nvSpPr>
         <dsp:cNvPr id="0" name=""/>
         <dsp:cNvSpPr/>
       </dsp:nvSpPr>
       <dsp:spPr>
         <a:xfrm>
-          <a:off x="665927" y="1293571"/>
-          <a:ext cx="819360" cy="708842"/>
+          <a:off x="0" y="1650503"/>
+          <a:ext cx="1463040" cy="375046"/>
         </a:xfrm>
-        <a:prstGeom prst="hexagon">
-          <a:avLst>
-            <a:gd name="adj" fmla="val 28570"/>
-            <a:gd name="vf" fmla="val 115470"/>
-          </a:avLst>
+        <a:prstGeom prst="roundRect">
+          <a:avLst/>
         </a:prstGeom>
         <a:solidFill>
-          <a:schemeClr val="accent1">
+          <a:schemeClr val="lt1">
             <a:hueOff val="0"/>
             <a:satOff val="0"/>
             <a:lumOff val="0"/>
@@ -1914,7 +4428,8 @@
         </a:solidFill>
         <a:ln w="12700" cap="flat" cmpd="sng" algn="ctr">
           <a:solidFill>
-            <a:schemeClr val="lt1">
+            <a:schemeClr val="dk1">
+              <a:shade val="80000"/>
               <a:hueOff val="0"/>
               <a:satOff val="0"/>
               <a:lumOff val="0"/>
@@ -1941,12 +4456,12 @@
         </a:fontRef>
       </dsp:style>
       <dsp:txBody>
-        <a:bodyPr spcFirstLastPara="0" vert="horz" wrap="square" lIns="21590" tIns="21590" rIns="21590" bIns="21590" numCol="1" spcCol="1270" anchor="ctr" anchorCtr="0">
+        <a:bodyPr spcFirstLastPara="0" vert="horz" wrap="square" lIns="38100" tIns="19050" rIns="38100" bIns="19050" numCol="1" spcCol="1270" anchor="ctr" anchorCtr="0">
           <a:noAutofit/>
         </a:bodyPr>
         <a:lstStyle/>
         <a:p>
-          <a:pPr marL="0" lvl="0" indent="0" algn="ctr" defTabSz="755650">
+          <a:pPr marL="0" lvl="0" indent="0" algn="ctr" defTabSz="444500">
             <a:lnSpc>
               <a:spcPct val="90000"/>
             </a:lnSpc>
@@ -1958,32 +4473,37 @@
             </a:spcAft>
             <a:buNone/>
           </a:pPr>
-          <a:endParaRPr lang="en-US" sz="1700" kern="1200"/>
+          <a:r>
+            <a:rPr lang="en-US" sz="1000" kern="1200" dirty="0"/>
+            <a:t>Machine Learning</a:t>
+          </a:r>
         </a:p>
       </dsp:txBody>
       <dsp:txXfrm>
-        <a:off x="801712" y="1411041"/>
-        <a:ext cx="547790" cy="473902"/>
+        <a:off x="18308" y="1668811"/>
+        <a:ext cx="1426424" cy="338430"/>
       </dsp:txXfrm>
     </dsp:sp>
-    <dsp:sp modelId="{09CE9667-A6A5-4C72-BB2D-2F2DFF3A4634}">
+    <dsp:sp modelId="{371564FC-0030-4661-ADDF-9B517961EE16}">
       <dsp:nvSpPr>
         <dsp:cNvPr id="0" name=""/>
         <dsp:cNvSpPr/>
       </dsp:nvSpPr>
       <dsp:spPr>
         <a:xfrm>
-          <a:off x="665927" y="435010"/>
-          <a:ext cx="819360" cy="708842"/>
+          <a:off x="1463039" y="2063055"/>
+          <a:ext cx="2194560" cy="375046"/>
         </a:xfrm>
-        <a:prstGeom prst="hexagon">
+        <a:prstGeom prst="rightArrow">
           <a:avLst>
-            <a:gd name="adj" fmla="val 28570"/>
-            <a:gd name="vf" fmla="val 115470"/>
+            <a:gd name="adj1" fmla="val 75000"/>
+            <a:gd name="adj2" fmla="val 50000"/>
           </a:avLst>
         </a:prstGeom>
         <a:solidFill>
-          <a:schemeClr val="accent1">
+          <a:schemeClr val="lt1">
+            <a:alpha val="90000"/>
+            <a:tint val="40000"/>
             <a:hueOff val="0"/>
             <a:satOff val="0"/>
             <a:lumOff val="0"/>
@@ -1992,7 +4512,121 @@
         </a:solidFill>
         <a:ln w="12700" cap="flat" cmpd="sng" algn="ctr">
           <a:solidFill>
-            <a:schemeClr val="lt1">
+            <a:schemeClr val="dk1">
+              <a:alpha val="90000"/>
+              <a:hueOff val="0"/>
+              <a:satOff val="0"/>
+              <a:lumOff val="0"/>
+              <a:alphaOff val="0"/>
+            </a:schemeClr>
+          </a:solidFill>
+          <a:prstDash val="solid"/>
+          <a:miter lim="800000"/>
+        </a:ln>
+        <a:effectLst/>
+      </dsp:spPr>
+      <dsp:style>
+        <a:lnRef idx="2">
+          <a:scrgbClr r="0" g="0" b="0"/>
+        </a:lnRef>
+        <a:fillRef idx="1">
+          <a:scrgbClr r="0" g="0" b="0"/>
+        </a:fillRef>
+        <a:effectRef idx="0">
+          <a:scrgbClr r="0" g="0" b="0"/>
+        </a:effectRef>
+        <a:fontRef idx="minor"/>
+      </dsp:style>
+      <dsp:txBody>
+        <a:bodyPr spcFirstLastPara="0" vert="horz" wrap="square" lIns="3175" tIns="3175" rIns="3175" bIns="3175" numCol="1" spcCol="1270" anchor="t" anchorCtr="0">
+          <a:noAutofit/>
+        </a:bodyPr>
+        <a:lstStyle/>
+        <a:p>
+          <a:pPr marL="57150" lvl="1" indent="-57150" algn="l" defTabSz="222250">
+            <a:lnSpc>
+              <a:spcPct val="90000"/>
+            </a:lnSpc>
+            <a:spcBef>
+              <a:spcPct val="0"/>
+            </a:spcBef>
+            <a:spcAft>
+              <a:spcPct val="15000"/>
+            </a:spcAft>
+            <a:buChar char="•"/>
+          </a:pPr>
+          <a:r>
+            <a:rPr lang="en-US" sz="500" kern="1200" dirty="0"/>
+            <a:t>Investigation of online learning for RF situational awareness</a:t>
+          </a:r>
+        </a:p>
+        <a:p>
+          <a:pPr marL="57150" lvl="1" indent="-57150" algn="l" defTabSz="222250">
+            <a:lnSpc>
+              <a:spcPct val="90000"/>
+            </a:lnSpc>
+            <a:spcBef>
+              <a:spcPct val="0"/>
+            </a:spcBef>
+            <a:spcAft>
+              <a:spcPct val="15000"/>
+            </a:spcAft>
+            <a:buChar char="•"/>
+          </a:pPr>
+          <a:r>
+            <a:rPr lang="en-US" sz="500" kern="1200" dirty="0"/>
+            <a:t>Integrate ML with control system</a:t>
+          </a:r>
+        </a:p>
+        <a:p>
+          <a:pPr marL="57150" lvl="1" indent="-57150" algn="l" defTabSz="222250">
+            <a:lnSpc>
+              <a:spcPct val="90000"/>
+            </a:lnSpc>
+            <a:spcBef>
+              <a:spcPct val="0"/>
+            </a:spcBef>
+            <a:spcAft>
+              <a:spcPct val="15000"/>
+            </a:spcAft>
+            <a:buChar char="•"/>
+          </a:pPr>
+          <a:r>
+            <a:rPr lang="en-US" sz="500" kern="1200" dirty="0"/>
+            <a:t>Extension of model to larger systems and inclusion into standards</a:t>
+          </a:r>
+        </a:p>
+      </dsp:txBody>
+      <dsp:txXfrm>
+        <a:off x="1463039" y="2109936"/>
+        <a:ext cx="2053918" cy="281284"/>
+      </dsp:txXfrm>
+    </dsp:sp>
+    <dsp:sp modelId="{787939A4-8FAD-4FAC-BDAB-0BBC0E61431A}">
+      <dsp:nvSpPr>
+        <dsp:cNvPr id="0" name=""/>
+        <dsp:cNvSpPr/>
+      </dsp:nvSpPr>
+      <dsp:spPr>
+        <a:xfrm>
+          <a:off x="0" y="2063055"/>
+          <a:ext cx="1463040" cy="375046"/>
+        </a:xfrm>
+        <a:prstGeom prst="roundRect">
+          <a:avLst/>
+        </a:prstGeom>
+        <a:solidFill>
+          <a:schemeClr val="lt1">
+            <a:hueOff val="0"/>
+            <a:satOff val="0"/>
+            <a:lumOff val="0"/>
+            <a:alphaOff val="0"/>
+          </a:schemeClr>
+        </a:solidFill>
+        <a:ln w="12700" cap="flat" cmpd="sng" algn="ctr">
+          <a:solidFill>
+            <a:schemeClr val="dk1">
+              <a:shade val="80000"/>
               <a:hueOff val="0"/>
               <a:satOff val="0"/>
               <a:lumOff val="0"/>
@@ -2019,12 +4653,12 @@
         </a:fontRef>
       </dsp:style>
       <dsp:txBody>
-        <a:bodyPr spcFirstLastPara="0" vert="horz" wrap="square" lIns="21590" tIns="21590" rIns="21590" bIns="21590" numCol="1" spcCol="1270" anchor="ctr" anchorCtr="0">
+        <a:bodyPr spcFirstLastPara="0" vert="horz" wrap="square" lIns="38100" tIns="19050" rIns="38100" bIns="19050" numCol="1" spcCol="1270" anchor="ctr" anchorCtr="0">
           <a:noAutofit/>
         </a:bodyPr>
         <a:lstStyle/>
         <a:p>
-          <a:pPr marL="0" lvl="0" indent="0" algn="ctr" defTabSz="755650">
+          <a:pPr marL="0" lvl="0" indent="0" algn="ctr" defTabSz="444500">
             <a:lnSpc>
               <a:spcPct val="90000"/>
             </a:lnSpc>
@@ -2036,12 +4670,15 @@
             </a:spcAft>
             <a:buNone/>
           </a:pPr>
-          <a:endParaRPr lang="en-US" sz="1700" kern="1200"/>
+          <a:r>
+            <a:rPr lang="en-US" sz="1000" kern="1200" dirty="0"/>
+            <a:t>Future Research</a:t>
+          </a:r>
         </a:p>
       </dsp:txBody>
       <dsp:txXfrm>
-        <a:off x="801712" y="552480"/>
-        <a:ext cx="547790" cy="473902"/>
+        <a:off x="18308" y="2081363"/>
+        <a:ext cx="1426424" cy="338430"/>
       </dsp:txXfrm>
     </dsp:sp>
   </dsp:spTree>
@@ -2049,18 +4686,17 @@
 </file>
 
 <file path=ppt/diagrams/layout1.xml><?xml version="1.0" encoding="utf-8"?>
-<dgm:layoutDef xmlns:dgm="http://schemas.openxmlformats.org/drawingml/2006/diagram" xmlns:a="http://schemas.openxmlformats.org/drawingml/2006/main" uniqueId="urn:microsoft.com/office/officeart/2011/layout/HexagonRadial">
-  <dgm:title val="Hexagon Radial"/>
-  <dgm:desc val="Use to show a sequential process that relates to a central idea or theme. Limited to six Level 2 shapes. Works best with small amounts of text. Unused text does not appear, but remains available if you switch layouts."/>
+<dgm:layoutDef xmlns:dgm="http://schemas.openxmlformats.org/drawingml/2006/diagram" xmlns:a="http://schemas.openxmlformats.org/drawingml/2006/main" uniqueId="urn:microsoft.com/office/officeart/2005/8/layout/target2">
+  <dgm:title val=""/>
+  <dgm:desc val=""/>
   <dgm:catLst>
-    <dgm:cat type="cycle" pri="8500"/>
-    <dgm:cat type="officeonline" pri="9000"/>
+    <dgm:cat type="relationship" pri="12000"/>
   </dgm:catLst>
   <dgm:sampData>
     <dgm:dataModel>
       <dgm:ptLst>
         <dgm:pt modelId="0" type="doc"/>
-        <dgm:pt modelId="10">
+        <dgm:pt modelId="1">
           <dgm:prSet phldr="1"/>
         </dgm:pt>
         <dgm:pt modelId="11">
@@ -2069,27 +4705,35 @@
         <dgm:pt modelId="12">
           <dgm:prSet phldr="1"/>
         </dgm:pt>
-        <dgm:pt modelId="13">
+        <dgm:pt modelId="2">
           <dgm:prSet phldr="1"/>
         </dgm:pt>
-        <dgm:pt modelId="14">
+        <dgm:pt modelId="21">
           <dgm:prSet phldr="1"/>
         </dgm:pt>
-        <dgm:pt modelId="15">
+        <dgm:pt modelId="22">
           <dgm:prSet phldr="1"/>
         </dgm:pt>
-        <dgm:pt modelId="16">
+        <dgm:pt modelId="3">
+          <dgm:prSet phldr="1"/>
+        </dgm:pt>
+        <dgm:pt modelId="31">
+          <dgm:prSet phldr="1"/>
+        </dgm:pt>
+        <dgm:pt modelId="32">
           <dgm:prSet phldr="1"/>
         </dgm:pt>
       </dgm:ptLst>
       <dgm:cxnLst>
-        <dgm:cxn modelId="40" srcId="0" destId="10" srcOrd="0" destOrd="0"/>
-        <dgm:cxn modelId="50" srcId="10" destId="11" srcOrd="0" destOrd="0"/>
-        <dgm:cxn modelId="60" srcId="10" destId="12" srcOrd="0" destOrd="0"/>
-        <dgm:cxn modelId="70" srcId="10" destId="13" srcOrd="0" destOrd="0"/>
-        <dgm:cxn modelId="80" srcId="10" destId="14" srcOrd="0" destOrd="0"/>
-        <dgm:cxn modelId="90" srcId="10" destId="15" srcOrd="0" destOrd="0"/>
-        <dgm:cxn modelId="100" srcId="10" destId="16" srcOrd="0" destOrd="0"/>
+        <dgm:cxn modelId="4" srcId="0" destId="1" srcOrd="0" destOrd="0"/>
+        <dgm:cxn modelId="5" srcId="0" destId="2" srcOrd="1" destOrd="0"/>
+        <dgm:cxn modelId="6" srcId="0" destId="3" srcOrd="2" destOrd="0"/>
+        <dgm:cxn modelId="13" srcId="1" destId="11" srcOrd="0" destOrd="0"/>
+        <dgm:cxn modelId="14" srcId="1" destId="12" srcOrd="1" destOrd="0"/>
+        <dgm:cxn modelId="23" srcId="2" destId="21" srcOrd="0" destOrd="0"/>
+        <dgm:cxn modelId="24" srcId="2" destId="22" srcOrd="1" destOrd="0"/>
+        <dgm:cxn modelId="33" srcId="3" destId="31" srcOrd="0" destOrd="0"/>
+        <dgm:cxn modelId="34" srcId="3" destId="32" srcOrd="1" destOrd="0"/>
       </dgm:cxnLst>
       <dgm:bg/>
       <dgm:whole/>
@@ -2099,24 +4743,16 @@
     <dgm:dataModel>
       <dgm:ptLst>
         <dgm:pt modelId="0" type="doc"/>
-        <dgm:pt modelId="10">
-          <dgm:prSet phldr="1"/>
-        </dgm:pt>
-        <dgm:pt modelId="11">
-          <dgm:prSet phldr="1"/>
-        </dgm:pt>
-        <dgm:pt modelId="12">
-          <dgm:prSet phldr="1"/>
-        </dgm:pt>
-        <dgm:pt modelId="13">
-          <dgm:prSet phldr="1"/>
-        </dgm:pt>
+        <dgm:pt modelId="1"/>
+        <dgm:pt modelId="11"/>
+        <dgm:pt modelId="2"/>
+        <dgm:pt modelId="21"/>
       </dgm:ptLst>
       <dgm:cxnLst>
-        <dgm:cxn modelId="40" srcId="0" destId="10" srcOrd="0" destOrd="0"/>
-        <dgm:cxn modelId="50" srcId="10" destId="11" srcOrd="0" destOrd="0"/>
-        <dgm:cxn modelId="60" srcId="10" destId="12" srcOrd="0" destOrd="0"/>
-        <dgm:cxn modelId="70" srcId="10" destId="13" srcOrd="0" destOrd="0"/>
+        <dgm:cxn modelId="4" srcId="0" destId="1" srcOrd="0" destOrd="0"/>
+        <dgm:cxn modelId="5" srcId="0" destId="2" srcOrd="1" destOrd="0"/>
+        <dgm:cxn modelId="13" srcId="1" destId="11" srcOrd="0" destOrd="0"/>
+        <dgm:cxn modelId="23" srcId="2" destId="21" srcOrd="0" destOrd="0"/>
       </dgm:cxnLst>
       <dgm:bg/>
       <dgm:whole/>
@@ -2126,7 +4762,724 @@
     <dgm:dataModel>
       <dgm:ptLst>
         <dgm:pt modelId="0" type="doc"/>
-        <dgm:pt modelId="10">
+        <dgm:pt modelId="1"/>
+        <dgm:pt modelId="11"/>
+        <dgm:pt modelId="2"/>
+        <dgm:pt modelId="21"/>
+        <dgm:pt modelId="3"/>
+        <dgm:pt modelId="31"/>
+        <dgm:pt modelId="4"/>
+        <dgm:pt modelId="41"/>
+      </dgm:ptLst>
+      <dgm:cxnLst>
+        <dgm:cxn modelId="5" srcId="0" destId="1" srcOrd="0" destOrd="0"/>
+        <dgm:cxn modelId="6" srcId="0" destId="2" srcOrd="1" destOrd="0"/>
+        <dgm:cxn modelId="7" srcId="0" destId="3" srcOrd="2" destOrd="0"/>
+        <dgm:cxn modelId="8" srcId="0" destId="4" srcOrd="3" destOrd="0"/>
+        <dgm:cxn modelId="13" srcId="1" destId="11" srcOrd="0" destOrd="0"/>
+        <dgm:cxn modelId="23" srcId="2" destId="21" srcOrd="0" destOrd="0"/>
+        <dgm:cxn modelId="33" srcId="3" destId="31" srcOrd="0" destOrd="0"/>
+        <dgm:cxn modelId="43" srcId="4" destId="41" srcOrd="0" destOrd="0"/>
+      </dgm:cxnLst>
+      <dgm:bg/>
+      <dgm:whole/>
+    </dgm:dataModel>
+  </dgm:clrData>
+  <dgm:layoutNode name="Name0">
+    <dgm:varLst>
+      <dgm:chMax val="3"/>
+      <dgm:chPref val="1"/>
+      <dgm:dir/>
+      <dgm:animLvl val="lvl"/>
+      <dgm:resizeHandles/>
+    </dgm:varLst>
+    <dgm:alg type="composite">
+      <dgm:param type="horzAlign" val="none"/>
+      <dgm:param type="vertAlign" val="none"/>
+    </dgm:alg>
+    <dgm:shape xmlns:r="http://schemas.openxmlformats.org/officeDocument/2006/relationships" r:blip="">
+      <dgm:adjLst/>
+    </dgm:shape>
+    <dgm:presOf/>
+    <dgm:choose name="Name1">
+      <dgm:if name="Name2" func="var" arg="dir" op="equ" val="norm">
+        <dgm:choose name="Name3">
+          <dgm:if name="Name4" axis="ch ch" ptType="node node" st="1 1" cnt="1 0" func="cnt" op="gt" val="0">
+            <dgm:choose name="Name5">
+              <dgm:if name="Name6" axis="ch ch" ptType="node node" st="2 1" cnt="1 0" func="cnt" op="gt" val="0">
+                <dgm:constrLst>
+                  <dgm:constr type="primFontSz" for="des" forName="middleBoxParent" val="65"/>
+                  <dgm:constr type="primFontSz" for="des" forName="mChild" val="65"/>
+                  <dgm:constr type="primFontSz" for="des" forName="outerBoxParent" refType="primFontSz" refFor="des" refForName="middleBoxParent" op="equ"/>
+                  <dgm:constr type="primFontSz" for="des" forName="centerBoxParent" refType="primFontSz" refFor="des" refForName="middleBoxParent" op="equ"/>
+                  <dgm:constr type="primFontSz" for="des" forName="oChild" refType="primFontSz" refFor="des" refForName="mChild" op="equ"/>
+                  <dgm:constr type="primFontSz" for="des" forName="cChild" refType="primFontSz" refFor="des" refForName="mChild" op="equ"/>
+                  <dgm:constr type="l" for="ch" forName="outerBox"/>
+                  <dgm:constr type="t" for="ch" forName="outerBox"/>
+                  <dgm:constr type="w" for="ch" forName="outerBox" refType="w"/>
+                  <dgm:constr type="h" for="ch" forName="outerBox" refType="h"/>
+                  <dgm:constr type="l" for="ch" forName="middleBox" refType="w" fact="0.2"/>
+                  <dgm:constr type="t" for="ch" forName="middleBox" refType="h" fact="0.25"/>
+                  <dgm:constr type="w" for="ch" forName="middleBox" refType="w" fact="0.775"/>
+                  <dgm:constr type="h" for="ch" forName="middleBox" refType="h" fact="0.7"/>
+                  <dgm:constr type="l" for="ch" forName="centerBox" refType="w" fact="0.395"/>
+                  <dgm:constr type="t" for="ch" forName="centerBox" refType="h" fact="0.5"/>
+                  <dgm:constr type="w" for="ch" forName="centerBox" refType="w" fact="0.555"/>
+                  <dgm:constr type="h" for="ch" forName="centerBox" refType="h" fact="0.4"/>
+                  <dgm:constr type="userA" for="des" forName="outerSibTrans" refType="w"/>
+                  <dgm:constr type="userA" for="des" forName="middleSibTrans" refType="w"/>
+                  <dgm:constr type="userA" for="des" forName="centerSibTrans" refType="w"/>
+                </dgm:constrLst>
+              </dgm:if>
+              <dgm:else name="Name7">
+                <dgm:constrLst>
+                  <dgm:constr type="primFontSz" for="des" forName="middleBoxParent" val="65"/>
+                  <dgm:constr type="primFontSz" for="des" forName="mChild" val="65"/>
+                  <dgm:constr type="primFontSz" for="des" forName="outerBoxParent" refType="primFontSz" refFor="des" refForName="middleBoxParent" op="equ"/>
+                  <dgm:constr type="primFontSz" for="des" forName="centerBoxParent" refType="primFontSz" refFor="des" refForName="middleBoxParent" op="equ"/>
+                  <dgm:constr type="primFontSz" for="des" forName="oChild" refType="primFontSz" refFor="des" refForName="mChild" op="equ"/>
+                  <dgm:constr type="primFontSz" for="des" forName="cChild" refType="primFontSz" refFor="des" refForName="mChild" op="equ"/>
+                  <dgm:constr type="l" for="ch" forName="outerBox"/>
+                  <dgm:constr type="t" for="ch" forName="outerBox"/>
+                  <dgm:constr type="w" for="ch" forName="outerBox" refType="w"/>
+                  <dgm:constr type="h" for="ch" forName="outerBox" refType="h"/>
+                  <dgm:constr type="l" for="ch" forName="middleBox" refType="w" fact="0.2"/>
+                  <dgm:constr type="t" for="ch" forName="middleBox" refType="h" fact="0.25"/>
+                  <dgm:constr type="w" for="ch" forName="middleBox" refType="w" fact="0.775"/>
+                  <dgm:constr type="h" for="ch" forName="middleBox" refType="h" fact="0.7"/>
+                  <dgm:constr type="l" for="ch" forName="centerBox" refType="w" fact="0.225"/>
+                  <dgm:constr type="t" for="ch" forName="centerBox" refType="h" fact="0.5"/>
+                  <dgm:constr type="w" for="ch" forName="centerBox" refType="w" fact="0.725"/>
+                  <dgm:constr type="h" for="ch" forName="centerBox" refType="h" fact="0.4"/>
+                  <dgm:constr type="userA" for="des" forName="outerSibTrans" refType="w"/>
+                  <dgm:constr type="userA" for="des" forName="middleSibTrans" refType="w"/>
+                  <dgm:constr type="userA" for="des" forName="centerSibTrans" refType="w"/>
+                </dgm:constrLst>
+              </dgm:else>
+            </dgm:choose>
+          </dgm:if>
+          <dgm:else name="Name8">
+            <dgm:choose name="Name9">
+              <dgm:if name="Name10" axis="ch ch" ptType="node node" st="2 1" cnt="1 0" func="cnt" op="gt" val="0">
+                <dgm:constrLst>
+                  <dgm:constr type="primFontSz" for="des" forName="middleBoxParent" val="65"/>
+                  <dgm:constr type="primFontSz" for="des" forName="mChild" val="65"/>
+                  <dgm:constr type="primFontSz" for="des" forName="outerBoxParent" refType="primFontSz" refFor="des" refForName="middleBoxParent" op="equ"/>
+                  <dgm:constr type="primFontSz" for="des" forName="centerBoxParent" refType="primFontSz" refFor="des" refForName="middleBoxParent" op="equ"/>
+                  <dgm:constr type="primFontSz" for="des" forName="oChild" refType="primFontSz" refFor="des" refForName="mChild" op="equ"/>
+                  <dgm:constr type="primFontSz" for="des" forName="cChild" refType="primFontSz" refFor="des" refForName="mChild" op="equ"/>
+                  <dgm:constr type="l" for="ch" forName="outerBox"/>
+                  <dgm:constr type="t" for="ch" forName="outerBox"/>
+                  <dgm:constr type="w" for="ch" forName="outerBox" refType="w"/>
+                  <dgm:constr type="h" for="ch" forName="outerBox" refType="h"/>
+                  <dgm:constr type="l" for="ch" forName="middleBox" refType="w" fact="0.025"/>
+                  <dgm:constr type="t" for="ch" forName="middleBox" refType="h" fact="0.25"/>
+                  <dgm:constr type="w" for="ch" forName="middleBox" refType="w" fact="0.95"/>
+                  <dgm:constr type="h" for="ch" forName="middleBox" refType="h" fact="0.7"/>
+                  <dgm:constr type="l" for="ch" forName="centerBox" refType="w" fact="0.26"/>
+                  <dgm:constr type="t" for="ch" forName="centerBox" refType="h" fact="0.5"/>
+                  <dgm:constr type="w" for="ch" forName="centerBox" refType="w" fact="0.69"/>
+                  <dgm:constr type="h" for="ch" forName="centerBox" refType="h" fact="0.4"/>
+                  <dgm:constr type="userA" for="des" forName="outerSibTrans" refType="w"/>
+                  <dgm:constr type="userA" for="des" forName="middleSibTrans" refType="w"/>
+                  <dgm:constr type="userA" for="des" forName="centerSibTrans" refType="w"/>
+                </dgm:constrLst>
+              </dgm:if>
+              <dgm:else name="Name11">
+                <dgm:constrLst>
+                  <dgm:constr type="primFontSz" for="des" forName="middleBoxParent" val="65"/>
+                  <dgm:constr type="primFontSz" for="des" forName="mChild" val="65"/>
+                  <dgm:constr type="primFontSz" for="des" forName="outerBoxParent" refType="primFontSz" refFor="des" refForName="middleBoxParent" op="equ"/>
+                  <dgm:constr type="primFontSz" for="des" forName="centerBoxParent" refType="primFontSz" refFor="des" refForName="middleBoxParent" op="equ"/>
+                  <dgm:constr type="primFontSz" for="des" forName="oChild" refType="primFontSz" refFor="des" refForName="mChild" op="equ"/>
+                  <dgm:constr type="primFontSz" for="des" forName="cChild" refType="primFontSz" refFor="des" refForName="mChild" op="equ"/>
+                  <dgm:constr type="l" for="ch" forName="outerBox"/>
+                  <dgm:constr type="t" for="ch" forName="outerBox"/>
+                  <dgm:constr type="w" for="ch" forName="outerBox" refType="w"/>
+                  <dgm:constr type="h" for="ch" forName="outerBox" refType="h"/>
+                  <dgm:constr type="l" for="ch" forName="middleBox" refType="w" fact="0.025"/>
+                  <dgm:constr type="t" for="ch" forName="middleBox" refType="h" fact="0.25"/>
+                  <dgm:constr type="w" for="ch" forName="middleBox" refType="w" fact="0.95"/>
+                  <dgm:constr type="h" for="ch" forName="middleBox" refType="h" fact="0.7"/>
+                  <dgm:constr type="l" for="ch" forName="centerBox" refType="w" fact="0.05"/>
+                  <dgm:constr type="t" for="ch" forName="centerBox" refType="h" fact="0.5"/>
+                  <dgm:constr type="w" for="ch" forName="centerBox" refType="w" fact="0.9"/>
+                  <dgm:constr type="h" for="ch" forName="centerBox" refType="h" fact="0.4"/>
+                  <dgm:constr type="userA" for="des" forName="outerSibTrans" refType="w"/>
+                  <dgm:constr type="userA" for="des" forName="middleSibTrans" refType="w"/>
+                  <dgm:constr type="userA" for="des" forName="centerSibTrans" refType="w"/>
+                </dgm:constrLst>
+              </dgm:else>
+            </dgm:choose>
+          </dgm:else>
+        </dgm:choose>
+      </dgm:if>
+      <dgm:else name="Name12">
+        <dgm:choose name="Name13">
+          <dgm:if name="Name14" axis="ch ch" ptType="node node" st="1 1" cnt="1 0" func="cnt" op="gt" val="0">
+            <dgm:choose name="Name15">
+              <dgm:if name="Name16" axis="ch ch" ptType="node node" st="2 1" cnt="1 0" func="cnt" op="gt" val="0">
+                <dgm:constrLst>
+                  <dgm:constr type="primFontSz" for="des" forName="middleBoxParent" val="65"/>
+                  <dgm:constr type="primFontSz" for="des" forName="mChild" val="65"/>
+                  <dgm:constr type="primFontSz" for="des" forName="outerBoxParent" refType="primFontSz" refFor="des" refForName="middleBoxParent" op="equ"/>
+                  <dgm:constr type="primFontSz" for="des" forName="centerBoxParent" refType="primFontSz" refFor="des" refForName="middleBoxParent" op="equ"/>
+                  <dgm:constr type="primFontSz" for="des" forName="oChild" refType="primFontSz" refFor="des" refForName="mChild" op="equ"/>
+                  <dgm:constr type="primFontSz" for="des" forName="cChild" refType="primFontSz" refFor="des" refForName="mChild" op="equ"/>
+                  <dgm:constr type="l" for="ch" forName="outerBox"/>
+                  <dgm:constr type="t" for="ch" forName="outerBox"/>
+                  <dgm:constr type="w" for="ch" forName="outerBox" refType="w"/>
+                  <dgm:constr type="h" for="ch" forName="outerBox" refType="h"/>
+                  <dgm:constr type="l" for="ch" forName="middleBox" refType="w" fact="0.025"/>
+                  <dgm:constr type="t" for="ch" forName="middleBox" refType="h" fact="0.25"/>
+                  <dgm:constr type="w" for="ch" forName="middleBox" refType="w" fact="0.775"/>
+                  <dgm:constr type="h" for="ch" forName="middleBox" refType="h" fact="0.7"/>
+                  <dgm:constr type="l" for="ch" forName="centerBox" refType="w" fact="0.05"/>
+                  <dgm:constr type="t" for="ch" forName="centerBox" refType="h" fact="0.5"/>
+                  <dgm:constr type="w" for="ch" forName="centerBox" refType="w" fact="0.55"/>
+                  <dgm:constr type="h" for="ch" forName="centerBox" refType="h" fact="0.4"/>
+                  <dgm:constr type="userA" for="des" forName="outerSibTrans" refType="w"/>
+                  <dgm:constr type="userA" for="des" forName="middleSibTrans" refType="w"/>
+                  <dgm:constr type="userA" for="des" forName="centerSibTrans" refType="w"/>
+                </dgm:constrLst>
+              </dgm:if>
+              <dgm:else name="Name17">
+                <dgm:constrLst>
+                  <dgm:constr type="primFontSz" for="des" forName="middleBoxParent" val="65"/>
+                  <dgm:constr type="primFontSz" for="des" forName="mChild" val="65"/>
+                  <dgm:constr type="primFontSz" for="des" forName="outerBoxParent" refType="primFontSz" refFor="des" refForName="middleBoxParent" op="equ"/>
+                  <dgm:constr type="primFontSz" for="des" forName="centerBoxParent" refType="primFontSz" refFor="des" refForName="middleBoxParent" op="equ"/>
+                  <dgm:constr type="primFontSz" for="des" forName="oChild" refType="primFontSz" refFor="des" refForName="mChild" op="equ"/>
+                  <dgm:constr type="primFontSz" for="des" forName="cChild" refType="primFontSz" refFor="des" refForName="mChild" op="equ"/>
+                  <dgm:constr type="l" for="ch" forName="outerBox"/>
+                  <dgm:constr type="t" for="ch" forName="outerBox"/>
+                  <dgm:constr type="w" for="ch" forName="outerBox" refType="w"/>
+                  <dgm:constr type="h" for="ch" forName="outerBox" refType="h"/>
+                  <dgm:constr type="l" for="ch" forName="middleBox" refType="w" fact="0.025"/>
+                  <dgm:constr type="t" for="ch" forName="middleBox" refType="h" fact="0.25"/>
+                  <dgm:constr type="w" for="ch" forName="middleBox" refType="w" fact="0.775"/>
+                  <dgm:constr type="h" for="ch" forName="middleBox" refType="h" fact="0.7"/>
+                  <dgm:constr type="l" for="ch" forName="centerBox" refType="w" fact="0.05"/>
+                  <dgm:constr type="t" for="ch" forName="centerBox" refType="h" fact="0.5"/>
+                  <dgm:constr type="w" for="ch" forName="centerBox" refType="w" fact="0.725"/>
+                  <dgm:constr type="h" for="ch" forName="centerBox" refType="h" fact="0.4"/>
+                  <dgm:constr type="userA" for="des" forName="outerSibTrans" refType="w"/>
+                  <dgm:constr type="userA" for="des" forName="middleSibTrans" refType="w"/>
+                  <dgm:constr type="userA" for="des" forName="centerSibTrans" refType="w"/>
+                </dgm:constrLst>
+              </dgm:else>
+            </dgm:choose>
+          </dgm:if>
+          <dgm:else name="Name18">
+            <dgm:choose name="Name19">
+              <dgm:if name="Name20" axis="ch ch" ptType="node node" st="2 1" cnt="1 0" func="cnt" op="gt" val="0">
+                <dgm:constrLst>
+                  <dgm:constr type="primFontSz" for="des" forName="middleBoxParent" val="65"/>
+                  <dgm:constr type="primFontSz" for="des" forName="mChild" val="65"/>
+                  <dgm:constr type="primFontSz" for="des" forName="outerBoxParent" refType="primFontSz" refFor="des" refForName="middleBoxParent" op="equ"/>
+                  <dgm:constr type="primFontSz" for="des" forName="centerBoxParent" refType="primFontSz" refFor="des" refForName="middleBoxParent" op="equ"/>
+                  <dgm:constr type="primFontSz" for="des" forName="oChild" refType="primFontSz" refFor="des" refForName="mChild" op="equ"/>
+                  <dgm:constr type="primFontSz" for="des" forName="cChild" refType="primFontSz" refFor="des" refForName="mChild" op="equ"/>
+                  <dgm:constr type="l" for="ch" forName="outerBox"/>
+                  <dgm:constr type="t" for="ch" forName="outerBox"/>
+                  <dgm:constr type="w" for="ch" forName="outerBox" refType="w"/>
+                  <dgm:constr type="h" for="ch" forName="outerBox" refType="h"/>
+                  <dgm:constr type="l" for="ch" forName="middleBox" refType="w" fact="0.025"/>
+                  <dgm:constr type="t" for="ch" forName="middleBox" refType="h" fact="0.25"/>
+                  <dgm:constr type="w" for="ch" forName="middleBox" refType="w" fact="0.95"/>
+                  <dgm:constr type="h" for="ch" forName="middleBox" refType="h" fact="0.7"/>
+                  <dgm:constr type="l" for="ch" forName="centerBox" refType="w" fact="0.05"/>
+                  <dgm:constr type="t" for="ch" forName="centerBox" refType="h" fact="0.5"/>
+                  <dgm:constr type="w" for="ch" forName="centerBox" refType="w" fact="0.69"/>
+                  <dgm:constr type="h" for="ch" forName="centerBox" refType="h" fact="0.4"/>
+                  <dgm:constr type="userA" for="des" forName="outerSibTrans" refType="w"/>
+                  <dgm:constr type="userA" for="des" forName="middleSibTrans" refType="w"/>
+                  <dgm:constr type="userA" for="des" forName="centerSibTrans" refType="w"/>
+                </dgm:constrLst>
+              </dgm:if>
+              <dgm:else name="Name21">
+                <dgm:constrLst>
+                  <dgm:constr type="primFontSz" for="des" forName="middleBoxParent" val="65"/>
+                  <dgm:constr type="primFontSz" for="des" forName="mChild" val="65"/>
+                  <dgm:constr type="primFontSz" for="des" forName="outerBoxParent" refType="primFontSz" refFor="des" refForName="middleBoxParent" op="equ"/>
+                  <dgm:constr type="primFontSz" for="des" forName="centerBoxParent" refType="primFontSz" refFor="des" refForName="middleBoxParent" op="equ"/>
+                  <dgm:constr type="primFontSz" for="des" forName="oChild" refType="primFontSz" refFor="des" refForName="mChild" op="equ"/>
+                  <dgm:constr type="primFontSz" for="des" forName="cChild" refType="primFontSz" refFor="des" refForName="mChild" op="equ"/>
+                  <dgm:constr type="l" for="ch" forName="outerBox"/>
+                  <dgm:constr type="t" for="ch" forName="outerBox"/>
+                  <dgm:constr type="w" for="ch" forName="outerBox" refType="w"/>
+                  <dgm:constr type="h" for="ch" forName="outerBox" refType="h"/>
+                  <dgm:constr type="l" for="ch" forName="middleBox" refType="w" fact="0.025"/>
+                  <dgm:constr type="t" for="ch" forName="middleBox" refType="h" fact="0.25"/>
+                  <dgm:constr type="w" for="ch" forName="middleBox" refType="w" fact="0.95"/>
+                  <dgm:constr type="h" for="ch" forName="middleBox" refType="h" fact="0.7"/>
+                  <dgm:constr type="l" for="ch" forName="centerBox" refType="w" fact="0.05"/>
+                  <dgm:constr type="t" for="ch" forName="centerBox" refType="h" fact="0.5"/>
+                  <dgm:constr type="w" for="ch" forName="centerBox" refType="w" fact="0.9"/>
+                  <dgm:constr type="h" for="ch" forName="centerBox" refType="h" fact="0.4"/>
+                  <dgm:constr type="userA" for="des" forName="outerSibTrans" refType="w"/>
+                  <dgm:constr type="userA" for="des" forName="middleSibTrans" refType="w"/>
+                  <dgm:constr type="userA" for="des" forName="centerSibTrans" refType="w"/>
+                </dgm:constrLst>
+              </dgm:else>
+            </dgm:choose>
+          </dgm:else>
+        </dgm:choose>
+      </dgm:else>
+    </dgm:choose>
+    <dgm:ruleLst/>
+    <dgm:choose name="Name22">
+      <dgm:if name="Name23" axis="root ch" ptType="all node" st="1 1" cnt="0 0" func="cnt" op="gte" val="1">
+        <dgm:layoutNode name="outerBox" styleLbl="node1">
+          <dgm:alg type="composite">
+            <dgm:param type="horzAlign" val="none"/>
+            <dgm:param type="vertAlign" val="none"/>
+          </dgm:alg>
+          <dgm:shape xmlns:r="http://schemas.openxmlformats.org/officeDocument/2006/relationships" r:blip="">
+            <dgm:adjLst/>
+          </dgm:shape>
+          <dgm:presOf/>
+          <dgm:choose name="Name24">
+            <dgm:if name="Name25" axis="root ch" ptType="all node" st="1 1" cnt="0 0" func="cnt" op="gt" val="1">
+              <dgm:choose name="Name26">
+                <dgm:if name="Name27" func="var" arg="dir" op="equ" val="norm">
+                  <dgm:constrLst>
+                    <dgm:constr type="l" for="ch" forName="outerBoxParent"/>
+                    <dgm:constr type="t" for="ch" forName="outerBoxParent"/>
+                    <dgm:constr type="w" for="ch" forName="outerBoxParent" refType="w"/>
+                    <dgm:constr type="h" for="ch" forName="outerBoxParent" refType="h"/>
+                    <dgm:constr type="bMarg" for="ch" forName="outerBoxParent" refType="h" fact="2.2"/>
+                    <dgm:constr type="l" for="ch" forName="outerBoxChildren" refType="w" fact="0.025"/>
+                    <dgm:constr type="t" for="ch" forName="outerBoxChildren" refType="h" fact="0.25"/>
+                    <dgm:constr type="w" for="ch" forName="outerBoxChildren" refType="w" fact="0.15"/>
+                    <dgm:constr type="h" for="ch" forName="outerBoxChildren" refType="h" fact="0.7"/>
+                  </dgm:constrLst>
+                </dgm:if>
+                <dgm:else name="Name28">
+                  <dgm:constrLst>
+                    <dgm:constr type="l" for="ch" forName="outerBoxParent"/>
+                    <dgm:constr type="t" for="ch" forName="outerBoxParent"/>
+                    <dgm:constr type="w" for="ch" forName="outerBoxParent" refType="w"/>
+                    <dgm:constr type="h" for="ch" forName="outerBoxParent" refType="h"/>
+                    <dgm:constr type="bMarg" for="ch" forName="outerBoxParent" refType="h" fact="2.2"/>
+                    <dgm:constr type="l" for="ch" forName="outerBoxChildren" refType="w" fact="0.825"/>
+                    <dgm:constr type="t" for="ch" forName="outerBoxChildren" refType="h" fact="0.25"/>
+                    <dgm:constr type="w" for="ch" forName="outerBoxChildren" refType="w" fact="0.15"/>
+                    <dgm:constr type="h" for="ch" forName="outerBoxChildren" refType="h" fact="0.7"/>
+                  </dgm:constrLst>
+                </dgm:else>
+              </dgm:choose>
+            </dgm:if>
+            <dgm:else name="Name29">
+              <dgm:constrLst>
+                <dgm:constr type="l" for="ch" forName="outerBoxParent"/>
+                <dgm:constr type="t" for="ch" forName="outerBoxParent"/>
+                <dgm:constr type="w" for="ch" forName="outerBoxParent" refType="w"/>
+                <dgm:constr type="h" for="ch" forName="outerBoxParent" refType="h"/>
+                <dgm:constr type="bMarg" for="ch" forName="outerBoxParent" refType="h" fact="1.75"/>
+                <dgm:constr type="l" for="ch" forName="outerBoxChildren" refType="w" fact="0.025"/>
+                <dgm:constr type="t" for="ch" forName="outerBoxChildren" refType="h" fact="0.45"/>
+                <dgm:constr type="w" for="ch" forName="outerBoxChildren" refType="w" fact="0.95"/>
+                <dgm:constr type="h" for="ch" forName="outerBoxChildren" refType="h" fact="0.45"/>
+              </dgm:constrLst>
+            </dgm:else>
+          </dgm:choose>
+          <dgm:ruleLst/>
+          <dgm:layoutNode name="outerBoxParent" styleLbl="node1">
+            <dgm:alg type="tx">
+              <dgm:param type="txAnchorVert" val="t"/>
+              <dgm:param type="parTxLTRAlign" val="l"/>
+              <dgm:param type="parTxRTLAlign" val="r"/>
+            </dgm:alg>
+            <dgm:shape xmlns:r="http://schemas.openxmlformats.org/officeDocument/2006/relationships" type="roundRect" r:blip="">
+              <dgm:adjLst>
+                <dgm:adj idx="1" val="0.085"/>
+              </dgm:adjLst>
+            </dgm:shape>
+            <dgm:presOf axis="ch" ptType="node" cnt="1"/>
+            <dgm:constrLst>
+              <dgm:constr type="tMarg" refType="primFontSz" fact="0.3"/>
+              <dgm:constr type="lMarg" refType="primFontSz" fact="0.3"/>
+              <dgm:constr type="rMarg" refType="primFontSz" fact="0.3"/>
+            </dgm:constrLst>
+            <dgm:ruleLst>
+              <dgm:rule type="primFontSz" val="5" fact="NaN" max="NaN"/>
+            </dgm:ruleLst>
+          </dgm:layoutNode>
+          <dgm:layoutNode name="outerBoxChildren">
+            <dgm:choose name="Name30">
+              <dgm:if name="Name31" axis="root ch" ptType="all node" st="1 1" cnt="0 0" func="cnt" op="gt" val="1">
+                <dgm:alg type="lin">
+                  <dgm:param type="linDir" val="fromT"/>
+                  <dgm:param type="vertAlign" val="t"/>
+                </dgm:alg>
+              </dgm:if>
+              <dgm:else name="Name32">
+                <dgm:choose name="Name33">
+                  <dgm:if name="Name34" func="var" arg="dir" op="equ" val="norm">
+                    <dgm:alg type="lin">
+                      <dgm:param type="horzAlign" val="l"/>
+                    </dgm:alg>
+                  </dgm:if>
+                  <dgm:else name="Name35">
+                    <dgm:alg type="lin">
+                      <dgm:param type="linDir" val="fromR"/>
+                      <dgm:param type="horzAlign" val="r"/>
+                    </dgm:alg>
+                  </dgm:else>
+                </dgm:choose>
+              </dgm:else>
+            </dgm:choose>
+            <dgm:shape xmlns:r="http://schemas.openxmlformats.org/officeDocument/2006/relationships" r:blip="">
+              <dgm:adjLst/>
+            </dgm:shape>
+            <dgm:presOf/>
+            <dgm:constrLst>
+              <dgm:constr type="w" for="ch" forName="oChild" refType="w"/>
+              <dgm:constr type="h" for="ch" forName="oChild" refType="h"/>
+            </dgm:constrLst>
+            <dgm:ruleLst/>
+            <dgm:forEach name="Name36" axis="ch ch" ptType="node node" st="1 1" cnt="1 0">
+              <dgm:layoutNode name="oChild" styleLbl="fgAcc1">
+                <dgm:varLst>
+                  <dgm:bulletEnabled val="1"/>
+                </dgm:varLst>
+                <dgm:alg type="tx"/>
+                <dgm:shape xmlns:r="http://schemas.openxmlformats.org/officeDocument/2006/relationships" type="roundRect" r:blip="">
+                  <dgm:adjLst>
+                    <dgm:adj idx="1" val="0.105"/>
+                  </dgm:adjLst>
+                </dgm:shape>
+                <dgm:presOf axis="desOrSelf" ptType="node"/>
+                <dgm:constrLst>
+                  <dgm:constr type="tMarg" refType="primFontSz" fact="0.3"/>
+                  <dgm:constr type="bMarg" refType="primFontSz" fact="0.3"/>
+                  <dgm:constr type="lMarg" refType="primFontSz" fact="0.3"/>
+                  <dgm:constr type="rMarg" refType="primFontSz" fact="0.3"/>
+                </dgm:constrLst>
+                <dgm:ruleLst>
+                  <dgm:rule type="primFontSz" val="5" fact="NaN" max="NaN"/>
+                </dgm:ruleLst>
+              </dgm:layoutNode>
+              <dgm:forEach name="Name37" axis="followSib" ptType="sibTrans" cnt="1">
+                <dgm:layoutNode name="outerSibTrans">
+                  <dgm:alg type="sp"/>
+                  <dgm:shape xmlns:r="http://schemas.openxmlformats.org/officeDocument/2006/relationships" r:blip="">
+                    <dgm:adjLst/>
+                  </dgm:shape>
+                  <dgm:presOf/>
+                  <dgm:constrLst>
+                    <dgm:constr type="userA"/>
+                    <dgm:constr type="w" refType="userA" fact="0.015"/>
+                    <dgm:constr type="h" refType="userA" fact="0.015"/>
+                  </dgm:constrLst>
+                  <dgm:ruleLst/>
+                </dgm:layoutNode>
+              </dgm:forEach>
+            </dgm:forEach>
+          </dgm:layoutNode>
+        </dgm:layoutNode>
+      </dgm:if>
+      <dgm:else name="Name38"/>
+    </dgm:choose>
+    <dgm:choose name="Name39">
+      <dgm:if name="Name40" axis="root ch" ptType="all node" st="1 1" cnt="0 0" func="cnt" op="gte" val="2">
+        <dgm:layoutNode name="middleBox">
+          <dgm:alg type="composite">
+            <dgm:param type="horzAlign" val="none"/>
+            <dgm:param type="vertAlign" val="none"/>
+          </dgm:alg>
+          <dgm:shape xmlns:r="http://schemas.openxmlformats.org/officeDocument/2006/relationships" r:blip="">
+            <dgm:adjLst/>
+          </dgm:shape>
+          <dgm:presOf/>
+          <dgm:choose name="Name41">
+            <dgm:if name="Name42" axis="root ch" ptType="all node" st="1 1" cnt="0 0" func="cnt" op="gt" val="2">
+              <dgm:choose name="Name43">
+                <dgm:if name="Name44" func="var" arg="dir" op="equ" val="norm">
+                  <dgm:constrLst>
+                    <dgm:constr type="l" for="ch" forName="middleBoxParent"/>
+                    <dgm:constr type="t" for="ch" forName="middleBoxParent"/>
+                    <dgm:constr type="w" for="ch" forName="middleBoxParent" refType="w"/>
+                    <dgm:constr type="h" for="ch" forName="middleBoxParent" refType="h"/>
+                    <dgm:constr type="bMarg" for="ch" forName="middleBoxParent" refType="h" fact="1.8"/>
+                    <dgm:constr type="l" for="ch" forName="middleBoxChildren" refType="w" fact="0.025"/>
+                    <dgm:constr type="t" for="ch" forName="middleBoxChildren" refType="h" fact="0.35"/>
+                    <dgm:constr type="w" for="ch" forName="middleBoxChildren" refType="w" fact="0.2"/>
+                    <dgm:constr type="h" for="ch" forName="middleBoxChildren" refType="h" fact="0.575"/>
+                  </dgm:constrLst>
+                </dgm:if>
+                <dgm:else name="Name45">
+                  <dgm:constrLst>
+                    <dgm:constr type="l" for="ch" forName="middleBoxParent"/>
+                    <dgm:constr type="t" for="ch" forName="middleBoxParent"/>
+                    <dgm:constr type="w" for="ch" forName="middleBoxParent" refType="w"/>
+                    <dgm:constr type="h" for="ch" forName="middleBoxParent" refType="h"/>
+                    <dgm:constr type="bMarg" for="ch" forName="middleBoxParent" refType="h" fact="1.8"/>
+                    <dgm:constr type="l" for="ch" forName="middleBoxChildren" refType="w" fact="0.775"/>
+                    <dgm:constr type="t" for="ch" forName="middleBoxChildren" refType="h" fact="0.35"/>
+                    <dgm:constr type="w" for="ch" forName="middleBoxChildren" refType="w" fact="0.2"/>
+                    <dgm:constr type="h" for="ch" forName="middleBoxChildren" refType="h" fact="0.575"/>
+                  </dgm:constrLst>
+                </dgm:else>
+              </dgm:choose>
+            </dgm:if>
+            <dgm:else name="Name46">
+              <dgm:constrLst>
+                <dgm:constr type="l" for="ch" forName="middleBoxParent"/>
+                <dgm:constr type="t" for="ch" forName="middleBoxParent"/>
+                <dgm:constr type="w" for="ch" forName="middleBoxParent" refType="w"/>
+                <dgm:constr type="h" for="ch" forName="middleBoxParent" refType="h"/>
+                <dgm:constr type="bMarg" for="ch" forName="middleBoxParent" refType="h" fact="1.8"/>
+                <dgm:constr type="l" for="ch" forName="middleBoxChildren" refType="w" fact="0.025"/>
+                <dgm:constr type="t" for="ch" forName="middleBoxChildren" refType="h" fact="0.45"/>
+                <dgm:constr type="w" for="ch" forName="middleBoxChildren" refType="w" fact="0.95"/>
+                <dgm:constr type="h" for="ch" forName="middleBoxChildren" refType="h" fact="0.45"/>
+              </dgm:constrLst>
+            </dgm:else>
+          </dgm:choose>
+          <dgm:ruleLst/>
+          <dgm:layoutNode name="middleBoxParent" styleLbl="node1">
+            <dgm:alg type="tx">
+              <dgm:param type="txAnchorVert" val="t"/>
+              <dgm:param type="parTxLTRAlign" val="l"/>
+              <dgm:param type="parTxRTLAlign" val="r"/>
+            </dgm:alg>
+            <dgm:shape xmlns:r="http://schemas.openxmlformats.org/officeDocument/2006/relationships" type="roundRect" r:blip="">
+              <dgm:adjLst>
+                <dgm:adj idx="1" val="0.105"/>
+              </dgm:adjLst>
+            </dgm:shape>
+            <dgm:presOf axis="ch" ptType="node" st="2" cnt="1"/>
+            <dgm:constrLst>
+              <dgm:constr type="tMarg" refType="primFontSz" fact="0.3"/>
+              <dgm:constr type="lMarg" refType="primFontSz" fact="0.3"/>
+              <dgm:constr type="rMarg" refType="primFontSz" fact="0.3"/>
+            </dgm:constrLst>
+            <dgm:ruleLst>
+              <dgm:rule type="primFontSz" val="5" fact="NaN" max="NaN"/>
+            </dgm:ruleLst>
+          </dgm:layoutNode>
+          <dgm:layoutNode name="middleBoxChildren">
+            <dgm:choose name="Name47">
+              <dgm:if name="Name48" axis="root ch" ptType="all node" st="1 1" cnt="0 0" func="cnt" op="gt" val="2">
+                <dgm:alg type="lin">
+                  <dgm:param type="linDir" val="fromT"/>
+                  <dgm:param type="vertAlign" val="t"/>
+                </dgm:alg>
+              </dgm:if>
+              <dgm:else name="Name49">
+                <dgm:choose name="Name50">
+                  <dgm:if name="Name51" func="var" arg="dir" op="equ" val="norm">
+                    <dgm:alg type="lin">
+                      <dgm:param type="horzAlign" val="l"/>
+                    </dgm:alg>
+                  </dgm:if>
+                  <dgm:else name="Name52">
+                    <dgm:alg type="lin">
+                      <dgm:param type="linDir" val="fromR"/>
+                      <dgm:param type="horzAlign" val="r"/>
+                    </dgm:alg>
+                  </dgm:else>
+                </dgm:choose>
+              </dgm:else>
+            </dgm:choose>
+            <dgm:shape xmlns:r="http://schemas.openxmlformats.org/officeDocument/2006/relationships" r:blip="">
+              <dgm:adjLst/>
+            </dgm:shape>
+            <dgm:presOf/>
+            <dgm:constrLst>
+              <dgm:constr type="w" for="ch" forName="mChild" refType="w"/>
+              <dgm:constr type="h" for="ch" forName="mChild" refType="h"/>
+            </dgm:constrLst>
+            <dgm:ruleLst/>
+            <dgm:forEach name="Name53" axis="ch ch" ptType="node node" st="2 1" cnt="1 0">
+              <dgm:layoutNode name="mChild" styleLbl="fgAcc1">
+                <dgm:varLst>
+                  <dgm:bulletEnabled val="1"/>
+                </dgm:varLst>
+                <dgm:alg type="tx"/>
+                <dgm:shape xmlns:r="http://schemas.openxmlformats.org/officeDocument/2006/relationships" type="roundRect" r:blip="">
+                  <dgm:adjLst>
+                    <dgm:adj idx="1" val="0.105"/>
+                  </dgm:adjLst>
+                </dgm:shape>
+                <dgm:presOf axis="desOrSelf" ptType="node"/>
+                <dgm:constrLst>
+                  <dgm:constr type="tMarg" refType="primFontSz" fact="0.3"/>
+                  <dgm:constr type="bMarg" refType="primFontSz" fact="0.3"/>
+                  <dgm:constr type="lMarg" refType="primFontSz" fact="0.3"/>
+                  <dgm:constr type="rMarg" refType="primFontSz" fact="0.3"/>
+                </dgm:constrLst>
+                <dgm:ruleLst>
+                  <dgm:rule type="primFontSz" val="5" fact="NaN" max="NaN"/>
+                </dgm:ruleLst>
+              </dgm:layoutNode>
+              <dgm:forEach name="Name54" axis="followSib" ptType="sibTrans" cnt="1">
+                <dgm:layoutNode name="middleSibTrans">
+                  <dgm:alg type="sp"/>
+                  <dgm:shape xmlns:r="http://schemas.openxmlformats.org/officeDocument/2006/relationships" r:blip="">
+                    <dgm:adjLst/>
+                  </dgm:shape>
+                  <dgm:presOf/>
+                  <dgm:constrLst>
+                    <dgm:constr type="userA"/>
+                    <dgm:constr type="w" refType="userA" fact="0.015"/>
+                    <dgm:constr type="h" refType="userA" fact="0.015"/>
+                  </dgm:constrLst>
+                  <dgm:ruleLst/>
+                </dgm:layoutNode>
+              </dgm:forEach>
+            </dgm:forEach>
+          </dgm:layoutNode>
+        </dgm:layoutNode>
+      </dgm:if>
+      <dgm:else name="Name55"/>
+    </dgm:choose>
+    <dgm:choose name="Name56">
+      <dgm:if name="Name57" axis="root ch" ptType="all node" st="1 1" cnt="0 0" func="cnt" op="gte" val="3">
+        <dgm:layoutNode name="centerBox">
+          <dgm:alg type="composite">
+            <dgm:param type="horzAlign" val="none"/>
+            <dgm:param type="vertAlign" val="none"/>
+          </dgm:alg>
+          <dgm:shape xmlns:r="http://schemas.openxmlformats.org/officeDocument/2006/relationships" r:blip="">
+            <dgm:adjLst/>
+          </dgm:shape>
+          <dgm:presOf/>
+          <dgm:choose name="Name58">
+            <dgm:if name="Name59" axis="ch ch" ptType="node node" st="3 1" cnt="1 0" func="cnt" op="gt" val="0">
+              <dgm:constrLst>
+                <dgm:constr type="l" for="ch" forName="centerBoxParent"/>
+                <dgm:constr type="t" for="ch" forName="centerBoxParent"/>
+                <dgm:constr type="w" for="ch" forName="centerBoxParent" refType="w"/>
+                <dgm:constr type="h" for="ch" forName="centerBoxParent" refType="h"/>
+                <dgm:constr type="bMarg" for="ch" forName="centerBoxParent" refType="h" fact="1.6"/>
+                <dgm:constr type="l" for="ch" forName="centerBoxChildren" refType="w" fact="0.025"/>
+                <dgm:constr type="t" for="ch" forName="centerBoxChildren" refType="h" fact="0.45"/>
+                <dgm:constr type="w" for="ch" forName="centerBoxChildren" refType="w" fact="0.95"/>
+                <dgm:constr type="h" for="ch" forName="centerBoxChildren" refType="h" fact="0.45"/>
+              </dgm:constrLst>
+            </dgm:if>
+            <dgm:else name="Name60">
+              <dgm:constrLst>
+                <dgm:constr type="l" for="ch" forName="centerBoxParent"/>
+                <dgm:constr type="t" for="ch" forName="centerBoxParent"/>
+                <dgm:constr type="w" for="ch" forName="centerBoxParent" refType="w"/>
+                <dgm:constr type="h" for="ch" forName="centerBoxParent" refType="h"/>
+              </dgm:constrLst>
+            </dgm:else>
+          </dgm:choose>
+          <dgm:ruleLst/>
+          <dgm:layoutNode name="centerBoxParent" styleLbl="node1">
+            <dgm:alg type="tx">
+              <dgm:param type="txAnchorVert" val="t"/>
+              <dgm:param type="parTxLTRAlign" val="l"/>
+              <dgm:param type="parTxRTLAlign" val="r"/>
+            </dgm:alg>
+            <dgm:shape xmlns:r="http://schemas.openxmlformats.org/officeDocument/2006/relationships" type="roundRect" r:blip="">
+              <dgm:adjLst>
+                <dgm:adj idx="1" val="0.105"/>
+              </dgm:adjLst>
+            </dgm:shape>
+            <dgm:presOf axis="ch" ptType="node" st="3" cnt="1"/>
+            <dgm:constrLst>
+              <dgm:constr type="tMarg" refType="primFontSz" fact="0.3"/>
+              <dgm:constr type="lMarg" refType="primFontSz" fact="0.3"/>
+              <dgm:constr type="rMarg" refType="primFontSz" fact="0.3"/>
+            </dgm:constrLst>
+            <dgm:ruleLst>
+              <dgm:rule type="primFontSz" val="5" fact="NaN" max="NaN"/>
+            </dgm:ruleLst>
+          </dgm:layoutNode>
+          <dgm:choose name="Name61">
+            <dgm:if name="Name62" axis="ch ch" ptType="node node" st="3 1" cnt="1 0" func="cnt" op="gt" val="0">
+              <dgm:layoutNode name="centerBoxChildren">
+                <dgm:choose name="Name63">
+                  <dgm:if name="Name64" func="var" arg="dir" op="equ" val="norm">
+                    <dgm:alg type="lin">
+                      <dgm:param type="horzAlign" val="l"/>
+                    </dgm:alg>
+                  </dgm:if>
+                  <dgm:else name="Name65">
+                    <dgm:alg type="lin">
+                      <dgm:param type="linDir" val="fromR"/>
+                      <dgm:param type="horzAlign" val="r"/>
+                    </dgm:alg>
+                  </dgm:else>
+                </dgm:choose>
+                <dgm:shape xmlns:r="http://schemas.openxmlformats.org/officeDocument/2006/relationships" r:blip="">
+                  <dgm:adjLst/>
+                </dgm:shape>
+                <dgm:presOf/>
+                <dgm:constrLst>
+                  <dgm:constr type="w" for="ch" forName="cChild" refType="w"/>
+                  <dgm:constr type="h" for="ch" forName="cChild" refType="h"/>
+                </dgm:constrLst>
+                <dgm:ruleLst/>
+                <dgm:forEach name="Name66" axis="ch ch" ptType="node node" st="3 1" cnt="1 0">
+                  <dgm:layoutNode name="cChild" styleLbl="fgAcc1">
+                    <dgm:varLst>
+                      <dgm:bulletEnabled val="1"/>
+                    </dgm:varLst>
+                    <dgm:alg type="tx"/>
+                    <dgm:shape xmlns:r="http://schemas.openxmlformats.org/officeDocument/2006/relationships" type="roundRect" r:blip="">
+                      <dgm:adjLst>
+                        <dgm:adj idx="1" val="0.105"/>
+                      </dgm:adjLst>
+                    </dgm:shape>
+                    <dgm:presOf axis="desOrSelf" ptType="node"/>
+                    <dgm:constrLst>
+                      <dgm:constr type="tMarg" refType="primFontSz" fact="0.3"/>
+                      <dgm:constr type="bMarg" refType="primFontSz" fact="0.3"/>
+                      <dgm:constr type="lMarg" refType="primFontSz" fact="0.3"/>
+                      <dgm:constr type="rMarg" refType="primFontSz" fact="0.3"/>
+                    </dgm:constrLst>
+                    <dgm:ruleLst>
+                      <dgm:rule type="primFontSz" val="5" fact="NaN" max="NaN"/>
+                    </dgm:ruleLst>
+                  </dgm:layoutNode>
+                  <dgm:forEach name="Name67" axis="followSib" ptType="sibTrans" cnt="1">
+                    <dgm:layoutNode name="centerSibTrans">
+                      <dgm:alg type="sp"/>
+                      <dgm:shape xmlns:r="http://schemas.openxmlformats.org/officeDocument/2006/relationships" r:blip="">
+                        <dgm:adjLst/>
+                      </dgm:shape>
+                      <dgm:presOf/>
+                      <dgm:constrLst>
+                        <dgm:constr type="userA"/>
+                        <dgm:constr type="w" refType="userA" fact="0.015"/>
+                        <dgm:constr type="h" refType="userA" fact="0.015"/>
+                      </dgm:constrLst>
+                      <dgm:ruleLst/>
+                    </dgm:layoutNode>
+                  </dgm:forEach>
+                </dgm:forEach>
+              </dgm:layoutNode>
+            </dgm:if>
+            <dgm:else name="Name68"/>
+          </dgm:choose>
+        </dgm:layoutNode>
+      </dgm:if>
+      <dgm:else name="Name69"/>
+    </dgm:choose>
+  </dgm:layoutNode>
+</dgm:layoutDef>
+</file>
+
+<file path=ppt/diagrams/layout2.xml><?xml version="1.0" encoding="utf-8"?>
+<dgm:layoutDef xmlns:dgm="http://schemas.openxmlformats.org/drawingml/2006/diagram" xmlns:a="http://schemas.openxmlformats.org/drawingml/2006/main" uniqueId="urn:microsoft.com/office/officeart/2005/8/layout/vList6">
+  <dgm:title val=""/>
+  <dgm:desc val=""/>
+  <dgm:catLst>
+    <dgm:cat type="process" pri="22000"/>
+    <dgm:cat type="list" pri="17000"/>
+  </dgm:catLst>
+  <dgm:sampData>
+    <dgm:dataModel>
+      <dgm:ptLst>
+        <dgm:pt modelId="0" type="doc"/>
+        <dgm:pt modelId="1">
           <dgm:prSet phldr="1"/>
         </dgm:pt>
         <dgm:pt modelId="11">
@@ -2135,27 +5488,57 @@
         <dgm:pt modelId="12">
           <dgm:prSet phldr="1"/>
         </dgm:pt>
-        <dgm:pt modelId="13">
+        <dgm:pt modelId="2">
           <dgm:prSet phldr="1"/>
         </dgm:pt>
-        <dgm:pt modelId="14">
+        <dgm:pt modelId="21">
           <dgm:prSet phldr="1"/>
         </dgm:pt>
-        <dgm:pt modelId="15">
-          <dgm:prSet phldr="1"/>
-        </dgm:pt>
-        <dgm:pt modelId="16">
+        <dgm:pt modelId="22">
           <dgm:prSet phldr="1"/>
         </dgm:pt>
       </dgm:ptLst>
       <dgm:cxnLst>
-        <dgm:cxn modelId="40" srcId="0" destId="10" srcOrd="0" destOrd="0"/>
-        <dgm:cxn modelId="50" srcId="10" destId="11" srcOrd="0" destOrd="0"/>
-        <dgm:cxn modelId="60" srcId="10" destId="12" srcOrd="0" destOrd="0"/>
-        <dgm:cxn modelId="70" srcId="10" destId="13" srcOrd="0" destOrd="0"/>
-        <dgm:cxn modelId="80" srcId="10" destId="14" srcOrd="0" destOrd="0"/>
-        <dgm:cxn modelId="90" srcId="10" destId="15" srcOrd="0" destOrd="0"/>
-        <dgm:cxn modelId="100" srcId="10" destId="16" srcOrd="0" destOrd="0"/>
+        <dgm:cxn modelId="4" srcId="0" destId="1" srcOrd="0" destOrd="0"/>
+        <dgm:cxn modelId="5" srcId="0" destId="2" srcOrd="1" destOrd="0"/>
+        <dgm:cxn modelId="13" srcId="1" destId="11" srcOrd="0" destOrd="0"/>
+        <dgm:cxn modelId="14" srcId="1" destId="12" srcOrd="0" destOrd="0"/>
+        <dgm:cxn modelId="23" srcId="2" destId="21" srcOrd="0" destOrd="0"/>
+        <dgm:cxn modelId="24" srcId="2" destId="22" srcOrd="0" destOrd="0"/>
+      </dgm:cxnLst>
+      <dgm:bg/>
+      <dgm:whole/>
+    </dgm:dataModel>
+  </dgm:sampData>
+  <dgm:styleData>
+    <dgm:dataModel>
+      <dgm:ptLst>
+        <dgm:pt modelId="0" type="doc"/>
+        <dgm:pt modelId="1"/>
+        <dgm:pt modelId="2"/>
+      </dgm:ptLst>
+      <dgm:cxnLst>
+        <dgm:cxn modelId="3" srcId="0" destId="1" srcOrd="0" destOrd="0"/>
+        <dgm:cxn modelId="4" srcId="0" destId="2" srcOrd="1" destOrd="0"/>
+      </dgm:cxnLst>
+      <dgm:bg/>
+      <dgm:whole/>
+    </dgm:dataModel>
+  </dgm:styleData>
+  <dgm:clrData>
+    <dgm:dataModel>
+      <dgm:ptLst>
+        <dgm:pt modelId="0" type="doc"/>
+        <dgm:pt modelId="1"/>
+        <dgm:pt modelId="2"/>
+        <dgm:pt modelId="3"/>
+        <dgm:pt modelId="4"/>
+      </dgm:ptLst>
+      <dgm:cxnLst>
+        <dgm:cxn modelId="5" srcId="0" destId="1" srcOrd="0" destOrd="0"/>
+        <dgm:cxn modelId="6" srcId="0" destId="2" srcOrd="1" destOrd="0"/>
+        <dgm:cxn modelId="7" srcId="0" destId="3" srcOrd="2" destOrd="0"/>
+        <dgm:cxn modelId="8" srcId="0" destId="4" srcOrd="3" destOrd="0"/>
       </dgm:cxnLst>
       <dgm:bg/>
       <dgm:whole/>
@@ -2163,891 +5546,1168 @@
   </dgm:clrData>
   <dgm:layoutNode name="Name0">
     <dgm:varLst>
-      <dgm:chMax val="1"/>
-      <dgm:chPref val="1"/>
       <dgm:dir/>
-      <dgm:animOne val="branch"/>
       <dgm:animLvl val="lvl"/>
+      <dgm:resizeHandles/>
     </dgm:varLst>
+    <dgm:alg type="lin">
+      <dgm:param type="linDir" val="fromT"/>
+    </dgm:alg>
     <dgm:shape xmlns:r="http://schemas.openxmlformats.org/officeDocument/2006/relationships" r:blip="">
       <dgm:adjLst/>
     </dgm:shape>
-    <dgm:choose name="Name1">
-      <dgm:if name="Name2" func="var" arg="dir" op="equ" val="norm">
-        <dgm:choose name="Name3">
-          <dgm:if name="Name4" axis="ch ch" ptType="node node" st="1 1" cnt="1 0" func="cnt" op="equ" val="0">
-            <dgm:alg type="composite">
-              <dgm:param type="ar" val="1.1561"/>
+    <dgm:presOf/>
+    <dgm:constrLst>
+      <dgm:constr type="w" for="ch" forName="linNode" refType="w"/>
+      <dgm:constr type="h" for="ch" forName="linNode" refType="h"/>
+      <dgm:constr type="h" for="ch" forName="spacing" refType="h" refFor="ch" refForName="linNode" fact="0.1"/>
+      <dgm:constr type="primFontSz" for="des" forName="parentShp" op="equ" val="65"/>
+      <dgm:constr type="primFontSz" for="des" forName="childShp" op="equ" val="65"/>
+    </dgm:constrLst>
+    <dgm:ruleLst/>
+    <dgm:forEach name="Name1" axis="ch" ptType="node">
+      <dgm:layoutNode name="linNode">
+        <dgm:choose name="Name2">
+          <dgm:if name="Name3" func="var" arg="dir" op="equ" val="norm">
+            <dgm:alg type="lin">
+              <dgm:param type="linDir" val="fromL"/>
             </dgm:alg>
-            <dgm:constrLst>
-              <dgm:constr type="primFontSz" for="des" forName="Parent" val="65"/>
-              <dgm:constr type="l" for="ch" forName="Parent" refType="w" fact="0"/>
-              <dgm:constr type="t" for="ch" forName="Parent" refType="h" fact="0"/>
-              <dgm:constr type="w" for="ch" forName="Parent" refType="w"/>
-              <dgm:constr type="h" for="ch" forName="Parent" refType="h"/>
-            </dgm:constrLst>
           </dgm:if>
-          <dgm:if name="Name5" axis="ch ch" ptType="node node" st="1 1" cnt="1 0" func="cnt" op="lte" val="1">
-            <dgm:alg type="composite">
-              <dgm:param type="ar" val="1.368"/>
+          <dgm:else name="Name4">
+            <dgm:alg type="lin">
+              <dgm:param type="linDir" val="fromR"/>
             </dgm:alg>
-            <dgm:constrLst>
-              <dgm:constr type="primFontSz" for="des" forName="Parent" val="65"/>
-              <dgm:constr type="primFontSz" for="des" forName="Child1" val="65"/>
-              <dgm:constr type="primFontSz" for="des" forName="Child1" refType="primFontSz" refFor="des" refForName="Parent" op="lte"/>
-              <dgm:constr type="l" for="ch" forName="Accent1" refType="w" fact="0.1685"/>
-              <dgm:constr type="t" for="ch" forName="Accent1" refType="h" fact="0.2946"/>
-              <dgm:constr type="w" for="ch" forName="Accent1" refType="w" fact="0.462"/>
-              <dgm:constr type="h" for="ch" forName="Accent1" refType="h" fact="0.5472"/>
-              <dgm:constr type="l" for="ch" forName="Parent" refType="w" fact="0"/>
-              <dgm:constr type="t" for="ch" forName="Parent" refType="h" fact="0.2885"/>
-              <dgm:constr type="w" for="ch" forName="Parent" refType="w" fact="0.6013"/>
-              <dgm:constr type="h" for="ch" forName="Parent" refType="h" fact="0.7115"/>
-              <dgm:constr type="l" for="ch" forName="Child1" refType="w" fact="0.5073"/>
-              <dgm:constr type="t" for="ch" forName="Child1" refType="h" fact="0"/>
-              <dgm:constr type="w" for="ch" forName="Child1" refType="w" fact="0.4927"/>
-              <dgm:constr type="h" for="ch" forName="Child1" refType="h" fact="0.5831"/>
-            </dgm:constrLst>
-          </dgm:if>
-          <dgm:if name="Name6" axis="ch ch" ptType="node node" st="1 1" cnt="1 0" func="cnt" op="equ" val="2">
-            <dgm:alg type="composite">
-              <dgm:param type="ar" val="1.0619"/>
-            </dgm:alg>
-            <dgm:constrLst>
-              <dgm:constr type="primFontSz" for="des" forName="Parent" val="65"/>
-              <dgm:constr type="primFontSz" for="des" forName="Child1" val="65"/>
-              <dgm:constr type="primFontSz" for="des" forName="Child1" refType="primFontSz" refFor="des" refForName="Parent" op="lte"/>
-              <dgm:constr type="primFontSz" for="des" forName="Child2" refType="primFontSz" refFor="des" refForName="Parent" op="lte"/>
-              <dgm:constr type="primFontSz" for="des" forName="Child2" refType="primFontSz" refFor="des" refForName="Child1" op="equ"/>
-              <dgm:constr type="l" for="ch" forName="Accent2" refType="w" fact="0.6413"/>
-              <dgm:constr type="t" for="ch" forName="Accent2" refType="h" fact="0.3477"/>
-              <dgm:constr type="w" for="ch" forName="Accent2" refType="w" fact="0.2269"/>
-              <dgm:constr type="h" for="ch" forName="Accent2" refType="h" fact="0.2076"/>
-              <dgm:constr type="l" for="ch" forName="Accent1" refType="w" fact="0"/>
-              <dgm:constr type="t" for="ch" forName="Accent1" refType="h" fact="0"/>
-              <dgm:constr type="w" for="ch" forName="Accent1" refType="w" fact="0"/>
-              <dgm:constr type="h" for="ch" forName="Accent1" refType="h" fact="0"/>
-              <dgm:constr type="l" for="ch" forName="Parent" refType="w" fact="0"/>
-              <dgm:constr type="t" for="ch" forName="Parent" refType="h" fact="0.2239"/>
-              <dgm:constr type="w" for="ch" forName="Parent" refType="w" fact="0.6013"/>
-              <dgm:constr type="h" for="ch" forName="Parent" refType="h" fact="0.5523"/>
-              <dgm:constr type="l" for="ch" forName="Child1" refType="w" fact="0.5073"/>
-              <dgm:constr type="t" for="ch" forName="Child1" refType="h" fact="0"/>
-              <dgm:constr type="w" for="ch" forName="Child1" refType="w" fact="0.4927"/>
-              <dgm:constr type="h" for="ch" forName="Child1" refType="h" fact="0.4527"/>
-              <dgm:constr type="l" for="ch" forName="Child2" refType="w" fact="0.5073"/>
-              <dgm:constr type="t" for="ch" forName="Child2" refType="h" fact="0.5473"/>
-              <dgm:constr type="w" for="ch" forName="Child2" refType="w" fact="0.4927"/>
-              <dgm:constr type="h" for="ch" forName="Child2" refType="h" fact="0.4527"/>
-            </dgm:constrLst>
-          </dgm:if>
-          <dgm:if name="Name7" axis="ch ch" ptType="node node" st="1 1" cnt="1 0" func="cnt" op="equ" val="3">
-            <dgm:alg type="composite">
-              <dgm:param type="ar" val="0.8305"/>
-            </dgm:alg>
-            <dgm:constrLst>
-              <dgm:constr type="primFontSz" for="des" forName="Parent" val="65"/>
-              <dgm:constr type="primFontSz" for="des" forName="Child1" val="65"/>
-              <dgm:constr type="primFontSz" for="des" forName="Child1" refType="primFontSz" refFor="des" refForName="Parent" op="lte"/>
-              <dgm:constr type="primFontSz" for="des" forName="Child2" refType="primFontSz" refFor="des" refForName="Parent" op="lte"/>
-              <dgm:constr type="primFontSz" for="des" forName="Child3" refType="primFontSz" refFor="des" refForName="Parent" op="lte"/>
-              <dgm:constr type="primFontSz" for="des" forName="Child2" refType="primFontSz" refFor="des" refForName="Child1" op="equ"/>
-              <dgm:constr type="primFontSz" for="des" forName="Child3" refType="primFontSz" refFor="des" refForName="Child1" op="equ"/>
-              <dgm:constr type="l" for="ch" forName="Accent3" refType="w" fact="0.4573"/>
-              <dgm:constr type="t" for="ch" forName="Accent3" refType="h" fact="0.6145"/>
-              <dgm:constr type="w" for="ch" forName="Accent3" refType="w" fact="0.2269"/>
-              <dgm:constr type="h" for="ch" forName="Accent3" refType="h" fact="0.1623"/>
-              <dgm:constr type="l" for="ch" forName="Accent2" refType="w" fact="0.6413"/>
-              <dgm:constr type="t" for="ch" forName="Accent2" refType="h" fact="0.2719"/>
-              <dgm:constr type="w" for="ch" forName="Accent2" refType="w" fact="0.2269"/>
-              <dgm:constr type="h" for="ch" forName="Accent2" refType="h" fact="0.1623"/>
-              <dgm:constr type="l" for="ch" forName="Accent1" refType="w" fact="0"/>
-              <dgm:constr type="t" for="ch" forName="Accent1" refType="h" fact="0"/>
-              <dgm:constr type="w" for="ch" forName="Accent1" refType="w" fact="0"/>
-              <dgm:constr type="h" for="ch" forName="Accent1" refType="h" fact="0"/>
-              <dgm:constr type="l" for="ch" forName="Child3" refType="w" fact="0.0554"/>
-              <dgm:constr type="t" for="ch" forName="Child3" refType="h" fact="0.646"/>
-              <dgm:constr type="w" for="ch" forName="Child3" refType="w" fact="0.4927"/>
-              <dgm:constr type="h" for="ch" forName="Child3" refType="h" fact="0.354"/>
-              <dgm:constr type="l" for="ch" forName="Parent" refType="w" fact="0"/>
-              <dgm:constr type="t" for="ch" forName="Parent" refType="h" fact="0.1751"/>
-              <dgm:constr type="w" for="ch" forName="Parent" refType="w" fact="0.6013"/>
-              <dgm:constr type="h" for="ch" forName="Parent" refType="h" fact="0.4319"/>
-              <dgm:constr type="l" for="ch" forName="Child1" refType="w" fact="0.5073"/>
-              <dgm:constr type="t" for="ch" forName="Child1" refType="h" fact="0"/>
-              <dgm:constr type="w" for="ch" forName="Child1" refType="w" fact="0.4927"/>
-              <dgm:constr type="h" for="ch" forName="Child1" refType="h" fact="0.354"/>
-              <dgm:constr type="l" for="ch" forName="Child2" refType="w" fact="0.5073"/>
-              <dgm:constr type="t" for="ch" forName="Child2" refType="h" fact="0.428"/>
-              <dgm:constr type="w" for="ch" forName="Child2" refType="w" fact="0.4927"/>
-              <dgm:constr type="h" for="ch" forName="Child2" refType="h" fact="0.354"/>
-            </dgm:constrLst>
-          </dgm:if>
-          <dgm:if name="Name8" axis="ch ch" ptType="node node" st="1 1" cnt="1 0" func="cnt" op="equ" val="4">
-            <dgm:alg type="composite">
-              <dgm:param type="ar" val="0.682"/>
-            </dgm:alg>
-            <dgm:constrLst>
-              <dgm:constr type="primFontSz" for="des" forName="Parent" val="65"/>
-              <dgm:constr type="primFontSz" for="des" forName="Child1" val="65"/>
-              <dgm:constr type="primFontSz" for="des" forName="Child1" refType="primFontSz" refFor="des" refForName="Parent" op="lte"/>
-              <dgm:constr type="primFontSz" for="des" forName="Child2" refType="primFontSz" refFor="des" refForName="Parent" op="lte"/>
-              <dgm:constr type="primFontSz" for="des" forName="Child3" refType="primFontSz" refFor="des" refForName="Parent" op="lte"/>
-              <dgm:constr type="primFontSz" for="des" forName="Child4" refType="primFontSz" refFor="des" refForName="Parent" op="lte"/>
-              <dgm:constr type="primFontSz" for="des" forName="Child2" refType="primFontSz" refFor="des" refForName="Child1" op="equ"/>
-              <dgm:constr type="primFontSz" for="des" forName="Child3" refType="primFontSz" refFor="des" refForName="Child1" op="equ"/>
-              <dgm:constr type="primFontSz" for="des" forName="Child4" refType="primFontSz" refFor="des" refForName="Child1" op="equ"/>
-              <dgm:constr type="l" for="ch" forName="Accent4" refType="w" fact="0.4573"/>
-              <dgm:constr type="t" for="ch" forName="Accent4" refType="h" fact="0.6834"/>
-              <dgm:constr type="w" for="ch" forName="Accent4" refType="w" fact="0.2269"/>
-              <dgm:constr type="h" for="ch" forName="Accent4" refType="h" fact="0.1333"/>
-              <dgm:constr type="l" for="ch" forName="Accent3" refType="w" fact="0.6413"/>
-              <dgm:constr type="t" for="ch" forName="Accent3" refType="h" fact="0.4021"/>
-              <dgm:constr type="w" for="ch" forName="Accent3" refType="w" fact="0.2269"/>
-              <dgm:constr type="h" for="ch" forName="Accent3" refType="h" fact="0.1333"/>
-              <dgm:constr type="l" for="ch" forName="Accent2" refType="w" fact="0.3765"/>
-              <dgm:constr type="t" for="ch" forName="Accent2" refType="h" fact="0.1529"/>
-              <dgm:constr type="w" for="ch" forName="Accent2" refType="w" fact="0.2269"/>
-              <dgm:constr type="h" for="ch" forName="Accent2" refType="h" fact="0.1333"/>
-              <dgm:constr type="l" for="ch" forName="Accent1" refType="w" fact="0"/>
-              <dgm:constr type="t" for="ch" forName="Accent1" refType="h" fact="0"/>
-              <dgm:constr type="w" for="ch" forName="Accent1" refType="w" fact="0"/>
-              <dgm:constr type="h" for="ch" forName="Accent1" refType="h" fact="0"/>
-              <dgm:constr type="l" for="ch" forName="Child4" refType="w" fact="0.0554"/>
-              <dgm:constr type="t" for="ch" forName="Child4" refType="h" fact="0.7093"/>
-              <dgm:constr type="w" for="ch" forName="Child4" refType="w" fact="0.4927"/>
-              <dgm:constr type="h" for="ch" forName="Child4" refType="h" fact="0.2907"/>
-              <dgm:constr type="l" for="ch" forName="Parent" refType="w" fact="0"/>
-              <dgm:constr type="t" for="ch" forName="Parent" refType="h" fact="0.3226"/>
-              <dgm:constr type="w" for="ch" forName="Parent" refType="w" fact="0.6013"/>
-              <dgm:constr type="h" for="ch" forName="Parent" refType="h" fact="0.3547"/>
-              <dgm:constr type="l" for="ch" forName="Child2" refType="w" fact="0.5073"/>
-              <dgm:constr type="t" for="ch" forName="Child2" refType="h" fact="0.1788"/>
-              <dgm:constr type="w" for="ch" forName="Child2" refType="w" fact="0.4927"/>
-              <dgm:constr type="h" for="ch" forName="Child2" refType="h" fact="0.2907"/>
-              <dgm:constr type="l" for="ch" forName="Child3" refType="w" fact="0.5073"/>
-              <dgm:constr type="t" for="ch" forName="Child3" refType="h" fact="0.5303"/>
-              <dgm:constr type="w" for="ch" forName="Child3" refType="w" fact="0.4927"/>
-              <dgm:constr type="h" for="ch" forName="Child3" refType="h" fact="0.2907"/>
-              <dgm:constr type="l" for="ch" forName="Child1" refType="w" fact="0.0554"/>
-              <dgm:constr type="t" for="ch" forName="Child1" refType="h" fact="0"/>
-              <dgm:constr type="w" for="ch" forName="Child1" refType="w" fact="0.4927"/>
-              <dgm:constr type="h" for="ch" forName="Child1" refType="h" fact="0.2907"/>
-            </dgm:constrLst>
-          </dgm:if>
-          <dgm:if name="Name9" axis="ch ch" ptType="node node" st="1 1" cnt="1 0" func="cnt" op="equ" val="5">
-            <dgm:alg type="composite">
-              <dgm:param type="ar" val="0.9538"/>
-            </dgm:alg>
-            <dgm:constrLst>
-              <dgm:constr type="primFontSz" for="des" forName="Parent" val="65"/>
-              <dgm:constr type="primFontSz" for="des" forName="Child1" val="65"/>
-              <dgm:constr type="primFontSz" for="des" forName="Child1" refType="primFontSz" refFor="des" refForName="Parent" op="lte"/>
-              <dgm:constr type="primFontSz" for="des" forName="Child2" refType="primFontSz" refFor="des" refForName="Parent" op="lte"/>
-              <dgm:constr type="primFontSz" for="des" forName="Child3" refType="primFontSz" refFor="des" refForName="Parent" op="lte"/>
-              <dgm:constr type="primFontSz" for="des" forName="Child4" refType="primFontSz" refFor="des" refForName="Parent" op="lte"/>
-              <dgm:constr type="primFontSz" for="des" forName="Child5" refType="primFontSz" refFor="des" refForName="Parent" op="lte"/>
-              <dgm:constr type="primFontSz" for="des" forName="Child2" refType="primFontSz" refFor="des" refForName="Child1" op="equ"/>
-              <dgm:constr type="primFontSz" for="des" forName="Child3" refType="primFontSz" refFor="des" refForName="Child1" op="equ"/>
-              <dgm:constr type="primFontSz" for="des" forName="Child4" refType="primFontSz" refFor="des" refForName="Child1" op="equ"/>
-              <dgm:constr type="primFontSz" for="des" forName="Child5" refType="primFontSz" refFor="des" refForName="Child1" op="equ"/>
-              <dgm:constr type="l" for="ch" forName="Accent5" refType="w" fact="0.2858"/>
-              <dgm:constr type="t" for="ch" forName="Accent5" refType="h" fact="0.7126"/>
-              <dgm:constr type="w" for="ch" forName="Accent5" refType="w" fact="0.1622"/>
-              <dgm:constr type="h" for="ch" forName="Accent5" refType="h" fact="0.1333"/>
-              <dgm:constr type="l" for="ch" forName="Accent4" refType="w" fact="0.612"/>
-              <dgm:constr type="t" for="ch" forName="Accent4" refType="h" fact="0.6834"/>
-              <dgm:constr type="w" for="ch" forName="Accent4" refType="w" fact="0.1622"/>
-              <dgm:constr type="h" for="ch" forName="Accent4" refType="h" fact="0.1333"/>
-              <dgm:constr type="l" for="ch" forName="Accent3" refType="w" fact="0.7435"/>
-              <dgm:constr type="t" for="ch" forName="Accent3" refType="h" fact="0.4021"/>
-              <dgm:constr type="w" for="ch" forName="Accent3" refType="w" fact="0.1622"/>
-              <dgm:constr type="h" for="ch" forName="Accent3" refType="h" fact="0.1333"/>
-              <dgm:constr type="l" for="ch" forName="Accent2" refType="w" fact="0.5542"/>
-              <dgm:constr type="t" for="ch" forName="Accent2" refType="h" fact="0.1529"/>
-              <dgm:constr type="w" for="ch" forName="Accent2" refType="w" fact="0.1622"/>
-              <dgm:constr type="h" for="ch" forName="Accent2" refType="h" fact="0.1333"/>
-              <dgm:constr type="l" for="ch" forName="Accent1" refType="w" fact="0"/>
-              <dgm:constr type="t" for="ch" forName="Accent1" refType="h" fact="0"/>
-              <dgm:constr type="w" for="ch" forName="Accent1" refType="w" fact="0"/>
-              <dgm:constr type="h" for="ch" forName="Accent1" refType="h" fact="0"/>
-              <dgm:constr type="l" for="ch" forName="Child4" refType="w" fact="0.3246"/>
-              <dgm:constr type="t" for="ch" forName="Child4" refType="h" fact="0.7093"/>
-              <dgm:constr type="w" for="ch" forName="Child4" refType="w" fact="0.3523"/>
-              <dgm:constr type="h" for="ch" forName="Child4" refType="h" fact="0.2907"/>
-              <dgm:constr type="l" for="ch" forName="Parent" refType="w" fact="0.285"/>
-              <dgm:constr type="t" for="ch" forName="Parent" refType="h" fact="0.3226"/>
-              <dgm:constr type="w" for="ch" forName="Parent" refType="w" fact="0.4299"/>
-              <dgm:constr type="h" for="ch" forName="Parent" refType="h" fact="0.3547"/>
-              <dgm:constr type="l" for="ch" forName="Child2" refType="w" fact="0.6477"/>
-              <dgm:constr type="t" for="ch" forName="Child2" refType="h" fact="0.1788"/>
-              <dgm:constr type="w" for="ch" forName="Child2" refType="w" fact="0.3523"/>
-              <dgm:constr type="h" for="ch" forName="Child2" refType="h" fact="0.2907"/>
-              <dgm:constr type="l" for="ch" forName="Child3" refType="w" fact="0.6477"/>
-              <dgm:constr type="t" for="ch" forName="Child3" refType="h" fact="0.5303"/>
-              <dgm:constr type="w" for="ch" forName="Child3" refType="w" fact="0.3523"/>
-              <dgm:constr type="h" for="ch" forName="Child3" refType="h" fact="0.2907"/>
-              <dgm:constr type="l" for="ch" forName="Child5" refType="w" fact="0"/>
-              <dgm:constr type="t" for="ch" forName="Child5" refType="h" fact="0.5305"/>
-              <dgm:constr type="w" for="ch" forName="Child5" refType="w" fact="0.3523"/>
-              <dgm:constr type="h" for="ch" forName="Child5" refType="h" fact="0.2907"/>
-              <dgm:constr type="l" for="ch" forName="Child1" refType="w" fact="0.3246"/>
-              <dgm:constr type="t" for="ch" forName="Child1" refType="h" fact="0"/>
-              <dgm:constr type="w" for="ch" forName="Child1" refType="w" fact="0.3523"/>
-              <dgm:constr type="h" for="ch" forName="Child1" refType="h" fact="0.2907"/>
-            </dgm:constrLst>
-          </dgm:if>
-          <dgm:else name="Name10">
-            <dgm:alg type="composite">
-              <dgm:param type="ar" val="0.9538"/>
-            </dgm:alg>
-            <dgm:constrLst>
-              <dgm:constr type="primFontSz" for="des" forName="Parent" val="65"/>
-              <dgm:constr type="primFontSz" for="des" forName="Child1" val="65"/>
-              <dgm:constr type="primFontSz" for="des" forName="Child1" refType="primFontSz" refFor="des" refForName="Parent" op="lte"/>
-              <dgm:constr type="primFontSz" for="des" forName="Child2" refType="primFontSz" refFor="des" refForName="Parent" op="lte"/>
-              <dgm:constr type="primFontSz" for="des" forName="Child3" refType="primFontSz" refFor="des" refForName="Parent" op="lte"/>
-              <dgm:constr type="primFontSz" for="des" forName="Child4" refType="primFontSz" refFor="des" refForName="Parent" op="lte"/>
-              <dgm:constr type="primFontSz" for="des" forName="Child5" refType="primFontSz" refFor="des" refForName="Parent" op="lte"/>
-              <dgm:constr type="primFontSz" for="des" forName="Child6" refType="primFontSz" refFor="des" refForName="Parent" op="lte"/>
-              <dgm:constr type="primFontSz" for="des" forName="Child7" refType="primFontSz" refFor="des" refForName="Parent" op="lte"/>
-              <dgm:constr type="primFontSz" for="des" forName="Child2" refType="primFontSz" refFor="des" refForName="Child1" op="equ"/>
-              <dgm:constr type="primFontSz" for="des" forName="Child3" refType="primFontSz" refFor="des" refForName="Child1" op="equ"/>
-              <dgm:constr type="primFontSz" for="des" forName="Child4" refType="primFontSz" refFor="des" refForName="Child1" op="equ"/>
-              <dgm:constr type="primFontSz" for="des" forName="Child5" refType="primFontSz" refFor="des" refForName="Child1" op="equ"/>
-              <dgm:constr type="primFontSz" for="des" forName="Child6" refType="primFontSz" refFor="des" refForName="Child1" op="equ"/>
-              <dgm:constr type="primFontSz" for="des" forName="Child7" refType="primFontSz" refFor="des" refForName="Child1" op="equ"/>
-              <dgm:constr type="primFontSz" for="des" ptType="node" op="equ" val="65"/>
-              <dgm:constr type="l" for="ch" forName="Accent6" refType="w" fact="0.0934"/>
-              <dgm:constr type="t" for="ch" forName="Accent6" refType="h" fact="0.4635"/>
-              <dgm:constr type="w" for="ch" forName="Accent6" refType="w" fact="0.1622"/>
-              <dgm:constr type="h" for="ch" forName="Accent6" refType="h" fact="0.1333"/>
-              <dgm:constr type="l" for="ch" forName="Accent5" refType="w" fact="0.2858"/>
-              <dgm:constr type="t" for="ch" forName="Accent5" refType="h" fact="0.7126"/>
-              <dgm:constr type="w" for="ch" forName="Accent5" refType="w" fact="0.1622"/>
-              <dgm:constr type="h" for="ch" forName="Accent5" refType="h" fact="0.1333"/>
-              <dgm:constr type="l" for="ch" forName="Accent4" refType="w" fact="0.612"/>
-              <dgm:constr type="t" for="ch" forName="Accent4" refType="h" fact="0.6834"/>
-              <dgm:constr type="w" for="ch" forName="Accent4" refType="w" fact="0.1622"/>
-              <dgm:constr type="h" for="ch" forName="Accent4" refType="h" fact="0.1333"/>
-              <dgm:constr type="l" for="ch" forName="Accent3" refType="w" fact="0.7435"/>
-              <dgm:constr type="t" for="ch" forName="Accent3" refType="h" fact="0.4021"/>
-              <dgm:constr type="w" for="ch" forName="Accent3" refType="w" fact="0.1622"/>
-              <dgm:constr type="h" for="ch" forName="Accent3" refType="h" fact="0.1333"/>
-              <dgm:constr type="l" for="ch" forName="Accent2" refType="w" fact="0.5542"/>
-              <dgm:constr type="t" for="ch" forName="Accent2" refType="h" fact="0.1529"/>
-              <dgm:constr type="w" for="ch" forName="Accent2" refType="w" fact="0.1622"/>
-              <dgm:constr type="h" for="ch" forName="Accent2" refType="h" fact="0.1333"/>
-              <dgm:constr type="l" for="ch" forName="Accent1" refType="w" fact="0"/>
-              <dgm:constr type="t" for="ch" forName="Accent1" refType="h" fact="0"/>
-              <dgm:constr type="w" for="ch" forName="Accent1" refType="w" fact="0"/>
-              <dgm:constr type="h" for="ch" forName="Accent1" refType="h" fact="0"/>
-              <dgm:constr type="l" for="ch" forName="Child4" refType="w" fact="0.3246"/>
-              <dgm:constr type="t" for="ch" forName="Child4" refType="h" fact="0.7093"/>
-              <dgm:constr type="w" for="ch" forName="Child4" refType="w" fact="0.3523"/>
-              <dgm:constr type="h" for="ch" forName="Child4" refType="h" fact="0.2907"/>
-              <dgm:constr type="l" for="ch" forName="Parent" refType="w" fact="0.285"/>
-              <dgm:constr type="t" for="ch" forName="Parent" refType="h" fact="0.3226"/>
-              <dgm:constr type="w" for="ch" forName="Parent" refType="w" fact="0.4299"/>
-              <dgm:constr type="h" for="ch" forName="Parent" refType="h" fact="0.3547"/>
-              <dgm:constr type="l" for="ch" forName="Child2" refType="w" fact="0.6477"/>
-              <dgm:constr type="t" for="ch" forName="Child2" refType="h" fact="0.1788"/>
-              <dgm:constr type="w" for="ch" forName="Child2" refType="w" fact="0.3523"/>
-              <dgm:constr type="h" for="ch" forName="Child2" refType="h" fact="0.2907"/>
-              <dgm:constr type="l" for="ch" forName="Child3" refType="w" fact="0.6477"/>
-              <dgm:constr type="t" for="ch" forName="Child3" refType="h" fact="0.5303"/>
-              <dgm:constr type="w" for="ch" forName="Child3" refType="w" fact="0.3523"/>
-              <dgm:constr type="h" for="ch" forName="Child3" refType="h" fact="0.2907"/>
-              <dgm:constr type="l" for="ch" forName="Child5" refType="w" fact="0"/>
-              <dgm:constr type="t" for="ch" forName="Child5" refType="h" fact="0.5305"/>
-              <dgm:constr type="w" for="ch" forName="Child5" refType="w" fact="0.3523"/>
-              <dgm:constr type="h" for="ch" forName="Child5" refType="h" fact="0.2907"/>
-              <dgm:constr type="l" for="ch" forName="Child6" refType="w" fact="0"/>
-              <dgm:constr type="t" for="ch" forName="Child6" refType="h" fact="0.1784"/>
-              <dgm:constr type="w" for="ch" forName="Child6" refType="w" fact="0.3523"/>
-              <dgm:constr type="h" for="ch" forName="Child6" refType="h" fact="0.2907"/>
-              <dgm:constr type="l" for="ch" forName="Child1" refType="w" fact="0.3246"/>
-              <dgm:constr type="t" for="ch" forName="Child1" refType="h" fact="0"/>
-              <dgm:constr type="w" for="ch" forName="Child1" refType="w" fact="0.3523"/>
-              <dgm:constr type="h" for="ch" forName="Child1" refType="h" fact="0.2907"/>
-            </dgm:constrLst>
           </dgm:else>
         </dgm:choose>
-      </dgm:if>
-      <dgm:else name="Name11">
-        <dgm:choose name="Name12">
-          <dgm:if name="Name13" axis="ch ch" ptType="node node" st="1 1" cnt="1 0" func="cnt" op="equ" val="0">
-            <dgm:alg type="composite">
-              <dgm:param type="ar" val="1.1561"/>
-            </dgm:alg>
-            <dgm:constrLst>
-              <dgm:constr type="primFontSz" for="des" forName="Parent" val="65"/>
-              <dgm:constr type="l" for="ch" forName="Parent" refType="w" fact="0"/>
-              <dgm:constr type="t" for="ch" forName="Parent" refType="h" fact="0"/>
-              <dgm:constr type="w" for="ch" forName="Parent" refType="w"/>
-              <dgm:constr type="h" for="ch" forName="Parent" refType="h"/>
-            </dgm:constrLst>
-          </dgm:if>
-          <dgm:if name="Name14" axis="ch ch" ptType="node node" st="1 1" cnt="1 0" func="cnt" op="lte" val="1">
-            <dgm:alg type="composite">
-              <dgm:param type="ar" val="1.368"/>
-            </dgm:alg>
-            <dgm:constrLst>
-              <dgm:constr type="primFontSz" for="des" forName="Parent" val="65"/>
-              <dgm:constr type="primFontSz" for="des" forName="Child1" val="65"/>
-              <dgm:constr type="primFontSz" for="des" forName="Child1" refType="primFontSz" refFor="des" refForName="Parent" op="lte"/>
-              <dgm:constr type="r" for="ch" forName="Accent1" refType="w" fact="0.8315"/>
-              <dgm:constr type="t" for="ch" forName="Accent1" refType="h" fact="0.2946"/>
-              <dgm:constr type="w" for="ch" forName="Accent1" refType="w" fact="0.462"/>
-              <dgm:constr type="h" for="ch" forName="Accent1" refType="h" fact="0.5472"/>
-              <dgm:constr type="r" for="ch" forName="Parent" refType="w"/>
-              <dgm:constr type="t" for="ch" forName="Parent" refType="h" fact="0.2885"/>
-              <dgm:constr type="w" for="ch" forName="Parent" refType="w" fact="0.6013"/>
-              <dgm:constr type="h" for="ch" forName="Parent" refType="h" fact="0.7115"/>
-              <dgm:constr type="r" for="ch" forName="Child1" refType="w" fact="0.4927"/>
-              <dgm:constr type="t" for="ch" forName="Child1" refType="h" fact="0"/>
-              <dgm:constr type="w" for="ch" forName="Child1" refType="w" fact="0.4927"/>
-              <dgm:constr type="h" for="ch" forName="Child1" refType="h" fact="0.5831"/>
-            </dgm:constrLst>
-          </dgm:if>
-          <dgm:if name="Name15" axis="ch ch" ptType="node node" st="1 1" cnt="1 0" func="cnt" op="equ" val="2">
-            <dgm:alg type="composite">
-              <dgm:param type="ar" val="1.0619"/>
-            </dgm:alg>
-            <dgm:constrLst>
-              <dgm:constr type="primFontSz" for="des" forName="Parent" val="65"/>
-              <dgm:constr type="primFontSz" for="des" forName="Child1" val="65"/>
-              <dgm:constr type="primFontSz" for="des" forName="Child1" refType="primFontSz" refFor="des" refForName="Parent" op="lte"/>
-              <dgm:constr type="primFontSz" for="des" forName="Child2" refType="primFontSz" refFor="des" refForName="Parent" op="lte"/>
-              <dgm:constr type="primFontSz" for="des" forName="Child2" refType="primFontSz" refFor="des" refForName="Child1" op="equ"/>
-              <dgm:constr type="r" for="ch" forName="Accent2" refType="w" fact="0.3587"/>
-              <dgm:constr type="t" for="ch" forName="Accent2" refType="h" fact="0.3477"/>
-              <dgm:constr type="w" for="ch" forName="Accent2" refType="w" fact="0.2269"/>
-              <dgm:constr type="h" for="ch" forName="Accent2" refType="h" fact="0.2076"/>
-              <dgm:constr type="r" for="ch" forName="Accent1" refType="w" fact="0"/>
-              <dgm:constr type="t" for="ch" forName="Accent1" refType="h" fact="0"/>
-              <dgm:constr type="w" for="ch" forName="Accent1" refType="w" fact="0"/>
-              <dgm:constr type="h" for="ch" forName="Accent1" refType="h" fact="0"/>
-              <dgm:constr type="r" for="ch" forName="Parent" refType="w"/>
-              <dgm:constr type="t" for="ch" forName="Parent" refType="h" fact="0.2239"/>
-              <dgm:constr type="w" for="ch" forName="Parent" refType="w" fact="0.6013"/>
-              <dgm:constr type="h" for="ch" forName="Parent" refType="h" fact="0.5523"/>
-              <dgm:constr type="r" for="ch" forName="Child1" refType="w" fact="0.4927"/>
-              <dgm:constr type="t" for="ch" forName="Child1" refType="h" fact="0"/>
-              <dgm:constr type="w" for="ch" forName="Child1" refType="w" fact="0.4927"/>
-              <dgm:constr type="h" for="ch" forName="Child1" refType="h" fact="0.4527"/>
-              <dgm:constr type="r" for="ch" forName="Child2" refType="w" fact="0.5073"/>
-              <dgm:constr type="t" for="ch" forName="Child2" refType="h" fact="0.5473"/>
-              <dgm:constr type="w" for="ch" forName="Child2" refType="w" fact="0.4927"/>
-              <dgm:constr type="h" for="ch" forName="Child2" refType="h" fact="0.4527"/>
-            </dgm:constrLst>
-          </dgm:if>
-          <dgm:if name="Name16" axis="ch ch" ptType="node node" st="1 1" cnt="1 0" func="cnt" op="equ" val="3">
-            <dgm:alg type="composite">
-              <dgm:param type="ar" val="0.8305"/>
-            </dgm:alg>
-            <dgm:constrLst>
-              <dgm:constr type="primFontSz" for="des" forName="Parent" val="65"/>
-              <dgm:constr type="primFontSz" for="des" forName="Child1" val="65"/>
-              <dgm:constr type="primFontSz" for="des" forName="Child1" refType="primFontSz" refFor="des" refForName="Parent" op="lte"/>
-              <dgm:constr type="primFontSz" for="des" forName="Child2" refType="primFontSz" refFor="des" refForName="Parent" op="lte"/>
-              <dgm:constr type="primFontSz" for="des" forName="Child3" refType="primFontSz" refFor="des" refForName="Parent" op="lte"/>
-              <dgm:constr type="primFontSz" for="des" forName="Child2" refType="primFontSz" refFor="des" refForName="Child1" op="equ"/>
-              <dgm:constr type="primFontSz" for="des" forName="Child3" refType="primFontSz" refFor="des" refForName="Child1" op="equ"/>
-              <dgm:constr type="r" for="ch" forName="Accent3" refType="w" fact="0.5427"/>
-              <dgm:constr type="t" for="ch" forName="Accent3" refType="h" fact="0.6145"/>
-              <dgm:constr type="w" for="ch" forName="Accent3" refType="w" fact="0.2269"/>
-              <dgm:constr type="h" for="ch" forName="Accent3" refType="h" fact="0.1623"/>
-              <dgm:constr type="r" for="ch" forName="Accent2" refType="w" fact="0.3587"/>
-              <dgm:constr type="t" for="ch" forName="Accent2" refType="h" fact="0.2719"/>
-              <dgm:constr type="w" for="ch" forName="Accent2" refType="w" fact="0.2269"/>
-              <dgm:constr type="h" for="ch" forName="Accent2" refType="h" fact="0.1623"/>
-              <dgm:constr type="r" for="ch" forName="Accent1" refType="w" fact="0"/>
-              <dgm:constr type="t" for="ch" forName="Accent1" refType="h" fact="0"/>
-              <dgm:constr type="w" for="ch" forName="Accent1" refType="w" fact="0"/>
-              <dgm:constr type="h" for="ch" forName="Accent1" refType="h" fact="0"/>
-              <dgm:constr type="r" for="ch" forName="Child3" refType="w" fact="0.9446"/>
-              <dgm:constr type="t" for="ch" forName="Child3" refType="h" fact="0.646"/>
-              <dgm:constr type="w" for="ch" forName="Child3" refType="w" fact="0.4927"/>
-              <dgm:constr type="h" for="ch" forName="Child3" refType="h" fact="0.354"/>
-              <dgm:constr type="r" for="ch" forName="Parent" refType="w"/>
-              <dgm:constr type="t" for="ch" forName="Parent" refType="h" fact="0.1751"/>
-              <dgm:constr type="w" for="ch" forName="Parent" refType="w" fact="0.6013"/>
-              <dgm:constr type="h" for="ch" forName="Parent" refType="h" fact="0.4319"/>
-              <dgm:constr type="r" for="ch" forName="Child1" refType="w" fact="0.4927"/>
-              <dgm:constr type="t" for="ch" forName="Child1" refType="h" fact="0"/>
-              <dgm:constr type="w" for="ch" forName="Child1" refType="w" fact="0.4927"/>
-              <dgm:constr type="h" for="ch" forName="Child1" refType="h" fact="0.354"/>
-              <dgm:constr type="r" for="ch" forName="Child2" refType="w" fact="0.4927"/>
-              <dgm:constr type="t" for="ch" forName="Child2" refType="h" fact="0.428"/>
-              <dgm:constr type="w" for="ch" forName="Child2" refType="w" fact="0.4927"/>
-              <dgm:constr type="h" for="ch" forName="Child2" refType="h" fact="0.354"/>
-            </dgm:constrLst>
-          </dgm:if>
-          <dgm:if name="Name17" axis="ch ch" ptType="node node" st="1 1" cnt="1 0" func="cnt" op="equ" val="4">
-            <dgm:alg type="composite">
-              <dgm:param type="ar" val="0.682"/>
-            </dgm:alg>
-            <dgm:constrLst>
-              <dgm:constr type="primFontSz" for="des" forName="Parent" val="65"/>
-              <dgm:constr type="primFontSz" for="des" forName="Child1" val="65"/>
-              <dgm:constr type="primFontSz" for="des" forName="Child1" refType="primFontSz" refFor="des" refForName="Parent" op="lte"/>
-              <dgm:constr type="primFontSz" for="des" forName="Child2" refType="primFontSz" refFor="des" refForName="Parent" op="lte"/>
-              <dgm:constr type="primFontSz" for="des" forName="Child3" refType="primFontSz" refFor="des" refForName="Parent" op="lte"/>
-              <dgm:constr type="primFontSz" for="des" forName="Child4" refType="primFontSz" refFor="des" refForName="Parent" op="lte"/>
-              <dgm:constr type="primFontSz" for="des" forName="Child2" refType="primFontSz" refFor="des" refForName="Child1" op="equ"/>
-              <dgm:constr type="primFontSz" for="des" forName="Child3" refType="primFontSz" refFor="des" refForName="Child1" op="equ"/>
-              <dgm:constr type="primFontSz" for="des" forName="Child4" refType="primFontSz" refFor="des" refForName="Child1" op="equ"/>
-              <dgm:constr type="r" for="ch" forName="Accent4" refType="w" fact="0.5427"/>
-              <dgm:constr type="t" for="ch" forName="Accent4" refType="h" fact="0.6834"/>
-              <dgm:constr type="w" for="ch" forName="Accent4" refType="w" fact="0.2269"/>
-              <dgm:constr type="h" for="ch" forName="Accent4" refType="h" fact="0.1333"/>
-              <dgm:constr type="r" for="ch" forName="Accent3" refType="w" fact="0.3587"/>
-              <dgm:constr type="t" for="ch" forName="Accent3" refType="h" fact="0.4021"/>
-              <dgm:constr type="w" for="ch" forName="Accent3" refType="w" fact="0.2269"/>
-              <dgm:constr type="h" for="ch" forName="Accent3" refType="h" fact="0.1333"/>
-              <dgm:constr type="r" for="ch" forName="Accent2" refType="w" fact="0.6235"/>
-              <dgm:constr type="t" for="ch" forName="Accent2" refType="h" fact="0.1529"/>
-              <dgm:constr type="w" for="ch" forName="Accent2" refType="w" fact="0.2269"/>
-              <dgm:constr type="h" for="ch" forName="Accent2" refType="h" fact="0.1333"/>
-              <dgm:constr type="r" for="ch" forName="Accent1" refType="w" fact="0"/>
-              <dgm:constr type="t" for="ch" forName="Accent1" refType="h" fact="0"/>
-              <dgm:constr type="w" for="ch" forName="Accent1" refType="w" fact="0"/>
-              <dgm:constr type="h" for="ch" forName="Accent1" refType="h" fact="0"/>
-              <dgm:constr type="r" for="ch" forName="Child4" refType="w" fact="0.9446"/>
-              <dgm:constr type="t" for="ch" forName="Child4" refType="h" fact="0.7093"/>
-              <dgm:constr type="w" for="ch" forName="Child4" refType="w" fact="0.4927"/>
-              <dgm:constr type="h" for="ch" forName="Child4" refType="h" fact="0.2907"/>
-              <dgm:constr type="r" for="ch" forName="Parent" refType="w"/>
-              <dgm:constr type="t" for="ch" forName="Parent" refType="h" fact="0.3226"/>
-              <dgm:constr type="w" for="ch" forName="Parent" refType="w" fact="0.6013"/>
-              <dgm:constr type="h" for="ch" forName="Parent" refType="h" fact="0.3547"/>
-              <dgm:constr type="r" for="ch" forName="Child2" refType="w" fact="0.4927"/>
-              <dgm:constr type="t" for="ch" forName="Child2" refType="h" fact="0.1788"/>
-              <dgm:constr type="w" for="ch" forName="Child2" refType="w" fact="0.4927"/>
-              <dgm:constr type="h" for="ch" forName="Child2" refType="h" fact="0.2907"/>
-              <dgm:constr type="r" for="ch" forName="Child3" refType="w" fact="0.4927"/>
-              <dgm:constr type="t" for="ch" forName="Child3" refType="h" fact="0.5303"/>
-              <dgm:constr type="w" for="ch" forName="Child3" refType="w" fact="0.4927"/>
-              <dgm:constr type="h" for="ch" forName="Child3" refType="h" fact="0.2907"/>
-              <dgm:constr type="r" for="ch" forName="Child1" refType="w" fact="0.9446"/>
-              <dgm:constr type="t" for="ch" forName="Child1" refType="h" fact="0"/>
-              <dgm:constr type="w" for="ch" forName="Child1" refType="w" fact="0.4927"/>
-              <dgm:constr type="h" for="ch" forName="Child1" refType="h" fact="0.2907"/>
-            </dgm:constrLst>
-          </dgm:if>
-          <dgm:if name="Name18" axis="ch ch" ptType="node node" st="1 1" cnt="1 0" func="cnt" op="equ" val="5">
-            <dgm:alg type="composite">
-              <dgm:param type="ar" val="0.9538"/>
-            </dgm:alg>
-            <dgm:constrLst>
-              <dgm:constr type="primFontSz" for="des" forName="Parent" val="65"/>
-              <dgm:constr type="primFontSz" for="des" forName="Child1" val="65"/>
-              <dgm:constr type="primFontSz" for="des" forName="Child1" refType="primFontSz" refFor="des" refForName="Parent" op="lte"/>
-              <dgm:constr type="primFontSz" for="des" forName="Child2" refType="primFontSz" refFor="des" refForName="Parent" op="lte"/>
-              <dgm:constr type="primFontSz" for="des" forName="Child3" refType="primFontSz" refFor="des" refForName="Parent" op="lte"/>
-              <dgm:constr type="primFontSz" for="des" forName="Child4" refType="primFontSz" refFor="des" refForName="Parent" op="lte"/>
-              <dgm:constr type="primFontSz" for="des" forName="Child5" refType="primFontSz" refFor="des" refForName="Parent" op="lte"/>
-              <dgm:constr type="primFontSz" for="des" forName="Child2" refType="primFontSz" refFor="des" refForName="Child1" op="equ"/>
-              <dgm:constr type="primFontSz" for="des" forName="Child3" refType="primFontSz" refFor="des" refForName="Child1" op="equ"/>
-              <dgm:constr type="primFontSz" for="des" forName="Child4" refType="primFontSz" refFor="des" refForName="Child1" op="equ"/>
-              <dgm:constr type="primFontSz" for="des" forName="Child5" refType="primFontSz" refFor="des" refForName="Child1" op="equ"/>
-              <dgm:constr type="r" for="ch" forName="Accent5" refType="w" fact="0.7142"/>
-              <dgm:constr type="t" for="ch" forName="Accent5" refType="h" fact="0.7126"/>
-              <dgm:constr type="w" for="ch" forName="Accent5" refType="w" fact="0.1622"/>
-              <dgm:constr type="h" for="ch" forName="Accent5" refType="h" fact="0.1333"/>
-              <dgm:constr type="r" for="ch" forName="Accent4" refType="w" fact="0.388"/>
-              <dgm:constr type="t" for="ch" forName="Accent4" refType="h" fact="0.6834"/>
-              <dgm:constr type="w" for="ch" forName="Accent4" refType="w" fact="0.1622"/>
-              <dgm:constr type="h" for="ch" forName="Accent4" refType="h" fact="0.1333"/>
-              <dgm:constr type="r" for="ch" forName="Accent3" refType="w" fact="0.2565"/>
-              <dgm:constr type="t" for="ch" forName="Accent3" refType="h" fact="0.4021"/>
-              <dgm:constr type="w" for="ch" forName="Accent3" refType="w" fact="0.1622"/>
-              <dgm:constr type="h" for="ch" forName="Accent3" refType="h" fact="0.1333"/>
-              <dgm:constr type="r" for="ch" forName="Accent2" refType="w" fact="0.4458"/>
-              <dgm:constr type="t" for="ch" forName="Accent2" refType="h" fact="0.1529"/>
-              <dgm:constr type="w" for="ch" forName="Accent2" refType="w" fact="0.1622"/>
-              <dgm:constr type="h" for="ch" forName="Accent2" refType="h" fact="0.1333"/>
-              <dgm:constr type="r" for="ch" forName="Accent1" refType="w" fact="0"/>
-              <dgm:constr type="t" for="ch" forName="Accent1" refType="h" fact="0"/>
-              <dgm:constr type="w" for="ch" forName="Accent1" refType="w" fact="0"/>
-              <dgm:constr type="h" for="ch" forName="Accent1" refType="h" fact="0"/>
-              <dgm:constr type="r" for="ch" forName="Child4" refType="w" fact="0.6754"/>
-              <dgm:constr type="t" for="ch" forName="Child4" refType="h" fact="0.7093"/>
-              <dgm:constr type="w" for="ch" forName="Child4" refType="w" fact="0.3523"/>
-              <dgm:constr type="h" for="ch" forName="Child4" refType="h" fact="0.2907"/>
-              <dgm:constr type="r" for="ch" forName="Parent" refType="w" fact="0.715"/>
-              <dgm:constr type="t" for="ch" forName="Parent" refType="h" fact="0.3226"/>
-              <dgm:constr type="w" for="ch" forName="Parent" refType="w" fact="0.4299"/>
-              <dgm:constr type="h" for="ch" forName="Parent" refType="h" fact="0.3547"/>
-              <dgm:constr type="r" for="ch" forName="Child2" refType="w" fact="0.3523"/>
-              <dgm:constr type="t" for="ch" forName="Child2" refType="h" fact="0.1788"/>
-              <dgm:constr type="w" for="ch" forName="Child2" refType="w" fact="0.3523"/>
-              <dgm:constr type="h" for="ch" forName="Child2" refType="h" fact="0.2907"/>
-              <dgm:constr type="r" for="ch" forName="Child3" refType="w" fact="0.3523"/>
-              <dgm:constr type="t" for="ch" forName="Child3" refType="h" fact="0.5303"/>
-              <dgm:constr type="w" for="ch" forName="Child3" refType="w" fact="0.3523"/>
-              <dgm:constr type="h" for="ch" forName="Child3" refType="h" fact="0.2907"/>
-              <dgm:constr type="r" for="ch" forName="Child5" refType="w"/>
-              <dgm:constr type="t" for="ch" forName="Child5" refType="h" fact="0.5305"/>
-              <dgm:constr type="w" for="ch" forName="Child5" refType="w" fact="0.3523"/>
-              <dgm:constr type="h" for="ch" forName="Child5" refType="h" fact="0.2907"/>
-              <dgm:constr type="r" for="ch" forName="Child1" refType="w" fact="0.6754"/>
-              <dgm:constr type="t" for="ch" forName="Child1" refType="h" fact="0"/>
-              <dgm:constr type="w" for="ch" forName="Child1" refType="w" fact="0.3523"/>
-              <dgm:constr type="h" for="ch" forName="Child1" refType="h" fact="0.2907"/>
-            </dgm:constrLst>
-          </dgm:if>
-          <dgm:else name="Name19">
-            <dgm:alg type="composite">
-              <dgm:param type="ar" val="0.9538"/>
-            </dgm:alg>
-            <dgm:constrLst>
-              <dgm:constr type="primFontSz" for="des" forName="Parent" val="65"/>
-              <dgm:constr type="primFontSz" for="des" forName="Child1" val="65"/>
-              <dgm:constr type="primFontSz" for="des" forName="Child1" refType="primFontSz" refFor="des" refForName="Parent" op="lte"/>
-              <dgm:constr type="primFontSz" for="des" forName="Child2" refType="primFontSz" refFor="des" refForName="Parent" op="lte"/>
-              <dgm:constr type="primFontSz" for="des" forName="Child3" refType="primFontSz" refFor="des" refForName="Parent" op="lte"/>
-              <dgm:constr type="primFontSz" for="des" forName="Child4" refType="primFontSz" refFor="des" refForName="Parent" op="lte"/>
-              <dgm:constr type="primFontSz" for="des" forName="Child5" refType="primFontSz" refFor="des" refForName="Parent" op="lte"/>
-              <dgm:constr type="primFontSz" for="des" forName="Child6" refType="primFontSz" refFor="des" refForName="Parent" op="lte"/>
-              <dgm:constr type="primFontSz" for="des" forName="Child7" refType="primFontSz" refFor="des" refForName="Parent" op="lte"/>
-              <dgm:constr type="primFontSz" for="des" forName="Child2" refType="primFontSz" refFor="des" refForName="Child1" op="equ"/>
-              <dgm:constr type="primFontSz" for="des" forName="Child3" refType="primFontSz" refFor="des" refForName="Child1" op="equ"/>
-              <dgm:constr type="primFontSz" for="des" forName="Child4" refType="primFontSz" refFor="des" refForName="Child1" op="equ"/>
-              <dgm:constr type="primFontSz" for="des" forName="Child5" refType="primFontSz" refFor="des" refForName="Child1" op="equ"/>
-              <dgm:constr type="primFontSz" for="des" forName="Child6" refType="primFontSz" refFor="des" refForName="Child1" op="equ"/>
-              <dgm:constr type="primFontSz" for="des" forName="Child7" refType="primFontSz" refFor="des" refForName="Child1" op="equ"/>
-              <dgm:constr type="primFontSz" for="des" ptType="node" op="equ" val="65"/>
-              <dgm:constr type="r" for="ch" forName="Accent6" refType="w" fact="0.9066"/>
-              <dgm:constr type="t" for="ch" forName="Accent6" refType="h" fact="0.4635"/>
-              <dgm:constr type="w" for="ch" forName="Accent6" refType="w" fact="0.1622"/>
-              <dgm:constr type="h" for="ch" forName="Accent6" refType="h" fact="0.1333"/>
-              <dgm:constr type="r" for="ch" forName="Accent5" refType="w" fact="0.7142"/>
-              <dgm:constr type="t" for="ch" forName="Accent5" refType="h" fact="0.7126"/>
-              <dgm:constr type="w" for="ch" forName="Accent5" refType="w" fact="0.1622"/>
-              <dgm:constr type="h" for="ch" forName="Accent5" refType="h" fact="0.1333"/>
-              <dgm:constr type="r" for="ch" forName="Accent4" refType="w" fact="0.388"/>
-              <dgm:constr type="t" for="ch" forName="Accent4" refType="h" fact="0.6834"/>
-              <dgm:constr type="w" for="ch" forName="Accent4" refType="w" fact="0.1622"/>
-              <dgm:constr type="h" for="ch" forName="Accent4" refType="h" fact="0.1333"/>
-              <dgm:constr type="r" for="ch" forName="Accent3" refType="w" fact="0.2565"/>
-              <dgm:constr type="t" for="ch" forName="Accent3" refType="h" fact="0.4021"/>
-              <dgm:constr type="w" for="ch" forName="Accent3" refType="w" fact="0.1622"/>
-              <dgm:constr type="h" for="ch" forName="Accent3" refType="h" fact="0.1333"/>
-              <dgm:constr type="r" for="ch" forName="Accent2" refType="w" fact="0.4458"/>
-              <dgm:constr type="t" for="ch" forName="Accent2" refType="h" fact="0.1529"/>
-              <dgm:constr type="w" for="ch" forName="Accent2" refType="w" fact="0.1622"/>
-              <dgm:constr type="h" for="ch" forName="Accent2" refType="h" fact="0.1333"/>
-              <dgm:constr type="r" for="ch" forName="Accent1" refType="w" fact="0"/>
-              <dgm:constr type="t" for="ch" forName="Accent1" refType="h" fact="0"/>
-              <dgm:constr type="w" for="ch" forName="Accent1" refType="w" fact="0"/>
-              <dgm:constr type="h" for="ch" forName="Accent1" refType="h" fact="0"/>
-              <dgm:constr type="r" for="ch" forName="Child4" refType="w" fact="0.6754"/>
-              <dgm:constr type="t" for="ch" forName="Child4" refType="h" fact="0.7093"/>
-              <dgm:constr type="w" for="ch" forName="Child4" refType="w" fact="0.3523"/>
-              <dgm:constr type="h" for="ch" forName="Child4" refType="h" fact="0.2907"/>
-              <dgm:constr type="r" for="ch" forName="Parent" refType="w" fact="0.715"/>
-              <dgm:constr type="t" for="ch" forName="Parent" refType="h" fact="0.3226"/>
-              <dgm:constr type="w" for="ch" forName="Parent" refType="w" fact="0.4299"/>
-              <dgm:constr type="h" for="ch" forName="Parent" refType="h" fact="0.3547"/>
-              <dgm:constr type="r" for="ch" forName="Child2" refType="w" fact="0.3523"/>
-              <dgm:constr type="t" for="ch" forName="Child2" refType="h" fact="0.1788"/>
-              <dgm:constr type="w" for="ch" forName="Child2" refType="w" fact="0.3523"/>
-              <dgm:constr type="h" for="ch" forName="Child2" refType="h" fact="0.2907"/>
-              <dgm:constr type="r" for="ch" forName="Child3" refType="w" fact="0.3523"/>
-              <dgm:constr type="t" for="ch" forName="Child3" refType="h" fact="0.5303"/>
-              <dgm:constr type="w" for="ch" forName="Child3" refType="w" fact="0.3523"/>
-              <dgm:constr type="h" for="ch" forName="Child3" refType="h" fact="0.2907"/>
-              <dgm:constr type="r" for="ch" forName="Child5" refType="w"/>
-              <dgm:constr type="t" for="ch" forName="Child5" refType="h" fact="0.5305"/>
-              <dgm:constr type="w" for="ch" forName="Child5" refType="w" fact="0.3523"/>
-              <dgm:constr type="h" for="ch" forName="Child5" refType="h" fact="0.2907"/>
-              <dgm:constr type="r" for="ch" forName="Child6" refType="w"/>
-              <dgm:constr type="t" for="ch" forName="Child6" refType="h" fact="0.1784"/>
-              <dgm:constr type="w" for="ch" forName="Child6" refType="w" fact="0.3523"/>
-              <dgm:constr type="h" for="ch" forName="Child6" refType="h" fact="0.2907"/>
-              <dgm:constr type="r" for="ch" forName="Child1" refType="w" fact="0.6754"/>
-              <dgm:constr type="t" for="ch" forName="Child1" refType="h" fact="0"/>
-              <dgm:constr type="w" for="ch" forName="Child1" refType="w" fact="0.3523"/>
-              <dgm:constr type="h" for="ch" forName="Child1" refType="h" fact="0.2907"/>
-            </dgm:constrLst>
-          </dgm:else>
-        </dgm:choose>
-      </dgm:else>
-    </dgm:choose>
-    <dgm:forEach name="wrapper" axis="self" ptType="parTrans">
-      <dgm:forEach name="accentRepeat" axis="self">
-        <dgm:layoutNode name="Accent" styleLbl="bgShp">
-          <dgm:alg type="sp"/>
-          <dgm:shape xmlns:r="http://schemas.openxmlformats.org/officeDocument/2006/relationships" type="hexagon" r:blip="" zOrderOff="-2">
-            <dgm:adjLst>
-              <dgm:adj idx="1" val="0.289"/>
-              <dgm:adj idx="2" val="1.1547"/>
-            </dgm:adjLst>
-          </dgm:shape>
-          <dgm:presOf/>
-        </dgm:layoutNode>
-      </dgm:forEach>
-    </dgm:forEach>
-    <dgm:forEach name="Name20" axis="ch" ptType="node" cnt="1">
-      <dgm:layoutNode name="Parent" styleLbl="node0">
-        <dgm:varLst>
-          <dgm:chMax val="6"/>
-          <dgm:chPref val="6"/>
-        </dgm:varLst>
-        <dgm:alg type="tx"/>
-        <dgm:shape xmlns:r="http://schemas.openxmlformats.org/officeDocument/2006/relationships" type="hexagon" r:blip="">
-          <dgm:adjLst>
-            <dgm:adj idx="1" val="0.2857"/>
-            <dgm:adj idx="2" val="1.1547"/>
-          </dgm:adjLst>
-        </dgm:shape>
-        <dgm:presOf axis="self"/>
-        <dgm:constrLst>
-          <dgm:constr type="lMarg" refType="primFontSz" fact="0.1"/>
-          <dgm:constr type="rMarg" refType="primFontSz" fact="0.1"/>
-          <dgm:constr type="tMarg" refType="primFontSz" fact="0.1"/>
-          <dgm:constr type="bMarg" refType="primFontSz" fact="0.1"/>
-        </dgm:constrLst>
-        <dgm:ruleLst>
-          <dgm:rule type="primFontSz" val="5" fact="NaN" max="NaN"/>
-        </dgm:ruleLst>
-      </dgm:layoutNode>
-    </dgm:forEach>
-    <dgm:forEach name="Name21" axis="ch ch" ptType="node node" st="1 1" cnt="1 1">
-      <dgm:layoutNode name="Accent1">
-        <dgm:alg type="sp"/>
-        <dgm:shape xmlns:r="http://schemas.openxmlformats.org/officeDocument/2006/relationships" r:blip="" zOrderOff="-2">
-          <dgm:adjLst/>
-        </dgm:shape>
-        <dgm:presOf/>
-        <dgm:constrLst/>
-        <dgm:forEach name="Name22" ref="accentRepeat"/>
-      </dgm:layoutNode>
-      <dgm:layoutNode name="Child1" styleLbl="node1">
-        <dgm:varLst>
-          <dgm:chMax val="0"/>
-          <dgm:chPref val="0"/>
-          <dgm:bulletEnabled val="1"/>
-        </dgm:varLst>
-        <dgm:alg type="tx">
-          <dgm:param type="shpTxLTRAlignCh" val="ctr"/>
-          <dgm:param type="txAnchorVertCh" val="mid"/>
-        </dgm:alg>
-        <dgm:shape xmlns:r="http://schemas.openxmlformats.org/officeDocument/2006/relationships" type="hexagon" r:blip="">
-          <dgm:adjLst>
-            <dgm:adj idx="1" val="0.2857"/>
-            <dgm:adj idx="2" val="1.1547"/>
-          </dgm:adjLst>
-        </dgm:shape>
-        <dgm:presOf axis="desOrSelf" ptType="node"/>
-        <dgm:constrLst>
-          <dgm:constr type="lMarg" refType="primFontSz" fact="0.1"/>
-          <dgm:constr type="rMarg" refType="primFontSz" fact="0.1"/>
-          <dgm:constr type="tMarg" refType="primFontSz" fact="0.1"/>
-          <dgm:constr type="bMarg" refType="primFontSz" fact="0.1"/>
-        </dgm:constrLst>
-        <dgm:ruleLst>
-          <dgm:rule type="primFontSz" val="5" fact="NaN" max="NaN"/>
-        </dgm:ruleLst>
-      </dgm:layoutNode>
-    </dgm:forEach>
-    <dgm:forEach name="Name23" axis="ch ch" ptType="node node" st="1 2" cnt="1 1">
-      <dgm:layoutNode name="Accent2">
-        <dgm:alg type="sp"/>
-        <dgm:shape xmlns:r="http://schemas.openxmlformats.org/officeDocument/2006/relationships" r:blip="" zOrderOff="-2">
-          <dgm:adjLst/>
-        </dgm:shape>
-        <dgm:presOf/>
-        <dgm:constrLst/>
-        <dgm:forEach name="Name24" ref="accentRepeat"/>
-      </dgm:layoutNode>
-      <dgm:layoutNode name="Child2" styleLbl="node1">
-        <dgm:varLst>
-          <dgm:chMax val="0"/>
-          <dgm:chPref val="0"/>
-          <dgm:bulletEnabled val="1"/>
-        </dgm:varLst>
-        <dgm:alg type="tx">
-          <dgm:param type="shpTxLTRAlignCh" val="ctr"/>
-          <dgm:param type="txAnchorVertCh" val="mid"/>
-        </dgm:alg>
-        <dgm:shape xmlns:r="http://schemas.openxmlformats.org/officeDocument/2006/relationships" type="hexagon" r:blip="">
-          <dgm:adjLst>
-            <dgm:adj idx="1" val="0.2857"/>
-            <dgm:adj idx="2" val="1.1547"/>
-          </dgm:adjLst>
-        </dgm:shape>
-        <dgm:presOf axis="desOrSelf" ptType="node"/>
-        <dgm:constrLst>
-          <dgm:constr type="lMarg" refType="primFontSz" fact="0.1"/>
-          <dgm:constr type="rMarg" refType="primFontSz" fact="0.1"/>
-          <dgm:constr type="tMarg" refType="primFontSz" fact="0.1"/>
-          <dgm:constr type="bMarg" refType="primFontSz" fact="0.1"/>
-        </dgm:constrLst>
-        <dgm:ruleLst>
-          <dgm:rule type="primFontSz" val="5" fact="NaN" max="NaN"/>
-        </dgm:ruleLst>
-      </dgm:layoutNode>
-    </dgm:forEach>
-    <dgm:forEach name="Name25" axis="ch ch" ptType="node node" st="1 3" cnt="1 1">
-      <dgm:layoutNode name="Accent3">
-        <dgm:alg type="sp"/>
-        <dgm:shape xmlns:r="http://schemas.openxmlformats.org/officeDocument/2006/relationships" r:blip="" zOrderOff="-2">
-          <dgm:adjLst/>
-        </dgm:shape>
-        <dgm:presOf/>
-        <dgm:constrLst/>
-        <dgm:forEach name="Name26" ref="accentRepeat"/>
-      </dgm:layoutNode>
-      <dgm:layoutNode name="Child3" styleLbl="node1">
-        <dgm:varLst>
-          <dgm:chMax val="0"/>
-          <dgm:chPref val="0"/>
-          <dgm:bulletEnabled val="1"/>
-        </dgm:varLst>
-        <dgm:alg type="tx">
-          <dgm:param type="shpTxLTRAlignCh" val="ctr"/>
-          <dgm:param type="txAnchorVertCh" val="mid"/>
-        </dgm:alg>
-        <dgm:shape xmlns:r="http://schemas.openxmlformats.org/officeDocument/2006/relationships" type="hexagon" r:blip="">
-          <dgm:adjLst>
-            <dgm:adj idx="1" val="0.2857"/>
-            <dgm:adj idx="2" val="1.1547"/>
-          </dgm:adjLst>
-        </dgm:shape>
-        <dgm:presOf axis="desOrSelf" ptType="node"/>
-        <dgm:constrLst>
-          <dgm:constr type="lMarg" refType="primFontSz" fact="0.1"/>
-          <dgm:constr type="rMarg" refType="primFontSz" fact="0.1"/>
-          <dgm:constr type="tMarg" refType="primFontSz" fact="0.1"/>
-          <dgm:constr type="bMarg" refType="primFontSz" fact="0.1"/>
-        </dgm:constrLst>
-        <dgm:ruleLst>
-          <dgm:rule type="primFontSz" val="5" fact="NaN" max="NaN"/>
-        </dgm:ruleLst>
-      </dgm:layoutNode>
-    </dgm:forEach>
-    <dgm:forEach name="Name27" axis="ch ch" ptType="node node" st="1 4" cnt="1 1">
-      <dgm:layoutNode name="Accent4">
-        <dgm:alg type="sp"/>
         <dgm:shape xmlns:r="http://schemas.openxmlformats.org/officeDocument/2006/relationships" r:blip="">
           <dgm:adjLst/>
         </dgm:shape>
         <dgm:presOf/>
-        <dgm:constrLst/>
-        <dgm:forEach name="Name28" ref="accentRepeat"/>
+        <dgm:choose name="Name5">
+          <dgm:if name="Name6" func="var" arg="dir" op="equ" val="norm">
+            <dgm:constrLst>
+              <dgm:constr type="w" for="ch" forName="parentShp" refType="w" fact="0.4"/>
+              <dgm:constr type="h" for="ch" forName="parentShp" refType="h"/>
+              <dgm:constr type="w" for="ch" forName="childShp" refType="w" fact="0.6"/>
+              <dgm:constr type="h" for="ch" forName="childShp" refType="h" refFor="ch" refForName="parentShp"/>
+            </dgm:constrLst>
+          </dgm:if>
+          <dgm:else name="Name7">
+            <dgm:constrLst>
+              <dgm:constr type="w" for="ch" forName="parentShp" refType="w" fact="0.4"/>
+              <dgm:constr type="h" for="ch" forName="parentShp" refType="h"/>
+              <dgm:constr type="w" for="ch" forName="childShp" refType="w" fact="0.6"/>
+              <dgm:constr type="h" for="ch" forName="childShp" refType="h" refFor="ch" refForName="parentShp"/>
+            </dgm:constrLst>
+          </dgm:else>
+        </dgm:choose>
+        <dgm:ruleLst/>
+        <dgm:layoutNode name="parentShp" styleLbl="node1">
+          <dgm:varLst>
+            <dgm:bulletEnabled val="1"/>
+          </dgm:varLst>
+          <dgm:alg type="tx"/>
+          <dgm:shape xmlns:r="http://schemas.openxmlformats.org/officeDocument/2006/relationships" type="roundRect" r:blip="">
+            <dgm:adjLst/>
+          </dgm:shape>
+          <dgm:presOf axis="self" ptType="node"/>
+          <dgm:constrLst>
+            <dgm:constr type="tMarg" refType="primFontSz" fact="0.15"/>
+            <dgm:constr type="bMarg" refType="primFontSz" fact="0.15"/>
+            <dgm:constr type="lMarg" refType="primFontSz" fact="0.3"/>
+            <dgm:constr type="rMarg" refType="primFontSz" fact="0.3"/>
+          </dgm:constrLst>
+          <dgm:ruleLst>
+            <dgm:rule type="primFontSz" val="5" fact="NaN" max="NaN"/>
+          </dgm:ruleLst>
+        </dgm:layoutNode>
+        <dgm:layoutNode name="childShp" styleLbl="bgAccFollowNode1">
+          <dgm:varLst>
+            <dgm:bulletEnabled val="1"/>
+          </dgm:varLst>
+          <dgm:alg type="tx">
+            <dgm:param type="stBulletLvl" val="1"/>
+          </dgm:alg>
+          <dgm:choose name="Name8">
+            <dgm:if name="Name9" func="var" arg="dir" op="equ" val="norm">
+              <dgm:shape xmlns:r="http://schemas.openxmlformats.org/officeDocument/2006/relationships" type="rightArrow" r:blip="" zOrderOff="-2">
+                <dgm:adjLst>
+                  <dgm:adj idx="1" val="0.75"/>
+                </dgm:adjLst>
+              </dgm:shape>
+            </dgm:if>
+            <dgm:else name="Name10">
+              <dgm:shape xmlns:r="http://schemas.openxmlformats.org/officeDocument/2006/relationships" rot="180" type="rightArrow" r:blip="" zOrderOff="-2">
+                <dgm:adjLst>
+                  <dgm:adj idx="1" val="0.75"/>
+                </dgm:adjLst>
+              </dgm:shape>
+            </dgm:else>
+          </dgm:choose>
+          <dgm:presOf axis="des" ptType="node"/>
+          <dgm:constrLst>
+            <dgm:constr type="secFontSz" refType="primFontSz"/>
+            <dgm:constr type="tMarg" refType="primFontSz" fact="0.05"/>
+            <dgm:constr type="bMarg" refType="primFontSz" fact="0.05"/>
+            <dgm:constr type="lMarg" refType="primFontSz" fact="0.05"/>
+            <dgm:constr type="rMarg" refType="primFontSz" fact="0.05"/>
+          </dgm:constrLst>
+          <dgm:ruleLst>
+            <dgm:rule type="primFontSz" val="5" fact="NaN" max="NaN"/>
+          </dgm:ruleLst>
+        </dgm:layoutNode>
       </dgm:layoutNode>
-      <dgm:layoutNode name="Child4" styleLbl="node1">
-        <dgm:varLst>
-          <dgm:chMax val="0"/>
-          <dgm:chPref val="0"/>
-          <dgm:bulletEnabled val="1"/>
-        </dgm:varLst>
-        <dgm:alg type="tx">
-          <dgm:param type="shpTxLTRAlignCh" val="ctr"/>
-          <dgm:param type="txAnchorVertCh" val="mid"/>
-        </dgm:alg>
-        <dgm:shape xmlns:r="http://schemas.openxmlformats.org/officeDocument/2006/relationships" type="hexagon" r:blip="">
-          <dgm:adjLst>
-            <dgm:adj idx="1" val="0.2857"/>
-            <dgm:adj idx="2" val="1.1547"/>
-          </dgm:adjLst>
-        </dgm:shape>
-        <dgm:presOf axis="desOrSelf" ptType="node"/>
-        <dgm:constrLst>
-          <dgm:constr type="lMarg" refType="primFontSz" fact="0.1"/>
-          <dgm:constr type="rMarg" refType="primFontSz" fact="0.1"/>
-          <dgm:constr type="tMarg" refType="primFontSz" fact="0.1"/>
-          <dgm:constr type="bMarg" refType="primFontSz" fact="0.1"/>
-        </dgm:constrLst>
-        <dgm:ruleLst>
-          <dgm:rule type="primFontSz" val="5" fact="NaN" max="NaN"/>
-        </dgm:ruleLst>
-      </dgm:layoutNode>
-    </dgm:forEach>
-    <dgm:forEach name="Name29" axis="ch ch" ptType="node node" st="1 5" cnt="1 1">
-      <dgm:layoutNode name="Accent5">
-        <dgm:alg type="sp"/>
-        <dgm:shape xmlns:r="http://schemas.openxmlformats.org/officeDocument/2006/relationships" r:blip="">
-          <dgm:adjLst/>
-        </dgm:shape>
-        <dgm:presOf/>
-        <dgm:constrLst/>
-        <dgm:forEach name="Name30" ref="accentRepeat"/>
-      </dgm:layoutNode>
-      <dgm:layoutNode name="Child5" styleLbl="node1">
-        <dgm:varLst>
-          <dgm:chMax val="0"/>
-          <dgm:chPref val="0"/>
-          <dgm:bulletEnabled val="1"/>
-        </dgm:varLst>
-        <dgm:alg type="tx">
-          <dgm:param type="shpTxLTRAlignCh" val="ctr"/>
-          <dgm:param type="txAnchorVertCh" val="mid"/>
-        </dgm:alg>
-        <dgm:shape xmlns:r="http://schemas.openxmlformats.org/officeDocument/2006/relationships" type="hexagon" r:blip="">
-          <dgm:adjLst>
-            <dgm:adj idx="1" val="0.2857"/>
-            <dgm:adj idx="2" val="1.1547"/>
-          </dgm:adjLst>
-        </dgm:shape>
-        <dgm:presOf axis="desOrSelf" ptType="node"/>
-        <dgm:constrLst>
-          <dgm:constr type="lMarg" refType="primFontSz" fact="0.1"/>
-          <dgm:constr type="rMarg" refType="primFontSz" fact="0.1"/>
-          <dgm:constr type="tMarg" refType="primFontSz" fact="0.1"/>
-          <dgm:constr type="bMarg" refType="primFontSz" fact="0.1"/>
-        </dgm:constrLst>
-        <dgm:ruleLst>
-          <dgm:rule type="primFontSz" val="5" fact="NaN" max="NaN"/>
-        </dgm:ruleLst>
-      </dgm:layoutNode>
-    </dgm:forEach>
-    <dgm:forEach name="Name31" axis="ch ch" ptType="node node" st="1 6" cnt="1 1">
-      <dgm:layoutNode name="Accent6">
-        <dgm:alg type="sp"/>
-        <dgm:shape xmlns:r="http://schemas.openxmlformats.org/officeDocument/2006/relationships" r:blip="">
-          <dgm:adjLst/>
-        </dgm:shape>
-        <dgm:presOf/>
-        <dgm:constrLst/>
-        <dgm:forEach name="Name32" ref="accentRepeat"/>
-      </dgm:layoutNode>
-      <dgm:layoutNode name="Child6" styleLbl="node1">
-        <dgm:varLst>
-          <dgm:chMax val="0"/>
-          <dgm:chPref val="0"/>
-          <dgm:bulletEnabled val="1"/>
-        </dgm:varLst>
-        <dgm:alg type="tx">
-          <dgm:param type="shpTxLTRAlignCh" val="ctr"/>
-          <dgm:param type="txAnchorVertCh" val="mid"/>
-        </dgm:alg>
-        <dgm:shape xmlns:r="http://schemas.openxmlformats.org/officeDocument/2006/relationships" type="hexagon" r:blip="">
-          <dgm:adjLst>
-            <dgm:adj idx="1" val="0.2857"/>
-            <dgm:adj idx="2" val="1.1547"/>
-          </dgm:adjLst>
-        </dgm:shape>
-        <dgm:presOf axis="desOrSelf" ptType="node"/>
-        <dgm:constrLst>
-          <dgm:constr type="lMarg" refType="primFontSz" fact="0.1"/>
-          <dgm:constr type="rMarg" refType="primFontSz" fact="0.1"/>
-          <dgm:constr type="tMarg" refType="primFontSz" fact="0.1"/>
-          <dgm:constr type="bMarg" refType="primFontSz" fact="0.1"/>
-        </dgm:constrLst>
-        <dgm:ruleLst>
-          <dgm:rule type="primFontSz" val="5" fact="NaN" max="NaN"/>
-        </dgm:ruleLst>
-      </dgm:layoutNode>
+      <dgm:forEach name="Name11" axis="followSib" ptType="sibTrans" cnt="1">
+        <dgm:layoutNode name="spacing">
+          <dgm:alg type="sp"/>
+          <dgm:shape xmlns:r="http://schemas.openxmlformats.org/officeDocument/2006/relationships" r:blip="">
+            <dgm:adjLst/>
+          </dgm:shape>
+          <dgm:presOf/>
+          <dgm:constrLst/>
+          <dgm:ruleLst/>
+        </dgm:layoutNode>
+      </dgm:forEach>
     </dgm:forEach>
   </dgm:layoutNode>
 </dgm:layoutDef>
 </file>
 
 <file path=ppt/diagrams/quickStyle1.xml><?xml version="1.0" encoding="utf-8"?>
+<dgm:styleDef xmlns:dgm="http://schemas.openxmlformats.org/drawingml/2006/diagram" xmlns:a="http://schemas.openxmlformats.org/drawingml/2006/main" uniqueId="urn:microsoft.com/office/officeart/2005/8/quickstyle/simple1">
+  <dgm:title val=""/>
+  <dgm:desc val=""/>
+  <dgm:catLst>
+    <dgm:cat type="simple" pri="10100"/>
+  </dgm:catLst>
+  <dgm:scene3d>
+    <a:camera prst="orthographicFront"/>
+    <a:lightRig rig="threePt" dir="t"/>
+  </dgm:scene3d>
+  <dgm:styleLbl name="node0">
+    <dgm:scene3d>
+      <a:camera prst="orthographicFront"/>
+      <a:lightRig rig="threePt" dir="t"/>
+    </dgm:scene3d>
+    <dgm:sp3d/>
+    <dgm:txPr/>
+    <dgm:style>
+      <a:lnRef idx="2">
+        <a:scrgbClr r="0" g="0" b="0"/>
+      </a:lnRef>
+      <a:fillRef idx="1">
+        <a:scrgbClr r="0" g="0" b="0"/>
+      </a:fillRef>
+      <a:effectRef idx="0">
+        <a:scrgbClr r="0" g="0" b="0"/>
+      </a:effectRef>
+      <a:fontRef idx="minor">
+        <a:schemeClr val="lt1"/>
+      </a:fontRef>
+    </dgm:style>
+  </dgm:styleLbl>
+  <dgm:styleLbl name="lnNode1">
+    <dgm:scene3d>
+      <a:camera prst="orthographicFront"/>
+      <a:lightRig rig="threePt" dir="t"/>
+    </dgm:scene3d>
+    <dgm:sp3d/>
+    <dgm:txPr/>
+    <dgm:style>
+      <a:lnRef idx="2">
+        <a:scrgbClr r="0" g="0" b="0"/>
+      </a:lnRef>
+      <a:fillRef idx="1">
+        <a:scrgbClr r="0" g="0" b="0"/>
+      </a:fillRef>
+      <a:effectRef idx="0">
+        <a:scrgbClr r="0" g="0" b="0"/>
+      </a:effectRef>
+      <a:fontRef idx="minor">
+        <a:schemeClr val="lt1"/>
+      </a:fontRef>
+    </dgm:style>
+  </dgm:styleLbl>
+  <dgm:styleLbl name="vennNode1">
+    <dgm:scene3d>
+      <a:camera prst="orthographicFront"/>
+      <a:lightRig rig="threePt" dir="t"/>
+    </dgm:scene3d>
+    <dgm:sp3d/>
+    <dgm:txPr/>
+    <dgm:style>
+      <a:lnRef idx="2">
+        <a:scrgbClr r="0" g="0" b="0"/>
+      </a:lnRef>
+      <a:fillRef idx="1">
+        <a:scrgbClr r="0" g="0" b="0"/>
+      </a:fillRef>
+      <a:effectRef idx="0">
+        <a:scrgbClr r="0" g="0" b="0"/>
+      </a:effectRef>
+      <a:fontRef idx="minor">
+        <a:schemeClr val="tx1"/>
+      </a:fontRef>
+    </dgm:style>
+  </dgm:styleLbl>
+  <dgm:styleLbl name="alignNode1">
+    <dgm:scene3d>
+      <a:camera prst="orthographicFront"/>
+      <a:lightRig rig="threePt" dir="t"/>
+    </dgm:scene3d>
+    <dgm:sp3d/>
+    <dgm:txPr/>
+    <dgm:style>
+      <a:lnRef idx="2">
+        <a:scrgbClr r="0" g="0" b="0"/>
+      </a:lnRef>
+      <a:fillRef idx="1">
+        <a:scrgbClr r="0" g="0" b="0"/>
+      </a:fillRef>
+      <a:effectRef idx="0">
+        <a:scrgbClr r="0" g="0" b="0"/>
+      </a:effectRef>
+      <a:fontRef idx="minor">
+        <a:schemeClr val="lt1"/>
+      </a:fontRef>
+    </dgm:style>
+  </dgm:styleLbl>
+  <dgm:styleLbl name="node1">
+    <dgm:scene3d>
+      <a:camera prst="orthographicFront"/>
+      <a:lightRig rig="threePt" dir="t"/>
+    </dgm:scene3d>
+    <dgm:sp3d/>
+    <dgm:txPr/>
+    <dgm:style>
+      <a:lnRef idx="2">
+        <a:scrgbClr r="0" g="0" b="0"/>
+      </a:lnRef>
+      <a:fillRef idx="1">
+        <a:scrgbClr r="0" g="0" b="0"/>
+      </a:fillRef>
+      <a:effectRef idx="0">
+        <a:scrgbClr r="0" g="0" b="0"/>
+      </a:effectRef>
+      <a:fontRef idx="minor">
+        <a:schemeClr val="lt1"/>
+      </a:fontRef>
+    </dgm:style>
+  </dgm:styleLbl>
+  <dgm:styleLbl name="node2">
+    <dgm:scene3d>
+      <a:camera prst="orthographicFront"/>
+      <a:lightRig rig="threePt" dir="t"/>
+    </dgm:scene3d>
+    <dgm:sp3d/>
+    <dgm:txPr/>
+    <dgm:style>
+      <a:lnRef idx="2">
+        <a:scrgbClr r="0" g="0" b="0"/>
+      </a:lnRef>
+      <a:fillRef idx="1">
+        <a:scrgbClr r="0" g="0" b="0"/>
+      </a:fillRef>
+      <a:effectRef idx="0">
+        <a:scrgbClr r="0" g="0" b="0"/>
+      </a:effectRef>
+      <a:fontRef idx="minor">
+        <a:schemeClr val="lt1"/>
+      </a:fontRef>
+    </dgm:style>
+  </dgm:styleLbl>
+  <dgm:styleLbl name="node3">
+    <dgm:scene3d>
+      <a:camera prst="orthographicFront"/>
+      <a:lightRig rig="threePt" dir="t"/>
+    </dgm:scene3d>
+    <dgm:sp3d/>
+    <dgm:txPr/>
+    <dgm:style>
+      <a:lnRef idx="2">
+        <a:scrgbClr r="0" g="0" b="0"/>
+      </a:lnRef>
+      <a:fillRef idx="1">
+        <a:scrgbClr r="0" g="0" b="0"/>
+      </a:fillRef>
+      <a:effectRef idx="0">
+        <a:scrgbClr r="0" g="0" b="0"/>
+      </a:effectRef>
+      <a:fontRef idx="minor">
+        <a:schemeClr val="lt1"/>
+      </a:fontRef>
+    </dgm:style>
+  </dgm:styleLbl>
+  <dgm:styleLbl name="node4">
+    <dgm:scene3d>
+      <a:camera prst="orthographicFront"/>
+      <a:lightRig rig="threePt" dir="t"/>
+    </dgm:scene3d>
+    <dgm:sp3d/>
+    <dgm:txPr/>
+    <dgm:style>
+      <a:lnRef idx="2">
+        <a:scrgbClr r="0" g="0" b="0"/>
+      </a:lnRef>
+      <a:fillRef idx="1">
+        <a:scrgbClr r="0" g="0" b="0"/>
+      </a:fillRef>
+      <a:effectRef idx="0">
+        <a:scrgbClr r="0" g="0" b="0"/>
+      </a:effectRef>
+      <a:fontRef idx="minor">
+        <a:schemeClr val="lt1"/>
+      </a:fontRef>
+    </dgm:style>
+  </dgm:styleLbl>
+  <dgm:styleLbl name="fgImgPlace1">
+    <dgm:scene3d>
+      <a:camera prst="orthographicFront"/>
+      <a:lightRig rig="threePt" dir="t"/>
+    </dgm:scene3d>
+    <dgm:sp3d/>
+    <dgm:txPr/>
+    <dgm:style>
+      <a:lnRef idx="2">
+        <a:scrgbClr r="0" g="0" b="0"/>
+      </a:lnRef>
+      <a:fillRef idx="1">
+        <a:scrgbClr r="0" g="0" b="0"/>
+      </a:fillRef>
+      <a:effectRef idx="0">
+        <a:scrgbClr r="0" g="0" b="0"/>
+      </a:effectRef>
+      <a:fontRef idx="minor"/>
+    </dgm:style>
+  </dgm:styleLbl>
+  <dgm:styleLbl name="alignImgPlace1">
+    <dgm:scene3d>
+      <a:camera prst="orthographicFront"/>
+      <a:lightRig rig="threePt" dir="t"/>
+    </dgm:scene3d>
+    <dgm:sp3d/>
+    <dgm:txPr/>
+    <dgm:style>
+      <a:lnRef idx="2">
+        <a:scrgbClr r="0" g="0" b="0"/>
+      </a:lnRef>
+      <a:fillRef idx="1">
+        <a:scrgbClr r="0" g="0" b="0"/>
+      </a:fillRef>
+      <a:effectRef idx="0">
+        <a:scrgbClr r="0" g="0" b="0"/>
+      </a:effectRef>
+      <a:fontRef idx="minor"/>
+    </dgm:style>
+  </dgm:styleLbl>
+  <dgm:styleLbl name="bgImgPlace1">
+    <dgm:scene3d>
+      <a:camera prst="orthographicFront"/>
+      <a:lightRig rig="threePt" dir="t"/>
+    </dgm:scene3d>
+    <dgm:sp3d/>
+    <dgm:txPr/>
+    <dgm:style>
+      <a:lnRef idx="2">
+        <a:scrgbClr r="0" g="0" b="0"/>
+      </a:lnRef>
+      <a:fillRef idx="1">
+        <a:scrgbClr r="0" g="0" b="0"/>
+      </a:fillRef>
+      <a:effectRef idx="0">
+        <a:scrgbClr r="0" g="0" b="0"/>
+      </a:effectRef>
+      <a:fontRef idx="minor"/>
+    </dgm:style>
+  </dgm:styleLbl>
+  <dgm:styleLbl name="sibTrans2D1">
+    <dgm:scene3d>
+      <a:camera prst="orthographicFront"/>
+      <a:lightRig rig="threePt" dir="t"/>
+    </dgm:scene3d>
+    <dgm:sp3d/>
+    <dgm:txPr/>
+    <dgm:style>
+      <a:lnRef idx="0">
+        <a:scrgbClr r="0" g="0" b="0"/>
+      </a:lnRef>
+      <a:fillRef idx="1">
+        <a:scrgbClr r="0" g="0" b="0"/>
+      </a:fillRef>
+      <a:effectRef idx="0">
+        <a:scrgbClr r="0" g="0" b="0"/>
+      </a:effectRef>
+      <a:fontRef idx="minor">
+        <a:schemeClr val="lt1"/>
+      </a:fontRef>
+    </dgm:style>
+  </dgm:styleLbl>
+  <dgm:styleLbl name="fgSibTrans2D1">
+    <dgm:scene3d>
+      <a:camera prst="orthographicFront"/>
+      <a:lightRig rig="threePt" dir="t"/>
+    </dgm:scene3d>
+    <dgm:sp3d/>
+    <dgm:txPr/>
+    <dgm:style>
+      <a:lnRef idx="0">
+        <a:scrgbClr r="0" g="0" b="0"/>
+      </a:lnRef>
+      <a:fillRef idx="1">
+        <a:scrgbClr r="0" g="0" b="0"/>
+      </a:fillRef>
+      <a:effectRef idx="0">
+        <a:scrgbClr r="0" g="0" b="0"/>
+      </a:effectRef>
+      <a:fontRef idx="minor">
+        <a:schemeClr val="lt1"/>
+      </a:fontRef>
+    </dgm:style>
+  </dgm:styleLbl>
+  <dgm:styleLbl name="bgSibTrans2D1">
+    <dgm:scene3d>
+      <a:camera prst="orthographicFront"/>
+      <a:lightRig rig="threePt" dir="t"/>
+    </dgm:scene3d>
+    <dgm:sp3d/>
+    <dgm:txPr/>
+    <dgm:style>
+      <a:lnRef idx="0">
+        <a:scrgbClr r="0" g="0" b="0"/>
+      </a:lnRef>
+      <a:fillRef idx="1">
+        <a:scrgbClr r="0" g="0" b="0"/>
+      </a:fillRef>
+      <a:effectRef idx="0">
+        <a:scrgbClr r="0" g="0" b="0"/>
+      </a:effectRef>
+      <a:fontRef idx="minor">
+        <a:schemeClr val="lt1"/>
+      </a:fontRef>
+    </dgm:style>
+  </dgm:styleLbl>
+  <dgm:styleLbl name="sibTrans1D1">
+    <dgm:scene3d>
+      <a:camera prst="orthographicFront"/>
+      <a:lightRig rig="threePt" dir="t"/>
+    </dgm:scene3d>
+    <dgm:sp3d/>
+    <dgm:txPr/>
+    <dgm:style>
+      <a:lnRef idx="1">
+        <a:scrgbClr r="0" g="0" b="0"/>
+      </a:lnRef>
+      <a:fillRef idx="0">
+        <a:scrgbClr r="0" g="0" b="0"/>
+      </a:fillRef>
+      <a:effectRef idx="0">
+        <a:scrgbClr r="0" g="0" b="0"/>
+      </a:effectRef>
+      <a:fontRef idx="minor"/>
+    </dgm:style>
+  </dgm:styleLbl>
+  <dgm:styleLbl name="callout">
+    <dgm:scene3d>
+      <a:camera prst="orthographicFront"/>
+      <a:lightRig rig="threePt" dir="t"/>
+    </dgm:scene3d>
+    <dgm:sp3d/>
+    <dgm:txPr/>
+    <dgm:style>
+      <a:lnRef idx="2">
+        <a:scrgbClr r="0" g="0" b="0"/>
+      </a:lnRef>
+      <a:fillRef idx="1">
+        <a:scrgbClr r="0" g="0" b="0"/>
+      </a:fillRef>
+      <a:effectRef idx="0">
+        <a:scrgbClr r="0" g="0" b="0"/>
+      </a:effectRef>
+      <a:fontRef idx="minor"/>
+    </dgm:style>
+  </dgm:styleLbl>
+  <dgm:styleLbl name="asst0">
+    <dgm:scene3d>
+      <a:camera prst="orthographicFront"/>
+      <a:lightRig rig="threePt" dir="t"/>
+    </dgm:scene3d>
+    <dgm:sp3d/>
+    <dgm:txPr/>
+    <dgm:style>
+      <a:lnRef idx="2">
+        <a:scrgbClr r="0" g="0" b="0"/>
+      </a:lnRef>
+      <a:fillRef idx="1">
+        <a:scrgbClr r="0" g="0" b="0"/>
+      </a:fillRef>
+      <a:effectRef idx="0">
+        <a:scrgbClr r="0" g="0" b="0"/>
+      </a:effectRef>
+      <a:fontRef idx="minor">
+        <a:schemeClr val="lt1"/>
+      </a:fontRef>
+    </dgm:style>
+  </dgm:styleLbl>
+  <dgm:styleLbl name="asst1">
+    <dgm:scene3d>
+      <a:camera prst="orthographicFront"/>
+      <a:lightRig rig="threePt" dir="t"/>
+    </dgm:scene3d>
+    <dgm:sp3d/>
+    <dgm:txPr/>
+    <dgm:style>
+      <a:lnRef idx="2">
+        <a:scrgbClr r="0" g="0" b="0"/>
+      </a:lnRef>
+      <a:fillRef idx="1">
+        <a:scrgbClr r="0" g="0" b="0"/>
+      </a:fillRef>
+      <a:effectRef idx="0">
+        <a:scrgbClr r="0" g="0" b="0"/>
+      </a:effectRef>
+      <a:fontRef idx="minor">
+        <a:schemeClr val="lt1"/>
+      </a:fontRef>
+    </dgm:style>
+  </dgm:styleLbl>
+  <dgm:styleLbl name="asst2">
+    <dgm:scene3d>
+      <a:camera prst="orthographicFront"/>
+      <a:lightRig rig="threePt" dir="t"/>
+    </dgm:scene3d>
+    <dgm:sp3d/>
+    <dgm:txPr/>
+    <dgm:style>
+      <a:lnRef idx="2">
+        <a:scrgbClr r="0" g="0" b="0"/>
+      </a:lnRef>
+      <a:fillRef idx="1">
+        <a:scrgbClr r="0" g="0" b="0"/>
+      </a:fillRef>
+      <a:effectRef idx="0">
+        <a:scrgbClr r="0" g="0" b="0"/>
+      </a:effectRef>
+      <a:fontRef idx="minor">
+        <a:schemeClr val="lt1"/>
+      </a:fontRef>
+    </dgm:style>
+  </dgm:styleLbl>
+  <dgm:styleLbl name="asst3">
+    <dgm:scene3d>
+      <a:camera prst="orthographicFront"/>
+      <a:lightRig rig="threePt" dir="t"/>
+    </dgm:scene3d>
+    <dgm:sp3d/>
+    <dgm:txPr/>
+    <dgm:style>
+      <a:lnRef idx="2">
+        <a:scrgbClr r="0" g="0" b="0"/>
+      </a:lnRef>
+      <a:fillRef idx="1">
+        <a:scrgbClr r="0" g="0" b="0"/>
+      </a:fillRef>
+      <a:effectRef idx="0">
+        <a:scrgbClr r="0" g="0" b="0"/>
+      </a:effectRef>
+      <a:fontRef idx="minor">
+        <a:schemeClr val="lt1"/>
+      </a:fontRef>
+    </dgm:style>
+  </dgm:styleLbl>
+  <dgm:styleLbl name="asst4">
+    <dgm:scene3d>
+      <a:camera prst="orthographicFront"/>
+      <a:lightRig rig="threePt" dir="t"/>
+    </dgm:scene3d>
+    <dgm:sp3d/>
+    <dgm:txPr/>
+    <dgm:style>
+      <a:lnRef idx="2">
+        <a:scrgbClr r="0" g="0" b="0"/>
+      </a:lnRef>
+      <a:fillRef idx="1">
+        <a:scrgbClr r="0" g="0" b="0"/>
+      </a:fillRef>
+      <a:effectRef idx="0">
+        <a:scrgbClr r="0" g="0" b="0"/>
+      </a:effectRef>
+      <a:fontRef idx="minor">
+        <a:schemeClr val="lt1"/>
+      </a:fontRef>
+    </dgm:style>
+  </dgm:styleLbl>
+  <dgm:styleLbl name="parChTrans2D1">
+    <dgm:scene3d>
+      <a:camera prst="orthographicFront"/>
+      <a:lightRig rig="threePt" dir="t"/>
+    </dgm:scene3d>
+    <dgm:sp3d/>
+    <dgm:txPr/>
+    <dgm:style>
+      <a:lnRef idx="2">
+        <a:scrgbClr r="0" g="0" b="0"/>
+      </a:lnRef>
+      <a:fillRef idx="1">
+        <a:scrgbClr r="0" g="0" b="0"/>
+      </a:fillRef>
+      <a:effectRef idx="0">
+        <a:scrgbClr r="0" g="0" b="0"/>
+      </a:effectRef>
+      <a:fontRef idx="minor">
+        <a:schemeClr val="lt1"/>
+      </a:fontRef>
+    </dgm:style>
+  </dgm:styleLbl>
+  <dgm:styleLbl name="parChTrans2D2">
+    <dgm:scene3d>
+      <a:camera prst="orthographicFront"/>
+      <a:lightRig rig="threePt" dir="t"/>
+    </dgm:scene3d>
+    <dgm:sp3d/>
+    <dgm:txPr/>
+    <dgm:style>
+      <a:lnRef idx="2">
+        <a:scrgbClr r="0" g="0" b="0"/>
+      </a:lnRef>
+      <a:fillRef idx="1">
+        <a:scrgbClr r="0" g="0" b="0"/>
+      </a:fillRef>
+      <a:effectRef idx="0">
+        <a:scrgbClr r="0" g="0" b="0"/>
+      </a:effectRef>
+      <a:fontRef idx="minor">
+        <a:schemeClr val="lt1"/>
+      </a:fontRef>
+    </dgm:style>
+  </dgm:styleLbl>
+  <dgm:styleLbl name="parChTrans2D3">
+    <dgm:scene3d>
+      <a:camera prst="orthographicFront"/>
+      <a:lightRig rig="threePt" dir="t"/>
+    </dgm:scene3d>
+    <dgm:sp3d/>
+    <dgm:txPr/>
+    <dgm:style>
+      <a:lnRef idx="2">
+        <a:scrgbClr r="0" g="0" b="0"/>
+      </a:lnRef>
+      <a:fillRef idx="1">
+        <a:scrgbClr r="0" g="0" b="0"/>
+      </a:fillRef>
+      <a:effectRef idx="0">
+        <a:scrgbClr r="0" g="0" b="0"/>
+      </a:effectRef>
+      <a:fontRef idx="minor">
+        <a:schemeClr val="lt1"/>
+      </a:fontRef>
+    </dgm:style>
+  </dgm:styleLbl>
+  <dgm:styleLbl name="parChTrans2D4">
+    <dgm:scene3d>
+      <a:camera prst="orthographicFront"/>
+      <a:lightRig rig="threePt" dir="t"/>
+    </dgm:scene3d>
+    <dgm:sp3d/>
+    <dgm:txPr/>
+    <dgm:style>
+      <a:lnRef idx="2">
+        <a:scrgbClr r="0" g="0" b="0"/>
+      </a:lnRef>
+      <a:fillRef idx="1">
+        <a:scrgbClr r="0" g="0" b="0"/>
+      </a:fillRef>
+      <a:effectRef idx="0">
+        <a:scrgbClr r="0" g="0" b="0"/>
+      </a:effectRef>
+      <a:fontRef idx="minor">
+        <a:schemeClr val="lt1"/>
+      </a:fontRef>
+    </dgm:style>
+  </dgm:styleLbl>
+  <dgm:styleLbl name="parChTrans1D1">
+    <dgm:scene3d>
+      <a:camera prst="orthographicFront"/>
+      <a:lightRig rig="threePt" dir="t"/>
+    </dgm:scene3d>
+    <dgm:sp3d/>
+    <dgm:txPr/>
+    <dgm:style>
+      <a:lnRef idx="2">
+        <a:scrgbClr r="0" g="0" b="0"/>
+      </a:lnRef>
+      <a:fillRef idx="0">
+        <a:scrgbClr r="0" g="0" b="0"/>
+      </a:fillRef>
+      <a:effectRef idx="0">
+        <a:scrgbClr r="0" g="0" b="0"/>
+      </a:effectRef>
+      <a:fontRef idx="minor"/>
+    </dgm:style>
+  </dgm:styleLbl>
+  <dgm:styleLbl name="parChTrans1D2">
+    <dgm:scene3d>
+      <a:camera prst="orthographicFront"/>
+      <a:lightRig rig="threePt" dir="t"/>
+    </dgm:scene3d>
+    <dgm:sp3d/>
+    <dgm:txPr/>
+    <dgm:style>
+      <a:lnRef idx="2">
+        <a:scrgbClr r="0" g="0" b="0"/>
+      </a:lnRef>
+      <a:fillRef idx="0">
+        <a:scrgbClr r="0" g="0" b="0"/>
+      </a:fillRef>
+      <a:effectRef idx="0">
+        <a:scrgbClr r="0" g="0" b="0"/>
+      </a:effectRef>
+      <a:fontRef idx="minor"/>
+    </dgm:style>
+  </dgm:styleLbl>
+  <dgm:styleLbl name="parChTrans1D3">
+    <dgm:scene3d>
+      <a:camera prst="orthographicFront"/>
+      <a:lightRig rig="threePt" dir="t"/>
+    </dgm:scene3d>
+    <dgm:sp3d/>
+    <dgm:txPr/>
+    <dgm:style>
+      <a:lnRef idx="2">
+        <a:scrgbClr r="0" g="0" b="0"/>
+      </a:lnRef>
+      <a:fillRef idx="0">
+        <a:scrgbClr r="0" g="0" b="0"/>
+      </a:fillRef>
+      <a:effectRef idx="0">
+        <a:scrgbClr r="0" g="0" b="0"/>
+      </a:effectRef>
+      <a:fontRef idx="minor"/>
+    </dgm:style>
+  </dgm:styleLbl>
+  <dgm:styleLbl name="parChTrans1D4">
+    <dgm:scene3d>
+      <a:camera prst="orthographicFront"/>
+      <a:lightRig rig="threePt" dir="t"/>
+    </dgm:scene3d>
+    <dgm:sp3d/>
+    <dgm:txPr/>
+    <dgm:style>
+      <a:lnRef idx="2">
+        <a:scrgbClr r="0" g="0" b="0"/>
+      </a:lnRef>
+      <a:fillRef idx="0">
+        <a:scrgbClr r="0" g="0" b="0"/>
+      </a:fillRef>
+      <a:effectRef idx="0">
+        <a:scrgbClr r="0" g="0" b="0"/>
+      </a:effectRef>
+      <a:fontRef idx="minor"/>
+    </dgm:style>
+  </dgm:styleLbl>
+  <dgm:styleLbl name="fgAcc1">
+    <dgm:scene3d>
+      <a:camera prst="orthographicFront"/>
+      <a:lightRig rig="threePt" dir="t"/>
+    </dgm:scene3d>
+    <dgm:sp3d/>
+    <dgm:txPr/>
+    <dgm:style>
+      <a:lnRef idx="2">
+        <a:scrgbClr r="0" g="0" b="0"/>
+      </a:lnRef>
+      <a:fillRef idx="1">
+        <a:scrgbClr r="0" g="0" b="0"/>
+      </a:fillRef>
+      <a:effectRef idx="0">
+        <a:scrgbClr r="0" g="0" b="0"/>
+      </a:effectRef>
+      <a:fontRef idx="minor"/>
+    </dgm:style>
+  </dgm:styleLbl>
+  <dgm:styleLbl name="conFgAcc1">
+    <dgm:scene3d>
+      <a:camera prst="orthographicFront"/>
+      <a:lightRig rig="threePt" dir="t"/>
+    </dgm:scene3d>
+    <dgm:sp3d/>
+    <dgm:txPr/>
+    <dgm:style>
+      <a:lnRef idx="2">
+        <a:scrgbClr r="0" g="0" b="0"/>
+      </a:lnRef>
+      <a:fillRef idx="1">
+        <a:scrgbClr r="0" g="0" b="0"/>
+      </a:fillRef>
+      <a:effectRef idx="0">
+        <a:scrgbClr r="0" g="0" b="0"/>
+      </a:effectRef>
+      <a:fontRef idx="minor"/>
+    </dgm:style>
+  </dgm:styleLbl>
+  <dgm:styleLbl name="alignAcc1">
+    <dgm:scene3d>
+      <a:camera prst="orthographicFront"/>
+      <a:lightRig rig="threePt" dir="t"/>
+    </dgm:scene3d>
+    <dgm:sp3d/>
+    <dgm:txPr/>
+    <dgm:style>
+      <a:lnRef idx="2">
+        <a:scrgbClr r="0" g="0" b="0"/>
+      </a:lnRef>
+      <a:fillRef idx="1">
+        <a:scrgbClr r="0" g="0" b="0"/>
+      </a:fillRef>
+      <a:effectRef idx="0">
+        <a:scrgbClr r="0" g="0" b="0"/>
+      </a:effectRef>
+      <a:fontRef idx="minor"/>
+    </dgm:style>
+  </dgm:styleLbl>
+  <dgm:styleLbl name="trAlignAcc1">
+    <dgm:scene3d>
+      <a:camera prst="orthographicFront"/>
+      <a:lightRig rig="threePt" dir="t"/>
+    </dgm:scene3d>
+    <dgm:sp3d/>
+    <dgm:txPr/>
+    <dgm:style>
+      <a:lnRef idx="1">
+        <a:scrgbClr r="0" g="0" b="0"/>
+      </a:lnRef>
+      <a:fillRef idx="1">
+        <a:scrgbClr r="0" g="0" b="0"/>
+      </a:fillRef>
+      <a:effectRef idx="0">
+        <a:scrgbClr r="0" g="0" b="0"/>
+      </a:effectRef>
+      <a:fontRef idx="minor"/>
+    </dgm:style>
+  </dgm:styleLbl>
+  <dgm:styleLbl name="bgAcc1">
+    <dgm:scene3d>
+      <a:camera prst="orthographicFront"/>
+      <a:lightRig rig="threePt" dir="t"/>
+    </dgm:scene3d>
+    <dgm:sp3d/>
+    <dgm:txPr/>
+    <dgm:style>
+      <a:lnRef idx="2">
+        <a:scrgbClr r="0" g="0" b="0"/>
+      </a:lnRef>
+      <a:fillRef idx="1">
+        <a:scrgbClr r="0" g="0" b="0"/>
+      </a:fillRef>
+      <a:effectRef idx="0">
+        <a:scrgbClr r="0" g="0" b="0"/>
+      </a:effectRef>
+      <a:fontRef idx="minor"/>
+    </dgm:style>
+  </dgm:styleLbl>
+  <dgm:styleLbl name="solidFgAcc1">
+    <dgm:scene3d>
+      <a:camera prst="orthographicFront"/>
+      <a:lightRig rig="threePt" dir="t"/>
+    </dgm:scene3d>
+    <dgm:sp3d/>
+    <dgm:txPr/>
+    <dgm:style>
+      <a:lnRef idx="2">
+        <a:scrgbClr r="0" g="0" b="0"/>
+      </a:lnRef>
+      <a:fillRef idx="1">
+        <a:scrgbClr r="0" g="0" b="0"/>
+      </a:fillRef>
+      <a:effectRef idx="0">
+        <a:scrgbClr r="0" g="0" b="0"/>
+      </a:effectRef>
+      <a:fontRef idx="minor"/>
+    </dgm:style>
+  </dgm:styleLbl>
+  <dgm:styleLbl name="solidAlignAcc1">
+    <dgm:scene3d>
+      <a:camera prst="orthographicFront"/>
+      <a:lightRig rig="threePt" dir="t"/>
+    </dgm:scene3d>
+    <dgm:sp3d/>
+    <dgm:txPr/>
+    <dgm:style>
+      <a:lnRef idx="2">
+        <a:scrgbClr r="0" g="0" b="0"/>
+      </a:lnRef>
+      <a:fillRef idx="1">
+        <a:scrgbClr r="0" g="0" b="0"/>
+      </a:fillRef>
+      <a:effectRef idx="0">
+        <a:scrgbClr r="0" g="0" b="0"/>
+      </a:effectRef>
+      <a:fontRef idx="minor"/>
+    </dgm:style>
+  </dgm:styleLbl>
+  <dgm:styleLbl name="solidBgAcc1">
+    <dgm:scene3d>
+      <a:camera prst="orthographicFront"/>
+      <a:lightRig rig="threePt" dir="t"/>
+    </dgm:scene3d>
+    <dgm:sp3d/>
+    <dgm:txPr/>
+    <dgm:style>
+      <a:lnRef idx="2">
+        <a:scrgbClr r="0" g="0" b="0"/>
+      </a:lnRef>
+      <a:fillRef idx="1">
+        <a:scrgbClr r="0" g="0" b="0"/>
+      </a:fillRef>
+      <a:effectRef idx="0">
+        <a:scrgbClr r="0" g="0" b="0"/>
+      </a:effectRef>
+      <a:fontRef idx="minor"/>
+    </dgm:style>
+  </dgm:styleLbl>
+  <dgm:styleLbl name="fgAccFollowNode1">
+    <dgm:scene3d>
+      <a:camera prst="orthographicFront"/>
+      <a:lightRig rig="threePt" dir="t"/>
+    </dgm:scene3d>
+    <dgm:sp3d/>
+    <dgm:txPr/>
+    <dgm:style>
+      <a:lnRef idx="2">
+        <a:scrgbClr r="0" g="0" b="0"/>
+      </a:lnRef>
+      <a:fillRef idx="1">
+        <a:scrgbClr r="0" g="0" b="0"/>
+      </a:fillRef>
+      <a:effectRef idx="0">
+        <a:scrgbClr r="0" g="0" b="0"/>
+      </a:effectRef>
+      <a:fontRef idx="minor"/>
+    </dgm:style>
+  </dgm:styleLbl>
+  <dgm:styleLbl name="alignAccFollowNode1">
+    <dgm:scene3d>
+      <a:camera prst="orthographicFront"/>
+      <a:lightRig rig="threePt" dir="t"/>
+    </dgm:scene3d>
+    <dgm:sp3d/>
+    <dgm:txPr/>
+    <dgm:style>
+      <a:lnRef idx="2">
+        <a:scrgbClr r="0" g="0" b="0"/>
+      </a:lnRef>
+      <a:fillRef idx="1">
+        <a:scrgbClr r="0" g="0" b="0"/>
+      </a:fillRef>
+      <a:effectRef idx="0">
+        <a:scrgbClr r="0" g="0" b="0"/>
+      </a:effectRef>
+      <a:fontRef idx="minor"/>
+    </dgm:style>
+  </dgm:styleLbl>
+  <dgm:styleLbl name="bgAccFollowNode1">
+    <dgm:scene3d>
+      <a:camera prst="orthographicFront"/>
+      <a:lightRig rig="threePt" dir="t"/>
+    </dgm:scene3d>
+    <dgm:sp3d/>
+    <dgm:txPr/>
+    <dgm:style>
+      <a:lnRef idx="2">
+        <a:scrgbClr r="0" g="0" b="0"/>
+      </a:lnRef>
+      <a:fillRef idx="1">
+        <a:scrgbClr r="0" g="0" b="0"/>
+      </a:fillRef>
+      <a:effectRef idx="0">
+        <a:scrgbClr r="0" g="0" b="0"/>
+      </a:effectRef>
+      <a:fontRef idx="minor"/>
+    </dgm:style>
+  </dgm:styleLbl>
+  <dgm:styleLbl name="fgAcc0">
+    <dgm:scene3d>
+      <a:camera prst="orthographicFront"/>
+      <a:lightRig rig="threePt" dir="t"/>
+    </dgm:scene3d>
+    <dgm:sp3d/>
+    <dgm:txPr/>
+    <dgm:style>
+      <a:lnRef idx="2">
+        <a:scrgbClr r="0" g="0" b="0"/>
+      </a:lnRef>
+      <a:fillRef idx="1">
+        <a:scrgbClr r="0" g="0" b="0"/>
+      </a:fillRef>
+      <a:effectRef idx="0">
+        <a:scrgbClr r="0" g="0" b="0"/>
+      </a:effectRef>
+      <a:fontRef idx="minor"/>
+    </dgm:style>
+  </dgm:styleLbl>
+  <dgm:styleLbl name="fgAcc2">
+    <dgm:scene3d>
+      <a:camera prst="orthographicFront"/>
+      <a:lightRig rig="threePt" dir="t"/>
+    </dgm:scene3d>
+    <dgm:sp3d/>
+    <dgm:txPr/>
+    <dgm:style>
+      <a:lnRef idx="2">
+        <a:scrgbClr r="0" g="0" b="0"/>
+      </a:lnRef>
+      <a:fillRef idx="1">
+        <a:scrgbClr r="0" g="0" b="0"/>
+      </a:fillRef>
+      <a:effectRef idx="0">
+        <a:scrgbClr r="0" g="0" b="0"/>
+      </a:effectRef>
+      <a:fontRef idx="minor"/>
+    </dgm:style>
+  </dgm:styleLbl>
+  <dgm:styleLbl name="fgAcc3">
+    <dgm:scene3d>
+      <a:camera prst="orthographicFront"/>
+      <a:lightRig rig="threePt" dir="t"/>
+    </dgm:scene3d>
+    <dgm:sp3d/>
+    <dgm:txPr/>
+    <dgm:style>
+      <a:lnRef idx="2">
+        <a:scrgbClr r="0" g="0" b="0"/>
+      </a:lnRef>
+      <a:fillRef idx="1">
+        <a:scrgbClr r="0" g="0" b="0"/>
+      </a:fillRef>
+      <a:effectRef idx="0">
+        <a:scrgbClr r="0" g="0" b="0"/>
+      </a:effectRef>
+      <a:fontRef idx="minor"/>
+    </dgm:style>
+  </dgm:styleLbl>
+  <dgm:styleLbl name="fgAcc4">
+    <dgm:scene3d>
+      <a:camera prst="orthographicFront"/>
+      <a:lightRig rig="threePt" dir="t"/>
+    </dgm:scene3d>
+    <dgm:sp3d/>
+    <dgm:txPr/>
+    <dgm:style>
+      <a:lnRef idx="2">
+        <a:scrgbClr r="0" g="0" b="0"/>
+      </a:lnRef>
+      <a:fillRef idx="1">
+        <a:scrgbClr r="0" g="0" b="0"/>
+      </a:fillRef>
+      <a:effectRef idx="0">
+        <a:scrgbClr r="0" g="0" b="0"/>
+      </a:effectRef>
+      <a:fontRef idx="minor"/>
+    </dgm:style>
+  </dgm:styleLbl>
+  <dgm:styleLbl name="bgShp">
+    <dgm:scene3d>
+      <a:camera prst="orthographicFront"/>
+      <a:lightRig rig="threePt" dir="t"/>
+    </dgm:scene3d>
+    <dgm:sp3d/>
+    <dgm:txPr/>
+    <dgm:style>
+      <a:lnRef idx="0">
+        <a:scrgbClr r="0" g="0" b="0"/>
+      </a:lnRef>
+      <a:fillRef idx="1">
+        <a:scrgbClr r="0" g="0" b="0"/>
+      </a:fillRef>
+      <a:effectRef idx="0">
+        <a:scrgbClr r="0" g="0" b="0"/>
+      </a:effectRef>
+      <a:fontRef idx="minor"/>
+    </dgm:style>
+  </dgm:styleLbl>
+  <dgm:styleLbl name="dkBgShp">
+    <dgm:scene3d>
+      <a:camera prst="orthographicFront"/>
+      <a:lightRig rig="threePt" dir="t"/>
+    </dgm:scene3d>
+    <dgm:sp3d/>
+    <dgm:txPr/>
+    <dgm:style>
+      <a:lnRef idx="0">
+        <a:scrgbClr r="0" g="0" b="0"/>
+      </a:lnRef>
+      <a:fillRef idx="1">
+        <a:scrgbClr r="0" g="0" b="0"/>
+      </a:fillRef>
+      <a:effectRef idx="0">
+        <a:scrgbClr r="0" g="0" b="0"/>
+      </a:effectRef>
+      <a:fontRef idx="minor"/>
+    </dgm:style>
+  </dgm:styleLbl>
+  <dgm:styleLbl name="trBgShp">
+    <dgm:scene3d>
+      <a:camera prst="orthographicFront"/>
+      <a:lightRig rig="threePt" dir="t"/>
+    </dgm:scene3d>
+    <dgm:sp3d/>
+    <dgm:txPr/>
+    <dgm:style>
+      <a:lnRef idx="0">
+        <a:scrgbClr r="0" g="0" b="0"/>
+      </a:lnRef>
+      <a:fillRef idx="1">
+        <a:scrgbClr r="0" g="0" b="0"/>
+      </a:fillRef>
+      <a:effectRef idx="0">
+        <a:scrgbClr r="0" g="0" b="0"/>
+      </a:effectRef>
+      <a:fontRef idx="minor"/>
+    </dgm:style>
+  </dgm:styleLbl>
+  <dgm:styleLbl name="fgShp">
+    <dgm:scene3d>
+      <a:camera prst="orthographicFront"/>
+      <a:lightRig rig="threePt" dir="t"/>
+    </dgm:scene3d>
+    <dgm:sp3d/>
+    <dgm:txPr/>
+    <dgm:style>
+      <a:lnRef idx="2">
+        <a:scrgbClr r="0" g="0" b="0"/>
+      </a:lnRef>
+      <a:fillRef idx="1">
+        <a:scrgbClr r="0" g="0" b="0"/>
+      </a:fillRef>
+      <a:effectRef idx="0">
+        <a:scrgbClr r="0" g="0" b="0"/>
+      </a:effectRef>
+      <a:fontRef idx="minor"/>
+    </dgm:style>
+  </dgm:styleLbl>
+  <dgm:styleLbl name="revTx">
+    <dgm:scene3d>
+      <a:camera prst="orthographicFront"/>
+      <a:lightRig rig="threePt" dir="t"/>
+    </dgm:scene3d>
+    <dgm:sp3d/>
+    <dgm:txPr/>
+    <dgm:style>
+      <a:lnRef idx="0">
+        <a:scrgbClr r="0" g="0" b="0"/>
+      </a:lnRef>
+      <a:fillRef idx="0">
+        <a:scrgbClr r="0" g="0" b="0"/>
+      </a:fillRef>
+      <a:effectRef idx="0">
+        <a:scrgbClr r="0" g="0" b="0"/>
+      </a:effectRef>
+      <a:fontRef idx="minor"/>
+    </dgm:style>
+  </dgm:styleLbl>
+</dgm:styleDef>
+</file>
+
+<file path=ppt/diagrams/quickStyle2.xml><?xml version="1.0" encoding="utf-8"?>
 <dgm:styleDef xmlns:dgm="http://schemas.openxmlformats.org/drawingml/2006/diagram" xmlns:a="http://schemas.openxmlformats.org/drawingml/2006/main" uniqueId="urn:microsoft.com/office/officeart/2005/8/quickstyle/simple1">
   <dgm:title val=""/>
   <dgm:desc val=""/>
@@ -4212,7 +7872,7 @@
           <a:p>
             <a:fld id="{C5679AC8-24FE-403C-9EDF-7FB033AD0E6C}" type="datetimeFigureOut">
               <a:rPr lang="en-US" smtClean="0"/>
-              <a:t>12/10/2019</a:t>
+              <a:t>12/11/2019</a:t>
             </a:fld>
             <a:endParaRPr lang="en-US"/>
           </a:p>
@@ -4382,7 +8042,7 @@
           <a:p>
             <a:fld id="{C5679AC8-24FE-403C-9EDF-7FB033AD0E6C}" type="datetimeFigureOut">
               <a:rPr lang="en-US" smtClean="0"/>
-              <a:t>12/10/2019</a:t>
+              <a:t>12/11/2019</a:t>
             </a:fld>
             <a:endParaRPr lang="en-US"/>
           </a:p>
@@ -4562,7 +8222,7 @@
           <a:p>
             <a:fld id="{C5679AC8-24FE-403C-9EDF-7FB033AD0E6C}" type="datetimeFigureOut">
               <a:rPr lang="en-US" smtClean="0"/>
-              <a:t>12/10/2019</a:t>
+              <a:t>12/11/2019</a:t>
             </a:fld>
             <a:endParaRPr lang="en-US"/>
           </a:p>
@@ -4732,7 +8392,7 @@
           <a:p>
             <a:fld id="{C5679AC8-24FE-403C-9EDF-7FB033AD0E6C}" type="datetimeFigureOut">
               <a:rPr lang="en-US" smtClean="0"/>
-              <a:t>12/10/2019</a:t>
+              <a:t>12/11/2019</a:t>
             </a:fld>
             <a:endParaRPr lang="en-US"/>
           </a:p>
@@ -4976,7 +8636,7 @@
           <a:p>
             <a:fld id="{C5679AC8-24FE-403C-9EDF-7FB033AD0E6C}" type="datetimeFigureOut">
               <a:rPr lang="en-US" smtClean="0"/>
-              <a:t>12/10/2019</a:t>
+              <a:t>12/11/2019</a:t>
             </a:fld>
             <a:endParaRPr lang="en-US"/>
           </a:p>
@@ -5208,7 +8868,7 @@
           <a:p>
             <a:fld id="{C5679AC8-24FE-403C-9EDF-7FB033AD0E6C}" type="datetimeFigureOut">
               <a:rPr lang="en-US" smtClean="0"/>
-              <a:t>12/10/2019</a:t>
+              <a:t>12/11/2019</a:t>
             </a:fld>
             <a:endParaRPr lang="en-US"/>
           </a:p>
@@ -5575,7 +9235,7 @@
           <a:p>
             <a:fld id="{C5679AC8-24FE-403C-9EDF-7FB033AD0E6C}" type="datetimeFigureOut">
               <a:rPr lang="en-US" smtClean="0"/>
-              <a:t>12/10/2019</a:t>
+              <a:t>12/11/2019</a:t>
             </a:fld>
             <a:endParaRPr lang="en-US"/>
           </a:p>
@@ -5693,7 +9353,7 @@
           <a:p>
             <a:fld id="{C5679AC8-24FE-403C-9EDF-7FB033AD0E6C}" type="datetimeFigureOut">
               <a:rPr lang="en-US" smtClean="0"/>
-              <a:t>12/10/2019</a:t>
+              <a:t>12/11/2019</a:t>
             </a:fld>
             <a:endParaRPr lang="en-US"/>
           </a:p>
@@ -5788,7 +9448,7 @@
           <a:p>
             <a:fld id="{C5679AC8-24FE-403C-9EDF-7FB033AD0E6C}" type="datetimeFigureOut">
               <a:rPr lang="en-US" smtClean="0"/>
-              <a:t>12/10/2019</a:t>
+              <a:t>12/11/2019</a:t>
             </a:fld>
             <a:endParaRPr lang="en-US"/>
           </a:p>
@@ -6065,7 +9725,7 @@
           <a:p>
             <a:fld id="{C5679AC8-24FE-403C-9EDF-7FB033AD0E6C}" type="datetimeFigureOut">
               <a:rPr lang="en-US" smtClean="0"/>
-              <a:t>12/10/2019</a:t>
+              <a:t>12/11/2019</a:t>
             </a:fld>
             <a:endParaRPr lang="en-US"/>
           </a:p>
@@ -6322,7 +9982,7 @@
           <a:p>
             <a:fld id="{C5679AC8-24FE-403C-9EDF-7FB033AD0E6C}" type="datetimeFigureOut">
               <a:rPr lang="en-US" smtClean="0"/>
-              <a:t>12/10/2019</a:t>
+              <a:t>12/11/2019</a:t>
             </a:fld>
             <a:endParaRPr lang="en-US"/>
           </a:p>
@@ -6535,7 +10195,7 @@
           <a:p>
             <a:fld id="{C5679AC8-24FE-403C-9EDF-7FB033AD0E6C}" type="datetimeFigureOut">
               <a:rPr lang="en-US" smtClean="0"/>
-              <a:t>12/10/2019</a:t>
+              <a:t>12/11/2019</a:t>
             </a:fld>
             <a:endParaRPr lang="en-US"/>
           </a:p>
@@ -6950,7 +10610,13 @@
             </a:extLst>
           </p:cNvPr>
           <p:cNvGraphicFramePr/>
-          <p:nvPr/>
+          <p:nvPr>
+            <p:extLst>
+              <p:ext uri="{D42A27DB-BD31-4B8C-83A1-F6EECF244321}">
+                <p14:modId xmlns:p14="http://schemas.microsoft.com/office/powerpoint/2010/main" val="3461790324"/>
+              </p:ext>
+            </p:extLst>
+          </p:nvPr>
         </p:nvGraphicFramePr>
         <p:xfrm>
           <a:off x="914400" y="609600"/>
@@ -6966,6 +10632,64 @@
     <p:extLst>
       <p:ext uri="{BB962C8B-B14F-4D97-AF65-F5344CB8AC3E}">
         <p14:creationId xmlns:p14="http://schemas.microsoft.com/office/powerpoint/2010/main" val="1716435323"/>
+      </p:ext>
+    </p:extLst>
+  </p:cSld>
+  <p:clrMapOvr>
+    <a:masterClrMapping/>
+  </p:clrMapOvr>
+</p:sld>
+</file>
+
+<file path=ppt/slides/slide2.xml><?xml version="1.0" encoding="utf-8"?>
+<p:sld xmlns:a="http://schemas.openxmlformats.org/drawingml/2006/main" xmlns:r="http://schemas.openxmlformats.org/officeDocument/2006/relationships" xmlns:p="http://schemas.openxmlformats.org/presentationml/2006/main">
+  <p:cSld>
+    <p:spTree>
+      <p:nvGrpSpPr>
+        <p:cNvPr id="1" name=""/>
+        <p:cNvGrpSpPr/>
+        <p:nvPr/>
+      </p:nvGrpSpPr>
+      <p:grpSpPr>
+        <a:xfrm>
+          <a:off x="0" y="0"/>
+          <a:ext cx="0" cy="0"/>
+          <a:chOff x="0" y="0"/>
+          <a:chExt cx="0" cy="0"/>
+        </a:xfrm>
+      </p:grpSpPr>
+      <p:graphicFrame>
+        <p:nvGraphicFramePr>
+          <p:cNvPr id="2" name="Diagram 1">
+            <a:extLst>
+              <a:ext uri="{FF2B5EF4-FFF2-40B4-BE49-F238E27FC236}">
+                <a16:creationId xmlns:a16="http://schemas.microsoft.com/office/drawing/2014/main" id="{85B01E90-0BFE-41DE-AF54-98CFE03DA8F3}"/>
+              </a:ext>
+            </a:extLst>
+          </p:cNvPr>
+          <p:cNvGraphicFramePr/>
+          <p:nvPr>
+            <p:extLst>
+              <p:ext uri="{D42A27DB-BD31-4B8C-83A1-F6EECF244321}">
+                <p14:modId xmlns:p14="http://schemas.microsoft.com/office/powerpoint/2010/main" val="1643803405"/>
+              </p:ext>
+            </p:extLst>
+          </p:nvPr>
+        </p:nvGraphicFramePr>
+        <p:xfrm>
+          <a:off x="914400" y="609600"/>
+          <a:ext cx="3657600" cy="2438400"/>
+        </p:xfrm>
+        <a:graphic>
+          <a:graphicData uri="http://schemas.openxmlformats.org/drawingml/2006/diagram">
+            <dgm:relIds xmlns:dgm="http://schemas.openxmlformats.org/drawingml/2006/diagram" xmlns:r="http://schemas.openxmlformats.org/officeDocument/2006/relationships" r:dm="rId2" r:lo="rId3" r:qs="rId4" r:cs="rId5"/>
+          </a:graphicData>
+        </a:graphic>
+      </p:graphicFrame>
+    </p:spTree>
+    <p:extLst>
+      <p:ext uri="{BB962C8B-B14F-4D97-AF65-F5344CB8AC3E}">
+        <p14:creationId xmlns:p14="http://schemas.microsoft.com/office/powerpoint/2010/main" val="3856477543"/>
       </p:ext>
     </p:extLst>
   </p:cSld>

--- a/chapter-intro/diagrams/diagrams.pptx
+++ b/chapter-intro/diagrams/diagrams.pptx
@@ -1731,7 +1731,7 @@
 <dgm:dataModel xmlns:dgm="http://schemas.openxmlformats.org/drawingml/2006/diagram" xmlns:a="http://schemas.openxmlformats.org/drawingml/2006/main">
   <dgm:ptLst>
     <dgm:pt modelId="{86BAFBF2-36AA-41D2-90DA-8C75879C23E2}" type="doc">
-      <dgm:prSet loTypeId="urn:microsoft.com/office/officeart/2005/8/layout/target2" loCatId="relationship" qsTypeId="urn:microsoft.com/office/officeart/2005/8/quickstyle/simple1" qsCatId="simple" csTypeId="urn:microsoft.com/office/officeart/2005/8/colors/accent0_1" csCatId="mainScheme" phldr="1"/>
+      <dgm:prSet loTypeId="urn:microsoft.com/office/officeart/2005/8/layout/radial6" loCatId="relationship" qsTypeId="urn:microsoft.com/office/officeart/2005/8/quickstyle/simple1" qsCatId="simple" csTypeId="urn:microsoft.com/office/officeart/2005/8/colors/accent0_1" csCatId="mainScheme" phldr="1"/>
       <dgm:spPr/>
       <dgm:t>
         <a:bodyPr/>
@@ -1993,129 +1993,159 @@
         </a:p>
       </dgm:t>
     </dgm:pt>
-    <dgm:pt modelId="{0D918C27-B8BE-469E-B69C-54B7A732E0A6}" type="pres">
+    <dgm:pt modelId="{73486626-F990-41CF-B751-2BF8D52EFF33}" type="pres">
       <dgm:prSet presAssocID="{86BAFBF2-36AA-41D2-90DA-8C75879C23E2}" presName="Name0" presStyleCnt="0">
         <dgm:presLayoutVars>
-          <dgm:chMax val="3"/>
-          <dgm:chPref val="1"/>
+          <dgm:chMax val="1"/>
           <dgm:dir/>
-          <dgm:animLvl val="lvl"/>
-          <dgm:resizeHandles/>
+          <dgm:animLvl val="ctr"/>
+          <dgm:resizeHandles val="exact"/>
         </dgm:presLayoutVars>
       </dgm:prSet>
       <dgm:spPr/>
     </dgm:pt>
-    <dgm:pt modelId="{95589480-0D0D-41C2-8617-044841E56D4E}" type="pres">
-      <dgm:prSet presAssocID="{86BAFBF2-36AA-41D2-90DA-8C75879C23E2}" presName="outerBox" presStyleCnt="0"/>
-      <dgm:spPr/>
-    </dgm:pt>
-    <dgm:pt modelId="{AAE40553-F7AD-465E-BE68-E44F52EBA75A}" type="pres">
-      <dgm:prSet presAssocID="{86BAFBF2-36AA-41D2-90DA-8C75879C23E2}" presName="outerBoxParent" presStyleLbl="node1" presStyleIdx="0" presStyleCnt="1"/>
-      <dgm:spPr/>
-    </dgm:pt>
-    <dgm:pt modelId="{44EFEACD-BBCF-471F-B460-8A494E7D7354}" type="pres">
-      <dgm:prSet presAssocID="{86BAFBF2-36AA-41D2-90DA-8C75879C23E2}" presName="outerBoxChildren" presStyleCnt="0"/>
-      <dgm:spPr/>
-    </dgm:pt>
-    <dgm:pt modelId="{1C1FE47E-6332-497B-AE27-AA2B02B2B0A4}" type="pres">
-      <dgm:prSet presAssocID="{3D010A4F-5429-4F14-8E85-954F168731C8}" presName="oChild" presStyleLbl="fgAcc1" presStyleIdx="0" presStyleCnt="6">
+    <dgm:pt modelId="{5828CD21-1A64-4409-91D1-CF2DECC09F01}" type="pres">
+      <dgm:prSet presAssocID="{46C7ECE5-9C05-4844-8701-735A0719D12D}" presName="centerShape" presStyleLbl="node0" presStyleIdx="0" presStyleCnt="1"/>
+      <dgm:spPr/>
+    </dgm:pt>
+    <dgm:pt modelId="{4F643DB7-EE65-4DF5-B417-DA10D3CD6A39}" type="pres">
+      <dgm:prSet presAssocID="{3D010A4F-5429-4F14-8E85-954F168731C8}" presName="node" presStyleLbl="node1" presStyleIdx="0" presStyleCnt="6">
         <dgm:presLayoutVars>
           <dgm:bulletEnabled val="1"/>
         </dgm:presLayoutVars>
       </dgm:prSet>
       <dgm:spPr/>
     </dgm:pt>
-    <dgm:pt modelId="{90EE1E71-5690-4BD1-8000-95F8DA307A24}" type="pres">
-      <dgm:prSet presAssocID="{932F1A27-884F-48EE-897D-9CF79C7FA33E}" presName="outerSibTrans" presStyleCnt="0"/>
-      <dgm:spPr/>
-    </dgm:pt>
-    <dgm:pt modelId="{0BDC1031-AD1A-4D79-AB74-C17488B0F667}" type="pres">
-      <dgm:prSet presAssocID="{B9DAE7F8-054F-4B6C-B658-191498EE557D}" presName="oChild" presStyleLbl="fgAcc1" presStyleIdx="1" presStyleCnt="6">
+    <dgm:pt modelId="{81993A29-6DB6-4EEA-8FC0-91A5C1CA2F2B}" type="pres">
+      <dgm:prSet presAssocID="{3D010A4F-5429-4F14-8E85-954F168731C8}" presName="dummy" presStyleCnt="0"/>
+      <dgm:spPr/>
+    </dgm:pt>
+    <dgm:pt modelId="{B68EE014-DCEC-4C45-9753-52C6B6525200}" type="pres">
+      <dgm:prSet presAssocID="{932F1A27-884F-48EE-897D-9CF79C7FA33E}" presName="sibTrans" presStyleLbl="sibTrans2D1" presStyleIdx="0" presStyleCnt="6"/>
+      <dgm:spPr/>
+    </dgm:pt>
+    <dgm:pt modelId="{D27A5CC6-601F-464A-83A2-80F163E9C832}" type="pres">
+      <dgm:prSet presAssocID="{B9DAE7F8-054F-4B6C-B658-191498EE557D}" presName="node" presStyleLbl="node1" presStyleIdx="1" presStyleCnt="6">
         <dgm:presLayoutVars>
           <dgm:bulletEnabled val="1"/>
         </dgm:presLayoutVars>
       </dgm:prSet>
       <dgm:spPr/>
     </dgm:pt>
-    <dgm:pt modelId="{A426B992-7A69-4C69-A94C-BAEDF41CFD71}" type="pres">
-      <dgm:prSet presAssocID="{8E36131A-21B8-493D-A4C0-228BD3B5B116}" presName="outerSibTrans" presStyleCnt="0"/>
-      <dgm:spPr/>
-    </dgm:pt>
-    <dgm:pt modelId="{B2EB2BAD-E656-4C56-AF49-D0FA9B44C748}" type="pres">
-      <dgm:prSet presAssocID="{CA427819-FB33-4E0F-8D10-BED2E9B5FE90}" presName="oChild" presStyleLbl="fgAcc1" presStyleIdx="2" presStyleCnt="6">
+    <dgm:pt modelId="{535E871F-F580-45E9-A492-7DAD1DF17514}" type="pres">
+      <dgm:prSet presAssocID="{B9DAE7F8-054F-4B6C-B658-191498EE557D}" presName="dummy" presStyleCnt="0"/>
+      <dgm:spPr/>
+    </dgm:pt>
+    <dgm:pt modelId="{9E5DBB9B-5897-473C-96E3-D833F32D0843}" type="pres">
+      <dgm:prSet presAssocID="{8E36131A-21B8-493D-A4C0-228BD3B5B116}" presName="sibTrans" presStyleLbl="sibTrans2D1" presStyleIdx="1" presStyleCnt="6"/>
+      <dgm:spPr/>
+    </dgm:pt>
+    <dgm:pt modelId="{B1C48636-7ABF-4FB6-8658-2DC2873F927A}" type="pres">
+      <dgm:prSet presAssocID="{CA427819-FB33-4E0F-8D10-BED2E9B5FE90}" presName="node" presStyleLbl="node1" presStyleIdx="2" presStyleCnt="6">
         <dgm:presLayoutVars>
           <dgm:bulletEnabled val="1"/>
         </dgm:presLayoutVars>
       </dgm:prSet>
       <dgm:spPr/>
     </dgm:pt>
-    <dgm:pt modelId="{479FC97A-58D4-44A9-B477-4DCC947AC674}" type="pres">
-      <dgm:prSet presAssocID="{CA98C05D-49E1-4192-9BAE-955674EDC2E7}" presName="outerSibTrans" presStyleCnt="0"/>
-      <dgm:spPr/>
-    </dgm:pt>
-    <dgm:pt modelId="{D6B94978-CBF6-49A3-87AD-9F6B2E28C34A}" type="pres">
-      <dgm:prSet presAssocID="{B212E583-7E31-4465-AA3E-0AE51071378D}" presName="oChild" presStyleLbl="fgAcc1" presStyleIdx="3" presStyleCnt="6">
+    <dgm:pt modelId="{FE22B466-1DA8-4609-BBD3-B72768957859}" type="pres">
+      <dgm:prSet presAssocID="{CA427819-FB33-4E0F-8D10-BED2E9B5FE90}" presName="dummy" presStyleCnt="0"/>
+      <dgm:spPr/>
+    </dgm:pt>
+    <dgm:pt modelId="{7E312E4B-6337-4E88-992C-060C27CE48D1}" type="pres">
+      <dgm:prSet presAssocID="{CA98C05D-49E1-4192-9BAE-955674EDC2E7}" presName="sibTrans" presStyleLbl="sibTrans2D1" presStyleIdx="2" presStyleCnt="6"/>
+      <dgm:spPr/>
+    </dgm:pt>
+    <dgm:pt modelId="{BF0E52B9-D139-4673-88CA-DBA78922F7B5}" type="pres">
+      <dgm:prSet presAssocID="{B212E583-7E31-4465-AA3E-0AE51071378D}" presName="node" presStyleLbl="node1" presStyleIdx="3" presStyleCnt="6">
         <dgm:presLayoutVars>
           <dgm:bulletEnabled val="1"/>
         </dgm:presLayoutVars>
       </dgm:prSet>
       <dgm:spPr/>
     </dgm:pt>
-    <dgm:pt modelId="{B9C38041-F5D2-4C9A-B6C0-6A4E63B676CE}" type="pres">
-      <dgm:prSet presAssocID="{4FAAA736-7B35-4ED3-809D-0D2BA3B760EB}" presName="outerSibTrans" presStyleCnt="0"/>
-      <dgm:spPr/>
-    </dgm:pt>
-    <dgm:pt modelId="{1C99F551-3349-4CE9-BF6E-415336B8882E}" type="pres">
-      <dgm:prSet presAssocID="{A546B4D7-37EA-4DEB-BC69-3DD634097985}" presName="oChild" presStyleLbl="fgAcc1" presStyleIdx="4" presStyleCnt="6">
+    <dgm:pt modelId="{27220506-D456-4EBE-9C23-F6E24979E4FC}" type="pres">
+      <dgm:prSet presAssocID="{B212E583-7E31-4465-AA3E-0AE51071378D}" presName="dummy" presStyleCnt="0"/>
+      <dgm:spPr/>
+    </dgm:pt>
+    <dgm:pt modelId="{64688F6A-3CFA-46B4-AF65-9AD28AE9C41C}" type="pres">
+      <dgm:prSet presAssocID="{4FAAA736-7B35-4ED3-809D-0D2BA3B760EB}" presName="sibTrans" presStyleLbl="sibTrans2D1" presStyleIdx="3" presStyleCnt="6"/>
+      <dgm:spPr/>
+    </dgm:pt>
+    <dgm:pt modelId="{BDE57BE5-7B34-4BA1-AC25-3351D981DC7D}" type="pres">
+      <dgm:prSet presAssocID="{A546B4D7-37EA-4DEB-BC69-3DD634097985}" presName="node" presStyleLbl="node1" presStyleIdx="4" presStyleCnt="6">
         <dgm:presLayoutVars>
           <dgm:bulletEnabled val="1"/>
         </dgm:presLayoutVars>
       </dgm:prSet>
       <dgm:spPr/>
     </dgm:pt>
-    <dgm:pt modelId="{842BC400-830C-4668-9DDC-8BB6F7C0E0F7}" type="pres">
-      <dgm:prSet presAssocID="{4B270560-A5A6-40A5-A039-26C06B432C62}" presName="outerSibTrans" presStyleCnt="0"/>
-      <dgm:spPr/>
-    </dgm:pt>
-    <dgm:pt modelId="{BD4107E8-4318-4BEC-AE3A-17A2882B7ADA}" type="pres">
-      <dgm:prSet presAssocID="{FC8C49D8-B1F8-4F8C-8E4B-C885AD85D8DB}" presName="oChild" presStyleLbl="fgAcc1" presStyleIdx="5" presStyleCnt="6">
+    <dgm:pt modelId="{CAC1A429-44DA-4538-806E-5DD4C4F779E8}" type="pres">
+      <dgm:prSet presAssocID="{A546B4D7-37EA-4DEB-BC69-3DD634097985}" presName="dummy" presStyleCnt="0"/>
+      <dgm:spPr/>
+    </dgm:pt>
+    <dgm:pt modelId="{73CD95A2-B381-4058-A65C-B634E03B9B7A}" type="pres">
+      <dgm:prSet presAssocID="{4B270560-A5A6-40A5-A039-26C06B432C62}" presName="sibTrans" presStyleLbl="sibTrans2D1" presStyleIdx="4" presStyleCnt="6"/>
+      <dgm:spPr/>
+    </dgm:pt>
+    <dgm:pt modelId="{93FE6F2E-B011-4F6E-969E-EAAA38F5D908}" type="pres">
+      <dgm:prSet presAssocID="{FC8C49D8-B1F8-4F8C-8E4B-C885AD85D8DB}" presName="node" presStyleLbl="node1" presStyleIdx="5" presStyleCnt="6">
         <dgm:presLayoutVars>
           <dgm:bulletEnabled val="1"/>
         </dgm:presLayoutVars>
       </dgm:prSet>
       <dgm:spPr/>
     </dgm:pt>
+    <dgm:pt modelId="{D4AF7D88-8A29-456B-B576-1E33E6F859A0}" type="pres">
+      <dgm:prSet presAssocID="{FC8C49D8-B1F8-4F8C-8E4B-C885AD85D8DB}" presName="dummy" presStyleCnt="0"/>
+      <dgm:spPr/>
+    </dgm:pt>
+    <dgm:pt modelId="{4C0E6876-333E-401E-8ABB-9BFFD19E0C59}" type="pres">
+      <dgm:prSet presAssocID="{E6279BF8-5F4C-4DBD-A5B3-F8105CC8E1E7}" presName="sibTrans" presStyleLbl="sibTrans2D1" presStyleIdx="5" presStyleCnt="6"/>
+      <dgm:spPr/>
+    </dgm:pt>
   </dgm:ptLst>
   <dgm:cxnLst>
     <dgm:cxn modelId="{0C874503-FA17-4F36-9DB2-42CAB404546A}" srcId="{46C7ECE5-9C05-4844-8701-735A0719D12D}" destId="{B9DAE7F8-054F-4B6C-B658-191498EE557D}" srcOrd="1" destOrd="0" parTransId="{6336CB53-7027-4A4E-A942-D3FF22A8C56A}" sibTransId="{8E36131A-21B8-493D-A4C0-228BD3B5B116}"/>
-    <dgm:cxn modelId="{11823A22-D3E8-45F8-8CBB-7C83C071CB20}" type="presOf" srcId="{FC8C49D8-B1F8-4F8C-8E4B-C885AD85D8DB}" destId="{BD4107E8-4318-4BEC-AE3A-17A2882B7ADA}" srcOrd="0" destOrd="0" presId="urn:microsoft.com/office/officeart/2005/8/layout/target2"/>
-    <dgm:cxn modelId="{42301025-3622-4F16-86EA-5D1A9AC2A530}" type="presOf" srcId="{B212E583-7E31-4465-AA3E-0AE51071378D}" destId="{D6B94978-CBF6-49A3-87AD-9F6B2E28C34A}" srcOrd="0" destOrd="0" presId="urn:microsoft.com/office/officeart/2005/8/layout/target2"/>
-    <dgm:cxn modelId="{8825A93C-39B9-4C78-8280-9C6CE61D1416}" type="presOf" srcId="{CA427819-FB33-4E0F-8D10-BED2E9B5FE90}" destId="{B2EB2BAD-E656-4C56-AF49-D0FA9B44C748}" srcOrd="0" destOrd="0" presId="urn:microsoft.com/office/officeart/2005/8/layout/target2"/>
-    <dgm:cxn modelId="{6855D43C-0529-4D25-8937-7D286EBF47FA}" type="presOf" srcId="{A546B4D7-37EA-4DEB-BC69-3DD634097985}" destId="{1C99F551-3349-4CE9-BF6E-415336B8882E}" srcOrd="0" destOrd="0" presId="urn:microsoft.com/office/officeart/2005/8/layout/target2"/>
-    <dgm:cxn modelId="{A5E2083E-0C14-4B85-B7F0-1524E3EFB229}" type="presOf" srcId="{B9DAE7F8-054F-4B6C-B658-191498EE557D}" destId="{0BDC1031-AD1A-4D79-AB74-C17488B0F667}" srcOrd="0" destOrd="0" presId="urn:microsoft.com/office/officeart/2005/8/layout/target2"/>
-    <dgm:cxn modelId="{FD6D784F-1181-46FB-9E1C-3D390CC0F8B6}" type="presOf" srcId="{46C7ECE5-9C05-4844-8701-735A0719D12D}" destId="{AAE40553-F7AD-465E-BE68-E44F52EBA75A}" srcOrd="0" destOrd="0" presId="urn:microsoft.com/office/officeart/2005/8/layout/target2"/>
+    <dgm:cxn modelId="{D8AA6415-D3D8-48BC-867F-9B088B7E203F}" type="presOf" srcId="{932F1A27-884F-48EE-897D-9CF79C7FA33E}" destId="{B68EE014-DCEC-4C45-9753-52C6B6525200}" srcOrd="0" destOrd="0" presId="urn:microsoft.com/office/officeart/2005/8/layout/radial6"/>
+    <dgm:cxn modelId="{B3D24517-E06B-4214-B739-0865FF45AD52}" type="presOf" srcId="{B9DAE7F8-054F-4B6C-B658-191498EE557D}" destId="{D27A5CC6-601F-464A-83A2-80F163E9C832}" srcOrd="0" destOrd="0" presId="urn:microsoft.com/office/officeart/2005/8/layout/radial6"/>
+    <dgm:cxn modelId="{7D9A0A1E-0E4F-4061-B9ED-E56DB90E0924}" type="presOf" srcId="{CA98C05D-49E1-4192-9BAE-955674EDC2E7}" destId="{7E312E4B-6337-4E88-992C-060C27CE48D1}" srcOrd="0" destOrd="0" presId="urn:microsoft.com/office/officeart/2005/8/layout/radial6"/>
+    <dgm:cxn modelId="{52A8E225-CD2B-4311-B23D-0C35224B7B05}" type="presOf" srcId="{FC8C49D8-B1F8-4F8C-8E4B-C885AD85D8DB}" destId="{93FE6F2E-B011-4F6E-969E-EAAA38F5D908}" srcOrd="0" destOrd="0" presId="urn:microsoft.com/office/officeart/2005/8/layout/radial6"/>
+    <dgm:cxn modelId="{12867126-DC97-4C5A-9124-07BB1090D125}" type="presOf" srcId="{86BAFBF2-36AA-41D2-90DA-8C75879C23E2}" destId="{73486626-F990-41CF-B751-2BF8D52EFF33}" srcOrd="0" destOrd="0" presId="urn:microsoft.com/office/officeart/2005/8/layout/radial6"/>
+    <dgm:cxn modelId="{189AF92E-8B27-4CDE-B011-A80A66B048B9}" type="presOf" srcId="{4B270560-A5A6-40A5-A039-26C06B432C62}" destId="{73CD95A2-B381-4058-A65C-B634E03B9B7A}" srcOrd="0" destOrd="0" presId="urn:microsoft.com/office/officeart/2005/8/layout/radial6"/>
+    <dgm:cxn modelId="{EABBAF3D-61EA-43BF-8344-60363CCD4547}" type="presOf" srcId="{B212E583-7E31-4465-AA3E-0AE51071378D}" destId="{BF0E52B9-D139-4673-88CA-DBA78922F7B5}" srcOrd="0" destOrd="0" presId="urn:microsoft.com/office/officeart/2005/8/layout/radial6"/>
+    <dgm:cxn modelId="{A4E36274-8174-4E7B-8FEE-2377A2C46D0C}" type="presOf" srcId="{A546B4D7-37EA-4DEB-BC69-3DD634097985}" destId="{BDE57BE5-7B34-4BA1-AC25-3351D981DC7D}" srcOrd="0" destOrd="0" presId="urn:microsoft.com/office/officeart/2005/8/layout/radial6"/>
     <dgm:cxn modelId="{A534FC55-1BA7-43D9-A552-1744F1A4508C}" srcId="{46C7ECE5-9C05-4844-8701-735A0719D12D}" destId="{CA427819-FB33-4E0F-8D10-BED2E9B5FE90}" srcOrd="2" destOrd="0" parTransId="{AAB2577F-C803-4CDB-8419-2412BAFDF9BE}" sibTransId="{CA98C05D-49E1-4192-9BAE-955674EDC2E7}"/>
-    <dgm:cxn modelId="{6E46CA56-373F-45C4-8829-6452ED8228F3}" type="presOf" srcId="{3D010A4F-5429-4F14-8E85-954F168731C8}" destId="{1C1FE47E-6332-497B-AE27-AA2B02B2B0A4}" srcOrd="0" destOrd="0" presId="urn:microsoft.com/office/officeart/2005/8/layout/target2"/>
+    <dgm:cxn modelId="{8DCF0D92-888A-490E-B383-599F718A346F}" type="presOf" srcId="{E6279BF8-5F4C-4DBD-A5B3-F8105CC8E1E7}" destId="{4C0E6876-333E-401E-8ABB-9BFFD19E0C59}" srcOrd="0" destOrd="0" presId="urn:microsoft.com/office/officeart/2005/8/layout/radial6"/>
+    <dgm:cxn modelId="{585E6798-DE88-4C19-8F96-ECC827041ACF}" type="presOf" srcId="{46C7ECE5-9C05-4844-8701-735A0719D12D}" destId="{5828CD21-1A64-4409-91D1-CF2DECC09F01}" srcOrd="0" destOrd="0" presId="urn:microsoft.com/office/officeart/2005/8/layout/radial6"/>
     <dgm:cxn modelId="{C9A2F6A2-7FA6-4F58-AD43-42F403B31A27}" srcId="{46C7ECE5-9C05-4844-8701-735A0719D12D}" destId="{B212E583-7E31-4465-AA3E-0AE51071378D}" srcOrd="3" destOrd="0" parTransId="{04944895-FFD6-40E9-9B11-BF53E8E391DC}" sibTransId="{4FAAA736-7B35-4ED3-809D-0D2BA3B760EB}"/>
     <dgm:cxn modelId="{34F6BCA6-5BB5-43AB-9B04-4DD1ED1A0B0D}" srcId="{46C7ECE5-9C05-4844-8701-735A0719D12D}" destId="{A546B4D7-37EA-4DEB-BC69-3DD634097985}" srcOrd="4" destOrd="0" parTransId="{4ED433DB-5B58-4FC6-8B87-2A3C545B51E8}" sibTransId="{4B270560-A5A6-40A5-A039-26C06B432C62}"/>
     <dgm:cxn modelId="{096684C5-C3A6-4192-9D0B-87B2BBE32293}" srcId="{46C7ECE5-9C05-4844-8701-735A0719D12D}" destId="{3D010A4F-5429-4F14-8E85-954F168731C8}" srcOrd="0" destOrd="0" parTransId="{6F16C0F6-D823-4C3B-9B85-CCA2BEB2AFB8}" sibTransId="{932F1A27-884F-48EE-897D-9CF79C7FA33E}"/>
     <dgm:cxn modelId="{C7BAE0C8-EDFC-43A1-B4CD-28DFB9A7B090}" srcId="{86BAFBF2-36AA-41D2-90DA-8C75879C23E2}" destId="{46C7ECE5-9C05-4844-8701-735A0719D12D}" srcOrd="0" destOrd="0" parTransId="{9449ADDC-A58A-4DA5-9EAC-80BA4228BD11}" sibTransId="{7DC0F9D2-B888-4706-8838-80BF8388749E}"/>
+    <dgm:cxn modelId="{E890A8CB-3CBC-4B26-ADA7-C28FAE543107}" type="presOf" srcId="{8E36131A-21B8-493D-A4C0-228BD3B5B116}" destId="{9E5DBB9B-5897-473C-96E3-D833F32D0843}" srcOrd="0" destOrd="0" presId="urn:microsoft.com/office/officeart/2005/8/layout/radial6"/>
+    <dgm:cxn modelId="{C3F6ADCE-FD95-4C42-9500-224D2DFDA47C}" type="presOf" srcId="{3D010A4F-5429-4F14-8E85-954F168731C8}" destId="{4F643DB7-EE65-4DF5-B417-DA10D3CD6A39}" srcOrd="0" destOrd="0" presId="urn:microsoft.com/office/officeart/2005/8/layout/radial6"/>
     <dgm:cxn modelId="{AD5837D4-D45A-43B9-BD91-909B8968F18F}" srcId="{46C7ECE5-9C05-4844-8701-735A0719D12D}" destId="{FC8C49D8-B1F8-4F8C-8E4B-C885AD85D8DB}" srcOrd="5" destOrd="0" parTransId="{11AAAB46-644F-40C1-A097-DD0ADFA140B3}" sibTransId="{E6279BF8-5F4C-4DBD-A5B3-F8105CC8E1E7}"/>
-    <dgm:cxn modelId="{9B06ACF9-305B-436B-ABE2-09E35A0F3E3A}" type="presOf" srcId="{86BAFBF2-36AA-41D2-90DA-8C75879C23E2}" destId="{0D918C27-B8BE-469E-B69C-54B7A732E0A6}" srcOrd="0" destOrd="0" presId="urn:microsoft.com/office/officeart/2005/8/layout/target2"/>
-    <dgm:cxn modelId="{8B703946-56FF-4469-B599-69817DD0788F}" type="presParOf" srcId="{0D918C27-B8BE-469E-B69C-54B7A732E0A6}" destId="{95589480-0D0D-41C2-8617-044841E56D4E}" srcOrd="0" destOrd="0" presId="urn:microsoft.com/office/officeart/2005/8/layout/target2"/>
-    <dgm:cxn modelId="{E7BEDB10-DD26-4070-9369-1D480E8B227B}" type="presParOf" srcId="{95589480-0D0D-41C2-8617-044841E56D4E}" destId="{AAE40553-F7AD-465E-BE68-E44F52EBA75A}" srcOrd="0" destOrd="0" presId="urn:microsoft.com/office/officeart/2005/8/layout/target2"/>
-    <dgm:cxn modelId="{692E606F-BA28-4827-8FE6-F8A66D1E5FB1}" type="presParOf" srcId="{95589480-0D0D-41C2-8617-044841E56D4E}" destId="{44EFEACD-BBCF-471F-B460-8A494E7D7354}" srcOrd="1" destOrd="0" presId="urn:microsoft.com/office/officeart/2005/8/layout/target2"/>
-    <dgm:cxn modelId="{5ABAB20D-0B34-4A54-A45F-446E9DF4E15D}" type="presParOf" srcId="{44EFEACD-BBCF-471F-B460-8A494E7D7354}" destId="{1C1FE47E-6332-497B-AE27-AA2B02B2B0A4}" srcOrd="0" destOrd="0" presId="urn:microsoft.com/office/officeart/2005/8/layout/target2"/>
-    <dgm:cxn modelId="{08B2E0EA-4E81-4B83-A8A5-251250A32AD7}" type="presParOf" srcId="{44EFEACD-BBCF-471F-B460-8A494E7D7354}" destId="{90EE1E71-5690-4BD1-8000-95F8DA307A24}" srcOrd="1" destOrd="0" presId="urn:microsoft.com/office/officeart/2005/8/layout/target2"/>
-    <dgm:cxn modelId="{E19067E5-66DD-4584-8005-67D8E2C1109C}" type="presParOf" srcId="{44EFEACD-BBCF-471F-B460-8A494E7D7354}" destId="{0BDC1031-AD1A-4D79-AB74-C17488B0F667}" srcOrd="2" destOrd="0" presId="urn:microsoft.com/office/officeart/2005/8/layout/target2"/>
-    <dgm:cxn modelId="{C2D2CDFA-EC5E-40B8-BCC7-DDC2145B1433}" type="presParOf" srcId="{44EFEACD-BBCF-471F-B460-8A494E7D7354}" destId="{A426B992-7A69-4C69-A94C-BAEDF41CFD71}" srcOrd="3" destOrd="0" presId="urn:microsoft.com/office/officeart/2005/8/layout/target2"/>
-    <dgm:cxn modelId="{2FB8CADE-9BDA-4C7A-A700-016543F13AFE}" type="presParOf" srcId="{44EFEACD-BBCF-471F-B460-8A494E7D7354}" destId="{B2EB2BAD-E656-4C56-AF49-D0FA9B44C748}" srcOrd="4" destOrd="0" presId="urn:microsoft.com/office/officeart/2005/8/layout/target2"/>
-    <dgm:cxn modelId="{FDBAB46D-CBAB-44DF-9993-D2EE3EA72B92}" type="presParOf" srcId="{44EFEACD-BBCF-471F-B460-8A494E7D7354}" destId="{479FC97A-58D4-44A9-B477-4DCC947AC674}" srcOrd="5" destOrd="0" presId="urn:microsoft.com/office/officeart/2005/8/layout/target2"/>
-    <dgm:cxn modelId="{31A59A86-A6C4-4019-B3AE-FB4AE5C8C47A}" type="presParOf" srcId="{44EFEACD-BBCF-471F-B460-8A494E7D7354}" destId="{D6B94978-CBF6-49A3-87AD-9F6B2E28C34A}" srcOrd="6" destOrd="0" presId="urn:microsoft.com/office/officeart/2005/8/layout/target2"/>
-    <dgm:cxn modelId="{27E3A909-B401-48BD-8F64-F404A3DAC078}" type="presParOf" srcId="{44EFEACD-BBCF-471F-B460-8A494E7D7354}" destId="{B9C38041-F5D2-4C9A-B6C0-6A4E63B676CE}" srcOrd="7" destOrd="0" presId="urn:microsoft.com/office/officeart/2005/8/layout/target2"/>
-    <dgm:cxn modelId="{DE3F4980-18DE-4D45-B69D-8B9B2D607255}" type="presParOf" srcId="{44EFEACD-BBCF-471F-B460-8A494E7D7354}" destId="{1C99F551-3349-4CE9-BF6E-415336B8882E}" srcOrd="8" destOrd="0" presId="urn:microsoft.com/office/officeart/2005/8/layout/target2"/>
-    <dgm:cxn modelId="{DF62FC31-2F6A-4F37-835D-FEB1C04BE338}" type="presParOf" srcId="{44EFEACD-BBCF-471F-B460-8A494E7D7354}" destId="{842BC400-830C-4668-9DDC-8BB6F7C0E0F7}" srcOrd="9" destOrd="0" presId="urn:microsoft.com/office/officeart/2005/8/layout/target2"/>
-    <dgm:cxn modelId="{7AA278A4-D773-4089-B2C0-D3980C57B896}" type="presParOf" srcId="{44EFEACD-BBCF-471F-B460-8A494E7D7354}" destId="{BD4107E8-4318-4BEC-AE3A-17A2882B7ADA}" srcOrd="10" destOrd="0" presId="urn:microsoft.com/office/officeart/2005/8/layout/target2"/>
+    <dgm:cxn modelId="{4EC159F4-BF6A-4548-9EFB-5C69DAC988B5}" type="presOf" srcId="{4FAAA736-7B35-4ED3-809D-0D2BA3B760EB}" destId="{64688F6A-3CFA-46B4-AF65-9AD28AE9C41C}" srcOrd="0" destOrd="0" presId="urn:microsoft.com/office/officeart/2005/8/layout/radial6"/>
+    <dgm:cxn modelId="{57D834F9-0362-4968-89F6-B662955BC6CC}" type="presOf" srcId="{CA427819-FB33-4E0F-8D10-BED2E9B5FE90}" destId="{B1C48636-7ABF-4FB6-8658-2DC2873F927A}" srcOrd="0" destOrd="0" presId="urn:microsoft.com/office/officeart/2005/8/layout/radial6"/>
+    <dgm:cxn modelId="{1DC6BDB6-C26A-4214-A740-36CF85B60E7C}" type="presParOf" srcId="{73486626-F990-41CF-B751-2BF8D52EFF33}" destId="{5828CD21-1A64-4409-91D1-CF2DECC09F01}" srcOrd="0" destOrd="0" presId="urn:microsoft.com/office/officeart/2005/8/layout/radial6"/>
+    <dgm:cxn modelId="{14998FC0-4732-41A7-9405-1DD787CE14C0}" type="presParOf" srcId="{73486626-F990-41CF-B751-2BF8D52EFF33}" destId="{4F643DB7-EE65-4DF5-B417-DA10D3CD6A39}" srcOrd="1" destOrd="0" presId="urn:microsoft.com/office/officeart/2005/8/layout/radial6"/>
+    <dgm:cxn modelId="{A922D7B0-8AAB-4018-BB07-596680FBCC3B}" type="presParOf" srcId="{73486626-F990-41CF-B751-2BF8D52EFF33}" destId="{81993A29-6DB6-4EEA-8FC0-91A5C1CA2F2B}" srcOrd="2" destOrd="0" presId="urn:microsoft.com/office/officeart/2005/8/layout/radial6"/>
+    <dgm:cxn modelId="{1564E674-27E9-42DB-A074-7D96E8A53AF3}" type="presParOf" srcId="{73486626-F990-41CF-B751-2BF8D52EFF33}" destId="{B68EE014-DCEC-4C45-9753-52C6B6525200}" srcOrd="3" destOrd="0" presId="urn:microsoft.com/office/officeart/2005/8/layout/radial6"/>
+    <dgm:cxn modelId="{9D26163B-5B12-4861-8D76-115705349E47}" type="presParOf" srcId="{73486626-F990-41CF-B751-2BF8D52EFF33}" destId="{D27A5CC6-601F-464A-83A2-80F163E9C832}" srcOrd="4" destOrd="0" presId="urn:microsoft.com/office/officeart/2005/8/layout/radial6"/>
+    <dgm:cxn modelId="{18ED2721-3EA7-40C9-8651-8711D33059DB}" type="presParOf" srcId="{73486626-F990-41CF-B751-2BF8D52EFF33}" destId="{535E871F-F580-45E9-A492-7DAD1DF17514}" srcOrd="5" destOrd="0" presId="urn:microsoft.com/office/officeart/2005/8/layout/radial6"/>
+    <dgm:cxn modelId="{DC6C9907-B9DB-402E-A79F-856005459F3A}" type="presParOf" srcId="{73486626-F990-41CF-B751-2BF8D52EFF33}" destId="{9E5DBB9B-5897-473C-96E3-D833F32D0843}" srcOrd="6" destOrd="0" presId="urn:microsoft.com/office/officeart/2005/8/layout/radial6"/>
+    <dgm:cxn modelId="{742F4807-423E-4E8E-8F0D-57B214DDA54F}" type="presParOf" srcId="{73486626-F990-41CF-B751-2BF8D52EFF33}" destId="{B1C48636-7ABF-4FB6-8658-2DC2873F927A}" srcOrd="7" destOrd="0" presId="urn:microsoft.com/office/officeart/2005/8/layout/radial6"/>
+    <dgm:cxn modelId="{E654BFA4-128A-47AE-8DA6-0DE9F4F81BA1}" type="presParOf" srcId="{73486626-F990-41CF-B751-2BF8D52EFF33}" destId="{FE22B466-1DA8-4609-BBD3-B72768957859}" srcOrd="8" destOrd="0" presId="urn:microsoft.com/office/officeart/2005/8/layout/radial6"/>
+    <dgm:cxn modelId="{2805E8CA-84D8-4198-A20E-9DEA44BE7C1C}" type="presParOf" srcId="{73486626-F990-41CF-B751-2BF8D52EFF33}" destId="{7E312E4B-6337-4E88-992C-060C27CE48D1}" srcOrd="9" destOrd="0" presId="urn:microsoft.com/office/officeart/2005/8/layout/radial6"/>
+    <dgm:cxn modelId="{4B7EAC97-C76B-4C6C-A6C9-054C8C09BA11}" type="presParOf" srcId="{73486626-F990-41CF-B751-2BF8D52EFF33}" destId="{BF0E52B9-D139-4673-88CA-DBA78922F7B5}" srcOrd="10" destOrd="0" presId="urn:microsoft.com/office/officeart/2005/8/layout/radial6"/>
+    <dgm:cxn modelId="{E289CFDA-4F2F-494A-BB8B-64D493E15908}" type="presParOf" srcId="{73486626-F990-41CF-B751-2BF8D52EFF33}" destId="{27220506-D456-4EBE-9C23-F6E24979E4FC}" srcOrd="11" destOrd="0" presId="urn:microsoft.com/office/officeart/2005/8/layout/radial6"/>
+    <dgm:cxn modelId="{7ED24D33-6CFB-4D43-A4B6-7FD78278CB67}" type="presParOf" srcId="{73486626-F990-41CF-B751-2BF8D52EFF33}" destId="{64688F6A-3CFA-46B4-AF65-9AD28AE9C41C}" srcOrd="12" destOrd="0" presId="urn:microsoft.com/office/officeart/2005/8/layout/radial6"/>
+    <dgm:cxn modelId="{4C082B5A-7088-4D2E-8DA7-E531C41D9176}" type="presParOf" srcId="{73486626-F990-41CF-B751-2BF8D52EFF33}" destId="{BDE57BE5-7B34-4BA1-AC25-3351D981DC7D}" srcOrd="13" destOrd="0" presId="urn:microsoft.com/office/officeart/2005/8/layout/radial6"/>
+    <dgm:cxn modelId="{84DFF3CF-088A-4E53-9BEF-4201918BD350}" type="presParOf" srcId="{73486626-F990-41CF-B751-2BF8D52EFF33}" destId="{CAC1A429-44DA-4538-806E-5DD4C4F779E8}" srcOrd="14" destOrd="0" presId="urn:microsoft.com/office/officeart/2005/8/layout/radial6"/>
+    <dgm:cxn modelId="{C28DDCD1-CA3C-4683-B02C-AE2DB21918D6}" type="presParOf" srcId="{73486626-F990-41CF-B751-2BF8D52EFF33}" destId="{73CD95A2-B381-4058-A65C-B634E03B9B7A}" srcOrd="15" destOrd="0" presId="urn:microsoft.com/office/officeart/2005/8/layout/radial6"/>
+    <dgm:cxn modelId="{923BF33D-51F5-4510-A24C-C7B408F32FD8}" type="presParOf" srcId="{73486626-F990-41CF-B751-2BF8D52EFF33}" destId="{93FE6F2E-B011-4F6E-969E-EAAA38F5D908}" srcOrd="16" destOrd="0" presId="urn:microsoft.com/office/officeart/2005/8/layout/radial6"/>
+    <dgm:cxn modelId="{47225556-4C0E-4B3A-9DCD-5E4879594FEA}" type="presParOf" srcId="{73486626-F990-41CF-B751-2BF8D52EFF33}" destId="{D4AF7D88-8A29-456B-B576-1E33E6F859A0}" srcOrd="17" destOrd="0" presId="urn:microsoft.com/office/officeart/2005/8/layout/radial6"/>
+    <dgm:cxn modelId="{FDBBE04A-D3D5-4BBA-91DF-85FCDBA6DABD}" type="presParOf" srcId="{73486626-F990-41CF-B751-2BF8D52EFF33}" destId="{4C0E6876-333E-401E-8ABB-9BFFD19E0C59}" srcOrd="18" destOrd="0" presId="urn:microsoft.com/office/officeart/2005/8/layout/radial6"/>
   </dgm:cxnLst>
   <dgm:bg/>
   <dgm:whole/>
@@ -3032,20 +3062,294 @@
       <dsp:cNvGrpSpPr/>
     </dsp:nvGrpSpPr>
     <dsp:grpSpPr/>
-    <dsp:sp modelId="{AAE40553-F7AD-465E-BE68-E44F52EBA75A}">
+    <dsp:sp modelId="{4C0E6876-333E-401E-8ABB-9BFFD19E0C59}">
       <dsp:nvSpPr>
         <dsp:cNvPr id="0" name=""/>
         <dsp:cNvSpPr/>
       </dsp:nvSpPr>
       <dsp:spPr>
         <a:xfrm>
-          <a:off x="0" y="0"/>
-          <a:ext cx="3657600" cy="2438400"/>
+          <a:off x="883450" y="273850"/>
+          <a:ext cx="1890698" cy="1890698"/>
         </a:xfrm>
-        <a:prstGeom prst="roundRect">
+        <a:prstGeom prst="blockArc">
           <a:avLst>
-            <a:gd name="adj" fmla="val 8500"/>
+            <a:gd name="adj1" fmla="val 12600000"/>
+            <a:gd name="adj2" fmla="val 16200000"/>
+            <a:gd name="adj3" fmla="val 4494"/>
           </a:avLst>
+        </a:prstGeom>
+        <a:solidFill>
+          <a:schemeClr val="dk1">
+            <a:tint val="60000"/>
+            <a:hueOff val="0"/>
+            <a:satOff val="0"/>
+            <a:lumOff val="0"/>
+            <a:alphaOff val="0"/>
+          </a:schemeClr>
+        </a:solidFill>
+        <a:ln>
+          <a:noFill/>
+        </a:ln>
+        <a:effectLst/>
+      </dsp:spPr>
+      <dsp:style>
+        <a:lnRef idx="0">
+          <a:scrgbClr r="0" g="0" b="0"/>
+        </a:lnRef>
+        <a:fillRef idx="1">
+          <a:scrgbClr r="0" g="0" b="0"/>
+        </a:fillRef>
+        <a:effectRef idx="0">
+          <a:scrgbClr r="0" g="0" b="0"/>
+        </a:effectRef>
+        <a:fontRef idx="minor">
+          <a:schemeClr val="lt1"/>
+        </a:fontRef>
+      </dsp:style>
+    </dsp:sp>
+    <dsp:sp modelId="{73CD95A2-B381-4058-A65C-B634E03B9B7A}">
+      <dsp:nvSpPr>
+        <dsp:cNvPr id="0" name=""/>
+        <dsp:cNvSpPr/>
+      </dsp:nvSpPr>
+      <dsp:spPr>
+        <a:xfrm>
+          <a:off x="883450" y="273850"/>
+          <a:ext cx="1890698" cy="1890698"/>
+        </a:xfrm>
+        <a:prstGeom prst="blockArc">
+          <a:avLst>
+            <a:gd name="adj1" fmla="val 9000000"/>
+            <a:gd name="adj2" fmla="val 12600000"/>
+            <a:gd name="adj3" fmla="val 4494"/>
+          </a:avLst>
+        </a:prstGeom>
+        <a:solidFill>
+          <a:schemeClr val="dk1">
+            <a:tint val="60000"/>
+            <a:hueOff val="0"/>
+            <a:satOff val="0"/>
+            <a:lumOff val="0"/>
+            <a:alphaOff val="0"/>
+          </a:schemeClr>
+        </a:solidFill>
+        <a:ln>
+          <a:noFill/>
+        </a:ln>
+        <a:effectLst/>
+      </dsp:spPr>
+      <dsp:style>
+        <a:lnRef idx="0">
+          <a:scrgbClr r="0" g="0" b="0"/>
+        </a:lnRef>
+        <a:fillRef idx="1">
+          <a:scrgbClr r="0" g="0" b="0"/>
+        </a:fillRef>
+        <a:effectRef idx="0">
+          <a:scrgbClr r="0" g="0" b="0"/>
+        </a:effectRef>
+        <a:fontRef idx="minor">
+          <a:schemeClr val="lt1"/>
+        </a:fontRef>
+      </dsp:style>
+    </dsp:sp>
+    <dsp:sp modelId="{64688F6A-3CFA-46B4-AF65-9AD28AE9C41C}">
+      <dsp:nvSpPr>
+        <dsp:cNvPr id="0" name=""/>
+        <dsp:cNvSpPr/>
+      </dsp:nvSpPr>
+      <dsp:spPr>
+        <a:xfrm>
+          <a:off x="883450" y="273850"/>
+          <a:ext cx="1890698" cy="1890698"/>
+        </a:xfrm>
+        <a:prstGeom prst="blockArc">
+          <a:avLst>
+            <a:gd name="adj1" fmla="val 5400000"/>
+            <a:gd name="adj2" fmla="val 9000000"/>
+            <a:gd name="adj3" fmla="val 4494"/>
+          </a:avLst>
+        </a:prstGeom>
+        <a:solidFill>
+          <a:schemeClr val="dk1">
+            <a:tint val="60000"/>
+            <a:hueOff val="0"/>
+            <a:satOff val="0"/>
+            <a:lumOff val="0"/>
+            <a:alphaOff val="0"/>
+          </a:schemeClr>
+        </a:solidFill>
+        <a:ln>
+          <a:noFill/>
+        </a:ln>
+        <a:effectLst/>
+      </dsp:spPr>
+      <dsp:style>
+        <a:lnRef idx="0">
+          <a:scrgbClr r="0" g="0" b="0"/>
+        </a:lnRef>
+        <a:fillRef idx="1">
+          <a:scrgbClr r="0" g="0" b="0"/>
+        </a:fillRef>
+        <a:effectRef idx="0">
+          <a:scrgbClr r="0" g="0" b="0"/>
+        </a:effectRef>
+        <a:fontRef idx="minor">
+          <a:schemeClr val="lt1"/>
+        </a:fontRef>
+      </dsp:style>
+    </dsp:sp>
+    <dsp:sp modelId="{7E312E4B-6337-4E88-992C-060C27CE48D1}">
+      <dsp:nvSpPr>
+        <dsp:cNvPr id="0" name=""/>
+        <dsp:cNvSpPr/>
+      </dsp:nvSpPr>
+      <dsp:spPr>
+        <a:xfrm>
+          <a:off x="883450" y="273850"/>
+          <a:ext cx="1890698" cy="1890698"/>
+        </a:xfrm>
+        <a:prstGeom prst="blockArc">
+          <a:avLst>
+            <a:gd name="adj1" fmla="val 1800000"/>
+            <a:gd name="adj2" fmla="val 5400000"/>
+            <a:gd name="adj3" fmla="val 4494"/>
+          </a:avLst>
+        </a:prstGeom>
+        <a:solidFill>
+          <a:schemeClr val="dk1">
+            <a:tint val="60000"/>
+            <a:hueOff val="0"/>
+            <a:satOff val="0"/>
+            <a:lumOff val="0"/>
+            <a:alphaOff val="0"/>
+          </a:schemeClr>
+        </a:solidFill>
+        <a:ln>
+          <a:noFill/>
+        </a:ln>
+        <a:effectLst/>
+      </dsp:spPr>
+      <dsp:style>
+        <a:lnRef idx="0">
+          <a:scrgbClr r="0" g="0" b="0"/>
+        </a:lnRef>
+        <a:fillRef idx="1">
+          <a:scrgbClr r="0" g="0" b="0"/>
+        </a:fillRef>
+        <a:effectRef idx="0">
+          <a:scrgbClr r="0" g="0" b="0"/>
+        </a:effectRef>
+        <a:fontRef idx="minor">
+          <a:schemeClr val="lt1"/>
+        </a:fontRef>
+      </dsp:style>
+    </dsp:sp>
+    <dsp:sp modelId="{9E5DBB9B-5897-473C-96E3-D833F32D0843}">
+      <dsp:nvSpPr>
+        <dsp:cNvPr id="0" name=""/>
+        <dsp:cNvSpPr/>
+      </dsp:nvSpPr>
+      <dsp:spPr>
+        <a:xfrm>
+          <a:off x="883450" y="273850"/>
+          <a:ext cx="1890698" cy="1890698"/>
+        </a:xfrm>
+        <a:prstGeom prst="blockArc">
+          <a:avLst>
+            <a:gd name="adj1" fmla="val 19800000"/>
+            <a:gd name="adj2" fmla="val 1800000"/>
+            <a:gd name="adj3" fmla="val 4494"/>
+          </a:avLst>
+        </a:prstGeom>
+        <a:solidFill>
+          <a:schemeClr val="dk1">
+            <a:tint val="60000"/>
+            <a:hueOff val="0"/>
+            <a:satOff val="0"/>
+            <a:lumOff val="0"/>
+            <a:alphaOff val="0"/>
+          </a:schemeClr>
+        </a:solidFill>
+        <a:ln>
+          <a:noFill/>
+        </a:ln>
+        <a:effectLst/>
+      </dsp:spPr>
+      <dsp:style>
+        <a:lnRef idx="0">
+          <a:scrgbClr r="0" g="0" b="0"/>
+        </a:lnRef>
+        <a:fillRef idx="1">
+          <a:scrgbClr r="0" g="0" b="0"/>
+        </a:fillRef>
+        <a:effectRef idx="0">
+          <a:scrgbClr r="0" g="0" b="0"/>
+        </a:effectRef>
+        <a:fontRef idx="minor">
+          <a:schemeClr val="lt1"/>
+        </a:fontRef>
+      </dsp:style>
+    </dsp:sp>
+    <dsp:sp modelId="{B68EE014-DCEC-4C45-9753-52C6B6525200}">
+      <dsp:nvSpPr>
+        <dsp:cNvPr id="0" name=""/>
+        <dsp:cNvSpPr/>
+      </dsp:nvSpPr>
+      <dsp:spPr>
+        <a:xfrm>
+          <a:off x="883450" y="273850"/>
+          <a:ext cx="1890698" cy="1890698"/>
+        </a:xfrm>
+        <a:prstGeom prst="blockArc">
+          <a:avLst>
+            <a:gd name="adj1" fmla="val 16200000"/>
+            <a:gd name="adj2" fmla="val 19800000"/>
+            <a:gd name="adj3" fmla="val 4494"/>
+          </a:avLst>
+        </a:prstGeom>
+        <a:solidFill>
+          <a:schemeClr val="dk1">
+            <a:tint val="60000"/>
+            <a:hueOff val="0"/>
+            <a:satOff val="0"/>
+            <a:lumOff val="0"/>
+            <a:alphaOff val="0"/>
+          </a:schemeClr>
+        </a:solidFill>
+        <a:ln>
+          <a:noFill/>
+        </a:ln>
+        <a:effectLst/>
+      </dsp:spPr>
+      <dsp:style>
+        <a:lnRef idx="0">
+          <a:scrgbClr r="0" g="0" b="0"/>
+        </a:lnRef>
+        <a:fillRef idx="1">
+          <a:scrgbClr r="0" g="0" b="0"/>
+        </a:fillRef>
+        <a:effectRef idx="0">
+          <a:scrgbClr r="0" g="0" b="0"/>
+        </a:effectRef>
+        <a:fontRef idx="minor">
+          <a:schemeClr val="lt1"/>
+        </a:fontRef>
+      </dsp:style>
+    </dsp:sp>
+    <dsp:sp modelId="{5828CD21-1A64-4409-91D1-CF2DECC09F01}">
+      <dsp:nvSpPr>
+        <dsp:cNvPr id="0" name=""/>
+        <dsp:cNvSpPr/>
+      </dsp:nvSpPr>
+      <dsp:spPr>
+        <a:xfrm>
+          <a:off x="1407318" y="797718"/>
+          <a:ext cx="842962" cy="842962"/>
+        </a:xfrm>
+        <a:prstGeom prst="ellipse">
+          <a:avLst/>
         </a:prstGeom>
         <a:solidFill>
           <a:schemeClr val="lt1">
@@ -3085,12 +3389,12 @@
         </a:fontRef>
       </dsp:style>
       <dsp:txBody>
-        <a:bodyPr spcFirstLastPara="0" vert="horz" wrap="square" lIns="171450" tIns="171450" rIns="171450" bIns="1505373" numCol="1" spcCol="1270" anchor="t" anchorCtr="0">
+        <a:bodyPr spcFirstLastPara="0" vert="horz" wrap="square" lIns="21590" tIns="21590" rIns="21590" bIns="21590" numCol="1" spcCol="1270" anchor="ctr" anchorCtr="0">
           <a:noAutofit/>
         </a:bodyPr>
         <a:lstStyle/>
         <a:p>
-          <a:pPr marL="0" lvl="0" indent="0" algn="l" defTabSz="2000250">
+          <a:pPr marL="0" lvl="0" indent="0" algn="ctr" defTabSz="755650">
             <a:lnSpc>
               <a:spcPct val="90000"/>
             </a:lnSpc>
@@ -3103,35 +3407,31 @@
             <a:buNone/>
           </a:pPr>
           <a:r>
-            <a:rPr lang="en-US" sz="4500" kern="1200" dirty="0"/>
+            <a:rPr lang="en-US" sz="1700" kern="1200" dirty="0"/>
             <a:t>Thesis</a:t>
           </a:r>
         </a:p>
       </dsp:txBody>
       <dsp:txXfrm>
-        <a:off x="60706" y="60706"/>
-        <a:ext cx="3536188" cy="2316988"/>
+        <a:off x="1530767" y="921167"/>
+        <a:ext cx="596064" cy="596064"/>
       </dsp:txXfrm>
     </dsp:sp>
-    <dsp:sp modelId="{1C1FE47E-6332-497B-AE27-AA2B02B2B0A4}">
+    <dsp:sp modelId="{4F643DB7-EE65-4DF5-B417-DA10D3CD6A39}">
       <dsp:nvSpPr>
         <dsp:cNvPr id="0" name=""/>
         <dsp:cNvSpPr/>
       </dsp:nvSpPr>
       <dsp:spPr>
         <a:xfrm>
-          <a:off x="91440" y="1097280"/>
-          <a:ext cx="570919" cy="1097280"/>
+          <a:off x="1533763" y="56"/>
+          <a:ext cx="590073" cy="590073"/>
         </a:xfrm>
-        <a:prstGeom prst="roundRect">
-          <a:avLst>
-            <a:gd name="adj" fmla="val 10500"/>
-          </a:avLst>
+        <a:prstGeom prst="ellipse">
+          <a:avLst/>
         </a:prstGeom>
         <a:solidFill>
-          <a:schemeClr val="dk1">
-            <a:alpha val="90000"/>
-            <a:tint val="40000"/>
+          <a:schemeClr val="lt1">
             <a:hueOff val="0"/>
             <a:satOff val="0"/>
             <a:lumOff val="0"/>
@@ -3141,6 +3441,7 @@
         <a:ln w="12700" cap="flat" cmpd="sng" algn="ctr">
           <a:solidFill>
             <a:schemeClr val="dk1">
+              <a:shade val="80000"/>
               <a:hueOff val="0"/>
               <a:satOff val="0"/>
               <a:lumOff val="0"/>
@@ -3162,15 +3463,17 @@
         <a:effectRef idx="0">
           <a:scrgbClr r="0" g="0" b="0"/>
         </a:effectRef>
-        <a:fontRef idx="minor"/>
+        <a:fontRef idx="minor">
+          <a:schemeClr val="lt1"/>
+        </a:fontRef>
       </dsp:style>
       <dsp:txBody>
-        <a:bodyPr spcFirstLastPara="0" vert="horz" wrap="square" lIns="22860" tIns="22860" rIns="22860" bIns="22860" numCol="1" spcCol="1270" anchor="ctr" anchorCtr="0">
+        <a:bodyPr spcFirstLastPara="0" vert="horz" wrap="square" lIns="6350" tIns="6350" rIns="6350" bIns="6350" numCol="1" spcCol="1270" anchor="ctr" anchorCtr="0">
           <a:noAutofit/>
         </a:bodyPr>
         <a:lstStyle/>
         <a:p>
-          <a:pPr marL="0" lvl="0" indent="0" algn="ctr" defTabSz="266700">
+          <a:pPr marL="0" lvl="0" indent="0" algn="ctr" defTabSz="222250">
             <a:lnSpc>
               <a:spcPct val="90000"/>
             </a:lnSpc>
@@ -3183,35 +3486,31 @@
             <a:buNone/>
           </a:pPr>
           <a:r>
-            <a:rPr lang="en-US" sz="600" kern="1200" dirty="0"/>
+            <a:rPr lang="en-US" sz="500" kern="1200" dirty="0"/>
             <a:t>Wireless Requirements</a:t>
           </a:r>
         </a:p>
       </dsp:txBody>
       <dsp:txXfrm>
-        <a:off x="108998" y="1114838"/>
-        <a:ext cx="535803" cy="1062164"/>
+        <a:off x="1620177" y="86470"/>
+        <a:ext cx="417245" cy="417245"/>
       </dsp:txXfrm>
     </dsp:sp>
-    <dsp:sp modelId="{0BDC1031-AD1A-4D79-AB74-C17488B0F667}">
+    <dsp:sp modelId="{D27A5CC6-601F-464A-83A2-80F163E9C832}">
       <dsp:nvSpPr>
         <dsp:cNvPr id="0" name=""/>
         <dsp:cNvSpPr/>
       </dsp:nvSpPr>
       <dsp:spPr>
         <a:xfrm>
-          <a:off x="671374" y="1097280"/>
-          <a:ext cx="570919" cy="1097280"/>
+          <a:off x="2334062" y="462109"/>
+          <a:ext cx="590073" cy="590073"/>
         </a:xfrm>
-        <a:prstGeom prst="roundRect">
-          <a:avLst>
-            <a:gd name="adj" fmla="val 10500"/>
-          </a:avLst>
+        <a:prstGeom prst="ellipse">
+          <a:avLst/>
         </a:prstGeom>
         <a:solidFill>
-          <a:schemeClr val="dk1">
-            <a:alpha val="90000"/>
-            <a:tint val="40000"/>
+          <a:schemeClr val="lt1">
             <a:hueOff val="0"/>
             <a:satOff val="0"/>
             <a:lumOff val="0"/>
@@ -3221,6 +3520,7 @@
         <a:ln w="12700" cap="flat" cmpd="sng" algn="ctr">
           <a:solidFill>
             <a:schemeClr val="dk1">
+              <a:shade val="80000"/>
               <a:hueOff val="0"/>
               <a:satOff val="0"/>
               <a:lumOff val="0"/>
@@ -3242,15 +3542,17 @@
         <a:effectRef idx="0">
           <a:scrgbClr r="0" g="0" b="0"/>
         </a:effectRef>
-        <a:fontRef idx="minor"/>
+        <a:fontRef idx="minor">
+          <a:schemeClr val="lt1"/>
+        </a:fontRef>
       </dsp:style>
       <dsp:txBody>
-        <a:bodyPr spcFirstLastPara="0" vert="horz" wrap="square" lIns="22860" tIns="22860" rIns="22860" bIns="22860" numCol="1" spcCol="1270" anchor="ctr" anchorCtr="0">
+        <a:bodyPr spcFirstLastPara="0" vert="horz" wrap="square" lIns="6350" tIns="6350" rIns="6350" bIns="6350" numCol="1" spcCol="1270" anchor="ctr" anchorCtr="0">
           <a:noAutofit/>
         </a:bodyPr>
         <a:lstStyle/>
         <a:p>
-          <a:pPr marL="0" lvl="0" indent="0" algn="ctr" defTabSz="266700">
+          <a:pPr marL="0" lvl="0" indent="0" algn="ctr" defTabSz="222250">
             <a:lnSpc>
               <a:spcPct val="90000"/>
             </a:lnSpc>
@@ -3263,35 +3565,31 @@
             <a:buNone/>
           </a:pPr>
           <a:r>
-            <a:rPr lang="en-US" sz="600" kern="1200" dirty="0"/>
+            <a:rPr lang="en-US" sz="500" kern="1200" dirty="0"/>
             <a:t>Architectural Modeling</a:t>
           </a:r>
         </a:p>
       </dsp:txBody>
       <dsp:txXfrm>
-        <a:off x="688932" y="1114838"/>
-        <a:ext cx="535803" cy="1062164"/>
+        <a:off x="2420476" y="548523"/>
+        <a:ext cx="417245" cy="417245"/>
       </dsp:txXfrm>
     </dsp:sp>
-    <dsp:sp modelId="{B2EB2BAD-E656-4C56-AF49-D0FA9B44C748}">
+    <dsp:sp modelId="{B1C48636-7ABF-4FB6-8658-2DC2873F927A}">
       <dsp:nvSpPr>
         <dsp:cNvPr id="0" name=""/>
         <dsp:cNvSpPr/>
       </dsp:nvSpPr>
       <dsp:spPr>
         <a:xfrm>
-          <a:off x="1251308" y="1097280"/>
-          <a:ext cx="570919" cy="1097280"/>
+          <a:off x="2334062" y="1386216"/>
+          <a:ext cx="590073" cy="590073"/>
         </a:xfrm>
-        <a:prstGeom prst="roundRect">
-          <a:avLst>
-            <a:gd name="adj" fmla="val 10500"/>
-          </a:avLst>
+        <a:prstGeom prst="ellipse">
+          <a:avLst/>
         </a:prstGeom>
         <a:solidFill>
-          <a:schemeClr val="dk1">
-            <a:alpha val="90000"/>
-            <a:tint val="40000"/>
+          <a:schemeClr val="lt1">
             <a:hueOff val="0"/>
             <a:satOff val="0"/>
             <a:lumOff val="0"/>
@@ -3301,6 +3599,7 @@
         <a:ln w="12700" cap="flat" cmpd="sng" algn="ctr">
           <a:solidFill>
             <a:schemeClr val="dk1">
+              <a:shade val="80000"/>
               <a:hueOff val="0"/>
               <a:satOff val="0"/>
               <a:lumOff val="0"/>
@@ -3322,15 +3621,17 @@
         <a:effectRef idx="0">
           <a:scrgbClr r="0" g="0" b="0"/>
         </a:effectRef>
-        <a:fontRef idx="minor"/>
+        <a:fontRef idx="minor">
+          <a:schemeClr val="lt1"/>
+        </a:fontRef>
       </dsp:style>
       <dsp:txBody>
-        <a:bodyPr spcFirstLastPara="0" vert="horz" wrap="square" lIns="22860" tIns="22860" rIns="22860" bIns="22860" numCol="1" spcCol="1270" anchor="ctr" anchorCtr="0">
+        <a:bodyPr spcFirstLastPara="0" vert="horz" wrap="square" lIns="6350" tIns="6350" rIns="6350" bIns="6350" numCol="1" spcCol="1270" anchor="ctr" anchorCtr="0">
           <a:noAutofit/>
         </a:bodyPr>
         <a:lstStyle/>
         <a:p>
-          <a:pPr marL="0" lvl="0" indent="0" algn="ctr" defTabSz="266700">
+          <a:pPr marL="0" lvl="0" indent="0" algn="ctr" defTabSz="222250">
             <a:lnSpc>
               <a:spcPct val="90000"/>
             </a:lnSpc>
@@ -3343,35 +3644,31 @@
             <a:buNone/>
           </a:pPr>
           <a:r>
-            <a:rPr lang="en-US" sz="600" kern="1200" dirty="0"/>
+            <a:rPr lang="en-US" sz="500" kern="1200" dirty="0"/>
             <a:t>Testbed Development</a:t>
           </a:r>
         </a:p>
       </dsp:txBody>
       <dsp:txXfrm>
-        <a:off x="1268866" y="1114838"/>
-        <a:ext cx="535803" cy="1062164"/>
+        <a:off x="2420476" y="1472630"/>
+        <a:ext cx="417245" cy="417245"/>
       </dsp:txXfrm>
     </dsp:sp>
-    <dsp:sp modelId="{D6B94978-CBF6-49A3-87AD-9F6B2E28C34A}">
+    <dsp:sp modelId="{BF0E52B9-D139-4673-88CA-DBA78922F7B5}">
       <dsp:nvSpPr>
         <dsp:cNvPr id="0" name=""/>
         <dsp:cNvSpPr/>
       </dsp:nvSpPr>
       <dsp:spPr>
         <a:xfrm>
-          <a:off x="1831242" y="1097280"/>
-          <a:ext cx="570919" cy="1097280"/>
+          <a:off x="1533763" y="1848269"/>
+          <a:ext cx="590073" cy="590073"/>
         </a:xfrm>
-        <a:prstGeom prst="roundRect">
-          <a:avLst>
-            <a:gd name="adj" fmla="val 10500"/>
-          </a:avLst>
+        <a:prstGeom prst="ellipse">
+          <a:avLst/>
         </a:prstGeom>
         <a:solidFill>
-          <a:schemeClr val="dk1">
-            <a:alpha val="90000"/>
-            <a:tint val="40000"/>
+          <a:schemeClr val="lt1">
             <a:hueOff val="0"/>
             <a:satOff val="0"/>
             <a:lumOff val="0"/>
@@ -3381,6 +3678,7 @@
         <a:ln w="12700" cap="flat" cmpd="sng" algn="ctr">
           <a:solidFill>
             <a:schemeClr val="dk1">
+              <a:shade val="80000"/>
               <a:hueOff val="0"/>
               <a:satOff val="0"/>
               <a:lumOff val="0"/>
@@ -3402,15 +3700,17 @@
         <a:effectRef idx="0">
           <a:scrgbClr r="0" g="0" b="0"/>
         </a:effectRef>
-        <a:fontRef idx="minor"/>
+        <a:fontRef idx="minor">
+          <a:schemeClr val="lt1"/>
+        </a:fontRef>
       </dsp:style>
       <dsp:txBody>
-        <a:bodyPr spcFirstLastPara="0" vert="horz" wrap="square" lIns="22860" tIns="22860" rIns="22860" bIns="22860" numCol="1" spcCol="1270" anchor="ctr" anchorCtr="0">
+        <a:bodyPr spcFirstLastPara="0" vert="horz" wrap="square" lIns="6350" tIns="6350" rIns="6350" bIns="6350" numCol="1" spcCol="1270" anchor="ctr" anchorCtr="0">
           <a:noAutofit/>
         </a:bodyPr>
         <a:lstStyle/>
         <a:p>
-          <a:pPr marL="0" lvl="0" indent="0" algn="ctr" defTabSz="266700">
+          <a:pPr marL="0" lvl="0" indent="0" algn="ctr" defTabSz="222250">
             <a:lnSpc>
               <a:spcPct val="90000"/>
             </a:lnSpc>
@@ -3423,35 +3723,31 @@
             <a:buNone/>
           </a:pPr>
           <a:r>
-            <a:rPr lang="en-US" sz="600" kern="1200" dirty="0"/>
+            <a:rPr lang="en-US" sz="500" kern="1200" dirty="0"/>
             <a:t>Data Collection and Organization</a:t>
           </a:r>
         </a:p>
       </dsp:txBody>
       <dsp:txXfrm>
-        <a:off x="1848800" y="1114838"/>
-        <a:ext cx="535803" cy="1062164"/>
+        <a:off x="1620177" y="1934683"/>
+        <a:ext cx="417245" cy="417245"/>
       </dsp:txXfrm>
     </dsp:sp>
-    <dsp:sp modelId="{1C99F551-3349-4CE9-BF6E-415336B8882E}">
+    <dsp:sp modelId="{BDE57BE5-7B34-4BA1-AC25-3351D981DC7D}">
       <dsp:nvSpPr>
         <dsp:cNvPr id="0" name=""/>
         <dsp:cNvSpPr/>
       </dsp:nvSpPr>
       <dsp:spPr>
         <a:xfrm>
-          <a:off x="2411176" y="1097280"/>
-          <a:ext cx="570919" cy="1097280"/>
+          <a:off x="733463" y="1386216"/>
+          <a:ext cx="590073" cy="590073"/>
         </a:xfrm>
-        <a:prstGeom prst="roundRect">
-          <a:avLst>
-            <a:gd name="adj" fmla="val 10500"/>
-          </a:avLst>
+        <a:prstGeom prst="ellipse">
+          <a:avLst/>
         </a:prstGeom>
         <a:solidFill>
-          <a:schemeClr val="dk1">
-            <a:alpha val="90000"/>
-            <a:tint val="40000"/>
+          <a:schemeClr val="lt1">
             <a:hueOff val="0"/>
             <a:satOff val="0"/>
             <a:lumOff val="0"/>
@@ -3461,6 +3757,7 @@
         <a:ln w="12700" cap="flat" cmpd="sng" algn="ctr">
           <a:solidFill>
             <a:schemeClr val="dk1">
+              <a:shade val="80000"/>
               <a:hueOff val="0"/>
               <a:satOff val="0"/>
               <a:lumOff val="0"/>
@@ -3482,15 +3779,17 @@
         <a:effectRef idx="0">
           <a:scrgbClr r="0" g="0" b="0"/>
         </a:effectRef>
-        <a:fontRef idx="minor"/>
+        <a:fontRef idx="minor">
+          <a:schemeClr val="lt1"/>
+        </a:fontRef>
       </dsp:style>
       <dsp:txBody>
-        <a:bodyPr spcFirstLastPara="0" vert="horz" wrap="square" lIns="22860" tIns="22860" rIns="22860" bIns="22860" numCol="1" spcCol="1270" anchor="ctr" anchorCtr="0">
+        <a:bodyPr spcFirstLastPara="0" vert="horz" wrap="square" lIns="6350" tIns="6350" rIns="6350" bIns="6350" numCol="1" spcCol="1270" anchor="ctr" anchorCtr="0">
           <a:noAutofit/>
         </a:bodyPr>
         <a:lstStyle/>
         <a:p>
-          <a:pPr marL="0" lvl="0" indent="0" algn="ctr" defTabSz="266700">
+          <a:pPr marL="0" lvl="0" indent="0" algn="ctr" defTabSz="222250">
             <a:lnSpc>
               <a:spcPct val="90000"/>
             </a:lnSpc>
@@ -3503,35 +3802,31 @@
             <a:buNone/>
           </a:pPr>
           <a:r>
-            <a:rPr lang="en-US" sz="600" kern="1200" dirty="0"/>
+            <a:rPr lang="en-US" sz="500" kern="1200" dirty="0"/>
             <a:t>Machine Learning</a:t>
           </a:r>
         </a:p>
       </dsp:txBody>
       <dsp:txXfrm>
-        <a:off x="2428734" y="1114838"/>
-        <a:ext cx="535803" cy="1062164"/>
+        <a:off x="819877" y="1472630"/>
+        <a:ext cx="417245" cy="417245"/>
       </dsp:txXfrm>
     </dsp:sp>
-    <dsp:sp modelId="{BD4107E8-4318-4BEC-AE3A-17A2882B7ADA}">
+    <dsp:sp modelId="{93FE6F2E-B011-4F6E-969E-EAAA38F5D908}">
       <dsp:nvSpPr>
         <dsp:cNvPr id="0" name=""/>
         <dsp:cNvSpPr/>
       </dsp:nvSpPr>
       <dsp:spPr>
         <a:xfrm>
-          <a:off x="2991110" y="1097280"/>
-          <a:ext cx="570919" cy="1097280"/>
+          <a:off x="733463" y="462109"/>
+          <a:ext cx="590073" cy="590073"/>
         </a:xfrm>
-        <a:prstGeom prst="roundRect">
-          <a:avLst>
-            <a:gd name="adj" fmla="val 10500"/>
-          </a:avLst>
+        <a:prstGeom prst="ellipse">
+          <a:avLst/>
         </a:prstGeom>
         <a:solidFill>
-          <a:schemeClr val="dk1">
-            <a:alpha val="90000"/>
-            <a:tint val="40000"/>
+          <a:schemeClr val="lt1">
             <a:hueOff val="0"/>
             <a:satOff val="0"/>
             <a:lumOff val="0"/>
@@ -3541,6 +3836,7 @@
         <a:ln w="12700" cap="flat" cmpd="sng" algn="ctr">
           <a:solidFill>
             <a:schemeClr val="dk1">
+              <a:shade val="80000"/>
               <a:hueOff val="0"/>
               <a:satOff val="0"/>
               <a:lumOff val="0"/>
@@ -3562,15 +3858,17 @@
         <a:effectRef idx="0">
           <a:scrgbClr r="0" g="0" b="0"/>
         </a:effectRef>
-        <a:fontRef idx="minor"/>
+        <a:fontRef idx="minor">
+          <a:schemeClr val="lt1"/>
+        </a:fontRef>
       </dsp:style>
       <dsp:txBody>
-        <a:bodyPr spcFirstLastPara="0" vert="horz" wrap="square" lIns="22860" tIns="22860" rIns="22860" bIns="22860" numCol="1" spcCol="1270" anchor="ctr" anchorCtr="0">
+        <a:bodyPr spcFirstLastPara="0" vert="horz" wrap="square" lIns="6350" tIns="6350" rIns="6350" bIns="6350" numCol="1" spcCol="1270" anchor="ctr" anchorCtr="0">
           <a:noAutofit/>
         </a:bodyPr>
         <a:lstStyle/>
         <a:p>
-          <a:pPr marL="0" lvl="0" indent="0" algn="ctr" defTabSz="266700">
+          <a:pPr marL="0" lvl="0" indent="0" algn="ctr" defTabSz="222250">
             <a:lnSpc>
               <a:spcPct val="90000"/>
             </a:lnSpc>
@@ -3583,14 +3881,14 @@
             <a:buNone/>
           </a:pPr>
           <a:r>
-            <a:rPr lang="en-US" sz="600" kern="1200" dirty="0"/>
+            <a:rPr lang="en-US" sz="500" kern="1200" dirty="0"/>
             <a:t>Future Research</a:t>
           </a:r>
         </a:p>
       </dsp:txBody>
       <dsp:txXfrm>
-        <a:off x="3008668" y="1114838"/>
-        <a:ext cx="535803" cy="1062164"/>
+        <a:off x="819877" y="548523"/>
+        <a:ext cx="417245" cy="417245"/>
       </dsp:txXfrm>
     </dsp:sp>
   </dsp:spTree>
@@ -4686,11 +4984,12 @@
 </file>
 
 <file path=ppt/diagrams/layout1.xml><?xml version="1.0" encoding="utf-8"?>
-<dgm:layoutDef xmlns:dgm="http://schemas.openxmlformats.org/drawingml/2006/diagram" xmlns:a="http://schemas.openxmlformats.org/drawingml/2006/main" uniqueId="urn:microsoft.com/office/officeart/2005/8/layout/target2">
+<dgm:layoutDef xmlns:dgm="http://schemas.openxmlformats.org/drawingml/2006/diagram" xmlns:a="http://schemas.openxmlformats.org/drawingml/2006/main" uniqueId="urn:microsoft.com/office/officeart/2005/8/layout/radial6">
   <dgm:title val=""/>
   <dgm:desc val=""/>
   <dgm:catLst>
-    <dgm:cat type="relationship" pri="12000"/>
+    <dgm:cat type="cycle" pri="9000"/>
+    <dgm:cat type="relationship" pri="21000"/>
   </dgm:catLst>
   <dgm:sampData>
     <dgm:dataModel>
@@ -4705,35 +5004,19 @@
         <dgm:pt modelId="12">
           <dgm:prSet phldr="1"/>
         </dgm:pt>
-        <dgm:pt modelId="2">
+        <dgm:pt modelId="13">
           <dgm:prSet phldr="1"/>
         </dgm:pt>
-        <dgm:pt modelId="21">
-          <dgm:prSet phldr="1"/>
-        </dgm:pt>
-        <dgm:pt modelId="22">
-          <dgm:prSet phldr="1"/>
-        </dgm:pt>
-        <dgm:pt modelId="3">
-          <dgm:prSet phldr="1"/>
-        </dgm:pt>
-        <dgm:pt modelId="31">
-          <dgm:prSet phldr="1"/>
-        </dgm:pt>
-        <dgm:pt modelId="32">
+        <dgm:pt modelId="14">
           <dgm:prSet phldr="1"/>
         </dgm:pt>
       </dgm:ptLst>
       <dgm:cxnLst>
-        <dgm:cxn modelId="4" srcId="0" destId="1" srcOrd="0" destOrd="0"/>
-        <dgm:cxn modelId="5" srcId="0" destId="2" srcOrd="1" destOrd="0"/>
-        <dgm:cxn modelId="6" srcId="0" destId="3" srcOrd="2" destOrd="0"/>
-        <dgm:cxn modelId="13" srcId="1" destId="11" srcOrd="0" destOrd="0"/>
-        <dgm:cxn modelId="14" srcId="1" destId="12" srcOrd="1" destOrd="0"/>
-        <dgm:cxn modelId="23" srcId="2" destId="21" srcOrd="0" destOrd="0"/>
-        <dgm:cxn modelId="24" srcId="2" destId="22" srcOrd="1" destOrd="0"/>
-        <dgm:cxn modelId="33" srcId="3" destId="31" srcOrd="0" destOrd="0"/>
-        <dgm:cxn modelId="34" srcId="3" destId="32" srcOrd="1" destOrd="0"/>
+        <dgm:cxn modelId="2" srcId="0" destId="1" srcOrd="0" destOrd="0"/>
+        <dgm:cxn modelId="3" srcId="1" destId="11" srcOrd="0" destOrd="0"/>
+        <dgm:cxn modelId="4" srcId="1" destId="12" srcOrd="1" destOrd="0"/>
+        <dgm:cxn modelId="5" srcId="1" destId="13" srcOrd="2" destOrd="0"/>
+        <dgm:cxn modelId="6" srcId="1" destId="14" srcOrd="3" destOrd="0"/>
       </dgm:cxnLst>
       <dgm:bg/>
       <dgm:whole/>
@@ -4745,14 +5028,14 @@
         <dgm:pt modelId="0" type="doc"/>
         <dgm:pt modelId="1"/>
         <dgm:pt modelId="11"/>
-        <dgm:pt modelId="2"/>
-        <dgm:pt modelId="21"/>
+        <dgm:pt modelId="12"/>
+        <dgm:pt modelId="13"/>
       </dgm:ptLst>
       <dgm:cxnLst>
-        <dgm:cxn modelId="4" srcId="0" destId="1" srcOrd="0" destOrd="0"/>
-        <dgm:cxn modelId="5" srcId="0" destId="2" srcOrd="1" destOrd="0"/>
-        <dgm:cxn modelId="13" srcId="1" destId="11" srcOrd="0" destOrd="0"/>
-        <dgm:cxn modelId="23" srcId="2" destId="21" srcOrd="0" destOrd="0"/>
+        <dgm:cxn modelId="2" srcId="0" destId="1" srcOrd="0" destOrd="0"/>
+        <dgm:cxn modelId="15" srcId="1" destId="11" srcOrd="0" destOrd="0"/>
+        <dgm:cxn modelId="16" srcId="1" destId="12" srcOrd="1" destOrd="0"/>
+        <dgm:cxn modelId="17" srcId="1" destId="13" srcOrd="2" destOrd="0"/>
       </dgm:cxnLst>
       <dgm:bg/>
       <dgm:whole/>
@@ -4764,22 +5047,20 @@
         <dgm:pt modelId="0" type="doc"/>
         <dgm:pt modelId="1"/>
         <dgm:pt modelId="11"/>
-        <dgm:pt modelId="2"/>
-        <dgm:pt modelId="21"/>
-        <dgm:pt modelId="3"/>
-        <dgm:pt modelId="31"/>
-        <dgm:pt modelId="4"/>
-        <dgm:pt modelId="41"/>
+        <dgm:pt modelId="12"/>
+        <dgm:pt modelId="13"/>
+        <dgm:pt modelId="14"/>
+        <dgm:pt modelId="15"/>
+        <dgm:pt modelId="16"/>
       </dgm:ptLst>
       <dgm:cxnLst>
-        <dgm:cxn modelId="5" srcId="0" destId="1" srcOrd="0" destOrd="0"/>
-        <dgm:cxn modelId="6" srcId="0" destId="2" srcOrd="1" destOrd="0"/>
-        <dgm:cxn modelId="7" srcId="0" destId="3" srcOrd="2" destOrd="0"/>
-        <dgm:cxn modelId="8" srcId="0" destId="4" srcOrd="3" destOrd="0"/>
-        <dgm:cxn modelId="13" srcId="1" destId="11" srcOrd="0" destOrd="0"/>
-        <dgm:cxn modelId="23" srcId="2" destId="21" srcOrd="0" destOrd="0"/>
-        <dgm:cxn modelId="33" srcId="3" destId="31" srcOrd="0" destOrd="0"/>
-        <dgm:cxn modelId="43" srcId="4" destId="41" srcOrd="0" destOrd="0"/>
+        <dgm:cxn modelId="2" srcId="0" destId="1" srcOrd="0" destOrd="0"/>
+        <dgm:cxn modelId="16" srcId="1" destId="11" srcOrd="0" destOrd="0"/>
+        <dgm:cxn modelId="17" srcId="1" destId="12" srcOrd="1" destOrd="0"/>
+        <dgm:cxn modelId="18" srcId="1" destId="13" srcOrd="2" destOrd="0"/>
+        <dgm:cxn modelId="19" srcId="1" destId="14" srcOrd="3" destOrd="0"/>
+        <dgm:cxn modelId="20" srcId="1" destId="15" srcOrd="4" destOrd="0"/>
+        <dgm:cxn modelId="21" srcId="1" destId="16" srcOrd="5" destOrd="0"/>
       </dgm:cxnLst>
       <dgm:bg/>
       <dgm:whole/>
@@ -4787,682 +5068,324 @@
   </dgm:clrData>
   <dgm:layoutNode name="Name0">
     <dgm:varLst>
-      <dgm:chMax val="3"/>
-      <dgm:chPref val="1"/>
+      <dgm:chMax val="1"/>
       <dgm:dir/>
-      <dgm:animLvl val="lvl"/>
-      <dgm:resizeHandles/>
+      <dgm:animLvl val="ctr"/>
+      <dgm:resizeHandles val="exact"/>
     </dgm:varLst>
-    <dgm:alg type="composite">
-      <dgm:param type="horzAlign" val="none"/>
-      <dgm:param type="vertAlign" val="none"/>
-    </dgm:alg>
+    <dgm:choose name="Name1">
+      <dgm:if name="Name2" func="var" arg="dir" op="equ" val="norm">
+        <dgm:choose name="Name3">
+          <dgm:if name="Name4" axis="ch ch" ptType="node node" st="1 1" cnt="1 0" func="cnt" op="lte" val="1">
+            <dgm:alg type="cycle">
+              <dgm:param type="stAng" val="90"/>
+              <dgm:param type="spanAng" val="360"/>
+              <dgm:param type="ctrShpMap" val="fNode"/>
+            </dgm:alg>
+          </dgm:if>
+          <dgm:else name="Name5">
+            <dgm:alg type="cycle">
+              <dgm:param type="stAng" val="0"/>
+              <dgm:param type="spanAng" val="360"/>
+              <dgm:param type="ctrShpMap" val="fNode"/>
+            </dgm:alg>
+          </dgm:else>
+        </dgm:choose>
+      </dgm:if>
+      <dgm:else name="Name6">
+        <dgm:choose name="Name7">
+          <dgm:if name="Name8" axis="ch ch" ptType="node node" st="1 1" cnt="1 0" func="cnt" op="lte" val="1">
+            <dgm:alg type="cycle">
+              <dgm:param type="stAng" val="-90"/>
+              <dgm:param type="spanAng" val="360"/>
+              <dgm:param type="ctrShpMap" val="fNode"/>
+            </dgm:alg>
+          </dgm:if>
+          <dgm:else name="Name9">
+            <dgm:alg type="cycle">
+              <dgm:param type="stAng" val="0"/>
+              <dgm:param type="spanAng" val="-360"/>
+              <dgm:param type="ctrShpMap" val="fNode"/>
+            </dgm:alg>
+          </dgm:else>
+        </dgm:choose>
+      </dgm:else>
+    </dgm:choose>
     <dgm:shape xmlns:r="http://schemas.openxmlformats.org/officeDocument/2006/relationships" r:blip="">
       <dgm:adjLst/>
     </dgm:shape>
     <dgm:presOf/>
-    <dgm:choose name="Name1">
-      <dgm:if name="Name2" func="var" arg="dir" op="equ" val="norm">
-        <dgm:choose name="Name3">
-          <dgm:if name="Name4" axis="ch ch" ptType="node node" st="1 1" cnt="1 0" func="cnt" op="gt" val="0">
-            <dgm:choose name="Name5">
-              <dgm:if name="Name6" axis="ch ch" ptType="node node" st="2 1" cnt="1 0" func="cnt" op="gt" val="0">
-                <dgm:constrLst>
-                  <dgm:constr type="primFontSz" for="des" forName="middleBoxParent" val="65"/>
-                  <dgm:constr type="primFontSz" for="des" forName="mChild" val="65"/>
-                  <dgm:constr type="primFontSz" for="des" forName="outerBoxParent" refType="primFontSz" refFor="des" refForName="middleBoxParent" op="equ"/>
-                  <dgm:constr type="primFontSz" for="des" forName="centerBoxParent" refType="primFontSz" refFor="des" refForName="middleBoxParent" op="equ"/>
-                  <dgm:constr type="primFontSz" for="des" forName="oChild" refType="primFontSz" refFor="des" refForName="mChild" op="equ"/>
-                  <dgm:constr type="primFontSz" for="des" forName="cChild" refType="primFontSz" refFor="des" refForName="mChild" op="equ"/>
-                  <dgm:constr type="l" for="ch" forName="outerBox"/>
-                  <dgm:constr type="t" for="ch" forName="outerBox"/>
-                  <dgm:constr type="w" for="ch" forName="outerBox" refType="w"/>
-                  <dgm:constr type="h" for="ch" forName="outerBox" refType="h"/>
-                  <dgm:constr type="l" for="ch" forName="middleBox" refType="w" fact="0.2"/>
-                  <dgm:constr type="t" for="ch" forName="middleBox" refType="h" fact="0.25"/>
-                  <dgm:constr type="w" for="ch" forName="middleBox" refType="w" fact="0.775"/>
-                  <dgm:constr type="h" for="ch" forName="middleBox" refType="h" fact="0.7"/>
-                  <dgm:constr type="l" for="ch" forName="centerBox" refType="w" fact="0.395"/>
-                  <dgm:constr type="t" for="ch" forName="centerBox" refType="h" fact="0.5"/>
-                  <dgm:constr type="w" for="ch" forName="centerBox" refType="w" fact="0.555"/>
-                  <dgm:constr type="h" for="ch" forName="centerBox" refType="h" fact="0.4"/>
-                  <dgm:constr type="userA" for="des" forName="outerSibTrans" refType="w"/>
-                  <dgm:constr type="userA" for="des" forName="middleSibTrans" refType="w"/>
-                  <dgm:constr type="userA" for="des" forName="centerSibTrans" refType="w"/>
-                </dgm:constrLst>
-              </dgm:if>
-              <dgm:else name="Name7">
-                <dgm:constrLst>
-                  <dgm:constr type="primFontSz" for="des" forName="middleBoxParent" val="65"/>
-                  <dgm:constr type="primFontSz" for="des" forName="mChild" val="65"/>
-                  <dgm:constr type="primFontSz" for="des" forName="outerBoxParent" refType="primFontSz" refFor="des" refForName="middleBoxParent" op="equ"/>
-                  <dgm:constr type="primFontSz" for="des" forName="centerBoxParent" refType="primFontSz" refFor="des" refForName="middleBoxParent" op="equ"/>
-                  <dgm:constr type="primFontSz" for="des" forName="oChild" refType="primFontSz" refFor="des" refForName="mChild" op="equ"/>
-                  <dgm:constr type="primFontSz" for="des" forName="cChild" refType="primFontSz" refFor="des" refForName="mChild" op="equ"/>
-                  <dgm:constr type="l" for="ch" forName="outerBox"/>
-                  <dgm:constr type="t" for="ch" forName="outerBox"/>
-                  <dgm:constr type="w" for="ch" forName="outerBox" refType="w"/>
-                  <dgm:constr type="h" for="ch" forName="outerBox" refType="h"/>
-                  <dgm:constr type="l" for="ch" forName="middleBox" refType="w" fact="0.2"/>
-                  <dgm:constr type="t" for="ch" forName="middleBox" refType="h" fact="0.25"/>
-                  <dgm:constr type="w" for="ch" forName="middleBox" refType="w" fact="0.775"/>
-                  <dgm:constr type="h" for="ch" forName="middleBox" refType="h" fact="0.7"/>
-                  <dgm:constr type="l" for="ch" forName="centerBox" refType="w" fact="0.225"/>
-                  <dgm:constr type="t" for="ch" forName="centerBox" refType="h" fact="0.5"/>
-                  <dgm:constr type="w" for="ch" forName="centerBox" refType="w" fact="0.725"/>
-                  <dgm:constr type="h" for="ch" forName="centerBox" refType="h" fact="0.4"/>
-                  <dgm:constr type="userA" for="des" forName="outerSibTrans" refType="w"/>
-                  <dgm:constr type="userA" for="des" forName="middleSibTrans" refType="w"/>
-                  <dgm:constr type="userA" for="des" forName="centerSibTrans" refType="w"/>
-                </dgm:constrLst>
-              </dgm:else>
-            </dgm:choose>
+    <dgm:choose name="Name10">
+      <dgm:if name="Name11" func="var" arg="dir" op="equ" val="norm">
+        <dgm:choose name="Name12">
+          <dgm:if name="Name13" axis="ch ch" ptType="node node" st="1 1" cnt="1 0" func="cnt" op="equ" val="1">
+            <dgm:constrLst>
+              <dgm:constr type="diam" val="170"/>
+              <dgm:constr type="w" for="ch" forName="centerShape" refType="w"/>
+              <dgm:constr type="w" for="ch" forName="oneComp" refType="w" refFor="ch" refForName="centerShape" op="equ" fact="0.7"/>
+              <dgm:constr type="sp" refType="w" refFor="ch" refForName="oneComp" fact="0.3"/>
+              <dgm:constr type="sibSp" refType="w" refFor="ch" refForName="oneComp" fact="0.3"/>
+              <dgm:constr type="primFontSz" for="ch" forName="centerShape" val="65"/>
+              <dgm:constr type="primFontSz" for="des" forName="oneNode" refType="primFontSz" refFor="ch" refForName="centerShape" fact="0.95"/>
+              <dgm:constr type="primFontSz" for="des" forName="oneNode" refType="primFontSz" refFor="ch" refForName="centerShape" op="lte" fact="0.95"/>
+              <dgm:constr type="diam" for="ch" forName="singleconn" refType="diam" op="equ" fact="-1"/>
+              <dgm:constr type="h" for="ch" forName="singleconn" refType="w" refFor="ch" refForName="oneComp" fact="0.24"/>
+              <dgm:constr type="w" for="ch" forName="dummya" refType="w" refFor="ch" refForName="oneComp" op="equ"/>
+              <dgm:constr type="w" for="ch" forName="dummyb" refType="w" refFor="ch" refForName="oneComp" op="equ"/>
+              <dgm:constr type="w" for="ch" forName="dummyc" refType="w" refFor="ch" refForName="oneComp" op="equ"/>
+            </dgm:constrLst>
           </dgm:if>
-          <dgm:else name="Name8">
-            <dgm:choose name="Name9">
-              <dgm:if name="Name10" axis="ch ch" ptType="node node" st="2 1" cnt="1 0" func="cnt" op="gt" val="0">
-                <dgm:constrLst>
-                  <dgm:constr type="primFontSz" for="des" forName="middleBoxParent" val="65"/>
-                  <dgm:constr type="primFontSz" for="des" forName="mChild" val="65"/>
-                  <dgm:constr type="primFontSz" for="des" forName="outerBoxParent" refType="primFontSz" refFor="des" refForName="middleBoxParent" op="equ"/>
-                  <dgm:constr type="primFontSz" for="des" forName="centerBoxParent" refType="primFontSz" refFor="des" refForName="middleBoxParent" op="equ"/>
-                  <dgm:constr type="primFontSz" for="des" forName="oChild" refType="primFontSz" refFor="des" refForName="mChild" op="equ"/>
-                  <dgm:constr type="primFontSz" for="des" forName="cChild" refType="primFontSz" refFor="des" refForName="mChild" op="equ"/>
-                  <dgm:constr type="l" for="ch" forName="outerBox"/>
-                  <dgm:constr type="t" for="ch" forName="outerBox"/>
-                  <dgm:constr type="w" for="ch" forName="outerBox" refType="w"/>
-                  <dgm:constr type="h" for="ch" forName="outerBox" refType="h"/>
-                  <dgm:constr type="l" for="ch" forName="middleBox" refType="w" fact="0.025"/>
-                  <dgm:constr type="t" for="ch" forName="middleBox" refType="h" fact="0.25"/>
-                  <dgm:constr type="w" for="ch" forName="middleBox" refType="w" fact="0.95"/>
-                  <dgm:constr type="h" for="ch" forName="middleBox" refType="h" fact="0.7"/>
-                  <dgm:constr type="l" for="ch" forName="centerBox" refType="w" fact="0.26"/>
-                  <dgm:constr type="t" for="ch" forName="centerBox" refType="h" fact="0.5"/>
-                  <dgm:constr type="w" for="ch" forName="centerBox" refType="w" fact="0.69"/>
-                  <dgm:constr type="h" for="ch" forName="centerBox" refType="h" fact="0.4"/>
-                  <dgm:constr type="userA" for="des" forName="outerSibTrans" refType="w"/>
-                  <dgm:constr type="userA" for="des" forName="middleSibTrans" refType="w"/>
-                  <dgm:constr type="userA" for="des" forName="centerSibTrans" refType="w"/>
-                </dgm:constrLst>
-              </dgm:if>
-              <dgm:else name="Name11">
-                <dgm:constrLst>
-                  <dgm:constr type="primFontSz" for="des" forName="middleBoxParent" val="65"/>
-                  <dgm:constr type="primFontSz" for="des" forName="mChild" val="65"/>
-                  <dgm:constr type="primFontSz" for="des" forName="outerBoxParent" refType="primFontSz" refFor="des" refForName="middleBoxParent" op="equ"/>
-                  <dgm:constr type="primFontSz" for="des" forName="centerBoxParent" refType="primFontSz" refFor="des" refForName="middleBoxParent" op="equ"/>
-                  <dgm:constr type="primFontSz" for="des" forName="oChild" refType="primFontSz" refFor="des" refForName="mChild" op="equ"/>
-                  <dgm:constr type="primFontSz" for="des" forName="cChild" refType="primFontSz" refFor="des" refForName="mChild" op="equ"/>
-                  <dgm:constr type="l" for="ch" forName="outerBox"/>
-                  <dgm:constr type="t" for="ch" forName="outerBox"/>
-                  <dgm:constr type="w" for="ch" forName="outerBox" refType="w"/>
-                  <dgm:constr type="h" for="ch" forName="outerBox" refType="h"/>
-                  <dgm:constr type="l" for="ch" forName="middleBox" refType="w" fact="0.025"/>
-                  <dgm:constr type="t" for="ch" forName="middleBox" refType="h" fact="0.25"/>
-                  <dgm:constr type="w" for="ch" forName="middleBox" refType="w" fact="0.95"/>
-                  <dgm:constr type="h" for="ch" forName="middleBox" refType="h" fact="0.7"/>
-                  <dgm:constr type="l" for="ch" forName="centerBox" refType="w" fact="0.05"/>
-                  <dgm:constr type="t" for="ch" forName="centerBox" refType="h" fact="0.5"/>
-                  <dgm:constr type="w" for="ch" forName="centerBox" refType="w" fact="0.9"/>
-                  <dgm:constr type="h" for="ch" forName="centerBox" refType="h" fact="0.4"/>
-                  <dgm:constr type="userA" for="des" forName="outerSibTrans" refType="w"/>
-                  <dgm:constr type="userA" for="des" forName="middleSibTrans" refType="w"/>
-                  <dgm:constr type="userA" for="des" forName="centerSibTrans" refType="w"/>
-                </dgm:constrLst>
-              </dgm:else>
-            </dgm:choose>
+          <dgm:else name="Name14">
+            <dgm:constrLst>
+              <dgm:constr type="diam" val="170"/>
+              <dgm:constr type="w" for="ch" forName="centerShape" refType="w"/>
+              <dgm:constr type="w" for="ch" forName="node" refType="w" refFor="ch" refForName="centerShape" op="equ" fact="0.7"/>
+              <dgm:constr type="sp" refType="w" refFor="ch" refForName="node" fact="0.3"/>
+              <dgm:constr type="sibSp" refType="w" refFor="ch" refForName="node" fact="0.3"/>
+              <dgm:constr type="primFontSz" for="ch" forName="centerShape" val="65"/>
+              <dgm:constr type="primFontSz" for="des" forName="node" refType="primFontSz" refFor="ch" refForName="centerShape" fact="0.78"/>
+              <dgm:constr type="primFontSz" for="ch" forName="node" refType="primFontSz" refFor="ch" refForName="centerShape" op="lte" fact="0.95"/>
+              <dgm:constr type="diam" for="ch" forName="sibTrans" refType="diam" op="equ"/>
+              <dgm:constr type="h" for="ch" forName="sibTrans" refType="w" refFor="ch" refForName="node" fact="0.24"/>
+              <dgm:constr type="w" for="ch" forName="dummy" val="1"/>
+            </dgm:constrLst>
           </dgm:else>
         </dgm:choose>
       </dgm:if>
-      <dgm:else name="Name12">
-        <dgm:choose name="Name13">
-          <dgm:if name="Name14" axis="ch ch" ptType="node node" st="1 1" cnt="1 0" func="cnt" op="gt" val="0">
-            <dgm:choose name="Name15">
-              <dgm:if name="Name16" axis="ch ch" ptType="node node" st="2 1" cnt="1 0" func="cnt" op="gt" val="0">
-                <dgm:constrLst>
-                  <dgm:constr type="primFontSz" for="des" forName="middleBoxParent" val="65"/>
-                  <dgm:constr type="primFontSz" for="des" forName="mChild" val="65"/>
-                  <dgm:constr type="primFontSz" for="des" forName="outerBoxParent" refType="primFontSz" refFor="des" refForName="middleBoxParent" op="equ"/>
-                  <dgm:constr type="primFontSz" for="des" forName="centerBoxParent" refType="primFontSz" refFor="des" refForName="middleBoxParent" op="equ"/>
-                  <dgm:constr type="primFontSz" for="des" forName="oChild" refType="primFontSz" refFor="des" refForName="mChild" op="equ"/>
-                  <dgm:constr type="primFontSz" for="des" forName="cChild" refType="primFontSz" refFor="des" refForName="mChild" op="equ"/>
-                  <dgm:constr type="l" for="ch" forName="outerBox"/>
-                  <dgm:constr type="t" for="ch" forName="outerBox"/>
-                  <dgm:constr type="w" for="ch" forName="outerBox" refType="w"/>
-                  <dgm:constr type="h" for="ch" forName="outerBox" refType="h"/>
-                  <dgm:constr type="l" for="ch" forName="middleBox" refType="w" fact="0.025"/>
-                  <dgm:constr type="t" for="ch" forName="middleBox" refType="h" fact="0.25"/>
-                  <dgm:constr type="w" for="ch" forName="middleBox" refType="w" fact="0.775"/>
-                  <dgm:constr type="h" for="ch" forName="middleBox" refType="h" fact="0.7"/>
-                  <dgm:constr type="l" for="ch" forName="centerBox" refType="w" fact="0.05"/>
-                  <dgm:constr type="t" for="ch" forName="centerBox" refType="h" fact="0.5"/>
-                  <dgm:constr type="w" for="ch" forName="centerBox" refType="w" fact="0.55"/>
-                  <dgm:constr type="h" for="ch" forName="centerBox" refType="h" fact="0.4"/>
-                  <dgm:constr type="userA" for="des" forName="outerSibTrans" refType="w"/>
-                  <dgm:constr type="userA" for="des" forName="middleSibTrans" refType="w"/>
-                  <dgm:constr type="userA" for="des" forName="centerSibTrans" refType="w"/>
-                </dgm:constrLst>
-              </dgm:if>
-              <dgm:else name="Name17">
-                <dgm:constrLst>
-                  <dgm:constr type="primFontSz" for="des" forName="middleBoxParent" val="65"/>
-                  <dgm:constr type="primFontSz" for="des" forName="mChild" val="65"/>
-                  <dgm:constr type="primFontSz" for="des" forName="outerBoxParent" refType="primFontSz" refFor="des" refForName="middleBoxParent" op="equ"/>
-                  <dgm:constr type="primFontSz" for="des" forName="centerBoxParent" refType="primFontSz" refFor="des" refForName="middleBoxParent" op="equ"/>
-                  <dgm:constr type="primFontSz" for="des" forName="oChild" refType="primFontSz" refFor="des" refForName="mChild" op="equ"/>
-                  <dgm:constr type="primFontSz" for="des" forName="cChild" refType="primFontSz" refFor="des" refForName="mChild" op="equ"/>
-                  <dgm:constr type="l" for="ch" forName="outerBox"/>
-                  <dgm:constr type="t" for="ch" forName="outerBox"/>
-                  <dgm:constr type="w" for="ch" forName="outerBox" refType="w"/>
-                  <dgm:constr type="h" for="ch" forName="outerBox" refType="h"/>
-                  <dgm:constr type="l" for="ch" forName="middleBox" refType="w" fact="0.025"/>
-                  <dgm:constr type="t" for="ch" forName="middleBox" refType="h" fact="0.25"/>
-                  <dgm:constr type="w" for="ch" forName="middleBox" refType="w" fact="0.775"/>
-                  <dgm:constr type="h" for="ch" forName="middleBox" refType="h" fact="0.7"/>
-                  <dgm:constr type="l" for="ch" forName="centerBox" refType="w" fact="0.05"/>
-                  <dgm:constr type="t" for="ch" forName="centerBox" refType="h" fact="0.5"/>
-                  <dgm:constr type="w" for="ch" forName="centerBox" refType="w" fact="0.725"/>
-                  <dgm:constr type="h" for="ch" forName="centerBox" refType="h" fact="0.4"/>
-                  <dgm:constr type="userA" for="des" forName="outerSibTrans" refType="w"/>
-                  <dgm:constr type="userA" for="des" forName="middleSibTrans" refType="w"/>
-                  <dgm:constr type="userA" for="des" forName="centerSibTrans" refType="w"/>
-                </dgm:constrLst>
-              </dgm:else>
-            </dgm:choose>
+      <dgm:else name="Name15">
+        <dgm:choose name="Name16">
+          <dgm:if name="Name17" axis="ch ch" ptType="node node" st="1 1" cnt="1 0" func="cnt" op="equ" val="1">
+            <dgm:constrLst>
+              <dgm:constr type="diam" val="170"/>
+              <dgm:constr type="w" for="ch" forName="centerShape" refType="w"/>
+              <dgm:constr type="w" for="ch" forName="oneComp" refType="w" refFor="ch" refForName="centerShape" op="equ" fact="0.7"/>
+              <dgm:constr type="sp" refType="w" refFor="ch" refForName="oneComp" fact="0.3"/>
+              <dgm:constr type="sibSp" refType="w" refFor="ch" refForName="oneComp" fact="0.3"/>
+              <dgm:constr type="primFontSz" for="ch" forName="centerShape" val="65"/>
+              <dgm:constr type="primFontSz" for="des" forName="oneNode" refType="primFontSz" refFor="ch" refForName="centerShape" fact="0.95"/>
+              <dgm:constr type="primFontSz" for="ch" forName="oneNode" refType="primFontSz" refFor="ch" refForName="centerShape" op="lte" fact="0.95"/>
+              <dgm:constr type="diam" for="ch" forName="singleconn" refType="diam"/>
+              <dgm:constr type="h" for="ch" forName="singleconn" refType="w" refFor="ch" refForName="oneComp" fact="0.24"/>
+              <dgm:constr type="diam" for="ch" refType="diam" op="equ"/>
+              <dgm:constr type="w" for="ch" forName="dummya" refType="w" refFor="ch" refForName="oneComp" op="equ"/>
+              <dgm:constr type="w" for="ch" forName="dummyb" refType="w" refFor="ch" refForName="oneComp" op="equ"/>
+              <dgm:constr type="w" for="ch" forName="dummyc" refType="w" refFor="ch" refForName="oneComp" op="equ"/>
+            </dgm:constrLst>
           </dgm:if>
           <dgm:else name="Name18">
-            <dgm:choose name="Name19">
-              <dgm:if name="Name20" axis="ch ch" ptType="node node" st="2 1" cnt="1 0" func="cnt" op="gt" val="0">
-                <dgm:constrLst>
-                  <dgm:constr type="primFontSz" for="des" forName="middleBoxParent" val="65"/>
-                  <dgm:constr type="primFontSz" for="des" forName="mChild" val="65"/>
-                  <dgm:constr type="primFontSz" for="des" forName="outerBoxParent" refType="primFontSz" refFor="des" refForName="middleBoxParent" op="equ"/>
-                  <dgm:constr type="primFontSz" for="des" forName="centerBoxParent" refType="primFontSz" refFor="des" refForName="middleBoxParent" op="equ"/>
-                  <dgm:constr type="primFontSz" for="des" forName="oChild" refType="primFontSz" refFor="des" refForName="mChild" op="equ"/>
-                  <dgm:constr type="primFontSz" for="des" forName="cChild" refType="primFontSz" refFor="des" refForName="mChild" op="equ"/>
-                  <dgm:constr type="l" for="ch" forName="outerBox"/>
-                  <dgm:constr type="t" for="ch" forName="outerBox"/>
-                  <dgm:constr type="w" for="ch" forName="outerBox" refType="w"/>
-                  <dgm:constr type="h" for="ch" forName="outerBox" refType="h"/>
-                  <dgm:constr type="l" for="ch" forName="middleBox" refType="w" fact="0.025"/>
-                  <dgm:constr type="t" for="ch" forName="middleBox" refType="h" fact="0.25"/>
-                  <dgm:constr type="w" for="ch" forName="middleBox" refType="w" fact="0.95"/>
-                  <dgm:constr type="h" for="ch" forName="middleBox" refType="h" fact="0.7"/>
-                  <dgm:constr type="l" for="ch" forName="centerBox" refType="w" fact="0.05"/>
-                  <dgm:constr type="t" for="ch" forName="centerBox" refType="h" fact="0.5"/>
-                  <dgm:constr type="w" for="ch" forName="centerBox" refType="w" fact="0.69"/>
-                  <dgm:constr type="h" for="ch" forName="centerBox" refType="h" fact="0.4"/>
-                  <dgm:constr type="userA" for="des" forName="outerSibTrans" refType="w"/>
-                  <dgm:constr type="userA" for="des" forName="middleSibTrans" refType="w"/>
-                  <dgm:constr type="userA" for="des" forName="centerSibTrans" refType="w"/>
-                </dgm:constrLst>
-              </dgm:if>
-              <dgm:else name="Name21">
-                <dgm:constrLst>
-                  <dgm:constr type="primFontSz" for="des" forName="middleBoxParent" val="65"/>
-                  <dgm:constr type="primFontSz" for="des" forName="mChild" val="65"/>
-                  <dgm:constr type="primFontSz" for="des" forName="outerBoxParent" refType="primFontSz" refFor="des" refForName="middleBoxParent" op="equ"/>
-                  <dgm:constr type="primFontSz" for="des" forName="centerBoxParent" refType="primFontSz" refFor="des" refForName="middleBoxParent" op="equ"/>
-                  <dgm:constr type="primFontSz" for="des" forName="oChild" refType="primFontSz" refFor="des" refForName="mChild" op="equ"/>
-                  <dgm:constr type="primFontSz" for="des" forName="cChild" refType="primFontSz" refFor="des" refForName="mChild" op="equ"/>
-                  <dgm:constr type="l" for="ch" forName="outerBox"/>
-                  <dgm:constr type="t" for="ch" forName="outerBox"/>
-                  <dgm:constr type="w" for="ch" forName="outerBox" refType="w"/>
-                  <dgm:constr type="h" for="ch" forName="outerBox" refType="h"/>
-                  <dgm:constr type="l" for="ch" forName="middleBox" refType="w" fact="0.025"/>
-                  <dgm:constr type="t" for="ch" forName="middleBox" refType="h" fact="0.25"/>
-                  <dgm:constr type="w" for="ch" forName="middleBox" refType="w" fact="0.95"/>
-                  <dgm:constr type="h" for="ch" forName="middleBox" refType="h" fact="0.7"/>
-                  <dgm:constr type="l" for="ch" forName="centerBox" refType="w" fact="0.05"/>
-                  <dgm:constr type="t" for="ch" forName="centerBox" refType="h" fact="0.5"/>
-                  <dgm:constr type="w" for="ch" forName="centerBox" refType="w" fact="0.9"/>
-                  <dgm:constr type="h" for="ch" forName="centerBox" refType="h" fact="0.4"/>
-                  <dgm:constr type="userA" for="des" forName="outerSibTrans" refType="w"/>
-                  <dgm:constr type="userA" for="des" forName="middleSibTrans" refType="w"/>
-                  <dgm:constr type="userA" for="des" forName="centerSibTrans" refType="w"/>
-                </dgm:constrLst>
-              </dgm:else>
-            </dgm:choose>
+            <dgm:constrLst>
+              <dgm:constr type="diam" val="170"/>
+              <dgm:constr type="w" for="ch" forName="centerShape" refType="w"/>
+              <dgm:constr type="w" for="ch" forName="node" refType="w" refFor="ch" refForName="centerShape" op="equ" fact="0.7"/>
+              <dgm:constr type="sp" refType="w" refFor="ch" refForName="node" fact="0.3"/>
+              <dgm:constr type="sibSp" refType="w" refFor="ch" refForName="node" fact="0.3"/>
+              <dgm:constr type="primFontSz" for="ch" forName="centerShape" val="65"/>
+              <dgm:constr type="primFontSz" for="des" forName="node" refType="primFontSz" refFor="ch" refForName="centerShape" fact="0.78"/>
+              <dgm:constr type="primFontSz" for="ch" forName="node" refType="primFontSz" refFor="ch" refForName="centerShape" op="lte" fact="0.95"/>
+              <dgm:constr type="diam" for="ch" ptType="sibTrans" refType="diam" fact="-1"/>
+              <dgm:constr type="h" for="ch" forName="sibTrans" refType="w" refFor="ch" refForName="node" fact="0.24"/>
+              <dgm:constr type="diam" for="ch" refType="diam" op="equ" fact="-1"/>
+              <dgm:constr type="w" for="ch" forName="dummy" val="1"/>
+            </dgm:constrLst>
           </dgm:else>
         </dgm:choose>
       </dgm:else>
     </dgm:choose>
-    <dgm:ruleLst/>
-    <dgm:choose name="Name22">
-      <dgm:if name="Name23" axis="root ch" ptType="all node" st="1 1" cnt="0 0" func="cnt" op="gte" val="1">
-        <dgm:layoutNode name="outerBox" styleLbl="node1">
-          <dgm:alg type="composite">
-            <dgm:param type="horzAlign" val="none"/>
-            <dgm:param type="vertAlign" val="none"/>
-          </dgm:alg>
-          <dgm:shape xmlns:r="http://schemas.openxmlformats.org/officeDocument/2006/relationships" r:blip="">
-            <dgm:adjLst/>
-          </dgm:shape>
-          <dgm:presOf/>
-          <dgm:choose name="Name24">
-            <dgm:if name="Name25" axis="root ch" ptType="all node" st="1 1" cnt="0 0" func="cnt" op="gt" val="1">
-              <dgm:choose name="Name26">
-                <dgm:if name="Name27" func="var" arg="dir" op="equ" val="norm">
-                  <dgm:constrLst>
-                    <dgm:constr type="l" for="ch" forName="outerBoxParent"/>
-                    <dgm:constr type="t" for="ch" forName="outerBoxParent"/>
-                    <dgm:constr type="w" for="ch" forName="outerBoxParent" refType="w"/>
-                    <dgm:constr type="h" for="ch" forName="outerBoxParent" refType="h"/>
-                    <dgm:constr type="bMarg" for="ch" forName="outerBoxParent" refType="h" fact="2.2"/>
-                    <dgm:constr type="l" for="ch" forName="outerBoxChildren" refType="w" fact="0.025"/>
-                    <dgm:constr type="t" for="ch" forName="outerBoxChildren" refType="h" fact="0.25"/>
-                    <dgm:constr type="w" for="ch" forName="outerBoxChildren" refType="w" fact="0.15"/>
-                    <dgm:constr type="h" for="ch" forName="outerBoxChildren" refType="h" fact="0.7"/>
-                  </dgm:constrLst>
-                </dgm:if>
-                <dgm:else name="Name28">
-                  <dgm:constrLst>
-                    <dgm:constr type="l" for="ch" forName="outerBoxParent"/>
-                    <dgm:constr type="t" for="ch" forName="outerBoxParent"/>
-                    <dgm:constr type="w" for="ch" forName="outerBoxParent" refType="w"/>
-                    <dgm:constr type="h" for="ch" forName="outerBoxParent" refType="h"/>
-                    <dgm:constr type="bMarg" for="ch" forName="outerBoxParent" refType="h" fact="2.2"/>
-                    <dgm:constr type="l" for="ch" forName="outerBoxChildren" refType="w" fact="0.825"/>
-                    <dgm:constr type="t" for="ch" forName="outerBoxChildren" refType="h" fact="0.25"/>
-                    <dgm:constr type="w" for="ch" forName="outerBoxChildren" refType="w" fact="0.15"/>
-                    <dgm:constr type="h" for="ch" forName="outerBoxChildren" refType="h" fact="0.7"/>
-                  </dgm:constrLst>
-                </dgm:else>
-              </dgm:choose>
-            </dgm:if>
-            <dgm:else name="Name29">
-              <dgm:constrLst>
-                <dgm:constr type="l" for="ch" forName="outerBoxParent"/>
-                <dgm:constr type="t" for="ch" forName="outerBoxParent"/>
-                <dgm:constr type="w" for="ch" forName="outerBoxParent" refType="w"/>
-                <dgm:constr type="h" for="ch" forName="outerBoxParent" refType="h"/>
-                <dgm:constr type="bMarg" for="ch" forName="outerBoxParent" refType="h" fact="1.75"/>
-                <dgm:constr type="l" for="ch" forName="outerBoxChildren" refType="w" fact="0.025"/>
-                <dgm:constr type="t" for="ch" forName="outerBoxChildren" refType="h" fact="0.45"/>
-                <dgm:constr type="w" for="ch" forName="outerBoxChildren" refType="w" fact="0.95"/>
-                <dgm:constr type="h" for="ch" forName="outerBoxChildren" refType="h" fact="0.45"/>
-              </dgm:constrLst>
-            </dgm:else>
-          </dgm:choose>
-          <dgm:ruleLst/>
-          <dgm:layoutNode name="outerBoxParent" styleLbl="node1">
-            <dgm:alg type="tx">
-              <dgm:param type="txAnchorVert" val="t"/>
-              <dgm:param type="parTxLTRAlign" val="l"/>
-              <dgm:param type="parTxRTLAlign" val="r"/>
-            </dgm:alg>
-            <dgm:shape xmlns:r="http://schemas.openxmlformats.org/officeDocument/2006/relationships" type="roundRect" r:blip="">
-              <dgm:adjLst>
-                <dgm:adj idx="1" val="0.085"/>
-              </dgm:adjLst>
-            </dgm:shape>
-            <dgm:presOf axis="ch" ptType="node" cnt="1"/>
-            <dgm:constrLst>
-              <dgm:constr type="tMarg" refType="primFontSz" fact="0.3"/>
-              <dgm:constr type="lMarg" refType="primFontSz" fact="0.3"/>
-              <dgm:constr type="rMarg" refType="primFontSz" fact="0.3"/>
-            </dgm:constrLst>
-            <dgm:ruleLst>
-              <dgm:rule type="primFontSz" val="5" fact="NaN" max="NaN"/>
-            </dgm:ruleLst>
-          </dgm:layoutNode>
-          <dgm:layoutNode name="outerBoxChildren">
-            <dgm:choose name="Name30">
-              <dgm:if name="Name31" axis="root ch" ptType="all node" st="1 1" cnt="0 0" func="cnt" op="gt" val="1">
-                <dgm:alg type="lin">
-                  <dgm:param type="linDir" val="fromT"/>
-                  <dgm:param type="vertAlign" val="t"/>
-                </dgm:alg>
-              </dgm:if>
-              <dgm:else name="Name32">
-                <dgm:choose name="Name33">
-                  <dgm:if name="Name34" func="var" arg="dir" op="equ" val="norm">
-                    <dgm:alg type="lin">
-                      <dgm:param type="horzAlign" val="l"/>
-                    </dgm:alg>
-                  </dgm:if>
-                  <dgm:else name="Name35">
-                    <dgm:alg type="lin">
-                      <dgm:param type="linDir" val="fromR"/>
-                      <dgm:param type="horzAlign" val="r"/>
-                    </dgm:alg>
-                  </dgm:else>
-                </dgm:choose>
-              </dgm:else>
-            </dgm:choose>
-            <dgm:shape xmlns:r="http://schemas.openxmlformats.org/officeDocument/2006/relationships" r:blip="">
-              <dgm:adjLst/>
-            </dgm:shape>
-            <dgm:presOf/>
-            <dgm:constrLst>
-              <dgm:constr type="w" for="ch" forName="oChild" refType="w"/>
-              <dgm:constr type="h" for="ch" forName="oChild" refType="h"/>
-            </dgm:constrLst>
-            <dgm:ruleLst/>
-            <dgm:forEach name="Name36" axis="ch ch" ptType="node node" st="1 1" cnt="1 0">
-              <dgm:layoutNode name="oChild" styleLbl="fgAcc1">
+    <dgm:ruleLst>
+      <dgm:rule type="diam" val="INF" fact="NaN" max="NaN"/>
+    </dgm:ruleLst>
+    <dgm:forEach name="Name19" axis="ch" ptType="node" cnt="1">
+      <dgm:layoutNode name="centerShape" styleLbl="node0">
+        <dgm:alg type="tx"/>
+        <dgm:shape xmlns:r="http://schemas.openxmlformats.org/officeDocument/2006/relationships" type="ellipse" r:blip="">
+          <dgm:adjLst/>
+        </dgm:shape>
+        <dgm:presOf axis="self"/>
+        <dgm:constrLst>
+          <dgm:constr type="h" refType="w"/>
+          <dgm:constr type="tMarg" refType="primFontSz" fact="0.1"/>
+          <dgm:constr type="bMarg" refType="primFontSz" fact="0.1"/>
+          <dgm:constr type="lMarg" refType="primFontSz" fact="0.1"/>
+          <dgm:constr type="rMarg" refType="primFontSz" fact="0.1"/>
+        </dgm:constrLst>
+        <dgm:ruleLst>
+          <dgm:rule type="primFontSz" val="5" fact="NaN" max="NaN"/>
+        </dgm:ruleLst>
+      </dgm:layoutNode>
+      <dgm:forEach name="Name20" axis="ch">
+        <dgm:forEach name="Name21" axis="self" ptType="node">
+          <dgm:choose name="Name22">
+            <dgm:if name="Name23" axis="par ch" ptType="node node" func="cnt" op="gt" val="1">
+              <dgm:layoutNode name="node" styleLbl="node1">
                 <dgm:varLst>
                   <dgm:bulletEnabled val="1"/>
                 </dgm:varLst>
-                <dgm:alg type="tx"/>
-                <dgm:shape xmlns:r="http://schemas.openxmlformats.org/officeDocument/2006/relationships" type="roundRect" r:blip="">
-                  <dgm:adjLst>
-                    <dgm:adj idx="1" val="0.105"/>
-                  </dgm:adjLst>
+                <dgm:alg type="tx">
+                  <dgm:param type="txAnchorVertCh" val="mid"/>
+                </dgm:alg>
+                <dgm:shape xmlns:r="http://schemas.openxmlformats.org/officeDocument/2006/relationships" type="ellipse" r:blip="">
+                  <dgm:adjLst/>
                 </dgm:shape>
                 <dgm:presOf axis="desOrSelf" ptType="node"/>
                 <dgm:constrLst>
-                  <dgm:constr type="tMarg" refType="primFontSz" fact="0.3"/>
-                  <dgm:constr type="bMarg" refType="primFontSz" fact="0.3"/>
-                  <dgm:constr type="lMarg" refType="primFontSz" fact="0.3"/>
-                  <dgm:constr type="rMarg" refType="primFontSz" fact="0.3"/>
+                  <dgm:constr type="h" refType="w"/>
+                  <dgm:constr type="tMarg" refType="primFontSz" fact="0.1"/>
+                  <dgm:constr type="bMarg" refType="primFontSz" fact="0.1"/>
+                  <dgm:constr type="lMarg" refType="primFontSz" fact="0.1"/>
+                  <dgm:constr type="rMarg" refType="primFontSz" fact="0.1"/>
                 </dgm:constrLst>
                 <dgm:ruleLst>
                   <dgm:rule type="primFontSz" val="5" fact="NaN" max="NaN"/>
                 </dgm:ruleLst>
               </dgm:layoutNode>
-              <dgm:forEach name="Name37" axis="followSib" ptType="sibTrans" cnt="1">
-                <dgm:layoutNode name="outerSibTrans">
+              <dgm:layoutNode name="dummy">
+                <dgm:alg type="sp"/>
+                <dgm:shape xmlns:r="http://schemas.openxmlformats.org/officeDocument/2006/relationships" r:blip="">
+                  <dgm:adjLst/>
+                </dgm:shape>
+                <dgm:presOf/>
+                <dgm:constrLst>
+                  <dgm:constr type="h" refType="w"/>
+                </dgm:constrLst>
+                <dgm:ruleLst/>
+              </dgm:layoutNode>
+              <dgm:forEach name="sibTransForEach" axis="followSib" ptType="sibTrans" hideLastTrans="0" cnt="1">
+                <dgm:layoutNode name="sibTrans" styleLbl="sibTrans2D1">
+                  <dgm:alg type="conn">
+                    <dgm:param type="connRout" val="curve"/>
+                    <dgm:param type="begPts" val="ctr"/>
+                    <dgm:param type="endPts" val="ctr"/>
+                    <dgm:param type="begSty" val="noArr"/>
+                    <dgm:param type="endSty" val="noArr"/>
+                    <dgm:param type="dstNode" val="node"/>
+                  </dgm:alg>
+                  <dgm:shape xmlns:r="http://schemas.openxmlformats.org/officeDocument/2006/relationships" type="conn" r:blip="" zOrderOff="-999">
+                    <dgm:adjLst/>
+                  </dgm:shape>
+                  <dgm:presOf axis="self"/>
+                  <dgm:constrLst>
+                    <dgm:constr type="begPad"/>
+                    <dgm:constr type="endPad"/>
+                  </dgm:constrLst>
+                  <dgm:ruleLst/>
+                </dgm:layoutNode>
+              </dgm:forEach>
+            </dgm:if>
+            <dgm:if name="Name24" axis="par ch" ptType="node node" func="cnt" op="equ" val="1">
+              <dgm:layoutNode name="oneComp">
+                <dgm:alg type="composite">
+                  <dgm:param type="ar" val="1"/>
+                </dgm:alg>
+                <dgm:shape xmlns:r="http://schemas.openxmlformats.org/officeDocument/2006/relationships" r:blip="">
+                  <dgm:adjLst/>
+                </dgm:shape>
+                <dgm:presOf/>
+                <dgm:constrLst>
+                  <dgm:constr type="h" refType="w"/>
+                  <dgm:constr type="l" for="ch" forName="dummyConnPt" refType="w" fact="0.5"/>
+                  <dgm:constr type="t" for="ch" forName="dummyConnPt" refType="w" fact="0.5"/>
+                  <dgm:constr type="l" for="ch" forName="oneNode"/>
+                  <dgm:constr type="t" for="ch" forName="oneNode"/>
+                  <dgm:constr type="h" for="ch" forName="oneNode" refType="h"/>
+                  <dgm:constr type="w" for="ch" forName="oneNode" refType="w"/>
+                </dgm:constrLst>
+                <dgm:ruleLst/>
+                <dgm:layoutNode name="dummyConnPt" styleLbl="node1">
                   <dgm:alg type="sp"/>
                   <dgm:shape xmlns:r="http://schemas.openxmlformats.org/officeDocument/2006/relationships" r:blip="">
                     <dgm:adjLst/>
                   </dgm:shape>
                   <dgm:presOf/>
                   <dgm:constrLst>
-                    <dgm:constr type="userA"/>
-                    <dgm:constr type="w" refType="userA" fact="0.015"/>
-                    <dgm:constr type="h" refType="userA" fact="0.015"/>
+                    <dgm:constr type="w" val="1"/>
+                    <dgm:constr type="h" val="1"/>
                   </dgm:constrLst>
                   <dgm:ruleLst/>
                 </dgm:layoutNode>
-              </dgm:forEach>
-            </dgm:forEach>
-          </dgm:layoutNode>
-        </dgm:layoutNode>
-      </dgm:if>
-      <dgm:else name="Name38"/>
-    </dgm:choose>
-    <dgm:choose name="Name39">
-      <dgm:if name="Name40" axis="root ch" ptType="all node" st="1 1" cnt="0 0" func="cnt" op="gte" val="2">
-        <dgm:layoutNode name="middleBox">
-          <dgm:alg type="composite">
-            <dgm:param type="horzAlign" val="none"/>
-            <dgm:param type="vertAlign" val="none"/>
-          </dgm:alg>
-          <dgm:shape xmlns:r="http://schemas.openxmlformats.org/officeDocument/2006/relationships" r:blip="">
-            <dgm:adjLst/>
-          </dgm:shape>
-          <dgm:presOf/>
-          <dgm:choose name="Name41">
-            <dgm:if name="Name42" axis="root ch" ptType="all node" st="1 1" cnt="0 0" func="cnt" op="gt" val="2">
-              <dgm:choose name="Name43">
-                <dgm:if name="Name44" func="var" arg="dir" op="equ" val="norm">
-                  <dgm:constrLst>
-                    <dgm:constr type="l" for="ch" forName="middleBoxParent"/>
-                    <dgm:constr type="t" for="ch" forName="middleBoxParent"/>
-                    <dgm:constr type="w" for="ch" forName="middleBoxParent" refType="w"/>
-                    <dgm:constr type="h" for="ch" forName="middleBoxParent" refType="h"/>
-                    <dgm:constr type="bMarg" for="ch" forName="middleBoxParent" refType="h" fact="1.8"/>
-                    <dgm:constr type="l" for="ch" forName="middleBoxChildren" refType="w" fact="0.025"/>
-                    <dgm:constr type="t" for="ch" forName="middleBoxChildren" refType="h" fact="0.35"/>
-                    <dgm:constr type="w" for="ch" forName="middleBoxChildren" refType="w" fact="0.2"/>
-                    <dgm:constr type="h" for="ch" forName="middleBoxChildren" refType="h" fact="0.575"/>
-                  </dgm:constrLst>
-                </dgm:if>
-                <dgm:else name="Name45">
-                  <dgm:constrLst>
-                    <dgm:constr type="l" for="ch" forName="middleBoxParent"/>
-                    <dgm:constr type="t" for="ch" forName="middleBoxParent"/>
-                    <dgm:constr type="w" for="ch" forName="middleBoxParent" refType="w"/>
-                    <dgm:constr type="h" for="ch" forName="middleBoxParent" refType="h"/>
-                    <dgm:constr type="bMarg" for="ch" forName="middleBoxParent" refType="h" fact="1.8"/>
-                    <dgm:constr type="l" for="ch" forName="middleBoxChildren" refType="w" fact="0.775"/>
-                    <dgm:constr type="t" for="ch" forName="middleBoxChildren" refType="h" fact="0.35"/>
-                    <dgm:constr type="w" for="ch" forName="middleBoxChildren" refType="w" fact="0.2"/>
-                    <dgm:constr type="h" for="ch" forName="middleBoxChildren" refType="h" fact="0.575"/>
-                  </dgm:constrLst>
-                </dgm:else>
-              </dgm:choose>
-            </dgm:if>
-            <dgm:else name="Name46">
-              <dgm:constrLst>
-                <dgm:constr type="l" for="ch" forName="middleBoxParent"/>
-                <dgm:constr type="t" for="ch" forName="middleBoxParent"/>
-                <dgm:constr type="w" for="ch" forName="middleBoxParent" refType="w"/>
-                <dgm:constr type="h" for="ch" forName="middleBoxParent" refType="h"/>
-                <dgm:constr type="bMarg" for="ch" forName="middleBoxParent" refType="h" fact="1.8"/>
-                <dgm:constr type="l" for="ch" forName="middleBoxChildren" refType="w" fact="0.025"/>
-                <dgm:constr type="t" for="ch" forName="middleBoxChildren" refType="h" fact="0.45"/>
-                <dgm:constr type="w" for="ch" forName="middleBoxChildren" refType="w" fact="0.95"/>
-                <dgm:constr type="h" for="ch" forName="middleBoxChildren" refType="h" fact="0.45"/>
-              </dgm:constrLst>
-            </dgm:else>
-          </dgm:choose>
-          <dgm:ruleLst/>
-          <dgm:layoutNode name="middleBoxParent" styleLbl="node1">
-            <dgm:alg type="tx">
-              <dgm:param type="txAnchorVert" val="t"/>
-              <dgm:param type="parTxLTRAlign" val="l"/>
-              <dgm:param type="parTxRTLAlign" val="r"/>
-            </dgm:alg>
-            <dgm:shape xmlns:r="http://schemas.openxmlformats.org/officeDocument/2006/relationships" type="roundRect" r:blip="">
-              <dgm:adjLst>
-                <dgm:adj idx="1" val="0.105"/>
-              </dgm:adjLst>
-            </dgm:shape>
-            <dgm:presOf axis="ch" ptType="node" st="2" cnt="1"/>
-            <dgm:constrLst>
-              <dgm:constr type="tMarg" refType="primFontSz" fact="0.3"/>
-              <dgm:constr type="lMarg" refType="primFontSz" fact="0.3"/>
-              <dgm:constr type="rMarg" refType="primFontSz" fact="0.3"/>
-            </dgm:constrLst>
-            <dgm:ruleLst>
-              <dgm:rule type="primFontSz" val="5" fact="NaN" max="NaN"/>
-            </dgm:ruleLst>
-          </dgm:layoutNode>
-          <dgm:layoutNode name="middleBoxChildren">
-            <dgm:choose name="Name47">
-              <dgm:if name="Name48" axis="root ch" ptType="all node" st="1 1" cnt="0 0" func="cnt" op="gt" val="2">
-                <dgm:alg type="lin">
-                  <dgm:param type="linDir" val="fromT"/>
-                  <dgm:param type="vertAlign" val="t"/>
-                </dgm:alg>
-              </dgm:if>
-              <dgm:else name="Name49">
-                <dgm:choose name="Name50">
-                  <dgm:if name="Name51" func="var" arg="dir" op="equ" val="norm">
-                    <dgm:alg type="lin">
-                      <dgm:param type="horzAlign" val="l"/>
-                    </dgm:alg>
-                  </dgm:if>
-                  <dgm:else name="Name52">
-                    <dgm:alg type="lin">
-                      <dgm:param type="linDir" val="fromR"/>
-                      <dgm:param type="horzAlign" val="r"/>
-                    </dgm:alg>
-                  </dgm:else>
-                </dgm:choose>
-              </dgm:else>
-            </dgm:choose>
-            <dgm:shape xmlns:r="http://schemas.openxmlformats.org/officeDocument/2006/relationships" r:blip="">
-              <dgm:adjLst/>
-            </dgm:shape>
-            <dgm:presOf/>
-            <dgm:constrLst>
-              <dgm:constr type="w" for="ch" forName="mChild" refType="w"/>
-              <dgm:constr type="h" for="ch" forName="mChild" refType="h"/>
-            </dgm:constrLst>
-            <dgm:ruleLst/>
-            <dgm:forEach name="Name53" axis="ch ch" ptType="node node" st="2 1" cnt="1 0">
-              <dgm:layoutNode name="mChild" styleLbl="fgAcc1">
-                <dgm:varLst>
-                  <dgm:bulletEnabled val="1"/>
-                </dgm:varLst>
-                <dgm:alg type="tx"/>
-                <dgm:shape xmlns:r="http://schemas.openxmlformats.org/officeDocument/2006/relationships" type="roundRect" r:blip="">
-                  <dgm:adjLst>
-                    <dgm:adj idx="1" val="0.105"/>
-                  </dgm:adjLst>
-                </dgm:shape>
-                <dgm:presOf axis="desOrSelf" ptType="node"/>
-                <dgm:constrLst>
-                  <dgm:constr type="tMarg" refType="primFontSz" fact="0.3"/>
-                  <dgm:constr type="bMarg" refType="primFontSz" fact="0.3"/>
-                  <dgm:constr type="lMarg" refType="primFontSz" fact="0.3"/>
-                  <dgm:constr type="rMarg" refType="primFontSz" fact="0.3"/>
-                </dgm:constrLst>
-                <dgm:ruleLst>
-                  <dgm:rule type="primFontSz" val="5" fact="NaN" max="NaN"/>
-                </dgm:ruleLst>
-              </dgm:layoutNode>
-              <dgm:forEach name="Name54" axis="followSib" ptType="sibTrans" cnt="1">
-                <dgm:layoutNode name="middleSibTrans">
-                  <dgm:alg type="sp"/>
-                  <dgm:shape xmlns:r="http://schemas.openxmlformats.org/officeDocument/2006/relationships" r:blip="">
+                <dgm:layoutNode name="oneNode" styleLbl="node1">
+                  <dgm:varLst>
+                    <dgm:bulletEnabled val="1"/>
+                  </dgm:varLst>
+                  <dgm:alg type="tx">
+                    <dgm:param type="txAnchorVertCh" val="mid"/>
+                  </dgm:alg>
+                  <dgm:shape xmlns:r="http://schemas.openxmlformats.org/officeDocument/2006/relationships" type="ellipse" r:blip="">
                     <dgm:adjLst/>
                   </dgm:shape>
-                  <dgm:presOf/>
+                  <dgm:presOf axis="desOrSelf" ptType="node"/>
                   <dgm:constrLst>
-                    <dgm:constr type="userA"/>
-                    <dgm:constr type="w" refType="userA" fact="0.015"/>
-                    <dgm:constr type="h" refType="userA" fact="0.015"/>
+                    <dgm:constr type="h" refType="w"/>
+                    <dgm:constr type="tMarg" refType="primFontSz" fact="0.1"/>
+                    <dgm:constr type="bMarg" refType="primFontSz" fact="0.1"/>
+                    <dgm:constr type="lMarg" refType="primFontSz" fact="0.1"/>
+                    <dgm:constr type="rMarg" refType="primFontSz" fact="0.1"/>
                   </dgm:constrLst>
-                  <dgm:ruleLst/>
+                  <dgm:ruleLst>
+                    <dgm:rule type="primFontSz" val="5" fact="NaN" max="NaN"/>
+                  </dgm:ruleLst>
                 </dgm:layoutNode>
-              </dgm:forEach>
-            </dgm:forEach>
-          </dgm:layoutNode>
-        </dgm:layoutNode>
-      </dgm:if>
-      <dgm:else name="Name55"/>
-    </dgm:choose>
-    <dgm:choose name="Name56">
-      <dgm:if name="Name57" axis="root ch" ptType="all node" st="1 1" cnt="0 0" func="cnt" op="gte" val="3">
-        <dgm:layoutNode name="centerBox">
-          <dgm:alg type="composite">
-            <dgm:param type="horzAlign" val="none"/>
-            <dgm:param type="vertAlign" val="none"/>
-          </dgm:alg>
-          <dgm:shape xmlns:r="http://schemas.openxmlformats.org/officeDocument/2006/relationships" r:blip="">
-            <dgm:adjLst/>
-          </dgm:shape>
-          <dgm:presOf/>
-          <dgm:choose name="Name58">
-            <dgm:if name="Name59" axis="ch ch" ptType="node node" st="3 1" cnt="1 0" func="cnt" op="gt" val="0">
-              <dgm:constrLst>
-                <dgm:constr type="l" for="ch" forName="centerBoxParent"/>
-                <dgm:constr type="t" for="ch" forName="centerBoxParent"/>
-                <dgm:constr type="w" for="ch" forName="centerBoxParent" refType="w"/>
-                <dgm:constr type="h" for="ch" forName="centerBoxParent" refType="h"/>
-                <dgm:constr type="bMarg" for="ch" forName="centerBoxParent" refType="h" fact="1.6"/>
-                <dgm:constr type="l" for="ch" forName="centerBoxChildren" refType="w" fact="0.025"/>
-                <dgm:constr type="t" for="ch" forName="centerBoxChildren" refType="h" fact="0.45"/>
-                <dgm:constr type="w" for="ch" forName="centerBoxChildren" refType="w" fact="0.95"/>
-                <dgm:constr type="h" for="ch" forName="centerBoxChildren" refType="h" fact="0.45"/>
-              </dgm:constrLst>
-            </dgm:if>
-            <dgm:else name="Name60">
-              <dgm:constrLst>
-                <dgm:constr type="l" for="ch" forName="centerBoxParent"/>
-                <dgm:constr type="t" for="ch" forName="centerBoxParent"/>
-                <dgm:constr type="w" for="ch" forName="centerBoxParent" refType="w"/>
-                <dgm:constr type="h" for="ch" forName="centerBoxParent" refType="h"/>
-              </dgm:constrLst>
-            </dgm:else>
-          </dgm:choose>
-          <dgm:ruleLst/>
-          <dgm:layoutNode name="centerBoxParent" styleLbl="node1">
-            <dgm:alg type="tx">
-              <dgm:param type="txAnchorVert" val="t"/>
-              <dgm:param type="parTxLTRAlign" val="l"/>
-              <dgm:param type="parTxRTLAlign" val="r"/>
-            </dgm:alg>
-            <dgm:shape xmlns:r="http://schemas.openxmlformats.org/officeDocument/2006/relationships" type="roundRect" r:blip="">
-              <dgm:adjLst>
-                <dgm:adj idx="1" val="0.105"/>
-              </dgm:adjLst>
-            </dgm:shape>
-            <dgm:presOf axis="ch" ptType="node" st="3" cnt="1"/>
-            <dgm:constrLst>
-              <dgm:constr type="tMarg" refType="primFontSz" fact="0.3"/>
-              <dgm:constr type="lMarg" refType="primFontSz" fact="0.3"/>
-              <dgm:constr type="rMarg" refType="primFontSz" fact="0.3"/>
-            </dgm:constrLst>
-            <dgm:ruleLst>
-              <dgm:rule type="primFontSz" val="5" fact="NaN" max="NaN"/>
-            </dgm:ruleLst>
-          </dgm:layoutNode>
-          <dgm:choose name="Name61">
-            <dgm:if name="Name62" axis="ch ch" ptType="node node" st="3 1" cnt="1 0" func="cnt" op="gt" val="0">
-              <dgm:layoutNode name="centerBoxChildren">
-                <dgm:choose name="Name63">
-                  <dgm:if name="Name64" func="var" arg="dir" op="equ" val="norm">
-                    <dgm:alg type="lin">
-                      <dgm:param type="horzAlign" val="l"/>
-                    </dgm:alg>
-                  </dgm:if>
-                  <dgm:else name="Name65">
-                    <dgm:alg type="lin">
-                      <dgm:param type="linDir" val="fromR"/>
-                      <dgm:param type="horzAlign" val="r"/>
-                    </dgm:alg>
-                  </dgm:else>
-                </dgm:choose>
+              </dgm:layoutNode>
+              <dgm:layoutNode name="dummya">
+                <dgm:alg type="sp"/>
                 <dgm:shape xmlns:r="http://schemas.openxmlformats.org/officeDocument/2006/relationships" r:blip="">
                   <dgm:adjLst/>
                 </dgm:shape>
                 <dgm:presOf/>
                 <dgm:constrLst>
-                  <dgm:constr type="w" for="ch" forName="cChild" refType="w"/>
-                  <dgm:constr type="h" for="ch" forName="cChild" refType="h"/>
+                  <dgm:constr type="h" refType="w"/>
                 </dgm:constrLst>
                 <dgm:ruleLst/>
-                <dgm:forEach name="Name66" axis="ch ch" ptType="node node" st="3 1" cnt="1 0">
-                  <dgm:layoutNode name="cChild" styleLbl="fgAcc1">
-                    <dgm:varLst>
-                      <dgm:bulletEnabled val="1"/>
-                    </dgm:varLst>
-                    <dgm:alg type="tx"/>
-                    <dgm:shape xmlns:r="http://schemas.openxmlformats.org/officeDocument/2006/relationships" type="roundRect" r:blip="">
-                      <dgm:adjLst>
-                        <dgm:adj idx="1" val="0.105"/>
-                      </dgm:adjLst>
-                    </dgm:shape>
-                    <dgm:presOf axis="desOrSelf" ptType="node"/>
-                    <dgm:constrLst>
-                      <dgm:constr type="tMarg" refType="primFontSz" fact="0.3"/>
-                      <dgm:constr type="bMarg" refType="primFontSz" fact="0.3"/>
-                      <dgm:constr type="lMarg" refType="primFontSz" fact="0.3"/>
-                      <dgm:constr type="rMarg" refType="primFontSz" fact="0.3"/>
-                    </dgm:constrLst>
-                    <dgm:ruleLst>
-                      <dgm:rule type="primFontSz" val="5" fact="NaN" max="NaN"/>
-                    </dgm:ruleLst>
-                  </dgm:layoutNode>
-                  <dgm:forEach name="Name67" axis="followSib" ptType="sibTrans" cnt="1">
-                    <dgm:layoutNode name="centerSibTrans">
-                      <dgm:alg type="sp"/>
-                      <dgm:shape xmlns:r="http://schemas.openxmlformats.org/officeDocument/2006/relationships" r:blip="">
-                        <dgm:adjLst/>
-                      </dgm:shape>
-                      <dgm:presOf/>
-                      <dgm:constrLst>
-                        <dgm:constr type="userA"/>
-                        <dgm:constr type="w" refType="userA" fact="0.015"/>
-                        <dgm:constr type="h" refType="userA" fact="0.015"/>
-                      </dgm:constrLst>
-                      <dgm:ruleLst/>
-                    </dgm:layoutNode>
-                  </dgm:forEach>
-                </dgm:forEach>
               </dgm:layoutNode>
+              <dgm:layoutNode name="dummyb">
+                <dgm:alg type="sp"/>
+                <dgm:shape xmlns:r="http://schemas.openxmlformats.org/officeDocument/2006/relationships" r:blip="">
+                  <dgm:adjLst/>
+                </dgm:shape>
+                <dgm:presOf/>
+                <dgm:constrLst>
+                  <dgm:constr type="h" refType="w"/>
+                </dgm:constrLst>
+                <dgm:ruleLst/>
+              </dgm:layoutNode>
+              <dgm:layoutNode name="dummyc">
+                <dgm:alg type="sp"/>
+                <dgm:shape xmlns:r="http://schemas.openxmlformats.org/officeDocument/2006/relationships" r:blip="">
+                  <dgm:adjLst/>
+                </dgm:shape>
+                <dgm:presOf/>
+                <dgm:constrLst>
+                  <dgm:constr type="h" refType="w"/>
+                </dgm:constrLst>
+                <dgm:ruleLst/>
+              </dgm:layoutNode>
+              <dgm:forEach name="sibTransForEach1" axis="followSib" ptType="sibTrans" hideLastTrans="0" cnt="1">
+                <dgm:layoutNode name="singleconn" styleLbl="sibTrans2D1">
+                  <dgm:alg type="conn">
+                    <dgm:param type="connRout" val="longCurve"/>
+                    <dgm:param type="begPts" val="bCtr"/>
+                    <dgm:param type="endPts" val="tCtr"/>
+                    <dgm:param type="begSty" val="noArr"/>
+                    <dgm:param type="endSty" val="noArr"/>
+                    <dgm:param type="srcNode" val="dummyConnPt"/>
+                    <dgm:param type="dstNode" val="dummyConnPt"/>
+                  </dgm:alg>
+                  <dgm:shape xmlns:r="http://schemas.openxmlformats.org/officeDocument/2006/relationships" type="conn" r:blip="" zOrderOff="-999">
+                    <dgm:adjLst/>
+                  </dgm:shape>
+                  <dgm:presOf axis="self"/>
+                  <dgm:constrLst>
+                    <dgm:constr type="begPad"/>
+                    <dgm:constr type="endPad"/>
+                  </dgm:constrLst>
+                  <dgm:ruleLst/>
+                </dgm:layoutNode>
+              </dgm:forEach>
             </dgm:if>
-            <dgm:else name="Name68"/>
+            <dgm:else name="Name25"/>
           </dgm:choose>
-        </dgm:layoutNode>
-      </dgm:if>
-      <dgm:else name="Name69"/>
-    </dgm:choose>
+        </dgm:forEach>
+      </dgm:forEach>
+    </dgm:forEach>
   </dgm:layoutNode>
 </dgm:layoutDef>
 </file>
@@ -7872,7 +7795,7 @@
           <a:p>
             <a:fld id="{C5679AC8-24FE-403C-9EDF-7FB033AD0E6C}" type="datetimeFigureOut">
               <a:rPr lang="en-US" smtClean="0"/>
-              <a:t>12/11/2019</a:t>
+              <a:t>12/12/2019</a:t>
             </a:fld>
             <a:endParaRPr lang="en-US"/>
           </a:p>
@@ -8042,7 +7965,7 @@
           <a:p>
             <a:fld id="{C5679AC8-24FE-403C-9EDF-7FB033AD0E6C}" type="datetimeFigureOut">
               <a:rPr lang="en-US" smtClean="0"/>
-              <a:t>12/11/2019</a:t>
+              <a:t>12/12/2019</a:t>
             </a:fld>
             <a:endParaRPr lang="en-US"/>
           </a:p>
@@ -8222,7 +8145,7 @@
           <a:p>
             <a:fld id="{C5679AC8-24FE-403C-9EDF-7FB033AD0E6C}" type="datetimeFigureOut">
               <a:rPr lang="en-US" smtClean="0"/>
-              <a:t>12/11/2019</a:t>
+              <a:t>12/12/2019</a:t>
             </a:fld>
             <a:endParaRPr lang="en-US"/>
           </a:p>
@@ -8392,7 +8315,7 @@
           <a:p>
             <a:fld id="{C5679AC8-24FE-403C-9EDF-7FB033AD0E6C}" type="datetimeFigureOut">
               <a:rPr lang="en-US" smtClean="0"/>
-              <a:t>12/11/2019</a:t>
+              <a:t>12/12/2019</a:t>
             </a:fld>
             <a:endParaRPr lang="en-US"/>
           </a:p>
@@ -8636,7 +8559,7 @@
           <a:p>
             <a:fld id="{C5679AC8-24FE-403C-9EDF-7FB033AD0E6C}" type="datetimeFigureOut">
               <a:rPr lang="en-US" smtClean="0"/>
-              <a:t>12/11/2019</a:t>
+              <a:t>12/12/2019</a:t>
             </a:fld>
             <a:endParaRPr lang="en-US"/>
           </a:p>
@@ -8868,7 +8791,7 @@
           <a:p>
             <a:fld id="{C5679AC8-24FE-403C-9EDF-7FB033AD0E6C}" type="datetimeFigureOut">
               <a:rPr lang="en-US" smtClean="0"/>
-              <a:t>12/11/2019</a:t>
+              <a:t>12/12/2019</a:t>
             </a:fld>
             <a:endParaRPr lang="en-US"/>
           </a:p>
@@ -9235,7 +9158,7 @@
           <a:p>
             <a:fld id="{C5679AC8-24FE-403C-9EDF-7FB033AD0E6C}" type="datetimeFigureOut">
               <a:rPr lang="en-US" smtClean="0"/>
-              <a:t>12/11/2019</a:t>
+              <a:t>12/12/2019</a:t>
             </a:fld>
             <a:endParaRPr lang="en-US"/>
           </a:p>
@@ -9353,7 +9276,7 @@
           <a:p>
             <a:fld id="{C5679AC8-24FE-403C-9EDF-7FB033AD0E6C}" type="datetimeFigureOut">
               <a:rPr lang="en-US" smtClean="0"/>
-              <a:t>12/11/2019</a:t>
+              <a:t>12/12/2019</a:t>
             </a:fld>
             <a:endParaRPr lang="en-US"/>
           </a:p>
@@ -9448,7 +9371,7 @@
           <a:p>
             <a:fld id="{C5679AC8-24FE-403C-9EDF-7FB033AD0E6C}" type="datetimeFigureOut">
               <a:rPr lang="en-US" smtClean="0"/>
-              <a:t>12/11/2019</a:t>
+              <a:t>12/12/2019</a:t>
             </a:fld>
             <a:endParaRPr lang="en-US"/>
           </a:p>
@@ -9725,7 +9648,7 @@
           <a:p>
             <a:fld id="{C5679AC8-24FE-403C-9EDF-7FB033AD0E6C}" type="datetimeFigureOut">
               <a:rPr lang="en-US" smtClean="0"/>
-              <a:t>12/11/2019</a:t>
+              <a:t>12/12/2019</a:t>
             </a:fld>
             <a:endParaRPr lang="en-US"/>
           </a:p>
@@ -9982,7 +9905,7 @@
           <a:p>
             <a:fld id="{C5679AC8-24FE-403C-9EDF-7FB033AD0E6C}" type="datetimeFigureOut">
               <a:rPr lang="en-US" smtClean="0"/>
-              <a:t>12/11/2019</a:t>
+              <a:t>12/12/2019</a:t>
             </a:fld>
             <a:endParaRPr lang="en-US"/>
           </a:p>
@@ -10195,7 +10118,7 @@
           <a:p>
             <a:fld id="{C5679AC8-24FE-403C-9EDF-7FB033AD0E6C}" type="datetimeFigureOut">
               <a:rPr lang="en-US" smtClean="0"/>
-              <a:t>12/11/2019</a:t>
+              <a:t>12/12/2019</a:t>
             </a:fld>
             <a:endParaRPr lang="en-US"/>
           </a:p>
@@ -10613,7 +10536,7 @@
           <p:nvPr>
             <p:extLst>
               <p:ext uri="{D42A27DB-BD31-4B8C-83A1-F6EECF244321}">
-                <p14:modId xmlns:p14="http://schemas.microsoft.com/office/powerpoint/2010/main" val="3461790324"/>
+                <p14:modId xmlns:p14="http://schemas.microsoft.com/office/powerpoint/2010/main" val="2206232273"/>
               </p:ext>
             </p:extLst>
           </p:nvPr>

--- a/chapter-intro/diagrams/diagrams.pptx
+++ b/chapter-intro/diagrams/diagrams.pptx
@@ -2161,7 +2161,7 @@
 <dgm:dataModel xmlns:dgm="http://schemas.openxmlformats.org/drawingml/2006/diagram" xmlns:a="http://schemas.openxmlformats.org/drawingml/2006/main">
   <dgm:ptLst>
     <dgm:pt modelId="{50B92FBA-127C-44FC-88A2-7BA2660E0644}" type="doc">
-      <dgm:prSet loTypeId="urn:microsoft.com/office/officeart/2005/8/layout/vList6" loCatId="process" qsTypeId="urn:microsoft.com/office/officeart/2005/8/quickstyle/simple1" qsCatId="simple" csTypeId="urn:microsoft.com/office/officeart/2005/8/colors/accent0_1" csCatId="mainScheme" phldr="1"/>
+      <dgm:prSet loTypeId="urn:microsoft.com/office/officeart/2005/8/layout/hList7" loCatId="process" qsTypeId="urn:microsoft.com/office/officeart/2005/8/quickstyle/simple1" qsCatId="simple" csTypeId="urn:microsoft.com/office/officeart/2005/8/colors/accent0_1" csCatId="mainScheme" phldr="1"/>
       <dgm:spPr/>
       <dgm:t>
         <a:bodyPr/>
@@ -2243,42 +2243,6 @@
         </a:p>
       </dgm:t>
     </dgm:pt>
-    <dgm:pt modelId="{256F6727-6B02-48D3-8B83-6D3D77D983D1}">
-      <dgm:prSet phldrT="[Text]"/>
-      <dgm:spPr/>
-      <dgm:t>
-        <a:bodyPr/>
-        <a:lstStyle/>
-        <a:p>
-          <a:r>
-            <a:rPr lang="en-US" dirty="0"/>
-            <a:t>Testbed Development</a:t>
-          </a:r>
-        </a:p>
-      </dgm:t>
-    </dgm:pt>
-    <dgm:pt modelId="{9E6FEDB7-87AB-4738-942B-EDD482BF9DB5}" type="parTrans" cxnId="{1793A55C-17BC-4DA3-90B0-75327C3069A1}">
-      <dgm:prSet/>
-      <dgm:spPr/>
-      <dgm:t>
-        <a:bodyPr/>
-        <a:lstStyle/>
-        <a:p>
-          <a:endParaRPr lang="en-US"/>
-        </a:p>
-      </dgm:t>
-    </dgm:pt>
-    <dgm:pt modelId="{7C6B9650-B7EA-4940-951E-5DD62764B2A1}" type="sibTrans" cxnId="{1793A55C-17BC-4DA3-90B0-75327C3069A1}">
-      <dgm:prSet/>
-      <dgm:spPr/>
-      <dgm:t>
-        <a:bodyPr/>
-        <a:lstStyle/>
-        <a:p>
-          <a:endParaRPr lang="en-US"/>
-        </a:p>
-      </dgm:t>
-    </dgm:pt>
     <dgm:pt modelId="{CF6A3CD5-1FD6-4E54-93EF-95CAFEF626E6}">
       <dgm:prSet phldrT="[Text]"/>
       <dgm:spPr/>
@@ -2432,15 +2396,7 @@
         <a:p>
           <a:r>
             <a:rPr lang="en-US" dirty="0"/>
-            <a:t>Landscape of the Use Cases for </a:t>
-          </a:r>
-          <a:r>
-            <a:rPr lang="en-US" dirty="0" err="1"/>
-            <a:t>WirelessUnderstand</a:t>
-          </a:r>
-          <a:r>
-            <a:rPr lang="en-US" dirty="0"/>
-            <a:t> the Radio Environment</a:t>
+            <a:t>Understanding the radio environment within the factory inclusive of the industrial workcell</a:t>
           </a:r>
         </a:p>
       </dgm:t>
@@ -2467,7 +2423,7 @@
         </a:p>
       </dgm:t>
     </dgm:pt>
-    <dgm:pt modelId="{C7B548B2-EF26-4F05-A14A-6D502303FCDA}">
+    <dgm:pt modelId="{5DCB02DD-9D7D-46F8-8F63-85DEB227E96C}">
       <dgm:prSet phldrT="[Text]"/>
       <dgm:spPr/>
       <dgm:t>
@@ -2475,17 +2431,13 @@
         <a:lstStyle/>
         <a:p>
           <a:r>
-            <a:rPr lang="en-US"/>
-            <a:t>Understand </a:t>
+            <a:rPr lang="en-US" dirty="0"/>
+            <a:t>Functional Decomposition of network and physical system</a:t>
           </a:r>
-          <a:r>
-            <a:rPr lang="en-US" dirty="0"/>
-            <a:t>the Radio Environment</a:t>
-          </a:r>
         </a:p>
       </dgm:t>
     </dgm:pt>
-    <dgm:pt modelId="{DFC404A3-81DE-4394-B14E-29DF56CC06EF}" type="parTrans" cxnId="{BF33898D-C0ED-452D-A5DF-0FD2BC8FF24E}">
+    <dgm:pt modelId="{24BB9982-26D6-4928-84E4-6BC6F690A997}" type="parTrans" cxnId="{9A89D448-91FF-4E0D-9AE1-A90DE7AADF2A}">
       <dgm:prSet/>
       <dgm:spPr/>
       <dgm:t>
@@ -2496,7 +2448,7 @@
         </a:p>
       </dgm:t>
     </dgm:pt>
-    <dgm:pt modelId="{2C5CA477-8965-4371-A3DE-CA1D593DCB30}" type="sibTrans" cxnId="{BF33898D-C0ED-452D-A5DF-0FD2BC8FF24E}">
+    <dgm:pt modelId="{C9A6FD2D-AA31-42F0-82AA-D5BE161E4F21}" type="sibTrans" cxnId="{9A89D448-91FF-4E0D-9AE1-A90DE7AADF2A}">
       <dgm:prSet/>
       <dgm:spPr/>
       <dgm:t>
@@ -2507,7 +2459,7 @@
         </a:p>
       </dgm:t>
     </dgm:pt>
-    <dgm:pt modelId="{5DCB02DD-9D7D-46F8-8F63-85DEB227E96C}">
+    <dgm:pt modelId="{5ACBA04F-70EA-423A-8EEF-8BA4D4EE86BB}">
       <dgm:prSet phldrT="[Text]"/>
       <dgm:spPr/>
       <dgm:t>
@@ -2516,12 +2468,12 @@
         <a:p>
           <a:r>
             <a:rPr lang="en-US" dirty="0"/>
-            <a:t>Functional Decomposition of Network and Physical System</a:t>
+            <a:t>Indication of physical and network constraints</a:t>
           </a:r>
         </a:p>
       </dgm:t>
     </dgm:pt>
-    <dgm:pt modelId="{24BB9982-26D6-4928-84E4-6BC6F690A997}" type="parTrans" cxnId="{9A89D448-91FF-4E0D-9AE1-A90DE7AADF2A}">
+    <dgm:pt modelId="{4B63AD80-605A-4EEB-9284-55198EDF21DD}" type="parTrans" cxnId="{59C23117-0E63-4858-997B-4BFC6BCC5763}">
       <dgm:prSet/>
       <dgm:spPr/>
       <dgm:t>
@@ -2532,7 +2484,7 @@
         </a:p>
       </dgm:t>
     </dgm:pt>
-    <dgm:pt modelId="{C9A6FD2D-AA31-42F0-82AA-D5BE161E4F21}" type="sibTrans" cxnId="{9A89D448-91FF-4E0D-9AE1-A90DE7AADF2A}">
+    <dgm:pt modelId="{1A170114-F54B-4F53-9F41-5631CAEB2F44}" type="sibTrans" cxnId="{59C23117-0E63-4858-997B-4BFC6BCC5763}">
       <dgm:prSet/>
       <dgm:spPr/>
       <dgm:t>
@@ -2543,7 +2495,7 @@
         </a:p>
       </dgm:t>
     </dgm:pt>
-    <dgm:pt modelId="{5ACBA04F-70EA-423A-8EEF-8BA4D4EE86BB}">
+    <dgm:pt modelId="{32D168FC-66B2-430B-8243-781F6D59AE1C}">
       <dgm:prSet phldrT="[Text]"/>
       <dgm:spPr/>
       <dgm:t>
@@ -2552,43 +2504,7 @@
         <a:p>
           <a:r>
             <a:rPr lang="en-US" dirty="0"/>
-            <a:t>Indication of Physical Constraints in the Model</a:t>
-          </a:r>
-        </a:p>
-      </dgm:t>
-    </dgm:pt>
-    <dgm:pt modelId="{4B63AD80-605A-4EEB-9284-55198EDF21DD}" type="parTrans" cxnId="{59C23117-0E63-4858-997B-4BFC6BCC5763}">
-      <dgm:prSet/>
-      <dgm:spPr/>
-      <dgm:t>
-        <a:bodyPr/>
-        <a:lstStyle/>
-        <a:p>
-          <a:endParaRPr lang="en-US"/>
-        </a:p>
-      </dgm:t>
-    </dgm:pt>
-    <dgm:pt modelId="{1A170114-F54B-4F53-9F41-5631CAEB2F44}" type="sibTrans" cxnId="{59C23117-0E63-4858-997B-4BFC6BCC5763}">
-      <dgm:prSet/>
-      <dgm:spPr/>
-      <dgm:t>
-        <a:bodyPr/>
-        <a:lstStyle/>
-        <a:p>
-          <a:endParaRPr lang="en-US"/>
-        </a:p>
-      </dgm:t>
-    </dgm:pt>
-    <dgm:pt modelId="{32D168FC-66B2-430B-8243-781F6D59AE1C}">
-      <dgm:prSet phldrT="[Text]"/>
-      <dgm:spPr/>
-      <dgm:t>
-        <a:bodyPr/>
-        <a:lstStyle/>
-        <a:p>
-          <a:r>
-            <a:rPr lang="en-US" dirty="0"/>
-            <a:t>Integrate ML with control system</a:t>
+            <a:t>Integrate ML with industrial control systems</a:t>
           </a:r>
         </a:p>
       </dgm:t>
@@ -2651,78 +2567,6 @@
         </a:p>
       </dgm:t>
     </dgm:pt>
-    <dgm:pt modelId="{1C95B944-5DDB-4DAC-8C52-4F4702BD69C7}">
-      <dgm:prSet phldrT="[Text]"/>
-      <dgm:spPr/>
-      <dgm:t>
-        <a:bodyPr/>
-        <a:lstStyle/>
-        <a:p>
-          <a:r>
-            <a:rPr lang="en-US" dirty="0"/>
-            <a:t>Force torque sensing apparatus</a:t>
-          </a:r>
-        </a:p>
-      </dgm:t>
-    </dgm:pt>
-    <dgm:pt modelId="{C98925C6-30FB-4404-BADD-134E13D49324}" type="parTrans" cxnId="{23D040C4-4FF5-40A4-A330-A3E6EC04F6A9}">
-      <dgm:prSet/>
-      <dgm:spPr/>
-      <dgm:t>
-        <a:bodyPr/>
-        <a:lstStyle/>
-        <a:p>
-          <a:endParaRPr lang="en-US"/>
-        </a:p>
-      </dgm:t>
-    </dgm:pt>
-    <dgm:pt modelId="{99D897FB-CC5A-4F3F-8A6E-4017E70AD44E}" type="sibTrans" cxnId="{23D040C4-4FF5-40A4-A330-A3E6EC04F6A9}">
-      <dgm:prSet/>
-      <dgm:spPr/>
-      <dgm:t>
-        <a:bodyPr/>
-        <a:lstStyle/>
-        <a:p>
-          <a:endParaRPr lang="en-US"/>
-        </a:p>
-      </dgm:t>
-    </dgm:pt>
-    <dgm:pt modelId="{AF9CF5EB-11E5-418B-A6F8-82C6F40B0545}">
-      <dgm:prSet phldrT="[Text]"/>
-      <dgm:spPr/>
-      <dgm:t>
-        <a:bodyPr/>
-        <a:lstStyle/>
-        <a:p>
-          <a:r>
-            <a:rPr lang="en-US" dirty="0"/>
-            <a:t>Robot-based machine tending system</a:t>
-          </a:r>
-        </a:p>
-      </dgm:t>
-    </dgm:pt>
-    <dgm:pt modelId="{FB552753-5E54-4B41-98B6-DE6FD86314C7}" type="parTrans" cxnId="{B1AC7AB3-EB68-4025-BBDA-C25F5CE3F132}">
-      <dgm:prSet/>
-      <dgm:spPr/>
-      <dgm:t>
-        <a:bodyPr/>
-        <a:lstStyle/>
-        <a:p>
-          <a:endParaRPr lang="en-US"/>
-        </a:p>
-      </dgm:t>
-    </dgm:pt>
-    <dgm:pt modelId="{0D100111-036F-4455-89FF-9EBB79A55A9E}" type="sibTrans" cxnId="{B1AC7AB3-EB68-4025-BBDA-C25F5CE3F132}">
-      <dgm:prSet/>
-      <dgm:spPr/>
-      <dgm:t>
-        <a:bodyPr/>
-        <a:lstStyle/>
-        <a:p>
-          <a:endParaRPr lang="en-US"/>
-        </a:p>
-      </dgm:t>
-    </dgm:pt>
     <dgm:pt modelId="{9096C7DC-9C9D-443C-B017-9D7787E4D6C4}">
       <dgm:prSet phldrT="[Text]"/>
       <dgm:spPr/>
@@ -2831,218 +2675,597 @@
         </a:p>
       </dgm:t>
     </dgm:pt>
-    <dgm:pt modelId="{DD061A4E-2437-4525-AAE9-5559CECDE7F7}" type="pres">
+    <dgm:pt modelId="{CFBD46BB-05A4-4AF8-B2B9-13592152A4E4}">
+      <dgm:prSet phldrT="[Text]"/>
+      <dgm:spPr/>
+      <dgm:t>
+        <a:bodyPr/>
+        <a:lstStyle/>
+        <a:p>
+          <a:r>
+            <a:rPr lang="en-US" dirty="0"/>
+            <a:t>Interference level estimation using machine learning regression</a:t>
+          </a:r>
+        </a:p>
+      </dgm:t>
+    </dgm:pt>
+    <dgm:pt modelId="{9E4B0DCB-968B-4435-A77C-95C27978324E}" type="parTrans" cxnId="{C35C1A69-C136-42CD-98DF-EAFF11421E9F}">
+      <dgm:prSet/>
+      <dgm:spPr/>
+      <dgm:t>
+        <a:bodyPr/>
+        <a:lstStyle/>
+        <a:p>
+          <a:endParaRPr lang="en-US"/>
+        </a:p>
+      </dgm:t>
+    </dgm:pt>
+    <dgm:pt modelId="{AE693EBD-16E0-47DB-900D-CCC11F8A0B58}" type="sibTrans" cxnId="{C35C1A69-C136-42CD-98DF-EAFF11421E9F}">
+      <dgm:prSet/>
+      <dgm:spPr/>
+      <dgm:t>
+        <a:bodyPr/>
+        <a:lstStyle/>
+        <a:p>
+          <a:endParaRPr lang="en-US"/>
+        </a:p>
+      </dgm:t>
+    </dgm:pt>
+    <dgm:pt modelId="{62FF2265-9DBB-4CC6-9FA4-2C61781A762F}">
+      <dgm:prSet phldrT="[Text]"/>
+      <dgm:spPr/>
+      <dgm:t>
+        <a:bodyPr/>
+        <a:lstStyle/>
+        <a:p>
+          <a:r>
+            <a:rPr lang="en-US" dirty="0"/>
+            <a:t>Analysis of various regression techniques for industrial application</a:t>
+          </a:r>
+        </a:p>
+      </dgm:t>
+    </dgm:pt>
+    <dgm:pt modelId="{99476BED-4B9B-4431-8312-07FBCB8C0971}" type="parTrans" cxnId="{44D2FD45-3BA4-4822-977D-9089434E503F}">
+      <dgm:prSet/>
+      <dgm:spPr/>
+      <dgm:t>
+        <a:bodyPr/>
+        <a:lstStyle/>
+        <a:p>
+          <a:endParaRPr lang="en-US"/>
+        </a:p>
+      </dgm:t>
+    </dgm:pt>
+    <dgm:pt modelId="{37F11B10-2B9D-4F63-B9F9-1A03A6D52F46}" type="sibTrans" cxnId="{44D2FD45-3BA4-4822-977D-9089434E503F}">
+      <dgm:prSet/>
+      <dgm:spPr/>
+      <dgm:t>
+        <a:bodyPr/>
+        <a:lstStyle/>
+        <a:p>
+          <a:endParaRPr lang="en-US"/>
+        </a:p>
+      </dgm:t>
+    </dgm:pt>
+    <dgm:pt modelId="{64342A24-E850-48BF-8D2F-3A8A0EDF2C15}">
+      <dgm:prSet phldrT="[Text]"/>
+      <dgm:spPr/>
+      <dgm:t>
+        <a:bodyPr/>
+        <a:lstStyle/>
+        <a:p>
+          <a:r>
+            <a:rPr lang="en-US" dirty="0"/>
+            <a:t>Study of the industrial wireless work cell in smart manufacturing control</a:t>
+          </a:r>
+        </a:p>
+      </dgm:t>
+    </dgm:pt>
+    <dgm:pt modelId="{A8400E18-648C-4359-9DC6-03FC085EBD64}" type="parTrans" cxnId="{8C0C63DE-ACC8-40E7-9D5E-9C0DA291A711}">
+      <dgm:prSet/>
+      <dgm:spPr/>
+      <dgm:t>
+        <a:bodyPr/>
+        <a:lstStyle/>
+        <a:p>
+          <a:endParaRPr lang="en-US"/>
+        </a:p>
+      </dgm:t>
+    </dgm:pt>
+    <dgm:pt modelId="{4B64BC54-6BEB-4DB5-AF9D-33DCE6E8AC29}" type="sibTrans" cxnId="{8C0C63DE-ACC8-40E7-9D5E-9C0DA291A711}">
+      <dgm:prSet/>
+      <dgm:spPr/>
+      <dgm:t>
+        <a:bodyPr/>
+        <a:lstStyle/>
+        <a:p>
+          <a:endParaRPr lang="en-US"/>
+        </a:p>
+      </dgm:t>
+    </dgm:pt>
+    <dgm:pt modelId="{120B2A07-F8D9-4849-9E00-6A9FE30A1DA0}">
+      <dgm:prSet phldrT="[Text]"/>
+      <dgm:spPr/>
+      <dgm:t>
+        <a:bodyPr/>
+        <a:lstStyle/>
+        <a:p>
+          <a:r>
+            <a:rPr lang="en-US" dirty="0"/>
+            <a:t>Identification of interfaces</a:t>
+          </a:r>
+        </a:p>
+      </dgm:t>
+    </dgm:pt>
+    <dgm:pt modelId="{44194C5C-CFC7-40C3-A9EE-BF9842E83F13}" type="parTrans" cxnId="{7B0B325E-542D-47A4-B7AC-B8A232E5DF4B}">
+      <dgm:prSet/>
+      <dgm:spPr/>
+      <dgm:t>
+        <a:bodyPr/>
+        <a:lstStyle/>
+        <a:p>
+          <a:endParaRPr lang="en-US"/>
+        </a:p>
+      </dgm:t>
+    </dgm:pt>
+    <dgm:pt modelId="{80DE00D1-5F71-48CB-9E41-41C209B173F2}" type="sibTrans" cxnId="{7B0B325E-542D-47A4-B7AC-B8A232E5DF4B}">
+      <dgm:prSet/>
+      <dgm:spPr/>
+      <dgm:t>
+        <a:bodyPr/>
+        <a:lstStyle/>
+        <a:p>
+          <a:endParaRPr lang="en-US"/>
+        </a:p>
+      </dgm:t>
+    </dgm:pt>
+    <dgm:pt modelId="{31B82305-0895-46EE-9EFC-404C2E6B270F}">
+      <dgm:prSet phldrT="[Text]"/>
+      <dgm:spPr/>
+      <dgm:t>
+        <a:bodyPr/>
+        <a:lstStyle/>
+        <a:p>
+          <a:r>
+            <a:rPr lang="en-US" dirty="0"/>
+            <a:t>Identification of sources of information flows relevant to assessment of cyberphysical systems  performance</a:t>
+          </a:r>
+        </a:p>
+      </dgm:t>
+    </dgm:pt>
+    <dgm:pt modelId="{C6FA2E84-41AD-444F-B2EB-A80E9F8DAF9D}" type="parTrans" cxnId="{D4987A25-B886-45DA-AF1A-7AA4878F936D}">
+      <dgm:prSet/>
+      <dgm:spPr/>
+      <dgm:t>
+        <a:bodyPr/>
+        <a:lstStyle/>
+        <a:p>
+          <a:endParaRPr lang="en-US"/>
+        </a:p>
+      </dgm:t>
+    </dgm:pt>
+    <dgm:pt modelId="{C7E36F12-5BBB-438B-9877-DDC981F41EA4}" type="sibTrans" cxnId="{D4987A25-B886-45DA-AF1A-7AA4878F936D}">
+      <dgm:prSet/>
+      <dgm:spPr/>
+      <dgm:t>
+        <a:bodyPr/>
+        <a:lstStyle/>
+        <a:p>
+          <a:endParaRPr lang="en-US"/>
+        </a:p>
+      </dgm:t>
+    </dgm:pt>
+    <dgm:pt modelId="{D7C887D7-7485-4CF8-8926-E45263A53934}">
+      <dgm:prSet phldrT="[Text]"/>
+      <dgm:spPr/>
+      <dgm:t>
+        <a:bodyPr/>
+        <a:lstStyle/>
+        <a:p>
+          <a:r>
+            <a:rPr lang="en-US" dirty="0"/>
+            <a:t>Indication of applicable wireless technologies to use cases identified</a:t>
+          </a:r>
+        </a:p>
+      </dgm:t>
+    </dgm:pt>
+    <dgm:pt modelId="{252A6F5E-54AB-4CEA-BC9E-9BA1EF26EE50}" type="parTrans" cxnId="{F3521745-A1D2-4547-A4E9-A45201210429}">
+      <dgm:prSet/>
+      <dgm:spPr/>
+      <dgm:t>
+        <a:bodyPr/>
+        <a:lstStyle/>
+        <a:p>
+          <a:endParaRPr lang="en-US"/>
+        </a:p>
+      </dgm:t>
+    </dgm:pt>
+    <dgm:pt modelId="{B96D27FA-A0A4-4844-8CE1-B18282450768}" type="sibTrans" cxnId="{F3521745-A1D2-4547-A4E9-A45201210429}">
+      <dgm:prSet/>
+      <dgm:spPr/>
+      <dgm:t>
+        <a:bodyPr/>
+        <a:lstStyle/>
+        <a:p>
+          <a:endParaRPr lang="en-US"/>
+        </a:p>
+      </dgm:t>
+    </dgm:pt>
+    <dgm:pt modelId="{357DB4CB-A34F-4CA9-9E6F-29A832B3B985}">
+      <dgm:prSet phldrT="[Text]"/>
+      <dgm:spPr/>
+      <dgm:t>
+        <a:bodyPr/>
+        <a:lstStyle/>
+        <a:p>
+          <a:r>
+            <a:rPr lang="en-US" dirty="0"/>
+            <a:t>Identification of the pertinent wireless use cases found in the factory</a:t>
+          </a:r>
+        </a:p>
+      </dgm:t>
+    </dgm:pt>
+    <dgm:pt modelId="{7035F344-6EDC-4BF2-B520-B839A317E3A0}" type="parTrans" cxnId="{FBFA1840-D2E7-4025-8BC2-5E07D75AA343}">
+      <dgm:prSet/>
+      <dgm:spPr/>
+      <dgm:t>
+        <a:bodyPr/>
+        <a:lstStyle/>
+        <a:p>
+          <a:endParaRPr lang="en-US"/>
+        </a:p>
+      </dgm:t>
+    </dgm:pt>
+    <dgm:pt modelId="{F0A78202-C243-4C4B-A6BD-047F11914FBF}" type="sibTrans" cxnId="{FBFA1840-D2E7-4025-8BC2-5E07D75AA343}">
+      <dgm:prSet/>
+      <dgm:spPr/>
+      <dgm:t>
+        <a:bodyPr/>
+        <a:lstStyle/>
+        <a:p>
+          <a:endParaRPr lang="en-US"/>
+        </a:p>
+      </dgm:t>
+    </dgm:pt>
+    <dgm:pt modelId="{A1147032-16D8-44C5-AAF0-8AF3F0F7C013}" type="pres">
       <dgm:prSet presAssocID="{50B92FBA-127C-44FC-88A2-7BA2660E0644}" presName="Name0" presStyleCnt="0">
         <dgm:presLayoutVars>
           <dgm:dir/>
-          <dgm:animLvl val="lvl"/>
-          <dgm:resizeHandles/>
+          <dgm:resizeHandles val="exact"/>
         </dgm:presLayoutVars>
       </dgm:prSet>
       <dgm:spPr/>
     </dgm:pt>
-    <dgm:pt modelId="{15036A84-C233-40F2-83E6-A0BA32BFA82E}" type="pres">
-      <dgm:prSet presAssocID="{DDCF2613-C516-4143-BBE4-56BF56BA08B5}" presName="linNode" presStyleCnt="0"/>
-      <dgm:spPr/>
-    </dgm:pt>
-    <dgm:pt modelId="{89CF1BE7-1A15-41DB-859F-1448AE88E786}" type="pres">
-      <dgm:prSet presAssocID="{DDCF2613-C516-4143-BBE4-56BF56BA08B5}" presName="parentShp" presStyleLbl="node1" presStyleIdx="0" presStyleCnt="6">
+    <dgm:pt modelId="{96017230-65A9-4A94-B682-83F9E6A8A24E}" type="pres">
+      <dgm:prSet presAssocID="{50B92FBA-127C-44FC-88A2-7BA2660E0644}" presName="fgShape" presStyleLbl="fgShp" presStyleIdx="0" presStyleCnt="1"/>
+      <dgm:spPr/>
+    </dgm:pt>
+    <dgm:pt modelId="{43BE698F-F300-41DA-A7FA-B3951CE4086E}" type="pres">
+      <dgm:prSet presAssocID="{50B92FBA-127C-44FC-88A2-7BA2660E0644}" presName="linComp" presStyleCnt="0"/>
+      <dgm:spPr/>
+    </dgm:pt>
+    <dgm:pt modelId="{D2236D98-B81E-49B1-97C2-477872AD51CE}" type="pres">
+      <dgm:prSet presAssocID="{DDCF2613-C516-4143-BBE4-56BF56BA08B5}" presName="compNode" presStyleCnt="0"/>
+      <dgm:spPr/>
+    </dgm:pt>
+    <dgm:pt modelId="{76F90658-0028-4F8E-B31C-65AD52796673}" type="pres">
+      <dgm:prSet presAssocID="{DDCF2613-C516-4143-BBE4-56BF56BA08B5}" presName="bkgdShape" presStyleLbl="node1" presStyleIdx="0" presStyleCnt="5"/>
+      <dgm:spPr/>
+    </dgm:pt>
+    <dgm:pt modelId="{43030C01-5986-479E-A12D-5D5C9D012529}" type="pres">
+      <dgm:prSet presAssocID="{DDCF2613-C516-4143-BBE4-56BF56BA08B5}" presName="nodeTx" presStyleLbl="node1" presStyleIdx="0" presStyleCnt="5">
         <dgm:presLayoutVars>
           <dgm:bulletEnabled val="1"/>
         </dgm:presLayoutVars>
       </dgm:prSet>
       <dgm:spPr/>
     </dgm:pt>
-    <dgm:pt modelId="{DEB7B193-DD98-434C-B89B-69A63A889850}" type="pres">
-      <dgm:prSet presAssocID="{DDCF2613-C516-4143-BBE4-56BF56BA08B5}" presName="childShp" presStyleLbl="bgAccFollowNode1" presStyleIdx="0" presStyleCnt="6">
+    <dgm:pt modelId="{16B225F8-2DE1-4F39-B276-55BBDB4499E4}" type="pres">
+      <dgm:prSet presAssocID="{DDCF2613-C516-4143-BBE4-56BF56BA08B5}" presName="invisiNode" presStyleLbl="node1" presStyleIdx="0" presStyleCnt="5"/>
+      <dgm:spPr/>
+    </dgm:pt>
+    <dgm:pt modelId="{5B9F071D-A98D-4829-9864-113DAA3F893D}" type="pres">
+      <dgm:prSet presAssocID="{DDCF2613-C516-4143-BBE4-56BF56BA08B5}" presName="imagNode" presStyleLbl="fgImgPlace1" presStyleIdx="0" presStyleCnt="5"/>
+      <dgm:spPr>
+        <a:blipFill>
+          <a:blip xmlns:r="http://schemas.openxmlformats.org/officeDocument/2006/relationships" r:embed="rId1">
+            <a:extLst>
+              <a:ext uri="{28A0092B-C50C-407E-A947-70E740481C1C}">
+                <a14:useLocalDpi xmlns:a14="http://schemas.microsoft.com/office/drawing/2010/main" val="0"/>
+              </a:ext>
+              <a:ext uri="{837473B0-CC2E-450A-ABE3-18F120FF3D39}">
+                <a1611:picAttrSrcUrl xmlns:a1611="http://schemas.microsoft.com/office/drawing/2016/11/main" r:id="rId2"/>
+              </a:ext>
+            </a:extLst>
+          </a:blip>
+          <a:srcRect/>
+          <a:stretch>
+            <a:fillRect l="-68000" r="-68000"/>
+          </a:stretch>
+        </a:blipFill>
+      </dgm:spPr>
+    </dgm:pt>
+    <dgm:pt modelId="{9A054ADA-A5A5-45D8-94B8-7718D90CE076}" type="pres">
+      <dgm:prSet presAssocID="{F8B64696-A973-4B7C-A460-EDDA2D8891FA}" presName="sibTrans" presStyleLbl="sibTrans2D1" presStyleIdx="0" presStyleCnt="0"/>
+      <dgm:spPr/>
+    </dgm:pt>
+    <dgm:pt modelId="{24D77CF4-CB45-4678-AF6F-DB2F6F10431B}" type="pres">
+      <dgm:prSet presAssocID="{0C249CC0-0471-4C02-A835-954D9A66DBE6}" presName="compNode" presStyleCnt="0"/>
+      <dgm:spPr/>
+    </dgm:pt>
+    <dgm:pt modelId="{7D467C02-CFD3-4073-974B-1094FC7EE4A0}" type="pres">
+      <dgm:prSet presAssocID="{0C249CC0-0471-4C02-A835-954D9A66DBE6}" presName="bkgdShape" presStyleLbl="node1" presStyleIdx="1" presStyleCnt="5"/>
+      <dgm:spPr/>
+    </dgm:pt>
+    <dgm:pt modelId="{35AC1F78-AB5A-4F76-ABBE-1E5364B52728}" type="pres">
+      <dgm:prSet presAssocID="{0C249CC0-0471-4C02-A835-954D9A66DBE6}" presName="nodeTx" presStyleLbl="node1" presStyleIdx="1" presStyleCnt="5">
         <dgm:presLayoutVars>
           <dgm:bulletEnabled val="1"/>
         </dgm:presLayoutVars>
       </dgm:prSet>
       <dgm:spPr/>
     </dgm:pt>
-    <dgm:pt modelId="{7BC33EF8-4E96-4BE4-9ED7-9AB1F623C4E4}" type="pres">
-      <dgm:prSet presAssocID="{F8B64696-A973-4B7C-A460-EDDA2D8891FA}" presName="spacing" presStyleCnt="0"/>
-      <dgm:spPr/>
-    </dgm:pt>
-    <dgm:pt modelId="{063FA17A-F04D-4517-A025-6F4498456682}" type="pres">
-      <dgm:prSet presAssocID="{0C249CC0-0471-4C02-A835-954D9A66DBE6}" presName="linNode" presStyleCnt="0"/>
-      <dgm:spPr/>
-    </dgm:pt>
-    <dgm:pt modelId="{6ACDBCDC-5D6F-4597-8BAA-81474A0F26B3}" type="pres">
-      <dgm:prSet presAssocID="{0C249CC0-0471-4C02-A835-954D9A66DBE6}" presName="parentShp" presStyleLbl="node1" presStyleIdx="1" presStyleCnt="6">
+    <dgm:pt modelId="{0AAFE5CC-D1C1-4D99-985D-F5C4FBC726B4}" type="pres">
+      <dgm:prSet presAssocID="{0C249CC0-0471-4C02-A835-954D9A66DBE6}" presName="invisiNode" presStyleLbl="node1" presStyleIdx="1" presStyleCnt="5"/>
+      <dgm:spPr/>
+    </dgm:pt>
+    <dgm:pt modelId="{CA756937-C37B-4706-8721-82F8DE29B662}" type="pres">
+      <dgm:prSet presAssocID="{0C249CC0-0471-4C02-A835-954D9A66DBE6}" presName="imagNode" presStyleLbl="fgImgPlace1" presStyleIdx="1" presStyleCnt="5"/>
+      <dgm:spPr>
+        <a:blipFill>
+          <a:blip xmlns:r="http://schemas.openxmlformats.org/officeDocument/2006/relationships" r:embed="rId3">
+            <a:extLst>
+              <a:ext uri="{28A0092B-C50C-407E-A947-70E740481C1C}">
+                <a14:useLocalDpi xmlns:a14="http://schemas.microsoft.com/office/drawing/2010/main" val="0"/>
+              </a:ext>
+              <a:ext uri="{837473B0-CC2E-450A-ABE3-18F120FF3D39}">
+                <a1611:picAttrSrcUrl xmlns:a1611="http://schemas.microsoft.com/office/drawing/2016/11/main" r:id="rId4"/>
+              </a:ext>
+            </a:extLst>
+          </a:blip>
+          <a:srcRect/>
+          <a:stretch>
+            <a:fillRect l="-14000" r="-14000"/>
+          </a:stretch>
+        </a:blipFill>
+      </dgm:spPr>
+    </dgm:pt>
+    <dgm:pt modelId="{0BD45A13-E822-4851-A106-015BFBD4DD02}" type="pres">
+      <dgm:prSet presAssocID="{A9943199-CE83-4556-8B5A-B4DE679A329D}" presName="sibTrans" presStyleLbl="sibTrans2D1" presStyleIdx="0" presStyleCnt="0"/>
+      <dgm:spPr/>
+    </dgm:pt>
+    <dgm:pt modelId="{A03E9E6F-EB76-4C49-9A5B-B7150F27956B}" type="pres">
+      <dgm:prSet presAssocID="{CF6A3CD5-1FD6-4E54-93EF-95CAFEF626E6}" presName="compNode" presStyleCnt="0"/>
+      <dgm:spPr/>
+    </dgm:pt>
+    <dgm:pt modelId="{E9BB1DEE-6552-4335-B6CC-5E52E5C41686}" type="pres">
+      <dgm:prSet presAssocID="{CF6A3CD5-1FD6-4E54-93EF-95CAFEF626E6}" presName="bkgdShape" presStyleLbl="node1" presStyleIdx="2" presStyleCnt="5"/>
+      <dgm:spPr/>
+    </dgm:pt>
+    <dgm:pt modelId="{B5E33D23-91A9-4A6A-B691-D6D1C97BA930}" type="pres">
+      <dgm:prSet presAssocID="{CF6A3CD5-1FD6-4E54-93EF-95CAFEF626E6}" presName="nodeTx" presStyleLbl="node1" presStyleIdx="2" presStyleCnt="5">
         <dgm:presLayoutVars>
           <dgm:bulletEnabled val="1"/>
         </dgm:presLayoutVars>
       </dgm:prSet>
       <dgm:spPr/>
     </dgm:pt>
-    <dgm:pt modelId="{23C425BE-BD6B-4835-91F8-D26D8BF6C478}" type="pres">
-      <dgm:prSet presAssocID="{0C249CC0-0471-4C02-A835-954D9A66DBE6}" presName="childShp" presStyleLbl="bgAccFollowNode1" presStyleIdx="1" presStyleCnt="6">
+    <dgm:pt modelId="{50F4D708-D772-42FB-9B8F-E9E1CAB6AB4A}" type="pres">
+      <dgm:prSet presAssocID="{CF6A3CD5-1FD6-4E54-93EF-95CAFEF626E6}" presName="invisiNode" presStyleLbl="node1" presStyleIdx="2" presStyleCnt="5"/>
+      <dgm:spPr/>
+    </dgm:pt>
+    <dgm:pt modelId="{A5111804-95AE-4C6B-ABD7-FFFE08E5756C}" type="pres">
+      <dgm:prSet presAssocID="{CF6A3CD5-1FD6-4E54-93EF-95CAFEF626E6}" presName="imagNode" presStyleLbl="fgImgPlace1" presStyleIdx="2" presStyleCnt="5"/>
+      <dgm:spPr>
+        <a:blipFill>
+          <a:blip xmlns:r="http://schemas.openxmlformats.org/officeDocument/2006/relationships" r:embed="rId5">
+            <a:extLst>
+              <a:ext uri="{28A0092B-C50C-407E-A947-70E740481C1C}">
+                <a14:useLocalDpi xmlns:a14="http://schemas.microsoft.com/office/drawing/2010/main" val="0"/>
+              </a:ext>
+              <a:ext uri="{837473B0-CC2E-450A-ABE3-18F120FF3D39}">
+                <a1611:picAttrSrcUrl xmlns:a1611="http://schemas.microsoft.com/office/drawing/2016/11/main" r:id="rId6"/>
+              </a:ext>
+            </a:extLst>
+          </a:blip>
+          <a:srcRect/>
+          <a:stretch>
+            <a:fillRect l="-31000" r="-31000"/>
+          </a:stretch>
+        </a:blipFill>
+      </dgm:spPr>
+    </dgm:pt>
+    <dgm:pt modelId="{CC9BD91D-07B6-4229-94B1-AA7ABBD3D592}" type="pres">
+      <dgm:prSet presAssocID="{FBDE67F6-4524-4E1D-97E2-8864D9E14433}" presName="sibTrans" presStyleLbl="sibTrans2D1" presStyleIdx="0" presStyleCnt="0"/>
+      <dgm:spPr/>
+    </dgm:pt>
+    <dgm:pt modelId="{BB21CCA6-DF98-41FA-A70F-F9821B727CC9}" type="pres">
+      <dgm:prSet presAssocID="{22D0BF9C-9098-43FB-9E1C-83B51CA53B8B}" presName="compNode" presStyleCnt="0"/>
+      <dgm:spPr/>
+    </dgm:pt>
+    <dgm:pt modelId="{B81F3BCD-319A-4969-ADD8-6889C0D6EBDE}" type="pres">
+      <dgm:prSet presAssocID="{22D0BF9C-9098-43FB-9E1C-83B51CA53B8B}" presName="bkgdShape" presStyleLbl="node1" presStyleIdx="3" presStyleCnt="5"/>
+      <dgm:spPr/>
+    </dgm:pt>
+    <dgm:pt modelId="{49E376A7-23B0-44CC-9506-66339598ACC6}" type="pres">
+      <dgm:prSet presAssocID="{22D0BF9C-9098-43FB-9E1C-83B51CA53B8B}" presName="nodeTx" presStyleLbl="node1" presStyleIdx="3" presStyleCnt="5">
         <dgm:presLayoutVars>
           <dgm:bulletEnabled val="1"/>
         </dgm:presLayoutVars>
       </dgm:prSet>
       <dgm:spPr/>
     </dgm:pt>
-    <dgm:pt modelId="{BA75D6F6-8E67-4906-84A3-617A6DEAF0CA}" type="pres">
-      <dgm:prSet presAssocID="{A9943199-CE83-4556-8B5A-B4DE679A329D}" presName="spacing" presStyleCnt="0"/>
-      <dgm:spPr/>
-    </dgm:pt>
-    <dgm:pt modelId="{D7E7A71E-7C7B-40CB-9635-8472CDEE1C34}" type="pres">
-      <dgm:prSet presAssocID="{256F6727-6B02-48D3-8B83-6D3D77D983D1}" presName="linNode" presStyleCnt="0"/>
-      <dgm:spPr/>
-    </dgm:pt>
-    <dgm:pt modelId="{4E917679-BA5B-4A5A-9BCD-BE98362CD945}" type="pres">
-      <dgm:prSet presAssocID="{256F6727-6B02-48D3-8B83-6D3D77D983D1}" presName="parentShp" presStyleLbl="node1" presStyleIdx="2" presStyleCnt="6">
+    <dgm:pt modelId="{3A14018C-EBE4-4057-87DA-076B0A57D31E}" type="pres">
+      <dgm:prSet presAssocID="{22D0BF9C-9098-43FB-9E1C-83B51CA53B8B}" presName="invisiNode" presStyleLbl="node1" presStyleIdx="3" presStyleCnt="5"/>
+      <dgm:spPr/>
+    </dgm:pt>
+    <dgm:pt modelId="{70DCEF3D-DB2D-4C94-B095-404B405D33AA}" type="pres">
+      <dgm:prSet presAssocID="{22D0BF9C-9098-43FB-9E1C-83B51CA53B8B}" presName="imagNode" presStyleLbl="fgImgPlace1" presStyleIdx="3" presStyleCnt="5"/>
+      <dgm:spPr>
+        <a:blipFill>
+          <a:blip xmlns:r="http://schemas.openxmlformats.org/officeDocument/2006/relationships" r:embed="rId7">
+            <a:extLst>
+              <a:ext uri="{28A0092B-C50C-407E-A947-70E740481C1C}">
+                <a14:useLocalDpi xmlns:a14="http://schemas.microsoft.com/office/drawing/2010/main" val="0"/>
+              </a:ext>
+              <a:ext uri="{837473B0-CC2E-450A-ABE3-18F120FF3D39}">
+                <a1611:picAttrSrcUrl xmlns:a1611="http://schemas.microsoft.com/office/drawing/2016/11/main" r:id="rId8"/>
+              </a:ext>
+            </a:extLst>
+          </a:blip>
+          <a:srcRect/>
+          <a:stretch>
+            <a:fillRect l="-25000" r="-25000"/>
+          </a:stretch>
+        </a:blipFill>
+      </dgm:spPr>
+    </dgm:pt>
+    <dgm:pt modelId="{0D47212F-F331-4F09-981C-5135B909BBE1}" type="pres">
+      <dgm:prSet presAssocID="{28545E06-75FB-4E43-B84D-55D351AE4231}" presName="sibTrans" presStyleLbl="sibTrans2D1" presStyleIdx="0" presStyleCnt="0"/>
+      <dgm:spPr/>
+    </dgm:pt>
+    <dgm:pt modelId="{9FC4316A-6CF9-40D5-B4B1-5E4B3EFB3983}" type="pres">
+      <dgm:prSet presAssocID="{27CBE004-D863-43AA-A93E-D9814DEFDD73}" presName="compNode" presStyleCnt="0"/>
+      <dgm:spPr/>
+    </dgm:pt>
+    <dgm:pt modelId="{8850943B-F06F-4CC3-906A-5B373B8D3940}" type="pres">
+      <dgm:prSet presAssocID="{27CBE004-D863-43AA-A93E-D9814DEFDD73}" presName="bkgdShape" presStyleLbl="node1" presStyleIdx="4" presStyleCnt="5"/>
+      <dgm:spPr/>
+    </dgm:pt>
+    <dgm:pt modelId="{539743ED-17F5-4769-817E-5951EAC8A491}" type="pres">
+      <dgm:prSet presAssocID="{27CBE004-D863-43AA-A93E-D9814DEFDD73}" presName="nodeTx" presStyleLbl="node1" presStyleIdx="4" presStyleCnt="5">
         <dgm:presLayoutVars>
           <dgm:bulletEnabled val="1"/>
         </dgm:presLayoutVars>
       </dgm:prSet>
       <dgm:spPr/>
     </dgm:pt>
-    <dgm:pt modelId="{6173E569-3518-41F0-A1A3-65D5F49844B4}" type="pres">
-      <dgm:prSet presAssocID="{256F6727-6B02-48D3-8B83-6D3D77D983D1}" presName="childShp" presStyleLbl="bgAccFollowNode1" presStyleIdx="2" presStyleCnt="6">
-        <dgm:presLayoutVars>
-          <dgm:bulletEnabled val="1"/>
-        </dgm:presLayoutVars>
-      </dgm:prSet>
-      <dgm:spPr/>
-    </dgm:pt>
-    <dgm:pt modelId="{BC051E93-0CF7-47F8-AB9A-EACF4165E0BE}" type="pres">
-      <dgm:prSet presAssocID="{7C6B9650-B7EA-4940-951E-5DD62764B2A1}" presName="spacing" presStyleCnt="0"/>
-      <dgm:spPr/>
-    </dgm:pt>
-    <dgm:pt modelId="{24F5FD2A-CBB6-46B3-9545-FE84F9DD8CCF}" type="pres">
-      <dgm:prSet presAssocID="{CF6A3CD5-1FD6-4E54-93EF-95CAFEF626E6}" presName="linNode" presStyleCnt="0"/>
-      <dgm:spPr/>
-    </dgm:pt>
-    <dgm:pt modelId="{E0DE0902-2FA5-4B52-9F39-B50C9F828F81}" type="pres">
-      <dgm:prSet presAssocID="{CF6A3CD5-1FD6-4E54-93EF-95CAFEF626E6}" presName="parentShp" presStyleLbl="node1" presStyleIdx="3" presStyleCnt="6">
-        <dgm:presLayoutVars>
-          <dgm:bulletEnabled val="1"/>
-        </dgm:presLayoutVars>
-      </dgm:prSet>
-      <dgm:spPr/>
-    </dgm:pt>
-    <dgm:pt modelId="{FEB48737-3D5D-48AC-AD8D-90A057D20090}" type="pres">
-      <dgm:prSet presAssocID="{CF6A3CD5-1FD6-4E54-93EF-95CAFEF626E6}" presName="childShp" presStyleLbl="bgAccFollowNode1" presStyleIdx="3" presStyleCnt="6">
-        <dgm:presLayoutVars>
-          <dgm:bulletEnabled val="1"/>
-        </dgm:presLayoutVars>
-      </dgm:prSet>
-      <dgm:spPr/>
-    </dgm:pt>
-    <dgm:pt modelId="{E0153278-D7F5-46AF-AC48-F2358A0FF4EF}" type="pres">
-      <dgm:prSet presAssocID="{FBDE67F6-4524-4E1D-97E2-8864D9E14433}" presName="spacing" presStyleCnt="0"/>
-      <dgm:spPr/>
-    </dgm:pt>
-    <dgm:pt modelId="{3DBB2DA4-B501-4C67-9D62-727F0CC76225}" type="pres">
-      <dgm:prSet presAssocID="{22D0BF9C-9098-43FB-9E1C-83B51CA53B8B}" presName="linNode" presStyleCnt="0"/>
-      <dgm:spPr/>
-    </dgm:pt>
-    <dgm:pt modelId="{541B05B9-6A3C-40AC-99EF-ECC47178FDB9}" type="pres">
-      <dgm:prSet presAssocID="{22D0BF9C-9098-43FB-9E1C-83B51CA53B8B}" presName="parentShp" presStyleLbl="node1" presStyleIdx="4" presStyleCnt="6">
-        <dgm:presLayoutVars>
-          <dgm:bulletEnabled val="1"/>
-        </dgm:presLayoutVars>
-      </dgm:prSet>
-      <dgm:spPr/>
-    </dgm:pt>
-    <dgm:pt modelId="{130C5A2D-B09E-4769-8441-12F45767D7B2}" type="pres">
-      <dgm:prSet presAssocID="{22D0BF9C-9098-43FB-9E1C-83B51CA53B8B}" presName="childShp" presStyleLbl="bgAccFollowNode1" presStyleIdx="4" presStyleCnt="6">
-        <dgm:presLayoutVars>
-          <dgm:bulletEnabled val="1"/>
-        </dgm:presLayoutVars>
-      </dgm:prSet>
-      <dgm:spPr/>
-    </dgm:pt>
-    <dgm:pt modelId="{634DF5B7-10B6-4B97-89A1-DB36E13AEFF6}" type="pres">
-      <dgm:prSet presAssocID="{28545E06-75FB-4E43-B84D-55D351AE4231}" presName="spacing" presStyleCnt="0"/>
-      <dgm:spPr/>
-    </dgm:pt>
-    <dgm:pt modelId="{5B66DF4D-A73E-4BFF-8693-A5B5757144E2}" type="pres">
-      <dgm:prSet presAssocID="{27CBE004-D863-43AA-A93E-D9814DEFDD73}" presName="linNode" presStyleCnt="0"/>
-      <dgm:spPr/>
-    </dgm:pt>
-    <dgm:pt modelId="{787939A4-8FAD-4FAC-BDAB-0BBC0E61431A}" type="pres">
-      <dgm:prSet presAssocID="{27CBE004-D863-43AA-A93E-D9814DEFDD73}" presName="parentShp" presStyleLbl="node1" presStyleIdx="5" presStyleCnt="6">
-        <dgm:presLayoutVars>
-          <dgm:bulletEnabled val="1"/>
-        </dgm:presLayoutVars>
-      </dgm:prSet>
-      <dgm:spPr/>
-    </dgm:pt>
-    <dgm:pt modelId="{371564FC-0030-4661-ADDF-9B517961EE16}" type="pres">
-      <dgm:prSet presAssocID="{27CBE004-D863-43AA-A93E-D9814DEFDD73}" presName="childShp" presStyleLbl="bgAccFollowNode1" presStyleIdx="5" presStyleCnt="6">
-        <dgm:presLayoutVars>
-          <dgm:bulletEnabled val="1"/>
-        </dgm:presLayoutVars>
-      </dgm:prSet>
-      <dgm:spPr/>
+    <dgm:pt modelId="{0C920874-30F9-4C4C-B9DD-DFB54C7A2152}" type="pres">
+      <dgm:prSet presAssocID="{27CBE004-D863-43AA-A93E-D9814DEFDD73}" presName="invisiNode" presStyleLbl="node1" presStyleIdx="4" presStyleCnt="5"/>
+      <dgm:spPr/>
+    </dgm:pt>
+    <dgm:pt modelId="{F3475C70-4A0D-4828-BA8D-AFFAB233CE7D}" type="pres">
+      <dgm:prSet presAssocID="{27CBE004-D863-43AA-A93E-D9814DEFDD73}" presName="imagNode" presStyleLbl="fgImgPlace1" presStyleIdx="4" presStyleCnt="5"/>
+      <dgm:spPr>
+        <a:blipFill>
+          <a:blip xmlns:r="http://schemas.openxmlformats.org/officeDocument/2006/relationships" r:embed="rId9">
+            <a:extLst>
+              <a:ext uri="{28A0092B-C50C-407E-A947-70E740481C1C}">
+                <a14:useLocalDpi xmlns:a14="http://schemas.microsoft.com/office/drawing/2010/main" val="0"/>
+              </a:ext>
+              <a:ext uri="{837473B0-CC2E-450A-ABE3-18F120FF3D39}">
+                <a1611:picAttrSrcUrl xmlns:a1611="http://schemas.microsoft.com/office/drawing/2016/11/main" r:id="rId10"/>
+              </a:ext>
+            </a:extLst>
+          </a:blip>
+          <a:srcRect/>
+          <a:stretch>
+            <a:fillRect l="-37000" r="-37000"/>
+          </a:stretch>
+        </a:blipFill>
+      </dgm:spPr>
     </dgm:pt>
   </dgm:ptLst>
   <dgm:cxnLst>
-    <dgm:cxn modelId="{F0C3B504-AB9E-40FB-8EA4-84C3EB3AC13E}" type="presOf" srcId="{0C249CC0-0471-4C02-A835-954D9A66DBE6}" destId="{6ACDBCDC-5D6F-4597-8BAA-81474A0F26B3}" srcOrd="0" destOrd="0" presId="urn:microsoft.com/office/officeart/2005/8/layout/vList6"/>
     <dgm:cxn modelId="{740C2906-3AEC-4486-B89F-E85B48F1D110}" srcId="{50B92FBA-127C-44FC-88A2-7BA2660E0644}" destId="{0C249CC0-0471-4C02-A835-954D9A66DBE6}" srcOrd="1" destOrd="0" parTransId="{594CE964-0E3B-44BA-9946-53EBB9D150C8}" sibTransId="{A9943199-CE83-4556-8B5A-B4DE679A329D}"/>
-    <dgm:cxn modelId="{11366110-24F7-4B7D-8E03-C6ABDA801599}" type="presOf" srcId="{C7B548B2-EF26-4F05-A14A-6D502303FCDA}" destId="{DEB7B193-DD98-434C-B89B-69A63A889850}" srcOrd="0" destOrd="1" presId="urn:microsoft.com/office/officeart/2005/8/layout/vList6"/>
-    <dgm:cxn modelId="{B942D311-60A7-47C6-B869-17E914C56400}" type="presOf" srcId="{4D46962D-983D-4EA3-BAC2-67CAC0181DFF}" destId="{DEB7B193-DD98-434C-B89B-69A63A889850}" srcOrd="0" destOrd="0" presId="urn:microsoft.com/office/officeart/2005/8/layout/vList6"/>
-    <dgm:cxn modelId="{59C23117-0E63-4858-997B-4BFC6BCC5763}" srcId="{0C249CC0-0471-4C02-A835-954D9A66DBE6}" destId="{5ACBA04F-70EA-423A-8EEF-8BA4D4EE86BB}" srcOrd="1" destOrd="0" parTransId="{4B63AD80-605A-4EEB-9284-55198EDF21DD}" sibTransId="{1A170114-F54B-4F53-9F41-5631CAEB2F44}"/>
+    <dgm:cxn modelId="{04AD7F09-F664-4529-A6C1-A60992AA01CF}" type="presOf" srcId="{F8B64696-A973-4B7C-A460-EDDA2D8891FA}" destId="{9A054ADA-A5A5-45D8-94B8-7718D90CE076}" srcOrd="0" destOrd="0" presId="urn:microsoft.com/office/officeart/2005/8/layout/hList7"/>
+    <dgm:cxn modelId="{ADD0520D-261C-40FC-B538-917592FCC688}" type="presOf" srcId="{9096C7DC-9C9D-443C-B017-9D7787E4D6C4}" destId="{E9BB1DEE-6552-4335-B6CC-5E52E5C41686}" srcOrd="0" destOrd="1" presId="urn:microsoft.com/office/officeart/2005/8/layout/hList7"/>
+    <dgm:cxn modelId="{3C6C2A11-F03B-4C20-9A5B-0BCD88CEBAC9}" type="presOf" srcId="{D7C887D7-7485-4CF8-8926-E45263A53934}" destId="{76F90658-0028-4F8E-B31C-65AD52796673}" srcOrd="0" destOrd="3" presId="urn:microsoft.com/office/officeart/2005/8/layout/hList7"/>
+    <dgm:cxn modelId="{D60E6112-2F1C-4235-8E46-BFF9EE67DE9C}" type="presOf" srcId="{5ACBA04F-70EA-423A-8EEF-8BA4D4EE86BB}" destId="{7D467C02-CFD3-4073-974B-1094FC7EE4A0}" srcOrd="0" destOrd="4" presId="urn:microsoft.com/office/officeart/2005/8/layout/hList7"/>
+    <dgm:cxn modelId="{F0BCC112-3CAF-4A75-8FDE-002A6CB1E87D}" type="presOf" srcId="{07FC20FA-B0B5-4FB9-925D-3F49A843FFFD}" destId="{539743ED-17F5-4769-817E-5951EAC8A491}" srcOrd="1" destOrd="1" presId="urn:microsoft.com/office/officeart/2005/8/layout/hList7"/>
+    <dgm:cxn modelId="{24E84D15-6788-404B-BD13-FC7FCE196EF0}" type="presOf" srcId="{32D168FC-66B2-430B-8243-781F6D59AE1C}" destId="{539743ED-17F5-4769-817E-5951EAC8A491}" srcOrd="1" destOrd="2" presId="urn:microsoft.com/office/officeart/2005/8/layout/hList7"/>
+    <dgm:cxn modelId="{59C23117-0E63-4858-997B-4BFC6BCC5763}" srcId="{0C249CC0-0471-4C02-A835-954D9A66DBE6}" destId="{5ACBA04F-70EA-423A-8EEF-8BA4D4EE86BB}" srcOrd="3" destOrd="0" parTransId="{4B63AD80-605A-4EEB-9284-55198EDF21DD}" sibTransId="{1A170114-F54B-4F53-9F41-5631CAEB2F44}"/>
     <dgm:cxn modelId="{269E7317-A860-4926-A531-DFCEF556AF8A}" srcId="{27CBE004-D863-43AA-A93E-D9814DEFDD73}" destId="{07987B6E-2767-4A76-A041-B16E8179447B}" srcOrd="2" destOrd="0" parTransId="{D08A5DA7-B450-4E31-8367-8E124E7D89B7}" sibTransId="{7C7D8E91-4C8E-4C27-B793-98897E1BA62B}"/>
-    <dgm:cxn modelId="{67914C27-4AF3-4757-B06B-FE93BFF4F3C5}" type="presOf" srcId="{256F6727-6B02-48D3-8B83-6D3D77D983D1}" destId="{4E917679-BA5B-4A5A-9BCD-BE98362CD945}" srcOrd="0" destOrd="0" presId="urn:microsoft.com/office/officeart/2005/8/layout/vList6"/>
+    <dgm:cxn modelId="{B835D117-1000-409D-A3E4-3C010CDE767C}" type="presOf" srcId="{9096C7DC-9C9D-443C-B017-9D7787E4D6C4}" destId="{B5E33D23-91A9-4A6A-B691-D6D1C97BA930}" srcOrd="1" destOrd="1" presId="urn:microsoft.com/office/officeart/2005/8/layout/hList7"/>
+    <dgm:cxn modelId="{A5BCDC1D-5F0B-404E-93C7-A94E5710EB4A}" type="presOf" srcId="{357DB4CB-A34F-4CA9-9E6F-29A832B3B985}" destId="{43030C01-5986-479E-A12D-5D5C9D012529}" srcOrd="1" destOrd="2" presId="urn:microsoft.com/office/officeart/2005/8/layout/hList7"/>
+    <dgm:cxn modelId="{D4987A25-B886-45DA-AF1A-7AA4878F936D}" srcId="{0C249CC0-0471-4C02-A835-954D9A66DBE6}" destId="{31B82305-0895-46EE-9EFC-404C2E6B270F}" srcOrd="4" destOrd="0" parTransId="{C6FA2E84-41AD-444F-B2EB-A80E9F8DAF9D}" sibTransId="{C7E36F12-5BBB-438B-9877-DDC981F41EA4}"/>
+    <dgm:cxn modelId="{AD2F6127-060A-407B-BF35-8DF1EE8FE7A6}" type="presOf" srcId="{120B2A07-F8D9-4849-9E00-6A9FE30A1DA0}" destId="{35AC1F78-AB5A-4F76-ABBE-1E5364B52728}" srcOrd="1" destOrd="3" presId="urn:microsoft.com/office/officeart/2005/8/layout/hList7"/>
+    <dgm:cxn modelId="{0CB81B2B-121A-4266-92AB-14B173B6201C}" type="presOf" srcId="{07987B6E-2767-4A76-A041-B16E8179447B}" destId="{8850943B-F06F-4CC3-906A-5B373B8D3940}" srcOrd="0" destOrd="3" presId="urn:microsoft.com/office/officeart/2005/8/layout/hList7"/>
+    <dgm:cxn modelId="{D3C5822B-CB72-40CF-B6CC-4CB0DF77D1F6}" type="presOf" srcId="{120B2A07-F8D9-4849-9E00-6A9FE30A1DA0}" destId="{7D467C02-CFD3-4073-974B-1094FC7EE4A0}" srcOrd="0" destOrd="3" presId="urn:microsoft.com/office/officeart/2005/8/layout/hList7"/>
+    <dgm:cxn modelId="{C4F7152F-6615-49FB-BEF2-0316B8CC4163}" type="presOf" srcId="{5ACBA04F-70EA-423A-8EEF-8BA4D4EE86BB}" destId="{35AC1F78-AB5A-4F76-ABBE-1E5364B52728}" srcOrd="1" destOrd="4" presId="urn:microsoft.com/office/officeart/2005/8/layout/hList7"/>
     <dgm:cxn modelId="{3392A830-F00F-4E08-8442-5B7D7DB27D91}" srcId="{CF6A3CD5-1FD6-4E54-93EF-95CAFEF626E6}" destId="{4CC8A812-363D-4775-BEB3-F4B9D35D974F}" srcOrd="1" destOrd="0" parTransId="{6F528631-3F62-4EB8-B86E-20E5661B1AC7}" sibTransId="{E5EE6DC8-8B04-46D6-B63C-0352F9842303}"/>
-    <dgm:cxn modelId="{1793A55C-17BC-4DA3-90B0-75327C3069A1}" srcId="{50B92FBA-127C-44FC-88A2-7BA2660E0644}" destId="{256F6727-6B02-48D3-8B83-6D3D77D983D1}" srcOrd="2" destOrd="0" parTransId="{9E6FEDB7-87AB-4738-942B-EDD482BF9DB5}" sibTransId="{7C6B9650-B7EA-4940-951E-5DD62764B2A1}"/>
-    <dgm:cxn modelId="{21E6625F-2821-472B-A89B-44DE1CFC6FC0}" type="presOf" srcId="{32D168FC-66B2-430B-8243-781F6D59AE1C}" destId="{371564FC-0030-4661-ADDF-9B517961EE16}" srcOrd="0" destOrd="1" presId="urn:microsoft.com/office/officeart/2005/8/layout/vList6"/>
+    <dgm:cxn modelId="{20C2563A-A8ED-49D3-8AB9-7F706B8B71F3}" type="presOf" srcId="{27CBE004-D863-43AA-A93E-D9814DEFDD73}" destId="{8850943B-F06F-4CC3-906A-5B373B8D3940}" srcOrd="0" destOrd="0" presId="urn:microsoft.com/office/officeart/2005/8/layout/hList7"/>
+    <dgm:cxn modelId="{8065CD3A-7D83-4931-B97C-600D89AB763B}" type="presOf" srcId="{0C249CC0-0471-4C02-A835-954D9A66DBE6}" destId="{7D467C02-CFD3-4073-974B-1094FC7EE4A0}" srcOrd="0" destOrd="0" presId="urn:microsoft.com/office/officeart/2005/8/layout/hList7"/>
+    <dgm:cxn modelId="{B73DAB3B-6D03-4E41-BD5B-8F8A1524790D}" type="presOf" srcId="{D46FBB7F-279D-417C-9B92-7E1F69958267}" destId="{B5E33D23-91A9-4A6A-B691-D6D1C97BA930}" srcOrd="1" destOrd="3" presId="urn:microsoft.com/office/officeart/2005/8/layout/hList7"/>
+    <dgm:cxn modelId="{4125053F-5CAF-4E97-A639-5D5C63816B3C}" type="presOf" srcId="{22D0BF9C-9098-43FB-9E1C-83B51CA53B8B}" destId="{B81F3BCD-319A-4969-ADD8-6889C0D6EBDE}" srcOrd="0" destOrd="0" presId="urn:microsoft.com/office/officeart/2005/8/layout/hList7"/>
+    <dgm:cxn modelId="{FBFA1840-D2E7-4025-8BC2-5E07D75AA343}" srcId="{DDCF2613-C516-4143-BBE4-56BF56BA08B5}" destId="{357DB4CB-A34F-4CA9-9E6F-29A832B3B985}" srcOrd="1" destOrd="0" parTransId="{7035F344-6EDC-4BF2-B520-B839A317E3A0}" sibTransId="{F0A78202-C243-4C4B-A6BD-047F11914FBF}"/>
+    <dgm:cxn modelId="{8F4E9A5C-00BF-4C04-B99F-A8205282C536}" type="presOf" srcId="{50B92FBA-127C-44FC-88A2-7BA2660E0644}" destId="{A1147032-16D8-44C5-AAF0-8AF3F0F7C013}" srcOrd="0" destOrd="0" presId="urn:microsoft.com/office/officeart/2005/8/layout/hList7"/>
+    <dgm:cxn modelId="{7B0B325E-542D-47A4-B7AC-B8A232E5DF4B}" srcId="{0C249CC0-0471-4C02-A835-954D9A66DBE6}" destId="{120B2A07-F8D9-4849-9E00-6A9FE30A1DA0}" srcOrd="2" destOrd="0" parTransId="{44194C5C-CFC7-40C3-A9EE-BF9842E83F13}" sibTransId="{80DE00D1-5F71-48CB-9E41-41C209B173F2}"/>
     <dgm:cxn modelId="{F81BDD5F-36D7-49A0-B863-1109A5EE5BE4}" srcId="{50B92FBA-127C-44FC-88A2-7BA2660E0644}" destId="{DDCF2613-C516-4143-BBE4-56BF56BA08B5}" srcOrd="0" destOrd="0" parTransId="{39C5A059-87B1-42C2-8208-E55FC4A7C0E7}" sibTransId="{F8B64696-A973-4B7C-A460-EDDA2D8891FA}"/>
-    <dgm:cxn modelId="{B135D060-DD13-4C3C-8289-4F66AD0C7062}" type="presOf" srcId="{27CBE004-D863-43AA-A93E-D9814DEFDD73}" destId="{787939A4-8FAD-4FAC-BDAB-0BBC0E61431A}" srcOrd="0" destOrd="0" presId="urn:microsoft.com/office/officeart/2005/8/layout/vList6"/>
+    <dgm:cxn modelId="{58303661-E71F-4F72-9945-6597979AF284}" type="presOf" srcId="{0C249CC0-0471-4C02-A835-954D9A66DBE6}" destId="{35AC1F78-AB5A-4F76-ABBE-1E5364B52728}" srcOrd="1" destOrd="0" presId="urn:microsoft.com/office/officeart/2005/8/layout/hList7"/>
+    <dgm:cxn modelId="{EAF45142-31F0-4B5F-A5AC-F2AD88726B5E}" type="presOf" srcId="{27CBE004-D863-43AA-A93E-D9814DEFDD73}" destId="{539743ED-17F5-4769-817E-5951EAC8A491}" srcOrd="1" destOrd="0" presId="urn:microsoft.com/office/officeart/2005/8/layout/hList7"/>
+    <dgm:cxn modelId="{F5218642-764A-4106-B63B-1D967ACDA2D7}" type="presOf" srcId="{CFBD46BB-05A4-4AF8-B2B9-13592152A4E4}" destId="{49E376A7-23B0-44CC-9506-66339598ACC6}" srcOrd="1" destOrd="1" presId="urn:microsoft.com/office/officeart/2005/8/layout/hList7"/>
+    <dgm:cxn modelId="{7003E843-FFF0-4E90-B35A-61B2F7AFB17E}" type="presOf" srcId="{64342A24-E850-48BF-8D2F-3A8A0EDF2C15}" destId="{7D467C02-CFD3-4073-974B-1094FC7EE4A0}" srcOrd="0" destOrd="1" presId="urn:microsoft.com/office/officeart/2005/8/layout/hList7"/>
     <dgm:cxn modelId="{44F05744-6676-4ACD-8534-88100ECDC710}" srcId="{DDCF2613-C516-4143-BBE4-56BF56BA08B5}" destId="{4D46962D-983D-4EA3-BAC2-67CAC0181DFF}" srcOrd="0" destOrd="0" parTransId="{F38F892E-1D3E-4047-863B-578A915A64EF}" sibTransId="{DAAF4B93-2B99-4752-B9C3-EEFE7E95CC46}"/>
-    <dgm:cxn modelId="{79C10D45-09F1-4013-957F-22997F194C5C}" type="presOf" srcId="{22D0BF9C-9098-43FB-9E1C-83B51CA53B8B}" destId="{541B05B9-6A3C-40AC-99EF-ECC47178FDB9}" srcOrd="0" destOrd="0" presId="urn:microsoft.com/office/officeart/2005/8/layout/vList6"/>
-    <dgm:cxn modelId="{9A89D448-91FF-4E0D-9AE1-A90DE7AADF2A}" srcId="{0C249CC0-0471-4C02-A835-954D9A66DBE6}" destId="{5DCB02DD-9D7D-46F8-8F63-85DEB227E96C}" srcOrd="0" destOrd="0" parTransId="{24BB9982-26D6-4928-84E4-6BC6F690A997}" sibTransId="{C9A6FD2D-AA31-42F0-82AA-D5BE161E4F21}"/>
-    <dgm:cxn modelId="{C0E3D76B-E157-46AF-9CC9-344FE5F0EC6B}" type="presOf" srcId="{AF9CF5EB-11E5-418B-A6F8-82C6F40B0545}" destId="{6173E569-3518-41F0-A1A3-65D5F49844B4}" srcOrd="0" destOrd="1" presId="urn:microsoft.com/office/officeart/2005/8/layout/vList6"/>
-    <dgm:cxn modelId="{30865F6C-014F-4ADE-B0CC-86584A755AD0}" type="presOf" srcId="{07987B6E-2767-4A76-A041-B16E8179447B}" destId="{371564FC-0030-4661-ADDF-9B517961EE16}" srcOrd="0" destOrd="2" presId="urn:microsoft.com/office/officeart/2005/8/layout/vList6"/>
-    <dgm:cxn modelId="{AD66E04F-FBDC-4317-8121-44FF87E2C7A0}" type="presOf" srcId="{07FC20FA-B0B5-4FB9-925D-3F49A843FFFD}" destId="{371564FC-0030-4661-ADDF-9B517961EE16}" srcOrd="0" destOrd="0" presId="urn:microsoft.com/office/officeart/2005/8/layout/vList6"/>
-    <dgm:cxn modelId="{04105950-098A-4920-86F3-49F3CD7859A5}" type="presOf" srcId="{4CC8A812-363D-4775-BEB3-F4B9D35D974F}" destId="{FEB48737-3D5D-48AC-AD8D-90A057D20090}" srcOrd="0" destOrd="1" presId="urn:microsoft.com/office/officeart/2005/8/layout/vList6"/>
+    <dgm:cxn modelId="{F3521745-A1D2-4547-A4E9-A45201210429}" srcId="{DDCF2613-C516-4143-BBE4-56BF56BA08B5}" destId="{D7C887D7-7485-4CF8-8926-E45263A53934}" srcOrd="2" destOrd="0" parTransId="{252A6F5E-54AB-4CEA-BC9E-9BA1EF26EE50}" sibTransId="{B96D27FA-A0A4-4844-8CE1-B18282450768}"/>
+    <dgm:cxn modelId="{44D2FD45-3BA4-4822-977D-9089434E503F}" srcId="{22D0BF9C-9098-43FB-9E1C-83B51CA53B8B}" destId="{62FF2265-9DBB-4CC6-9FA4-2C61781A762F}" srcOrd="1" destOrd="0" parTransId="{99476BED-4B9B-4431-8312-07FBCB8C0971}" sibTransId="{37F11B10-2B9D-4F63-B9F9-1A03A6D52F46}"/>
+    <dgm:cxn modelId="{78B98A47-0B97-4DC6-8C1A-E0EB3A4F2257}" type="presOf" srcId="{A9943199-CE83-4556-8B5A-B4DE679A329D}" destId="{0BD45A13-E822-4851-A106-015BFBD4DD02}" srcOrd="0" destOrd="0" presId="urn:microsoft.com/office/officeart/2005/8/layout/hList7"/>
+    <dgm:cxn modelId="{9A89D448-91FF-4E0D-9AE1-A90DE7AADF2A}" srcId="{0C249CC0-0471-4C02-A835-954D9A66DBE6}" destId="{5DCB02DD-9D7D-46F8-8F63-85DEB227E96C}" srcOrd="1" destOrd="0" parTransId="{24BB9982-26D6-4928-84E4-6BC6F690A997}" sibTransId="{C9A6FD2D-AA31-42F0-82AA-D5BE161E4F21}"/>
+    <dgm:cxn modelId="{C35C1A69-C136-42CD-98DF-EAFF11421E9F}" srcId="{22D0BF9C-9098-43FB-9E1C-83B51CA53B8B}" destId="{CFBD46BB-05A4-4AF8-B2B9-13592152A4E4}" srcOrd="0" destOrd="0" parTransId="{9E4B0DCB-968B-4435-A77C-95C27978324E}" sibTransId="{AE693EBD-16E0-47DB-900D-CCC11F8A0B58}"/>
+    <dgm:cxn modelId="{F260574D-EB86-4F3E-8294-7094AA8DCB4A}" type="presOf" srcId="{DDCF2613-C516-4143-BBE4-56BF56BA08B5}" destId="{43030C01-5986-479E-A12D-5D5C9D012529}" srcOrd="1" destOrd="0" presId="urn:microsoft.com/office/officeart/2005/8/layout/hList7"/>
+    <dgm:cxn modelId="{E37A3F50-47AF-4A75-87BC-15689C757755}" type="presOf" srcId="{07987B6E-2767-4A76-A041-B16E8179447B}" destId="{539743ED-17F5-4769-817E-5951EAC8A491}" srcOrd="1" destOrd="3" presId="urn:microsoft.com/office/officeart/2005/8/layout/hList7"/>
+    <dgm:cxn modelId="{C70A6651-415C-40F0-B7C7-B944BD96F1FD}" type="presOf" srcId="{32D168FC-66B2-430B-8243-781F6D59AE1C}" destId="{8850943B-F06F-4CC3-906A-5B373B8D3940}" srcOrd="0" destOrd="2" presId="urn:microsoft.com/office/officeart/2005/8/layout/hList7"/>
     <dgm:cxn modelId="{4BC71B74-CEAC-4F5D-899D-C348965C7463}" srcId="{27CBE004-D863-43AA-A93E-D9814DEFDD73}" destId="{32D168FC-66B2-430B-8243-781F6D59AE1C}" srcOrd="1" destOrd="0" parTransId="{C7D0C220-6D88-4286-9327-AB6CBEBD681C}" sibTransId="{96EBF514-CA74-4C5B-9612-33F90C9E9FC0}"/>
     <dgm:cxn modelId="{11AEC676-441F-4CB2-B627-E2CF7F39C2A2}" srcId="{27CBE004-D863-43AA-A93E-D9814DEFDD73}" destId="{07FC20FA-B0B5-4FB9-925D-3F49A843FFFD}" srcOrd="0" destOrd="0" parTransId="{5C7078D4-5FC6-400B-B8B7-B59A5EB447B7}" sibTransId="{F6A9A4B1-63AC-4262-BA0F-497710E7908A}"/>
-    <dgm:cxn modelId="{5D6E6A78-A939-41BA-9E26-A5162174FA13}" srcId="{50B92FBA-127C-44FC-88A2-7BA2660E0644}" destId="{27CBE004-D863-43AA-A93E-D9814DEFDD73}" srcOrd="5" destOrd="0" parTransId="{825EB3F2-B98D-490A-9314-CB1AC2909F42}" sibTransId="{34AA0EFD-AF51-4B94-B26F-874017BE5D83}"/>
-    <dgm:cxn modelId="{A1C64659-8EA2-40A9-8703-BCD2B9F2A11C}" type="presOf" srcId="{5ACBA04F-70EA-423A-8EEF-8BA4D4EE86BB}" destId="{23C425BE-BD6B-4835-91F8-D26D8BF6C478}" srcOrd="0" destOrd="1" presId="urn:microsoft.com/office/officeart/2005/8/layout/vList6"/>
-    <dgm:cxn modelId="{8169007D-6649-4F71-9D7F-8233F82B52B9}" type="presOf" srcId="{DDCF2613-C516-4143-BBE4-56BF56BA08B5}" destId="{89CF1BE7-1A15-41DB-859F-1448AE88E786}" srcOrd="0" destOrd="0" presId="urn:microsoft.com/office/officeart/2005/8/layout/vList6"/>
-    <dgm:cxn modelId="{1698427E-4033-43CE-A993-1C4219028E3C}" srcId="{50B92FBA-127C-44FC-88A2-7BA2660E0644}" destId="{CF6A3CD5-1FD6-4E54-93EF-95CAFEF626E6}" srcOrd="3" destOrd="0" parTransId="{C7ED55AC-527B-41E4-9AEC-FE6D05B7FEF6}" sibTransId="{FBDE67F6-4524-4E1D-97E2-8864D9E14433}"/>
-    <dgm:cxn modelId="{A1073582-BB61-4A9E-A782-5BF0E2D45B7D}" type="presOf" srcId="{CF6A3CD5-1FD6-4E54-93EF-95CAFEF626E6}" destId="{E0DE0902-2FA5-4B52-9F39-B50C9F828F81}" srcOrd="0" destOrd="0" presId="urn:microsoft.com/office/officeart/2005/8/layout/vList6"/>
-    <dgm:cxn modelId="{BF33898D-C0ED-452D-A5DF-0FD2BC8FF24E}" srcId="{DDCF2613-C516-4143-BBE4-56BF56BA08B5}" destId="{C7B548B2-EF26-4F05-A14A-6D502303FCDA}" srcOrd="1" destOrd="0" parTransId="{DFC404A3-81DE-4394-B14E-29DF56CC06EF}" sibTransId="{2C5CA477-8965-4371-A3DE-CA1D593DCB30}"/>
-    <dgm:cxn modelId="{4D28B2A6-928F-4EFB-AEBB-82998CD176A4}" type="presOf" srcId="{9096C7DC-9C9D-443C-B017-9D7787E4D6C4}" destId="{FEB48737-3D5D-48AC-AD8D-90A057D20090}" srcOrd="0" destOrd="0" presId="urn:microsoft.com/office/officeart/2005/8/layout/vList6"/>
-    <dgm:cxn modelId="{B1AC7AB3-EB68-4025-BBDA-C25F5CE3F132}" srcId="{256F6727-6B02-48D3-8B83-6D3D77D983D1}" destId="{AF9CF5EB-11E5-418B-A6F8-82C6F40B0545}" srcOrd="1" destOrd="0" parTransId="{FB552753-5E54-4B41-98B6-DE6FD86314C7}" sibTransId="{0D100111-036F-4455-89FF-9EBB79A55A9E}"/>
-    <dgm:cxn modelId="{23D040C4-4FF5-40A4-A330-A3E6EC04F6A9}" srcId="{256F6727-6B02-48D3-8B83-6D3D77D983D1}" destId="{1C95B944-5DDB-4DAC-8C52-4F4702BD69C7}" srcOrd="0" destOrd="0" parTransId="{C98925C6-30FB-4404-BADD-134E13D49324}" sibTransId="{99D897FB-CC5A-4F3F-8A6E-4017E70AD44E}"/>
-    <dgm:cxn modelId="{9294D7DC-287A-4CD5-BB1E-34D372F153E4}" type="presOf" srcId="{5DCB02DD-9D7D-46F8-8F63-85DEB227E96C}" destId="{23C425BE-BD6B-4835-91F8-D26D8BF6C478}" srcOrd="0" destOrd="0" presId="urn:microsoft.com/office/officeart/2005/8/layout/vList6"/>
-    <dgm:cxn modelId="{BE0127E1-1A7D-4351-A141-7E23980E12D4}" type="presOf" srcId="{1C95B944-5DDB-4DAC-8C52-4F4702BD69C7}" destId="{6173E569-3518-41F0-A1A3-65D5F49844B4}" srcOrd="0" destOrd="0" presId="urn:microsoft.com/office/officeart/2005/8/layout/vList6"/>
+    <dgm:cxn modelId="{5D6E6A78-A939-41BA-9E26-A5162174FA13}" srcId="{50B92FBA-127C-44FC-88A2-7BA2660E0644}" destId="{27CBE004-D863-43AA-A93E-D9814DEFDD73}" srcOrd="4" destOrd="0" parTransId="{825EB3F2-B98D-490A-9314-CB1AC2909F42}" sibTransId="{34AA0EFD-AF51-4B94-B26F-874017BE5D83}"/>
+    <dgm:cxn modelId="{285A5C5A-A72A-4C96-A0E0-5D8BC9948783}" type="presOf" srcId="{357DB4CB-A34F-4CA9-9E6F-29A832B3B985}" destId="{76F90658-0028-4F8E-B31C-65AD52796673}" srcOrd="0" destOrd="2" presId="urn:microsoft.com/office/officeart/2005/8/layout/hList7"/>
+    <dgm:cxn modelId="{1698427E-4033-43CE-A993-1C4219028E3C}" srcId="{50B92FBA-127C-44FC-88A2-7BA2660E0644}" destId="{CF6A3CD5-1FD6-4E54-93EF-95CAFEF626E6}" srcOrd="2" destOrd="0" parTransId="{C7ED55AC-527B-41E4-9AEC-FE6D05B7FEF6}" sibTransId="{FBDE67F6-4524-4E1D-97E2-8864D9E14433}"/>
+    <dgm:cxn modelId="{1BF8277F-671C-435B-B377-F1823E22C60F}" type="presOf" srcId="{CF6A3CD5-1FD6-4E54-93EF-95CAFEF626E6}" destId="{E9BB1DEE-6552-4335-B6CC-5E52E5C41686}" srcOrd="0" destOrd="0" presId="urn:microsoft.com/office/officeart/2005/8/layout/hList7"/>
+    <dgm:cxn modelId="{C964AD87-4C81-454F-BB97-EA232C444AA4}" type="presOf" srcId="{D7C887D7-7485-4CF8-8926-E45263A53934}" destId="{43030C01-5986-479E-A12D-5D5C9D012529}" srcOrd="1" destOrd="3" presId="urn:microsoft.com/office/officeart/2005/8/layout/hList7"/>
+    <dgm:cxn modelId="{CBA92F8B-680B-4565-8BB7-14965CFF6213}" type="presOf" srcId="{FBDE67F6-4524-4E1D-97E2-8864D9E14433}" destId="{CC9BD91D-07B6-4229-94B1-AA7ABBD3D592}" srcOrd="0" destOrd="0" presId="urn:microsoft.com/office/officeart/2005/8/layout/hList7"/>
+    <dgm:cxn modelId="{26BD4B8C-BA8F-45DB-BADD-343D3E82ACA4}" type="presOf" srcId="{28545E06-75FB-4E43-B84D-55D351AE4231}" destId="{0D47212F-F331-4F09-981C-5135B909BBE1}" srcOrd="0" destOrd="0" presId="urn:microsoft.com/office/officeart/2005/8/layout/hList7"/>
+    <dgm:cxn modelId="{5BE12A94-2EB8-4341-AF6C-D70B14440623}" type="presOf" srcId="{64342A24-E850-48BF-8D2F-3A8A0EDF2C15}" destId="{35AC1F78-AB5A-4F76-ABBE-1E5364B52728}" srcOrd="1" destOrd="1" presId="urn:microsoft.com/office/officeart/2005/8/layout/hList7"/>
+    <dgm:cxn modelId="{6FC56695-EA53-4C0D-8C3C-8B8BFF4D85AE}" type="presOf" srcId="{CF6A3CD5-1FD6-4E54-93EF-95CAFEF626E6}" destId="{B5E33D23-91A9-4A6A-B691-D6D1C97BA930}" srcOrd="1" destOrd="0" presId="urn:microsoft.com/office/officeart/2005/8/layout/hList7"/>
+    <dgm:cxn modelId="{F5135997-B967-4727-A075-B5112D8B1E6B}" type="presOf" srcId="{5DCB02DD-9D7D-46F8-8F63-85DEB227E96C}" destId="{7D467C02-CFD3-4073-974B-1094FC7EE4A0}" srcOrd="0" destOrd="2" presId="urn:microsoft.com/office/officeart/2005/8/layout/hList7"/>
+    <dgm:cxn modelId="{B53BF99C-64A5-41DE-9E3C-6219F20BA390}" type="presOf" srcId="{4D46962D-983D-4EA3-BAC2-67CAC0181DFF}" destId="{43030C01-5986-479E-A12D-5D5C9D012529}" srcOrd="1" destOrd="1" presId="urn:microsoft.com/office/officeart/2005/8/layout/hList7"/>
+    <dgm:cxn modelId="{AF17A59E-C88E-45A1-BC69-A648D7C43CF1}" type="presOf" srcId="{22D0BF9C-9098-43FB-9E1C-83B51CA53B8B}" destId="{49E376A7-23B0-44CC-9506-66339598ACC6}" srcOrd="1" destOrd="0" presId="urn:microsoft.com/office/officeart/2005/8/layout/hList7"/>
+    <dgm:cxn modelId="{5F514BA2-F6DB-4C3A-9800-2C9D653735B8}" type="presOf" srcId="{4D46962D-983D-4EA3-BAC2-67CAC0181DFF}" destId="{76F90658-0028-4F8E-B31C-65AD52796673}" srcOrd="0" destOrd="1" presId="urn:microsoft.com/office/officeart/2005/8/layout/hList7"/>
+    <dgm:cxn modelId="{310D48AC-4E3C-4954-8FF0-479EFDA50D8D}" type="presOf" srcId="{4CC8A812-363D-4775-BEB3-F4B9D35D974F}" destId="{E9BB1DEE-6552-4335-B6CC-5E52E5C41686}" srcOrd="0" destOrd="2" presId="urn:microsoft.com/office/officeart/2005/8/layout/hList7"/>
+    <dgm:cxn modelId="{3CB4D0B5-0F40-499E-BBB7-8E115DF65B3A}" type="presOf" srcId="{CFBD46BB-05A4-4AF8-B2B9-13592152A4E4}" destId="{B81F3BCD-319A-4969-ADD8-6889C0D6EBDE}" srcOrd="0" destOrd="1" presId="urn:microsoft.com/office/officeart/2005/8/layout/hList7"/>
+    <dgm:cxn modelId="{FE8859BF-C77F-484A-8291-D43B59C699E7}" type="presOf" srcId="{DDCF2613-C516-4143-BBE4-56BF56BA08B5}" destId="{76F90658-0028-4F8E-B31C-65AD52796673}" srcOrd="0" destOrd="0" presId="urn:microsoft.com/office/officeart/2005/8/layout/hList7"/>
+    <dgm:cxn modelId="{821E50C2-5EA6-41D0-8035-BBA58767CA05}" type="presOf" srcId="{D46FBB7F-279D-417C-9B92-7E1F69958267}" destId="{E9BB1DEE-6552-4335-B6CC-5E52E5C41686}" srcOrd="0" destOrd="3" presId="urn:microsoft.com/office/officeart/2005/8/layout/hList7"/>
+    <dgm:cxn modelId="{77AF16D1-4AB5-452E-A4B6-F813C72E107B}" type="presOf" srcId="{5DCB02DD-9D7D-46F8-8F63-85DEB227E96C}" destId="{35AC1F78-AB5A-4F76-ABBE-1E5364B52728}" srcOrd="1" destOrd="2" presId="urn:microsoft.com/office/officeart/2005/8/layout/hList7"/>
+    <dgm:cxn modelId="{C7D2FDD4-914D-45F1-9177-4D74FFBD097E}" type="presOf" srcId="{62FF2265-9DBB-4CC6-9FA4-2C61781A762F}" destId="{B81F3BCD-319A-4969-ADD8-6889C0D6EBDE}" srcOrd="0" destOrd="2" presId="urn:microsoft.com/office/officeart/2005/8/layout/hList7"/>
+    <dgm:cxn modelId="{10047FDD-A834-4A7B-A230-66823A95CB70}" type="presOf" srcId="{31B82305-0895-46EE-9EFC-404C2E6B270F}" destId="{7D467C02-CFD3-4073-974B-1094FC7EE4A0}" srcOrd="0" destOrd="5" presId="urn:microsoft.com/office/officeart/2005/8/layout/hList7"/>
+    <dgm:cxn modelId="{8C0C63DE-ACC8-40E7-9D5E-9C0DA291A711}" srcId="{0C249CC0-0471-4C02-A835-954D9A66DBE6}" destId="{64342A24-E850-48BF-8D2F-3A8A0EDF2C15}" srcOrd="0" destOrd="0" parTransId="{A8400E18-648C-4359-9DC6-03FC085EBD64}" sibTransId="{4B64BC54-6BEB-4DB5-AF9D-33DCE6E8AC29}"/>
     <dgm:cxn modelId="{D3C4A0E2-874E-4299-9AD9-F06D677CC6CA}" srcId="{CF6A3CD5-1FD6-4E54-93EF-95CAFEF626E6}" destId="{D46FBB7F-279D-417C-9B92-7E1F69958267}" srcOrd="2" destOrd="0" parTransId="{29CA05D0-788D-499E-8CC5-FC5DD06D190E}" sibTransId="{8A03864F-AB95-46C9-9AFD-463E62EBE0EA}"/>
+    <dgm:cxn modelId="{B78A96E3-4B1B-4B3C-9A57-A560A7DE31CF}" type="presOf" srcId="{31B82305-0895-46EE-9EFC-404C2E6B270F}" destId="{35AC1F78-AB5A-4F76-ABBE-1E5364B52728}" srcOrd="1" destOrd="5" presId="urn:microsoft.com/office/officeart/2005/8/layout/hList7"/>
     <dgm:cxn modelId="{FCC4E6E9-747B-4A08-A3EE-D01BF187B0B2}" srcId="{CF6A3CD5-1FD6-4E54-93EF-95CAFEF626E6}" destId="{9096C7DC-9C9D-443C-B017-9D7787E4D6C4}" srcOrd="0" destOrd="0" parTransId="{54105DB6-960E-4CBD-A696-C27E4865B041}" sibTransId="{ED2A0F18-4987-4E7B-A654-C92DF6443069}"/>
-    <dgm:cxn modelId="{87490EEB-10E1-47EB-9429-CC6D5BC248CC}" type="presOf" srcId="{50B92FBA-127C-44FC-88A2-7BA2660E0644}" destId="{DD061A4E-2437-4525-AAE9-5559CECDE7F7}" srcOrd="0" destOrd="0" presId="urn:microsoft.com/office/officeart/2005/8/layout/vList6"/>
-    <dgm:cxn modelId="{11F97AEE-3357-4550-A19D-545B989F89CE}" srcId="{50B92FBA-127C-44FC-88A2-7BA2660E0644}" destId="{22D0BF9C-9098-43FB-9E1C-83B51CA53B8B}" srcOrd="4" destOrd="0" parTransId="{77C56DF0-B846-44A3-8124-4F91C1C0AE35}" sibTransId="{28545E06-75FB-4E43-B84D-55D351AE4231}"/>
-    <dgm:cxn modelId="{4A19E1F5-068F-4FC2-A040-E6D96D6671B2}" type="presOf" srcId="{D46FBB7F-279D-417C-9B92-7E1F69958267}" destId="{FEB48737-3D5D-48AC-AD8D-90A057D20090}" srcOrd="0" destOrd="2" presId="urn:microsoft.com/office/officeart/2005/8/layout/vList6"/>
-    <dgm:cxn modelId="{0E5182A4-ACB9-4D90-9501-B433F6DADD63}" type="presParOf" srcId="{DD061A4E-2437-4525-AAE9-5559CECDE7F7}" destId="{15036A84-C233-40F2-83E6-A0BA32BFA82E}" srcOrd="0" destOrd="0" presId="urn:microsoft.com/office/officeart/2005/8/layout/vList6"/>
-    <dgm:cxn modelId="{2408C58D-462E-487B-92B3-0CDBEFC09010}" type="presParOf" srcId="{15036A84-C233-40F2-83E6-A0BA32BFA82E}" destId="{89CF1BE7-1A15-41DB-859F-1448AE88E786}" srcOrd="0" destOrd="0" presId="urn:microsoft.com/office/officeart/2005/8/layout/vList6"/>
-    <dgm:cxn modelId="{AD0899AB-9213-4477-882D-1318060A5123}" type="presParOf" srcId="{15036A84-C233-40F2-83E6-A0BA32BFA82E}" destId="{DEB7B193-DD98-434C-B89B-69A63A889850}" srcOrd="1" destOrd="0" presId="urn:microsoft.com/office/officeart/2005/8/layout/vList6"/>
-    <dgm:cxn modelId="{C6732F12-E51A-4958-AB67-4E36DBD89AC1}" type="presParOf" srcId="{DD061A4E-2437-4525-AAE9-5559CECDE7F7}" destId="{7BC33EF8-4E96-4BE4-9ED7-9AB1F623C4E4}" srcOrd="1" destOrd="0" presId="urn:microsoft.com/office/officeart/2005/8/layout/vList6"/>
-    <dgm:cxn modelId="{250C1C37-D488-4FBF-A79B-20C13D3B6BC8}" type="presParOf" srcId="{DD061A4E-2437-4525-AAE9-5559CECDE7F7}" destId="{063FA17A-F04D-4517-A025-6F4498456682}" srcOrd="2" destOrd="0" presId="urn:microsoft.com/office/officeart/2005/8/layout/vList6"/>
-    <dgm:cxn modelId="{565F1458-F542-4B21-8DA5-0F7B3653E62B}" type="presParOf" srcId="{063FA17A-F04D-4517-A025-6F4498456682}" destId="{6ACDBCDC-5D6F-4597-8BAA-81474A0F26B3}" srcOrd="0" destOrd="0" presId="urn:microsoft.com/office/officeart/2005/8/layout/vList6"/>
-    <dgm:cxn modelId="{5B2E53CF-BF85-4AC6-A0C8-9E7E32A5D58E}" type="presParOf" srcId="{063FA17A-F04D-4517-A025-6F4498456682}" destId="{23C425BE-BD6B-4835-91F8-D26D8BF6C478}" srcOrd="1" destOrd="0" presId="urn:microsoft.com/office/officeart/2005/8/layout/vList6"/>
-    <dgm:cxn modelId="{85C9206F-355F-447F-86B1-2029BF49471E}" type="presParOf" srcId="{DD061A4E-2437-4525-AAE9-5559CECDE7F7}" destId="{BA75D6F6-8E67-4906-84A3-617A6DEAF0CA}" srcOrd="3" destOrd="0" presId="urn:microsoft.com/office/officeart/2005/8/layout/vList6"/>
-    <dgm:cxn modelId="{DE7073EF-B61D-4367-A825-A00D0A36A3A5}" type="presParOf" srcId="{DD061A4E-2437-4525-AAE9-5559CECDE7F7}" destId="{D7E7A71E-7C7B-40CB-9635-8472CDEE1C34}" srcOrd="4" destOrd="0" presId="urn:microsoft.com/office/officeart/2005/8/layout/vList6"/>
-    <dgm:cxn modelId="{94B68698-10BC-4BDD-8329-03A56A5BBEB3}" type="presParOf" srcId="{D7E7A71E-7C7B-40CB-9635-8472CDEE1C34}" destId="{4E917679-BA5B-4A5A-9BCD-BE98362CD945}" srcOrd="0" destOrd="0" presId="urn:microsoft.com/office/officeart/2005/8/layout/vList6"/>
-    <dgm:cxn modelId="{1DB9739C-2FF4-4C8D-B6F7-B867109E3ECA}" type="presParOf" srcId="{D7E7A71E-7C7B-40CB-9635-8472CDEE1C34}" destId="{6173E569-3518-41F0-A1A3-65D5F49844B4}" srcOrd="1" destOrd="0" presId="urn:microsoft.com/office/officeart/2005/8/layout/vList6"/>
-    <dgm:cxn modelId="{1B5CCE12-5103-4087-9115-5EA5F97B391A}" type="presParOf" srcId="{DD061A4E-2437-4525-AAE9-5559CECDE7F7}" destId="{BC051E93-0CF7-47F8-AB9A-EACF4165E0BE}" srcOrd="5" destOrd="0" presId="urn:microsoft.com/office/officeart/2005/8/layout/vList6"/>
-    <dgm:cxn modelId="{16FA806C-176C-4DAB-8D14-26504606E619}" type="presParOf" srcId="{DD061A4E-2437-4525-AAE9-5559CECDE7F7}" destId="{24F5FD2A-CBB6-46B3-9545-FE84F9DD8CCF}" srcOrd="6" destOrd="0" presId="urn:microsoft.com/office/officeart/2005/8/layout/vList6"/>
-    <dgm:cxn modelId="{9BCDC8A8-895E-4A62-8EFA-D120FDA3E92A}" type="presParOf" srcId="{24F5FD2A-CBB6-46B3-9545-FE84F9DD8CCF}" destId="{E0DE0902-2FA5-4B52-9F39-B50C9F828F81}" srcOrd="0" destOrd="0" presId="urn:microsoft.com/office/officeart/2005/8/layout/vList6"/>
-    <dgm:cxn modelId="{D5534EEE-72F8-41FE-BF9B-C62789766008}" type="presParOf" srcId="{24F5FD2A-CBB6-46B3-9545-FE84F9DD8CCF}" destId="{FEB48737-3D5D-48AC-AD8D-90A057D20090}" srcOrd="1" destOrd="0" presId="urn:microsoft.com/office/officeart/2005/8/layout/vList6"/>
-    <dgm:cxn modelId="{7AAED16E-2BF4-418F-A546-38A457057DA2}" type="presParOf" srcId="{DD061A4E-2437-4525-AAE9-5559CECDE7F7}" destId="{E0153278-D7F5-46AF-AC48-F2358A0FF4EF}" srcOrd="7" destOrd="0" presId="urn:microsoft.com/office/officeart/2005/8/layout/vList6"/>
-    <dgm:cxn modelId="{632C4E4C-534B-44AD-9D5D-BFC94A7C82CB}" type="presParOf" srcId="{DD061A4E-2437-4525-AAE9-5559CECDE7F7}" destId="{3DBB2DA4-B501-4C67-9D62-727F0CC76225}" srcOrd="8" destOrd="0" presId="urn:microsoft.com/office/officeart/2005/8/layout/vList6"/>
-    <dgm:cxn modelId="{EF141BD4-8312-4166-B9E6-AAC3D0E948CE}" type="presParOf" srcId="{3DBB2DA4-B501-4C67-9D62-727F0CC76225}" destId="{541B05B9-6A3C-40AC-99EF-ECC47178FDB9}" srcOrd="0" destOrd="0" presId="urn:microsoft.com/office/officeart/2005/8/layout/vList6"/>
-    <dgm:cxn modelId="{61DF5D31-CCAF-4DF6-8670-DA36638965AD}" type="presParOf" srcId="{3DBB2DA4-B501-4C67-9D62-727F0CC76225}" destId="{130C5A2D-B09E-4769-8441-12F45767D7B2}" srcOrd="1" destOrd="0" presId="urn:microsoft.com/office/officeart/2005/8/layout/vList6"/>
-    <dgm:cxn modelId="{D4A7D68A-CBA8-43A4-BC1D-967F1B5B91F1}" type="presParOf" srcId="{DD061A4E-2437-4525-AAE9-5559CECDE7F7}" destId="{634DF5B7-10B6-4B97-89A1-DB36E13AEFF6}" srcOrd="9" destOrd="0" presId="urn:microsoft.com/office/officeart/2005/8/layout/vList6"/>
-    <dgm:cxn modelId="{975F5F15-0670-4911-A96C-DC091F3805D0}" type="presParOf" srcId="{DD061A4E-2437-4525-AAE9-5559CECDE7F7}" destId="{5B66DF4D-A73E-4BFF-8693-A5B5757144E2}" srcOrd="10" destOrd="0" presId="urn:microsoft.com/office/officeart/2005/8/layout/vList6"/>
-    <dgm:cxn modelId="{E780633A-1B0B-4051-9AE6-92C621380A03}" type="presParOf" srcId="{5B66DF4D-A73E-4BFF-8693-A5B5757144E2}" destId="{787939A4-8FAD-4FAC-BDAB-0BBC0E61431A}" srcOrd="0" destOrd="0" presId="urn:microsoft.com/office/officeart/2005/8/layout/vList6"/>
-    <dgm:cxn modelId="{DEC3EBDB-B7B9-4FA2-B73E-04535E186123}" type="presParOf" srcId="{5B66DF4D-A73E-4BFF-8693-A5B5757144E2}" destId="{371564FC-0030-4661-ADDF-9B517961EE16}" srcOrd="1" destOrd="0" presId="urn:microsoft.com/office/officeart/2005/8/layout/vList6"/>
+    <dgm:cxn modelId="{308712ED-935C-417D-ABA9-D8AF829ABA2B}" type="presOf" srcId="{07FC20FA-B0B5-4FB9-925D-3F49A843FFFD}" destId="{8850943B-F06F-4CC3-906A-5B373B8D3940}" srcOrd="0" destOrd="1" presId="urn:microsoft.com/office/officeart/2005/8/layout/hList7"/>
+    <dgm:cxn modelId="{11F97AEE-3357-4550-A19D-545B989F89CE}" srcId="{50B92FBA-127C-44FC-88A2-7BA2660E0644}" destId="{22D0BF9C-9098-43FB-9E1C-83B51CA53B8B}" srcOrd="3" destOrd="0" parTransId="{77C56DF0-B846-44A3-8124-4F91C1C0AE35}" sibTransId="{28545E06-75FB-4E43-B84D-55D351AE4231}"/>
+    <dgm:cxn modelId="{C5057AF1-05F8-46F0-92A4-C5653BBA02E2}" type="presOf" srcId="{4CC8A812-363D-4775-BEB3-F4B9D35D974F}" destId="{B5E33D23-91A9-4A6A-B691-D6D1C97BA930}" srcOrd="1" destOrd="2" presId="urn:microsoft.com/office/officeart/2005/8/layout/hList7"/>
+    <dgm:cxn modelId="{3358FAF5-BD66-490B-8147-779AC4D8C19C}" type="presOf" srcId="{62FF2265-9DBB-4CC6-9FA4-2C61781A762F}" destId="{49E376A7-23B0-44CC-9506-66339598ACC6}" srcOrd="1" destOrd="2" presId="urn:microsoft.com/office/officeart/2005/8/layout/hList7"/>
+    <dgm:cxn modelId="{BCAB8C3F-17EB-4ED4-9F77-6F4859B1F0E8}" type="presParOf" srcId="{A1147032-16D8-44C5-AAF0-8AF3F0F7C013}" destId="{96017230-65A9-4A94-B682-83F9E6A8A24E}" srcOrd="0" destOrd="0" presId="urn:microsoft.com/office/officeart/2005/8/layout/hList7"/>
+    <dgm:cxn modelId="{61AB59AF-5A17-4B9E-BE90-84FDC12E262B}" type="presParOf" srcId="{A1147032-16D8-44C5-AAF0-8AF3F0F7C013}" destId="{43BE698F-F300-41DA-A7FA-B3951CE4086E}" srcOrd="1" destOrd="0" presId="urn:microsoft.com/office/officeart/2005/8/layout/hList7"/>
+    <dgm:cxn modelId="{F08AE965-2361-4C09-B07B-7D3E28A4A454}" type="presParOf" srcId="{43BE698F-F300-41DA-A7FA-B3951CE4086E}" destId="{D2236D98-B81E-49B1-97C2-477872AD51CE}" srcOrd="0" destOrd="0" presId="urn:microsoft.com/office/officeart/2005/8/layout/hList7"/>
+    <dgm:cxn modelId="{5BBA081B-A203-4AA9-9646-957FFB589A7F}" type="presParOf" srcId="{D2236D98-B81E-49B1-97C2-477872AD51CE}" destId="{76F90658-0028-4F8E-B31C-65AD52796673}" srcOrd="0" destOrd="0" presId="urn:microsoft.com/office/officeart/2005/8/layout/hList7"/>
+    <dgm:cxn modelId="{7A0FDFD9-2709-4C22-AE77-D9596372A614}" type="presParOf" srcId="{D2236D98-B81E-49B1-97C2-477872AD51CE}" destId="{43030C01-5986-479E-A12D-5D5C9D012529}" srcOrd="1" destOrd="0" presId="urn:microsoft.com/office/officeart/2005/8/layout/hList7"/>
+    <dgm:cxn modelId="{2939315B-AD5D-46BE-A348-289EAAB3BB55}" type="presParOf" srcId="{D2236D98-B81E-49B1-97C2-477872AD51CE}" destId="{16B225F8-2DE1-4F39-B276-55BBDB4499E4}" srcOrd="2" destOrd="0" presId="urn:microsoft.com/office/officeart/2005/8/layout/hList7"/>
+    <dgm:cxn modelId="{95FA53CE-BC6A-48D4-909B-1A23B9A1704B}" type="presParOf" srcId="{D2236D98-B81E-49B1-97C2-477872AD51CE}" destId="{5B9F071D-A98D-4829-9864-113DAA3F893D}" srcOrd="3" destOrd="0" presId="urn:microsoft.com/office/officeart/2005/8/layout/hList7"/>
+    <dgm:cxn modelId="{2FA38615-C72A-4097-A371-2FAD7EC924E5}" type="presParOf" srcId="{43BE698F-F300-41DA-A7FA-B3951CE4086E}" destId="{9A054ADA-A5A5-45D8-94B8-7718D90CE076}" srcOrd="1" destOrd="0" presId="urn:microsoft.com/office/officeart/2005/8/layout/hList7"/>
+    <dgm:cxn modelId="{5F46674F-9A2A-4D9F-9A44-9207139D7FD8}" type="presParOf" srcId="{43BE698F-F300-41DA-A7FA-B3951CE4086E}" destId="{24D77CF4-CB45-4678-AF6F-DB2F6F10431B}" srcOrd="2" destOrd="0" presId="urn:microsoft.com/office/officeart/2005/8/layout/hList7"/>
+    <dgm:cxn modelId="{795BCCB0-4130-4745-BC7F-C5E24D4BA508}" type="presParOf" srcId="{24D77CF4-CB45-4678-AF6F-DB2F6F10431B}" destId="{7D467C02-CFD3-4073-974B-1094FC7EE4A0}" srcOrd="0" destOrd="0" presId="urn:microsoft.com/office/officeart/2005/8/layout/hList7"/>
+    <dgm:cxn modelId="{700C0DEA-855C-429F-82D5-ABFD66ED47DC}" type="presParOf" srcId="{24D77CF4-CB45-4678-AF6F-DB2F6F10431B}" destId="{35AC1F78-AB5A-4F76-ABBE-1E5364B52728}" srcOrd="1" destOrd="0" presId="urn:microsoft.com/office/officeart/2005/8/layout/hList7"/>
+    <dgm:cxn modelId="{9075BA64-FD03-4B07-812F-B6777A0DCD8B}" type="presParOf" srcId="{24D77CF4-CB45-4678-AF6F-DB2F6F10431B}" destId="{0AAFE5CC-D1C1-4D99-985D-F5C4FBC726B4}" srcOrd="2" destOrd="0" presId="urn:microsoft.com/office/officeart/2005/8/layout/hList7"/>
+    <dgm:cxn modelId="{BB47EF35-F2D8-4312-B5AE-352A2DBFDB96}" type="presParOf" srcId="{24D77CF4-CB45-4678-AF6F-DB2F6F10431B}" destId="{CA756937-C37B-4706-8721-82F8DE29B662}" srcOrd="3" destOrd="0" presId="urn:microsoft.com/office/officeart/2005/8/layout/hList7"/>
+    <dgm:cxn modelId="{E8CF7510-289D-4E30-A6B9-D9F44C302649}" type="presParOf" srcId="{43BE698F-F300-41DA-A7FA-B3951CE4086E}" destId="{0BD45A13-E822-4851-A106-015BFBD4DD02}" srcOrd="3" destOrd="0" presId="urn:microsoft.com/office/officeart/2005/8/layout/hList7"/>
+    <dgm:cxn modelId="{B74CEB13-8684-4F41-8848-6011C8B23385}" type="presParOf" srcId="{43BE698F-F300-41DA-A7FA-B3951CE4086E}" destId="{A03E9E6F-EB76-4C49-9A5B-B7150F27956B}" srcOrd="4" destOrd="0" presId="urn:microsoft.com/office/officeart/2005/8/layout/hList7"/>
+    <dgm:cxn modelId="{BBFE58CF-91B3-4AE7-B503-3D4D3AC1D148}" type="presParOf" srcId="{A03E9E6F-EB76-4C49-9A5B-B7150F27956B}" destId="{E9BB1DEE-6552-4335-B6CC-5E52E5C41686}" srcOrd="0" destOrd="0" presId="urn:microsoft.com/office/officeart/2005/8/layout/hList7"/>
+    <dgm:cxn modelId="{B2974B54-D0B0-461D-AB2E-C30855F72203}" type="presParOf" srcId="{A03E9E6F-EB76-4C49-9A5B-B7150F27956B}" destId="{B5E33D23-91A9-4A6A-B691-D6D1C97BA930}" srcOrd="1" destOrd="0" presId="urn:microsoft.com/office/officeart/2005/8/layout/hList7"/>
+    <dgm:cxn modelId="{43EDE75A-8C6F-4FC7-9688-989D5893D141}" type="presParOf" srcId="{A03E9E6F-EB76-4C49-9A5B-B7150F27956B}" destId="{50F4D708-D772-42FB-9B8F-E9E1CAB6AB4A}" srcOrd="2" destOrd="0" presId="urn:microsoft.com/office/officeart/2005/8/layout/hList7"/>
+    <dgm:cxn modelId="{09D55163-1FD2-4CB0-95E2-B8C305004EEF}" type="presParOf" srcId="{A03E9E6F-EB76-4C49-9A5B-B7150F27956B}" destId="{A5111804-95AE-4C6B-ABD7-FFFE08E5756C}" srcOrd="3" destOrd="0" presId="urn:microsoft.com/office/officeart/2005/8/layout/hList7"/>
+    <dgm:cxn modelId="{AC6B25EA-517F-4FC2-888A-238E44C26C9B}" type="presParOf" srcId="{43BE698F-F300-41DA-A7FA-B3951CE4086E}" destId="{CC9BD91D-07B6-4229-94B1-AA7ABBD3D592}" srcOrd="5" destOrd="0" presId="urn:microsoft.com/office/officeart/2005/8/layout/hList7"/>
+    <dgm:cxn modelId="{6C8F3B07-7E5E-4809-AD4E-A0982723D9E9}" type="presParOf" srcId="{43BE698F-F300-41DA-A7FA-B3951CE4086E}" destId="{BB21CCA6-DF98-41FA-A70F-F9821B727CC9}" srcOrd="6" destOrd="0" presId="urn:microsoft.com/office/officeart/2005/8/layout/hList7"/>
+    <dgm:cxn modelId="{23BE9EC8-B1DD-4E2C-A51D-269380B9E52C}" type="presParOf" srcId="{BB21CCA6-DF98-41FA-A70F-F9821B727CC9}" destId="{B81F3BCD-319A-4969-ADD8-6889C0D6EBDE}" srcOrd="0" destOrd="0" presId="urn:microsoft.com/office/officeart/2005/8/layout/hList7"/>
+    <dgm:cxn modelId="{8322920D-7FCA-45BF-9C35-053FB5DA6610}" type="presParOf" srcId="{BB21CCA6-DF98-41FA-A70F-F9821B727CC9}" destId="{49E376A7-23B0-44CC-9506-66339598ACC6}" srcOrd="1" destOrd="0" presId="urn:microsoft.com/office/officeart/2005/8/layout/hList7"/>
+    <dgm:cxn modelId="{E9C5D477-5DCF-411A-A756-34E32E6C0292}" type="presParOf" srcId="{BB21CCA6-DF98-41FA-A70F-F9821B727CC9}" destId="{3A14018C-EBE4-4057-87DA-076B0A57D31E}" srcOrd="2" destOrd="0" presId="urn:microsoft.com/office/officeart/2005/8/layout/hList7"/>
+    <dgm:cxn modelId="{79D2B707-7CFB-43F3-B945-9C5D1BC72F6C}" type="presParOf" srcId="{BB21CCA6-DF98-41FA-A70F-F9821B727CC9}" destId="{70DCEF3D-DB2D-4C94-B095-404B405D33AA}" srcOrd="3" destOrd="0" presId="urn:microsoft.com/office/officeart/2005/8/layout/hList7"/>
+    <dgm:cxn modelId="{906CDF0C-3A03-4102-AB34-8EB9E6FE9DD0}" type="presParOf" srcId="{43BE698F-F300-41DA-A7FA-B3951CE4086E}" destId="{0D47212F-F331-4F09-981C-5135B909BBE1}" srcOrd="7" destOrd="0" presId="urn:microsoft.com/office/officeart/2005/8/layout/hList7"/>
+    <dgm:cxn modelId="{6FC434EF-7708-4562-B344-7C9A659436A6}" type="presParOf" srcId="{43BE698F-F300-41DA-A7FA-B3951CE4086E}" destId="{9FC4316A-6CF9-40D5-B4B1-5E4B3EFB3983}" srcOrd="8" destOrd="0" presId="urn:microsoft.com/office/officeart/2005/8/layout/hList7"/>
+    <dgm:cxn modelId="{3AB96422-9106-4324-B666-8A97FB2305C1}" type="presParOf" srcId="{9FC4316A-6CF9-40D5-B4B1-5E4B3EFB3983}" destId="{8850943B-F06F-4CC3-906A-5B373B8D3940}" srcOrd="0" destOrd="0" presId="urn:microsoft.com/office/officeart/2005/8/layout/hList7"/>
+    <dgm:cxn modelId="{6272BF79-04B7-4BE5-995E-381B007C2476}" type="presParOf" srcId="{9FC4316A-6CF9-40D5-B4B1-5E4B3EFB3983}" destId="{539743ED-17F5-4769-817E-5951EAC8A491}" srcOrd="1" destOrd="0" presId="urn:microsoft.com/office/officeart/2005/8/layout/hList7"/>
+    <dgm:cxn modelId="{A1258AFA-9DC2-4B2A-964A-CE9D1B354ECA}" type="presParOf" srcId="{9FC4316A-6CF9-40D5-B4B1-5E4B3EFB3983}" destId="{0C920874-30F9-4C4C-B9DD-DFB54C7A2152}" srcOrd="2" destOrd="0" presId="urn:microsoft.com/office/officeart/2005/8/layout/hList7"/>
+    <dgm:cxn modelId="{84874A39-E440-4F79-A5C8-70AED8DA5473}" type="presParOf" srcId="{9FC4316A-6CF9-40D5-B4B1-5E4B3EFB3983}" destId="{F3475C70-4A0D-4828-BA8D-AFFAB233CE7D}" srcOrd="3" destOrd="0" presId="urn:microsoft.com/office/officeart/2005/8/layout/hList7"/>
   </dgm:cxnLst>
   <dgm:bg/>
   <dgm:whole/>
@@ -3069,14 +3292,14 @@
       </dsp:nvSpPr>
       <dsp:spPr>
         <a:xfrm>
-          <a:off x="883450" y="273850"/>
-          <a:ext cx="1890698" cy="1890698"/>
+          <a:off x="1309398" y="406990"/>
+          <a:ext cx="2786657" cy="2786657"/>
         </a:xfrm>
         <a:prstGeom prst="blockArc">
           <a:avLst>
             <a:gd name="adj1" fmla="val 12600000"/>
             <a:gd name="adj2" fmla="val 16200000"/>
-            <a:gd name="adj3" fmla="val 4494"/>
+            <a:gd name="adj3" fmla="val 4511"/>
           </a:avLst>
         </a:prstGeom>
         <a:solidFill>
@@ -3115,14 +3338,14 @@
       </dsp:nvSpPr>
       <dsp:spPr>
         <a:xfrm>
-          <a:off x="883450" y="273850"/>
-          <a:ext cx="1890698" cy="1890698"/>
+          <a:off x="1309398" y="406990"/>
+          <a:ext cx="2786657" cy="2786657"/>
         </a:xfrm>
         <a:prstGeom prst="blockArc">
           <a:avLst>
             <a:gd name="adj1" fmla="val 9000000"/>
             <a:gd name="adj2" fmla="val 12600000"/>
-            <a:gd name="adj3" fmla="val 4494"/>
+            <a:gd name="adj3" fmla="val 4511"/>
           </a:avLst>
         </a:prstGeom>
         <a:solidFill>
@@ -3161,14 +3384,14 @@
       </dsp:nvSpPr>
       <dsp:spPr>
         <a:xfrm>
-          <a:off x="883450" y="273850"/>
-          <a:ext cx="1890698" cy="1890698"/>
+          <a:off x="1309398" y="406990"/>
+          <a:ext cx="2786657" cy="2786657"/>
         </a:xfrm>
         <a:prstGeom prst="blockArc">
           <a:avLst>
             <a:gd name="adj1" fmla="val 5400000"/>
             <a:gd name="adj2" fmla="val 9000000"/>
-            <a:gd name="adj3" fmla="val 4494"/>
+            <a:gd name="adj3" fmla="val 4511"/>
           </a:avLst>
         </a:prstGeom>
         <a:solidFill>
@@ -3207,14 +3430,14 @@
       </dsp:nvSpPr>
       <dsp:spPr>
         <a:xfrm>
-          <a:off x="883450" y="273850"/>
-          <a:ext cx="1890698" cy="1890698"/>
+          <a:off x="1309398" y="406990"/>
+          <a:ext cx="2786657" cy="2786657"/>
         </a:xfrm>
         <a:prstGeom prst="blockArc">
           <a:avLst>
             <a:gd name="adj1" fmla="val 1800000"/>
             <a:gd name="adj2" fmla="val 5400000"/>
-            <a:gd name="adj3" fmla="val 4494"/>
+            <a:gd name="adj3" fmla="val 4511"/>
           </a:avLst>
         </a:prstGeom>
         <a:solidFill>
@@ -3253,14 +3476,14 @@
       </dsp:nvSpPr>
       <dsp:spPr>
         <a:xfrm>
-          <a:off x="883450" y="273850"/>
-          <a:ext cx="1890698" cy="1890698"/>
+          <a:off x="1309398" y="406990"/>
+          <a:ext cx="2786657" cy="2786657"/>
         </a:xfrm>
         <a:prstGeom prst="blockArc">
           <a:avLst>
             <a:gd name="adj1" fmla="val 19800000"/>
             <a:gd name="adj2" fmla="val 1800000"/>
-            <a:gd name="adj3" fmla="val 4494"/>
+            <a:gd name="adj3" fmla="val 4511"/>
           </a:avLst>
         </a:prstGeom>
         <a:solidFill>
@@ -3299,14 +3522,14 @@
       </dsp:nvSpPr>
       <dsp:spPr>
         <a:xfrm>
-          <a:off x="883450" y="273850"/>
-          <a:ext cx="1890698" cy="1890698"/>
+          <a:off x="1309398" y="406990"/>
+          <a:ext cx="2786657" cy="2786657"/>
         </a:xfrm>
         <a:prstGeom prst="blockArc">
           <a:avLst>
             <a:gd name="adj1" fmla="val 16200000"/>
             <a:gd name="adj2" fmla="val 19800000"/>
-            <a:gd name="adj3" fmla="val 4494"/>
+            <a:gd name="adj3" fmla="val 4511"/>
           </a:avLst>
         </a:prstGeom>
         <a:solidFill>
@@ -3345,8 +3568,8 @@
       </dsp:nvSpPr>
       <dsp:spPr>
         <a:xfrm>
-          <a:off x="1407318" y="797718"/>
-          <a:ext cx="842962" cy="842962"/>
+          <a:off x="2079173" y="1176765"/>
+          <a:ext cx="1247107" cy="1247107"/>
         </a:xfrm>
         <a:prstGeom prst="ellipse">
           <a:avLst/>
@@ -3389,12 +3612,12 @@
         </a:fontRef>
       </dsp:style>
       <dsp:txBody>
-        <a:bodyPr spcFirstLastPara="0" vert="horz" wrap="square" lIns="21590" tIns="21590" rIns="21590" bIns="21590" numCol="1" spcCol="1270" anchor="ctr" anchorCtr="0">
+        <a:bodyPr spcFirstLastPara="0" vert="horz" wrap="square" lIns="31750" tIns="31750" rIns="31750" bIns="31750" numCol="1" spcCol="1270" anchor="ctr" anchorCtr="0">
           <a:noAutofit/>
         </a:bodyPr>
         <a:lstStyle/>
         <a:p>
-          <a:pPr marL="0" lvl="0" indent="0" algn="ctr" defTabSz="755650">
+          <a:pPr marL="0" lvl="0" indent="0" algn="ctr" defTabSz="1111250">
             <a:lnSpc>
               <a:spcPct val="90000"/>
             </a:lnSpc>
@@ -3407,14 +3630,14 @@
             <a:buNone/>
           </a:pPr>
           <a:r>
-            <a:rPr lang="en-US" sz="1700" kern="1200" dirty="0"/>
+            <a:rPr lang="en-US" sz="2500" kern="1200" dirty="0"/>
             <a:t>Thesis</a:t>
           </a:r>
         </a:p>
       </dsp:txBody>
       <dsp:txXfrm>
-        <a:off x="1530767" y="921167"/>
-        <a:ext cx="596064" cy="596064"/>
+        <a:off x="2261808" y="1359400"/>
+        <a:ext cx="881837" cy="881837"/>
       </dsp:txXfrm>
     </dsp:sp>
     <dsp:sp modelId="{4F643DB7-EE65-4DF5-B417-DA10D3CD6A39}">
@@ -3424,8 +3647,8 @@
       </dsp:nvSpPr>
       <dsp:spPr>
         <a:xfrm>
-          <a:off x="1533763" y="56"/>
-          <a:ext cx="590073" cy="590073"/>
+          <a:off x="2266239" y="1929"/>
+          <a:ext cx="872975" cy="872975"/>
         </a:xfrm>
         <a:prstGeom prst="ellipse">
           <a:avLst/>
@@ -3468,12 +3691,12 @@
         </a:fontRef>
       </dsp:style>
       <dsp:txBody>
-        <a:bodyPr spcFirstLastPara="0" vert="horz" wrap="square" lIns="6350" tIns="6350" rIns="6350" bIns="6350" numCol="1" spcCol="1270" anchor="ctr" anchorCtr="0">
+        <a:bodyPr spcFirstLastPara="0" vert="horz" wrap="square" lIns="10160" tIns="10160" rIns="10160" bIns="10160" numCol="1" spcCol="1270" anchor="ctr" anchorCtr="0">
           <a:noAutofit/>
         </a:bodyPr>
         <a:lstStyle/>
         <a:p>
-          <a:pPr marL="0" lvl="0" indent="0" algn="ctr" defTabSz="222250">
+          <a:pPr marL="0" lvl="0" indent="0" algn="ctr" defTabSz="355600">
             <a:lnSpc>
               <a:spcPct val="90000"/>
             </a:lnSpc>
@@ -3486,14 +3709,14 @@
             <a:buNone/>
           </a:pPr>
           <a:r>
-            <a:rPr lang="en-US" sz="500" kern="1200" dirty="0"/>
+            <a:rPr lang="en-US" sz="800" kern="1200" dirty="0"/>
             <a:t>Wireless Requirements</a:t>
           </a:r>
         </a:p>
       </dsp:txBody>
       <dsp:txXfrm>
-        <a:off x="1620177" y="86470"/>
-        <a:ext cx="417245" cy="417245"/>
+        <a:off x="2394083" y="129773"/>
+        <a:ext cx="617287" cy="617287"/>
       </dsp:txXfrm>
     </dsp:sp>
     <dsp:sp modelId="{D27A5CC6-601F-464A-83A2-80F163E9C832}">
@@ -3503,8 +3726,8 @@
       </dsp:nvSpPr>
       <dsp:spPr>
         <a:xfrm>
-          <a:off x="2334062" y="462109"/>
-          <a:ext cx="590073" cy="590073"/>
+          <a:off x="3445680" y="682880"/>
+          <a:ext cx="872975" cy="872975"/>
         </a:xfrm>
         <a:prstGeom prst="ellipse">
           <a:avLst/>
@@ -3547,12 +3770,12 @@
         </a:fontRef>
       </dsp:style>
       <dsp:txBody>
-        <a:bodyPr spcFirstLastPara="0" vert="horz" wrap="square" lIns="6350" tIns="6350" rIns="6350" bIns="6350" numCol="1" spcCol="1270" anchor="ctr" anchorCtr="0">
+        <a:bodyPr spcFirstLastPara="0" vert="horz" wrap="square" lIns="10160" tIns="10160" rIns="10160" bIns="10160" numCol="1" spcCol="1270" anchor="ctr" anchorCtr="0">
           <a:noAutofit/>
         </a:bodyPr>
         <a:lstStyle/>
         <a:p>
-          <a:pPr marL="0" lvl="0" indent="0" algn="ctr" defTabSz="222250">
+          <a:pPr marL="0" lvl="0" indent="0" algn="ctr" defTabSz="355600">
             <a:lnSpc>
               <a:spcPct val="90000"/>
             </a:lnSpc>
@@ -3565,14 +3788,14 @@
             <a:buNone/>
           </a:pPr>
           <a:r>
-            <a:rPr lang="en-US" sz="500" kern="1200" dirty="0"/>
+            <a:rPr lang="en-US" sz="800" kern="1200" dirty="0"/>
             <a:t>Architectural Modeling</a:t>
           </a:r>
         </a:p>
       </dsp:txBody>
       <dsp:txXfrm>
-        <a:off x="2420476" y="548523"/>
-        <a:ext cx="417245" cy="417245"/>
+        <a:off x="3573524" y="810724"/>
+        <a:ext cx="617287" cy="617287"/>
       </dsp:txXfrm>
     </dsp:sp>
     <dsp:sp modelId="{B1C48636-7ABF-4FB6-8658-2DC2873F927A}">
@@ -3582,8 +3805,8 @@
       </dsp:nvSpPr>
       <dsp:spPr>
         <a:xfrm>
-          <a:off x="2334062" y="1386216"/>
-          <a:ext cx="590073" cy="590073"/>
+          <a:off x="3445680" y="2044782"/>
+          <a:ext cx="872975" cy="872975"/>
         </a:xfrm>
         <a:prstGeom prst="ellipse">
           <a:avLst/>
@@ -3626,12 +3849,12 @@
         </a:fontRef>
       </dsp:style>
       <dsp:txBody>
-        <a:bodyPr spcFirstLastPara="0" vert="horz" wrap="square" lIns="6350" tIns="6350" rIns="6350" bIns="6350" numCol="1" spcCol="1270" anchor="ctr" anchorCtr="0">
+        <a:bodyPr spcFirstLastPara="0" vert="horz" wrap="square" lIns="10160" tIns="10160" rIns="10160" bIns="10160" numCol="1" spcCol="1270" anchor="ctr" anchorCtr="0">
           <a:noAutofit/>
         </a:bodyPr>
         <a:lstStyle/>
         <a:p>
-          <a:pPr marL="0" lvl="0" indent="0" algn="ctr" defTabSz="222250">
+          <a:pPr marL="0" lvl="0" indent="0" algn="ctr" defTabSz="355600">
             <a:lnSpc>
               <a:spcPct val="90000"/>
             </a:lnSpc>
@@ -3644,14 +3867,14 @@
             <a:buNone/>
           </a:pPr>
           <a:r>
-            <a:rPr lang="en-US" sz="500" kern="1200" dirty="0"/>
+            <a:rPr lang="en-US" sz="800" kern="1200" dirty="0"/>
             <a:t>Testbed Development</a:t>
           </a:r>
         </a:p>
       </dsp:txBody>
       <dsp:txXfrm>
-        <a:off x="2420476" y="1472630"/>
-        <a:ext cx="417245" cy="417245"/>
+        <a:off x="3573524" y="2172626"/>
+        <a:ext cx="617287" cy="617287"/>
       </dsp:txXfrm>
     </dsp:sp>
     <dsp:sp modelId="{BF0E52B9-D139-4673-88CA-DBA78922F7B5}">
@@ -3661,8 +3884,8 @@
       </dsp:nvSpPr>
       <dsp:spPr>
         <a:xfrm>
-          <a:off x="1533763" y="1848269"/>
-          <a:ext cx="590073" cy="590073"/>
+          <a:off x="2266239" y="2725733"/>
+          <a:ext cx="872975" cy="872975"/>
         </a:xfrm>
         <a:prstGeom prst="ellipse">
           <a:avLst/>
@@ -3705,12 +3928,12 @@
         </a:fontRef>
       </dsp:style>
       <dsp:txBody>
-        <a:bodyPr spcFirstLastPara="0" vert="horz" wrap="square" lIns="6350" tIns="6350" rIns="6350" bIns="6350" numCol="1" spcCol="1270" anchor="ctr" anchorCtr="0">
+        <a:bodyPr spcFirstLastPara="0" vert="horz" wrap="square" lIns="10160" tIns="10160" rIns="10160" bIns="10160" numCol="1" spcCol="1270" anchor="ctr" anchorCtr="0">
           <a:noAutofit/>
         </a:bodyPr>
         <a:lstStyle/>
         <a:p>
-          <a:pPr marL="0" lvl="0" indent="0" algn="ctr" defTabSz="222250">
+          <a:pPr marL="0" lvl="0" indent="0" algn="ctr" defTabSz="355600">
             <a:lnSpc>
               <a:spcPct val="90000"/>
             </a:lnSpc>
@@ -3723,14 +3946,14 @@
             <a:buNone/>
           </a:pPr>
           <a:r>
-            <a:rPr lang="en-US" sz="500" kern="1200" dirty="0"/>
+            <a:rPr lang="en-US" sz="800" kern="1200" dirty="0"/>
             <a:t>Data Collection and Organization</a:t>
           </a:r>
         </a:p>
       </dsp:txBody>
       <dsp:txXfrm>
-        <a:off x="1620177" y="1934683"/>
-        <a:ext cx="417245" cy="417245"/>
+        <a:off x="2394083" y="2853577"/>
+        <a:ext cx="617287" cy="617287"/>
       </dsp:txXfrm>
     </dsp:sp>
     <dsp:sp modelId="{BDE57BE5-7B34-4BA1-AC25-3351D981DC7D}">
@@ -3740,8 +3963,8 @@
       </dsp:nvSpPr>
       <dsp:spPr>
         <a:xfrm>
-          <a:off x="733463" y="1386216"/>
-          <a:ext cx="590073" cy="590073"/>
+          <a:off x="1086797" y="2044782"/>
+          <a:ext cx="872975" cy="872975"/>
         </a:xfrm>
         <a:prstGeom prst="ellipse">
           <a:avLst/>
@@ -3784,12 +4007,12 @@
         </a:fontRef>
       </dsp:style>
       <dsp:txBody>
-        <a:bodyPr spcFirstLastPara="0" vert="horz" wrap="square" lIns="6350" tIns="6350" rIns="6350" bIns="6350" numCol="1" spcCol="1270" anchor="ctr" anchorCtr="0">
+        <a:bodyPr spcFirstLastPara="0" vert="horz" wrap="square" lIns="10160" tIns="10160" rIns="10160" bIns="10160" numCol="1" spcCol="1270" anchor="ctr" anchorCtr="0">
           <a:noAutofit/>
         </a:bodyPr>
         <a:lstStyle/>
         <a:p>
-          <a:pPr marL="0" lvl="0" indent="0" algn="ctr" defTabSz="222250">
+          <a:pPr marL="0" lvl="0" indent="0" algn="ctr" defTabSz="355600">
             <a:lnSpc>
               <a:spcPct val="90000"/>
             </a:lnSpc>
@@ -3802,14 +4025,14 @@
             <a:buNone/>
           </a:pPr>
           <a:r>
-            <a:rPr lang="en-US" sz="500" kern="1200" dirty="0"/>
+            <a:rPr lang="en-US" sz="800" kern="1200" dirty="0"/>
             <a:t>Machine Learning</a:t>
           </a:r>
         </a:p>
       </dsp:txBody>
       <dsp:txXfrm>
-        <a:off x="819877" y="1472630"/>
-        <a:ext cx="417245" cy="417245"/>
+        <a:off x="1214641" y="2172626"/>
+        <a:ext cx="617287" cy="617287"/>
       </dsp:txXfrm>
     </dsp:sp>
     <dsp:sp modelId="{93FE6F2E-B011-4F6E-969E-EAAA38F5D908}">
@@ -3819,8 +4042,8 @@
       </dsp:nvSpPr>
       <dsp:spPr>
         <a:xfrm>
-          <a:off x="733463" y="462109"/>
-          <a:ext cx="590073" cy="590073"/>
+          <a:off x="1086797" y="682880"/>
+          <a:ext cx="872975" cy="872975"/>
         </a:xfrm>
         <a:prstGeom prst="ellipse">
           <a:avLst/>
@@ -3863,12 +4086,12 @@
         </a:fontRef>
       </dsp:style>
       <dsp:txBody>
-        <a:bodyPr spcFirstLastPara="0" vert="horz" wrap="square" lIns="6350" tIns="6350" rIns="6350" bIns="6350" numCol="1" spcCol="1270" anchor="ctr" anchorCtr="0">
+        <a:bodyPr spcFirstLastPara="0" vert="horz" wrap="square" lIns="10160" tIns="10160" rIns="10160" bIns="10160" numCol="1" spcCol="1270" anchor="ctr" anchorCtr="0">
           <a:noAutofit/>
         </a:bodyPr>
         <a:lstStyle/>
         <a:p>
-          <a:pPr marL="0" lvl="0" indent="0" algn="ctr" defTabSz="222250">
+          <a:pPr marL="0" lvl="0" indent="0" algn="ctr" defTabSz="355600">
             <a:lnSpc>
               <a:spcPct val="90000"/>
             </a:lnSpc>
@@ -3881,14 +4104,14 @@
             <a:buNone/>
           </a:pPr>
           <a:r>
-            <a:rPr lang="en-US" sz="500" kern="1200" dirty="0"/>
+            <a:rPr lang="en-US" sz="800" kern="1200" dirty="0"/>
             <a:t>Future Research</a:t>
           </a:r>
         </a:p>
       </dsp:txBody>
       <dsp:txXfrm>
-        <a:off x="819877" y="548523"/>
-        <a:ext cx="417245" cy="417245"/>
+        <a:off x="1214641" y="810724"/>
+        <a:ext cx="617287" cy="617287"/>
       </dsp:txXfrm>
     </dsp:sp>
   </dsp:spTree>
@@ -3903,130 +4126,20 @@
       <dsp:cNvGrpSpPr/>
     </dsp:nvGrpSpPr>
     <dsp:grpSpPr/>
-    <dsp:sp modelId="{DEB7B193-DD98-434C-B89B-69A63A889850}">
+    <dsp:sp modelId="{76F90658-0028-4F8E-B31C-65AD52796673}">
       <dsp:nvSpPr>
         <dsp:cNvPr id="0" name=""/>
         <dsp:cNvSpPr/>
       </dsp:nvSpPr>
       <dsp:spPr>
         <a:xfrm>
-          <a:off x="1463039" y="297"/>
-          <a:ext cx="2194560" cy="375046"/>
-        </a:xfrm>
-        <a:prstGeom prst="rightArrow">
-          <a:avLst>
-            <a:gd name="adj1" fmla="val 75000"/>
-            <a:gd name="adj2" fmla="val 50000"/>
-          </a:avLst>
-        </a:prstGeom>
-        <a:solidFill>
-          <a:schemeClr val="lt1">
-            <a:alpha val="90000"/>
-            <a:tint val="40000"/>
-            <a:hueOff val="0"/>
-            <a:satOff val="0"/>
-            <a:lumOff val="0"/>
-            <a:alphaOff val="0"/>
-          </a:schemeClr>
-        </a:solidFill>
-        <a:ln w="12700" cap="flat" cmpd="sng" algn="ctr">
-          <a:solidFill>
-            <a:schemeClr val="dk1">
-              <a:alpha val="90000"/>
-              <a:hueOff val="0"/>
-              <a:satOff val="0"/>
-              <a:lumOff val="0"/>
-              <a:alphaOff val="0"/>
-            </a:schemeClr>
-          </a:solidFill>
-          <a:prstDash val="solid"/>
-          <a:miter lim="800000"/>
-        </a:ln>
-        <a:effectLst/>
-      </dsp:spPr>
-      <dsp:style>
-        <a:lnRef idx="2">
-          <a:scrgbClr r="0" g="0" b="0"/>
-        </a:lnRef>
-        <a:fillRef idx="1">
-          <a:scrgbClr r="0" g="0" b="0"/>
-        </a:fillRef>
-        <a:effectRef idx="0">
-          <a:scrgbClr r="0" g="0" b="0"/>
-        </a:effectRef>
-        <a:fontRef idx="minor"/>
-      </dsp:style>
-      <dsp:txBody>
-        <a:bodyPr spcFirstLastPara="0" vert="horz" wrap="square" lIns="3175" tIns="3175" rIns="3175" bIns="3175" numCol="1" spcCol="1270" anchor="t" anchorCtr="0">
-          <a:noAutofit/>
-        </a:bodyPr>
-        <a:lstStyle/>
-        <a:p>
-          <a:pPr marL="57150" lvl="1" indent="-57150" algn="l" defTabSz="222250">
-            <a:lnSpc>
-              <a:spcPct val="90000"/>
-            </a:lnSpc>
-            <a:spcBef>
-              <a:spcPct val="0"/>
-            </a:spcBef>
-            <a:spcAft>
-              <a:spcPct val="15000"/>
-            </a:spcAft>
-            <a:buChar char="•"/>
-          </a:pPr>
-          <a:r>
-            <a:rPr lang="en-US" sz="500" kern="1200" dirty="0"/>
-            <a:t>Landscape of the Use Cases for </a:t>
-          </a:r>
-          <a:r>
-            <a:rPr lang="en-US" sz="500" kern="1200" dirty="0" err="1"/>
-            <a:t>WirelessUnderstand</a:t>
-          </a:r>
-          <a:r>
-            <a:rPr lang="en-US" sz="500" kern="1200" dirty="0"/>
-            <a:t> the Radio Environment</a:t>
-          </a:r>
-        </a:p>
-        <a:p>
-          <a:pPr marL="57150" lvl="1" indent="-57150" algn="l" defTabSz="222250">
-            <a:lnSpc>
-              <a:spcPct val="90000"/>
-            </a:lnSpc>
-            <a:spcBef>
-              <a:spcPct val="0"/>
-            </a:spcBef>
-            <a:spcAft>
-              <a:spcPct val="15000"/>
-            </a:spcAft>
-            <a:buChar char="•"/>
-          </a:pPr>
-          <a:r>
-            <a:rPr lang="en-US" sz="500" kern="1200"/>
-            <a:t>Understand </a:t>
-          </a:r>
-          <a:r>
-            <a:rPr lang="en-US" sz="500" kern="1200" dirty="0"/>
-            <a:t>the Radio Environment</a:t>
-          </a:r>
-        </a:p>
-      </dsp:txBody>
-      <dsp:txXfrm>
-        <a:off x="1463039" y="47178"/>
-        <a:ext cx="2053918" cy="281284"/>
-      </dsp:txXfrm>
-    </dsp:sp>
-    <dsp:sp modelId="{89CF1BE7-1A15-41DB-859F-1448AE88E786}">
-      <dsp:nvSpPr>
-        <dsp:cNvPr id="0" name=""/>
-        <dsp:cNvSpPr/>
-      </dsp:nvSpPr>
-      <dsp:spPr>
-        <a:xfrm>
-          <a:off x="0" y="297"/>
-          <a:ext cx="1463040" cy="375046"/>
+          <a:off x="0" y="0"/>
+          <a:ext cx="1065707" cy="3621624"/>
         </a:xfrm>
         <a:prstGeom prst="roundRect">
-          <a:avLst/>
+          <a:avLst>
+            <a:gd name="adj" fmla="val 10000"/>
+          </a:avLst>
         </a:prstGeom>
         <a:solidFill>
           <a:schemeClr val="lt1">
@@ -4066,12 +4179,12 @@
         </a:fontRef>
       </dsp:style>
       <dsp:txBody>
-        <a:bodyPr spcFirstLastPara="0" vert="horz" wrap="square" lIns="38100" tIns="19050" rIns="38100" bIns="19050" numCol="1" spcCol="1270" anchor="ctr" anchorCtr="0">
+        <a:bodyPr spcFirstLastPara="0" vert="horz" wrap="square" lIns="49784" tIns="49784" rIns="49784" bIns="49784" numCol="1" spcCol="1270" anchor="t" anchorCtr="1">
           <a:noAutofit/>
         </a:bodyPr>
         <a:lstStyle/>
         <a:p>
-          <a:pPr marL="0" lvl="0" indent="0" algn="ctr" defTabSz="444500">
+          <a:pPr marL="0" lvl="0" indent="0" algn="l" defTabSz="311150">
             <a:lnSpc>
               <a:spcPct val="90000"/>
             </a:lnSpc>
@@ -4084,46 +4197,103 @@
             <a:buNone/>
           </a:pPr>
           <a:r>
-            <a:rPr lang="en-US" sz="1000" kern="1200" dirty="0"/>
+            <a:rPr lang="en-US" sz="700" kern="1200" dirty="0"/>
             <a:t>Wireless Requirements</a:t>
           </a:r>
         </a:p>
+        <a:p>
+          <a:pPr marL="57150" lvl="1" indent="-57150" algn="l" defTabSz="222250">
+            <a:lnSpc>
+              <a:spcPct val="90000"/>
+            </a:lnSpc>
+            <a:spcBef>
+              <a:spcPct val="0"/>
+            </a:spcBef>
+            <a:spcAft>
+              <a:spcPct val="15000"/>
+            </a:spcAft>
+            <a:buChar char="•"/>
+          </a:pPr>
+          <a:r>
+            <a:rPr lang="en-US" sz="500" kern="1200" dirty="0"/>
+            <a:t>Understanding the radio environment within the factory inclusive of the industrial workcell</a:t>
+          </a:r>
+        </a:p>
+        <a:p>
+          <a:pPr marL="57150" lvl="1" indent="-57150" algn="l" defTabSz="222250">
+            <a:lnSpc>
+              <a:spcPct val="90000"/>
+            </a:lnSpc>
+            <a:spcBef>
+              <a:spcPct val="0"/>
+            </a:spcBef>
+            <a:spcAft>
+              <a:spcPct val="15000"/>
+            </a:spcAft>
+            <a:buChar char="•"/>
+          </a:pPr>
+          <a:r>
+            <a:rPr lang="en-US" sz="500" kern="1200" dirty="0"/>
+            <a:t>Identification of the pertinent wireless use cases found in the factory</a:t>
+          </a:r>
+        </a:p>
+        <a:p>
+          <a:pPr marL="57150" lvl="1" indent="-57150" algn="l" defTabSz="222250">
+            <a:lnSpc>
+              <a:spcPct val="90000"/>
+            </a:lnSpc>
+            <a:spcBef>
+              <a:spcPct val="0"/>
+            </a:spcBef>
+            <a:spcAft>
+              <a:spcPct val="15000"/>
+            </a:spcAft>
+            <a:buChar char="•"/>
+          </a:pPr>
+          <a:r>
+            <a:rPr lang="en-US" sz="500" kern="1200" dirty="0"/>
+            <a:t>Indication of applicable wireless technologies to use cases identified</a:t>
+          </a:r>
+        </a:p>
       </dsp:txBody>
       <dsp:txXfrm>
-        <a:off x="18308" y="18605"/>
-        <a:ext cx="1426424" cy="338430"/>
+        <a:off x="0" y="1448649"/>
+        <a:ext cx="1065707" cy="1448649"/>
       </dsp:txXfrm>
     </dsp:sp>
-    <dsp:sp modelId="{23C425BE-BD6B-4835-91F8-D26D8BF6C478}">
+    <dsp:sp modelId="{5B9F071D-A98D-4829-9864-113DAA3F893D}">
       <dsp:nvSpPr>
         <dsp:cNvPr id="0" name=""/>
         <dsp:cNvSpPr/>
       </dsp:nvSpPr>
       <dsp:spPr>
         <a:xfrm>
-          <a:off x="1463039" y="412849"/>
-          <a:ext cx="2194560" cy="375046"/>
+          <a:off x="31971" y="217297"/>
+          <a:ext cx="1001764" cy="1206000"/>
         </a:xfrm>
-        <a:prstGeom prst="rightArrow">
-          <a:avLst>
-            <a:gd name="adj1" fmla="val 75000"/>
-            <a:gd name="adj2" fmla="val 50000"/>
-          </a:avLst>
+        <a:prstGeom prst="ellipse">
+          <a:avLst/>
         </a:prstGeom>
-        <a:solidFill>
-          <a:schemeClr val="lt1">
-            <a:alpha val="90000"/>
-            <a:tint val="40000"/>
-            <a:hueOff val="0"/>
-            <a:satOff val="0"/>
-            <a:lumOff val="0"/>
-            <a:alphaOff val="0"/>
-          </a:schemeClr>
-        </a:solidFill>
+        <a:blipFill>
+          <a:blip xmlns:r="http://schemas.openxmlformats.org/officeDocument/2006/relationships" r:embed="rId1">
+            <a:extLst>
+              <a:ext uri="{28A0092B-C50C-407E-A947-70E740481C1C}">
+                <a14:useLocalDpi xmlns:a14="http://schemas.microsoft.com/office/drawing/2010/main" val="0"/>
+              </a:ext>
+              <a:ext uri="{837473B0-CC2E-450A-ABE3-18F120FF3D39}">
+                <a1611:picAttrSrcUrl xmlns:a1611="http://schemas.microsoft.com/office/drawing/2016/11/main" r:id="rId2"/>
+              </a:ext>
+            </a:extLst>
+          </a:blip>
+          <a:srcRect/>
+          <a:stretch>
+            <a:fillRect l="-68000" r="-68000"/>
+          </a:stretch>
+        </a:blipFill>
         <a:ln w="12700" cap="flat" cmpd="sng" algn="ctr">
           <a:solidFill>
             <a:schemeClr val="dk1">
-              <a:alpha val="90000"/>
+              <a:shade val="80000"/>
               <a:hueOff val="0"/>
               <a:satOff val="0"/>
               <a:lumOff val="0"/>
@@ -4147,65 +4317,21 @@
         </a:effectRef>
         <a:fontRef idx="minor"/>
       </dsp:style>
-      <dsp:txBody>
-        <a:bodyPr spcFirstLastPara="0" vert="horz" wrap="square" lIns="3175" tIns="3175" rIns="3175" bIns="3175" numCol="1" spcCol="1270" anchor="t" anchorCtr="0">
-          <a:noAutofit/>
-        </a:bodyPr>
-        <a:lstStyle/>
-        <a:p>
-          <a:pPr marL="57150" lvl="1" indent="-57150" algn="l" defTabSz="222250">
-            <a:lnSpc>
-              <a:spcPct val="90000"/>
-            </a:lnSpc>
-            <a:spcBef>
-              <a:spcPct val="0"/>
-            </a:spcBef>
-            <a:spcAft>
-              <a:spcPct val="15000"/>
-            </a:spcAft>
-            <a:buChar char="•"/>
-          </a:pPr>
-          <a:r>
-            <a:rPr lang="en-US" sz="500" kern="1200" dirty="0"/>
-            <a:t>Functional Decomposition of Network and Physical System</a:t>
-          </a:r>
-        </a:p>
-        <a:p>
-          <a:pPr marL="57150" lvl="1" indent="-57150" algn="l" defTabSz="222250">
-            <a:lnSpc>
-              <a:spcPct val="90000"/>
-            </a:lnSpc>
-            <a:spcBef>
-              <a:spcPct val="0"/>
-            </a:spcBef>
-            <a:spcAft>
-              <a:spcPct val="15000"/>
-            </a:spcAft>
-            <a:buChar char="•"/>
-          </a:pPr>
-          <a:r>
-            <a:rPr lang="en-US" sz="500" kern="1200" dirty="0"/>
-            <a:t>Indication of Physical Constraints in the Model</a:t>
-          </a:r>
-        </a:p>
-      </dsp:txBody>
-      <dsp:txXfrm>
-        <a:off x="1463039" y="459730"/>
-        <a:ext cx="2053918" cy="281284"/>
-      </dsp:txXfrm>
     </dsp:sp>
-    <dsp:sp modelId="{6ACDBCDC-5D6F-4597-8BAA-81474A0F26B3}">
+    <dsp:sp modelId="{7D467C02-CFD3-4073-974B-1094FC7EE4A0}">
       <dsp:nvSpPr>
         <dsp:cNvPr id="0" name=""/>
         <dsp:cNvSpPr/>
       </dsp:nvSpPr>
       <dsp:spPr>
         <a:xfrm>
-          <a:off x="0" y="412849"/>
-          <a:ext cx="1463040" cy="375046"/>
+          <a:off x="1097678" y="0"/>
+          <a:ext cx="1065707" cy="3621624"/>
         </a:xfrm>
         <a:prstGeom prst="roundRect">
-          <a:avLst/>
+          <a:avLst>
+            <a:gd name="adj" fmla="val 10000"/>
+          </a:avLst>
         </a:prstGeom>
         <a:solidFill>
           <a:schemeClr val="lt1">
@@ -4245,12 +4371,12 @@
         </a:fontRef>
       </dsp:style>
       <dsp:txBody>
-        <a:bodyPr spcFirstLastPara="0" vert="horz" wrap="square" lIns="38100" tIns="19050" rIns="38100" bIns="19050" numCol="1" spcCol="1270" anchor="ctr" anchorCtr="0">
+        <a:bodyPr spcFirstLastPara="0" vert="horz" wrap="square" lIns="49784" tIns="49784" rIns="49784" bIns="49784" numCol="1" spcCol="1270" anchor="t" anchorCtr="1">
           <a:noAutofit/>
         </a:bodyPr>
         <a:lstStyle/>
         <a:p>
-          <a:pPr marL="0" lvl="0" indent="0" algn="ctr" defTabSz="444500">
+          <a:pPr marL="0" lvl="0" indent="0" algn="l" defTabSz="311150">
             <a:lnSpc>
               <a:spcPct val="90000"/>
             </a:lnSpc>
@@ -4263,46 +4389,139 @@
             <a:buNone/>
           </a:pPr>
           <a:r>
-            <a:rPr lang="en-US" sz="1000" kern="1200" dirty="0"/>
+            <a:rPr lang="en-US" sz="700" kern="1200" dirty="0"/>
             <a:t>Architectural Modeling</a:t>
           </a:r>
         </a:p>
+        <a:p>
+          <a:pPr marL="57150" lvl="1" indent="-57150" algn="l" defTabSz="222250">
+            <a:lnSpc>
+              <a:spcPct val="90000"/>
+            </a:lnSpc>
+            <a:spcBef>
+              <a:spcPct val="0"/>
+            </a:spcBef>
+            <a:spcAft>
+              <a:spcPct val="15000"/>
+            </a:spcAft>
+            <a:buChar char="•"/>
+          </a:pPr>
+          <a:r>
+            <a:rPr lang="en-US" sz="500" kern="1200" dirty="0"/>
+            <a:t>Study of the industrial wireless work cell in smart manufacturing control</a:t>
+          </a:r>
+        </a:p>
+        <a:p>
+          <a:pPr marL="57150" lvl="1" indent="-57150" algn="l" defTabSz="222250">
+            <a:lnSpc>
+              <a:spcPct val="90000"/>
+            </a:lnSpc>
+            <a:spcBef>
+              <a:spcPct val="0"/>
+            </a:spcBef>
+            <a:spcAft>
+              <a:spcPct val="15000"/>
+            </a:spcAft>
+            <a:buChar char="•"/>
+          </a:pPr>
+          <a:r>
+            <a:rPr lang="en-US" sz="500" kern="1200" dirty="0"/>
+            <a:t>Functional Decomposition of network and physical system</a:t>
+          </a:r>
+        </a:p>
+        <a:p>
+          <a:pPr marL="57150" lvl="1" indent="-57150" algn="l" defTabSz="222250">
+            <a:lnSpc>
+              <a:spcPct val="90000"/>
+            </a:lnSpc>
+            <a:spcBef>
+              <a:spcPct val="0"/>
+            </a:spcBef>
+            <a:spcAft>
+              <a:spcPct val="15000"/>
+            </a:spcAft>
+            <a:buChar char="•"/>
+          </a:pPr>
+          <a:r>
+            <a:rPr lang="en-US" sz="500" kern="1200" dirty="0"/>
+            <a:t>Identification of interfaces</a:t>
+          </a:r>
+        </a:p>
+        <a:p>
+          <a:pPr marL="57150" lvl="1" indent="-57150" algn="l" defTabSz="222250">
+            <a:lnSpc>
+              <a:spcPct val="90000"/>
+            </a:lnSpc>
+            <a:spcBef>
+              <a:spcPct val="0"/>
+            </a:spcBef>
+            <a:spcAft>
+              <a:spcPct val="15000"/>
+            </a:spcAft>
+            <a:buChar char="•"/>
+          </a:pPr>
+          <a:r>
+            <a:rPr lang="en-US" sz="500" kern="1200" dirty="0"/>
+            <a:t>Indication of physical and network constraints</a:t>
+          </a:r>
+        </a:p>
+        <a:p>
+          <a:pPr marL="57150" lvl="1" indent="-57150" algn="l" defTabSz="222250">
+            <a:lnSpc>
+              <a:spcPct val="90000"/>
+            </a:lnSpc>
+            <a:spcBef>
+              <a:spcPct val="0"/>
+            </a:spcBef>
+            <a:spcAft>
+              <a:spcPct val="15000"/>
+            </a:spcAft>
+            <a:buChar char="•"/>
+          </a:pPr>
+          <a:r>
+            <a:rPr lang="en-US" sz="500" kern="1200" dirty="0"/>
+            <a:t>Identification of sources of information flows relevant to assessment of cyberphysical systems  performance</a:t>
+          </a:r>
+        </a:p>
       </dsp:txBody>
       <dsp:txXfrm>
-        <a:off x="18308" y="431157"/>
-        <a:ext cx="1426424" cy="338430"/>
+        <a:off x="1097678" y="1448649"/>
+        <a:ext cx="1065707" cy="1448649"/>
       </dsp:txXfrm>
     </dsp:sp>
-    <dsp:sp modelId="{6173E569-3518-41F0-A1A3-65D5F49844B4}">
+    <dsp:sp modelId="{CA756937-C37B-4706-8721-82F8DE29B662}">
       <dsp:nvSpPr>
         <dsp:cNvPr id="0" name=""/>
         <dsp:cNvSpPr/>
       </dsp:nvSpPr>
       <dsp:spPr>
         <a:xfrm>
-          <a:off x="1463039" y="825400"/>
-          <a:ext cx="2194560" cy="375046"/>
+          <a:off x="1129649" y="217297"/>
+          <a:ext cx="1001764" cy="1206000"/>
         </a:xfrm>
-        <a:prstGeom prst="rightArrow">
-          <a:avLst>
-            <a:gd name="adj1" fmla="val 75000"/>
-            <a:gd name="adj2" fmla="val 50000"/>
-          </a:avLst>
+        <a:prstGeom prst="ellipse">
+          <a:avLst/>
         </a:prstGeom>
-        <a:solidFill>
-          <a:schemeClr val="lt1">
-            <a:alpha val="90000"/>
-            <a:tint val="40000"/>
-            <a:hueOff val="0"/>
-            <a:satOff val="0"/>
-            <a:lumOff val="0"/>
-            <a:alphaOff val="0"/>
-          </a:schemeClr>
-        </a:solidFill>
+        <a:blipFill>
+          <a:blip xmlns:r="http://schemas.openxmlformats.org/officeDocument/2006/relationships" r:embed="rId3">
+            <a:extLst>
+              <a:ext uri="{28A0092B-C50C-407E-A947-70E740481C1C}">
+                <a14:useLocalDpi xmlns:a14="http://schemas.microsoft.com/office/drawing/2010/main" val="0"/>
+              </a:ext>
+              <a:ext uri="{837473B0-CC2E-450A-ABE3-18F120FF3D39}">
+                <a1611:picAttrSrcUrl xmlns:a1611="http://schemas.microsoft.com/office/drawing/2016/11/main" r:id="rId4"/>
+              </a:ext>
+            </a:extLst>
+          </a:blip>
+          <a:srcRect/>
+          <a:stretch>
+            <a:fillRect l="-14000" r="-14000"/>
+          </a:stretch>
+        </a:blipFill>
         <a:ln w="12700" cap="flat" cmpd="sng" algn="ctr">
           <a:solidFill>
             <a:schemeClr val="dk1">
-              <a:alpha val="90000"/>
+              <a:shade val="80000"/>
               <a:hueOff val="0"/>
               <a:satOff val="0"/>
               <a:lumOff val="0"/>
@@ -4326,65 +4545,21 @@
         </a:effectRef>
         <a:fontRef idx="minor"/>
       </dsp:style>
-      <dsp:txBody>
-        <a:bodyPr spcFirstLastPara="0" vert="horz" wrap="square" lIns="3175" tIns="3175" rIns="3175" bIns="3175" numCol="1" spcCol="1270" anchor="t" anchorCtr="0">
-          <a:noAutofit/>
-        </a:bodyPr>
-        <a:lstStyle/>
-        <a:p>
-          <a:pPr marL="57150" lvl="1" indent="-57150" algn="l" defTabSz="222250">
-            <a:lnSpc>
-              <a:spcPct val="90000"/>
-            </a:lnSpc>
-            <a:spcBef>
-              <a:spcPct val="0"/>
-            </a:spcBef>
-            <a:spcAft>
-              <a:spcPct val="15000"/>
-            </a:spcAft>
-            <a:buChar char="•"/>
-          </a:pPr>
-          <a:r>
-            <a:rPr lang="en-US" sz="500" kern="1200" dirty="0"/>
-            <a:t>Force torque sensing apparatus</a:t>
-          </a:r>
-        </a:p>
-        <a:p>
-          <a:pPr marL="57150" lvl="1" indent="-57150" algn="l" defTabSz="222250">
-            <a:lnSpc>
-              <a:spcPct val="90000"/>
-            </a:lnSpc>
-            <a:spcBef>
-              <a:spcPct val="0"/>
-            </a:spcBef>
-            <a:spcAft>
-              <a:spcPct val="15000"/>
-            </a:spcAft>
-            <a:buChar char="•"/>
-          </a:pPr>
-          <a:r>
-            <a:rPr lang="en-US" sz="500" kern="1200" dirty="0"/>
-            <a:t>Robot-based machine tending system</a:t>
-          </a:r>
-        </a:p>
-      </dsp:txBody>
-      <dsp:txXfrm>
-        <a:off x="1463039" y="872281"/>
-        <a:ext cx="2053918" cy="281284"/>
-      </dsp:txXfrm>
     </dsp:sp>
-    <dsp:sp modelId="{4E917679-BA5B-4A5A-9BCD-BE98362CD945}">
+    <dsp:sp modelId="{E9BB1DEE-6552-4335-B6CC-5E52E5C41686}">
       <dsp:nvSpPr>
         <dsp:cNvPr id="0" name=""/>
         <dsp:cNvSpPr/>
       </dsp:nvSpPr>
       <dsp:spPr>
         <a:xfrm>
-          <a:off x="0" y="825400"/>
-          <a:ext cx="1463040" cy="375046"/>
+          <a:off x="2195356" y="0"/>
+          <a:ext cx="1065707" cy="3621624"/>
         </a:xfrm>
         <a:prstGeom prst="roundRect">
-          <a:avLst/>
+          <a:avLst>
+            <a:gd name="adj" fmla="val 10000"/>
+          </a:avLst>
         </a:prstGeom>
         <a:solidFill>
           <a:schemeClr val="lt1">
@@ -4424,12 +4599,12 @@
         </a:fontRef>
       </dsp:style>
       <dsp:txBody>
-        <a:bodyPr spcFirstLastPara="0" vert="horz" wrap="square" lIns="38100" tIns="19050" rIns="38100" bIns="19050" numCol="1" spcCol="1270" anchor="ctr" anchorCtr="0">
+        <a:bodyPr spcFirstLastPara="0" vert="horz" wrap="square" lIns="49784" tIns="49784" rIns="49784" bIns="49784" numCol="1" spcCol="1270" anchor="t" anchorCtr="1">
           <a:noAutofit/>
         </a:bodyPr>
         <a:lstStyle/>
         <a:p>
-          <a:pPr marL="0" lvl="0" indent="0" algn="ctr" defTabSz="444500">
+          <a:pPr marL="0" lvl="0" indent="0" algn="l" defTabSz="311150">
             <a:lnSpc>
               <a:spcPct val="90000"/>
             </a:lnSpc>
@@ -4442,46 +4617,103 @@
             <a:buNone/>
           </a:pPr>
           <a:r>
-            <a:rPr lang="en-US" sz="1000" kern="1200" dirty="0"/>
-            <a:t>Testbed Development</a:t>
+            <a:rPr lang="en-US" sz="700" kern="1200" dirty="0"/>
+            <a:t>Data Collection and Organization</a:t>
+          </a:r>
+        </a:p>
+        <a:p>
+          <a:pPr marL="57150" lvl="1" indent="-57150" algn="l" defTabSz="222250">
+            <a:lnSpc>
+              <a:spcPct val="90000"/>
+            </a:lnSpc>
+            <a:spcBef>
+              <a:spcPct val="0"/>
+            </a:spcBef>
+            <a:spcAft>
+              <a:spcPct val="15000"/>
+            </a:spcAft>
+            <a:buChar char="•"/>
+          </a:pPr>
+          <a:r>
+            <a:rPr lang="en-US" sz="500" kern="1200" dirty="0"/>
+            <a:t>Instrumentation of testbed with network and physical systems probes</a:t>
+          </a:r>
+        </a:p>
+        <a:p>
+          <a:pPr marL="57150" lvl="1" indent="-57150" algn="l" defTabSz="222250">
+            <a:lnSpc>
+              <a:spcPct val="90000"/>
+            </a:lnSpc>
+            <a:spcBef>
+              <a:spcPct val="0"/>
+            </a:spcBef>
+            <a:spcAft>
+              <a:spcPct val="15000"/>
+            </a:spcAft>
+            <a:buChar char="•"/>
+          </a:pPr>
+          <a:r>
+            <a:rPr lang="en-US" sz="500" kern="1200" dirty="0"/>
+            <a:t>Big data problem of the organization/cleaning/curation of data for analysis</a:t>
+          </a:r>
+        </a:p>
+        <a:p>
+          <a:pPr marL="57150" lvl="1" indent="-57150" algn="l" defTabSz="222250">
+            <a:lnSpc>
+              <a:spcPct val="90000"/>
+            </a:lnSpc>
+            <a:spcBef>
+              <a:spcPct val="0"/>
+            </a:spcBef>
+            <a:spcAft>
+              <a:spcPct val="15000"/>
+            </a:spcAft>
+            <a:buChar char="•"/>
+          </a:pPr>
+          <a:r>
+            <a:rPr lang="en-US" sz="500" kern="1200" dirty="0"/>
+            <a:t>Application of graph database for organization, query, and visualization</a:t>
           </a:r>
         </a:p>
       </dsp:txBody>
       <dsp:txXfrm>
-        <a:off x="18308" y="843708"/>
-        <a:ext cx="1426424" cy="338430"/>
+        <a:off x="2195356" y="1448649"/>
+        <a:ext cx="1065707" cy="1448649"/>
       </dsp:txXfrm>
     </dsp:sp>
-    <dsp:sp modelId="{FEB48737-3D5D-48AC-AD8D-90A057D20090}">
+    <dsp:sp modelId="{A5111804-95AE-4C6B-ABD7-FFFE08E5756C}">
       <dsp:nvSpPr>
         <dsp:cNvPr id="0" name=""/>
         <dsp:cNvSpPr/>
       </dsp:nvSpPr>
       <dsp:spPr>
         <a:xfrm>
-          <a:off x="1463039" y="1237952"/>
-          <a:ext cx="2194560" cy="375046"/>
+          <a:off x="2227327" y="217297"/>
+          <a:ext cx="1001764" cy="1206000"/>
         </a:xfrm>
-        <a:prstGeom prst="rightArrow">
-          <a:avLst>
-            <a:gd name="adj1" fmla="val 75000"/>
-            <a:gd name="adj2" fmla="val 50000"/>
-          </a:avLst>
+        <a:prstGeom prst="ellipse">
+          <a:avLst/>
         </a:prstGeom>
-        <a:solidFill>
-          <a:schemeClr val="lt1">
-            <a:alpha val="90000"/>
-            <a:tint val="40000"/>
-            <a:hueOff val="0"/>
-            <a:satOff val="0"/>
-            <a:lumOff val="0"/>
-            <a:alphaOff val="0"/>
-          </a:schemeClr>
-        </a:solidFill>
+        <a:blipFill>
+          <a:blip xmlns:r="http://schemas.openxmlformats.org/officeDocument/2006/relationships" r:embed="rId5">
+            <a:extLst>
+              <a:ext uri="{28A0092B-C50C-407E-A947-70E740481C1C}">
+                <a14:useLocalDpi xmlns:a14="http://schemas.microsoft.com/office/drawing/2010/main" val="0"/>
+              </a:ext>
+              <a:ext uri="{837473B0-CC2E-450A-ABE3-18F120FF3D39}">
+                <a1611:picAttrSrcUrl xmlns:a1611="http://schemas.microsoft.com/office/drawing/2016/11/main" r:id="rId6"/>
+              </a:ext>
+            </a:extLst>
+          </a:blip>
+          <a:srcRect/>
+          <a:stretch>
+            <a:fillRect l="-31000" r="-31000"/>
+          </a:stretch>
+        </a:blipFill>
         <a:ln w="12700" cap="flat" cmpd="sng" algn="ctr">
           <a:solidFill>
             <a:schemeClr val="dk1">
-              <a:alpha val="90000"/>
+              <a:shade val="80000"/>
               <a:hueOff val="0"/>
               <a:satOff val="0"/>
               <a:lumOff val="0"/>
@@ -4505,83 +4737,21 @@
         </a:effectRef>
         <a:fontRef idx="minor"/>
       </dsp:style>
-      <dsp:txBody>
-        <a:bodyPr spcFirstLastPara="0" vert="horz" wrap="square" lIns="3175" tIns="3175" rIns="3175" bIns="3175" numCol="1" spcCol="1270" anchor="t" anchorCtr="0">
-          <a:noAutofit/>
-        </a:bodyPr>
-        <a:lstStyle/>
-        <a:p>
-          <a:pPr marL="57150" lvl="1" indent="-57150" algn="l" defTabSz="222250">
-            <a:lnSpc>
-              <a:spcPct val="90000"/>
-            </a:lnSpc>
-            <a:spcBef>
-              <a:spcPct val="0"/>
-            </a:spcBef>
-            <a:spcAft>
-              <a:spcPct val="15000"/>
-            </a:spcAft>
-            <a:buChar char="•"/>
-          </a:pPr>
-          <a:r>
-            <a:rPr lang="en-US" sz="500" kern="1200" dirty="0"/>
-            <a:t>Instrumentation of testbed with network and physical systems probes</a:t>
-          </a:r>
-        </a:p>
-        <a:p>
-          <a:pPr marL="57150" lvl="1" indent="-57150" algn="l" defTabSz="222250">
-            <a:lnSpc>
-              <a:spcPct val="90000"/>
-            </a:lnSpc>
-            <a:spcBef>
-              <a:spcPct val="0"/>
-            </a:spcBef>
-            <a:spcAft>
-              <a:spcPct val="15000"/>
-            </a:spcAft>
-            <a:buChar char="•"/>
-          </a:pPr>
-          <a:r>
-            <a:rPr lang="en-US" sz="500" kern="1200" dirty="0"/>
-            <a:t>Big data problem of the organization/cleaning/curation of data for analysis</a:t>
-          </a:r>
-        </a:p>
-        <a:p>
-          <a:pPr marL="57150" lvl="1" indent="-57150" algn="l" defTabSz="222250">
-            <a:lnSpc>
-              <a:spcPct val="90000"/>
-            </a:lnSpc>
-            <a:spcBef>
-              <a:spcPct val="0"/>
-            </a:spcBef>
-            <a:spcAft>
-              <a:spcPct val="15000"/>
-            </a:spcAft>
-            <a:buChar char="•"/>
-          </a:pPr>
-          <a:r>
-            <a:rPr lang="en-US" sz="500" kern="1200" dirty="0"/>
-            <a:t>Application of graph database for organization, query, and visualization</a:t>
-          </a:r>
-        </a:p>
-      </dsp:txBody>
-      <dsp:txXfrm>
-        <a:off x="1463039" y="1284833"/>
-        <a:ext cx="2053918" cy="281284"/>
-      </dsp:txXfrm>
     </dsp:sp>
-    <dsp:sp modelId="{E0DE0902-2FA5-4B52-9F39-B50C9F828F81}">
+    <dsp:sp modelId="{B81F3BCD-319A-4969-ADD8-6889C0D6EBDE}">
       <dsp:nvSpPr>
         <dsp:cNvPr id="0" name=""/>
         <dsp:cNvSpPr/>
       </dsp:nvSpPr>
       <dsp:spPr>
         <a:xfrm>
-          <a:off x="0" y="1237952"/>
-          <a:ext cx="1463040" cy="375046"/>
+          <a:off x="3293034" y="0"/>
+          <a:ext cx="1065707" cy="3621624"/>
         </a:xfrm>
         <a:prstGeom prst="roundRect">
-          <a:avLst/>
+          <a:avLst>
+            <a:gd name="adj" fmla="val 10000"/>
+          </a:avLst>
         </a:prstGeom>
         <a:solidFill>
           <a:schemeClr val="lt1">
@@ -4621,12 +4791,12 @@
         </a:fontRef>
       </dsp:style>
       <dsp:txBody>
-        <a:bodyPr spcFirstLastPara="0" vert="horz" wrap="square" lIns="38100" tIns="19050" rIns="38100" bIns="19050" numCol="1" spcCol="1270" anchor="ctr" anchorCtr="0">
+        <a:bodyPr spcFirstLastPara="0" vert="horz" wrap="square" lIns="49784" tIns="49784" rIns="49784" bIns="49784" numCol="1" spcCol="1270" anchor="t" anchorCtr="1">
           <a:noAutofit/>
         </a:bodyPr>
         <a:lstStyle/>
         <a:p>
-          <a:pPr marL="0" lvl="0" indent="0" algn="ctr" defTabSz="444500">
+          <a:pPr marL="0" lvl="0" indent="0" algn="l" defTabSz="311150">
             <a:lnSpc>
               <a:spcPct val="90000"/>
             </a:lnSpc>
@@ -4639,46 +4809,85 @@
             <a:buNone/>
           </a:pPr>
           <a:r>
-            <a:rPr lang="en-US" sz="1000" kern="1200" dirty="0"/>
-            <a:t>Data Collection and Organization</a:t>
+            <a:rPr lang="en-US" sz="700" kern="1200" dirty="0"/>
+            <a:t>Machine Learning</a:t>
+          </a:r>
+        </a:p>
+        <a:p>
+          <a:pPr marL="57150" lvl="1" indent="-57150" algn="l" defTabSz="222250">
+            <a:lnSpc>
+              <a:spcPct val="90000"/>
+            </a:lnSpc>
+            <a:spcBef>
+              <a:spcPct val="0"/>
+            </a:spcBef>
+            <a:spcAft>
+              <a:spcPct val="15000"/>
+            </a:spcAft>
+            <a:buChar char="•"/>
+          </a:pPr>
+          <a:r>
+            <a:rPr lang="en-US" sz="500" kern="1200" dirty="0"/>
+            <a:t>Interference level estimation using machine learning regression</a:t>
+          </a:r>
+        </a:p>
+        <a:p>
+          <a:pPr marL="57150" lvl="1" indent="-57150" algn="l" defTabSz="222250">
+            <a:lnSpc>
+              <a:spcPct val="90000"/>
+            </a:lnSpc>
+            <a:spcBef>
+              <a:spcPct val="0"/>
+            </a:spcBef>
+            <a:spcAft>
+              <a:spcPct val="15000"/>
+            </a:spcAft>
+            <a:buChar char="•"/>
+          </a:pPr>
+          <a:r>
+            <a:rPr lang="en-US" sz="500" kern="1200" dirty="0"/>
+            <a:t>Analysis of various regression techniques for industrial application</a:t>
           </a:r>
         </a:p>
       </dsp:txBody>
       <dsp:txXfrm>
-        <a:off x="18308" y="1256260"/>
-        <a:ext cx="1426424" cy="338430"/>
+        <a:off x="3293034" y="1448649"/>
+        <a:ext cx="1065707" cy="1448649"/>
       </dsp:txXfrm>
     </dsp:sp>
-    <dsp:sp modelId="{130C5A2D-B09E-4769-8441-12F45767D7B2}">
+    <dsp:sp modelId="{70DCEF3D-DB2D-4C94-B095-404B405D33AA}">
       <dsp:nvSpPr>
         <dsp:cNvPr id="0" name=""/>
         <dsp:cNvSpPr/>
       </dsp:nvSpPr>
       <dsp:spPr>
         <a:xfrm>
-          <a:off x="1463039" y="1650503"/>
-          <a:ext cx="2194560" cy="375046"/>
+          <a:off x="3325005" y="217297"/>
+          <a:ext cx="1001764" cy="1206000"/>
         </a:xfrm>
-        <a:prstGeom prst="rightArrow">
-          <a:avLst>
-            <a:gd name="adj1" fmla="val 75000"/>
-            <a:gd name="adj2" fmla="val 50000"/>
-          </a:avLst>
+        <a:prstGeom prst="ellipse">
+          <a:avLst/>
         </a:prstGeom>
-        <a:solidFill>
-          <a:schemeClr val="lt1">
-            <a:alpha val="90000"/>
-            <a:tint val="40000"/>
-            <a:hueOff val="0"/>
-            <a:satOff val="0"/>
-            <a:lumOff val="0"/>
-            <a:alphaOff val="0"/>
-          </a:schemeClr>
-        </a:solidFill>
+        <a:blipFill>
+          <a:blip xmlns:r="http://schemas.openxmlformats.org/officeDocument/2006/relationships" r:embed="rId7">
+            <a:extLst>
+              <a:ext uri="{28A0092B-C50C-407E-A947-70E740481C1C}">
+                <a14:useLocalDpi xmlns:a14="http://schemas.microsoft.com/office/drawing/2010/main" val="0"/>
+              </a:ext>
+              <a:ext uri="{837473B0-CC2E-450A-ABE3-18F120FF3D39}">
+                <a1611:picAttrSrcUrl xmlns:a1611="http://schemas.microsoft.com/office/drawing/2016/11/main" r:id="rId8"/>
+              </a:ext>
+            </a:extLst>
+          </a:blip>
+          <a:srcRect/>
+          <a:stretch>
+            <a:fillRect l="-25000" r="-25000"/>
+          </a:stretch>
+        </a:blipFill>
         <a:ln w="12700" cap="flat" cmpd="sng" algn="ctr">
           <a:solidFill>
             <a:schemeClr val="dk1">
-              <a:alpha val="90000"/>
+              <a:shade val="80000"/>
               <a:hueOff val="0"/>
               <a:satOff val="0"/>
               <a:lumOff val="0"/>
@@ -4703,18 +4912,20 @@
         <a:fontRef idx="minor"/>
       </dsp:style>
     </dsp:sp>
-    <dsp:sp modelId="{541B05B9-6A3C-40AC-99EF-ECC47178FDB9}">
+    <dsp:sp modelId="{8850943B-F06F-4CC3-906A-5B373B8D3940}">
       <dsp:nvSpPr>
         <dsp:cNvPr id="0" name=""/>
         <dsp:cNvSpPr/>
       </dsp:nvSpPr>
       <dsp:spPr>
         <a:xfrm>
-          <a:off x="0" y="1650503"/>
-          <a:ext cx="1463040" cy="375046"/>
+          <a:off x="4390712" y="0"/>
+          <a:ext cx="1065707" cy="3621624"/>
         </a:xfrm>
         <a:prstGeom prst="roundRect">
-          <a:avLst/>
+          <a:avLst>
+            <a:gd name="adj" fmla="val 10000"/>
+          </a:avLst>
         </a:prstGeom>
         <a:solidFill>
           <a:schemeClr val="lt1">
@@ -4754,12 +4965,12 @@
         </a:fontRef>
       </dsp:style>
       <dsp:txBody>
-        <a:bodyPr spcFirstLastPara="0" vert="horz" wrap="square" lIns="38100" tIns="19050" rIns="38100" bIns="19050" numCol="1" spcCol="1270" anchor="ctr" anchorCtr="0">
+        <a:bodyPr spcFirstLastPara="0" vert="horz" wrap="square" lIns="49784" tIns="49784" rIns="49784" bIns="49784" numCol="1" spcCol="1270" anchor="t" anchorCtr="1">
           <a:noAutofit/>
         </a:bodyPr>
         <a:lstStyle/>
         <a:p>
-          <a:pPr marL="0" lvl="0" indent="0" algn="ctr" defTabSz="444500">
+          <a:pPr marL="0" lvl="0" indent="0" algn="l" defTabSz="311150">
             <a:lnSpc>
               <a:spcPct val="90000"/>
             </a:lnSpc>
@@ -4772,74 +4983,10 @@
             <a:buNone/>
           </a:pPr>
           <a:r>
-            <a:rPr lang="en-US" sz="1000" kern="1200" dirty="0"/>
-            <a:t>Machine Learning</a:t>
+            <a:rPr lang="en-US" sz="700" kern="1200" dirty="0"/>
+            <a:t>Future Research</a:t>
           </a:r>
         </a:p>
-      </dsp:txBody>
-      <dsp:txXfrm>
-        <a:off x="18308" y="1668811"/>
-        <a:ext cx="1426424" cy="338430"/>
-      </dsp:txXfrm>
-    </dsp:sp>
-    <dsp:sp modelId="{371564FC-0030-4661-ADDF-9B517961EE16}">
-      <dsp:nvSpPr>
-        <dsp:cNvPr id="0" name=""/>
-        <dsp:cNvSpPr/>
-      </dsp:nvSpPr>
-      <dsp:spPr>
-        <a:xfrm>
-          <a:off x="1463039" y="2063055"/>
-          <a:ext cx="2194560" cy="375046"/>
-        </a:xfrm>
-        <a:prstGeom prst="rightArrow">
-          <a:avLst>
-            <a:gd name="adj1" fmla="val 75000"/>
-            <a:gd name="adj2" fmla="val 50000"/>
-          </a:avLst>
-        </a:prstGeom>
-        <a:solidFill>
-          <a:schemeClr val="lt1">
-            <a:alpha val="90000"/>
-            <a:tint val="40000"/>
-            <a:hueOff val="0"/>
-            <a:satOff val="0"/>
-            <a:lumOff val="0"/>
-            <a:alphaOff val="0"/>
-          </a:schemeClr>
-        </a:solidFill>
-        <a:ln w="12700" cap="flat" cmpd="sng" algn="ctr">
-          <a:solidFill>
-            <a:schemeClr val="dk1">
-              <a:alpha val="90000"/>
-              <a:hueOff val="0"/>
-              <a:satOff val="0"/>
-              <a:lumOff val="0"/>
-              <a:alphaOff val="0"/>
-            </a:schemeClr>
-          </a:solidFill>
-          <a:prstDash val="solid"/>
-          <a:miter lim="800000"/>
-        </a:ln>
-        <a:effectLst/>
-      </dsp:spPr>
-      <dsp:style>
-        <a:lnRef idx="2">
-          <a:scrgbClr r="0" g="0" b="0"/>
-        </a:lnRef>
-        <a:fillRef idx="1">
-          <a:scrgbClr r="0" g="0" b="0"/>
-        </a:fillRef>
-        <a:effectRef idx="0">
-          <a:scrgbClr r="0" g="0" b="0"/>
-        </a:effectRef>
-        <a:fontRef idx="minor"/>
-      </dsp:style>
-      <dsp:txBody>
-        <a:bodyPr spcFirstLastPara="0" vert="horz" wrap="square" lIns="3175" tIns="3175" rIns="3175" bIns="3175" numCol="1" spcCol="1270" anchor="t" anchorCtr="0">
-          <a:noAutofit/>
-        </a:bodyPr>
-        <a:lstStyle/>
         <a:p>
           <a:pPr marL="57150" lvl="1" indent="-57150" algn="l" defTabSz="222250">
             <a:lnSpc>
@@ -4873,7 +5020,7 @@
           </a:pPr>
           <a:r>
             <a:rPr lang="en-US" sz="500" kern="1200" dirty="0"/>
-            <a:t>Integrate ML with control system</a:t>
+            <a:t>Integrate ML with industrial control systems</a:t>
           </a:r>
         </a:p>
         <a:p>
@@ -4896,31 +5043,39 @@
         </a:p>
       </dsp:txBody>
       <dsp:txXfrm>
-        <a:off x="1463039" y="2109936"/>
-        <a:ext cx="2053918" cy="281284"/>
+        <a:off x="4390712" y="1448649"/>
+        <a:ext cx="1065707" cy="1448649"/>
       </dsp:txXfrm>
     </dsp:sp>
-    <dsp:sp modelId="{787939A4-8FAD-4FAC-BDAB-0BBC0E61431A}">
+    <dsp:sp modelId="{F3475C70-4A0D-4828-BA8D-AFFAB233CE7D}">
       <dsp:nvSpPr>
         <dsp:cNvPr id="0" name=""/>
         <dsp:cNvSpPr/>
       </dsp:nvSpPr>
       <dsp:spPr>
         <a:xfrm>
-          <a:off x="0" y="2063055"/>
-          <a:ext cx="1463040" cy="375046"/>
+          <a:off x="4422684" y="217297"/>
+          <a:ext cx="1001764" cy="1206000"/>
         </a:xfrm>
-        <a:prstGeom prst="roundRect">
+        <a:prstGeom prst="ellipse">
           <a:avLst/>
         </a:prstGeom>
-        <a:solidFill>
-          <a:schemeClr val="lt1">
-            <a:hueOff val="0"/>
-            <a:satOff val="0"/>
-            <a:lumOff val="0"/>
-            <a:alphaOff val="0"/>
-          </a:schemeClr>
-        </a:solidFill>
+        <a:blipFill>
+          <a:blip xmlns:r="http://schemas.openxmlformats.org/officeDocument/2006/relationships" r:embed="rId9">
+            <a:extLst>
+              <a:ext uri="{28A0092B-C50C-407E-A947-70E740481C1C}">
+                <a14:useLocalDpi xmlns:a14="http://schemas.microsoft.com/office/drawing/2010/main" val="0"/>
+              </a:ext>
+              <a:ext uri="{837473B0-CC2E-450A-ABE3-18F120FF3D39}">
+                <a1611:picAttrSrcUrl xmlns:a1611="http://schemas.microsoft.com/office/drawing/2016/11/main" r:id="rId10"/>
+              </a:ext>
+            </a:extLst>
+          </a:blip>
+          <a:srcRect/>
+          <a:stretch>
+            <a:fillRect l="-37000" r="-37000"/>
+          </a:stretch>
+        </a:blipFill>
         <a:ln w="12700" cap="flat" cmpd="sng" algn="ctr">
           <a:solidFill>
             <a:schemeClr val="dk1">
@@ -4946,38 +5101,57 @@
         <a:effectRef idx="0">
           <a:scrgbClr r="0" g="0" b="0"/>
         </a:effectRef>
-        <a:fontRef idx="minor">
-          <a:schemeClr val="lt1"/>
-        </a:fontRef>
+        <a:fontRef idx="minor"/>
       </dsp:style>
-      <dsp:txBody>
-        <a:bodyPr spcFirstLastPara="0" vert="horz" wrap="square" lIns="38100" tIns="19050" rIns="38100" bIns="19050" numCol="1" spcCol="1270" anchor="ctr" anchorCtr="0">
-          <a:noAutofit/>
-        </a:bodyPr>
-        <a:lstStyle/>
-        <a:p>
-          <a:pPr marL="0" lvl="0" indent="0" algn="ctr" defTabSz="444500">
-            <a:lnSpc>
-              <a:spcPct val="90000"/>
-            </a:lnSpc>
-            <a:spcBef>
-              <a:spcPct val="0"/>
-            </a:spcBef>
-            <a:spcAft>
-              <a:spcPct val="35000"/>
-            </a:spcAft>
-            <a:buNone/>
-          </a:pPr>
-          <a:r>
-            <a:rPr lang="en-US" sz="1000" kern="1200" dirty="0"/>
-            <a:t>Future Research</a:t>
-          </a:r>
-        </a:p>
-      </dsp:txBody>
-      <dsp:txXfrm>
-        <a:off x="18308" y="2081363"/>
-        <a:ext cx="1426424" cy="338430"/>
-      </dsp:txXfrm>
+    </dsp:sp>
+    <dsp:sp modelId="{96017230-65A9-4A94-B682-83F9E6A8A24E}">
+      <dsp:nvSpPr>
+        <dsp:cNvPr id="0" name=""/>
+        <dsp:cNvSpPr/>
+      </dsp:nvSpPr>
+      <dsp:spPr>
+        <a:xfrm>
+          <a:off x="218256" y="2897299"/>
+          <a:ext cx="5019906" cy="543243"/>
+        </a:xfrm>
+        <a:prstGeom prst="leftRightArrow">
+          <a:avLst/>
+        </a:prstGeom>
+        <a:solidFill>
+          <a:schemeClr val="dk1">
+            <a:tint val="60000"/>
+            <a:hueOff val="0"/>
+            <a:satOff val="0"/>
+            <a:lumOff val="0"/>
+            <a:alphaOff val="0"/>
+          </a:schemeClr>
+        </a:solidFill>
+        <a:ln w="12700" cap="flat" cmpd="sng" algn="ctr">
+          <a:solidFill>
+            <a:schemeClr val="lt1">
+              <a:hueOff val="0"/>
+              <a:satOff val="0"/>
+              <a:lumOff val="0"/>
+              <a:alphaOff val="0"/>
+            </a:schemeClr>
+          </a:solidFill>
+          <a:prstDash val="solid"/>
+          <a:miter lim="800000"/>
+        </a:ln>
+        <a:effectLst/>
+      </dsp:spPr>
+      <dsp:style>
+        <a:lnRef idx="2">
+          <a:scrgbClr r="0" g="0" b="0"/>
+        </a:lnRef>
+        <a:fillRef idx="1">
+          <a:scrgbClr r="0" g="0" b="0"/>
+        </a:fillRef>
+        <a:effectRef idx="0">
+          <a:scrgbClr r="0" g="0" b="0"/>
+        </a:effectRef>
+        <a:fontRef idx="minor"/>
+      </dsp:style>
     </dsp:sp>
   </dsp:spTree>
 </dsp:drawing>
@@ -5391,44 +5565,20 @@
 </file>
 
 <file path=ppt/diagrams/layout2.xml><?xml version="1.0" encoding="utf-8"?>
-<dgm:layoutDef xmlns:dgm="http://schemas.openxmlformats.org/drawingml/2006/diagram" xmlns:a="http://schemas.openxmlformats.org/drawingml/2006/main" uniqueId="urn:microsoft.com/office/officeart/2005/8/layout/vList6">
+<dgm:layoutDef xmlns:dgm="http://schemas.openxmlformats.org/drawingml/2006/diagram" xmlns:a="http://schemas.openxmlformats.org/drawingml/2006/main" uniqueId="urn:microsoft.com/office/officeart/2005/8/layout/hList7">
   <dgm:title val=""/>
   <dgm:desc val=""/>
   <dgm:catLst>
-    <dgm:cat type="process" pri="22000"/>
-    <dgm:cat type="list" pri="17000"/>
+    <dgm:cat type="list" pri="12000"/>
+    <dgm:cat type="process" pri="20000"/>
+    <dgm:cat type="relationship" pri="14000"/>
+    <dgm:cat type="convert" pri="8000"/>
+    <dgm:cat type="picture" pri="25000"/>
+    <dgm:cat type="pictureconvert" pri="25000"/>
   </dgm:catLst>
-  <dgm:sampData>
+  <dgm:sampData useDef="1">
     <dgm:dataModel>
-      <dgm:ptLst>
-        <dgm:pt modelId="0" type="doc"/>
-        <dgm:pt modelId="1">
-          <dgm:prSet phldr="1"/>
-        </dgm:pt>
-        <dgm:pt modelId="11">
-          <dgm:prSet phldr="1"/>
-        </dgm:pt>
-        <dgm:pt modelId="12">
-          <dgm:prSet phldr="1"/>
-        </dgm:pt>
-        <dgm:pt modelId="2">
-          <dgm:prSet phldr="1"/>
-        </dgm:pt>
-        <dgm:pt modelId="21">
-          <dgm:prSet phldr="1"/>
-        </dgm:pt>
-        <dgm:pt modelId="22">
-          <dgm:prSet phldr="1"/>
-        </dgm:pt>
-      </dgm:ptLst>
-      <dgm:cxnLst>
-        <dgm:cxn modelId="4" srcId="0" destId="1" srcOrd="0" destOrd="0"/>
-        <dgm:cxn modelId="5" srcId="0" destId="2" srcOrd="1" destOrd="0"/>
-        <dgm:cxn modelId="13" srcId="1" destId="11" srcOrd="0" destOrd="0"/>
-        <dgm:cxn modelId="14" srcId="1" destId="12" srcOrd="0" destOrd="0"/>
-        <dgm:cxn modelId="23" srcId="2" destId="21" srcOrd="0" destOrd="0"/>
-        <dgm:cxn modelId="24" srcId="2" destId="22" srcOrd="0" destOrd="0"/>
-      </dgm:cxnLst>
+      <dgm:ptLst/>
       <dgm:bg/>
       <dgm:whole/>
     </dgm:dataModel>
@@ -5470,128 +5620,141 @@
   <dgm:layoutNode name="Name0">
     <dgm:varLst>
       <dgm:dir/>
-      <dgm:animLvl val="lvl"/>
-      <dgm:resizeHandles/>
+      <dgm:resizeHandles val="exact"/>
     </dgm:varLst>
-    <dgm:alg type="lin">
-      <dgm:param type="linDir" val="fromT"/>
-    </dgm:alg>
+    <dgm:alg type="composite"/>
     <dgm:shape xmlns:r="http://schemas.openxmlformats.org/officeDocument/2006/relationships" r:blip="">
       <dgm:adjLst/>
     </dgm:shape>
     <dgm:presOf/>
     <dgm:constrLst>
-      <dgm:constr type="w" for="ch" forName="linNode" refType="w"/>
-      <dgm:constr type="h" for="ch" forName="linNode" refType="h"/>
-      <dgm:constr type="h" for="ch" forName="spacing" refType="h" refFor="ch" refForName="linNode" fact="0.1"/>
-      <dgm:constr type="primFontSz" for="des" forName="parentShp" op="equ" val="65"/>
-      <dgm:constr type="primFontSz" for="des" forName="childShp" op="equ" val="65"/>
+      <dgm:constr type="w" for="ch" forName="fgShape" refType="w" fact="0.92"/>
+      <dgm:constr type="h" for="ch" forName="fgShape" refType="h" fact="0.15"/>
+      <dgm:constr type="b" for="ch" forName="fgShape" refType="h" fact="0.95"/>
+      <dgm:constr type="ctrX" for="ch" forName="fgShape" refType="w" fact="0.5"/>
+      <dgm:constr type="w" for="ch" forName="linComp" refType="w"/>
+      <dgm:constr type="h" for="ch" forName="linComp" refType="h"/>
+      <dgm:constr type="ctrX" for="ch" forName="linComp" refType="w" fact="0.5"/>
     </dgm:constrLst>
     <dgm:ruleLst/>
-    <dgm:forEach name="Name1" axis="ch" ptType="node">
-      <dgm:layoutNode name="linNode">
-        <dgm:choose name="Name2">
-          <dgm:if name="Name3" func="var" arg="dir" op="equ" val="norm">
-            <dgm:alg type="lin">
-              <dgm:param type="linDir" val="fromL"/>
-            </dgm:alg>
-          </dgm:if>
-          <dgm:else name="Name4">
-            <dgm:alg type="lin">
-              <dgm:param type="linDir" val="fromR"/>
-            </dgm:alg>
-          </dgm:else>
-        </dgm:choose>
-        <dgm:shape xmlns:r="http://schemas.openxmlformats.org/officeDocument/2006/relationships" r:blip="">
-          <dgm:adjLst/>
-        </dgm:shape>
-        <dgm:presOf/>
-        <dgm:choose name="Name5">
-          <dgm:if name="Name6" func="var" arg="dir" op="equ" val="norm">
-            <dgm:constrLst>
-              <dgm:constr type="w" for="ch" forName="parentShp" refType="w" fact="0.4"/>
-              <dgm:constr type="h" for="ch" forName="parentShp" refType="h"/>
-              <dgm:constr type="w" for="ch" forName="childShp" refType="w" fact="0.6"/>
-              <dgm:constr type="h" for="ch" forName="childShp" refType="h" refFor="ch" refForName="parentShp"/>
-            </dgm:constrLst>
-          </dgm:if>
-          <dgm:else name="Name7">
-            <dgm:constrLst>
-              <dgm:constr type="w" for="ch" forName="parentShp" refType="w" fact="0.4"/>
-              <dgm:constr type="h" for="ch" forName="parentShp" refType="h"/>
-              <dgm:constr type="w" for="ch" forName="childShp" refType="w" fact="0.6"/>
-              <dgm:constr type="h" for="ch" forName="childShp" refType="h" refFor="ch" refForName="parentShp"/>
-            </dgm:constrLst>
-          </dgm:else>
-        </dgm:choose>
-        <dgm:ruleLst/>
-        <dgm:layoutNode name="parentShp" styleLbl="node1">
-          <dgm:varLst>
-            <dgm:bulletEnabled val="1"/>
-          </dgm:varLst>
-          <dgm:alg type="tx"/>
-          <dgm:shape xmlns:r="http://schemas.openxmlformats.org/officeDocument/2006/relationships" type="roundRect" r:blip="">
-            <dgm:adjLst/>
-          </dgm:shape>
-          <dgm:presOf axis="self" ptType="node"/>
-          <dgm:constrLst>
-            <dgm:constr type="tMarg" refType="primFontSz" fact="0.15"/>
-            <dgm:constr type="bMarg" refType="primFontSz" fact="0.15"/>
-            <dgm:constr type="lMarg" refType="primFontSz" fact="0.3"/>
-            <dgm:constr type="rMarg" refType="primFontSz" fact="0.3"/>
-          </dgm:constrLst>
-          <dgm:ruleLst>
-            <dgm:rule type="primFontSz" val="5" fact="NaN" max="NaN"/>
-          </dgm:ruleLst>
-        </dgm:layoutNode>
-        <dgm:layoutNode name="childShp" styleLbl="bgAccFollowNode1">
-          <dgm:varLst>
-            <dgm:bulletEnabled val="1"/>
-          </dgm:varLst>
-          <dgm:alg type="tx">
-            <dgm:param type="stBulletLvl" val="1"/>
+    <dgm:layoutNode name="fgShape" styleLbl="fgShp">
+      <dgm:alg type="sp"/>
+      <dgm:shape xmlns:r="http://schemas.openxmlformats.org/officeDocument/2006/relationships" type="leftRightArrow" r:blip="" zOrderOff="99999">
+        <dgm:adjLst/>
+      </dgm:shape>
+      <dgm:presOf/>
+      <dgm:constrLst/>
+      <dgm:ruleLst/>
+    </dgm:layoutNode>
+    <dgm:layoutNode name="linComp">
+      <dgm:choose name="Name1">
+        <dgm:if name="Name2" func="var" arg="dir" op="equ" val="norm">
+          <dgm:alg type="lin"/>
+        </dgm:if>
+        <dgm:else name="Name3">
+          <dgm:alg type="lin">
+            <dgm:param type="linDir" val="fromR"/>
           </dgm:alg>
-          <dgm:choose name="Name8">
-            <dgm:if name="Name9" func="var" arg="dir" op="equ" val="norm">
-              <dgm:shape xmlns:r="http://schemas.openxmlformats.org/officeDocument/2006/relationships" type="rightArrow" r:blip="" zOrderOff="-2">
-                <dgm:adjLst>
-                  <dgm:adj idx="1" val="0.75"/>
-                </dgm:adjLst>
-              </dgm:shape>
-            </dgm:if>
-            <dgm:else name="Name10">
-              <dgm:shape xmlns:r="http://schemas.openxmlformats.org/officeDocument/2006/relationships" rot="180" type="rightArrow" r:blip="" zOrderOff="-2">
-                <dgm:adjLst>
-                  <dgm:adj idx="1" val="0.75"/>
-                </dgm:adjLst>
-              </dgm:shape>
-            </dgm:else>
-          </dgm:choose>
-          <dgm:presOf axis="des" ptType="node"/>
-          <dgm:constrLst>
-            <dgm:constr type="secFontSz" refType="primFontSz"/>
-            <dgm:constr type="tMarg" refType="primFontSz" fact="0.05"/>
-            <dgm:constr type="bMarg" refType="primFontSz" fact="0.05"/>
-            <dgm:constr type="lMarg" refType="primFontSz" fact="0.05"/>
-            <dgm:constr type="rMarg" refType="primFontSz" fact="0.05"/>
-          </dgm:constrLst>
-          <dgm:ruleLst>
-            <dgm:rule type="primFontSz" val="5" fact="NaN" max="NaN"/>
-          </dgm:ruleLst>
-        </dgm:layoutNode>
-      </dgm:layoutNode>
-      <dgm:forEach name="Name11" axis="followSib" ptType="sibTrans" cnt="1">
-        <dgm:layoutNode name="spacing">
-          <dgm:alg type="sp"/>
+        </dgm:else>
+      </dgm:choose>
+      <dgm:shape xmlns:r="http://schemas.openxmlformats.org/officeDocument/2006/relationships" r:blip="">
+        <dgm:adjLst/>
+      </dgm:shape>
+      <dgm:presOf/>
+      <dgm:constrLst>
+        <dgm:constr type="w" for="ch" forName="compNode" refType="w"/>
+        <dgm:constr type="h" for="ch" forName="compNode" refType="h"/>
+        <dgm:constr type="w" for="ch" ptType="sibTrans" refType="w" refFor="ch" refForName="compNode" fact="0.03"/>
+        <dgm:constr type="primFontSz" for="des" ptType="node" op="equ" val="65"/>
+      </dgm:constrLst>
+      <dgm:ruleLst/>
+      <dgm:forEach name="nodesForEach" axis="ch" ptType="node">
+        <dgm:layoutNode name="compNode">
+          <dgm:alg type="composite"/>
           <dgm:shape xmlns:r="http://schemas.openxmlformats.org/officeDocument/2006/relationships" r:blip="">
             <dgm:adjLst/>
           </dgm:shape>
           <dgm:presOf/>
-          <dgm:constrLst/>
+          <dgm:constrLst>
+            <dgm:constr type="w" for="ch" forName="bkgdShape" refType="w"/>
+            <dgm:constr type="h" for="ch" forName="bkgdShape" refType="h"/>
+            <dgm:constr type="w" for="ch" forName="nodeTx" refType="w"/>
+            <dgm:constr type="h" for="ch" forName="nodeTx" refType="h" fact="0.4"/>
+            <dgm:constr type="b" for="ch" forName="nodeTx" refType="h" fact="0.8"/>
+            <dgm:constr type="w" for="ch" forName="invisiNode" refType="w" fact="0.01"/>
+            <dgm:constr type="h" for="ch" forName="invisiNode" refType="h" fact="0.06"/>
+            <dgm:constr type="t" for="ch" forName="invisiNode"/>
+            <dgm:constr type="ctrX" for="ch" forName="invisiNode" refType="w" fact="0.5"/>
+            <dgm:constr type="h" for="ch" forName="imagNode" refType="h" fact="0.333"/>
+            <dgm:constr type="w" for="ch" forName="imagNode" refType="h" refFor="ch" refForName="imagNode"/>
+            <dgm:constr type="ctrX" for="ch" forName="imagNode" refType="w" fact="0.5"/>
+            <dgm:constr type="t" for="ch" forName="imagNode" refType="h" fact="0.06"/>
+            <dgm:constr type="w" for="ch" forName="imagNode" refType="w" op="lte" fact="0.94"/>
+          </dgm:constrLst>
           <dgm:ruleLst/>
+          <dgm:layoutNode name="bkgdShape">
+            <dgm:alg type="sp"/>
+            <dgm:shape xmlns:r="http://schemas.openxmlformats.org/officeDocument/2006/relationships" type="roundRect" r:blip="">
+              <dgm:adjLst>
+                <dgm:adj idx="1" val="0.1"/>
+              </dgm:adjLst>
+            </dgm:shape>
+            <dgm:presOf axis="desOrSelf" ptType="node"/>
+            <dgm:constrLst/>
+            <dgm:ruleLst/>
+          </dgm:layoutNode>
+          <dgm:layoutNode name="nodeTx">
+            <dgm:varLst>
+              <dgm:bulletEnabled val="1"/>
+            </dgm:varLst>
+            <dgm:alg type="tx">
+              <dgm:param type="txAnchorVert" val="mid"/>
+              <dgm:param type="txAnchorHorzCh" val="ctr"/>
+              <dgm:param type="stBulletLvl" val="2"/>
+            </dgm:alg>
+            <dgm:shape xmlns:r="http://schemas.openxmlformats.org/officeDocument/2006/relationships" type="rect" r:blip="" hideGeom="1">
+              <dgm:adjLst/>
+            </dgm:shape>
+            <dgm:presOf axis="desOrSelf" ptType="node"/>
+            <dgm:constrLst/>
+            <dgm:ruleLst>
+              <dgm:rule type="primFontSz" val="5" fact="NaN" max="NaN"/>
+            </dgm:ruleLst>
+          </dgm:layoutNode>
+          <dgm:layoutNode name="invisiNode">
+            <dgm:alg type="sp"/>
+            <dgm:shape xmlns:r="http://schemas.openxmlformats.org/officeDocument/2006/relationships" type="roundRect" r:blip="" hideGeom="1">
+              <dgm:adjLst>
+                <dgm:adj idx="1" val="0.1"/>
+              </dgm:adjLst>
+            </dgm:shape>
+            <dgm:presOf/>
+            <dgm:constrLst/>
+            <dgm:ruleLst/>
+          </dgm:layoutNode>
+          <dgm:layoutNode name="imagNode" styleLbl="fgImgPlace1">
+            <dgm:alg type="sp"/>
+            <dgm:shape xmlns:r="http://schemas.openxmlformats.org/officeDocument/2006/relationships" type="ellipse" r:blip="" blipPhldr="1">
+              <dgm:adjLst/>
+            </dgm:shape>
+            <dgm:presOf/>
+            <dgm:constrLst/>
+            <dgm:ruleLst/>
+          </dgm:layoutNode>
         </dgm:layoutNode>
+        <dgm:forEach name="sibTransForEach" axis="followSib" ptType="sibTrans" cnt="1">
+          <dgm:layoutNode name="sibTrans">
+            <dgm:alg type="sp"/>
+            <dgm:shape xmlns:r="http://schemas.openxmlformats.org/officeDocument/2006/relationships" type="rect" r:blip="" hideGeom="1">
+              <dgm:adjLst/>
+            </dgm:shape>
+            <dgm:presOf axis="self"/>
+            <dgm:constrLst/>
+            <dgm:ruleLst/>
+          </dgm:layoutNode>
+        </dgm:forEach>
       </dgm:forEach>
-    </dgm:forEach>
+    </dgm:layoutNode>
   </dgm:layoutNode>
 </dgm:layoutDef>
 </file>
@@ -7795,7 +7958,7 @@
           <a:p>
             <a:fld id="{C5679AC8-24FE-403C-9EDF-7FB033AD0E6C}" type="datetimeFigureOut">
               <a:rPr lang="en-US" smtClean="0"/>
-              <a:t>12/12/2019</a:t>
+              <a:t>12/18/2019</a:t>
             </a:fld>
             <a:endParaRPr lang="en-US"/>
           </a:p>
@@ -7965,7 +8128,7 @@
           <a:p>
             <a:fld id="{C5679AC8-24FE-403C-9EDF-7FB033AD0E6C}" type="datetimeFigureOut">
               <a:rPr lang="en-US" smtClean="0"/>
-              <a:t>12/12/2019</a:t>
+              <a:t>12/18/2019</a:t>
             </a:fld>
             <a:endParaRPr lang="en-US"/>
           </a:p>
@@ -8145,7 +8308,7 @@
           <a:p>
             <a:fld id="{C5679AC8-24FE-403C-9EDF-7FB033AD0E6C}" type="datetimeFigureOut">
               <a:rPr lang="en-US" smtClean="0"/>
-              <a:t>12/12/2019</a:t>
+              <a:t>12/18/2019</a:t>
             </a:fld>
             <a:endParaRPr lang="en-US"/>
           </a:p>
@@ -8315,7 +8478,7 @@
           <a:p>
             <a:fld id="{C5679AC8-24FE-403C-9EDF-7FB033AD0E6C}" type="datetimeFigureOut">
               <a:rPr lang="en-US" smtClean="0"/>
-              <a:t>12/12/2019</a:t>
+              <a:t>12/18/2019</a:t>
             </a:fld>
             <a:endParaRPr lang="en-US"/>
           </a:p>
@@ -8559,7 +8722,7 @@
           <a:p>
             <a:fld id="{C5679AC8-24FE-403C-9EDF-7FB033AD0E6C}" type="datetimeFigureOut">
               <a:rPr lang="en-US" smtClean="0"/>
-              <a:t>12/12/2019</a:t>
+              <a:t>12/18/2019</a:t>
             </a:fld>
             <a:endParaRPr lang="en-US"/>
           </a:p>
@@ -8791,7 +8954,7 @@
           <a:p>
             <a:fld id="{C5679AC8-24FE-403C-9EDF-7FB033AD0E6C}" type="datetimeFigureOut">
               <a:rPr lang="en-US" smtClean="0"/>
-              <a:t>12/12/2019</a:t>
+              <a:t>12/18/2019</a:t>
             </a:fld>
             <a:endParaRPr lang="en-US"/>
           </a:p>
@@ -9158,7 +9321,7 @@
           <a:p>
             <a:fld id="{C5679AC8-24FE-403C-9EDF-7FB033AD0E6C}" type="datetimeFigureOut">
               <a:rPr lang="en-US" smtClean="0"/>
-              <a:t>12/12/2019</a:t>
+              <a:t>12/18/2019</a:t>
             </a:fld>
             <a:endParaRPr lang="en-US"/>
           </a:p>
@@ -9276,7 +9439,7 @@
           <a:p>
             <a:fld id="{C5679AC8-24FE-403C-9EDF-7FB033AD0E6C}" type="datetimeFigureOut">
               <a:rPr lang="en-US" smtClean="0"/>
-              <a:t>12/12/2019</a:t>
+              <a:t>12/18/2019</a:t>
             </a:fld>
             <a:endParaRPr lang="en-US"/>
           </a:p>
@@ -9371,7 +9534,7 @@
           <a:p>
             <a:fld id="{C5679AC8-24FE-403C-9EDF-7FB033AD0E6C}" type="datetimeFigureOut">
               <a:rPr lang="en-US" smtClean="0"/>
-              <a:t>12/12/2019</a:t>
+              <a:t>12/18/2019</a:t>
             </a:fld>
             <a:endParaRPr lang="en-US"/>
           </a:p>
@@ -9648,7 +9811,7 @@
           <a:p>
             <a:fld id="{C5679AC8-24FE-403C-9EDF-7FB033AD0E6C}" type="datetimeFigureOut">
               <a:rPr lang="en-US" smtClean="0"/>
-              <a:t>12/12/2019</a:t>
+              <a:t>12/18/2019</a:t>
             </a:fld>
             <a:endParaRPr lang="en-US"/>
           </a:p>
@@ -9905,7 +10068,7 @@
           <a:p>
             <a:fld id="{C5679AC8-24FE-403C-9EDF-7FB033AD0E6C}" type="datetimeFigureOut">
               <a:rPr lang="en-US" smtClean="0"/>
-              <a:t>12/12/2019</a:t>
+              <a:t>12/18/2019</a:t>
             </a:fld>
             <a:endParaRPr lang="en-US"/>
           </a:p>
@@ -10118,7 +10281,7 @@
           <a:p>
             <a:fld id="{C5679AC8-24FE-403C-9EDF-7FB033AD0E6C}" type="datetimeFigureOut">
               <a:rPr lang="en-US" smtClean="0"/>
-              <a:t>12/12/2019</a:t>
+              <a:t>12/18/2019</a:t>
             </a:fld>
             <a:endParaRPr lang="en-US"/>
           </a:p>
@@ -10536,14 +10699,14 @@
           <p:nvPr>
             <p:extLst>
               <p:ext uri="{D42A27DB-BD31-4B8C-83A1-F6EECF244321}">
-                <p14:modId xmlns:p14="http://schemas.microsoft.com/office/powerpoint/2010/main" val="2206232273"/>
+                <p14:modId xmlns:p14="http://schemas.microsoft.com/office/powerpoint/2010/main" val="3816898348"/>
               </p:ext>
             </p:extLst>
           </p:nvPr>
         </p:nvGraphicFramePr>
         <p:xfrm>
-          <a:off x="914400" y="609600"/>
-          <a:ext cx="3657600" cy="2438400"/>
+          <a:off x="41972" y="32978"/>
+          <a:ext cx="5405454" cy="3600638"/>
         </p:xfrm>
         <a:graphic>
           <a:graphicData uri="http://schemas.openxmlformats.org/drawingml/2006/diagram">
@@ -10594,14 +10757,14 @@
           <p:nvPr>
             <p:extLst>
               <p:ext uri="{D42A27DB-BD31-4B8C-83A1-F6EECF244321}">
-                <p14:modId xmlns:p14="http://schemas.microsoft.com/office/powerpoint/2010/main" val="1643803405"/>
+                <p14:modId xmlns:p14="http://schemas.microsoft.com/office/powerpoint/2010/main" val="502624885"/>
               </p:ext>
             </p:extLst>
           </p:nvPr>
         </p:nvGraphicFramePr>
         <p:xfrm>
-          <a:off x="914400" y="609600"/>
-          <a:ext cx="3657600" cy="2438400"/>
+          <a:off x="11992" y="17988"/>
+          <a:ext cx="5456420" cy="3621624"/>
         </p:xfrm>
         <a:graphic>
           <a:graphicData uri="http://schemas.openxmlformats.org/drawingml/2006/diagram">

--- a/chapter-intro/diagrams/diagrams.pptx
+++ b/chapter-intro/diagrams/diagrams.pptx
@@ -7,6 +7,7 @@
   <p:sldIdLst>
     <p:sldId id="256" r:id="rId2"/>
     <p:sldId id="257" r:id="rId3"/>
+    <p:sldId id="258" r:id="rId4"/>
   </p:sldIdLst>
   <p:sldSz cx="5486400" cy="3657600"/>
   <p:notesSz cx="6858000" cy="9144000"/>
@@ -7958,7 +7959,7 @@
           <a:p>
             <a:fld id="{C5679AC8-24FE-403C-9EDF-7FB033AD0E6C}" type="datetimeFigureOut">
               <a:rPr lang="en-US" smtClean="0"/>
-              <a:t>12/18/2019</a:t>
+              <a:t>1/15/2020</a:t>
             </a:fld>
             <a:endParaRPr lang="en-US"/>
           </a:p>
@@ -8128,7 +8129,7 @@
           <a:p>
             <a:fld id="{C5679AC8-24FE-403C-9EDF-7FB033AD0E6C}" type="datetimeFigureOut">
               <a:rPr lang="en-US" smtClean="0"/>
-              <a:t>12/18/2019</a:t>
+              <a:t>1/15/2020</a:t>
             </a:fld>
             <a:endParaRPr lang="en-US"/>
           </a:p>
@@ -8308,7 +8309,7 @@
           <a:p>
             <a:fld id="{C5679AC8-24FE-403C-9EDF-7FB033AD0E6C}" type="datetimeFigureOut">
               <a:rPr lang="en-US" smtClean="0"/>
-              <a:t>12/18/2019</a:t>
+              <a:t>1/15/2020</a:t>
             </a:fld>
             <a:endParaRPr lang="en-US"/>
           </a:p>
@@ -8478,7 +8479,7 @@
           <a:p>
             <a:fld id="{C5679AC8-24FE-403C-9EDF-7FB033AD0E6C}" type="datetimeFigureOut">
               <a:rPr lang="en-US" smtClean="0"/>
-              <a:t>12/18/2019</a:t>
+              <a:t>1/15/2020</a:t>
             </a:fld>
             <a:endParaRPr lang="en-US"/>
           </a:p>
@@ -8722,7 +8723,7 @@
           <a:p>
             <a:fld id="{C5679AC8-24FE-403C-9EDF-7FB033AD0E6C}" type="datetimeFigureOut">
               <a:rPr lang="en-US" smtClean="0"/>
-              <a:t>12/18/2019</a:t>
+              <a:t>1/15/2020</a:t>
             </a:fld>
             <a:endParaRPr lang="en-US"/>
           </a:p>
@@ -8954,7 +8955,7 @@
           <a:p>
             <a:fld id="{C5679AC8-24FE-403C-9EDF-7FB033AD0E6C}" type="datetimeFigureOut">
               <a:rPr lang="en-US" smtClean="0"/>
-              <a:t>12/18/2019</a:t>
+              <a:t>1/15/2020</a:t>
             </a:fld>
             <a:endParaRPr lang="en-US"/>
           </a:p>
@@ -9321,7 +9322,7 @@
           <a:p>
             <a:fld id="{C5679AC8-24FE-403C-9EDF-7FB033AD0E6C}" type="datetimeFigureOut">
               <a:rPr lang="en-US" smtClean="0"/>
-              <a:t>12/18/2019</a:t>
+              <a:t>1/15/2020</a:t>
             </a:fld>
             <a:endParaRPr lang="en-US"/>
           </a:p>
@@ -9439,7 +9440,7 @@
           <a:p>
             <a:fld id="{C5679AC8-24FE-403C-9EDF-7FB033AD0E6C}" type="datetimeFigureOut">
               <a:rPr lang="en-US" smtClean="0"/>
-              <a:t>12/18/2019</a:t>
+              <a:t>1/15/2020</a:t>
             </a:fld>
             <a:endParaRPr lang="en-US"/>
           </a:p>
@@ -9534,7 +9535,7 @@
           <a:p>
             <a:fld id="{C5679AC8-24FE-403C-9EDF-7FB033AD0E6C}" type="datetimeFigureOut">
               <a:rPr lang="en-US" smtClean="0"/>
-              <a:t>12/18/2019</a:t>
+              <a:t>1/15/2020</a:t>
             </a:fld>
             <a:endParaRPr lang="en-US"/>
           </a:p>
@@ -9811,7 +9812,7 @@
           <a:p>
             <a:fld id="{C5679AC8-24FE-403C-9EDF-7FB033AD0E6C}" type="datetimeFigureOut">
               <a:rPr lang="en-US" smtClean="0"/>
-              <a:t>12/18/2019</a:t>
+              <a:t>1/15/2020</a:t>
             </a:fld>
             <a:endParaRPr lang="en-US"/>
           </a:p>
@@ -10068,7 +10069,7 @@
           <a:p>
             <a:fld id="{C5679AC8-24FE-403C-9EDF-7FB033AD0E6C}" type="datetimeFigureOut">
               <a:rPr lang="en-US" smtClean="0"/>
-              <a:t>12/18/2019</a:t>
+              <a:t>1/15/2020</a:t>
             </a:fld>
             <a:endParaRPr lang="en-US"/>
           </a:p>
@@ -10281,7 +10282,7 @@
           <a:p>
             <a:fld id="{C5679AC8-24FE-403C-9EDF-7FB033AD0E6C}" type="datetimeFigureOut">
               <a:rPr lang="en-US" smtClean="0"/>
-              <a:t>12/18/2019</a:t>
+              <a:t>1/15/2020</a:t>
             </a:fld>
             <a:endParaRPr lang="en-US"/>
           </a:p>
@@ -10785,6 +10786,582 @@
 </p:sld>
 </file>
 
+<file path=ppt/slides/slide3.xml><?xml version="1.0" encoding="utf-8"?>
+<p:sld xmlns:a="http://schemas.openxmlformats.org/drawingml/2006/main" xmlns:r="http://schemas.openxmlformats.org/officeDocument/2006/relationships" xmlns:p="http://schemas.openxmlformats.org/presentationml/2006/main">
+  <p:cSld>
+    <p:spTree>
+      <p:nvGrpSpPr>
+        <p:cNvPr id="1" name=""/>
+        <p:cNvGrpSpPr/>
+        <p:nvPr/>
+      </p:nvGrpSpPr>
+      <p:grpSpPr>
+        <a:xfrm>
+          <a:off x="0" y="0"/>
+          <a:ext cx="0" cy="0"/>
+          <a:chOff x="0" y="0"/>
+          <a:chExt cx="0" cy="0"/>
+        </a:xfrm>
+      </p:grpSpPr>
+      <p:pic>
+        <p:nvPicPr>
+          <p:cNvPr id="3" name="Picture 2">
+            <a:extLst>
+              <a:ext uri="{FF2B5EF4-FFF2-40B4-BE49-F238E27FC236}">
+                <a16:creationId xmlns:a16="http://schemas.microsoft.com/office/drawing/2014/main" id="{7F1F6D4A-08A5-4382-8BAE-AD6517B4EDF8}"/>
+              </a:ext>
+            </a:extLst>
+          </p:cNvPr>
+          <p:cNvPicPr>
+            <a:picLocks noChangeAspect="1"/>
+          </p:cNvPicPr>
+          <p:nvPr/>
+        </p:nvPicPr>
+        <p:blipFill>
+          <a:blip r:embed="rId2">
+            <a:extLst>
+              <a:ext uri="{28A0092B-C50C-407E-A947-70E740481C1C}">
+                <a14:useLocalDpi xmlns:a14="http://schemas.microsoft.com/office/drawing/2010/main" val="0"/>
+              </a:ext>
+            </a:extLst>
+          </a:blip>
+          <a:stretch>
+            <a:fillRect/>
+          </a:stretch>
+        </p:blipFill>
+        <p:spPr>
+          <a:xfrm>
+            <a:off x="0" y="731520"/>
+            <a:ext cx="5486400" cy="2194560"/>
+          </a:xfrm>
+          <a:prstGeom prst="rect">
+            <a:avLst/>
+          </a:prstGeom>
+        </p:spPr>
+      </p:pic>
+      <p:sp>
+        <p:nvSpPr>
+          <p:cNvPr id="4" name="TextBox 3">
+            <a:extLst>
+              <a:ext uri="{FF2B5EF4-FFF2-40B4-BE49-F238E27FC236}">
+                <a16:creationId xmlns:a16="http://schemas.microsoft.com/office/drawing/2014/main" id="{4F8A82D1-C7F6-4DFE-9F16-C6DF8B40D698}"/>
+              </a:ext>
+            </a:extLst>
+          </p:cNvPr>
+          <p:cNvSpPr txBox="1"/>
+          <p:nvPr/>
+        </p:nvSpPr>
+        <p:spPr>
+          <a:xfrm>
+            <a:off x="1555979" y="2740010"/>
+            <a:ext cx="636565" cy="153888"/>
+          </a:xfrm>
+          <a:prstGeom prst="rect">
+            <a:avLst/>
+          </a:prstGeom>
+          <a:solidFill>
+            <a:srgbClr val="FFFF00"/>
+          </a:solidFill>
+          <a:ln>
+            <a:solidFill>
+              <a:schemeClr val="tx1"/>
+            </a:solidFill>
+          </a:ln>
+        </p:spPr>
+        <p:txBody>
+          <a:bodyPr wrap="none" lIns="0" tIns="0" rIns="0" bIns="0" rtlCol="0" anchor="ctr" anchorCtr="1">
+            <a:normAutofit/>
+          </a:bodyPr>
+          <a:lstStyle/>
+          <a:p>
+            <a:pPr algn="ctr"/>
+            <a:r>
+              <a:rPr lang="en-US" sz="1000" dirty="0">
+                <a:latin typeface="Times New Roman" panose="02020603050405020304" pitchFamily="18" charset="0"/>
+                <a:cs typeface="Times New Roman" panose="02020603050405020304" pitchFamily="18" charset="0"/>
+              </a:rPr>
+              <a:t>Autonomy</a:t>
+            </a:r>
+          </a:p>
+        </p:txBody>
+      </p:sp>
+      <p:sp>
+        <p:nvSpPr>
+          <p:cNvPr id="5" name="TextBox 4">
+            <a:extLst>
+              <a:ext uri="{FF2B5EF4-FFF2-40B4-BE49-F238E27FC236}">
+                <a16:creationId xmlns:a16="http://schemas.microsoft.com/office/drawing/2014/main" id="{58B7E30D-14BA-4021-A567-6FF6C43915DC}"/>
+              </a:ext>
+            </a:extLst>
+          </p:cNvPr>
+          <p:cNvSpPr txBox="1"/>
+          <p:nvPr/>
+        </p:nvSpPr>
+        <p:spPr>
+          <a:xfrm>
+            <a:off x="3963401" y="2738813"/>
+            <a:ext cx="463242" cy="153888"/>
+          </a:xfrm>
+          <a:prstGeom prst="rect">
+            <a:avLst/>
+          </a:prstGeom>
+          <a:solidFill>
+            <a:srgbClr val="FFFF00"/>
+          </a:solidFill>
+          <a:ln>
+            <a:solidFill>
+              <a:schemeClr val="tx1"/>
+            </a:solidFill>
+          </a:ln>
+        </p:spPr>
+        <p:txBody>
+          <a:bodyPr wrap="none" lIns="0" tIns="0" rIns="0" bIns="0" rtlCol="0" anchor="ctr" anchorCtr="1">
+            <a:normAutofit/>
+          </a:bodyPr>
+          <a:lstStyle/>
+          <a:p>
+            <a:pPr algn="ctr"/>
+            <a:r>
+              <a:rPr lang="en-US" sz="1000" dirty="0" err="1">
+                <a:latin typeface="Times New Roman" panose="02020603050405020304" pitchFamily="18" charset="0"/>
+                <a:cs typeface="Times New Roman" panose="02020603050405020304" pitchFamily="18" charset="0"/>
+              </a:rPr>
+              <a:t>Cobots</a:t>
+            </a:r>
+            <a:endParaRPr lang="en-US" sz="1000" dirty="0">
+              <a:latin typeface="Times New Roman" panose="02020603050405020304" pitchFamily="18" charset="0"/>
+              <a:cs typeface="Times New Roman" panose="02020603050405020304" pitchFamily="18" charset="0"/>
+            </a:endParaRPr>
+          </a:p>
+        </p:txBody>
+      </p:sp>
+      <p:sp>
+        <p:nvSpPr>
+          <p:cNvPr id="6" name="TextBox 5">
+            <a:extLst>
+              <a:ext uri="{FF2B5EF4-FFF2-40B4-BE49-F238E27FC236}">
+                <a16:creationId xmlns:a16="http://schemas.microsoft.com/office/drawing/2014/main" id="{2EF9A134-975F-426E-B8EA-2782F6B36A8A}"/>
+              </a:ext>
+            </a:extLst>
+          </p:cNvPr>
+          <p:cNvSpPr txBox="1"/>
+          <p:nvPr/>
+        </p:nvSpPr>
+        <p:spPr>
+          <a:xfrm>
+            <a:off x="4157770" y="1889558"/>
+            <a:ext cx="939091" cy="153888"/>
+          </a:xfrm>
+          <a:prstGeom prst="rect">
+            <a:avLst/>
+          </a:prstGeom>
+          <a:solidFill>
+            <a:srgbClr val="FFFF00"/>
+          </a:solidFill>
+          <a:ln>
+            <a:solidFill>
+              <a:schemeClr val="tx1"/>
+            </a:solidFill>
+          </a:ln>
+        </p:spPr>
+        <p:txBody>
+          <a:bodyPr wrap="none" lIns="0" tIns="0" rIns="0" bIns="0" rtlCol="0" anchor="ctr" anchorCtr="1">
+            <a:normAutofit/>
+          </a:bodyPr>
+          <a:lstStyle/>
+          <a:p>
+            <a:pPr algn="ctr"/>
+            <a:r>
+              <a:rPr lang="en-US" sz="1000" dirty="0">
+                <a:latin typeface="Times New Roman" panose="02020603050405020304" pitchFamily="18" charset="0"/>
+                <a:cs typeface="Times New Roman" panose="02020603050405020304" pitchFamily="18" charset="0"/>
+              </a:rPr>
+              <a:t>Edge Computing</a:t>
+            </a:r>
+          </a:p>
+        </p:txBody>
+      </p:sp>
+      <p:sp>
+        <p:nvSpPr>
+          <p:cNvPr id="7" name="TextBox 6">
+            <a:extLst>
+              <a:ext uri="{FF2B5EF4-FFF2-40B4-BE49-F238E27FC236}">
+                <a16:creationId xmlns:a16="http://schemas.microsoft.com/office/drawing/2014/main" id="{2AE81EE4-E602-4A1F-85DB-080E1E3D11B1}"/>
+              </a:ext>
+            </a:extLst>
+          </p:cNvPr>
+          <p:cNvSpPr txBox="1"/>
+          <p:nvPr/>
+        </p:nvSpPr>
+        <p:spPr>
+          <a:xfrm>
+            <a:off x="2239530" y="2111280"/>
+            <a:ext cx="384460" cy="153888"/>
+          </a:xfrm>
+          <a:prstGeom prst="rect">
+            <a:avLst/>
+          </a:prstGeom>
+          <a:solidFill>
+            <a:srgbClr val="FFFF00"/>
+          </a:solidFill>
+          <a:ln>
+            <a:solidFill>
+              <a:schemeClr val="tx1"/>
+            </a:solidFill>
+          </a:ln>
+        </p:spPr>
+        <p:txBody>
+          <a:bodyPr wrap="none" lIns="0" tIns="0" rIns="0" bIns="0" rtlCol="0" anchor="ctr" anchorCtr="1">
+            <a:normAutofit/>
+          </a:bodyPr>
+          <a:lstStyle/>
+          <a:p>
+            <a:pPr algn="ctr"/>
+            <a:r>
+              <a:rPr lang="en-US" sz="1000" dirty="0">
+                <a:latin typeface="Times New Roman" panose="02020603050405020304" pitchFamily="18" charset="0"/>
+                <a:cs typeface="Times New Roman" panose="02020603050405020304" pitchFamily="18" charset="0"/>
+              </a:rPr>
+              <a:t>Data</a:t>
+            </a:r>
+          </a:p>
+        </p:txBody>
+      </p:sp>
+      <p:sp>
+        <p:nvSpPr>
+          <p:cNvPr id="8" name="TextBox 7">
+            <a:extLst>
+              <a:ext uri="{FF2B5EF4-FFF2-40B4-BE49-F238E27FC236}">
+                <a16:creationId xmlns:a16="http://schemas.microsoft.com/office/drawing/2014/main" id="{D899C3FA-4970-4EDE-9241-C764EFA63494}"/>
+              </a:ext>
+            </a:extLst>
+          </p:cNvPr>
+          <p:cNvSpPr txBox="1"/>
+          <p:nvPr/>
+        </p:nvSpPr>
+        <p:spPr>
+          <a:xfrm>
+            <a:off x="185129" y="1942539"/>
+            <a:ext cx="525744" cy="153888"/>
+          </a:xfrm>
+          <a:prstGeom prst="rect">
+            <a:avLst/>
+          </a:prstGeom>
+          <a:solidFill>
+            <a:srgbClr val="FFFF00"/>
+          </a:solidFill>
+          <a:ln>
+            <a:solidFill>
+              <a:schemeClr val="tx1"/>
+            </a:solidFill>
+          </a:ln>
+        </p:spPr>
+        <p:txBody>
+          <a:bodyPr wrap="none" lIns="0" tIns="0" rIns="0" bIns="0" rtlCol="0" anchor="ctr" anchorCtr="1">
+            <a:normAutofit/>
+          </a:bodyPr>
+          <a:lstStyle/>
+          <a:p>
+            <a:pPr algn="ctr"/>
+            <a:r>
+              <a:rPr lang="en-US" sz="1000" dirty="0">
+                <a:latin typeface="Times New Roman" panose="02020603050405020304" pitchFamily="18" charset="0"/>
+                <a:cs typeface="Times New Roman" panose="02020603050405020304" pitchFamily="18" charset="0"/>
+              </a:rPr>
+              <a:t>Wireless</a:t>
+            </a:r>
+          </a:p>
+        </p:txBody>
+      </p:sp>
+      <p:sp>
+        <p:nvSpPr>
+          <p:cNvPr id="9" name="TextBox 8">
+            <a:extLst>
+              <a:ext uri="{FF2B5EF4-FFF2-40B4-BE49-F238E27FC236}">
+                <a16:creationId xmlns:a16="http://schemas.microsoft.com/office/drawing/2014/main" id="{FB48015C-F2F1-48ED-ABDF-AF18E14EB23A}"/>
+              </a:ext>
+            </a:extLst>
+          </p:cNvPr>
+          <p:cNvSpPr txBox="1"/>
+          <p:nvPr/>
+        </p:nvSpPr>
+        <p:spPr>
+          <a:xfrm>
+            <a:off x="1078667" y="1797267"/>
+            <a:ext cx="196694" cy="153888"/>
+          </a:xfrm>
+          <a:prstGeom prst="rect">
+            <a:avLst/>
+          </a:prstGeom>
+          <a:solidFill>
+            <a:srgbClr val="FFFF00"/>
+          </a:solidFill>
+          <a:ln>
+            <a:solidFill>
+              <a:schemeClr val="tx1"/>
+            </a:solidFill>
+          </a:ln>
+        </p:spPr>
+        <p:txBody>
+          <a:bodyPr wrap="none" lIns="0" tIns="0" rIns="0" bIns="0" rtlCol="0" anchor="ctr" anchorCtr="1">
+            <a:normAutofit/>
+          </a:bodyPr>
+          <a:lstStyle/>
+          <a:p>
+            <a:pPr algn="ctr"/>
+            <a:r>
+              <a:rPr lang="en-US" sz="1000" dirty="0">
+                <a:latin typeface="Times New Roman" panose="02020603050405020304" pitchFamily="18" charset="0"/>
+                <a:cs typeface="Times New Roman" panose="02020603050405020304" pitchFamily="18" charset="0"/>
+              </a:rPr>
+              <a:t>AI</a:t>
+            </a:r>
+          </a:p>
+        </p:txBody>
+      </p:sp>
+      <p:sp>
+        <p:nvSpPr>
+          <p:cNvPr id="10" name="TextBox 9">
+            <a:extLst>
+              <a:ext uri="{FF2B5EF4-FFF2-40B4-BE49-F238E27FC236}">
+                <a16:creationId xmlns:a16="http://schemas.microsoft.com/office/drawing/2014/main" id="{2D1F4662-8941-4A5A-98E5-85DB44715932}"/>
+              </a:ext>
+            </a:extLst>
+          </p:cNvPr>
+          <p:cNvSpPr txBox="1"/>
+          <p:nvPr/>
+        </p:nvSpPr>
+        <p:spPr>
+          <a:xfrm>
+            <a:off x="4814841" y="1280474"/>
+            <a:ext cx="641817" cy="153888"/>
+          </a:xfrm>
+          <a:prstGeom prst="rect">
+            <a:avLst/>
+          </a:prstGeom>
+          <a:solidFill>
+            <a:srgbClr val="FFFF00"/>
+          </a:solidFill>
+          <a:ln>
+            <a:solidFill>
+              <a:schemeClr val="tx1"/>
+            </a:solidFill>
+          </a:ln>
+        </p:spPr>
+        <p:txBody>
+          <a:bodyPr wrap="none" lIns="0" tIns="0" rIns="0" bIns="0" rtlCol="0" anchor="ctr" anchorCtr="1">
+            <a:normAutofit/>
+          </a:bodyPr>
+          <a:lstStyle/>
+          <a:p>
+            <a:pPr algn="ctr"/>
+            <a:r>
+              <a:rPr lang="en-US" sz="1000" dirty="0">
+                <a:latin typeface="Times New Roman" panose="02020603050405020304" pitchFamily="18" charset="0"/>
+                <a:cs typeface="Times New Roman" panose="02020603050405020304" pitchFamily="18" charset="0"/>
+              </a:rPr>
+              <a:t>Efficiency</a:t>
+            </a:r>
+          </a:p>
+        </p:txBody>
+      </p:sp>
+      <p:sp>
+        <p:nvSpPr>
+          <p:cNvPr id="11" name="TextBox 10">
+            <a:extLst>
+              <a:ext uri="{FF2B5EF4-FFF2-40B4-BE49-F238E27FC236}">
+                <a16:creationId xmlns:a16="http://schemas.microsoft.com/office/drawing/2014/main" id="{DD6F1F82-8EB1-4D3F-92D0-C0682E291208}"/>
+              </a:ext>
+            </a:extLst>
+          </p:cNvPr>
+          <p:cNvSpPr txBox="1"/>
+          <p:nvPr/>
+        </p:nvSpPr>
+        <p:spPr>
+          <a:xfrm>
+            <a:off x="2687961" y="1450369"/>
+            <a:ext cx="525744" cy="153888"/>
+          </a:xfrm>
+          <a:prstGeom prst="rect">
+            <a:avLst/>
+          </a:prstGeom>
+          <a:solidFill>
+            <a:srgbClr val="FFFF00"/>
+          </a:solidFill>
+          <a:ln>
+            <a:solidFill>
+              <a:schemeClr val="tx1"/>
+            </a:solidFill>
+          </a:ln>
+        </p:spPr>
+        <p:txBody>
+          <a:bodyPr wrap="none" lIns="0" tIns="0" rIns="0" bIns="0" rtlCol="0" anchor="ctr" anchorCtr="1">
+            <a:normAutofit/>
+          </a:bodyPr>
+          <a:lstStyle/>
+          <a:p>
+            <a:pPr algn="ctr"/>
+            <a:r>
+              <a:rPr lang="en-US" sz="1000" dirty="0">
+                <a:latin typeface="Times New Roman" panose="02020603050405020304" pitchFamily="18" charset="0"/>
+                <a:cs typeface="Times New Roman" panose="02020603050405020304" pitchFamily="18" charset="0"/>
+              </a:rPr>
+              <a:t>Security</a:t>
+            </a:r>
+          </a:p>
+        </p:txBody>
+      </p:sp>
+      <p:sp>
+        <p:nvSpPr>
+          <p:cNvPr id="12" name="TextBox 11">
+            <a:extLst>
+              <a:ext uri="{FF2B5EF4-FFF2-40B4-BE49-F238E27FC236}">
+                <a16:creationId xmlns:a16="http://schemas.microsoft.com/office/drawing/2014/main" id="{92B7223B-D8A6-45BF-B72E-F39DE3266728}"/>
+              </a:ext>
+            </a:extLst>
+          </p:cNvPr>
+          <p:cNvSpPr txBox="1"/>
+          <p:nvPr/>
+        </p:nvSpPr>
+        <p:spPr>
+          <a:xfrm>
+            <a:off x="3158153" y="2111280"/>
+            <a:ext cx="616370" cy="307777"/>
+          </a:xfrm>
+          <a:prstGeom prst="rect">
+            <a:avLst/>
+          </a:prstGeom>
+          <a:solidFill>
+            <a:srgbClr val="FFFF00"/>
+          </a:solidFill>
+          <a:ln>
+            <a:solidFill>
+              <a:schemeClr val="tx1"/>
+            </a:solidFill>
+          </a:ln>
+        </p:spPr>
+        <p:txBody>
+          <a:bodyPr wrap="none" lIns="0" tIns="0" rIns="0" bIns="0" rtlCol="0" anchor="ctr" anchorCtr="1">
+            <a:normAutofit/>
+          </a:bodyPr>
+          <a:lstStyle/>
+          <a:p>
+            <a:pPr algn="ctr"/>
+            <a:r>
+              <a:rPr lang="en-US" sz="1000" dirty="0">
+                <a:latin typeface="Times New Roman" panose="02020603050405020304" pitchFamily="18" charset="0"/>
+                <a:cs typeface="Times New Roman" panose="02020603050405020304" pitchFamily="18" charset="0"/>
+              </a:rPr>
+              <a:t>3D printing</a:t>
+            </a:r>
+          </a:p>
+        </p:txBody>
+      </p:sp>
+      <p:sp>
+        <p:nvSpPr>
+          <p:cNvPr id="13" name="TextBox 12">
+            <a:extLst>
+              <a:ext uri="{FF2B5EF4-FFF2-40B4-BE49-F238E27FC236}">
+                <a16:creationId xmlns:a16="http://schemas.microsoft.com/office/drawing/2014/main" id="{624B0351-13F0-478E-B48F-B8D6C0FD798D}"/>
+              </a:ext>
+            </a:extLst>
+          </p:cNvPr>
+          <p:cNvSpPr txBox="1"/>
+          <p:nvPr/>
+        </p:nvSpPr>
+        <p:spPr>
+          <a:xfrm>
+            <a:off x="1393585" y="1385582"/>
+            <a:ext cx="573124" cy="153888"/>
+          </a:xfrm>
+          <a:prstGeom prst="rect">
+            <a:avLst/>
+          </a:prstGeom>
+          <a:solidFill>
+            <a:srgbClr val="FFFF00"/>
+          </a:solidFill>
+          <a:ln>
+            <a:solidFill>
+              <a:schemeClr val="tx1"/>
+            </a:solidFill>
+          </a:ln>
+        </p:spPr>
+        <p:txBody>
+          <a:bodyPr wrap="none" lIns="0" tIns="0" rIns="0" bIns="0" rtlCol="0" anchor="ctr" anchorCtr="1">
+            <a:normAutofit/>
+          </a:bodyPr>
+          <a:lstStyle/>
+          <a:p>
+            <a:pPr algn="ctr"/>
+            <a:r>
+              <a:rPr lang="en-US" sz="1000" dirty="0">
+                <a:latin typeface="Times New Roman" panose="02020603050405020304" pitchFamily="18" charset="0"/>
+                <a:cs typeface="Times New Roman" panose="02020603050405020304" pitchFamily="18" charset="0"/>
+              </a:rPr>
+              <a:t>Analytics</a:t>
+            </a:r>
+          </a:p>
+        </p:txBody>
+      </p:sp>
+      <p:sp>
+        <p:nvSpPr>
+          <p:cNvPr id="14" name="TextBox 13">
+            <a:extLst>
+              <a:ext uri="{FF2B5EF4-FFF2-40B4-BE49-F238E27FC236}">
+                <a16:creationId xmlns:a16="http://schemas.microsoft.com/office/drawing/2014/main" id="{245A28BC-0E27-4693-B20B-88A3D49A8EF3}"/>
+              </a:ext>
+            </a:extLst>
+          </p:cNvPr>
+          <p:cNvSpPr txBox="1"/>
+          <p:nvPr/>
+        </p:nvSpPr>
+        <p:spPr>
+          <a:xfrm>
+            <a:off x="2773693" y="961334"/>
+            <a:ext cx="384460" cy="158539"/>
+          </a:xfrm>
+          <a:prstGeom prst="rect">
+            <a:avLst/>
+          </a:prstGeom>
+          <a:solidFill>
+            <a:srgbClr val="FFFF00"/>
+          </a:solidFill>
+          <a:ln>
+            <a:solidFill>
+              <a:schemeClr val="tx1"/>
+            </a:solidFill>
+          </a:ln>
+        </p:spPr>
+        <p:txBody>
+          <a:bodyPr wrap="none" lIns="0" tIns="0" rIns="0" bIns="0" rtlCol="0" anchor="ctr" anchorCtr="1">
+            <a:normAutofit/>
+          </a:bodyPr>
+          <a:lstStyle/>
+          <a:p>
+            <a:pPr algn="ctr"/>
+            <a:r>
+              <a:rPr lang="en-US" sz="1000" dirty="0">
+                <a:latin typeface="Times New Roman" panose="02020603050405020304" pitchFamily="18" charset="0"/>
+                <a:cs typeface="Times New Roman" panose="02020603050405020304" pitchFamily="18" charset="0"/>
+              </a:rPr>
+              <a:t>Cloud</a:t>
+            </a:r>
+          </a:p>
+        </p:txBody>
+      </p:sp>
+    </p:spTree>
+    <p:extLst>
+      <p:ext uri="{BB962C8B-B14F-4D97-AF65-F5344CB8AC3E}">
+        <p14:creationId xmlns:p14="http://schemas.microsoft.com/office/powerpoint/2010/main" val="499707235"/>
+      </p:ext>
+    </p:extLst>
+  </p:cSld>
+  <p:clrMapOvr>
+    <a:masterClrMapping/>
+  </p:clrMapOvr>
+</p:sld>
+</file>
+
 <file path=ppt/theme/theme1.xml><?xml version="1.0" encoding="utf-8"?>
 <a:theme xmlns:a="http://schemas.openxmlformats.org/drawingml/2006/main" name="Office Theme">
   <a:themeElements>

--- a/chapter-intro/diagrams/diagrams.pptx
+++ b/chapter-intro/diagrams/diagrams.pptx
@@ -2253,7 +2253,7 @@
         <a:p>
           <a:r>
             <a:rPr lang="en-US" dirty="0"/>
-            <a:t>Data Collection and Organization</a:t>
+            <a:t>Data Collection, Organization, Databases</a:t>
           </a:r>
         </a:p>
       </dgm:t>
@@ -2325,7 +2325,7 @@
         <a:p>
           <a:r>
             <a:rPr lang="en-US" dirty="0"/>
-            <a:t>Future Research</a:t>
+            <a:t>Conclusions and Perspectives</a:t>
           </a:r>
         </a:p>
       </dgm:t>
@@ -2361,7 +2361,7 @@
         <a:p>
           <a:r>
             <a:rPr lang="en-US" dirty="0"/>
-            <a:t>Investigation of online learning for RF situational awareness</a:t>
+            <a:t>Examination of possible research paths that may leverage this work</a:t>
           </a:r>
         </a:p>
       </dgm:t>
@@ -2496,78 +2496,6 @@
         </a:p>
       </dgm:t>
     </dgm:pt>
-    <dgm:pt modelId="{32D168FC-66B2-430B-8243-781F6D59AE1C}">
-      <dgm:prSet phldrT="[Text]"/>
-      <dgm:spPr/>
-      <dgm:t>
-        <a:bodyPr/>
-        <a:lstStyle/>
-        <a:p>
-          <a:r>
-            <a:rPr lang="en-US" dirty="0"/>
-            <a:t>Integrate ML with industrial control systems</a:t>
-          </a:r>
-        </a:p>
-      </dgm:t>
-    </dgm:pt>
-    <dgm:pt modelId="{C7D0C220-6D88-4286-9327-AB6CBEBD681C}" type="parTrans" cxnId="{4BC71B74-CEAC-4F5D-899D-C348965C7463}">
-      <dgm:prSet/>
-      <dgm:spPr/>
-      <dgm:t>
-        <a:bodyPr/>
-        <a:lstStyle/>
-        <a:p>
-          <a:endParaRPr lang="en-US"/>
-        </a:p>
-      </dgm:t>
-    </dgm:pt>
-    <dgm:pt modelId="{96EBF514-CA74-4C5B-9612-33F90C9E9FC0}" type="sibTrans" cxnId="{4BC71B74-CEAC-4F5D-899D-C348965C7463}">
-      <dgm:prSet/>
-      <dgm:spPr/>
-      <dgm:t>
-        <a:bodyPr/>
-        <a:lstStyle/>
-        <a:p>
-          <a:endParaRPr lang="en-US"/>
-        </a:p>
-      </dgm:t>
-    </dgm:pt>
-    <dgm:pt modelId="{07987B6E-2767-4A76-A041-B16E8179447B}">
-      <dgm:prSet phldrT="[Text]"/>
-      <dgm:spPr/>
-      <dgm:t>
-        <a:bodyPr/>
-        <a:lstStyle/>
-        <a:p>
-          <a:r>
-            <a:rPr lang="en-US" dirty="0"/>
-            <a:t>Extension of model to larger systems and inclusion into standards</a:t>
-          </a:r>
-        </a:p>
-      </dgm:t>
-    </dgm:pt>
-    <dgm:pt modelId="{D08A5DA7-B450-4E31-8367-8E124E7D89B7}" type="parTrans" cxnId="{269E7317-A860-4926-A531-DFCEF556AF8A}">
-      <dgm:prSet/>
-      <dgm:spPr/>
-      <dgm:t>
-        <a:bodyPr/>
-        <a:lstStyle/>
-        <a:p>
-          <a:endParaRPr lang="en-US"/>
-        </a:p>
-      </dgm:t>
-    </dgm:pt>
-    <dgm:pt modelId="{7C7D8E91-4C8E-4C27-B793-98897E1BA62B}" type="sibTrans" cxnId="{269E7317-A860-4926-A531-DFCEF556AF8A}">
-      <dgm:prSet/>
-      <dgm:spPr/>
-      <dgm:t>
-        <a:bodyPr/>
-        <a:lstStyle/>
-        <a:p>
-          <a:endParaRPr lang="en-US"/>
-        </a:p>
-      </dgm:t>
-    </dgm:pt>
     <dgm:pt modelId="{9096C7DC-9C9D-443C-B017-9D7787E4D6C4}">
       <dgm:prSet phldrT="[Text]"/>
       <dgm:spPr/>
@@ -2918,6 +2846,42 @@
       </dgm:t>
     </dgm:pt>
     <dgm:pt modelId="{F0A78202-C243-4C4B-A6BD-047F11914FBF}" type="sibTrans" cxnId="{FBFA1840-D2E7-4025-8BC2-5E07D75AA343}">
+      <dgm:prSet/>
+      <dgm:spPr/>
+      <dgm:t>
+        <a:bodyPr/>
+        <a:lstStyle/>
+        <a:p>
+          <a:endParaRPr lang="en-US"/>
+        </a:p>
+      </dgm:t>
+    </dgm:pt>
+    <dgm:pt modelId="{CBB38DA2-6B5E-4B4F-BD35-723EE47D9697}">
+      <dgm:prSet phldrT="[Text]"/>
+      <dgm:spPr/>
+      <dgm:t>
+        <a:bodyPr/>
+        <a:lstStyle/>
+        <a:p>
+          <a:r>
+            <a:rPr lang="en-US" dirty="0"/>
+            <a:t>Concluding remarks of the thesis</a:t>
+          </a:r>
+        </a:p>
+      </dgm:t>
+    </dgm:pt>
+    <dgm:pt modelId="{E99FD126-6F6B-43C0-96B1-4547ADEABD76}" type="parTrans" cxnId="{B8862503-2768-4AB6-9DCB-32D8315C48F5}">
+      <dgm:prSet/>
+      <dgm:spPr/>
+      <dgm:t>
+        <a:bodyPr/>
+        <a:lstStyle/>
+        <a:p>
+          <a:endParaRPr lang="en-US"/>
+        </a:p>
+      </dgm:t>
+    </dgm:pt>
+    <dgm:pt modelId="{AD4CA689-6157-4025-94EC-B1E6637BB7A8}" type="sibTrans" cxnId="{B8862503-2768-4AB6-9DCB-32D8315C48F5}">
       <dgm:prSet/>
       <dgm:spPr/>
       <dgm:t>
@@ -3168,28 +3132,28 @@
     </dgm:pt>
   </dgm:ptLst>
   <dgm:cxnLst>
+    <dgm:cxn modelId="{B8862503-2768-4AB6-9DCB-32D8315C48F5}" srcId="{27CBE004-D863-43AA-A93E-D9814DEFDD73}" destId="{CBB38DA2-6B5E-4B4F-BD35-723EE47D9697}" srcOrd="0" destOrd="0" parTransId="{E99FD126-6F6B-43C0-96B1-4547ADEABD76}" sibTransId="{AD4CA689-6157-4025-94EC-B1E6637BB7A8}"/>
     <dgm:cxn modelId="{740C2906-3AEC-4486-B89F-E85B48F1D110}" srcId="{50B92FBA-127C-44FC-88A2-7BA2660E0644}" destId="{0C249CC0-0471-4C02-A835-954D9A66DBE6}" srcOrd="1" destOrd="0" parTransId="{594CE964-0E3B-44BA-9946-53EBB9D150C8}" sibTransId="{A9943199-CE83-4556-8B5A-B4DE679A329D}"/>
     <dgm:cxn modelId="{04AD7F09-F664-4529-A6C1-A60992AA01CF}" type="presOf" srcId="{F8B64696-A973-4B7C-A460-EDDA2D8891FA}" destId="{9A054ADA-A5A5-45D8-94B8-7718D90CE076}" srcOrd="0" destOrd="0" presId="urn:microsoft.com/office/officeart/2005/8/layout/hList7"/>
     <dgm:cxn modelId="{ADD0520D-261C-40FC-B538-917592FCC688}" type="presOf" srcId="{9096C7DC-9C9D-443C-B017-9D7787E4D6C4}" destId="{E9BB1DEE-6552-4335-B6CC-5E52E5C41686}" srcOrd="0" destOrd="1" presId="urn:microsoft.com/office/officeart/2005/8/layout/hList7"/>
     <dgm:cxn modelId="{3C6C2A11-F03B-4C20-9A5B-0BCD88CEBAC9}" type="presOf" srcId="{D7C887D7-7485-4CF8-8926-E45263A53934}" destId="{76F90658-0028-4F8E-B31C-65AD52796673}" srcOrd="0" destOrd="3" presId="urn:microsoft.com/office/officeart/2005/8/layout/hList7"/>
     <dgm:cxn modelId="{D60E6112-2F1C-4235-8E46-BFF9EE67DE9C}" type="presOf" srcId="{5ACBA04F-70EA-423A-8EEF-8BA4D4EE86BB}" destId="{7D467C02-CFD3-4073-974B-1094FC7EE4A0}" srcOrd="0" destOrd="4" presId="urn:microsoft.com/office/officeart/2005/8/layout/hList7"/>
-    <dgm:cxn modelId="{F0BCC112-3CAF-4A75-8FDE-002A6CB1E87D}" type="presOf" srcId="{07FC20FA-B0B5-4FB9-925D-3F49A843FFFD}" destId="{539743ED-17F5-4769-817E-5951EAC8A491}" srcOrd="1" destOrd="1" presId="urn:microsoft.com/office/officeart/2005/8/layout/hList7"/>
-    <dgm:cxn modelId="{24E84D15-6788-404B-BD13-FC7FCE196EF0}" type="presOf" srcId="{32D168FC-66B2-430B-8243-781F6D59AE1C}" destId="{539743ED-17F5-4769-817E-5951EAC8A491}" srcOrd="1" destOrd="2" presId="urn:microsoft.com/office/officeart/2005/8/layout/hList7"/>
+    <dgm:cxn modelId="{F0BCC112-3CAF-4A75-8FDE-002A6CB1E87D}" type="presOf" srcId="{07FC20FA-B0B5-4FB9-925D-3F49A843FFFD}" destId="{539743ED-17F5-4769-817E-5951EAC8A491}" srcOrd="1" destOrd="2" presId="urn:microsoft.com/office/officeart/2005/8/layout/hList7"/>
     <dgm:cxn modelId="{59C23117-0E63-4858-997B-4BFC6BCC5763}" srcId="{0C249CC0-0471-4C02-A835-954D9A66DBE6}" destId="{5ACBA04F-70EA-423A-8EEF-8BA4D4EE86BB}" srcOrd="3" destOrd="0" parTransId="{4B63AD80-605A-4EEB-9284-55198EDF21DD}" sibTransId="{1A170114-F54B-4F53-9F41-5631CAEB2F44}"/>
-    <dgm:cxn modelId="{269E7317-A860-4926-A531-DFCEF556AF8A}" srcId="{27CBE004-D863-43AA-A93E-D9814DEFDD73}" destId="{07987B6E-2767-4A76-A041-B16E8179447B}" srcOrd="2" destOrd="0" parTransId="{D08A5DA7-B450-4E31-8367-8E124E7D89B7}" sibTransId="{7C7D8E91-4C8E-4C27-B793-98897E1BA62B}"/>
     <dgm:cxn modelId="{B835D117-1000-409D-A3E4-3C010CDE767C}" type="presOf" srcId="{9096C7DC-9C9D-443C-B017-9D7787E4D6C4}" destId="{B5E33D23-91A9-4A6A-B691-D6D1C97BA930}" srcOrd="1" destOrd="1" presId="urn:microsoft.com/office/officeart/2005/8/layout/hList7"/>
     <dgm:cxn modelId="{A5BCDC1D-5F0B-404E-93C7-A94E5710EB4A}" type="presOf" srcId="{357DB4CB-A34F-4CA9-9E6F-29A832B3B985}" destId="{43030C01-5986-479E-A12D-5D5C9D012529}" srcOrd="1" destOrd="2" presId="urn:microsoft.com/office/officeart/2005/8/layout/hList7"/>
     <dgm:cxn modelId="{D4987A25-B886-45DA-AF1A-7AA4878F936D}" srcId="{0C249CC0-0471-4C02-A835-954D9A66DBE6}" destId="{31B82305-0895-46EE-9EFC-404C2E6B270F}" srcOrd="4" destOrd="0" parTransId="{C6FA2E84-41AD-444F-B2EB-A80E9F8DAF9D}" sibTransId="{C7E36F12-5BBB-438B-9877-DDC981F41EA4}"/>
     <dgm:cxn modelId="{AD2F6127-060A-407B-BF35-8DF1EE8FE7A6}" type="presOf" srcId="{120B2A07-F8D9-4849-9E00-6A9FE30A1DA0}" destId="{35AC1F78-AB5A-4F76-ABBE-1E5364B52728}" srcOrd="1" destOrd="3" presId="urn:microsoft.com/office/officeart/2005/8/layout/hList7"/>
-    <dgm:cxn modelId="{0CB81B2B-121A-4266-92AB-14B173B6201C}" type="presOf" srcId="{07987B6E-2767-4A76-A041-B16E8179447B}" destId="{8850943B-F06F-4CC3-906A-5B373B8D3940}" srcOrd="0" destOrd="3" presId="urn:microsoft.com/office/officeart/2005/8/layout/hList7"/>
     <dgm:cxn modelId="{D3C5822B-CB72-40CF-B6CC-4CB0DF77D1F6}" type="presOf" srcId="{120B2A07-F8D9-4849-9E00-6A9FE30A1DA0}" destId="{7D467C02-CFD3-4073-974B-1094FC7EE4A0}" srcOrd="0" destOrd="3" presId="urn:microsoft.com/office/officeart/2005/8/layout/hList7"/>
     <dgm:cxn modelId="{C4F7152F-6615-49FB-BEF2-0316B8CC4163}" type="presOf" srcId="{5ACBA04F-70EA-423A-8EEF-8BA4D4EE86BB}" destId="{35AC1F78-AB5A-4F76-ABBE-1E5364B52728}" srcOrd="1" destOrd="4" presId="urn:microsoft.com/office/officeart/2005/8/layout/hList7"/>
     <dgm:cxn modelId="{3392A830-F00F-4E08-8442-5B7D7DB27D91}" srcId="{CF6A3CD5-1FD6-4E54-93EF-95CAFEF626E6}" destId="{4CC8A812-363D-4775-BEB3-F4B9D35D974F}" srcOrd="1" destOrd="0" parTransId="{6F528631-3F62-4EB8-B86E-20E5661B1AC7}" sibTransId="{E5EE6DC8-8B04-46D6-B63C-0352F9842303}"/>
+    <dgm:cxn modelId="{93246634-2B22-4631-9699-D32A1951941F}" type="presOf" srcId="{CBB38DA2-6B5E-4B4F-BD35-723EE47D9697}" destId="{539743ED-17F5-4769-817E-5951EAC8A491}" srcOrd="1" destOrd="1" presId="urn:microsoft.com/office/officeart/2005/8/layout/hList7"/>
     <dgm:cxn modelId="{20C2563A-A8ED-49D3-8AB9-7F706B8B71F3}" type="presOf" srcId="{27CBE004-D863-43AA-A93E-D9814DEFDD73}" destId="{8850943B-F06F-4CC3-906A-5B373B8D3940}" srcOrd="0" destOrd="0" presId="urn:microsoft.com/office/officeart/2005/8/layout/hList7"/>
     <dgm:cxn modelId="{8065CD3A-7D83-4931-B97C-600D89AB763B}" type="presOf" srcId="{0C249CC0-0471-4C02-A835-954D9A66DBE6}" destId="{7D467C02-CFD3-4073-974B-1094FC7EE4A0}" srcOrd="0" destOrd="0" presId="urn:microsoft.com/office/officeart/2005/8/layout/hList7"/>
     <dgm:cxn modelId="{B73DAB3B-6D03-4E41-BD5B-8F8A1524790D}" type="presOf" srcId="{D46FBB7F-279D-417C-9B92-7E1F69958267}" destId="{B5E33D23-91A9-4A6A-B691-D6D1C97BA930}" srcOrd="1" destOrd="3" presId="urn:microsoft.com/office/officeart/2005/8/layout/hList7"/>
     <dgm:cxn modelId="{4125053F-5CAF-4E97-A639-5D5C63816B3C}" type="presOf" srcId="{22D0BF9C-9098-43FB-9E1C-83B51CA53B8B}" destId="{B81F3BCD-319A-4969-ADD8-6889C0D6EBDE}" srcOrd="0" destOrd="0" presId="urn:microsoft.com/office/officeart/2005/8/layout/hList7"/>
     <dgm:cxn modelId="{FBFA1840-D2E7-4025-8BC2-5E07D75AA343}" srcId="{DDCF2613-C516-4143-BBE4-56BF56BA08B5}" destId="{357DB4CB-A34F-4CA9-9E6F-29A832B3B985}" srcOrd="1" destOrd="0" parTransId="{7035F344-6EDC-4BF2-B520-B839A317E3A0}" sibTransId="{F0A78202-C243-4C4B-A6BD-047F11914FBF}"/>
+    <dgm:cxn modelId="{B3F46C40-E78C-49E1-8FB9-2D4AEA5624C8}" type="presOf" srcId="{CBB38DA2-6B5E-4B4F-BD35-723EE47D9697}" destId="{8850943B-F06F-4CC3-906A-5B373B8D3940}" srcOrd="0" destOrd="1" presId="urn:microsoft.com/office/officeart/2005/8/layout/hList7"/>
     <dgm:cxn modelId="{8F4E9A5C-00BF-4C04-B99F-A8205282C536}" type="presOf" srcId="{50B92FBA-127C-44FC-88A2-7BA2660E0644}" destId="{A1147032-16D8-44C5-AAF0-8AF3F0F7C013}" srcOrd="0" destOrd="0" presId="urn:microsoft.com/office/officeart/2005/8/layout/hList7"/>
     <dgm:cxn modelId="{7B0B325E-542D-47A4-B7AC-B8A232E5DF4B}" srcId="{0C249CC0-0471-4C02-A835-954D9A66DBE6}" destId="{120B2A07-F8D9-4849-9E00-6A9FE30A1DA0}" srcOrd="2" destOrd="0" parTransId="{44194C5C-CFC7-40C3-A9EE-BF9842E83F13}" sibTransId="{80DE00D1-5F71-48CB-9E41-41C209B173F2}"/>
     <dgm:cxn modelId="{F81BDD5F-36D7-49A0-B863-1109A5EE5BE4}" srcId="{50B92FBA-127C-44FC-88A2-7BA2660E0644}" destId="{DDCF2613-C516-4143-BBE4-56BF56BA08B5}" srcOrd="0" destOrd="0" parTransId="{39C5A059-87B1-42C2-8208-E55FC4A7C0E7}" sibTransId="{F8B64696-A973-4B7C-A460-EDDA2D8891FA}"/>
@@ -3204,10 +3168,7 @@
     <dgm:cxn modelId="{9A89D448-91FF-4E0D-9AE1-A90DE7AADF2A}" srcId="{0C249CC0-0471-4C02-A835-954D9A66DBE6}" destId="{5DCB02DD-9D7D-46F8-8F63-85DEB227E96C}" srcOrd="1" destOrd="0" parTransId="{24BB9982-26D6-4928-84E4-6BC6F690A997}" sibTransId="{C9A6FD2D-AA31-42F0-82AA-D5BE161E4F21}"/>
     <dgm:cxn modelId="{C35C1A69-C136-42CD-98DF-EAFF11421E9F}" srcId="{22D0BF9C-9098-43FB-9E1C-83B51CA53B8B}" destId="{CFBD46BB-05A4-4AF8-B2B9-13592152A4E4}" srcOrd="0" destOrd="0" parTransId="{9E4B0DCB-968B-4435-A77C-95C27978324E}" sibTransId="{AE693EBD-16E0-47DB-900D-CCC11F8A0B58}"/>
     <dgm:cxn modelId="{F260574D-EB86-4F3E-8294-7094AA8DCB4A}" type="presOf" srcId="{DDCF2613-C516-4143-BBE4-56BF56BA08B5}" destId="{43030C01-5986-479E-A12D-5D5C9D012529}" srcOrd="1" destOrd="0" presId="urn:microsoft.com/office/officeart/2005/8/layout/hList7"/>
-    <dgm:cxn modelId="{E37A3F50-47AF-4A75-87BC-15689C757755}" type="presOf" srcId="{07987B6E-2767-4A76-A041-B16E8179447B}" destId="{539743ED-17F5-4769-817E-5951EAC8A491}" srcOrd="1" destOrd="3" presId="urn:microsoft.com/office/officeart/2005/8/layout/hList7"/>
-    <dgm:cxn modelId="{C70A6651-415C-40F0-B7C7-B944BD96F1FD}" type="presOf" srcId="{32D168FC-66B2-430B-8243-781F6D59AE1C}" destId="{8850943B-F06F-4CC3-906A-5B373B8D3940}" srcOrd="0" destOrd="2" presId="urn:microsoft.com/office/officeart/2005/8/layout/hList7"/>
-    <dgm:cxn modelId="{4BC71B74-CEAC-4F5D-899D-C348965C7463}" srcId="{27CBE004-D863-43AA-A93E-D9814DEFDD73}" destId="{32D168FC-66B2-430B-8243-781F6D59AE1C}" srcOrd="1" destOrd="0" parTransId="{C7D0C220-6D88-4286-9327-AB6CBEBD681C}" sibTransId="{96EBF514-CA74-4C5B-9612-33F90C9E9FC0}"/>
-    <dgm:cxn modelId="{11AEC676-441F-4CB2-B627-E2CF7F39C2A2}" srcId="{27CBE004-D863-43AA-A93E-D9814DEFDD73}" destId="{07FC20FA-B0B5-4FB9-925D-3F49A843FFFD}" srcOrd="0" destOrd="0" parTransId="{5C7078D4-5FC6-400B-B8B7-B59A5EB447B7}" sibTransId="{F6A9A4B1-63AC-4262-BA0F-497710E7908A}"/>
+    <dgm:cxn modelId="{11AEC676-441F-4CB2-B627-E2CF7F39C2A2}" srcId="{27CBE004-D863-43AA-A93E-D9814DEFDD73}" destId="{07FC20FA-B0B5-4FB9-925D-3F49A843FFFD}" srcOrd="1" destOrd="0" parTransId="{5C7078D4-5FC6-400B-B8B7-B59A5EB447B7}" sibTransId="{F6A9A4B1-63AC-4262-BA0F-497710E7908A}"/>
     <dgm:cxn modelId="{5D6E6A78-A939-41BA-9E26-A5162174FA13}" srcId="{50B92FBA-127C-44FC-88A2-7BA2660E0644}" destId="{27CBE004-D863-43AA-A93E-D9814DEFDD73}" srcOrd="4" destOrd="0" parTransId="{825EB3F2-B98D-490A-9314-CB1AC2909F42}" sibTransId="{34AA0EFD-AF51-4B94-B26F-874017BE5D83}"/>
     <dgm:cxn modelId="{285A5C5A-A72A-4C96-A0E0-5D8BC9948783}" type="presOf" srcId="{357DB4CB-A34F-4CA9-9E6F-29A832B3B985}" destId="{76F90658-0028-4F8E-B31C-65AD52796673}" srcOrd="0" destOrd="2" presId="urn:microsoft.com/office/officeart/2005/8/layout/hList7"/>
     <dgm:cxn modelId="{1698427E-4033-43CE-A993-1C4219028E3C}" srcId="{50B92FBA-127C-44FC-88A2-7BA2660E0644}" destId="{CF6A3CD5-1FD6-4E54-93EF-95CAFEF626E6}" srcOrd="2" destOrd="0" parTransId="{C7ED55AC-527B-41E4-9AEC-FE6D05B7FEF6}" sibTransId="{FBDE67F6-4524-4E1D-97E2-8864D9E14433}"/>
@@ -3232,7 +3193,7 @@
     <dgm:cxn modelId="{D3C4A0E2-874E-4299-9AD9-F06D677CC6CA}" srcId="{CF6A3CD5-1FD6-4E54-93EF-95CAFEF626E6}" destId="{D46FBB7F-279D-417C-9B92-7E1F69958267}" srcOrd="2" destOrd="0" parTransId="{29CA05D0-788D-499E-8CC5-FC5DD06D190E}" sibTransId="{8A03864F-AB95-46C9-9AFD-463E62EBE0EA}"/>
     <dgm:cxn modelId="{B78A96E3-4B1B-4B3C-9A57-A560A7DE31CF}" type="presOf" srcId="{31B82305-0895-46EE-9EFC-404C2E6B270F}" destId="{35AC1F78-AB5A-4F76-ABBE-1E5364B52728}" srcOrd="1" destOrd="5" presId="urn:microsoft.com/office/officeart/2005/8/layout/hList7"/>
     <dgm:cxn modelId="{FCC4E6E9-747B-4A08-A3EE-D01BF187B0B2}" srcId="{CF6A3CD5-1FD6-4E54-93EF-95CAFEF626E6}" destId="{9096C7DC-9C9D-443C-B017-9D7787E4D6C4}" srcOrd="0" destOrd="0" parTransId="{54105DB6-960E-4CBD-A696-C27E4865B041}" sibTransId="{ED2A0F18-4987-4E7B-A654-C92DF6443069}"/>
-    <dgm:cxn modelId="{308712ED-935C-417D-ABA9-D8AF829ABA2B}" type="presOf" srcId="{07FC20FA-B0B5-4FB9-925D-3F49A843FFFD}" destId="{8850943B-F06F-4CC3-906A-5B373B8D3940}" srcOrd="0" destOrd="1" presId="urn:microsoft.com/office/officeart/2005/8/layout/hList7"/>
+    <dgm:cxn modelId="{308712ED-935C-417D-ABA9-D8AF829ABA2B}" type="presOf" srcId="{07FC20FA-B0B5-4FB9-925D-3F49A843FFFD}" destId="{8850943B-F06F-4CC3-906A-5B373B8D3940}" srcOrd="0" destOrd="2" presId="urn:microsoft.com/office/officeart/2005/8/layout/hList7"/>
     <dgm:cxn modelId="{11F97AEE-3357-4550-A19D-545B989F89CE}" srcId="{50B92FBA-127C-44FC-88A2-7BA2660E0644}" destId="{22D0BF9C-9098-43FB-9E1C-83B51CA53B8B}" srcOrd="3" destOrd="0" parTransId="{77C56DF0-B846-44A3-8124-4F91C1C0AE35}" sibTransId="{28545E06-75FB-4E43-B84D-55D351AE4231}"/>
     <dgm:cxn modelId="{C5057AF1-05F8-46F0-92A4-C5653BBA02E2}" type="presOf" srcId="{4CC8A812-363D-4775-BEB3-F4B9D35D974F}" destId="{B5E33D23-91A9-4A6A-B691-D6D1C97BA930}" srcOrd="1" destOrd="2" presId="urn:microsoft.com/office/officeart/2005/8/layout/hList7"/>
     <dgm:cxn modelId="{3358FAF5-BD66-490B-8147-779AC4D8C19C}" type="presOf" srcId="{62FF2265-9DBB-4CC6-9FA4-2C61781A762F}" destId="{49E376A7-23B0-44CC-9506-66339598ACC6}" srcOrd="1" destOrd="2" presId="urn:microsoft.com/office/officeart/2005/8/layout/hList7"/>
@@ -4619,7 +4580,7 @@
           </a:pPr>
           <a:r>
             <a:rPr lang="en-US" sz="700" kern="1200" dirty="0"/>
-            <a:t>Data Collection and Organization</a:t>
+            <a:t>Data Collection, Organization, Databases</a:t>
           </a:r>
         </a:p>
         <a:p>
@@ -4985,7 +4946,7 @@
           </a:pPr>
           <a:r>
             <a:rPr lang="en-US" sz="700" kern="1200" dirty="0"/>
-            <a:t>Future Research</a:t>
+            <a:t>Conclusions and Perspectives</a:t>
           </a:r>
         </a:p>
         <a:p>
@@ -5003,7 +4964,7 @@
           </a:pPr>
           <a:r>
             <a:rPr lang="en-US" sz="500" kern="1200" dirty="0"/>
-            <a:t>Investigation of online learning for RF situational awareness</a:t>
+            <a:t>Concluding remarks of the thesis</a:t>
           </a:r>
         </a:p>
         <a:p>
@@ -5021,25 +4982,7 @@
           </a:pPr>
           <a:r>
             <a:rPr lang="en-US" sz="500" kern="1200" dirty="0"/>
-            <a:t>Integrate ML with industrial control systems</a:t>
-          </a:r>
-        </a:p>
-        <a:p>
-          <a:pPr marL="57150" lvl="1" indent="-57150" algn="l" defTabSz="222250">
-            <a:lnSpc>
-              <a:spcPct val="90000"/>
-            </a:lnSpc>
-            <a:spcBef>
-              <a:spcPct val="0"/>
-            </a:spcBef>
-            <a:spcAft>
-              <a:spcPct val="15000"/>
-            </a:spcAft>
-            <a:buChar char="•"/>
-          </a:pPr>
-          <a:r>
-            <a:rPr lang="en-US" sz="500" kern="1200" dirty="0"/>
-            <a:t>Extension of model to larger systems and inclusion into standards</a:t>
+            <a:t>Examination of possible research paths that may leverage this work</a:t>
           </a:r>
         </a:p>
       </dsp:txBody>
@@ -7959,7 +7902,7 @@
           <a:p>
             <a:fld id="{C5679AC8-24FE-403C-9EDF-7FB033AD0E6C}" type="datetimeFigureOut">
               <a:rPr lang="en-US" smtClean="0"/>
-              <a:t>1/15/2020</a:t>
+              <a:t>1/21/2020</a:t>
             </a:fld>
             <a:endParaRPr lang="en-US"/>
           </a:p>
@@ -8129,7 +8072,7 @@
           <a:p>
             <a:fld id="{C5679AC8-24FE-403C-9EDF-7FB033AD0E6C}" type="datetimeFigureOut">
               <a:rPr lang="en-US" smtClean="0"/>
-              <a:t>1/15/2020</a:t>
+              <a:t>1/21/2020</a:t>
             </a:fld>
             <a:endParaRPr lang="en-US"/>
           </a:p>
@@ -8309,7 +8252,7 @@
           <a:p>
             <a:fld id="{C5679AC8-24FE-403C-9EDF-7FB033AD0E6C}" type="datetimeFigureOut">
               <a:rPr lang="en-US" smtClean="0"/>
-              <a:t>1/15/2020</a:t>
+              <a:t>1/21/2020</a:t>
             </a:fld>
             <a:endParaRPr lang="en-US"/>
           </a:p>
@@ -8479,7 +8422,7 @@
           <a:p>
             <a:fld id="{C5679AC8-24FE-403C-9EDF-7FB033AD0E6C}" type="datetimeFigureOut">
               <a:rPr lang="en-US" smtClean="0"/>
-              <a:t>1/15/2020</a:t>
+              <a:t>1/21/2020</a:t>
             </a:fld>
             <a:endParaRPr lang="en-US"/>
           </a:p>
@@ -8723,7 +8666,7 @@
           <a:p>
             <a:fld id="{C5679AC8-24FE-403C-9EDF-7FB033AD0E6C}" type="datetimeFigureOut">
               <a:rPr lang="en-US" smtClean="0"/>
-              <a:t>1/15/2020</a:t>
+              <a:t>1/21/2020</a:t>
             </a:fld>
             <a:endParaRPr lang="en-US"/>
           </a:p>
@@ -8955,7 +8898,7 @@
           <a:p>
             <a:fld id="{C5679AC8-24FE-403C-9EDF-7FB033AD0E6C}" type="datetimeFigureOut">
               <a:rPr lang="en-US" smtClean="0"/>
-              <a:t>1/15/2020</a:t>
+              <a:t>1/21/2020</a:t>
             </a:fld>
             <a:endParaRPr lang="en-US"/>
           </a:p>
@@ -9322,7 +9265,7 @@
           <a:p>
             <a:fld id="{C5679AC8-24FE-403C-9EDF-7FB033AD0E6C}" type="datetimeFigureOut">
               <a:rPr lang="en-US" smtClean="0"/>
-              <a:t>1/15/2020</a:t>
+              <a:t>1/21/2020</a:t>
             </a:fld>
             <a:endParaRPr lang="en-US"/>
           </a:p>
@@ -9440,7 +9383,7 @@
           <a:p>
             <a:fld id="{C5679AC8-24FE-403C-9EDF-7FB033AD0E6C}" type="datetimeFigureOut">
               <a:rPr lang="en-US" smtClean="0"/>
-              <a:t>1/15/2020</a:t>
+              <a:t>1/21/2020</a:t>
             </a:fld>
             <a:endParaRPr lang="en-US"/>
           </a:p>
@@ -9535,7 +9478,7 @@
           <a:p>
             <a:fld id="{C5679AC8-24FE-403C-9EDF-7FB033AD0E6C}" type="datetimeFigureOut">
               <a:rPr lang="en-US" smtClean="0"/>
-              <a:t>1/15/2020</a:t>
+              <a:t>1/21/2020</a:t>
             </a:fld>
             <a:endParaRPr lang="en-US"/>
           </a:p>
@@ -9812,7 +9755,7 @@
           <a:p>
             <a:fld id="{C5679AC8-24FE-403C-9EDF-7FB033AD0E6C}" type="datetimeFigureOut">
               <a:rPr lang="en-US" smtClean="0"/>
-              <a:t>1/15/2020</a:t>
+              <a:t>1/21/2020</a:t>
             </a:fld>
             <a:endParaRPr lang="en-US"/>
           </a:p>
@@ -10069,7 +10012,7 @@
           <a:p>
             <a:fld id="{C5679AC8-24FE-403C-9EDF-7FB033AD0E6C}" type="datetimeFigureOut">
               <a:rPr lang="en-US" smtClean="0"/>
-              <a:t>1/15/2020</a:t>
+              <a:t>1/21/2020</a:t>
             </a:fld>
             <a:endParaRPr lang="en-US"/>
           </a:p>
@@ -10282,7 +10225,7 @@
           <a:p>
             <a:fld id="{C5679AC8-24FE-403C-9EDF-7FB033AD0E6C}" type="datetimeFigureOut">
               <a:rPr lang="en-US" smtClean="0"/>
-              <a:t>1/15/2020</a:t>
+              <a:t>1/21/2020</a:t>
             </a:fld>
             <a:endParaRPr lang="en-US"/>
           </a:p>
@@ -10758,7 +10701,7 @@
           <p:nvPr>
             <p:extLst>
               <p:ext uri="{D42A27DB-BD31-4B8C-83A1-F6EECF244321}">
-                <p14:modId xmlns:p14="http://schemas.microsoft.com/office/powerpoint/2010/main" val="502624885"/>
+                <p14:modId xmlns:p14="http://schemas.microsoft.com/office/powerpoint/2010/main" val="2257819281"/>
               </p:ext>
             </p:extLst>
           </p:nvPr>
